--- a/前端课程.pptx
+++ b/前端课程.pptx
@@ -5,7 +5,7 @@
     <p:sldMasterId id="2147483648" r:id="rId1"/>
   </p:sldMasterIdLst>
   <p:notesMasterIdLst>
-    <p:notesMasterId r:id="rId18"/>
+    <p:notesMasterId r:id="rId21"/>
   </p:notesMasterIdLst>
   <p:sldIdLst>
     <p:sldId id="272" r:id="rId2"/>
@@ -24,6 +24,9 @@
     <p:sldId id="266" r:id="rId15"/>
     <p:sldId id="271" r:id="rId16"/>
     <p:sldId id="269" r:id="rId17"/>
+    <p:sldId id="275" r:id="rId18"/>
+    <p:sldId id="274" r:id="rId19"/>
+    <p:sldId id="273" r:id="rId20"/>
   </p:sldIdLst>
   <p:sldSz cx="12192000" cy="6858000"/>
   <p:notesSz cx="6858000" cy="9144000"/>
@@ -143,6 +146,9 @@
             <p14:sldId id="266"/>
             <p14:sldId id="271"/>
             <p14:sldId id="269"/>
+            <p14:sldId id="275"/>
+            <p14:sldId id="274"/>
+            <p14:sldId id="273"/>
           </p14:sldIdLst>
         </p14:section>
         <p14:section name="Untitled Section" id="{0F453BDA-0411-3C4B-9C87-D2233F808088}">
@@ -239,7 +245,7 @@
           <a:p>
             <a:fld id="{A75DC609-2A5E-994A-AEB9-E13728C46CDD}" type="datetimeFigureOut">
               <a:rPr lang="en-US" smtClean="0"/>
-              <a:t>1/13/18</a:t>
+              <a:t>1/19/18</a:t>
             </a:fld>
             <a:endParaRPr lang="en-US"/>
           </a:p>
@@ -1033,6 +1039,168 @@
 </p:notes>
 </file>
 
+<file path=ppt/notesSlides/notesSlide6.xml><?xml version="1.0" encoding="utf-8"?>
+<p:notes xmlns:a="http://schemas.openxmlformats.org/drawingml/2006/main" xmlns:r="http://schemas.openxmlformats.org/officeDocument/2006/relationships" xmlns:p="http://schemas.openxmlformats.org/presentationml/2006/main">
+  <p:cSld>
+    <p:spTree>
+      <p:nvGrpSpPr>
+        <p:cNvPr id="1" name=""/>
+        <p:cNvGrpSpPr/>
+        <p:nvPr/>
+      </p:nvGrpSpPr>
+      <p:grpSpPr>
+        <a:xfrm>
+          <a:off x="0" y="0"/>
+          <a:ext cx="0" cy="0"/>
+          <a:chOff x="0" y="0"/>
+          <a:chExt cx="0" cy="0"/>
+        </a:xfrm>
+      </p:grpSpPr>
+      <p:sp>
+        <p:nvSpPr>
+          <p:cNvPr id="2" name="Slide Image Placeholder 1"/>
+          <p:cNvSpPr>
+            <a:spLocks noGrp="1" noRot="1" noChangeAspect="1"/>
+          </p:cNvSpPr>
+          <p:nvPr>
+            <p:ph type="sldImg"/>
+          </p:nvPr>
+        </p:nvSpPr>
+        <p:spPr/>
+      </p:sp>
+      <p:sp>
+        <p:nvSpPr>
+          <p:cNvPr id="3" name="Notes Placeholder 2"/>
+          <p:cNvSpPr>
+            <a:spLocks noGrp="1"/>
+          </p:cNvSpPr>
+          <p:nvPr>
+            <p:ph type="body" idx="1"/>
+          </p:nvPr>
+        </p:nvSpPr>
+        <p:spPr/>
+        <p:txBody>
+          <a:bodyPr/>
+          <a:lstStyle/>
+          <a:p>
+            <a:r>
+              <a:rPr lang="en-US" dirty="0" smtClean="0"/>
+              <a:t>https://</a:t>
+            </a:r>
+            <a:r>
+              <a:rPr lang="en-US" dirty="0" err="1" smtClean="0"/>
+              <a:t>github.com</a:t>
+            </a:r>
+            <a:r>
+              <a:rPr lang="en-US" dirty="0" smtClean="0"/>
+              <a:t>/</a:t>
+            </a:r>
+            <a:r>
+              <a:rPr lang="en-US" dirty="0" err="1" smtClean="0"/>
+              <a:t>ruanyf</a:t>
+            </a:r>
+            <a:r>
+              <a:rPr lang="en-US" dirty="0" smtClean="0"/>
+              <a:t>/react-demos</a:t>
+            </a:r>
+            <a:r>
+              <a:rPr lang="zh-CN" altLang="en-US" dirty="0" smtClean="0"/>
+              <a:t> 阮一峰</a:t>
+            </a:r>
+            <a:endParaRPr lang="en-US" altLang="zh-CN" dirty="0" smtClean="0"/>
+          </a:p>
+          <a:p>
+            <a:endParaRPr lang="en-US" dirty="0" smtClean="0"/>
+          </a:p>
+          <a:p>
+            <a:pPr marL="0" marR="0" indent="0" algn="l" defTabSz="914400" rtl="0" eaLnBrk="1" fontAlgn="auto" latinLnBrk="0" hangingPunct="1">
+              <a:lnSpc>
+                <a:spcPct val="100000"/>
+              </a:lnSpc>
+              <a:spcBef>
+                <a:spcPts val="0"/>
+              </a:spcBef>
+              <a:spcAft>
+                <a:spcPts val="0"/>
+              </a:spcAft>
+              <a:buClrTx/>
+              <a:buSzTx/>
+              <a:buFontTx/>
+              <a:buNone/>
+              <a:tabLst/>
+              <a:defRPr/>
+            </a:pPr>
+            <a:r>
+              <a:rPr lang="en-US" dirty="0" smtClean="0"/>
+              <a:t>h</a:t>
+            </a:r>
+            <a:r>
+              <a:rPr lang="en-US" dirty="0" smtClean="0"/>
+              <a:t>ttps://</a:t>
+            </a:r>
+            <a:r>
+              <a:rPr lang="en-US" dirty="0" err="1" smtClean="0"/>
+              <a:t>reactjs.org</a:t>
+            </a:r>
+            <a:r>
+              <a:rPr lang="en-US" dirty="0" smtClean="0"/>
+              <a:t>/tutorial/</a:t>
+            </a:r>
+            <a:r>
+              <a:rPr lang="en-US" dirty="0" err="1" smtClean="0"/>
+              <a:t>tutorial.html</a:t>
+            </a:r>
+            <a:r>
+              <a:rPr lang="en-US" dirty="0" smtClean="0"/>
+              <a:t> </a:t>
+            </a:r>
+            <a:r>
+              <a:rPr lang="zh-CN" altLang="en-US" dirty="0" smtClean="0"/>
+              <a:t>官方教程</a:t>
+            </a:r>
+            <a:endParaRPr lang="en-US" altLang="zh-CN" dirty="0" smtClean="0"/>
+          </a:p>
+          <a:p>
+            <a:endParaRPr lang="en-US" dirty="0"/>
+          </a:p>
+        </p:txBody>
+      </p:sp>
+      <p:sp>
+        <p:nvSpPr>
+          <p:cNvPr id="4" name="Slide Number Placeholder 3"/>
+          <p:cNvSpPr>
+            <a:spLocks noGrp="1"/>
+          </p:cNvSpPr>
+          <p:nvPr>
+            <p:ph type="sldNum" sz="quarter" idx="10"/>
+          </p:nvPr>
+        </p:nvSpPr>
+        <p:spPr/>
+        <p:txBody>
+          <a:bodyPr/>
+          <a:lstStyle/>
+          <a:p>
+            <a:fld id="{3A8071CD-55D8-0E40-9E87-5F5ADA6DF007}" type="slidenum">
+              <a:rPr lang="en-US" smtClean="0"/>
+              <a:t>19</a:t>
+            </a:fld>
+            <a:endParaRPr lang="en-US"/>
+          </a:p>
+        </p:txBody>
+      </p:sp>
+    </p:spTree>
+    <p:extLst>
+      <p:ext uri="{BB962C8B-B14F-4D97-AF65-F5344CB8AC3E}">
+        <p14:creationId xmlns:p14="http://schemas.microsoft.com/office/powerpoint/2010/main" val="210574395"/>
+      </p:ext>
+    </p:extLst>
+  </p:cSld>
+  <p:clrMapOvr>
+    <a:masterClrMapping/>
+  </p:clrMapOvr>
+</p:notes>
+</file>
+
 <file path=ppt/slideLayouts/slideLayout1.xml><?xml version="1.0" encoding="utf-8"?>
 <p:sldLayout xmlns:a="http://schemas.openxmlformats.org/drawingml/2006/main" xmlns:r="http://schemas.openxmlformats.org/officeDocument/2006/relationships" xmlns:p="http://schemas.openxmlformats.org/presentationml/2006/main" type="title" preserve="1">
   <p:cSld name="Title Slide">
@@ -1247,7 +1415,7 @@
             <a:fld id="{B61BEF0D-F0BB-DE4B-95CE-6DB70DBA9567}" type="datetimeFigureOut">
               <a:rPr lang="en-US" dirty="0"/>
               <a:pPr/>
-              <a:t>1/13/18</a:t>
+              <a:t>1/19/18</a:t>
             </a:fld>
             <a:endParaRPr lang="en-US" dirty="0"/>
           </a:p>
@@ -1535,7 +1703,7 @@
             <a:fld id="{B61BEF0D-F0BB-DE4B-95CE-6DB70DBA9567}" type="datetimeFigureOut">
               <a:rPr lang="en-US" dirty="0"/>
               <a:pPr/>
-              <a:t>1/13/18</a:t>
+              <a:t>1/19/18</a:t>
             </a:fld>
             <a:endParaRPr lang="en-US" dirty="0"/>
           </a:p>
@@ -1791,7 +1959,7 @@
             <a:fld id="{B61BEF0D-F0BB-DE4B-95CE-6DB70DBA9567}" type="datetimeFigureOut">
               <a:rPr lang="en-US" dirty="0"/>
               <a:pPr/>
-              <a:t>1/13/18</a:t>
+              <a:t>1/19/18</a:t>
             </a:fld>
             <a:endParaRPr lang="en-US" dirty="0"/>
           </a:p>
@@ -2257,7 +2425,7 @@
             <a:fld id="{B61BEF0D-F0BB-DE4B-95CE-6DB70DBA9567}" type="datetimeFigureOut">
               <a:rPr lang="en-US" dirty="0"/>
               <a:pPr/>
-              <a:t>1/13/18</a:t>
+              <a:t>1/19/18</a:t>
             </a:fld>
             <a:endParaRPr lang="en-US" dirty="0"/>
           </a:p>
@@ -2434,7 +2602,7 @@
             <a:fld id="{B61BEF0D-F0BB-DE4B-95CE-6DB70DBA9567}" type="datetimeFigureOut">
               <a:rPr lang="en-US" dirty="0"/>
               <a:pPr/>
-              <a:t>1/13/18</a:t>
+              <a:t>1/19/18</a:t>
             </a:fld>
             <a:endParaRPr lang="en-US" dirty="0"/>
           </a:p>
@@ -3007,7 +3175,7 @@
             <a:fld id="{B61BEF0D-F0BB-DE4B-95CE-6DB70DBA9567}" type="datetimeFigureOut">
               <a:rPr lang="en-US" dirty="0"/>
               <a:pPr/>
-              <a:t>1/13/18</a:t>
+              <a:t>1/19/18</a:t>
             </a:fld>
             <a:endParaRPr lang="en-US" dirty="0"/>
           </a:p>
@@ -3336,7 +3504,7 @@
             <a:fld id="{B61BEF0D-F0BB-DE4B-95CE-6DB70DBA9567}" type="datetimeFigureOut">
               <a:rPr lang="en-US" dirty="0"/>
               <a:pPr/>
-              <a:t>1/13/18</a:t>
+              <a:t>1/19/18</a:t>
             </a:fld>
             <a:endParaRPr lang="en-US" dirty="0"/>
           </a:p>
@@ -3508,7 +3676,7 @@
             <a:fld id="{B61BEF0D-F0BB-DE4B-95CE-6DB70DBA9567}" type="datetimeFigureOut">
               <a:rPr lang="en-US" dirty="0"/>
               <a:pPr/>
-              <a:t>1/13/18</a:t>
+              <a:t>1/19/18</a:t>
             </a:fld>
             <a:endParaRPr lang="en-US" dirty="0"/>
           </a:p>
@@ -3685,7 +3853,7 @@
             <a:fld id="{B61BEF0D-F0BB-DE4B-95CE-6DB70DBA9567}" type="datetimeFigureOut">
               <a:rPr lang="en-US" dirty="0"/>
               <a:pPr/>
-              <a:t>1/13/18</a:t>
+              <a:t>1/19/18</a:t>
             </a:fld>
             <a:endParaRPr lang="en-US" dirty="0"/>
           </a:p>
@@ -3852,7 +4020,7 @@
             <a:fld id="{B61BEF0D-F0BB-DE4B-95CE-6DB70DBA9567}" type="datetimeFigureOut">
               <a:rPr lang="en-US" dirty="0"/>
               <a:pPr/>
-              <a:t>1/13/18</a:t>
+              <a:t>1/19/18</a:t>
             </a:fld>
             <a:endParaRPr lang="en-US" dirty="0"/>
           </a:p>
@@ -4106,7 +4274,7 @@
             <a:fld id="{B61BEF0D-F0BB-DE4B-95CE-6DB70DBA9567}" type="datetimeFigureOut">
               <a:rPr lang="en-US" dirty="0"/>
               <a:pPr/>
-              <a:t>1/13/18</a:t>
+              <a:t>1/19/18</a:t>
             </a:fld>
             <a:endParaRPr lang="en-US" dirty="0"/>
           </a:p>
@@ -4395,7 +4563,7 @@
             <a:fld id="{B61BEF0D-F0BB-DE4B-95CE-6DB70DBA9567}" type="datetimeFigureOut">
               <a:rPr lang="en-US" dirty="0"/>
               <a:pPr/>
-              <a:t>1/13/18</a:t>
+              <a:t>1/19/18</a:t>
             </a:fld>
             <a:endParaRPr lang="en-US" dirty="0"/>
           </a:p>
@@ -4822,7 +4990,7 @@
             <a:fld id="{B61BEF0D-F0BB-DE4B-95CE-6DB70DBA9567}" type="datetimeFigureOut">
               <a:rPr lang="en-US" dirty="0"/>
               <a:pPr/>
-              <a:t>1/13/18</a:t>
+              <a:t>1/19/18</a:t>
             </a:fld>
             <a:endParaRPr lang="en-US" dirty="0"/>
           </a:p>
@@ -4937,7 +5105,7 @@
             <a:fld id="{B61BEF0D-F0BB-DE4B-95CE-6DB70DBA9567}" type="datetimeFigureOut">
               <a:rPr lang="en-US" dirty="0"/>
               <a:pPr/>
-              <a:t>1/13/18</a:t>
+              <a:t>1/19/18</a:t>
             </a:fld>
             <a:endParaRPr lang="en-US" dirty="0"/>
           </a:p>
@@ -5029,7 +5197,7 @@
             <a:fld id="{B61BEF0D-F0BB-DE4B-95CE-6DB70DBA9567}" type="datetimeFigureOut">
               <a:rPr lang="en-US" dirty="0"/>
               <a:pPr/>
-              <a:t>1/13/18</a:t>
+              <a:t>1/19/18</a:t>
             </a:fld>
             <a:endParaRPr lang="en-US" dirty="0"/>
           </a:p>
@@ -5309,7 +5477,7 @@
             <a:fld id="{B61BEF0D-F0BB-DE4B-95CE-6DB70DBA9567}" type="datetimeFigureOut">
               <a:rPr lang="en-US" dirty="0"/>
               <a:pPr/>
-              <a:t>1/13/18</a:t>
+              <a:t>1/19/18</a:t>
             </a:fld>
             <a:endParaRPr lang="en-US" dirty="0"/>
           </a:p>
@@ -5597,7 +5765,7 @@
             <a:fld id="{B61BEF0D-F0BB-DE4B-95CE-6DB70DBA9567}" type="datetimeFigureOut">
               <a:rPr lang="en-US" dirty="0"/>
               <a:pPr/>
-              <a:t>1/13/18</a:t>
+              <a:t>1/19/18</a:t>
             </a:fld>
             <a:endParaRPr lang="en-US" dirty="0"/>
           </a:p>
@@ -5825,7 +5993,7 @@
             <a:fld id="{B61BEF0D-F0BB-DE4B-95CE-6DB70DBA9567}" type="datetimeFigureOut">
               <a:rPr lang="en-US" dirty="0"/>
               <a:pPr/>
-              <a:t>1/13/18</a:t>
+              <a:t>1/19/18</a:t>
             </a:fld>
             <a:endParaRPr lang="en-US" dirty="0"/>
           </a:p>
@@ -7280,6 +7448,371 @@
 </p:sld>
 </file>
 
+<file path=ppt/slides/slide17.xml><?xml version="1.0" encoding="utf-8"?>
+<p:sld xmlns:a="http://schemas.openxmlformats.org/drawingml/2006/main" xmlns:r="http://schemas.openxmlformats.org/officeDocument/2006/relationships" xmlns:p="http://schemas.openxmlformats.org/presentationml/2006/main">
+  <p:cSld>
+    <p:spTree>
+      <p:nvGrpSpPr>
+        <p:cNvPr id="1" name=""/>
+        <p:cNvGrpSpPr/>
+        <p:nvPr/>
+      </p:nvGrpSpPr>
+      <p:grpSpPr>
+        <a:xfrm>
+          <a:off x="0" y="0"/>
+          <a:ext cx="0" cy="0"/>
+          <a:chOff x="0" y="0"/>
+          <a:chExt cx="0" cy="0"/>
+        </a:xfrm>
+      </p:grpSpPr>
+      <p:sp>
+        <p:nvSpPr>
+          <p:cNvPr id="2" name="Title 1"/>
+          <p:cNvSpPr>
+            <a:spLocks noGrp="1"/>
+          </p:cNvSpPr>
+          <p:nvPr>
+            <p:ph type="title"/>
+          </p:nvPr>
+        </p:nvSpPr>
+        <p:spPr/>
+        <p:txBody>
+          <a:bodyPr/>
+          <a:lstStyle/>
+          <a:p>
+            <a:r>
+              <a:rPr lang="en-US" dirty="0" smtClean="0"/>
+              <a:t>FLEXBOX</a:t>
+            </a:r>
+            <a:endParaRPr lang="en-US" dirty="0"/>
+          </a:p>
+        </p:txBody>
+      </p:sp>
+      <p:sp>
+        <p:nvSpPr>
+          <p:cNvPr id="3" name="Text Placeholder 2"/>
+          <p:cNvSpPr>
+            <a:spLocks noGrp="1"/>
+          </p:cNvSpPr>
+          <p:nvPr>
+            <p:ph type="body" idx="1"/>
+          </p:nvPr>
+        </p:nvSpPr>
+        <p:spPr/>
+        <p:txBody>
+          <a:bodyPr/>
+          <a:lstStyle/>
+          <a:p>
+            <a:r>
+              <a:rPr lang="en-US" altLang="zh-CN" dirty="0" err="1" smtClean="0"/>
+              <a:t>Github</a:t>
+            </a:r>
+            <a:r>
+              <a:rPr lang="zh-CN" altLang="en-US" dirty="0" smtClean="0"/>
+              <a:t>：</a:t>
+            </a:r>
+            <a:r>
+              <a:rPr lang="en-US" altLang="zh-CN" dirty="0">
+                <a:hlinkClick r:id="rId2"/>
+              </a:rPr>
+              <a:t>https://</a:t>
+            </a:r>
+            <a:r>
+              <a:rPr lang="en-US" altLang="zh-CN" dirty="0" smtClean="0">
+                <a:hlinkClick r:id="rId2"/>
+              </a:rPr>
+              <a:t>github.com/lee813/ECVFrontend</a:t>
+            </a:r>
+            <a:endParaRPr lang="en-US" altLang="zh-CN" dirty="0" smtClean="0"/>
+          </a:p>
+          <a:p>
+            <a:r>
+              <a:rPr lang="en-US" dirty="0"/>
+              <a:t>https://</a:t>
+            </a:r>
+            <a:r>
+              <a:rPr lang="en-US" dirty="0" err="1"/>
+              <a:t>css-tricks.com</a:t>
+            </a:r>
+            <a:r>
+              <a:rPr lang="en-US" dirty="0"/>
+              <a:t>/snippets/</a:t>
+            </a:r>
+            <a:r>
+              <a:rPr lang="en-US" dirty="0" err="1"/>
+              <a:t>css</a:t>
+            </a:r>
+            <a:r>
+              <a:rPr lang="en-US" dirty="0"/>
+              <a:t>/a-guide-to-</a:t>
+            </a:r>
+            <a:r>
+              <a:rPr lang="en-US" dirty="0" err="1"/>
+              <a:t>flexbox</a:t>
+            </a:r>
+            <a:r>
+              <a:rPr lang="en-US" dirty="0"/>
+              <a:t>/</a:t>
+            </a:r>
+          </a:p>
+        </p:txBody>
+      </p:sp>
+    </p:spTree>
+    <p:extLst>
+      <p:ext uri="{BB962C8B-B14F-4D97-AF65-F5344CB8AC3E}">
+        <p14:creationId xmlns:p14="http://schemas.microsoft.com/office/powerpoint/2010/main" val="122956270"/>
+      </p:ext>
+    </p:extLst>
+  </p:cSld>
+  <p:clrMapOvr>
+    <a:masterClrMapping/>
+  </p:clrMapOvr>
+</p:sld>
+</file>
+
+<file path=ppt/slides/slide18.xml><?xml version="1.0" encoding="utf-8"?>
+<p:sld xmlns:a="http://schemas.openxmlformats.org/drawingml/2006/main" xmlns:r="http://schemas.openxmlformats.org/officeDocument/2006/relationships" xmlns:p="http://schemas.openxmlformats.org/presentationml/2006/main">
+  <p:cSld>
+    <p:spTree>
+      <p:nvGrpSpPr>
+        <p:cNvPr id="1" name=""/>
+        <p:cNvGrpSpPr/>
+        <p:nvPr/>
+      </p:nvGrpSpPr>
+      <p:grpSpPr>
+        <a:xfrm>
+          <a:off x="0" y="0"/>
+          <a:ext cx="0" cy="0"/>
+          <a:chOff x="0" y="0"/>
+          <a:chExt cx="0" cy="0"/>
+        </a:xfrm>
+      </p:grpSpPr>
+      <p:sp>
+        <p:nvSpPr>
+          <p:cNvPr id="2" name="Title 1"/>
+          <p:cNvSpPr>
+            <a:spLocks noGrp="1"/>
+          </p:cNvSpPr>
+          <p:nvPr>
+            <p:ph type="title"/>
+          </p:nvPr>
+        </p:nvSpPr>
+        <p:spPr/>
+        <p:txBody>
+          <a:bodyPr/>
+          <a:lstStyle/>
+          <a:p>
+            <a:r>
+              <a:rPr lang="en-US" dirty="0" err="1" smtClean="0"/>
+              <a:t>Css</a:t>
+            </a:r>
+            <a:r>
+              <a:rPr lang="en-US" dirty="0" smtClean="0"/>
+              <a:t> Grid</a:t>
+            </a:r>
+            <a:endParaRPr lang="en-US" dirty="0"/>
+          </a:p>
+        </p:txBody>
+      </p:sp>
+      <p:sp>
+        <p:nvSpPr>
+          <p:cNvPr id="3" name="Text Placeholder 2"/>
+          <p:cNvSpPr>
+            <a:spLocks noGrp="1"/>
+          </p:cNvSpPr>
+          <p:nvPr>
+            <p:ph type="body" idx="1"/>
+          </p:nvPr>
+        </p:nvSpPr>
+        <p:spPr/>
+        <p:txBody>
+          <a:bodyPr/>
+          <a:lstStyle/>
+          <a:p>
+            <a:r>
+              <a:rPr lang="zh-CN" altLang="en-US" dirty="0" smtClean="0"/>
+              <a:t>可选</a:t>
+            </a:r>
+            <a:endParaRPr lang="en-US" dirty="0"/>
+          </a:p>
+        </p:txBody>
+      </p:sp>
+    </p:spTree>
+    <p:extLst>
+      <p:ext uri="{BB962C8B-B14F-4D97-AF65-F5344CB8AC3E}">
+        <p14:creationId xmlns:p14="http://schemas.microsoft.com/office/powerpoint/2010/main" val="835012536"/>
+      </p:ext>
+    </p:extLst>
+  </p:cSld>
+  <p:clrMapOvr>
+    <a:masterClrMapping/>
+  </p:clrMapOvr>
+</p:sld>
+</file>
+
+<file path=ppt/slides/slide19.xml><?xml version="1.0" encoding="utf-8"?>
+<p:sld xmlns:a="http://schemas.openxmlformats.org/drawingml/2006/main" xmlns:r="http://schemas.openxmlformats.org/officeDocument/2006/relationships" xmlns:p="http://schemas.openxmlformats.org/presentationml/2006/main">
+  <p:cSld>
+    <p:spTree>
+      <p:nvGrpSpPr>
+        <p:cNvPr id="1" name=""/>
+        <p:cNvGrpSpPr/>
+        <p:nvPr/>
+      </p:nvGrpSpPr>
+      <p:grpSpPr>
+        <a:xfrm>
+          <a:off x="0" y="0"/>
+          <a:ext cx="0" cy="0"/>
+          <a:chOff x="0" y="0"/>
+          <a:chExt cx="0" cy="0"/>
+        </a:xfrm>
+      </p:grpSpPr>
+      <p:sp>
+        <p:nvSpPr>
+          <p:cNvPr id="2" name="Title 1"/>
+          <p:cNvSpPr>
+            <a:spLocks noGrp="1"/>
+          </p:cNvSpPr>
+          <p:nvPr>
+            <p:ph type="title"/>
+          </p:nvPr>
+        </p:nvSpPr>
+        <p:spPr>
+          <a:xfrm>
+            <a:off x="1751011" y="527281"/>
+            <a:ext cx="8686800" cy="1468800"/>
+          </a:xfrm>
+        </p:spPr>
+        <p:txBody>
+          <a:bodyPr/>
+          <a:lstStyle/>
+          <a:p>
+            <a:r>
+              <a:rPr lang="en-US" dirty="0" smtClean="0"/>
+              <a:t>React </a:t>
+            </a:r>
+            <a:r>
+              <a:rPr lang="zh-CN" altLang="en-US" dirty="0" smtClean="0"/>
+              <a:t>基础语法</a:t>
+            </a:r>
+            <a:endParaRPr lang="en-US" dirty="0"/>
+          </a:p>
+        </p:txBody>
+      </p:sp>
+      <p:sp>
+        <p:nvSpPr>
+          <p:cNvPr id="3" name="Text Placeholder 2"/>
+          <p:cNvSpPr>
+            <a:spLocks noGrp="1"/>
+          </p:cNvSpPr>
+          <p:nvPr>
+            <p:ph type="body" idx="1"/>
+          </p:nvPr>
+        </p:nvSpPr>
+        <p:spPr>
+          <a:xfrm>
+            <a:off x="1611311" y="2262781"/>
+            <a:ext cx="8686801" cy="860400"/>
+          </a:xfrm>
+        </p:spPr>
+        <p:txBody>
+          <a:bodyPr/>
+          <a:lstStyle/>
+          <a:p>
+            <a:r>
+              <a:rPr lang="en-US" dirty="0"/>
+              <a:t>http://</a:t>
+            </a:r>
+            <a:r>
+              <a:rPr lang="en-US" dirty="0" err="1"/>
+              <a:t>www.ruanyifeng.com</a:t>
+            </a:r>
+            <a:r>
+              <a:rPr lang="en-US" dirty="0"/>
+              <a:t>/blog/2015/03/</a:t>
+            </a:r>
+            <a:r>
+              <a:rPr lang="en-US" dirty="0" err="1"/>
+              <a:t>react.html</a:t>
+            </a:r>
+            <a:endParaRPr lang="en-US" dirty="0"/>
+          </a:p>
+        </p:txBody>
+      </p:sp>
+      <p:sp>
+        <p:nvSpPr>
+          <p:cNvPr id="4" name="TextBox 3"/>
+          <p:cNvSpPr txBox="1"/>
+          <p:nvPr/>
+        </p:nvSpPr>
+        <p:spPr>
+          <a:xfrm>
+            <a:off x="1751011" y="3683000"/>
+            <a:ext cx="6605589" cy="1200329"/>
+          </a:xfrm>
+          <a:prstGeom prst="rect">
+            <a:avLst/>
+          </a:prstGeom>
+          <a:noFill/>
+        </p:spPr>
+        <p:txBody>
+          <a:bodyPr wrap="square" rtlCol="0">
+            <a:spAutoFit/>
+          </a:bodyPr>
+          <a:lstStyle/>
+          <a:p>
+            <a:r>
+              <a:rPr lang="en-US" dirty="0" err="1"/>
+              <a:t>npm</a:t>
+            </a:r>
+            <a:r>
+              <a:rPr lang="en-US" dirty="0"/>
+              <a:t> </a:t>
+            </a:r>
+            <a:r>
+              <a:rPr lang="en-US" dirty="0"/>
+              <a:t>install</a:t>
+            </a:r>
+            <a:r>
+              <a:rPr lang="en-US" dirty="0"/>
+              <a:t> -g create-react-app </a:t>
+            </a:r>
+            <a:endParaRPr lang="en-US" dirty="0" smtClean="0"/>
+          </a:p>
+          <a:p>
+            <a:r>
+              <a:rPr lang="en-US" dirty="0" smtClean="0"/>
+              <a:t>create-react-app game</a:t>
+            </a:r>
+          </a:p>
+          <a:p>
+            <a:endParaRPr lang="en-US" dirty="0" smtClean="0"/>
+          </a:p>
+          <a:p>
+            <a:endParaRPr lang="en-US" dirty="0"/>
+          </a:p>
+        </p:txBody>
+      </p:sp>
+    </p:spTree>
+    <p:extLst>
+      <p:ext uri="{BB962C8B-B14F-4D97-AF65-F5344CB8AC3E}">
+        <p14:creationId xmlns:p14="http://schemas.microsoft.com/office/powerpoint/2010/main" val="1795940807"/>
+      </p:ext>
+    </p:extLst>
+  </p:cSld>
+  <p:clrMapOvr>
+    <a:masterClrMapping/>
+  </p:clrMapOvr>
+  <p:timing>
+    <p:tnLst>
+      <p:par>
+        <p:cTn id="1" dur="indefinite" restart="never" nodeType="tmRoot"/>
+      </p:par>
+    </p:tnLst>
+  </p:timing>
+</p:sld>
+</file>
+
 <file path=ppt/slides/slide2.xml><?xml version="1.0" encoding="utf-8"?>
 <p:sld xmlns:a="http://schemas.openxmlformats.org/drawingml/2006/main" xmlns:r="http://schemas.openxmlformats.org/officeDocument/2006/relationships" xmlns:p="http://schemas.openxmlformats.org/presentationml/2006/main">
   <p:cSld>
@@ -8257,11 +8790,7 @@
             </a:r>
             <a:r>
               <a:rPr lang="zh-CN" altLang="en-US" dirty="0" smtClean="0"/>
-              <a:t> 使用两种方法居中一张</a:t>
-            </a:r>
-            <a:r>
-              <a:rPr lang="zh-CN" altLang="en-US" dirty="0" smtClean="0"/>
-              <a:t>图片</a:t>
+              <a:t> 使用两种方法居中一张图片</a:t>
             </a:r>
             <a:r>
               <a:rPr lang="en-US" altLang="zh-CN" dirty="0" smtClean="0"/>
@@ -8278,10 +8807,6 @@
             <a:r>
               <a:rPr lang="en-US" altLang="zh-CN" dirty="0" smtClean="0"/>
               <a:t>)</a:t>
-            </a:r>
-            <a:r>
-              <a:rPr lang="en-US" altLang="zh-CN" dirty="0" smtClean="0"/>
-              <a:t/>
             </a:r>
             <a:br>
               <a:rPr lang="en-US" altLang="zh-CN" dirty="0" smtClean="0"/>

--- a/前端课程.pptx
+++ b/前端课程.pptx
@@ -7527,16 +7527,31 @@
           </a:p>
           <a:p>
             <a:r>
+              <a:rPr lang="en-US" dirty="0">
+                <a:hlinkClick r:id="rId3"/>
+              </a:rPr>
+              <a:t>https://css-tricks.com/snippets/css/a-guide-to-flexbox</a:t>
+            </a:r>
+            <a:r>
+              <a:rPr lang="en-US" dirty="0" smtClean="0">
+                <a:hlinkClick r:id="rId3"/>
+              </a:rPr>
+              <a:t>/</a:t>
+            </a:r>
+            <a:endParaRPr lang="en-US" dirty="0" smtClean="0"/>
+          </a:p>
+          <a:p>
+            <a:r>
               <a:rPr lang="en-US" dirty="0"/>
               <a:t>https://</a:t>
             </a:r>
             <a:r>
               <a:rPr lang="en-US" dirty="0" err="1"/>
-              <a:t>css-tricks.com</a:t>
+              <a:t>getbootstrap.com</a:t>
             </a:r>
             <a:r>
               <a:rPr lang="en-US" dirty="0"/>
-              <a:t>/snippets/</a:t>
+              <a:t>/docs/3.3/</a:t>
             </a:r>
             <a:r>
               <a:rPr lang="en-US" dirty="0" err="1"/>
@@ -7544,15 +7559,7 @@
             </a:r>
             <a:r>
               <a:rPr lang="en-US" dirty="0"/>
-              <a:t>/a-guide-to-</a:t>
-            </a:r>
-            <a:r>
-              <a:rPr lang="en-US" dirty="0" err="1"/>
-              <a:t>flexbox</a:t>
-            </a:r>
-            <a:r>
-              <a:rPr lang="en-US" dirty="0"/>
-              <a:t>/</a:t>
+              <a:t>/#grid</a:t>
             </a:r>
           </a:p>
         </p:txBody>
@@ -7567,6 +7574,13 @@
   <p:clrMapOvr>
     <a:masterClrMapping/>
   </p:clrMapOvr>
+  <p:timing>
+    <p:tnLst>
+      <p:par>
+        <p:cTn id="1" dur="indefinite" restart="never" nodeType="tmRoot"/>
+      </p:par>
+    </p:tnLst>
+  </p:timing>
 </p:sld>
 </file>
 
@@ -7647,6 +7661,13 @@
   <p:clrMapOvr>
     <a:masterClrMapping/>
   </p:clrMapOvr>
+  <p:timing>
+    <p:tnLst>
+      <p:par>
+        <p:cTn id="1" dur="indefinite" restart="never" nodeType="tmRoot"/>
+      </p:par>
+    </p:tnLst>
+  </p:timing>
 </p:sld>
 </file>
 
@@ -7748,7 +7769,7 @@
         <p:spPr>
           <a:xfrm>
             <a:off x="1751011" y="3683000"/>
-            <a:ext cx="6605589" cy="1200329"/>
+            <a:ext cx="6605589" cy="1754326"/>
           </a:xfrm>
           <a:prstGeom prst="rect">
             <a:avLst/>
@@ -7762,11 +7783,21 @@
           <a:lstStyle/>
           <a:p>
             <a:r>
-              <a:rPr lang="en-US" dirty="0" err="1"/>
+              <a:rPr lang="zh-CN" altLang="en-US" dirty="0" smtClean="0"/>
+              <a:t>打开命令行</a:t>
+            </a:r>
+            <a:endParaRPr lang="en-US" altLang="zh-CN" dirty="0" smtClean="0"/>
+          </a:p>
+          <a:p>
+            <a:endParaRPr lang="en-US" dirty="0" smtClean="0"/>
+          </a:p>
+          <a:p>
+            <a:r>
+              <a:rPr lang="en-US" dirty="0" err="1" smtClean="0"/>
               <a:t>npm</a:t>
             </a:r>
             <a:r>
-              <a:rPr lang="en-US" dirty="0"/>
+              <a:rPr lang="en-US" dirty="0" smtClean="0"/>
               <a:t> </a:t>
             </a:r>
             <a:r>

--- a/前端课程.pptx
+++ b/前端课程.pptx
@@ -5,7 +5,7 @@
     <p:sldMasterId id="2147483648" r:id="rId1"/>
   </p:sldMasterIdLst>
   <p:notesMasterIdLst>
-    <p:notesMasterId r:id="rId21"/>
+    <p:notesMasterId r:id="rId22"/>
   </p:notesMasterIdLst>
   <p:sldIdLst>
     <p:sldId id="272" r:id="rId2"/>
@@ -27,6 +27,7 @@
     <p:sldId id="275" r:id="rId18"/>
     <p:sldId id="274" r:id="rId19"/>
     <p:sldId id="273" r:id="rId20"/>
+    <p:sldId id="276" r:id="rId21"/>
   </p:sldIdLst>
   <p:sldSz cx="12192000" cy="6858000"/>
   <p:notesSz cx="6858000" cy="9144000"/>
@@ -149,6 +150,7 @@
             <p14:sldId id="275"/>
             <p14:sldId id="274"/>
             <p14:sldId id="273"/>
+            <p14:sldId id="276"/>
           </p14:sldIdLst>
         </p14:section>
         <p14:section name="Untitled Section" id="{0F453BDA-0411-3C4B-9C87-D2233F808088}">
@@ -245,7 +247,7 @@
           <a:p>
             <a:fld id="{A75DC609-2A5E-994A-AEB9-E13728C46CDD}" type="datetimeFigureOut">
               <a:rPr lang="en-US" smtClean="0"/>
-              <a:t>1/19/18</a:t>
+              <a:t>2/7/18</a:t>
             </a:fld>
             <a:endParaRPr lang="en-US"/>
           </a:p>
@@ -1132,11 +1134,7 @@
             </a:pPr>
             <a:r>
               <a:rPr lang="en-US" dirty="0" smtClean="0"/>
-              <a:t>h</a:t>
-            </a:r>
-            <a:r>
-              <a:rPr lang="en-US" dirty="0" smtClean="0"/>
-              <a:t>ttps://</a:t>
+              <a:t>https://</a:t>
             </a:r>
             <a:r>
               <a:rPr lang="en-US" dirty="0" err="1" smtClean="0"/>
@@ -1192,6 +1190,125 @@
     <p:extLst>
       <p:ext uri="{BB962C8B-B14F-4D97-AF65-F5344CB8AC3E}">
         <p14:creationId xmlns:p14="http://schemas.microsoft.com/office/powerpoint/2010/main" val="210574395"/>
+      </p:ext>
+    </p:extLst>
+  </p:cSld>
+  <p:clrMapOvr>
+    <a:masterClrMapping/>
+  </p:clrMapOvr>
+</p:notes>
+</file>
+
+<file path=ppt/notesSlides/notesSlide7.xml><?xml version="1.0" encoding="utf-8"?>
+<p:notes xmlns:a="http://schemas.openxmlformats.org/drawingml/2006/main" xmlns:r="http://schemas.openxmlformats.org/officeDocument/2006/relationships" xmlns:p="http://schemas.openxmlformats.org/presentationml/2006/main">
+  <p:cSld>
+    <p:spTree>
+      <p:nvGrpSpPr>
+        <p:cNvPr id="1" name=""/>
+        <p:cNvGrpSpPr/>
+        <p:nvPr/>
+      </p:nvGrpSpPr>
+      <p:grpSpPr>
+        <a:xfrm>
+          <a:off x="0" y="0"/>
+          <a:ext cx="0" cy="0"/>
+          <a:chOff x="0" y="0"/>
+          <a:chExt cx="0" cy="0"/>
+        </a:xfrm>
+      </p:grpSpPr>
+      <p:sp>
+        <p:nvSpPr>
+          <p:cNvPr id="2" name="Slide Image Placeholder 1"/>
+          <p:cNvSpPr>
+            <a:spLocks noGrp="1" noRot="1" noChangeAspect="1"/>
+          </p:cNvSpPr>
+          <p:nvPr>
+            <p:ph type="sldImg"/>
+          </p:nvPr>
+        </p:nvSpPr>
+        <p:spPr/>
+      </p:sp>
+      <p:sp>
+        <p:nvSpPr>
+          <p:cNvPr id="3" name="Notes Placeholder 2"/>
+          <p:cNvSpPr>
+            <a:spLocks noGrp="1"/>
+          </p:cNvSpPr>
+          <p:nvPr>
+            <p:ph type="body" idx="1"/>
+          </p:nvPr>
+        </p:nvSpPr>
+        <p:spPr/>
+        <p:txBody>
+          <a:bodyPr/>
+          <a:lstStyle/>
+          <a:p>
+            <a:r>
+              <a:rPr lang="en-US" dirty="0" smtClean="0"/>
+              <a:t>https://</a:t>
+            </a:r>
+            <a:r>
+              <a:rPr lang="en-US" dirty="0" err="1" smtClean="0"/>
+              <a:t>reactjs.org</a:t>
+            </a:r>
+            <a:r>
+              <a:rPr lang="en-US" dirty="0" smtClean="0"/>
+              <a:t>/tutorial/</a:t>
+            </a:r>
+            <a:r>
+              <a:rPr lang="en-US" dirty="0" err="1" smtClean="0"/>
+              <a:t>tutorial.html</a:t>
+            </a:r>
+            <a:endParaRPr lang="en-US" dirty="0" smtClean="0"/>
+          </a:p>
+          <a:p>
+            <a:r>
+              <a:rPr lang="en-US" dirty="0" smtClean="0"/>
+              <a:t>https://</a:t>
+            </a:r>
+            <a:r>
+              <a:rPr lang="en-US" dirty="0" err="1" smtClean="0"/>
+              <a:t>discountry.github.io</a:t>
+            </a:r>
+            <a:r>
+              <a:rPr lang="en-US" dirty="0" smtClean="0"/>
+              <a:t>/react/tutorial/</a:t>
+            </a:r>
+            <a:r>
+              <a:rPr lang="en-US" smtClean="0"/>
+              <a:t>tutorial.html</a:t>
+            </a:r>
+            <a:endParaRPr lang="en-US"/>
+          </a:p>
+        </p:txBody>
+      </p:sp>
+      <p:sp>
+        <p:nvSpPr>
+          <p:cNvPr id="4" name="Slide Number Placeholder 3"/>
+          <p:cNvSpPr>
+            <a:spLocks noGrp="1"/>
+          </p:cNvSpPr>
+          <p:nvPr>
+            <p:ph type="sldNum" sz="quarter" idx="10"/>
+          </p:nvPr>
+        </p:nvSpPr>
+        <p:spPr/>
+        <p:txBody>
+          <a:bodyPr/>
+          <a:lstStyle/>
+          <a:p>
+            <a:fld id="{3A8071CD-55D8-0E40-9E87-5F5ADA6DF007}" type="slidenum">
+              <a:rPr lang="en-US" smtClean="0"/>
+              <a:t>20</a:t>
+            </a:fld>
+            <a:endParaRPr lang="en-US"/>
+          </a:p>
+        </p:txBody>
+      </p:sp>
+    </p:spTree>
+    <p:extLst>
+      <p:ext uri="{BB962C8B-B14F-4D97-AF65-F5344CB8AC3E}">
+        <p14:creationId xmlns:p14="http://schemas.microsoft.com/office/powerpoint/2010/main" val="1767943556"/>
       </p:ext>
     </p:extLst>
   </p:cSld>
@@ -1415,7 +1532,7 @@
             <a:fld id="{B61BEF0D-F0BB-DE4B-95CE-6DB70DBA9567}" type="datetimeFigureOut">
               <a:rPr lang="en-US" dirty="0"/>
               <a:pPr/>
-              <a:t>1/19/18</a:t>
+              <a:t>2/7/18</a:t>
             </a:fld>
             <a:endParaRPr lang="en-US" dirty="0"/>
           </a:p>
@@ -1703,7 +1820,7 @@
             <a:fld id="{B61BEF0D-F0BB-DE4B-95CE-6DB70DBA9567}" type="datetimeFigureOut">
               <a:rPr lang="en-US" dirty="0"/>
               <a:pPr/>
-              <a:t>1/19/18</a:t>
+              <a:t>2/7/18</a:t>
             </a:fld>
             <a:endParaRPr lang="en-US" dirty="0"/>
           </a:p>
@@ -1959,7 +2076,7 @@
             <a:fld id="{B61BEF0D-F0BB-DE4B-95CE-6DB70DBA9567}" type="datetimeFigureOut">
               <a:rPr lang="en-US" dirty="0"/>
               <a:pPr/>
-              <a:t>1/19/18</a:t>
+              <a:t>2/7/18</a:t>
             </a:fld>
             <a:endParaRPr lang="en-US" dirty="0"/>
           </a:p>
@@ -2425,7 +2542,7 @@
             <a:fld id="{B61BEF0D-F0BB-DE4B-95CE-6DB70DBA9567}" type="datetimeFigureOut">
               <a:rPr lang="en-US" dirty="0"/>
               <a:pPr/>
-              <a:t>1/19/18</a:t>
+              <a:t>2/7/18</a:t>
             </a:fld>
             <a:endParaRPr lang="en-US" dirty="0"/>
           </a:p>
@@ -2602,7 +2719,7 @@
             <a:fld id="{B61BEF0D-F0BB-DE4B-95CE-6DB70DBA9567}" type="datetimeFigureOut">
               <a:rPr lang="en-US" dirty="0"/>
               <a:pPr/>
-              <a:t>1/19/18</a:t>
+              <a:t>2/7/18</a:t>
             </a:fld>
             <a:endParaRPr lang="en-US" dirty="0"/>
           </a:p>
@@ -3175,7 +3292,7 @@
             <a:fld id="{B61BEF0D-F0BB-DE4B-95CE-6DB70DBA9567}" type="datetimeFigureOut">
               <a:rPr lang="en-US" dirty="0"/>
               <a:pPr/>
-              <a:t>1/19/18</a:t>
+              <a:t>2/7/18</a:t>
             </a:fld>
             <a:endParaRPr lang="en-US" dirty="0"/>
           </a:p>
@@ -3504,7 +3621,7 @@
             <a:fld id="{B61BEF0D-F0BB-DE4B-95CE-6DB70DBA9567}" type="datetimeFigureOut">
               <a:rPr lang="en-US" dirty="0"/>
               <a:pPr/>
-              <a:t>1/19/18</a:t>
+              <a:t>2/7/18</a:t>
             </a:fld>
             <a:endParaRPr lang="en-US" dirty="0"/>
           </a:p>
@@ -3676,7 +3793,7 @@
             <a:fld id="{B61BEF0D-F0BB-DE4B-95CE-6DB70DBA9567}" type="datetimeFigureOut">
               <a:rPr lang="en-US" dirty="0"/>
               <a:pPr/>
-              <a:t>1/19/18</a:t>
+              <a:t>2/7/18</a:t>
             </a:fld>
             <a:endParaRPr lang="en-US" dirty="0"/>
           </a:p>
@@ -3853,7 +3970,7 @@
             <a:fld id="{B61BEF0D-F0BB-DE4B-95CE-6DB70DBA9567}" type="datetimeFigureOut">
               <a:rPr lang="en-US" dirty="0"/>
               <a:pPr/>
-              <a:t>1/19/18</a:t>
+              <a:t>2/7/18</a:t>
             </a:fld>
             <a:endParaRPr lang="en-US" dirty="0"/>
           </a:p>
@@ -4020,7 +4137,7 @@
             <a:fld id="{B61BEF0D-F0BB-DE4B-95CE-6DB70DBA9567}" type="datetimeFigureOut">
               <a:rPr lang="en-US" dirty="0"/>
               <a:pPr/>
-              <a:t>1/19/18</a:t>
+              <a:t>2/7/18</a:t>
             </a:fld>
             <a:endParaRPr lang="en-US" dirty="0"/>
           </a:p>
@@ -4274,7 +4391,7 @@
             <a:fld id="{B61BEF0D-F0BB-DE4B-95CE-6DB70DBA9567}" type="datetimeFigureOut">
               <a:rPr lang="en-US" dirty="0"/>
               <a:pPr/>
-              <a:t>1/19/18</a:t>
+              <a:t>2/7/18</a:t>
             </a:fld>
             <a:endParaRPr lang="en-US" dirty="0"/>
           </a:p>
@@ -4563,7 +4680,7 @@
             <a:fld id="{B61BEF0D-F0BB-DE4B-95CE-6DB70DBA9567}" type="datetimeFigureOut">
               <a:rPr lang="en-US" dirty="0"/>
               <a:pPr/>
-              <a:t>1/19/18</a:t>
+              <a:t>2/7/18</a:t>
             </a:fld>
             <a:endParaRPr lang="en-US" dirty="0"/>
           </a:p>
@@ -4990,7 +5107,7 @@
             <a:fld id="{B61BEF0D-F0BB-DE4B-95CE-6DB70DBA9567}" type="datetimeFigureOut">
               <a:rPr lang="en-US" dirty="0"/>
               <a:pPr/>
-              <a:t>1/19/18</a:t>
+              <a:t>2/7/18</a:t>
             </a:fld>
             <a:endParaRPr lang="en-US" dirty="0"/>
           </a:p>
@@ -5105,7 +5222,7 @@
             <a:fld id="{B61BEF0D-F0BB-DE4B-95CE-6DB70DBA9567}" type="datetimeFigureOut">
               <a:rPr lang="en-US" dirty="0"/>
               <a:pPr/>
-              <a:t>1/19/18</a:t>
+              <a:t>2/7/18</a:t>
             </a:fld>
             <a:endParaRPr lang="en-US" dirty="0"/>
           </a:p>
@@ -5197,7 +5314,7 @@
             <a:fld id="{B61BEF0D-F0BB-DE4B-95CE-6DB70DBA9567}" type="datetimeFigureOut">
               <a:rPr lang="en-US" dirty="0"/>
               <a:pPr/>
-              <a:t>1/19/18</a:t>
+              <a:t>2/7/18</a:t>
             </a:fld>
             <a:endParaRPr lang="en-US" dirty="0"/>
           </a:p>
@@ -5477,7 +5594,7 @@
             <a:fld id="{B61BEF0D-F0BB-DE4B-95CE-6DB70DBA9567}" type="datetimeFigureOut">
               <a:rPr lang="en-US" dirty="0"/>
               <a:pPr/>
-              <a:t>1/19/18</a:t>
+              <a:t>2/7/18</a:t>
             </a:fld>
             <a:endParaRPr lang="en-US" dirty="0"/>
           </a:p>
@@ -5765,7 +5882,7 @@
             <a:fld id="{B61BEF0D-F0BB-DE4B-95CE-6DB70DBA9567}" type="datetimeFigureOut">
               <a:rPr lang="en-US" dirty="0"/>
               <a:pPr/>
-              <a:t>1/19/18</a:t>
+              <a:t>2/7/18</a:t>
             </a:fld>
             <a:endParaRPr lang="en-US" dirty="0"/>
           </a:p>
@@ -5993,7 +6110,7 @@
             <a:fld id="{B61BEF0D-F0BB-DE4B-95CE-6DB70DBA9567}" type="datetimeFigureOut">
               <a:rPr lang="en-US" dirty="0"/>
               <a:pPr/>
-              <a:t>1/19/18</a:t>
+              <a:t>2/7/18</a:t>
             </a:fld>
             <a:endParaRPr lang="en-US" dirty="0"/>
           </a:p>
@@ -7802,11 +7919,7 @@
             </a:r>
             <a:r>
               <a:rPr lang="en-US" dirty="0"/>
-              <a:t>install</a:t>
-            </a:r>
-            <a:r>
-              <a:rPr lang="en-US" dirty="0"/>
-              <a:t> -g create-react-app </a:t>
+              <a:t>install -g create-react-app </a:t>
             </a:r>
             <a:endParaRPr lang="en-US" dirty="0" smtClean="0"/>
           </a:p>
@@ -7932,6 +8045,94 @@
       </p:par>
     </p:tnLst>
   </p:timing>
+</p:sld>
+</file>
+
+<file path=ppt/slides/slide20.xml><?xml version="1.0" encoding="utf-8"?>
+<p:sld xmlns:a="http://schemas.openxmlformats.org/drawingml/2006/main" xmlns:r="http://schemas.openxmlformats.org/officeDocument/2006/relationships" xmlns:p="http://schemas.openxmlformats.org/presentationml/2006/main">
+  <p:cSld>
+    <p:spTree>
+      <p:nvGrpSpPr>
+        <p:cNvPr id="1" name=""/>
+        <p:cNvGrpSpPr/>
+        <p:nvPr/>
+      </p:nvGrpSpPr>
+      <p:grpSpPr>
+        <a:xfrm>
+          <a:off x="0" y="0"/>
+          <a:ext cx="0" cy="0"/>
+          <a:chOff x="0" y="0"/>
+          <a:chExt cx="0" cy="0"/>
+        </a:xfrm>
+      </p:grpSpPr>
+      <p:sp>
+        <p:nvSpPr>
+          <p:cNvPr id="2" name="Title 1"/>
+          <p:cNvSpPr>
+            <a:spLocks noGrp="1"/>
+          </p:cNvSpPr>
+          <p:nvPr>
+            <p:ph type="title"/>
+          </p:nvPr>
+        </p:nvSpPr>
+        <p:spPr/>
+        <p:txBody>
+          <a:bodyPr/>
+          <a:lstStyle/>
+          <a:p>
+            <a:r>
+              <a:rPr lang="en-US" altLang="zh-CN" dirty="0" smtClean="0"/>
+              <a:t>React</a:t>
+            </a:r>
+            <a:r>
+              <a:rPr lang="zh-CN" altLang="en-US" dirty="0" smtClean="0"/>
+              <a:t>项目实战</a:t>
+            </a:r>
+            <a:endParaRPr lang="en-US" dirty="0"/>
+          </a:p>
+        </p:txBody>
+      </p:sp>
+      <p:sp>
+        <p:nvSpPr>
+          <p:cNvPr id="3" name="Text Placeholder 2"/>
+          <p:cNvSpPr>
+            <a:spLocks noGrp="1"/>
+          </p:cNvSpPr>
+          <p:nvPr>
+            <p:ph type="body" idx="1"/>
+          </p:nvPr>
+        </p:nvSpPr>
+        <p:spPr/>
+        <p:txBody>
+          <a:bodyPr/>
+          <a:lstStyle/>
+          <a:p>
+            <a:r>
+              <a:rPr lang="zh-CN" altLang="en-US" dirty="0" smtClean="0"/>
+              <a:t>实现官方教程</a:t>
+            </a:r>
+            <a:r>
+              <a:rPr lang="en-US" altLang="zh-CN" dirty="0" smtClean="0"/>
+              <a:t>-</a:t>
+            </a:r>
+            <a:r>
+              <a:rPr lang="zh-CN" altLang="en-US" dirty="0" smtClean="0"/>
+              <a:t>井字棋</a:t>
+            </a:r>
+            <a:endParaRPr lang="en-US" dirty="0"/>
+          </a:p>
+        </p:txBody>
+      </p:sp>
+    </p:spTree>
+    <p:extLst>
+      <p:ext uri="{BB962C8B-B14F-4D97-AF65-F5344CB8AC3E}">
+        <p14:creationId xmlns:p14="http://schemas.microsoft.com/office/powerpoint/2010/main" val="1403310130"/>
+      </p:ext>
+    </p:extLst>
+  </p:cSld>
+  <p:clrMapOvr>
+    <a:masterClrMapping/>
+  </p:clrMapOvr>
 </p:sld>
 </file>
 

--- a/前端课程.pptx
+++ b/前端课程.pptx
@@ -5,7 +5,7 @@
     <p:sldMasterId id="2147483648" r:id="rId1"/>
   </p:sldMasterIdLst>
   <p:notesMasterIdLst>
-    <p:notesMasterId r:id="rId22"/>
+    <p:notesMasterId r:id="rId23"/>
   </p:notesMasterIdLst>
   <p:sldIdLst>
     <p:sldId id="272" r:id="rId2"/>
@@ -28,6 +28,7 @@
     <p:sldId id="274" r:id="rId19"/>
     <p:sldId id="273" r:id="rId20"/>
     <p:sldId id="276" r:id="rId21"/>
+    <p:sldId id="277" r:id="rId22"/>
   </p:sldIdLst>
   <p:sldSz cx="12192000" cy="6858000"/>
   <p:notesSz cx="6858000" cy="9144000"/>
@@ -151,6 +152,7 @@
             <p14:sldId id="274"/>
             <p14:sldId id="273"/>
             <p14:sldId id="276"/>
+            <p14:sldId id="277"/>
           </p14:sldIdLst>
         </p14:section>
         <p14:section name="Untitled Section" id="{0F453BDA-0411-3C4B-9C87-D2233F808088}">
@@ -247,7 +249,7 @@
           <a:p>
             <a:fld id="{A75DC609-2A5E-994A-AEB9-E13728C46CDD}" type="datetimeFigureOut">
               <a:rPr lang="en-US" smtClean="0"/>
-              <a:t>2/7/18</a:t>
+              <a:t>2/10/18</a:t>
             </a:fld>
             <a:endParaRPr lang="en-US"/>
           </a:p>
@@ -1532,7 +1534,7 @@
             <a:fld id="{B61BEF0D-F0BB-DE4B-95CE-6DB70DBA9567}" type="datetimeFigureOut">
               <a:rPr lang="en-US" dirty="0"/>
               <a:pPr/>
-              <a:t>2/7/18</a:t>
+              <a:t>2/10/18</a:t>
             </a:fld>
             <a:endParaRPr lang="en-US" dirty="0"/>
           </a:p>
@@ -1820,7 +1822,7 @@
             <a:fld id="{B61BEF0D-F0BB-DE4B-95CE-6DB70DBA9567}" type="datetimeFigureOut">
               <a:rPr lang="en-US" dirty="0"/>
               <a:pPr/>
-              <a:t>2/7/18</a:t>
+              <a:t>2/10/18</a:t>
             </a:fld>
             <a:endParaRPr lang="en-US" dirty="0"/>
           </a:p>
@@ -2076,7 +2078,7 @@
             <a:fld id="{B61BEF0D-F0BB-DE4B-95CE-6DB70DBA9567}" type="datetimeFigureOut">
               <a:rPr lang="en-US" dirty="0"/>
               <a:pPr/>
-              <a:t>2/7/18</a:t>
+              <a:t>2/10/18</a:t>
             </a:fld>
             <a:endParaRPr lang="en-US" dirty="0"/>
           </a:p>
@@ -2542,7 +2544,7 @@
             <a:fld id="{B61BEF0D-F0BB-DE4B-95CE-6DB70DBA9567}" type="datetimeFigureOut">
               <a:rPr lang="en-US" dirty="0"/>
               <a:pPr/>
-              <a:t>2/7/18</a:t>
+              <a:t>2/10/18</a:t>
             </a:fld>
             <a:endParaRPr lang="en-US" dirty="0"/>
           </a:p>
@@ -2719,7 +2721,7 @@
             <a:fld id="{B61BEF0D-F0BB-DE4B-95CE-6DB70DBA9567}" type="datetimeFigureOut">
               <a:rPr lang="en-US" dirty="0"/>
               <a:pPr/>
-              <a:t>2/7/18</a:t>
+              <a:t>2/10/18</a:t>
             </a:fld>
             <a:endParaRPr lang="en-US" dirty="0"/>
           </a:p>
@@ -3292,7 +3294,7 @@
             <a:fld id="{B61BEF0D-F0BB-DE4B-95CE-6DB70DBA9567}" type="datetimeFigureOut">
               <a:rPr lang="en-US" dirty="0"/>
               <a:pPr/>
-              <a:t>2/7/18</a:t>
+              <a:t>2/10/18</a:t>
             </a:fld>
             <a:endParaRPr lang="en-US" dirty="0"/>
           </a:p>
@@ -3621,7 +3623,7 @@
             <a:fld id="{B61BEF0D-F0BB-DE4B-95CE-6DB70DBA9567}" type="datetimeFigureOut">
               <a:rPr lang="en-US" dirty="0"/>
               <a:pPr/>
-              <a:t>2/7/18</a:t>
+              <a:t>2/10/18</a:t>
             </a:fld>
             <a:endParaRPr lang="en-US" dirty="0"/>
           </a:p>
@@ -3793,7 +3795,7 @@
             <a:fld id="{B61BEF0D-F0BB-DE4B-95CE-6DB70DBA9567}" type="datetimeFigureOut">
               <a:rPr lang="en-US" dirty="0"/>
               <a:pPr/>
-              <a:t>2/7/18</a:t>
+              <a:t>2/10/18</a:t>
             </a:fld>
             <a:endParaRPr lang="en-US" dirty="0"/>
           </a:p>
@@ -3970,7 +3972,7 @@
             <a:fld id="{B61BEF0D-F0BB-DE4B-95CE-6DB70DBA9567}" type="datetimeFigureOut">
               <a:rPr lang="en-US" dirty="0"/>
               <a:pPr/>
-              <a:t>2/7/18</a:t>
+              <a:t>2/10/18</a:t>
             </a:fld>
             <a:endParaRPr lang="en-US" dirty="0"/>
           </a:p>
@@ -4137,7 +4139,7 @@
             <a:fld id="{B61BEF0D-F0BB-DE4B-95CE-6DB70DBA9567}" type="datetimeFigureOut">
               <a:rPr lang="en-US" dirty="0"/>
               <a:pPr/>
-              <a:t>2/7/18</a:t>
+              <a:t>2/10/18</a:t>
             </a:fld>
             <a:endParaRPr lang="en-US" dirty="0"/>
           </a:p>
@@ -4391,7 +4393,7 @@
             <a:fld id="{B61BEF0D-F0BB-DE4B-95CE-6DB70DBA9567}" type="datetimeFigureOut">
               <a:rPr lang="en-US" dirty="0"/>
               <a:pPr/>
-              <a:t>2/7/18</a:t>
+              <a:t>2/10/18</a:t>
             </a:fld>
             <a:endParaRPr lang="en-US" dirty="0"/>
           </a:p>
@@ -4680,7 +4682,7 @@
             <a:fld id="{B61BEF0D-F0BB-DE4B-95CE-6DB70DBA9567}" type="datetimeFigureOut">
               <a:rPr lang="en-US" dirty="0"/>
               <a:pPr/>
-              <a:t>2/7/18</a:t>
+              <a:t>2/10/18</a:t>
             </a:fld>
             <a:endParaRPr lang="en-US" dirty="0"/>
           </a:p>
@@ -5107,7 +5109,7 @@
             <a:fld id="{B61BEF0D-F0BB-DE4B-95CE-6DB70DBA9567}" type="datetimeFigureOut">
               <a:rPr lang="en-US" dirty="0"/>
               <a:pPr/>
-              <a:t>2/7/18</a:t>
+              <a:t>2/10/18</a:t>
             </a:fld>
             <a:endParaRPr lang="en-US" dirty="0"/>
           </a:p>
@@ -5222,7 +5224,7 @@
             <a:fld id="{B61BEF0D-F0BB-DE4B-95CE-6DB70DBA9567}" type="datetimeFigureOut">
               <a:rPr lang="en-US" dirty="0"/>
               <a:pPr/>
-              <a:t>2/7/18</a:t>
+              <a:t>2/10/18</a:t>
             </a:fld>
             <a:endParaRPr lang="en-US" dirty="0"/>
           </a:p>
@@ -5314,7 +5316,7 @@
             <a:fld id="{B61BEF0D-F0BB-DE4B-95CE-6DB70DBA9567}" type="datetimeFigureOut">
               <a:rPr lang="en-US" dirty="0"/>
               <a:pPr/>
-              <a:t>2/7/18</a:t>
+              <a:t>2/10/18</a:t>
             </a:fld>
             <a:endParaRPr lang="en-US" dirty="0"/>
           </a:p>
@@ -5594,7 +5596,7 @@
             <a:fld id="{B61BEF0D-F0BB-DE4B-95CE-6DB70DBA9567}" type="datetimeFigureOut">
               <a:rPr lang="en-US" dirty="0"/>
               <a:pPr/>
-              <a:t>2/7/18</a:t>
+              <a:t>2/10/18</a:t>
             </a:fld>
             <a:endParaRPr lang="en-US" dirty="0"/>
           </a:p>
@@ -5882,7 +5884,7 @@
             <a:fld id="{B61BEF0D-F0BB-DE4B-95CE-6DB70DBA9567}" type="datetimeFigureOut">
               <a:rPr lang="en-US" dirty="0"/>
               <a:pPr/>
-              <a:t>2/7/18</a:t>
+              <a:t>2/10/18</a:t>
             </a:fld>
             <a:endParaRPr lang="en-US" dirty="0"/>
           </a:p>
@@ -6110,7 +6112,7 @@
             <a:fld id="{B61BEF0D-F0BB-DE4B-95CE-6DB70DBA9567}" type="datetimeFigureOut">
               <a:rPr lang="en-US" dirty="0"/>
               <a:pPr/>
-              <a:t>2/7/18</a:t>
+              <a:t>2/10/18</a:t>
             </a:fld>
             <a:endParaRPr lang="en-US" dirty="0"/>
           </a:p>
@@ -8136,6 +8138,108 @@
 </p:sld>
 </file>
 
+<file path=ppt/slides/slide21.xml><?xml version="1.0" encoding="utf-8"?>
+<p:sld xmlns:a="http://schemas.openxmlformats.org/drawingml/2006/main" xmlns:r="http://schemas.openxmlformats.org/officeDocument/2006/relationships" xmlns:p="http://schemas.openxmlformats.org/presentationml/2006/main">
+  <p:cSld>
+    <p:spTree>
+      <p:nvGrpSpPr>
+        <p:cNvPr id="1" name=""/>
+        <p:cNvGrpSpPr/>
+        <p:nvPr/>
+      </p:nvGrpSpPr>
+      <p:grpSpPr>
+        <a:xfrm>
+          <a:off x="0" y="0"/>
+          <a:ext cx="0" cy="0"/>
+          <a:chOff x="0" y="0"/>
+          <a:chExt cx="0" cy="0"/>
+        </a:xfrm>
+      </p:grpSpPr>
+      <p:sp>
+        <p:nvSpPr>
+          <p:cNvPr id="2" name="Title 1"/>
+          <p:cNvSpPr>
+            <a:spLocks noGrp="1"/>
+          </p:cNvSpPr>
+          <p:nvPr>
+            <p:ph type="title"/>
+          </p:nvPr>
+        </p:nvSpPr>
+        <p:spPr/>
+        <p:txBody>
+          <a:bodyPr/>
+          <a:lstStyle/>
+          <a:p>
+            <a:r>
+              <a:rPr lang="en-US" dirty="0" err="1" smtClean="0"/>
+              <a:t>Anuglar</a:t>
+            </a:r>
+            <a:r>
+              <a:rPr lang="en-US" dirty="0" smtClean="0"/>
+              <a:t> Tutorial</a:t>
+            </a:r>
+            <a:endParaRPr lang="en-US" dirty="0"/>
+          </a:p>
+        </p:txBody>
+      </p:sp>
+      <p:sp>
+        <p:nvSpPr>
+          <p:cNvPr id="3" name="Text Placeholder 2"/>
+          <p:cNvSpPr>
+            <a:spLocks noGrp="1"/>
+          </p:cNvSpPr>
+          <p:nvPr>
+            <p:ph type="body" idx="1"/>
+          </p:nvPr>
+        </p:nvSpPr>
+        <p:spPr/>
+        <p:txBody>
+          <a:bodyPr/>
+          <a:lstStyle/>
+          <a:p>
+            <a:r>
+              <a:rPr lang="en-US" dirty="0">
+                <a:hlinkClick r:id="rId2"/>
+              </a:rPr>
+              <a:t>https://</a:t>
+            </a:r>
+            <a:r>
+              <a:rPr lang="en-US" dirty="0" smtClean="0">
+                <a:hlinkClick r:id="rId2"/>
+              </a:rPr>
+              <a:t>angular.io/tutorial</a:t>
+            </a:r>
+            <a:endParaRPr lang="en-US" dirty="0" smtClean="0"/>
+          </a:p>
+          <a:p>
+            <a:r>
+              <a:rPr lang="en-US" dirty="0"/>
+              <a:t>https://</a:t>
+            </a:r>
+            <a:r>
+              <a:rPr lang="en-US" dirty="0" err="1"/>
+              <a:t>docs.angularjs.org</a:t>
+            </a:r>
+            <a:r>
+              <a:rPr lang="en-US" dirty="0"/>
+              <a:t>/tutorial</a:t>
+            </a:r>
+          </a:p>
+        </p:txBody>
+      </p:sp>
+    </p:spTree>
+    <p:extLst>
+      <p:ext uri="{BB962C8B-B14F-4D97-AF65-F5344CB8AC3E}">
+        <p14:creationId xmlns:p14="http://schemas.microsoft.com/office/powerpoint/2010/main" val="2098117636"/>
+      </p:ext>
+    </p:extLst>
+  </p:cSld>
+  <p:clrMapOvr>
+    <a:masterClrMapping/>
+  </p:clrMapOvr>
+</p:sld>
+</file>
+
 <file path=ppt/slides/slide3.xml><?xml version="1.0" encoding="utf-8"?>
 <p:sld xmlns:a="http://schemas.openxmlformats.org/drawingml/2006/main" xmlns:r="http://schemas.openxmlformats.org/officeDocument/2006/relationships" xmlns:p="http://schemas.openxmlformats.org/presentationml/2006/main">
   <p:cSld>

--- a/前端课程.pptx
+++ b/前端课程.pptx
@@ -5,7 +5,7 @@
     <p:sldMasterId id="2147483648" r:id="rId1"/>
   </p:sldMasterIdLst>
   <p:notesMasterIdLst>
-    <p:notesMasterId r:id="rId23"/>
+    <p:notesMasterId r:id="rId32"/>
   </p:notesMasterIdLst>
   <p:sldIdLst>
     <p:sldId id="272" r:id="rId2"/>
@@ -28,7 +28,16 @@
     <p:sldId id="274" r:id="rId19"/>
     <p:sldId id="273" r:id="rId20"/>
     <p:sldId id="276" r:id="rId21"/>
-    <p:sldId id="277" r:id="rId22"/>
+    <p:sldId id="282" r:id="rId22"/>
+    <p:sldId id="284" r:id="rId23"/>
+    <p:sldId id="285" r:id="rId24"/>
+    <p:sldId id="286" r:id="rId25"/>
+    <p:sldId id="288" r:id="rId26"/>
+    <p:sldId id="277" r:id="rId27"/>
+    <p:sldId id="279" r:id="rId28"/>
+    <p:sldId id="278" r:id="rId29"/>
+    <p:sldId id="281" r:id="rId30"/>
+    <p:sldId id="287" r:id="rId31"/>
   </p:sldIdLst>
   <p:sldSz cx="12192000" cy="6858000"/>
   <p:notesSz cx="6858000" cy="9144000"/>
@@ -152,7 +161,16 @@
             <p14:sldId id="274"/>
             <p14:sldId id="273"/>
             <p14:sldId id="276"/>
+            <p14:sldId id="282"/>
+            <p14:sldId id="284"/>
+            <p14:sldId id="285"/>
+            <p14:sldId id="286"/>
+            <p14:sldId id="288"/>
             <p14:sldId id="277"/>
+            <p14:sldId id="279"/>
+            <p14:sldId id="278"/>
+            <p14:sldId id="281"/>
+            <p14:sldId id="287"/>
           </p14:sldIdLst>
         </p14:section>
         <p14:section name="Untitled Section" id="{0F453BDA-0411-3C4B-9C87-D2233F808088}">
@@ -249,7 +267,7 @@
           <a:p>
             <a:fld id="{A75DC609-2A5E-994A-AEB9-E13728C46CDD}" type="datetimeFigureOut">
               <a:rPr lang="en-US" smtClean="0"/>
-              <a:t>2/10/18</a:t>
+              <a:t>2/17/18</a:t>
             </a:fld>
             <a:endParaRPr lang="en-US"/>
           </a:p>
@@ -561,12 +579,6 @@
           <a:bodyPr/>
           <a:lstStyle/>
           <a:p>
-            <a:r>
-              <a:rPr lang="en-US" dirty="0" smtClean="0"/>
-              <a:t>http://es6.ruanyifeng.com/</a:t>
-            </a:r>
-          </a:p>
-          <a:p>
             <a:endParaRPr lang="en-US" dirty="0"/>
           </a:p>
         </p:txBody>
@@ -588,7 +600,7 @@
           <a:p>
             <a:fld id="{3A8071CD-55D8-0E40-9E87-5F5ADA6DF007}" type="slidenum">
               <a:rPr lang="en-US" smtClean="0"/>
-              <a:t>10</a:t>
+              <a:t>1</a:t>
             </a:fld>
             <a:endParaRPr lang="en-US"/>
           </a:p>
@@ -597,7 +609,668 @@
     </p:spTree>
     <p:extLst>
       <p:ext uri="{BB962C8B-B14F-4D97-AF65-F5344CB8AC3E}">
-        <p14:creationId xmlns:p14="http://schemas.microsoft.com/office/powerpoint/2010/main" val="786318014"/>
+        <p14:creationId xmlns:p14="http://schemas.microsoft.com/office/powerpoint/2010/main" val="1320129658"/>
+      </p:ext>
+    </p:extLst>
+  </p:cSld>
+  <p:clrMapOvr>
+    <a:masterClrMapping/>
+  </p:clrMapOvr>
+</p:notes>
+</file>
+
+<file path=ppt/notesSlides/notesSlide10.xml><?xml version="1.0" encoding="utf-8"?>
+<p:notes xmlns:a="http://schemas.openxmlformats.org/drawingml/2006/main" xmlns:r="http://schemas.openxmlformats.org/officeDocument/2006/relationships" xmlns:p="http://schemas.openxmlformats.org/presentationml/2006/main">
+  <p:cSld>
+    <p:spTree>
+      <p:nvGrpSpPr>
+        <p:cNvPr id="1" name=""/>
+        <p:cNvGrpSpPr/>
+        <p:nvPr/>
+      </p:nvGrpSpPr>
+      <p:grpSpPr>
+        <a:xfrm>
+          <a:off x="0" y="0"/>
+          <a:ext cx="0" cy="0"/>
+          <a:chOff x="0" y="0"/>
+          <a:chExt cx="0" cy="0"/>
+        </a:xfrm>
+      </p:grpSpPr>
+      <p:sp>
+        <p:nvSpPr>
+          <p:cNvPr id="2" name="Slide Image Placeholder 1"/>
+          <p:cNvSpPr>
+            <a:spLocks noGrp="1" noRot="1" noChangeAspect="1"/>
+          </p:cNvSpPr>
+          <p:nvPr>
+            <p:ph type="sldImg"/>
+          </p:nvPr>
+        </p:nvSpPr>
+        <p:spPr/>
+      </p:sp>
+      <p:sp>
+        <p:nvSpPr>
+          <p:cNvPr id="3" name="Notes Placeholder 2"/>
+          <p:cNvSpPr>
+            <a:spLocks noGrp="1"/>
+          </p:cNvSpPr>
+          <p:nvPr>
+            <p:ph type="body" idx="1"/>
+          </p:nvPr>
+        </p:nvSpPr>
+        <p:spPr/>
+        <p:txBody>
+          <a:bodyPr/>
+          <a:lstStyle/>
+          <a:p>
+            <a:endParaRPr lang="en-US" dirty="0"/>
+          </a:p>
+        </p:txBody>
+      </p:sp>
+      <p:sp>
+        <p:nvSpPr>
+          <p:cNvPr id="4" name="Slide Number Placeholder 3"/>
+          <p:cNvSpPr>
+            <a:spLocks noGrp="1"/>
+          </p:cNvSpPr>
+          <p:nvPr>
+            <p:ph type="sldNum" sz="quarter" idx="10"/>
+          </p:nvPr>
+        </p:nvSpPr>
+        <p:spPr/>
+        <p:txBody>
+          <a:bodyPr/>
+          <a:lstStyle/>
+          <a:p>
+            <a:fld id="{3A8071CD-55D8-0E40-9E87-5F5ADA6DF007}" type="slidenum">
+              <a:rPr lang="en-US" smtClean="0"/>
+              <a:t>23</a:t>
+            </a:fld>
+            <a:endParaRPr lang="en-US"/>
+          </a:p>
+        </p:txBody>
+      </p:sp>
+    </p:spTree>
+    <p:extLst>
+      <p:ext uri="{BB962C8B-B14F-4D97-AF65-F5344CB8AC3E}">
+        <p14:creationId xmlns:p14="http://schemas.microsoft.com/office/powerpoint/2010/main" val="1991582309"/>
+      </p:ext>
+    </p:extLst>
+  </p:cSld>
+  <p:clrMapOvr>
+    <a:masterClrMapping/>
+  </p:clrMapOvr>
+</p:notes>
+</file>
+
+<file path=ppt/notesSlides/notesSlide11.xml><?xml version="1.0" encoding="utf-8"?>
+<p:notes xmlns:a="http://schemas.openxmlformats.org/drawingml/2006/main" xmlns:r="http://schemas.openxmlformats.org/officeDocument/2006/relationships" xmlns:p="http://schemas.openxmlformats.org/presentationml/2006/main">
+  <p:cSld>
+    <p:spTree>
+      <p:nvGrpSpPr>
+        <p:cNvPr id="1" name=""/>
+        <p:cNvGrpSpPr/>
+        <p:nvPr/>
+      </p:nvGrpSpPr>
+      <p:grpSpPr>
+        <a:xfrm>
+          <a:off x="0" y="0"/>
+          <a:ext cx="0" cy="0"/>
+          <a:chOff x="0" y="0"/>
+          <a:chExt cx="0" cy="0"/>
+        </a:xfrm>
+      </p:grpSpPr>
+      <p:sp>
+        <p:nvSpPr>
+          <p:cNvPr id="2" name="Slide Image Placeholder 1"/>
+          <p:cNvSpPr>
+            <a:spLocks noGrp="1" noRot="1" noChangeAspect="1"/>
+          </p:cNvSpPr>
+          <p:nvPr>
+            <p:ph type="sldImg"/>
+          </p:nvPr>
+        </p:nvSpPr>
+        <p:spPr/>
+      </p:sp>
+      <p:sp>
+        <p:nvSpPr>
+          <p:cNvPr id="3" name="Notes Placeholder 2"/>
+          <p:cNvSpPr>
+            <a:spLocks noGrp="1"/>
+          </p:cNvSpPr>
+          <p:nvPr>
+            <p:ph type="body" idx="1"/>
+          </p:nvPr>
+        </p:nvSpPr>
+        <p:spPr/>
+        <p:txBody>
+          <a:bodyPr/>
+          <a:lstStyle/>
+          <a:p>
+            <a:r>
+              <a:rPr lang="en-US" dirty="0" smtClean="0"/>
+              <a:t>https://</a:t>
+            </a:r>
+            <a:r>
+              <a:rPr lang="en-US" dirty="0" err="1" smtClean="0"/>
+              <a:t>gtusername.gitbooks.io</a:t>
+            </a:r>
+            <a:r>
+              <a:rPr lang="en-US" dirty="0" smtClean="0"/>
+              <a:t>/study-notes/content/</a:t>
+            </a:r>
+            <a:r>
+              <a:rPr lang="en-US" dirty="0" err="1" smtClean="0"/>
+              <a:t>dva</a:t>
+            </a:r>
+            <a:r>
+              <a:rPr lang="en-US" smtClean="0"/>
+              <a:t>/dva%E7%9F%A5%E8%AF%86%E5%9C%B0%E5%9B%BE.html</a:t>
+            </a:r>
+            <a:endParaRPr lang="en-US" dirty="0"/>
+          </a:p>
+        </p:txBody>
+      </p:sp>
+      <p:sp>
+        <p:nvSpPr>
+          <p:cNvPr id="4" name="Slide Number Placeholder 3"/>
+          <p:cNvSpPr>
+            <a:spLocks noGrp="1"/>
+          </p:cNvSpPr>
+          <p:nvPr>
+            <p:ph type="sldNum" sz="quarter" idx="10"/>
+          </p:nvPr>
+        </p:nvSpPr>
+        <p:spPr/>
+        <p:txBody>
+          <a:bodyPr/>
+          <a:lstStyle/>
+          <a:p>
+            <a:fld id="{3A8071CD-55D8-0E40-9E87-5F5ADA6DF007}" type="slidenum">
+              <a:rPr lang="en-US" smtClean="0"/>
+              <a:t>24</a:t>
+            </a:fld>
+            <a:endParaRPr lang="en-US"/>
+          </a:p>
+        </p:txBody>
+      </p:sp>
+    </p:spTree>
+    <p:extLst>
+      <p:ext uri="{BB962C8B-B14F-4D97-AF65-F5344CB8AC3E}">
+        <p14:creationId xmlns:p14="http://schemas.microsoft.com/office/powerpoint/2010/main" val="1700764222"/>
+      </p:ext>
+    </p:extLst>
+  </p:cSld>
+  <p:clrMapOvr>
+    <a:masterClrMapping/>
+  </p:clrMapOvr>
+</p:notes>
+</file>
+
+<file path=ppt/notesSlides/notesSlide12.xml><?xml version="1.0" encoding="utf-8"?>
+<p:notes xmlns:a="http://schemas.openxmlformats.org/drawingml/2006/main" xmlns:r="http://schemas.openxmlformats.org/officeDocument/2006/relationships" xmlns:p="http://schemas.openxmlformats.org/presentationml/2006/main">
+  <p:cSld>
+    <p:spTree>
+      <p:nvGrpSpPr>
+        <p:cNvPr id="1" name=""/>
+        <p:cNvGrpSpPr/>
+        <p:nvPr/>
+      </p:nvGrpSpPr>
+      <p:grpSpPr>
+        <a:xfrm>
+          <a:off x="0" y="0"/>
+          <a:ext cx="0" cy="0"/>
+          <a:chOff x="0" y="0"/>
+          <a:chExt cx="0" cy="0"/>
+        </a:xfrm>
+      </p:grpSpPr>
+      <p:sp>
+        <p:nvSpPr>
+          <p:cNvPr id="2" name="Slide Image Placeholder 1"/>
+          <p:cNvSpPr>
+            <a:spLocks noGrp="1" noRot="1" noChangeAspect="1"/>
+          </p:cNvSpPr>
+          <p:nvPr>
+            <p:ph type="sldImg"/>
+          </p:nvPr>
+        </p:nvSpPr>
+        <p:spPr/>
+      </p:sp>
+      <p:sp>
+        <p:nvSpPr>
+          <p:cNvPr id="3" name="Notes Placeholder 2"/>
+          <p:cNvSpPr>
+            <a:spLocks noGrp="1"/>
+          </p:cNvSpPr>
+          <p:nvPr>
+            <p:ph type="body" idx="1"/>
+          </p:nvPr>
+        </p:nvSpPr>
+        <p:spPr/>
+        <p:txBody>
+          <a:bodyPr/>
+          <a:lstStyle/>
+          <a:p>
+            <a:r>
+              <a:rPr lang="en-US" dirty="0" smtClean="0"/>
+              <a:t>https://</a:t>
+            </a:r>
+            <a:r>
+              <a:rPr lang="en-US" dirty="0" err="1" smtClean="0"/>
+              <a:t>toddmotto.com</a:t>
+            </a:r>
+            <a:r>
+              <a:rPr lang="en-US" smtClean="0"/>
+              <a:t>/walkthrough-to-migrate-an-angular-1-component-to-angular-2/#</a:t>
+            </a:r>
+            <a:r>
+              <a:rPr lang="en-US" dirty="0" err="1" smtClean="0"/>
+              <a:t>angularjs</a:t>
+            </a:r>
+            <a:r>
+              <a:rPr lang="en-US" dirty="0" smtClean="0"/>
+              <a:t>-</a:t>
+            </a:r>
+            <a:r>
+              <a:rPr lang="en-US" dirty="0" err="1" smtClean="0"/>
+              <a:t>todo</a:t>
+            </a:r>
+            <a:r>
+              <a:rPr lang="en-US" dirty="0" smtClean="0"/>
+              <a:t>-app</a:t>
+            </a:r>
+            <a:endParaRPr lang="en-US" dirty="0"/>
+          </a:p>
+        </p:txBody>
+      </p:sp>
+      <p:sp>
+        <p:nvSpPr>
+          <p:cNvPr id="4" name="Slide Number Placeholder 3"/>
+          <p:cNvSpPr>
+            <a:spLocks noGrp="1"/>
+          </p:cNvSpPr>
+          <p:nvPr>
+            <p:ph type="sldNum" sz="quarter" idx="10"/>
+          </p:nvPr>
+        </p:nvSpPr>
+        <p:spPr/>
+        <p:txBody>
+          <a:bodyPr/>
+          <a:lstStyle/>
+          <a:p>
+            <a:fld id="{3A8071CD-55D8-0E40-9E87-5F5ADA6DF007}" type="slidenum">
+              <a:rPr lang="en-US" smtClean="0"/>
+              <a:t>26</a:t>
+            </a:fld>
+            <a:endParaRPr lang="en-US"/>
+          </a:p>
+        </p:txBody>
+      </p:sp>
+    </p:spTree>
+    <p:extLst>
+      <p:ext uri="{BB962C8B-B14F-4D97-AF65-F5344CB8AC3E}">
+        <p14:creationId xmlns:p14="http://schemas.microsoft.com/office/powerpoint/2010/main" val="871259949"/>
+      </p:ext>
+    </p:extLst>
+  </p:cSld>
+  <p:clrMapOvr>
+    <a:masterClrMapping/>
+  </p:clrMapOvr>
+</p:notes>
+</file>
+
+<file path=ppt/notesSlides/notesSlide13.xml><?xml version="1.0" encoding="utf-8"?>
+<p:notes xmlns:a="http://schemas.openxmlformats.org/drawingml/2006/main" xmlns:r="http://schemas.openxmlformats.org/officeDocument/2006/relationships" xmlns:p="http://schemas.openxmlformats.org/presentationml/2006/main">
+  <p:cSld>
+    <p:spTree>
+      <p:nvGrpSpPr>
+        <p:cNvPr id="1" name=""/>
+        <p:cNvGrpSpPr/>
+        <p:nvPr/>
+      </p:nvGrpSpPr>
+      <p:grpSpPr>
+        <a:xfrm>
+          <a:off x="0" y="0"/>
+          <a:ext cx="0" cy="0"/>
+          <a:chOff x="0" y="0"/>
+          <a:chExt cx="0" cy="0"/>
+        </a:xfrm>
+      </p:grpSpPr>
+      <p:sp>
+        <p:nvSpPr>
+          <p:cNvPr id="2" name="Slide Image Placeholder 1"/>
+          <p:cNvSpPr>
+            <a:spLocks noGrp="1" noRot="1" noChangeAspect="1"/>
+          </p:cNvSpPr>
+          <p:nvPr>
+            <p:ph type="sldImg"/>
+          </p:nvPr>
+        </p:nvSpPr>
+        <p:spPr/>
+      </p:sp>
+      <p:sp>
+        <p:nvSpPr>
+          <p:cNvPr id="3" name="Notes Placeholder 2"/>
+          <p:cNvSpPr>
+            <a:spLocks noGrp="1"/>
+          </p:cNvSpPr>
+          <p:nvPr>
+            <p:ph type="body" idx="1"/>
+          </p:nvPr>
+        </p:nvSpPr>
+        <p:spPr/>
+        <p:txBody>
+          <a:bodyPr/>
+          <a:lstStyle/>
+          <a:p>
+            <a:pPr marL="228600" indent="-228600">
+              <a:buAutoNum type="arabicPeriod"/>
+            </a:pPr>
+            <a:r>
+              <a:rPr lang="en-US" altLang="zh-CN" dirty="0" smtClean="0"/>
+              <a:t>https://</a:t>
+            </a:r>
+            <a:r>
+              <a:rPr lang="en-US" altLang="zh-CN" dirty="0" err="1" smtClean="0"/>
+              <a:t>www.jianshu.com</a:t>
+            </a:r>
+            <a:r>
+              <a:rPr lang="en-US" altLang="zh-CN" dirty="0" smtClean="0"/>
+              <a:t>/p/9d89e6ee5e0c</a:t>
+            </a:r>
+          </a:p>
+          <a:p>
+            <a:pPr marL="228600" indent="-228600">
+              <a:buAutoNum type="arabicPeriod"/>
+            </a:pPr>
+            <a:r>
+              <a:rPr lang="en-US" dirty="0" smtClean="0"/>
+              <a:t>http://</a:t>
+            </a:r>
+            <a:r>
+              <a:rPr lang="en-US" dirty="0" err="1" smtClean="0"/>
+              <a:t>www.runoob.com</a:t>
+            </a:r>
+            <a:r>
+              <a:rPr lang="en-US" dirty="0" smtClean="0"/>
+              <a:t>/</a:t>
+            </a:r>
+            <a:r>
+              <a:rPr lang="en-US" dirty="0" err="1" smtClean="0"/>
+              <a:t>angularjs</a:t>
+            </a:r>
+            <a:r>
+              <a:rPr lang="en-US" dirty="0" smtClean="0"/>
+              <a:t>/</a:t>
+            </a:r>
+            <a:r>
+              <a:rPr lang="en-US" dirty="0" err="1" smtClean="0"/>
+              <a:t>angularjs-filters.html</a:t>
+            </a:r>
+            <a:endParaRPr lang="en-US" dirty="0" smtClean="0"/>
+          </a:p>
+          <a:p>
+            <a:pPr marL="228600" indent="-228600">
+              <a:buAutoNum type="arabicPeriod"/>
+            </a:pPr>
+            <a:r>
+              <a:rPr lang="en-US" dirty="0" smtClean="0"/>
+              <a:t>https://</a:t>
+            </a:r>
+            <a:r>
+              <a:rPr lang="en-US" dirty="0" err="1" smtClean="0"/>
+              <a:t>segmentfault.com</a:t>
+            </a:r>
+            <a:r>
+              <a:rPr lang="en-US" dirty="0" smtClean="0"/>
+              <a:t>/a/1190000003096933</a:t>
+            </a:r>
+            <a:endParaRPr lang="en-US" dirty="0"/>
+          </a:p>
+        </p:txBody>
+      </p:sp>
+      <p:sp>
+        <p:nvSpPr>
+          <p:cNvPr id="4" name="Slide Number Placeholder 3"/>
+          <p:cNvSpPr>
+            <a:spLocks noGrp="1"/>
+          </p:cNvSpPr>
+          <p:nvPr>
+            <p:ph type="sldNum" sz="quarter" idx="10"/>
+          </p:nvPr>
+        </p:nvSpPr>
+        <p:spPr/>
+        <p:txBody>
+          <a:bodyPr/>
+          <a:lstStyle/>
+          <a:p>
+            <a:fld id="{3A8071CD-55D8-0E40-9E87-5F5ADA6DF007}" type="slidenum">
+              <a:rPr lang="en-US" smtClean="0"/>
+              <a:t>28</a:t>
+            </a:fld>
+            <a:endParaRPr lang="en-US"/>
+          </a:p>
+        </p:txBody>
+      </p:sp>
+    </p:spTree>
+    <p:extLst>
+      <p:ext uri="{BB962C8B-B14F-4D97-AF65-F5344CB8AC3E}">
+        <p14:creationId xmlns:p14="http://schemas.microsoft.com/office/powerpoint/2010/main" val="242802037"/>
+      </p:ext>
+    </p:extLst>
+  </p:cSld>
+  <p:clrMapOvr>
+    <a:masterClrMapping/>
+  </p:clrMapOvr>
+</p:notes>
+</file>
+
+<file path=ppt/notesSlides/notesSlide14.xml><?xml version="1.0" encoding="utf-8"?>
+<p:notes xmlns:a="http://schemas.openxmlformats.org/drawingml/2006/main" xmlns:r="http://schemas.openxmlformats.org/officeDocument/2006/relationships" xmlns:p="http://schemas.openxmlformats.org/presentationml/2006/main">
+  <p:cSld>
+    <p:spTree>
+      <p:nvGrpSpPr>
+        <p:cNvPr id="1" name=""/>
+        <p:cNvGrpSpPr/>
+        <p:nvPr/>
+      </p:nvGrpSpPr>
+      <p:grpSpPr>
+        <a:xfrm>
+          <a:off x="0" y="0"/>
+          <a:ext cx="0" cy="0"/>
+          <a:chOff x="0" y="0"/>
+          <a:chExt cx="0" cy="0"/>
+        </a:xfrm>
+      </p:grpSpPr>
+      <p:sp>
+        <p:nvSpPr>
+          <p:cNvPr id="2" name="Slide Image Placeholder 1"/>
+          <p:cNvSpPr>
+            <a:spLocks noGrp="1" noRot="1" noChangeAspect="1"/>
+          </p:cNvSpPr>
+          <p:nvPr>
+            <p:ph type="sldImg"/>
+          </p:nvPr>
+        </p:nvSpPr>
+        <p:spPr/>
+      </p:sp>
+      <p:sp>
+        <p:nvSpPr>
+          <p:cNvPr id="3" name="Notes Placeholder 2"/>
+          <p:cNvSpPr>
+            <a:spLocks noGrp="1"/>
+          </p:cNvSpPr>
+          <p:nvPr>
+            <p:ph type="body" idx="1"/>
+          </p:nvPr>
+        </p:nvSpPr>
+        <p:spPr/>
+        <p:txBody>
+          <a:bodyPr/>
+          <a:lstStyle/>
+          <a:p>
+            <a:r>
+              <a:rPr lang="en-US" dirty="0" smtClean="0"/>
+              <a:t>https://</a:t>
+            </a:r>
+            <a:r>
+              <a:rPr lang="en-US" dirty="0" err="1" smtClean="0"/>
+              <a:t>reactjs.org</a:t>
+            </a:r>
+            <a:r>
+              <a:rPr lang="en-US" dirty="0" smtClean="0"/>
+              <a:t>/tutorial/</a:t>
+            </a:r>
+            <a:r>
+              <a:rPr lang="en-US" dirty="0" err="1" smtClean="0"/>
+              <a:t>tutorial.html</a:t>
+            </a:r>
+            <a:endParaRPr lang="en-US" dirty="0" smtClean="0"/>
+          </a:p>
+          <a:p>
+            <a:r>
+              <a:rPr lang="en-US" dirty="0" smtClean="0"/>
+              <a:t>https://</a:t>
+            </a:r>
+            <a:r>
+              <a:rPr lang="en-US" dirty="0" err="1" smtClean="0"/>
+              <a:t>discountry.github.io</a:t>
+            </a:r>
+            <a:r>
+              <a:rPr lang="en-US" dirty="0" smtClean="0"/>
+              <a:t>/react/tutorial/</a:t>
+            </a:r>
+            <a:r>
+              <a:rPr lang="en-US" smtClean="0"/>
+              <a:t>tutorial.html</a:t>
+            </a:r>
+            <a:endParaRPr lang="en-US"/>
+          </a:p>
+        </p:txBody>
+      </p:sp>
+      <p:sp>
+        <p:nvSpPr>
+          <p:cNvPr id="4" name="Slide Number Placeholder 3"/>
+          <p:cNvSpPr>
+            <a:spLocks noGrp="1"/>
+          </p:cNvSpPr>
+          <p:nvPr>
+            <p:ph type="sldNum" sz="quarter" idx="10"/>
+          </p:nvPr>
+        </p:nvSpPr>
+        <p:spPr/>
+        <p:txBody>
+          <a:bodyPr/>
+          <a:lstStyle/>
+          <a:p>
+            <a:fld id="{3A8071CD-55D8-0E40-9E87-5F5ADA6DF007}" type="slidenum">
+              <a:rPr lang="en-US" smtClean="0"/>
+              <a:t>29</a:t>
+            </a:fld>
+            <a:endParaRPr lang="en-US"/>
+          </a:p>
+        </p:txBody>
+      </p:sp>
+    </p:spTree>
+    <p:extLst>
+      <p:ext uri="{BB962C8B-B14F-4D97-AF65-F5344CB8AC3E}">
+        <p14:creationId xmlns:p14="http://schemas.microsoft.com/office/powerpoint/2010/main" val="244750481"/>
+      </p:ext>
+    </p:extLst>
+  </p:cSld>
+  <p:clrMapOvr>
+    <a:masterClrMapping/>
+  </p:clrMapOvr>
+</p:notes>
+</file>
+
+<file path=ppt/notesSlides/notesSlide15.xml><?xml version="1.0" encoding="utf-8"?>
+<p:notes xmlns:a="http://schemas.openxmlformats.org/drawingml/2006/main" xmlns:r="http://schemas.openxmlformats.org/officeDocument/2006/relationships" xmlns:p="http://schemas.openxmlformats.org/presentationml/2006/main">
+  <p:cSld>
+    <p:spTree>
+      <p:nvGrpSpPr>
+        <p:cNvPr id="1" name=""/>
+        <p:cNvGrpSpPr/>
+        <p:nvPr/>
+      </p:nvGrpSpPr>
+      <p:grpSpPr>
+        <a:xfrm>
+          <a:off x="0" y="0"/>
+          <a:ext cx="0" cy="0"/>
+          <a:chOff x="0" y="0"/>
+          <a:chExt cx="0" cy="0"/>
+        </a:xfrm>
+      </p:grpSpPr>
+      <p:sp>
+        <p:nvSpPr>
+          <p:cNvPr id="2" name="Slide Image Placeholder 1"/>
+          <p:cNvSpPr>
+            <a:spLocks noGrp="1" noRot="1" noChangeAspect="1"/>
+          </p:cNvSpPr>
+          <p:nvPr>
+            <p:ph type="sldImg"/>
+          </p:nvPr>
+        </p:nvSpPr>
+        <p:spPr/>
+      </p:sp>
+      <p:sp>
+        <p:nvSpPr>
+          <p:cNvPr id="3" name="Notes Placeholder 2"/>
+          <p:cNvSpPr>
+            <a:spLocks noGrp="1"/>
+          </p:cNvSpPr>
+          <p:nvPr>
+            <p:ph type="body" idx="1"/>
+          </p:nvPr>
+        </p:nvSpPr>
+        <p:spPr/>
+        <p:txBody>
+          <a:bodyPr/>
+          <a:lstStyle/>
+          <a:p>
+            <a:r>
+              <a:rPr lang="en-US" dirty="0" smtClean="0"/>
+              <a:t>https://</a:t>
+            </a:r>
+            <a:r>
+              <a:rPr lang="en-US" dirty="0" err="1" smtClean="0"/>
+              <a:t>material.angularjs.org</a:t>
+            </a:r>
+            <a:r>
+              <a:rPr lang="en-US" dirty="0" smtClean="0"/>
+              <a:t>/latest/</a:t>
+            </a:r>
+            <a:endParaRPr lang="en-US" dirty="0"/>
+          </a:p>
+        </p:txBody>
+      </p:sp>
+      <p:sp>
+        <p:nvSpPr>
+          <p:cNvPr id="4" name="Slide Number Placeholder 3"/>
+          <p:cNvSpPr>
+            <a:spLocks noGrp="1"/>
+          </p:cNvSpPr>
+          <p:nvPr>
+            <p:ph type="sldNum" sz="quarter" idx="10"/>
+          </p:nvPr>
+        </p:nvSpPr>
+        <p:spPr/>
+        <p:txBody>
+          <a:bodyPr/>
+          <a:lstStyle/>
+          <a:p>
+            <a:fld id="{3A8071CD-55D8-0E40-9E87-5F5ADA6DF007}" type="slidenum">
+              <a:rPr lang="en-US" smtClean="0"/>
+              <a:t>30</a:t>
+            </a:fld>
+            <a:endParaRPr lang="en-US"/>
+          </a:p>
+        </p:txBody>
+      </p:sp>
+    </p:spTree>
+    <p:extLst>
+      <p:ext uri="{BB962C8B-B14F-4D97-AF65-F5344CB8AC3E}">
+        <p14:creationId xmlns:p14="http://schemas.microsoft.com/office/powerpoint/2010/main" val="1680812851"/>
       </p:ext>
     </p:extLst>
   </p:cSld>
@@ -653,16 +1326,10 @@
           <a:p>
             <a:r>
               <a:rPr lang="en-US" dirty="0" smtClean="0"/>
-              <a:t>https://</a:t>
-            </a:r>
-            <a:r>
-              <a:rPr lang="en-US" dirty="0" err="1" smtClean="0"/>
-              <a:t>www.jianshu.com</a:t>
-            </a:r>
-            <a:r>
-              <a:rPr lang="en-US" dirty="0" smtClean="0"/>
-              <a:t>/p/65fa501e4683</a:t>
-            </a:r>
+              <a:t>http://es6.ruanyifeng.com/</a:t>
+            </a:r>
+          </a:p>
+          <a:p>
             <a:endParaRPr lang="en-US" dirty="0"/>
           </a:p>
         </p:txBody>
@@ -684,7 +1351,7 @@
           <a:p>
             <a:fld id="{3A8071CD-55D8-0E40-9E87-5F5ADA6DF007}" type="slidenum">
               <a:rPr lang="en-US" smtClean="0"/>
-              <a:t>12</a:t>
+              <a:t>10</a:t>
             </a:fld>
             <a:endParaRPr lang="en-US"/>
           </a:p>
@@ -693,7 +1360,7 @@
     </p:spTree>
     <p:extLst>
       <p:ext uri="{BB962C8B-B14F-4D97-AF65-F5344CB8AC3E}">
-        <p14:creationId xmlns:p14="http://schemas.microsoft.com/office/powerpoint/2010/main" val="319367657"/>
+        <p14:creationId xmlns:p14="http://schemas.microsoft.com/office/powerpoint/2010/main" val="786318014"/>
       </p:ext>
     </p:extLst>
   </p:cSld>
@@ -757,19 +1424,7 @@
             </a:r>
             <a:r>
               <a:rPr lang="en-US" dirty="0" smtClean="0"/>
-              <a:t>/p/10a7959033f8  https://www.w3schools.com/</a:t>
-            </a:r>
-            <a:r>
-              <a:rPr lang="en-US" dirty="0" err="1" smtClean="0"/>
-              <a:t>css</a:t>
-            </a:r>
-            <a:r>
-              <a:rPr lang="en-US" dirty="0" smtClean="0"/>
-              <a:t>/</a:t>
-            </a:r>
-            <a:r>
-              <a:rPr lang="en-US" dirty="0" err="1" smtClean="0"/>
-              <a:t>css_positioning.asp</a:t>
+              <a:t>/p/65fa501e4683</a:t>
             </a:r>
             <a:endParaRPr lang="en-US" dirty="0"/>
           </a:p>
@@ -792,7 +1447,7 @@
           <a:p>
             <a:fld id="{3A8071CD-55D8-0E40-9E87-5F5ADA6DF007}" type="slidenum">
               <a:rPr lang="en-US" smtClean="0"/>
-              <a:t>13</a:t>
+              <a:t>12</a:t>
             </a:fld>
             <a:endParaRPr lang="en-US"/>
           </a:p>
@@ -801,7 +1456,7 @@
     </p:spTree>
     <p:extLst>
       <p:ext uri="{BB962C8B-B14F-4D97-AF65-F5344CB8AC3E}">
-        <p14:creationId xmlns:p14="http://schemas.microsoft.com/office/powerpoint/2010/main" val="1050577346"/>
+        <p14:creationId xmlns:p14="http://schemas.microsoft.com/office/powerpoint/2010/main" val="319367657"/>
       </p:ext>
     </p:extLst>
   </p:cSld>
@@ -857,7 +1512,27 @@
           <a:p>
             <a:r>
               <a:rPr lang="en-US" dirty="0" smtClean="0"/>
-              <a:t>http://es6.ruanyifeng.com/</a:t>
+              <a:t>https://</a:t>
+            </a:r>
+            <a:r>
+              <a:rPr lang="en-US" dirty="0" err="1" smtClean="0"/>
+              <a:t>www.jianshu.com</a:t>
+            </a:r>
+            <a:r>
+              <a:rPr lang="en-US" dirty="0" smtClean="0"/>
+              <a:t>/p/10a7959033f8  https://www.w3schools.com/</a:t>
+            </a:r>
+            <a:r>
+              <a:rPr lang="en-US" dirty="0" err="1" smtClean="0"/>
+              <a:t>css</a:t>
+            </a:r>
+            <a:r>
+              <a:rPr lang="en-US" dirty="0" smtClean="0"/>
+              <a:t>/</a:t>
+            </a:r>
+            <a:r>
+              <a:rPr lang="en-US" dirty="0" err="1" smtClean="0"/>
+              <a:t>css_positioning.asp</a:t>
             </a:r>
             <a:endParaRPr lang="en-US" dirty="0"/>
           </a:p>
@@ -880,7 +1555,7 @@
           <a:p>
             <a:fld id="{3A8071CD-55D8-0E40-9E87-5F5ADA6DF007}" type="slidenum">
               <a:rPr lang="en-US" smtClean="0"/>
-              <a:t>14</a:t>
+              <a:t>13</a:t>
             </a:fld>
             <a:endParaRPr lang="en-US"/>
           </a:p>
@@ -889,7 +1564,7 @@
     </p:spTree>
     <p:extLst>
       <p:ext uri="{BB962C8B-B14F-4D97-AF65-F5344CB8AC3E}">
-        <p14:creationId xmlns:p14="http://schemas.microsoft.com/office/powerpoint/2010/main" val="442908588"/>
+        <p14:creationId xmlns:p14="http://schemas.microsoft.com/office/powerpoint/2010/main" val="1050577346"/>
       </p:ext>
     </p:extLst>
   </p:cSld>
@@ -943,66 +1618,10 @@
           <a:bodyPr/>
           <a:lstStyle/>
           <a:p>
-            <a:pPr marL="0" marR="0" indent="0" algn="l" defTabSz="914400" rtl="0" eaLnBrk="1" fontAlgn="auto" latinLnBrk="0" hangingPunct="1">
-              <a:lnSpc>
-                <a:spcPct val="100000"/>
-              </a:lnSpc>
-              <a:spcBef>
-                <a:spcPts val="0"/>
-              </a:spcBef>
-              <a:spcAft>
-                <a:spcPts val="0"/>
-              </a:spcAft>
-              <a:buClrTx/>
-              <a:buSzTx/>
-              <a:buFontTx/>
-              <a:buNone/>
-              <a:tabLst/>
-              <a:defRPr/>
-            </a:pPr>
             <a:r>
               <a:rPr lang="en-US" dirty="0" smtClean="0"/>
-              <a:t>http://</a:t>
-            </a:r>
-            <a:r>
-              <a:rPr lang="en-US" dirty="0" err="1" smtClean="0"/>
-              <a:t>www.ruanyifeng.com</a:t>
-            </a:r>
-            <a:r>
-              <a:rPr lang="en-US" dirty="0" smtClean="0"/>
-              <a:t>/blog/2015/03/</a:t>
-            </a:r>
-            <a:r>
-              <a:rPr lang="en-US" dirty="0" err="1" smtClean="0"/>
-              <a:t>react.html</a:t>
-            </a:r>
-            <a:r>
-              <a:rPr lang="en-US" dirty="0" smtClean="0"/>
-              <a:t> https://</a:t>
-            </a:r>
-            <a:r>
-              <a:rPr lang="en-US" dirty="0" err="1" smtClean="0"/>
-              <a:t>github.com</a:t>
-            </a:r>
-            <a:r>
-              <a:rPr lang="en-US" dirty="0" smtClean="0"/>
-              <a:t>/</a:t>
-            </a:r>
-            <a:r>
-              <a:rPr lang="en-US" dirty="0" err="1" smtClean="0"/>
-              <a:t>dvajs</a:t>
-            </a:r>
-            <a:r>
-              <a:rPr lang="en-US" dirty="0" smtClean="0"/>
-              <a:t>/</a:t>
-            </a:r>
-            <a:r>
-              <a:rPr lang="en-US" dirty="0" err="1" smtClean="0"/>
-              <a:t>dva-knowledgemap</a:t>
-            </a:r>
-            <a:endParaRPr lang="en-US" dirty="0" smtClean="0"/>
-          </a:p>
-          <a:p>
+              <a:t>http://es6.ruanyifeng.com/</a:t>
+            </a:r>
             <a:endParaRPr lang="en-US" dirty="0"/>
           </a:p>
         </p:txBody>
@@ -1024,7 +1643,7 @@
           <a:p>
             <a:fld id="{3A8071CD-55D8-0E40-9E87-5F5ADA6DF007}" type="slidenum">
               <a:rPr lang="en-US" smtClean="0"/>
-              <a:t>16</a:t>
+              <a:t>14</a:t>
             </a:fld>
             <a:endParaRPr lang="en-US"/>
           </a:p>
@@ -1033,7 +1652,7 @@
     </p:spTree>
     <p:extLst>
       <p:ext uri="{BB962C8B-B14F-4D97-AF65-F5344CB8AC3E}">
-        <p14:creationId xmlns:p14="http://schemas.microsoft.com/office/powerpoint/2010/main" val="202348755"/>
+        <p14:creationId xmlns:p14="http://schemas.microsoft.com/office/powerpoint/2010/main" val="442908588"/>
       </p:ext>
     </p:extLst>
   </p:cSld>
@@ -1087,36 +1706,6 @@
           <a:bodyPr/>
           <a:lstStyle/>
           <a:p>
-            <a:r>
-              <a:rPr lang="en-US" dirty="0" smtClean="0"/>
-              <a:t>https://</a:t>
-            </a:r>
-            <a:r>
-              <a:rPr lang="en-US" dirty="0" err="1" smtClean="0"/>
-              <a:t>github.com</a:t>
-            </a:r>
-            <a:r>
-              <a:rPr lang="en-US" dirty="0" smtClean="0"/>
-              <a:t>/</a:t>
-            </a:r>
-            <a:r>
-              <a:rPr lang="en-US" dirty="0" err="1" smtClean="0"/>
-              <a:t>ruanyf</a:t>
-            </a:r>
-            <a:r>
-              <a:rPr lang="en-US" dirty="0" smtClean="0"/>
-              <a:t>/react-demos</a:t>
-            </a:r>
-            <a:r>
-              <a:rPr lang="zh-CN" altLang="en-US" dirty="0" smtClean="0"/>
-              <a:t> 阮一峰</a:t>
-            </a:r>
-            <a:endParaRPr lang="en-US" altLang="zh-CN" dirty="0" smtClean="0"/>
-          </a:p>
-          <a:p>
-            <a:endParaRPr lang="en-US" dirty="0" smtClean="0"/>
-          </a:p>
-          <a:p>
             <a:pPr marL="0" marR="0" indent="0" algn="l" defTabSz="914400" rtl="0" eaLnBrk="1" fontAlgn="auto" latinLnBrk="0" hangingPunct="1">
               <a:lnSpc>
                 <a:spcPct val="100000"/>
@@ -1136,29 +1725,45 @@
             </a:pPr>
             <a:r>
               <a:rPr lang="en-US" dirty="0" smtClean="0"/>
-              <a:t>https://</a:t>
+              <a:t>http://</a:t>
             </a:r>
             <a:r>
               <a:rPr lang="en-US" dirty="0" err="1" smtClean="0"/>
-              <a:t>reactjs.org</a:t>
+              <a:t>www.ruanyifeng.com</a:t>
             </a:r>
             <a:r>
               <a:rPr lang="en-US" dirty="0" smtClean="0"/>
-              <a:t>/tutorial/</a:t>
+              <a:t>/blog/2015/03/</a:t>
             </a:r>
             <a:r>
               <a:rPr lang="en-US" dirty="0" err="1" smtClean="0"/>
-              <a:t>tutorial.html</a:t>
+              <a:t>react.html</a:t>
             </a:r>
             <a:r>
               <a:rPr lang="en-US" dirty="0" smtClean="0"/>
-              <a:t> </a:t>
-            </a:r>
-            <a:r>
-              <a:rPr lang="zh-CN" altLang="en-US" dirty="0" smtClean="0"/>
-              <a:t>官方教程</a:t>
-            </a:r>
-            <a:endParaRPr lang="en-US" altLang="zh-CN" dirty="0" smtClean="0"/>
+              <a:t> https://</a:t>
+            </a:r>
+            <a:r>
+              <a:rPr lang="en-US" dirty="0" err="1" smtClean="0"/>
+              <a:t>github.com</a:t>
+            </a:r>
+            <a:r>
+              <a:rPr lang="en-US" dirty="0" smtClean="0"/>
+              <a:t>/</a:t>
+            </a:r>
+            <a:r>
+              <a:rPr lang="en-US" dirty="0" err="1" smtClean="0"/>
+              <a:t>dvajs</a:t>
+            </a:r>
+            <a:r>
+              <a:rPr lang="en-US" dirty="0" smtClean="0"/>
+              <a:t>/</a:t>
+            </a:r>
+            <a:r>
+              <a:rPr lang="en-US" dirty="0" err="1" smtClean="0"/>
+              <a:t>dva-knowledgemap</a:t>
+            </a:r>
+            <a:endParaRPr lang="en-US" dirty="0" smtClean="0"/>
           </a:p>
           <a:p>
             <a:endParaRPr lang="en-US" dirty="0"/>
@@ -1182,7 +1787,7 @@
           <a:p>
             <a:fld id="{3A8071CD-55D8-0E40-9E87-5F5ADA6DF007}" type="slidenum">
               <a:rPr lang="en-US" smtClean="0"/>
-              <a:t>19</a:t>
+              <a:t>16</a:t>
             </a:fld>
             <a:endParaRPr lang="en-US"/>
           </a:p>
@@ -1191,7 +1796,7 @@
     </p:spTree>
     <p:extLst>
       <p:ext uri="{BB962C8B-B14F-4D97-AF65-F5344CB8AC3E}">
-        <p14:creationId xmlns:p14="http://schemas.microsoft.com/office/powerpoint/2010/main" val="210574395"/>
+        <p14:creationId xmlns:p14="http://schemas.microsoft.com/office/powerpoint/2010/main" val="202348755"/>
       </p:ext>
     </p:extLst>
   </p:cSld>
@@ -1251,6 +1856,164 @@
             </a:r>
             <a:r>
               <a:rPr lang="en-US" dirty="0" err="1" smtClean="0"/>
+              <a:t>github.com</a:t>
+            </a:r>
+            <a:r>
+              <a:rPr lang="en-US" dirty="0" smtClean="0"/>
+              <a:t>/</a:t>
+            </a:r>
+            <a:r>
+              <a:rPr lang="en-US" dirty="0" err="1" smtClean="0"/>
+              <a:t>ruanyf</a:t>
+            </a:r>
+            <a:r>
+              <a:rPr lang="en-US" dirty="0" smtClean="0"/>
+              <a:t>/react-demos</a:t>
+            </a:r>
+            <a:r>
+              <a:rPr lang="zh-CN" altLang="en-US" dirty="0" smtClean="0"/>
+              <a:t> 阮一峰</a:t>
+            </a:r>
+            <a:endParaRPr lang="en-US" altLang="zh-CN" dirty="0" smtClean="0"/>
+          </a:p>
+          <a:p>
+            <a:endParaRPr lang="en-US" dirty="0" smtClean="0"/>
+          </a:p>
+          <a:p>
+            <a:pPr marL="0" marR="0" indent="0" algn="l" defTabSz="914400" rtl="0" eaLnBrk="1" fontAlgn="auto" latinLnBrk="0" hangingPunct="1">
+              <a:lnSpc>
+                <a:spcPct val="100000"/>
+              </a:lnSpc>
+              <a:spcBef>
+                <a:spcPts val="0"/>
+              </a:spcBef>
+              <a:spcAft>
+                <a:spcPts val="0"/>
+              </a:spcAft>
+              <a:buClrTx/>
+              <a:buSzTx/>
+              <a:buFontTx/>
+              <a:buNone/>
+              <a:tabLst/>
+              <a:defRPr/>
+            </a:pPr>
+            <a:r>
+              <a:rPr lang="en-US" dirty="0" smtClean="0"/>
+              <a:t>https://</a:t>
+            </a:r>
+            <a:r>
+              <a:rPr lang="en-US" dirty="0" err="1" smtClean="0"/>
+              <a:t>reactjs.org</a:t>
+            </a:r>
+            <a:r>
+              <a:rPr lang="en-US" dirty="0" smtClean="0"/>
+              <a:t>/tutorial/</a:t>
+            </a:r>
+            <a:r>
+              <a:rPr lang="en-US" dirty="0" err="1" smtClean="0"/>
+              <a:t>tutorial.html</a:t>
+            </a:r>
+            <a:r>
+              <a:rPr lang="en-US" dirty="0" smtClean="0"/>
+              <a:t> </a:t>
+            </a:r>
+            <a:r>
+              <a:rPr lang="zh-CN" altLang="en-US" dirty="0" smtClean="0"/>
+              <a:t>官方教程</a:t>
+            </a:r>
+            <a:endParaRPr lang="en-US" altLang="zh-CN" dirty="0" smtClean="0"/>
+          </a:p>
+          <a:p>
+            <a:endParaRPr lang="en-US" dirty="0"/>
+          </a:p>
+        </p:txBody>
+      </p:sp>
+      <p:sp>
+        <p:nvSpPr>
+          <p:cNvPr id="4" name="Slide Number Placeholder 3"/>
+          <p:cNvSpPr>
+            <a:spLocks noGrp="1"/>
+          </p:cNvSpPr>
+          <p:nvPr>
+            <p:ph type="sldNum" sz="quarter" idx="10"/>
+          </p:nvPr>
+        </p:nvSpPr>
+        <p:spPr/>
+        <p:txBody>
+          <a:bodyPr/>
+          <a:lstStyle/>
+          <a:p>
+            <a:fld id="{3A8071CD-55D8-0E40-9E87-5F5ADA6DF007}" type="slidenum">
+              <a:rPr lang="en-US" smtClean="0"/>
+              <a:t>19</a:t>
+            </a:fld>
+            <a:endParaRPr lang="en-US"/>
+          </a:p>
+        </p:txBody>
+      </p:sp>
+    </p:spTree>
+    <p:extLst>
+      <p:ext uri="{BB962C8B-B14F-4D97-AF65-F5344CB8AC3E}">
+        <p14:creationId xmlns:p14="http://schemas.microsoft.com/office/powerpoint/2010/main" val="210574395"/>
+      </p:ext>
+    </p:extLst>
+  </p:cSld>
+  <p:clrMapOvr>
+    <a:masterClrMapping/>
+  </p:clrMapOvr>
+</p:notes>
+</file>
+
+<file path=ppt/notesSlides/notesSlide8.xml><?xml version="1.0" encoding="utf-8"?>
+<p:notes xmlns:a="http://schemas.openxmlformats.org/drawingml/2006/main" xmlns:r="http://schemas.openxmlformats.org/officeDocument/2006/relationships" xmlns:p="http://schemas.openxmlformats.org/presentationml/2006/main">
+  <p:cSld>
+    <p:spTree>
+      <p:nvGrpSpPr>
+        <p:cNvPr id="1" name=""/>
+        <p:cNvGrpSpPr/>
+        <p:nvPr/>
+      </p:nvGrpSpPr>
+      <p:grpSpPr>
+        <a:xfrm>
+          <a:off x="0" y="0"/>
+          <a:ext cx="0" cy="0"/>
+          <a:chOff x="0" y="0"/>
+          <a:chExt cx="0" cy="0"/>
+        </a:xfrm>
+      </p:grpSpPr>
+      <p:sp>
+        <p:nvSpPr>
+          <p:cNvPr id="2" name="Slide Image Placeholder 1"/>
+          <p:cNvSpPr>
+            <a:spLocks noGrp="1" noRot="1" noChangeAspect="1"/>
+          </p:cNvSpPr>
+          <p:nvPr>
+            <p:ph type="sldImg"/>
+          </p:nvPr>
+        </p:nvSpPr>
+        <p:spPr/>
+      </p:sp>
+      <p:sp>
+        <p:nvSpPr>
+          <p:cNvPr id="3" name="Notes Placeholder 2"/>
+          <p:cNvSpPr>
+            <a:spLocks noGrp="1"/>
+          </p:cNvSpPr>
+          <p:nvPr>
+            <p:ph type="body" idx="1"/>
+          </p:nvPr>
+        </p:nvSpPr>
+        <p:spPr/>
+        <p:txBody>
+          <a:bodyPr/>
+          <a:lstStyle/>
+          <a:p>
+            <a:r>
+              <a:rPr lang="en-US" dirty="0" smtClean="0"/>
+              <a:t>https://</a:t>
+            </a:r>
+            <a:r>
+              <a:rPr lang="en-US" dirty="0" err="1" smtClean="0"/>
               <a:t>reactjs.org</a:t>
             </a:r>
             <a:r>
@@ -1311,6 +2074,134 @@
     <p:extLst>
       <p:ext uri="{BB962C8B-B14F-4D97-AF65-F5344CB8AC3E}">
         <p14:creationId xmlns:p14="http://schemas.microsoft.com/office/powerpoint/2010/main" val="1767943556"/>
+      </p:ext>
+    </p:extLst>
+  </p:cSld>
+  <p:clrMapOvr>
+    <a:masterClrMapping/>
+  </p:clrMapOvr>
+</p:notes>
+</file>
+
+<file path=ppt/notesSlides/notesSlide9.xml><?xml version="1.0" encoding="utf-8"?>
+<p:notes xmlns:a="http://schemas.openxmlformats.org/drawingml/2006/main" xmlns:r="http://schemas.openxmlformats.org/officeDocument/2006/relationships" xmlns:p="http://schemas.openxmlformats.org/presentationml/2006/main">
+  <p:cSld>
+    <p:spTree>
+      <p:nvGrpSpPr>
+        <p:cNvPr id="1" name=""/>
+        <p:cNvGrpSpPr/>
+        <p:nvPr/>
+      </p:nvGrpSpPr>
+      <p:grpSpPr>
+        <a:xfrm>
+          <a:off x="0" y="0"/>
+          <a:ext cx="0" cy="0"/>
+          <a:chOff x="0" y="0"/>
+          <a:chExt cx="0" cy="0"/>
+        </a:xfrm>
+      </p:grpSpPr>
+      <p:sp>
+        <p:nvSpPr>
+          <p:cNvPr id="2" name="Slide Image Placeholder 1"/>
+          <p:cNvSpPr>
+            <a:spLocks noGrp="1" noRot="1" noChangeAspect="1"/>
+          </p:cNvSpPr>
+          <p:nvPr>
+            <p:ph type="sldImg"/>
+          </p:nvPr>
+        </p:nvSpPr>
+        <p:spPr/>
+      </p:sp>
+      <p:sp>
+        <p:nvSpPr>
+          <p:cNvPr id="3" name="Notes Placeholder 2"/>
+          <p:cNvSpPr>
+            <a:spLocks noGrp="1"/>
+          </p:cNvSpPr>
+          <p:nvPr>
+            <p:ph type="body" idx="1"/>
+          </p:nvPr>
+        </p:nvSpPr>
+        <p:spPr/>
+        <p:txBody>
+          <a:bodyPr/>
+          <a:lstStyle/>
+          <a:p>
+            <a:r>
+              <a:rPr lang="en-US" dirty="0" smtClean="0"/>
+              <a:t>https://</a:t>
+            </a:r>
+            <a:r>
+              <a:rPr lang="en-US" dirty="0" err="1" smtClean="0"/>
+              <a:t>redux.js.org</a:t>
+            </a:r>
+            <a:r>
+              <a:rPr lang="en-US" dirty="0" smtClean="0"/>
+              <a:t>/</a:t>
+            </a:r>
+          </a:p>
+          <a:p>
+            <a:r>
+              <a:rPr lang="en-US" dirty="0" smtClean="0"/>
+              <a:t>http://</a:t>
+            </a:r>
+            <a:r>
+              <a:rPr lang="en-US" dirty="0" err="1" smtClean="0"/>
+              <a:t>cn.redux.js.org</a:t>
+            </a:r>
+            <a:r>
+              <a:rPr lang="en-US" dirty="0" smtClean="0"/>
+              <a:t>/</a:t>
+            </a:r>
+          </a:p>
+          <a:p>
+            <a:r>
+              <a:rPr lang="en-US" dirty="0" smtClean="0"/>
+              <a:t>http://</a:t>
+            </a:r>
+            <a:r>
+              <a:rPr lang="en-US" dirty="0" err="1" smtClean="0"/>
+              <a:t>www.ruanyifeng.com</a:t>
+            </a:r>
+            <a:r>
+              <a:rPr lang="en-US" dirty="0" smtClean="0"/>
+              <a:t>/blog/2016/09/</a:t>
+            </a:r>
+            <a:r>
+              <a:rPr lang="en-US" dirty="0" err="1" smtClean="0"/>
+              <a:t>redux_tutorial_part_one_basic_usages.html</a:t>
+            </a:r>
+            <a:endParaRPr lang="en-US" dirty="0"/>
+          </a:p>
+        </p:txBody>
+      </p:sp>
+      <p:sp>
+        <p:nvSpPr>
+          <p:cNvPr id="4" name="Slide Number Placeholder 3"/>
+          <p:cNvSpPr>
+            <a:spLocks noGrp="1"/>
+          </p:cNvSpPr>
+          <p:nvPr>
+            <p:ph type="sldNum" sz="quarter" idx="10"/>
+          </p:nvPr>
+        </p:nvSpPr>
+        <p:spPr/>
+        <p:txBody>
+          <a:bodyPr/>
+          <a:lstStyle/>
+          <a:p>
+            <a:fld id="{3A8071CD-55D8-0E40-9E87-5F5ADA6DF007}" type="slidenum">
+              <a:rPr lang="en-US" smtClean="0"/>
+              <a:t>21</a:t>
+            </a:fld>
+            <a:endParaRPr lang="en-US"/>
+          </a:p>
+        </p:txBody>
+      </p:sp>
+    </p:spTree>
+    <p:extLst>
+      <p:ext uri="{BB962C8B-B14F-4D97-AF65-F5344CB8AC3E}">
+        <p14:creationId xmlns:p14="http://schemas.microsoft.com/office/powerpoint/2010/main" val="1619371975"/>
       </p:ext>
     </p:extLst>
   </p:cSld>
@@ -1534,7 +2425,7 @@
             <a:fld id="{B61BEF0D-F0BB-DE4B-95CE-6DB70DBA9567}" type="datetimeFigureOut">
               <a:rPr lang="en-US" dirty="0"/>
               <a:pPr/>
-              <a:t>2/10/18</a:t>
+              <a:t>2/17/18</a:t>
             </a:fld>
             <a:endParaRPr lang="en-US" dirty="0"/>
           </a:p>
@@ -1822,7 +2713,7 @@
             <a:fld id="{B61BEF0D-F0BB-DE4B-95CE-6DB70DBA9567}" type="datetimeFigureOut">
               <a:rPr lang="en-US" dirty="0"/>
               <a:pPr/>
-              <a:t>2/10/18</a:t>
+              <a:t>2/17/18</a:t>
             </a:fld>
             <a:endParaRPr lang="en-US" dirty="0"/>
           </a:p>
@@ -2078,7 +2969,7 @@
             <a:fld id="{B61BEF0D-F0BB-DE4B-95CE-6DB70DBA9567}" type="datetimeFigureOut">
               <a:rPr lang="en-US" dirty="0"/>
               <a:pPr/>
-              <a:t>2/10/18</a:t>
+              <a:t>2/17/18</a:t>
             </a:fld>
             <a:endParaRPr lang="en-US" dirty="0"/>
           </a:p>
@@ -2544,7 +3435,7 @@
             <a:fld id="{B61BEF0D-F0BB-DE4B-95CE-6DB70DBA9567}" type="datetimeFigureOut">
               <a:rPr lang="en-US" dirty="0"/>
               <a:pPr/>
-              <a:t>2/10/18</a:t>
+              <a:t>2/17/18</a:t>
             </a:fld>
             <a:endParaRPr lang="en-US" dirty="0"/>
           </a:p>
@@ -2721,7 +3612,7 @@
             <a:fld id="{B61BEF0D-F0BB-DE4B-95CE-6DB70DBA9567}" type="datetimeFigureOut">
               <a:rPr lang="en-US" dirty="0"/>
               <a:pPr/>
-              <a:t>2/10/18</a:t>
+              <a:t>2/17/18</a:t>
             </a:fld>
             <a:endParaRPr lang="en-US" dirty="0"/>
           </a:p>
@@ -3294,7 +4185,7 @@
             <a:fld id="{B61BEF0D-F0BB-DE4B-95CE-6DB70DBA9567}" type="datetimeFigureOut">
               <a:rPr lang="en-US" dirty="0"/>
               <a:pPr/>
-              <a:t>2/10/18</a:t>
+              <a:t>2/17/18</a:t>
             </a:fld>
             <a:endParaRPr lang="en-US" dirty="0"/>
           </a:p>
@@ -3623,7 +4514,7 @@
             <a:fld id="{B61BEF0D-F0BB-DE4B-95CE-6DB70DBA9567}" type="datetimeFigureOut">
               <a:rPr lang="en-US" dirty="0"/>
               <a:pPr/>
-              <a:t>2/10/18</a:t>
+              <a:t>2/17/18</a:t>
             </a:fld>
             <a:endParaRPr lang="en-US" dirty="0"/>
           </a:p>
@@ -3795,7 +4686,7 @@
             <a:fld id="{B61BEF0D-F0BB-DE4B-95CE-6DB70DBA9567}" type="datetimeFigureOut">
               <a:rPr lang="en-US" dirty="0"/>
               <a:pPr/>
-              <a:t>2/10/18</a:t>
+              <a:t>2/17/18</a:t>
             </a:fld>
             <a:endParaRPr lang="en-US" dirty="0"/>
           </a:p>
@@ -3972,7 +4863,7 @@
             <a:fld id="{B61BEF0D-F0BB-DE4B-95CE-6DB70DBA9567}" type="datetimeFigureOut">
               <a:rPr lang="en-US" dirty="0"/>
               <a:pPr/>
-              <a:t>2/10/18</a:t>
+              <a:t>2/17/18</a:t>
             </a:fld>
             <a:endParaRPr lang="en-US" dirty="0"/>
           </a:p>
@@ -4139,7 +5030,7 @@
             <a:fld id="{B61BEF0D-F0BB-DE4B-95CE-6DB70DBA9567}" type="datetimeFigureOut">
               <a:rPr lang="en-US" dirty="0"/>
               <a:pPr/>
-              <a:t>2/10/18</a:t>
+              <a:t>2/17/18</a:t>
             </a:fld>
             <a:endParaRPr lang="en-US" dirty="0"/>
           </a:p>
@@ -4393,7 +5284,7 @@
             <a:fld id="{B61BEF0D-F0BB-DE4B-95CE-6DB70DBA9567}" type="datetimeFigureOut">
               <a:rPr lang="en-US" dirty="0"/>
               <a:pPr/>
-              <a:t>2/10/18</a:t>
+              <a:t>2/17/18</a:t>
             </a:fld>
             <a:endParaRPr lang="en-US" dirty="0"/>
           </a:p>
@@ -4682,7 +5573,7 @@
             <a:fld id="{B61BEF0D-F0BB-DE4B-95CE-6DB70DBA9567}" type="datetimeFigureOut">
               <a:rPr lang="en-US" dirty="0"/>
               <a:pPr/>
-              <a:t>2/10/18</a:t>
+              <a:t>2/17/18</a:t>
             </a:fld>
             <a:endParaRPr lang="en-US" dirty="0"/>
           </a:p>
@@ -5109,7 +6000,7 @@
             <a:fld id="{B61BEF0D-F0BB-DE4B-95CE-6DB70DBA9567}" type="datetimeFigureOut">
               <a:rPr lang="en-US" dirty="0"/>
               <a:pPr/>
-              <a:t>2/10/18</a:t>
+              <a:t>2/17/18</a:t>
             </a:fld>
             <a:endParaRPr lang="en-US" dirty="0"/>
           </a:p>
@@ -5224,7 +6115,7 @@
             <a:fld id="{B61BEF0D-F0BB-DE4B-95CE-6DB70DBA9567}" type="datetimeFigureOut">
               <a:rPr lang="en-US" dirty="0"/>
               <a:pPr/>
-              <a:t>2/10/18</a:t>
+              <a:t>2/17/18</a:t>
             </a:fld>
             <a:endParaRPr lang="en-US" dirty="0"/>
           </a:p>
@@ -5316,7 +6207,7 @@
             <a:fld id="{B61BEF0D-F0BB-DE4B-95CE-6DB70DBA9567}" type="datetimeFigureOut">
               <a:rPr lang="en-US" dirty="0"/>
               <a:pPr/>
-              <a:t>2/10/18</a:t>
+              <a:t>2/17/18</a:t>
             </a:fld>
             <a:endParaRPr lang="en-US" dirty="0"/>
           </a:p>
@@ -5596,7 +6487,7 @@
             <a:fld id="{B61BEF0D-F0BB-DE4B-95CE-6DB70DBA9567}" type="datetimeFigureOut">
               <a:rPr lang="en-US" dirty="0"/>
               <a:pPr/>
-              <a:t>2/10/18</a:t>
+              <a:t>2/17/18</a:t>
             </a:fld>
             <a:endParaRPr lang="en-US" dirty="0"/>
           </a:p>
@@ -5884,7 +6775,7 @@
             <a:fld id="{B61BEF0D-F0BB-DE4B-95CE-6DB70DBA9567}" type="datetimeFigureOut">
               <a:rPr lang="en-US" dirty="0"/>
               <a:pPr/>
-              <a:t>2/10/18</a:t>
+              <a:t>2/17/18</a:t>
             </a:fld>
             <a:endParaRPr lang="en-US" dirty="0"/>
           </a:p>
@@ -6112,7 +7003,7 @@
             <a:fld id="{B61BEF0D-F0BB-DE4B-95CE-6DB70DBA9567}" type="datetimeFigureOut">
               <a:rPr lang="en-US" dirty="0"/>
               <a:pPr/>
-              <a:t>2/10/18</a:t>
+              <a:t>2/17/18</a:t>
             </a:fld>
             <a:endParaRPr lang="en-US" dirty="0"/>
           </a:p>
@@ -8135,6 +9026,13 @@
   <p:clrMapOvr>
     <a:masterClrMapping/>
   </p:clrMapOvr>
+  <p:timing>
+    <p:tnLst>
+      <p:par>
+        <p:cTn id="1" dur="indefinite" restart="never" nodeType="tmRoot"/>
+      </p:par>
+    </p:tnLst>
+  </p:timing>
 </p:sld>
 </file>
 
@@ -8171,6 +9069,544 @@
           <a:lstStyle/>
           <a:p>
             <a:r>
+              <a:rPr lang="en-US" altLang="zh-CN" dirty="0" err="1" smtClean="0"/>
+              <a:t>Redux</a:t>
+            </a:r>
+            <a:r>
+              <a:rPr lang="zh-CN" altLang="en-US" dirty="0" smtClean="0"/>
+              <a:t>入门</a:t>
+            </a:r>
+            <a:endParaRPr lang="en-US" dirty="0"/>
+          </a:p>
+        </p:txBody>
+      </p:sp>
+      <p:sp>
+        <p:nvSpPr>
+          <p:cNvPr id="3" name="Text Placeholder 2"/>
+          <p:cNvSpPr>
+            <a:spLocks noGrp="1"/>
+          </p:cNvSpPr>
+          <p:nvPr>
+            <p:ph type="body" idx="1"/>
+          </p:nvPr>
+        </p:nvSpPr>
+        <p:spPr/>
+        <p:txBody>
+          <a:bodyPr/>
+          <a:lstStyle/>
+          <a:p>
+            <a:r>
+              <a:rPr lang="en-US" dirty="0" smtClean="0"/>
+              <a:t>State Management Tool</a:t>
+            </a:r>
+            <a:endParaRPr lang="en-US" dirty="0"/>
+          </a:p>
+        </p:txBody>
+      </p:sp>
+    </p:spTree>
+    <p:extLst>
+      <p:ext uri="{BB962C8B-B14F-4D97-AF65-F5344CB8AC3E}">
+        <p14:creationId xmlns:p14="http://schemas.microsoft.com/office/powerpoint/2010/main" val="112265536"/>
+      </p:ext>
+    </p:extLst>
+  </p:cSld>
+  <p:clrMapOvr>
+    <a:masterClrMapping/>
+  </p:clrMapOvr>
+  <p:timing>
+    <p:tnLst>
+      <p:par>
+        <p:cTn id="1" dur="indefinite" restart="never" nodeType="tmRoot"/>
+      </p:par>
+    </p:tnLst>
+  </p:timing>
+</p:sld>
+</file>
+
+<file path=ppt/slides/slide22.xml><?xml version="1.0" encoding="utf-8"?>
+<p:sld xmlns:a="http://schemas.openxmlformats.org/drawingml/2006/main" xmlns:r="http://schemas.openxmlformats.org/officeDocument/2006/relationships" xmlns:p="http://schemas.openxmlformats.org/presentationml/2006/main">
+  <p:cSld>
+    <p:spTree>
+      <p:nvGrpSpPr>
+        <p:cNvPr id="1" name=""/>
+        <p:cNvGrpSpPr/>
+        <p:nvPr/>
+      </p:nvGrpSpPr>
+      <p:grpSpPr>
+        <a:xfrm>
+          <a:off x="0" y="0"/>
+          <a:ext cx="0" cy="0"/>
+          <a:chOff x="0" y="0"/>
+          <a:chExt cx="0" cy="0"/>
+        </a:xfrm>
+      </p:grpSpPr>
+      <p:sp>
+        <p:nvSpPr>
+          <p:cNvPr id="2" name="Title 1"/>
+          <p:cNvSpPr>
+            <a:spLocks noGrp="1"/>
+          </p:cNvSpPr>
+          <p:nvPr>
+            <p:ph type="title"/>
+          </p:nvPr>
+        </p:nvSpPr>
+        <p:spPr/>
+        <p:txBody>
+          <a:bodyPr/>
+          <a:lstStyle/>
+          <a:p>
+            <a:r>
+              <a:rPr lang="en-US" dirty="0" err="1" smtClean="0"/>
+              <a:t>Redux</a:t>
+            </a:r>
+            <a:endParaRPr lang="en-US" dirty="0"/>
+          </a:p>
+        </p:txBody>
+      </p:sp>
+      <p:sp>
+        <p:nvSpPr>
+          <p:cNvPr id="3" name="Content Placeholder 2"/>
+          <p:cNvSpPr>
+            <a:spLocks noGrp="1"/>
+          </p:cNvSpPr>
+          <p:nvPr>
+            <p:ph idx="1"/>
+          </p:nvPr>
+        </p:nvSpPr>
+        <p:spPr>
+          <a:xfrm>
+            <a:off x="1141413" y="2666999"/>
+            <a:ext cx="9905998" cy="3764798"/>
+          </a:xfrm>
+        </p:spPr>
+        <p:txBody>
+          <a:bodyPr>
+            <a:normAutofit/>
+          </a:bodyPr>
+          <a:lstStyle/>
+          <a:p>
+            <a:r>
+              <a:rPr lang="zh-TW" altLang="en-US" sz="2800" dirty="0" smtClean="0">
+                <a:effectLst/>
+              </a:rPr>
+              <a:t>你</a:t>
+            </a:r>
+            <a:r>
+              <a:rPr lang="zh-TW" altLang="en-US" sz="2800" dirty="0">
+                <a:effectLst/>
+              </a:rPr>
+              <a:t>可能不需要 </a:t>
+            </a:r>
+            <a:r>
+              <a:rPr lang="en-US" altLang="zh-TW" sz="2800" dirty="0" err="1">
+                <a:effectLst/>
+              </a:rPr>
+              <a:t>Redux</a:t>
+            </a:r>
+            <a:endParaRPr lang="en-US" altLang="zh-TW" sz="2800" dirty="0">
+              <a:effectLst/>
+            </a:endParaRPr>
+          </a:p>
+          <a:p>
+            <a:r>
+              <a:rPr lang="en-US" altLang="zh-CN" sz="2800" dirty="0">
+                <a:effectLst/>
+              </a:rPr>
+              <a:t>Web </a:t>
+            </a:r>
+            <a:r>
+              <a:rPr lang="zh-CN" altLang="en-US" sz="2800" dirty="0">
+                <a:effectLst/>
+              </a:rPr>
+              <a:t>应用是一个状态机，视图与状态是一一对应的</a:t>
+            </a:r>
+            <a:r>
+              <a:rPr lang="zh-CN" altLang="en-US" sz="2800" dirty="0" smtClean="0">
+                <a:effectLst/>
+              </a:rPr>
+              <a:t>。</a:t>
+            </a:r>
+            <a:endParaRPr lang="en-US" altLang="zh-CN" sz="2800" dirty="0" smtClean="0">
+              <a:effectLst/>
+            </a:endParaRPr>
+          </a:p>
+          <a:p>
+            <a:r>
+              <a:rPr lang="en-US" sz="2800" dirty="0">
+                <a:effectLst/>
+              </a:rPr>
+              <a:t>Store</a:t>
+            </a:r>
+          </a:p>
+          <a:p>
+            <a:r>
+              <a:rPr lang="en-US" sz="2800" dirty="0">
+                <a:effectLst/>
+              </a:rPr>
+              <a:t>Action</a:t>
+            </a:r>
+          </a:p>
+          <a:p>
+            <a:r>
+              <a:rPr lang="en-US" sz="2800" dirty="0">
+                <a:effectLst/>
+              </a:rPr>
+              <a:t>dispatch</a:t>
+            </a:r>
+          </a:p>
+          <a:p>
+            <a:r>
+              <a:rPr lang="en-US" sz="2800" dirty="0">
+                <a:effectLst/>
+              </a:rPr>
+              <a:t>Reducer</a:t>
+            </a:r>
+          </a:p>
+          <a:p>
+            <a:endParaRPr lang="en-US" sz="2800" dirty="0"/>
+          </a:p>
+        </p:txBody>
+      </p:sp>
+    </p:spTree>
+    <p:extLst>
+      <p:ext uri="{BB962C8B-B14F-4D97-AF65-F5344CB8AC3E}">
+        <p14:creationId xmlns:p14="http://schemas.microsoft.com/office/powerpoint/2010/main" val="1327000956"/>
+      </p:ext>
+    </p:extLst>
+  </p:cSld>
+  <p:clrMapOvr>
+    <a:masterClrMapping/>
+  </p:clrMapOvr>
+  <p:timing>
+    <p:tnLst>
+      <p:par>
+        <p:cTn id="1" dur="indefinite" restart="never" nodeType="tmRoot"/>
+      </p:par>
+    </p:tnLst>
+  </p:timing>
+</p:sld>
+</file>
+
+<file path=ppt/slides/slide23.xml><?xml version="1.0" encoding="utf-8"?>
+<p:sld xmlns:a="http://schemas.openxmlformats.org/drawingml/2006/main" xmlns:r="http://schemas.openxmlformats.org/officeDocument/2006/relationships" xmlns:p="http://schemas.openxmlformats.org/presentationml/2006/main">
+  <p:cSld>
+    <p:spTree>
+      <p:nvGrpSpPr>
+        <p:cNvPr id="1" name=""/>
+        <p:cNvGrpSpPr/>
+        <p:nvPr/>
+      </p:nvGrpSpPr>
+      <p:grpSpPr>
+        <a:xfrm>
+          <a:off x="0" y="0"/>
+          <a:ext cx="0" cy="0"/>
+          <a:chOff x="0" y="0"/>
+          <a:chExt cx="0" cy="0"/>
+        </a:xfrm>
+      </p:grpSpPr>
+      <p:sp>
+        <p:nvSpPr>
+          <p:cNvPr id="2" name="Title 1"/>
+          <p:cNvSpPr>
+            <a:spLocks noGrp="1"/>
+          </p:cNvSpPr>
+          <p:nvPr>
+            <p:ph type="title"/>
+          </p:nvPr>
+        </p:nvSpPr>
+        <p:spPr/>
+        <p:txBody>
+          <a:bodyPr/>
+          <a:lstStyle/>
+          <a:p>
+            <a:endParaRPr lang="en-US"/>
+          </a:p>
+        </p:txBody>
+      </p:sp>
+      <p:pic>
+        <p:nvPicPr>
+          <p:cNvPr id="5" name="Content Placeholder 4"/>
+          <p:cNvPicPr>
+            <a:picLocks noGrp="1" noChangeAspect="1"/>
+          </p:cNvPicPr>
+          <p:nvPr>
+            <p:ph idx="1"/>
+          </p:nvPr>
+        </p:nvPicPr>
+        <p:blipFill>
+          <a:blip r:embed="rId3"/>
+          <a:stretch>
+            <a:fillRect/>
+          </a:stretch>
+        </p:blipFill>
+        <p:spPr>
+          <a:xfrm>
+            <a:off x="1535179" y="976860"/>
+            <a:ext cx="9118465" cy="5881140"/>
+          </a:xfrm>
+          <a:prstGeom prst="rect">
+            <a:avLst/>
+          </a:prstGeom>
+        </p:spPr>
+      </p:pic>
+    </p:spTree>
+    <p:extLst>
+      <p:ext uri="{BB962C8B-B14F-4D97-AF65-F5344CB8AC3E}">
+        <p14:creationId xmlns:p14="http://schemas.microsoft.com/office/powerpoint/2010/main" val="497874505"/>
+      </p:ext>
+    </p:extLst>
+  </p:cSld>
+  <p:clrMapOvr>
+    <a:masterClrMapping/>
+  </p:clrMapOvr>
+  <p:timing>
+    <p:tnLst>
+      <p:par>
+        <p:cTn id="1" dur="indefinite" restart="never" nodeType="tmRoot"/>
+      </p:par>
+    </p:tnLst>
+  </p:timing>
+</p:sld>
+</file>
+
+<file path=ppt/slides/slide24.xml><?xml version="1.0" encoding="utf-8"?>
+<p:sld xmlns:a="http://schemas.openxmlformats.org/drawingml/2006/main" xmlns:r="http://schemas.openxmlformats.org/officeDocument/2006/relationships" xmlns:p="http://schemas.openxmlformats.org/presentationml/2006/main">
+  <p:cSld>
+    <p:spTree>
+      <p:nvGrpSpPr>
+        <p:cNvPr id="1" name=""/>
+        <p:cNvGrpSpPr/>
+        <p:nvPr/>
+      </p:nvGrpSpPr>
+      <p:grpSpPr>
+        <a:xfrm>
+          <a:off x="0" y="0"/>
+          <a:ext cx="0" cy="0"/>
+          <a:chOff x="0" y="0"/>
+          <a:chExt cx="0" cy="0"/>
+        </a:xfrm>
+      </p:grpSpPr>
+      <p:sp>
+        <p:nvSpPr>
+          <p:cNvPr id="2" name="Title 1"/>
+          <p:cNvSpPr>
+            <a:spLocks noGrp="1"/>
+          </p:cNvSpPr>
+          <p:nvPr>
+            <p:ph type="title"/>
+          </p:nvPr>
+        </p:nvSpPr>
+        <p:spPr/>
+        <p:txBody>
+          <a:bodyPr/>
+          <a:lstStyle/>
+          <a:p>
+            <a:r>
+              <a:rPr lang="en-US" dirty="0" err="1" smtClean="0"/>
+              <a:t>Dva</a:t>
+            </a:r>
+            <a:endParaRPr lang="en-US" dirty="0"/>
+          </a:p>
+        </p:txBody>
+      </p:sp>
+      <p:sp>
+        <p:nvSpPr>
+          <p:cNvPr id="3" name="Text Placeholder 2"/>
+          <p:cNvSpPr>
+            <a:spLocks noGrp="1"/>
+          </p:cNvSpPr>
+          <p:nvPr>
+            <p:ph type="body" idx="1"/>
+          </p:nvPr>
+        </p:nvSpPr>
+        <p:spPr/>
+        <p:txBody>
+          <a:bodyPr/>
+          <a:lstStyle/>
+          <a:p>
+            <a:r>
+              <a:rPr lang="zh-CN" altLang="en-US" dirty="0" smtClean="0"/>
+              <a:t>阿里对</a:t>
+            </a:r>
+            <a:r>
+              <a:rPr lang="en-US" altLang="zh-CN" dirty="0" err="1" smtClean="0"/>
+              <a:t>Redux</a:t>
+            </a:r>
+            <a:r>
+              <a:rPr lang="zh-CN" altLang="en-US" dirty="0" smtClean="0"/>
+              <a:t>的封装</a:t>
+            </a:r>
+            <a:endParaRPr lang="en-US" altLang="zh-CN" dirty="0" smtClean="0"/>
+          </a:p>
+          <a:p>
+            <a:r>
+              <a:rPr lang="en-US" dirty="0"/>
+              <a:t>https://</a:t>
+            </a:r>
+            <a:r>
+              <a:rPr lang="en-US" dirty="0" err="1"/>
+              <a:t>github.com</a:t>
+            </a:r>
+            <a:r>
+              <a:rPr lang="en-US" dirty="0"/>
+              <a:t>/</a:t>
+            </a:r>
+            <a:r>
+              <a:rPr lang="en-US" dirty="0" err="1"/>
+              <a:t>dvajs</a:t>
+            </a:r>
+            <a:r>
+              <a:rPr lang="en-US" dirty="0"/>
+              <a:t>/</a:t>
+            </a:r>
+            <a:r>
+              <a:rPr lang="en-US" dirty="0" err="1"/>
+              <a:t>dva</a:t>
+            </a:r>
+            <a:r>
+              <a:rPr lang="en-US" dirty="0"/>
+              <a:t>-cli</a:t>
+            </a:r>
+          </a:p>
+        </p:txBody>
+      </p:sp>
+    </p:spTree>
+    <p:extLst>
+      <p:ext uri="{BB962C8B-B14F-4D97-AF65-F5344CB8AC3E}">
+        <p14:creationId xmlns:p14="http://schemas.microsoft.com/office/powerpoint/2010/main" val="1784386784"/>
+      </p:ext>
+    </p:extLst>
+  </p:cSld>
+  <p:clrMapOvr>
+    <a:masterClrMapping/>
+  </p:clrMapOvr>
+  <p:timing>
+    <p:tnLst>
+      <p:par>
+        <p:cTn id="1" dur="indefinite" restart="never" nodeType="tmRoot"/>
+      </p:par>
+    </p:tnLst>
+  </p:timing>
+</p:sld>
+</file>
+
+<file path=ppt/slides/slide25.xml><?xml version="1.0" encoding="utf-8"?>
+<p:sld xmlns:a="http://schemas.openxmlformats.org/drawingml/2006/main" xmlns:r="http://schemas.openxmlformats.org/officeDocument/2006/relationships" xmlns:p="http://schemas.openxmlformats.org/presentationml/2006/main">
+  <p:cSld>
+    <p:spTree>
+      <p:nvGrpSpPr>
+        <p:cNvPr id="1" name=""/>
+        <p:cNvGrpSpPr/>
+        <p:nvPr/>
+      </p:nvGrpSpPr>
+      <p:grpSpPr>
+        <a:xfrm>
+          <a:off x="0" y="0"/>
+          <a:ext cx="0" cy="0"/>
+          <a:chOff x="0" y="0"/>
+          <a:chExt cx="0" cy="0"/>
+        </a:xfrm>
+      </p:grpSpPr>
+      <p:sp>
+        <p:nvSpPr>
+          <p:cNvPr id="2" name="Title 1"/>
+          <p:cNvSpPr>
+            <a:spLocks noGrp="1"/>
+          </p:cNvSpPr>
+          <p:nvPr>
+            <p:ph type="title"/>
+          </p:nvPr>
+        </p:nvSpPr>
+        <p:spPr/>
+        <p:txBody>
+          <a:bodyPr/>
+          <a:lstStyle/>
+          <a:p>
+            <a:r>
+              <a:rPr lang="zh-CN" altLang="en-US" dirty="0" smtClean="0"/>
+              <a:t>基于</a:t>
+            </a:r>
+            <a:r>
+              <a:rPr lang="en-US" altLang="zh-CN" dirty="0" smtClean="0"/>
+              <a:t>DVA</a:t>
+            </a:r>
+            <a:r>
+              <a:rPr lang="zh-CN" altLang="en-US" dirty="0" smtClean="0"/>
+              <a:t>的项目实例</a:t>
+            </a:r>
+            <a:endParaRPr lang="en-US" dirty="0"/>
+          </a:p>
+        </p:txBody>
+      </p:sp>
+      <p:sp>
+        <p:nvSpPr>
+          <p:cNvPr id="3" name="Text Placeholder 2"/>
+          <p:cNvSpPr>
+            <a:spLocks noGrp="1"/>
+          </p:cNvSpPr>
+          <p:nvPr>
+            <p:ph type="body" idx="1"/>
+          </p:nvPr>
+        </p:nvSpPr>
+        <p:spPr/>
+        <p:txBody>
+          <a:bodyPr/>
+          <a:lstStyle/>
+          <a:p>
+            <a:r>
+              <a:rPr lang="zh-CN" altLang="en-US" dirty="0" smtClean="0"/>
+              <a:t>获取模拟用户</a:t>
+            </a:r>
+            <a:endParaRPr lang="en-US" dirty="0"/>
+          </a:p>
+        </p:txBody>
+      </p:sp>
+    </p:spTree>
+    <p:extLst>
+      <p:ext uri="{BB962C8B-B14F-4D97-AF65-F5344CB8AC3E}">
+        <p14:creationId xmlns:p14="http://schemas.microsoft.com/office/powerpoint/2010/main" val="977823030"/>
+      </p:ext>
+    </p:extLst>
+  </p:cSld>
+  <p:clrMapOvr>
+    <a:masterClrMapping/>
+  </p:clrMapOvr>
+</p:sld>
+</file>
+
+<file path=ppt/slides/slide26.xml><?xml version="1.0" encoding="utf-8"?>
+<p:sld xmlns:a="http://schemas.openxmlformats.org/drawingml/2006/main" xmlns:r="http://schemas.openxmlformats.org/officeDocument/2006/relationships" xmlns:p="http://schemas.openxmlformats.org/presentationml/2006/main">
+  <p:cSld>
+    <p:spTree>
+      <p:nvGrpSpPr>
+        <p:cNvPr id="1" name=""/>
+        <p:cNvGrpSpPr/>
+        <p:nvPr/>
+      </p:nvGrpSpPr>
+      <p:grpSpPr>
+        <a:xfrm>
+          <a:off x="0" y="0"/>
+          <a:ext cx="0" cy="0"/>
+          <a:chOff x="0" y="0"/>
+          <a:chExt cx="0" cy="0"/>
+        </a:xfrm>
+      </p:grpSpPr>
+      <p:sp>
+        <p:nvSpPr>
+          <p:cNvPr id="2" name="Title 1"/>
+          <p:cNvSpPr>
+            <a:spLocks noGrp="1"/>
+          </p:cNvSpPr>
+          <p:nvPr>
+            <p:ph type="title"/>
+          </p:nvPr>
+        </p:nvSpPr>
+        <p:spPr/>
+        <p:txBody>
+          <a:bodyPr/>
+          <a:lstStyle/>
+          <a:p>
+            <a:r>
               <a:rPr lang="en-US" dirty="0" err="1" smtClean="0"/>
               <a:t>Anuglar</a:t>
             </a:r>
@@ -8199,13 +9635,13 @@
           <a:p>
             <a:r>
               <a:rPr lang="en-US" dirty="0">
-                <a:hlinkClick r:id="rId2"/>
+                <a:hlinkClick r:id="rId3"/>
               </a:rPr>
               <a:t>https://</a:t>
             </a:r>
             <a:r>
               <a:rPr lang="en-US" dirty="0" smtClean="0">
-                <a:hlinkClick r:id="rId2"/>
+                <a:hlinkClick r:id="rId3"/>
               </a:rPr>
               <a:t>angular.io/tutorial</a:t>
             </a:r>
@@ -8237,6 +9673,429 @@
   <p:clrMapOvr>
     <a:masterClrMapping/>
   </p:clrMapOvr>
+  <p:timing>
+    <p:tnLst>
+      <p:par>
+        <p:cTn id="1" dur="indefinite" restart="never" nodeType="tmRoot"/>
+      </p:par>
+    </p:tnLst>
+  </p:timing>
+</p:sld>
+</file>
+
+<file path=ppt/slides/slide27.xml><?xml version="1.0" encoding="utf-8"?>
+<p:sld xmlns:a="http://schemas.openxmlformats.org/drawingml/2006/main" xmlns:r="http://schemas.openxmlformats.org/officeDocument/2006/relationships" xmlns:p="http://schemas.openxmlformats.org/presentationml/2006/main">
+  <p:cSld>
+    <p:spTree>
+      <p:nvGrpSpPr>
+        <p:cNvPr id="1" name=""/>
+        <p:cNvGrpSpPr/>
+        <p:nvPr/>
+      </p:nvGrpSpPr>
+      <p:grpSpPr>
+        <a:xfrm>
+          <a:off x="0" y="0"/>
+          <a:ext cx="0" cy="0"/>
+          <a:chOff x="0" y="0"/>
+          <a:chExt cx="0" cy="0"/>
+        </a:xfrm>
+      </p:grpSpPr>
+      <p:sp>
+        <p:nvSpPr>
+          <p:cNvPr id="2" name="Title 1"/>
+          <p:cNvSpPr>
+            <a:spLocks noGrp="1"/>
+          </p:cNvSpPr>
+          <p:nvPr>
+            <p:ph type="title"/>
+          </p:nvPr>
+        </p:nvSpPr>
+        <p:spPr/>
+        <p:txBody>
+          <a:bodyPr/>
+          <a:lstStyle/>
+          <a:p>
+            <a:r>
+              <a:rPr lang="zh-CN" altLang="en-US" dirty="0" smtClean="0"/>
+              <a:t>与</a:t>
+            </a:r>
+            <a:r>
+              <a:rPr lang="en-US" altLang="zh-CN" dirty="0" smtClean="0"/>
+              <a:t>React</a:t>
+            </a:r>
+            <a:r>
+              <a:rPr lang="zh-CN" altLang="en-US" dirty="0" smtClean="0"/>
+              <a:t>的区别</a:t>
+            </a:r>
+            <a:endParaRPr lang="en-US" dirty="0"/>
+          </a:p>
+        </p:txBody>
+      </p:sp>
+      <p:sp>
+        <p:nvSpPr>
+          <p:cNvPr id="3" name="Text Placeholder 2"/>
+          <p:cNvSpPr>
+            <a:spLocks noGrp="1"/>
+          </p:cNvSpPr>
+          <p:nvPr>
+            <p:ph type="body" idx="1"/>
+          </p:nvPr>
+        </p:nvSpPr>
+        <p:spPr>
+          <a:xfrm>
+            <a:off x="1751011" y="4777381"/>
+            <a:ext cx="8686801" cy="1344450"/>
+          </a:xfrm>
+        </p:spPr>
+        <p:txBody>
+          <a:bodyPr>
+            <a:normAutofit/>
+          </a:bodyPr>
+          <a:lstStyle/>
+          <a:p>
+            <a:pPr marL="457200" indent="-457200">
+              <a:buAutoNum type="arabicPeriod"/>
+            </a:pPr>
+            <a:r>
+              <a:rPr lang="zh-CN" altLang="en-US" dirty="0" smtClean="0"/>
+              <a:t>保留</a:t>
+            </a:r>
+            <a:r>
+              <a:rPr lang="en-US" altLang="zh-CN" dirty="0" smtClean="0"/>
+              <a:t>HTML</a:t>
+            </a:r>
+            <a:r>
+              <a:rPr lang="zh-CN" altLang="en-US" dirty="0" smtClean="0"/>
+              <a:t>结构</a:t>
+            </a:r>
+            <a:endParaRPr lang="en-US" altLang="zh-CN" dirty="0" smtClean="0"/>
+          </a:p>
+          <a:p>
+            <a:pPr marL="457200" indent="-457200">
+              <a:buAutoNum type="arabicPeriod"/>
+            </a:pPr>
+            <a:r>
+              <a:rPr lang="en-US" altLang="zh-CN" dirty="0" smtClean="0"/>
+              <a:t>MVVM</a:t>
+            </a:r>
+          </a:p>
+          <a:p>
+            <a:pPr marL="457200" indent="-457200">
+              <a:buAutoNum type="arabicPeriod"/>
+            </a:pPr>
+            <a:r>
+              <a:rPr lang="zh-CN" altLang="en-US" dirty="0" smtClean="0"/>
+              <a:t>大而全，不只是</a:t>
+            </a:r>
+            <a:r>
+              <a:rPr lang="en-US" altLang="zh-CN" dirty="0" smtClean="0"/>
+              <a:t>UI</a:t>
+            </a:r>
+            <a:r>
+              <a:rPr lang="zh-CN" altLang="en-US" dirty="0" smtClean="0"/>
+              <a:t>库，规定好了</a:t>
+            </a:r>
+            <a:r>
+              <a:rPr lang="zh-CN" altLang="en-US" smtClean="0"/>
+              <a:t>最佳开发实践</a:t>
+            </a:r>
+            <a:endParaRPr lang="en-US" altLang="zh-CN" dirty="0" smtClean="0"/>
+          </a:p>
+        </p:txBody>
+      </p:sp>
+    </p:spTree>
+    <p:extLst>
+      <p:ext uri="{BB962C8B-B14F-4D97-AF65-F5344CB8AC3E}">
+        <p14:creationId xmlns:p14="http://schemas.microsoft.com/office/powerpoint/2010/main" val="137241654"/>
+      </p:ext>
+    </p:extLst>
+  </p:cSld>
+  <p:clrMapOvr>
+    <a:masterClrMapping/>
+  </p:clrMapOvr>
+  <p:timing>
+    <p:tnLst>
+      <p:par>
+        <p:cTn id="1" dur="indefinite" restart="never" nodeType="tmRoot"/>
+      </p:par>
+    </p:tnLst>
+  </p:timing>
+</p:sld>
+</file>
+
+<file path=ppt/slides/slide28.xml><?xml version="1.0" encoding="utf-8"?>
+<p:sld xmlns:a="http://schemas.openxmlformats.org/drawingml/2006/main" xmlns:r="http://schemas.openxmlformats.org/officeDocument/2006/relationships" xmlns:p="http://schemas.openxmlformats.org/presentationml/2006/main">
+  <p:cSld>
+    <p:spTree>
+      <p:nvGrpSpPr>
+        <p:cNvPr id="1" name=""/>
+        <p:cNvGrpSpPr/>
+        <p:nvPr/>
+      </p:nvGrpSpPr>
+      <p:grpSpPr>
+        <a:xfrm>
+          <a:off x="0" y="0"/>
+          <a:ext cx="0" cy="0"/>
+          <a:chOff x="0" y="0"/>
+          <a:chExt cx="0" cy="0"/>
+        </a:xfrm>
+      </p:grpSpPr>
+      <p:sp>
+        <p:nvSpPr>
+          <p:cNvPr id="2" name="Title 1"/>
+          <p:cNvSpPr>
+            <a:spLocks noGrp="1"/>
+          </p:cNvSpPr>
+          <p:nvPr>
+            <p:ph type="title"/>
+          </p:nvPr>
+        </p:nvSpPr>
+        <p:spPr/>
+        <p:txBody>
+          <a:bodyPr/>
+          <a:lstStyle/>
+          <a:p>
+            <a:r>
+              <a:rPr lang="en-US" altLang="zh-CN" dirty="0" smtClean="0"/>
+              <a:t>Angular JS</a:t>
+            </a:r>
+            <a:endParaRPr lang="en-US" dirty="0"/>
+          </a:p>
+        </p:txBody>
+      </p:sp>
+      <p:sp>
+        <p:nvSpPr>
+          <p:cNvPr id="3" name="Content Placeholder 2"/>
+          <p:cNvSpPr>
+            <a:spLocks noGrp="1"/>
+          </p:cNvSpPr>
+          <p:nvPr>
+            <p:ph idx="1"/>
+          </p:nvPr>
+        </p:nvSpPr>
+        <p:spPr/>
+        <p:txBody>
+          <a:bodyPr/>
+          <a:lstStyle/>
+          <a:p>
+            <a:r>
+              <a:rPr lang="en-US" dirty="0" smtClean="0"/>
+              <a:t>Directive </a:t>
+            </a:r>
+            <a:r>
+              <a:rPr lang="zh-CN" altLang="en-US" dirty="0" smtClean="0"/>
+              <a:t>指令</a:t>
+            </a:r>
+            <a:endParaRPr lang="en-US" altLang="zh-CN" dirty="0" smtClean="0"/>
+          </a:p>
+          <a:p>
+            <a:r>
+              <a:rPr lang="en-US" dirty="0" smtClean="0">
+                <a:effectLst/>
+              </a:rPr>
+              <a:t>Module</a:t>
+            </a:r>
+            <a:r>
+              <a:rPr lang="zh-CN" altLang="en-US" dirty="0" smtClean="0">
+                <a:effectLst/>
+              </a:rPr>
+              <a:t> 模块</a:t>
+            </a:r>
+            <a:endParaRPr lang="en-US" dirty="0" smtClean="0"/>
+          </a:p>
+          <a:p>
+            <a:r>
+              <a:rPr lang="en-US" altLang="zh-CN" dirty="0" smtClean="0"/>
+              <a:t>Component</a:t>
+            </a:r>
+            <a:r>
+              <a:rPr lang="zh-CN" altLang="en-US" dirty="0" smtClean="0"/>
+              <a:t> 组件</a:t>
+            </a:r>
+            <a:endParaRPr lang="en-US" dirty="0" smtClean="0"/>
+          </a:p>
+          <a:p>
+            <a:r>
+              <a:rPr lang="en-US" dirty="0" smtClean="0"/>
+              <a:t>Provider(Service, factory)</a:t>
+            </a:r>
+          </a:p>
+          <a:p>
+            <a:r>
+              <a:rPr lang="en-US" dirty="0">
+                <a:effectLst/>
+              </a:rPr>
+              <a:t>Dependency </a:t>
+            </a:r>
+            <a:r>
+              <a:rPr lang="en-US" dirty="0" smtClean="0">
+                <a:effectLst/>
+              </a:rPr>
+              <a:t>Injection </a:t>
+            </a:r>
+            <a:r>
+              <a:rPr lang="zh-CN" altLang="en-US" dirty="0" smtClean="0">
+                <a:effectLst/>
+              </a:rPr>
+              <a:t>依赖注入</a:t>
+            </a:r>
+            <a:endParaRPr lang="en-US" altLang="zh-CN" dirty="0" smtClean="0">
+              <a:effectLst/>
+            </a:endParaRPr>
+          </a:p>
+          <a:p>
+            <a:r>
+              <a:rPr lang="en-US" altLang="zh-CN" dirty="0" smtClean="0">
+                <a:effectLst/>
+              </a:rPr>
+              <a:t>Controller</a:t>
+            </a:r>
+            <a:r>
+              <a:rPr lang="zh-CN" altLang="en-US" dirty="0" smtClean="0">
+                <a:effectLst/>
+              </a:rPr>
+              <a:t> 控制器</a:t>
+            </a:r>
+            <a:endParaRPr lang="en-US" altLang="zh-CN" dirty="0" smtClean="0">
+              <a:effectLst/>
+            </a:endParaRPr>
+          </a:p>
+          <a:p>
+            <a:endParaRPr lang="en-US" dirty="0"/>
+          </a:p>
+        </p:txBody>
+      </p:sp>
+      <p:sp>
+        <p:nvSpPr>
+          <p:cNvPr id="4" name="Text Placeholder 3"/>
+          <p:cNvSpPr>
+            <a:spLocks noGrp="1"/>
+          </p:cNvSpPr>
+          <p:nvPr>
+            <p:ph type="body" sz="half" idx="2"/>
+          </p:nvPr>
+        </p:nvSpPr>
+        <p:spPr/>
+        <p:txBody>
+          <a:bodyPr/>
+          <a:lstStyle/>
+          <a:p>
+            <a:r>
+              <a:rPr lang="zh-CN" altLang="en-US" dirty="0" smtClean="0"/>
+              <a:t>知识简介</a:t>
+            </a:r>
+            <a:endParaRPr lang="en-US" dirty="0"/>
+          </a:p>
+        </p:txBody>
+      </p:sp>
+    </p:spTree>
+    <p:extLst>
+      <p:ext uri="{BB962C8B-B14F-4D97-AF65-F5344CB8AC3E}">
+        <p14:creationId xmlns:p14="http://schemas.microsoft.com/office/powerpoint/2010/main" val="1326356102"/>
+      </p:ext>
+    </p:extLst>
+  </p:cSld>
+  <p:clrMapOvr>
+    <a:masterClrMapping/>
+  </p:clrMapOvr>
+  <p:timing>
+    <p:tnLst>
+      <p:par>
+        <p:cTn id="1" dur="indefinite" restart="never" nodeType="tmRoot"/>
+      </p:par>
+    </p:tnLst>
+  </p:timing>
+</p:sld>
+</file>
+
+<file path=ppt/slides/slide29.xml><?xml version="1.0" encoding="utf-8"?>
+<p:sld xmlns:a="http://schemas.openxmlformats.org/drawingml/2006/main" xmlns:r="http://schemas.openxmlformats.org/officeDocument/2006/relationships" xmlns:p="http://schemas.openxmlformats.org/presentationml/2006/main">
+  <p:cSld>
+    <p:spTree>
+      <p:nvGrpSpPr>
+        <p:cNvPr id="1" name=""/>
+        <p:cNvGrpSpPr/>
+        <p:nvPr/>
+      </p:nvGrpSpPr>
+      <p:grpSpPr>
+        <a:xfrm>
+          <a:off x="0" y="0"/>
+          <a:ext cx="0" cy="0"/>
+          <a:chOff x="0" y="0"/>
+          <a:chExt cx="0" cy="0"/>
+        </a:xfrm>
+      </p:grpSpPr>
+      <p:sp>
+        <p:nvSpPr>
+          <p:cNvPr id="2" name="Title 1"/>
+          <p:cNvSpPr>
+            <a:spLocks noGrp="1"/>
+          </p:cNvSpPr>
+          <p:nvPr>
+            <p:ph type="title"/>
+          </p:nvPr>
+        </p:nvSpPr>
+        <p:spPr/>
+        <p:txBody>
+          <a:bodyPr/>
+          <a:lstStyle/>
+          <a:p>
+            <a:r>
+              <a:rPr lang="en-US" altLang="zh-CN" dirty="0" err="1" smtClean="0"/>
+              <a:t>AngularJS</a:t>
+            </a:r>
+            <a:r>
+              <a:rPr lang="zh-CN" altLang="en-US" dirty="0" smtClean="0"/>
+              <a:t>项目实战</a:t>
+            </a:r>
+            <a:endParaRPr lang="en-US" dirty="0"/>
+          </a:p>
+        </p:txBody>
+      </p:sp>
+      <p:sp>
+        <p:nvSpPr>
+          <p:cNvPr id="3" name="Text Placeholder 2"/>
+          <p:cNvSpPr>
+            <a:spLocks noGrp="1"/>
+          </p:cNvSpPr>
+          <p:nvPr>
+            <p:ph type="body" idx="1"/>
+          </p:nvPr>
+        </p:nvSpPr>
+        <p:spPr/>
+        <p:txBody>
+          <a:bodyPr/>
+          <a:lstStyle/>
+          <a:p>
+            <a:r>
+              <a:rPr lang="en-US" altLang="zh-CN" dirty="0" err="1" smtClean="0"/>
+              <a:t>Todo</a:t>
+            </a:r>
+            <a:r>
+              <a:rPr lang="en-US" altLang="zh-CN" dirty="0" smtClean="0"/>
+              <a:t> List</a:t>
+            </a:r>
+            <a:endParaRPr lang="en-US" dirty="0"/>
+          </a:p>
+        </p:txBody>
+      </p:sp>
+    </p:spTree>
+    <p:extLst>
+      <p:ext uri="{BB962C8B-B14F-4D97-AF65-F5344CB8AC3E}">
+        <p14:creationId xmlns:p14="http://schemas.microsoft.com/office/powerpoint/2010/main" val="1639088771"/>
+      </p:ext>
+    </p:extLst>
+  </p:cSld>
+  <p:clrMapOvr>
+    <a:masterClrMapping/>
+  </p:clrMapOvr>
+  <p:timing>
+    <p:tnLst>
+      <p:par>
+        <p:cTn id="1" dur="indefinite" restart="never" nodeType="tmRoot"/>
+      </p:par>
+    </p:tnLst>
+  </p:timing>
 </p:sld>
 </file>
 
@@ -8403,6 +10262,121 @@
     <p:extLst>
       <p:ext uri="{BB962C8B-B14F-4D97-AF65-F5344CB8AC3E}">
         <p14:creationId xmlns:p14="http://schemas.microsoft.com/office/powerpoint/2010/main" val="352618200"/>
+      </p:ext>
+    </p:extLst>
+  </p:cSld>
+  <p:clrMapOvr>
+    <a:masterClrMapping/>
+  </p:clrMapOvr>
+  <p:timing>
+    <p:tnLst>
+      <p:par>
+        <p:cTn id="1" dur="indefinite" restart="never" nodeType="tmRoot"/>
+      </p:par>
+    </p:tnLst>
+  </p:timing>
+</p:sld>
+</file>
+
+<file path=ppt/slides/slide30.xml><?xml version="1.0" encoding="utf-8"?>
+<p:sld xmlns:a="http://schemas.openxmlformats.org/drawingml/2006/main" xmlns:r="http://schemas.openxmlformats.org/officeDocument/2006/relationships" xmlns:p="http://schemas.openxmlformats.org/presentationml/2006/main">
+  <p:cSld>
+    <p:spTree>
+      <p:nvGrpSpPr>
+        <p:cNvPr id="1" name=""/>
+        <p:cNvGrpSpPr/>
+        <p:nvPr/>
+      </p:nvGrpSpPr>
+      <p:grpSpPr>
+        <a:xfrm>
+          <a:off x="0" y="0"/>
+          <a:ext cx="0" cy="0"/>
+          <a:chOff x="0" y="0"/>
+          <a:chExt cx="0" cy="0"/>
+        </a:xfrm>
+      </p:grpSpPr>
+      <p:sp>
+        <p:nvSpPr>
+          <p:cNvPr id="2" name="Title 1"/>
+          <p:cNvSpPr>
+            <a:spLocks noGrp="1"/>
+          </p:cNvSpPr>
+          <p:nvPr>
+            <p:ph type="title"/>
+          </p:nvPr>
+        </p:nvSpPr>
+        <p:spPr/>
+        <p:txBody>
+          <a:bodyPr/>
+          <a:lstStyle/>
+          <a:p>
+            <a:r>
+              <a:rPr lang="en-US" altLang="zh-CN" dirty="0" smtClean="0"/>
+              <a:t>Angular </a:t>
+            </a:r>
+            <a:r>
+              <a:rPr lang="zh-CN" altLang="en-US" dirty="0" smtClean="0"/>
+              <a:t>脚手架项目</a:t>
+            </a:r>
+            <a:endParaRPr lang="en-US" dirty="0"/>
+          </a:p>
+        </p:txBody>
+      </p:sp>
+      <p:sp>
+        <p:nvSpPr>
+          <p:cNvPr id="3" name="Content Placeholder 2"/>
+          <p:cNvSpPr>
+            <a:spLocks noGrp="1"/>
+          </p:cNvSpPr>
+          <p:nvPr>
+            <p:ph idx="1"/>
+          </p:nvPr>
+        </p:nvSpPr>
+        <p:spPr/>
+        <p:txBody>
+          <a:bodyPr/>
+          <a:lstStyle/>
+          <a:p>
+            <a:r>
+              <a:rPr lang="en-US" dirty="0"/>
+              <a:t>Yeoman: </a:t>
+            </a:r>
+            <a:r>
+              <a:rPr lang="en-US" dirty="0">
+                <a:hlinkClick r:id="rId3"/>
+              </a:rPr>
+              <a:t>https://</a:t>
+            </a:r>
+            <a:r>
+              <a:rPr lang="en-US" dirty="0" smtClean="0">
+                <a:hlinkClick r:id="rId3"/>
+              </a:rPr>
+              <a:t>github.com/Swiip/generator-gulp-angular</a:t>
+            </a:r>
+            <a:endParaRPr lang="en-US" dirty="0" smtClean="0"/>
+          </a:p>
+          <a:p>
+            <a:r>
+              <a:rPr lang="en-US" dirty="0" smtClean="0"/>
+              <a:t>Gulp serve</a:t>
+            </a:r>
+          </a:p>
+          <a:p>
+            <a:r>
+              <a:rPr lang="en-US" dirty="0" err="1" smtClean="0"/>
+              <a:t>Anuglar</a:t>
+            </a:r>
+            <a:r>
+              <a:rPr lang="en-US" dirty="0" smtClean="0"/>
+              <a:t> Material</a:t>
+            </a:r>
+          </a:p>
+        </p:txBody>
+      </p:sp>
+    </p:spTree>
+    <p:extLst>
+      <p:ext uri="{BB962C8B-B14F-4D97-AF65-F5344CB8AC3E}">
+        <p14:creationId xmlns:p14="http://schemas.microsoft.com/office/powerpoint/2010/main" val="1446031074"/>
       </p:ext>
     </p:extLst>
   </p:cSld>

--- a/前端课程.pptx
+++ b/前端课程.pptx
@@ -5,7 +5,7 @@
     <p:sldMasterId id="2147483648" r:id="rId1"/>
   </p:sldMasterIdLst>
   <p:notesMasterIdLst>
-    <p:notesMasterId r:id="rId32"/>
+    <p:notesMasterId r:id="rId38"/>
   </p:notesMasterIdLst>
   <p:sldIdLst>
     <p:sldId id="272" r:id="rId2"/>
@@ -38,6 +38,12 @@
     <p:sldId id="278" r:id="rId29"/>
     <p:sldId id="281" r:id="rId30"/>
     <p:sldId id="287" r:id="rId31"/>
+    <p:sldId id="289" r:id="rId32"/>
+    <p:sldId id="293" r:id="rId33"/>
+    <p:sldId id="291" r:id="rId34"/>
+    <p:sldId id="292" r:id="rId35"/>
+    <p:sldId id="290" r:id="rId36"/>
+    <p:sldId id="294" r:id="rId37"/>
   </p:sldIdLst>
   <p:sldSz cx="12192000" cy="6858000"/>
   <p:notesSz cx="6858000" cy="9144000"/>
@@ -171,6 +177,12 @@
             <p14:sldId id="278"/>
             <p14:sldId id="281"/>
             <p14:sldId id="287"/>
+            <p14:sldId id="289"/>
+            <p14:sldId id="293"/>
+            <p14:sldId id="291"/>
+            <p14:sldId id="292"/>
+            <p14:sldId id="290"/>
+            <p14:sldId id="294"/>
           </p14:sldIdLst>
         </p14:section>
         <p14:section name="Untitled Section" id="{0F453BDA-0411-3C4B-9C87-D2233F808088}">
@@ -267,7 +279,7 @@
           <a:p>
             <a:fld id="{A75DC609-2A5E-994A-AEB9-E13728C46CDD}" type="datetimeFigureOut">
               <a:rPr lang="en-US" smtClean="0"/>
-              <a:t>2/17/18</a:t>
+              <a:t>2/23/18</a:t>
             </a:fld>
             <a:endParaRPr lang="en-US"/>
           </a:p>
@@ -1280,6 +1292,318 @@
 </p:notes>
 </file>
 
+<file path=ppt/notesSlides/notesSlide16.xml><?xml version="1.0" encoding="utf-8"?>
+<p:notes xmlns:a="http://schemas.openxmlformats.org/drawingml/2006/main" xmlns:r="http://schemas.openxmlformats.org/officeDocument/2006/relationships" xmlns:p="http://schemas.openxmlformats.org/presentationml/2006/main">
+  <p:cSld>
+    <p:spTree>
+      <p:nvGrpSpPr>
+        <p:cNvPr id="1" name=""/>
+        <p:cNvGrpSpPr/>
+        <p:nvPr/>
+      </p:nvGrpSpPr>
+      <p:grpSpPr>
+        <a:xfrm>
+          <a:off x="0" y="0"/>
+          <a:ext cx="0" cy="0"/>
+          <a:chOff x="0" y="0"/>
+          <a:chExt cx="0" cy="0"/>
+        </a:xfrm>
+      </p:grpSpPr>
+      <p:sp>
+        <p:nvSpPr>
+          <p:cNvPr id="2" name="Slide Image Placeholder 1"/>
+          <p:cNvSpPr>
+            <a:spLocks noGrp="1" noRot="1" noChangeAspect="1"/>
+          </p:cNvSpPr>
+          <p:nvPr>
+            <p:ph type="sldImg"/>
+          </p:nvPr>
+        </p:nvSpPr>
+        <p:spPr/>
+      </p:sp>
+      <p:sp>
+        <p:nvSpPr>
+          <p:cNvPr id="3" name="Notes Placeholder 2"/>
+          <p:cNvSpPr>
+            <a:spLocks noGrp="1"/>
+          </p:cNvSpPr>
+          <p:nvPr>
+            <p:ph type="body" idx="1"/>
+          </p:nvPr>
+        </p:nvSpPr>
+        <p:spPr/>
+        <p:txBody>
+          <a:bodyPr/>
+          <a:lstStyle/>
+          <a:p>
+            <a:r>
+              <a:rPr lang="en-US" dirty="0" smtClean="0"/>
+              <a:t>http://</a:t>
+            </a:r>
+            <a:r>
+              <a:rPr lang="en-US" dirty="0" err="1" smtClean="0"/>
+              <a:t>blog.csdn.net</a:t>
+            </a:r>
+            <a:r>
+              <a:rPr lang="en-US" dirty="0" smtClean="0"/>
+              <a:t>/</a:t>
+            </a:r>
+            <a:r>
+              <a:rPr lang="en-US" dirty="0" err="1" smtClean="0"/>
+              <a:t>napolunyishi</a:t>
+            </a:r>
+            <a:r>
+              <a:rPr lang="en-US" dirty="0" smtClean="0"/>
+              <a:t>/article/details/51339006</a:t>
+            </a:r>
+          </a:p>
+          <a:p>
+            <a:r>
+              <a:rPr lang="en-US" dirty="0" smtClean="0"/>
+              <a:t>https://</a:t>
+            </a:r>
+            <a:r>
+              <a:rPr lang="en-US" dirty="0" err="1" smtClean="0"/>
+              <a:t>godbasin.github.io</a:t>
+            </a:r>
+            <a:r>
+              <a:rPr lang="en-US" dirty="0" smtClean="0"/>
+              <a:t>/2016/11/06/angular2-notes-8-rxjs-in-angular2/</a:t>
+            </a:r>
+            <a:endParaRPr lang="en-US" dirty="0"/>
+          </a:p>
+        </p:txBody>
+      </p:sp>
+      <p:sp>
+        <p:nvSpPr>
+          <p:cNvPr id="4" name="Slide Number Placeholder 3"/>
+          <p:cNvSpPr>
+            <a:spLocks noGrp="1"/>
+          </p:cNvSpPr>
+          <p:nvPr>
+            <p:ph type="sldNum" sz="quarter" idx="10"/>
+          </p:nvPr>
+        </p:nvSpPr>
+        <p:spPr/>
+        <p:txBody>
+          <a:bodyPr/>
+          <a:lstStyle/>
+          <a:p>
+            <a:fld id="{3A8071CD-55D8-0E40-9E87-5F5ADA6DF007}" type="slidenum">
+              <a:rPr lang="en-US" smtClean="0"/>
+              <a:t>31</a:t>
+            </a:fld>
+            <a:endParaRPr lang="en-US"/>
+          </a:p>
+        </p:txBody>
+      </p:sp>
+    </p:spTree>
+    <p:extLst>
+      <p:ext uri="{BB962C8B-B14F-4D97-AF65-F5344CB8AC3E}">
+        <p14:creationId xmlns:p14="http://schemas.microsoft.com/office/powerpoint/2010/main" val="1647544439"/>
+      </p:ext>
+    </p:extLst>
+  </p:cSld>
+  <p:clrMapOvr>
+    <a:masterClrMapping/>
+  </p:clrMapOvr>
+</p:notes>
+</file>
+
+<file path=ppt/notesSlides/notesSlide17.xml><?xml version="1.0" encoding="utf-8"?>
+<p:notes xmlns:a="http://schemas.openxmlformats.org/drawingml/2006/main" xmlns:r="http://schemas.openxmlformats.org/officeDocument/2006/relationships" xmlns:p="http://schemas.openxmlformats.org/presentationml/2006/main">
+  <p:cSld>
+    <p:spTree>
+      <p:nvGrpSpPr>
+        <p:cNvPr id="1" name=""/>
+        <p:cNvGrpSpPr/>
+        <p:nvPr/>
+      </p:nvGrpSpPr>
+      <p:grpSpPr>
+        <a:xfrm>
+          <a:off x="0" y="0"/>
+          <a:ext cx="0" cy="0"/>
+          <a:chOff x="0" y="0"/>
+          <a:chExt cx="0" cy="0"/>
+        </a:xfrm>
+      </p:grpSpPr>
+      <p:sp>
+        <p:nvSpPr>
+          <p:cNvPr id="2" name="Slide Image Placeholder 1"/>
+          <p:cNvSpPr>
+            <a:spLocks noGrp="1" noRot="1" noChangeAspect="1"/>
+          </p:cNvSpPr>
+          <p:nvPr>
+            <p:ph type="sldImg"/>
+          </p:nvPr>
+        </p:nvSpPr>
+        <p:spPr/>
+      </p:sp>
+      <p:sp>
+        <p:nvSpPr>
+          <p:cNvPr id="3" name="Notes Placeholder 2"/>
+          <p:cNvSpPr>
+            <a:spLocks noGrp="1"/>
+          </p:cNvSpPr>
+          <p:nvPr>
+            <p:ph type="body" idx="1"/>
+          </p:nvPr>
+        </p:nvSpPr>
+        <p:spPr/>
+        <p:txBody>
+          <a:bodyPr/>
+          <a:lstStyle/>
+          <a:p>
+            <a:r>
+              <a:rPr lang="en-US" dirty="0" smtClean="0"/>
+              <a:t>https://</a:t>
+            </a:r>
+            <a:r>
+              <a:rPr lang="en-US" dirty="0" err="1" smtClean="0"/>
+              <a:t>stackoverflow.com</a:t>
+            </a:r>
+            <a:r>
+              <a:rPr lang="en-US" dirty="0" smtClean="0"/>
+              <a:t>/questions/35944749/what-is-the-difference-between-parentheses-brackets-and-asterisks-in-angular2</a:t>
+            </a:r>
+          </a:p>
+          <a:p>
+            <a:r>
+              <a:rPr lang="tr-TR" dirty="0" smtClean="0"/>
+              <a:t>http://</a:t>
+            </a:r>
+            <a:r>
+              <a:rPr lang="tr-TR" dirty="0" err="1" smtClean="0"/>
+              <a:t>chonger.org</a:t>
+            </a:r>
+            <a:r>
+              <a:rPr lang="tr-TR" dirty="0" smtClean="0"/>
+              <a:t>/2017/08/09/20170809212600.html</a:t>
+            </a:r>
+            <a:endParaRPr lang="en-US" dirty="0"/>
+          </a:p>
+        </p:txBody>
+      </p:sp>
+      <p:sp>
+        <p:nvSpPr>
+          <p:cNvPr id="4" name="Slide Number Placeholder 3"/>
+          <p:cNvSpPr>
+            <a:spLocks noGrp="1"/>
+          </p:cNvSpPr>
+          <p:nvPr>
+            <p:ph type="sldNum" sz="quarter" idx="10"/>
+          </p:nvPr>
+        </p:nvSpPr>
+        <p:spPr/>
+        <p:txBody>
+          <a:bodyPr/>
+          <a:lstStyle/>
+          <a:p>
+            <a:fld id="{3A8071CD-55D8-0E40-9E87-5F5ADA6DF007}" type="slidenum">
+              <a:rPr lang="en-US" smtClean="0"/>
+              <a:t>33</a:t>
+            </a:fld>
+            <a:endParaRPr lang="en-US"/>
+          </a:p>
+        </p:txBody>
+      </p:sp>
+    </p:spTree>
+    <p:extLst>
+      <p:ext uri="{BB962C8B-B14F-4D97-AF65-F5344CB8AC3E}">
+        <p14:creationId xmlns:p14="http://schemas.microsoft.com/office/powerpoint/2010/main" val="93799393"/>
+      </p:ext>
+    </p:extLst>
+  </p:cSld>
+  <p:clrMapOvr>
+    <a:masterClrMapping/>
+  </p:clrMapOvr>
+</p:notes>
+</file>
+
+<file path=ppt/notesSlides/notesSlide18.xml><?xml version="1.0" encoding="utf-8"?>
+<p:notes xmlns:a="http://schemas.openxmlformats.org/drawingml/2006/main" xmlns:r="http://schemas.openxmlformats.org/officeDocument/2006/relationships" xmlns:p="http://schemas.openxmlformats.org/presentationml/2006/main">
+  <p:cSld>
+    <p:spTree>
+      <p:nvGrpSpPr>
+        <p:cNvPr id="1" name=""/>
+        <p:cNvGrpSpPr/>
+        <p:nvPr/>
+      </p:nvGrpSpPr>
+      <p:grpSpPr>
+        <a:xfrm>
+          <a:off x="0" y="0"/>
+          <a:ext cx="0" cy="0"/>
+          <a:chOff x="0" y="0"/>
+          <a:chExt cx="0" cy="0"/>
+        </a:xfrm>
+      </p:grpSpPr>
+      <p:sp>
+        <p:nvSpPr>
+          <p:cNvPr id="2" name="Slide Image Placeholder 1"/>
+          <p:cNvSpPr>
+            <a:spLocks noGrp="1" noRot="1" noChangeAspect="1"/>
+          </p:cNvSpPr>
+          <p:nvPr>
+            <p:ph type="sldImg"/>
+          </p:nvPr>
+        </p:nvSpPr>
+        <p:spPr/>
+      </p:sp>
+      <p:sp>
+        <p:nvSpPr>
+          <p:cNvPr id="3" name="Notes Placeholder 2"/>
+          <p:cNvSpPr>
+            <a:spLocks noGrp="1"/>
+          </p:cNvSpPr>
+          <p:nvPr>
+            <p:ph type="body" idx="1"/>
+          </p:nvPr>
+        </p:nvSpPr>
+        <p:spPr/>
+        <p:txBody>
+          <a:bodyPr/>
+          <a:lstStyle/>
+          <a:p>
+            <a:endParaRPr lang="en-US" dirty="0"/>
+          </a:p>
+        </p:txBody>
+      </p:sp>
+      <p:sp>
+        <p:nvSpPr>
+          <p:cNvPr id="4" name="Slide Number Placeholder 3"/>
+          <p:cNvSpPr>
+            <a:spLocks noGrp="1"/>
+          </p:cNvSpPr>
+          <p:nvPr>
+            <p:ph type="sldNum" sz="quarter" idx="10"/>
+          </p:nvPr>
+        </p:nvSpPr>
+        <p:spPr/>
+        <p:txBody>
+          <a:bodyPr/>
+          <a:lstStyle/>
+          <a:p>
+            <a:fld id="{3A8071CD-55D8-0E40-9E87-5F5ADA6DF007}" type="slidenum">
+              <a:rPr lang="en-US" smtClean="0"/>
+              <a:t>35</a:t>
+            </a:fld>
+            <a:endParaRPr lang="en-US"/>
+          </a:p>
+        </p:txBody>
+      </p:sp>
+    </p:spTree>
+    <p:extLst>
+      <p:ext uri="{BB962C8B-B14F-4D97-AF65-F5344CB8AC3E}">
+        <p14:creationId xmlns:p14="http://schemas.microsoft.com/office/powerpoint/2010/main" val="1547042826"/>
+      </p:ext>
+    </p:extLst>
+  </p:cSld>
+  <p:clrMapOvr>
+    <a:masterClrMapping/>
+  </p:clrMapOvr>
+</p:notes>
+</file>
+
 <file path=ppt/notesSlides/notesSlide2.xml><?xml version="1.0" encoding="utf-8"?>
 <p:notes xmlns:a="http://schemas.openxmlformats.org/drawingml/2006/main" xmlns:r="http://schemas.openxmlformats.org/officeDocument/2006/relationships" xmlns:p="http://schemas.openxmlformats.org/presentationml/2006/main">
   <p:cSld>
@@ -2425,7 +2749,7 @@
             <a:fld id="{B61BEF0D-F0BB-DE4B-95CE-6DB70DBA9567}" type="datetimeFigureOut">
               <a:rPr lang="en-US" dirty="0"/>
               <a:pPr/>
-              <a:t>2/17/18</a:t>
+              <a:t>2/23/18</a:t>
             </a:fld>
             <a:endParaRPr lang="en-US" dirty="0"/>
           </a:p>
@@ -2713,7 +3037,7 @@
             <a:fld id="{B61BEF0D-F0BB-DE4B-95CE-6DB70DBA9567}" type="datetimeFigureOut">
               <a:rPr lang="en-US" dirty="0"/>
               <a:pPr/>
-              <a:t>2/17/18</a:t>
+              <a:t>2/23/18</a:t>
             </a:fld>
             <a:endParaRPr lang="en-US" dirty="0"/>
           </a:p>
@@ -2969,7 +3293,7 @@
             <a:fld id="{B61BEF0D-F0BB-DE4B-95CE-6DB70DBA9567}" type="datetimeFigureOut">
               <a:rPr lang="en-US" dirty="0"/>
               <a:pPr/>
-              <a:t>2/17/18</a:t>
+              <a:t>2/23/18</a:t>
             </a:fld>
             <a:endParaRPr lang="en-US" dirty="0"/>
           </a:p>
@@ -3435,7 +3759,7 @@
             <a:fld id="{B61BEF0D-F0BB-DE4B-95CE-6DB70DBA9567}" type="datetimeFigureOut">
               <a:rPr lang="en-US" dirty="0"/>
               <a:pPr/>
-              <a:t>2/17/18</a:t>
+              <a:t>2/23/18</a:t>
             </a:fld>
             <a:endParaRPr lang="en-US" dirty="0"/>
           </a:p>
@@ -3612,7 +3936,7 @@
             <a:fld id="{B61BEF0D-F0BB-DE4B-95CE-6DB70DBA9567}" type="datetimeFigureOut">
               <a:rPr lang="en-US" dirty="0"/>
               <a:pPr/>
-              <a:t>2/17/18</a:t>
+              <a:t>2/23/18</a:t>
             </a:fld>
             <a:endParaRPr lang="en-US" dirty="0"/>
           </a:p>
@@ -4185,7 +4509,7 @@
             <a:fld id="{B61BEF0D-F0BB-DE4B-95CE-6DB70DBA9567}" type="datetimeFigureOut">
               <a:rPr lang="en-US" dirty="0"/>
               <a:pPr/>
-              <a:t>2/17/18</a:t>
+              <a:t>2/23/18</a:t>
             </a:fld>
             <a:endParaRPr lang="en-US" dirty="0"/>
           </a:p>
@@ -4514,7 +4838,7 @@
             <a:fld id="{B61BEF0D-F0BB-DE4B-95CE-6DB70DBA9567}" type="datetimeFigureOut">
               <a:rPr lang="en-US" dirty="0"/>
               <a:pPr/>
-              <a:t>2/17/18</a:t>
+              <a:t>2/23/18</a:t>
             </a:fld>
             <a:endParaRPr lang="en-US" dirty="0"/>
           </a:p>
@@ -4686,7 +5010,7 @@
             <a:fld id="{B61BEF0D-F0BB-DE4B-95CE-6DB70DBA9567}" type="datetimeFigureOut">
               <a:rPr lang="en-US" dirty="0"/>
               <a:pPr/>
-              <a:t>2/17/18</a:t>
+              <a:t>2/23/18</a:t>
             </a:fld>
             <a:endParaRPr lang="en-US" dirty="0"/>
           </a:p>
@@ -4863,7 +5187,7 @@
             <a:fld id="{B61BEF0D-F0BB-DE4B-95CE-6DB70DBA9567}" type="datetimeFigureOut">
               <a:rPr lang="en-US" dirty="0"/>
               <a:pPr/>
-              <a:t>2/17/18</a:t>
+              <a:t>2/23/18</a:t>
             </a:fld>
             <a:endParaRPr lang="en-US" dirty="0"/>
           </a:p>
@@ -5030,7 +5354,7 @@
             <a:fld id="{B61BEF0D-F0BB-DE4B-95CE-6DB70DBA9567}" type="datetimeFigureOut">
               <a:rPr lang="en-US" dirty="0"/>
               <a:pPr/>
-              <a:t>2/17/18</a:t>
+              <a:t>2/23/18</a:t>
             </a:fld>
             <a:endParaRPr lang="en-US" dirty="0"/>
           </a:p>
@@ -5284,7 +5608,7 @@
             <a:fld id="{B61BEF0D-F0BB-DE4B-95CE-6DB70DBA9567}" type="datetimeFigureOut">
               <a:rPr lang="en-US" dirty="0"/>
               <a:pPr/>
-              <a:t>2/17/18</a:t>
+              <a:t>2/23/18</a:t>
             </a:fld>
             <a:endParaRPr lang="en-US" dirty="0"/>
           </a:p>
@@ -5573,7 +5897,7 @@
             <a:fld id="{B61BEF0D-F0BB-DE4B-95CE-6DB70DBA9567}" type="datetimeFigureOut">
               <a:rPr lang="en-US" dirty="0"/>
               <a:pPr/>
-              <a:t>2/17/18</a:t>
+              <a:t>2/23/18</a:t>
             </a:fld>
             <a:endParaRPr lang="en-US" dirty="0"/>
           </a:p>
@@ -6000,7 +6324,7 @@
             <a:fld id="{B61BEF0D-F0BB-DE4B-95CE-6DB70DBA9567}" type="datetimeFigureOut">
               <a:rPr lang="en-US" dirty="0"/>
               <a:pPr/>
-              <a:t>2/17/18</a:t>
+              <a:t>2/23/18</a:t>
             </a:fld>
             <a:endParaRPr lang="en-US" dirty="0"/>
           </a:p>
@@ -6115,7 +6439,7 @@
             <a:fld id="{B61BEF0D-F0BB-DE4B-95CE-6DB70DBA9567}" type="datetimeFigureOut">
               <a:rPr lang="en-US" dirty="0"/>
               <a:pPr/>
-              <a:t>2/17/18</a:t>
+              <a:t>2/23/18</a:t>
             </a:fld>
             <a:endParaRPr lang="en-US" dirty="0"/>
           </a:p>
@@ -6207,7 +6531,7 @@
             <a:fld id="{B61BEF0D-F0BB-DE4B-95CE-6DB70DBA9567}" type="datetimeFigureOut">
               <a:rPr lang="en-US" dirty="0"/>
               <a:pPr/>
-              <a:t>2/17/18</a:t>
+              <a:t>2/23/18</a:t>
             </a:fld>
             <a:endParaRPr lang="en-US" dirty="0"/>
           </a:p>
@@ -6487,7 +6811,7 @@
             <a:fld id="{B61BEF0D-F0BB-DE4B-95CE-6DB70DBA9567}" type="datetimeFigureOut">
               <a:rPr lang="en-US" dirty="0"/>
               <a:pPr/>
-              <a:t>2/17/18</a:t>
+              <a:t>2/23/18</a:t>
             </a:fld>
             <a:endParaRPr lang="en-US" dirty="0"/>
           </a:p>
@@ -6775,7 +7099,7 @@
             <a:fld id="{B61BEF0D-F0BB-DE4B-95CE-6DB70DBA9567}" type="datetimeFigureOut">
               <a:rPr lang="en-US" dirty="0"/>
               <a:pPr/>
-              <a:t>2/17/18</a:t>
+              <a:t>2/23/18</a:t>
             </a:fld>
             <a:endParaRPr lang="en-US" dirty="0"/>
           </a:p>
@@ -7003,7 +7327,7 @@
             <a:fld id="{B61BEF0D-F0BB-DE4B-95CE-6DB70DBA9567}" type="datetimeFigureOut">
               <a:rPr lang="en-US" dirty="0"/>
               <a:pPr/>
-              <a:t>2/17/18</a:t>
+              <a:t>2/23/18</a:t>
             </a:fld>
             <a:endParaRPr lang="en-US" dirty="0"/>
           </a:p>
@@ -10393,6 +10717,954 @@
 </p:sld>
 </file>
 
+<file path=ppt/slides/slide31.xml><?xml version="1.0" encoding="utf-8"?>
+<p:sld xmlns:a="http://schemas.openxmlformats.org/drawingml/2006/main" xmlns:r="http://schemas.openxmlformats.org/officeDocument/2006/relationships" xmlns:p="http://schemas.openxmlformats.org/presentationml/2006/main">
+  <p:cSld>
+    <p:spTree>
+      <p:nvGrpSpPr>
+        <p:cNvPr id="1" name=""/>
+        <p:cNvGrpSpPr/>
+        <p:nvPr/>
+      </p:nvGrpSpPr>
+      <p:grpSpPr>
+        <a:xfrm>
+          <a:off x="0" y="0"/>
+          <a:ext cx="0" cy="0"/>
+          <a:chOff x="0" y="0"/>
+          <a:chExt cx="0" cy="0"/>
+        </a:xfrm>
+      </p:grpSpPr>
+      <p:sp>
+        <p:nvSpPr>
+          <p:cNvPr id="2" name="Title 1"/>
+          <p:cNvSpPr>
+            <a:spLocks noGrp="1"/>
+          </p:cNvSpPr>
+          <p:nvPr>
+            <p:ph type="title"/>
+          </p:nvPr>
+        </p:nvSpPr>
+        <p:spPr/>
+        <p:txBody>
+          <a:bodyPr/>
+          <a:lstStyle/>
+          <a:p>
+            <a:r>
+              <a:rPr lang="en-US" dirty="0" smtClean="0"/>
+              <a:t>Angular 5</a:t>
+            </a:r>
+            <a:endParaRPr lang="en-US" dirty="0"/>
+          </a:p>
+        </p:txBody>
+      </p:sp>
+      <p:sp>
+        <p:nvSpPr>
+          <p:cNvPr id="3" name="Content Placeholder 2"/>
+          <p:cNvSpPr>
+            <a:spLocks noGrp="1"/>
+          </p:cNvSpPr>
+          <p:nvPr>
+            <p:ph idx="1"/>
+          </p:nvPr>
+        </p:nvSpPr>
+        <p:spPr/>
+        <p:txBody>
+          <a:bodyPr/>
+          <a:lstStyle/>
+          <a:p>
+            <a:r>
+              <a:rPr lang="en-US" dirty="0" smtClean="0"/>
+              <a:t>1. Typescript</a:t>
+            </a:r>
+          </a:p>
+          <a:p>
+            <a:r>
+              <a:rPr lang="en-US" dirty="0" smtClean="0"/>
+              <a:t>2. </a:t>
+            </a:r>
+            <a:r>
+              <a:rPr lang="zh-CN" altLang="en-US" dirty="0" smtClean="0"/>
+              <a:t>其实与</a:t>
+            </a:r>
+            <a:r>
+              <a:rPr lang="en-US" altLang="zh-CN" dirty="0" err="1" smtClean="0"/>
+              <a:t>AngularJS</a:t>
+            </a:r>
+            <a:r>
+              <a:rPr lang="zh-CN" altLang="en-US" dirty="0" smtClean="0"/>
+              <a:t>比较相似</a:t>
+            </a:r>
+            <a:endParaRPr lang="en-US" altLang="zh-CN" dirty="0" smtClean="0"/>
+          </a:p>
+          <a:p>
+            <a:r>
+              <a:rPr lang="en-US" altLang="zh-CN" dirty="0" smtClean="0"/>
+              <a:t>3.</a:t>
+            </a:r>
+            <a:r>
+              <a:rPr lang="zh-CN" altLang="en-US" dirty="0" smtClean="0"/>
+              <a:t> 完整的</a:t>
+            </a:r>
+            <a:r>
+              <a:rPr lang="en-US" altLang="zh-CN" dirty="0" err="1" smtClean="0"/>
+              <a:t>Cli</a:t>
+            </a:r>
+            <a:r>
+              <a:rPr lang="zh-CN" altLang="en-US" dirty="0" smtClean="0"/>
+              <a:t>系统</a:t>
+            </a:r>
+            <a:endParaRPr lang="en-US" altLang="zh-CN" dirty="0" smtClean="0"/>
+          </a:p>
+          <a:p>
+            <a:r>
+              <a:rPr lang="en-US" dirty="0" smtClean="0"/>
+              <a:t>4. observables, </a:t>
+            </a:r>
+            <a:r>
+              <a:rPr lang="en-US" dirty="0" err="1" smtClean="0"/>
+              <a:t>RxJS</a:t>
+            </a:r>
+            <a:r>
+              <a:rPr lang="en-US" dirty="0" smtClean="0"/>
+              <a:t> (Reactive </a:t>
+            </a:r>
+            <a:r>
+              <a:rPr lang="en-US" dirty="0">
+                <a:effectLst/>
+              </a:rPr>
+              <a:t>Extensions</a:t>
+            </a:r>
+            <a:r>
+              <a:rPr lang="en-US" dirty="0" smtClean="0"/>
+              <a:t>)</a:t>
+            </a:r>
+            <a:endParaRPr lang="en-US" dirty="0"/>
+          </a:p>
+          <a:p>
+            <a:endParaRPr lang="en-US" dirty="0"/>
+          </a:p>
+        </p:txBody>
+      </p:sp>
+    </p:spTree>
+    <p:extLst>
+      <p:ext uri="{BB962C8B-B14F-4D97-AF65-F5344CB8AC3E}">
+        <p14:creationId xmlns:p14="http://schemas.microsoft.com/office/powerpoint/2010/main" val="1418923925"/>
+      </p:ext>
+    </p:extLst>
+  </p:cSld>
+  <p:clrMapOvr>
+    <a:masterClrMapping/>
+  </p:clrMapOvr>
+</p:sld>
+</file>
+
+<file path=ppt/slides/slide32.xml><?xml version="1.0" encoding="utf-8"?>
+<p:sld xmlns:a="http://schemas.openxmlformats.org/drawingml/2006/main" xmlns:r="http://schemas.openxmlformats.org/officeDocument/2006/relationships" xmlns:p="http://schemas.openxmlformats.org/presentationml/2006/main">
+  <p:cSld>
+    <p:spTree>
+      <p:nvGrpSpPr>
+        <p:cNvPr id="1" name=""/>
+        <p:cNvGrpSpPr/>
+        <p:nvPr/>
+      </p:nvGrpSpPr>
+      <p:grpSpPr>
+        <a:xfrm>
+          <a:off x="0" y="0"/>
+          <a:ext cx="0" cy="0"/>
+          <a:chOff x="0" y="0"/>
+          <a:chExt cx="0" cy="0"/>
+        </a:xfrm>
+      </p:grpSpPr>
+      <p:sp>
+        <p:nvSpPr>
+          <p:cNvPr id="2" name="Title 1"/>
+          <p:cNvSpPr>
+            <a:spLocks noGrp="1"/>
+          </p:cNvSpPr>
+          <p:nvPr>
+            <p:ph type="title"/>
+          </p:nvPr>
+        </p:nvSpPr>
+        <p:spPr/>
+        <p:txBody>
+          <a:bodyPr/>
+          <a:lstStyle/>
+          <a:p>
+            <a:r>
+              <a:rPr lang="en-US" altLang="zh-CN" dirty="0" smtClean="0"/>
+              <a:t>Angular</a:t>
+            </a:r>
+            <a:r>
+              <a:rPr lang="zh-CN" altLang="en-US" dirty="0" smtClean="0"/>
+              <a:t> 指令</a:t>
+            </a:r>
+            <a:endParaRPr lang="en-US" dirty="0"/>
+          </a:p>
+        </p:txBody>
+      </p:sp>
+      <p:sp>
+        <p:nvSpPr>
+          <p:cNvPr id="3" name="Content Placeholder 2"/>
+          <p:cNvSpPr>
+            <a:spLocks noGrp="1"/>
+          </p:cNvSpPr>
+          <p:nvPr>
+            <p:ph idx="1"/>
+          </p:nvPr>
+        </p:nvSpPr>
+        <p:spPr/>
+        <p:txBody>
+          <a:bodyPr/>
+          <a:lstStyle/>
+          <a:p>
+            <a:r>
+              <a:rPr lang="zh-CN" altLang="en-US" dirty="0">
+                <a:effectLst/>
+              </a:rPr>
+              <a:t>组件 </a:t>
+            </a:r>
+            <a:r>
+              <a:rPr lang="en-US" altLang="zh-CN" dirty="0">
+                <a:effectLst/>
+              </a:rPr>
+              <a:t>- </a:t>
+            </a:r>
+            <a:r>
+              <a:rPr lang="zh-CN" altLang="en-US" dirty="0">
+                <a:effectLst/>
+              </a:rPr>
+              <a:t>带有模板的指令</a:t>
+            </a:r>
+            <a:r>
+              <a:rPr lang="en-US" altLang="zh-CN" dirty="0">
+                <a:effectLst/>
+              </a:rPr>
+              <a:t>(</a:t>
+            </a:r>
+            <a:r>
+              <a:rPr lang="zh-CN" altLang="en-US" dirty="0">
+                <a:effectLst/>
+              </a:rPr>
+              <a:t>组件皆指令</a:t>
+            </a:r>
+            <a:r>
+              <a:rPr lang="en-US" altLang="zh-CN" dirty="0">
+                <a:effectLst/>
+              </a:rPr>
+              <a:t>)</a:t>
+            </a:r>
+          </a:p>
+          <a:p>
+            <a:r>
+              <a:rPr lang="zh-CN" altLang="en-US" dirty="0">
+                <a:effectLst/>
+              </a:rPr>
+              <a:t>结构型指令 </a:t>
+            </a:r>
+            <a:r>
+              <a:rPr lang="en-US" altLang="zh-CN" dirty="0">
+                <a:effectLst/>
+              </a:rPr>
+              <a:t>- </a:t>
+            </a:r>
+            <a:r>
+              <a:rPr lang="zh-CN" altLang="en-US" dirty="0">
+                <a:effectLst/>
+              </a:rPr>
+              <a:t>作用于</a:t>
+            </a:r>
+            <a:r>
+              <a:rPr lang="en-US" altLang="zh-CN" dirty="0">
+                <a:effectLst/>
+              </a:rPr>
+              <a:t>DOM</a:t>
+            </a:r>
+            <a:r>
+              <a:rPr lang="zh-CN" altLang="en-US" dirty="0">
+                <a:effectLst/>
+              </a:rPr>
+              <a:t>元素修改视图结构的指令</a:t>
+            </a:r>
+            <a:r>
+              <a:rPr lang="en-US" altLang="zh-CN" dirty="0">
+                <a:effectLst/>
+              </a:rPr>
+              <a:t>(</a:t>
+            </a:r>
+            <a:r>
+              <a:rPr lang="en-US" altLang="zh-CN" dirty="0" err="1">
+                <a:effectLst/>
+              </a:rPr>
+              <a:t>NgIf</a:t>
+            </a:r>
+            <a:r>
+              <a:rPr lang="zh-CN" altLang="en-US" dirty="0">
+                <a:effectLst/>
+              </a:rPr>
+              <a:t>、</a:t>
+            </a:r>
+            <a:r>
+              <a:rPr lang="en-US" altLang="zh-CN" dirty="0" err="1">
+                <a:effectLst/>
+              </a:rPr>
+              <a:t>NgFor</a:t>
+            </a:r>
+            <a:r>
+              <a:rPr lang="zh-CN" altLang="en-US" dirty="0">
+                <a:effectLst/>
+              </a:rPr>
+              <a:t>等</a:t>
+            </a:r>
+            <a:r>
+              <a:rPr lang="en-US" altLang="zh-CN" dirty="0">
+                <a:effectLst/>
+              </a:rPr>
+              <a:t>)</a:t>
+            </a:r>
+          </a:p>
+          <a:p>
+            <a:r>
+              <a:rPr lang="zh-CN" altLang="en-US" dirty="0">
+                <a:effectLst/>
+              </a:rPr>
+              <a:t>属性型指令 </a:t>
+            </a:r>
+            <a:r>
+              <a:rPr lang="en-US" altLang="zh-CN" dirty="0">
+                <a:effectLst/>
+              </a:rPr>
+              <a:t>- </a:t>
+            </a:r>
+            <a:r>
+              <a:rPr lang="zh-CN" altLang="en-US" dirty="0">
+                <a:effectLst/>
+              </a:rPr>
+              <a:t>作用于</a:t>
+            </a:r>
+            <a:r>
+              <a:rPr lang="en-US" altLang="zh-CN" dirty="0">
+                <a:effectLst/>
+              </a:rPr>
+              <a:t>DOM</a:t>
+            </a:r>
+            <a:r>
+              <a:rPr lang="zh-CN" altLang="en-US" dirty="0">
+                <a:effectLst/>
+              </a:rPr>
+              <a:t>元素的外观和行为的指令</a:t>
+            </a:r>
+            <a:r>
+              <a:rPr lang="en-US" altLang="zh-CN" dirty="0">
+                <a:effectLst/>
+              </a:rPr>
+              <a:t>(</a:t>
+            </a:r>
+            <a:r>
+              <a:rPr lang="en-US" altLang="zh-CN" dirty="0" err="1"/>
+              <a:t>NgStyle</a:t>
+            </a:r>
+            <a:r>
+              <a:rPr lang="zh-CN" altLang="en-US" dirty="0">
+                <a:effectLst/>
+              </a:rPr>
+              <a:t>等</a:t>
+            </a:r>
+            <a:r>
+              <a:rPr lang="en-US" altLang="zh-CN" dirty="0">
+                <a:effectLst/>
+              </a:rPr>
+              <a:t>)</a:t>
+            </a:r>
+            <a:endParaRPr lang="zh-CN" altLang="en-US" dirty="0">
+              <a:effectLst/>
+            </a:endParaRPr>
+          </a:p>
+          <a:p>
+            <a:endParaRPr lang="en-US" dirty="0"/>
+          </a:p>
+        </p:txBody>
+      </p:sp>
+    </p:spTree>
+    <p:extLst>
+      <p:ext uri="{BB962C8B-B14F-4D97-AF65-F5344CB8AC3E}">
+        <p14:creationId xmlns:p14="http://schemas.microsoft.com/office/powerpoint/2010/main" val="366916453"/>
+      </p:ext>
+    </p:extLst>
+  </p:cSld>
+  <p:clrMapOvr>
+    <a:masterClrMapping/>
+  </p:clrMapOvr>
+</p:sld>
+</file>
+
+<file path=ppt/slides/slide33.xml><?xml version="1.0" encoding="utf-8"?>
+<p:sld xmlns:a="http://schemas.openxmlformats.org/drawingml/2006/main" xmlns:r="http://schemas.openxmlformats.org/officeDocument/2006/relationships" xmlns:p="http://schemas.openxmlformats.org/presentationml/2006/main">
+  <p:cSld>
+    <p:spTree>
+      <p:nvGrpSpPr>
+        <p:cNvPr id="1" name=""/>
+        <p:cNvGrpSpPr/>
+        <p:nvPr/>
+      </p:nvGrpSpPr>
+      <p:grpSpPr>
+        <a:xfrm>
+          <a:off x="0" y="0"/>
+          <a:ext cx="0" cy="0"/>
+          <a:chOff x="0" y="0"/>
+          <a:chExt cx="0" cy="0"/>
+        </a:xfrm>
+      </p:grpSpPr>
+      <p:sp>
+        <p:nvSpPr>
+          <p:cNvPr id="2" name="Title 1"/>
+          <p:cNvSpPr>
+            <a:spLocks noGrp="1"/>
+          </p:cNvSpPr>
+          <p:nvPr>
+            <p:ph type="title"/>
+          </p:nvPr>
+        </p:nvSpPr>
+        <p:spPr/>
+        <p:txBody>
+          <a:bodyPr/>
+          <a:lstStyle/>
+          <a:p>
+            <a:r>
+              <a:rPr lang="en-US" dirty="0" smtClean="0"/>
+              <a:t>Angular 2+ HTML </a:t>
+            </a:r>
+            <a:r>
+              <a:rPr lang="zh-CN" altLang="en-US" dirty="0" smtClean="0"/>
+              <a:t>模版语法</a:t>
+            </a:r>
+            <a:endParaRPr lang="en-US" dirty="0"/>
+          </a:p>
+        </p:txBody>
+      </p:sp>
+      <p:sp>
+        <p:nvSpPr>
+          <p:cNvPr id="3" name="Content Placeholder 2"/>
+          <p:cNvSpPr>
+            <a:spLocks noGrp="1"/>
+          </p:cNvSpPr>
+          <p:nvPr>
+            <p:ph idx="1"/>
+          </p:nvPr>
+        </p:nvSpPr>
+        <p:spPr/>
+        <p:txBody>
+          <a:bodyPr/>
+          <a:lstStyle/>
+          <a:p>
+            <a:r>
+              <a:rPr lang="en-US" dirty="0">
+                <a:effectLst/>
+              </a:rPr>
+              <a:t>[prop]="</a:t>
+            </a:r>
+            <a:r>
+              <a:rPr lang="en-US" dirty="0" smtClean="0">
+                <a:effectLst/>
+              </a:rPr>
+              <a:t>value”</a:t>
+            </a:r>
+            <a:endParaRPr lang="en-US" dirty="0">
+              <a:effectLst/>
+            </a:endParaRPr>
+          </a:p>
+          <a:p>
+            <a:r>
+              <a:rPr lang="en-US" dirty="0">
+                <a:effectLst/>
+              </a:rPr>
+              <a:t>prop="{{value</a:t>
+            </a:r>
+            <a:r>
+              <a:rPr lang="en-US" dirty="0" smtClean="0">
+                <a:effectLst/>
+              </a:rPr>
+              <a:t>}}”</a:t>
+            </a:r>
+          </a:p>
+          <a:p>
+            <a:r>
+              <a:rPr lang="en-US" dirty="0">
+                <a:effectLst/>
+              </a:rPr>
+              <a:t>(event)="</a:t>
+            </a:r>
+            <a:r>
+              <a:rPr lang="en-US" dirty="0" smtClean="0">
+                <a:effectLst/>
+              </a:rPr>
+              <a:t>expr”</a:t>
+            </a:r>
+          </a:p>
+          <a:p>
+            <a:r>
+              <a:rPr lang="en-US" dirty="0">
+                <a:effectLst/>
+              </a:rPr>
+              <a:t>#</a:t>
+            </a:r>
+            <a:r>
+              <a:rPr lang="en-US" dirty="0" err="1" smtClean="0">
+                <a:effectLst/>
+              </a:rPr>
+              <a:t>var</a:t>
+            </a:r>
+            <a:endParaRPr lang="en-US" dirty="0" smtClean="0">
+              <a:effectLst/>
+            </a:endParaRPr>
+          </a:p>
+          <a:p>
+            <a:r>
+              <a:rPr lang="en-US" dirty="0"/>
+              <a:t>bind-</a:t>
+            </a:r>
+            <a:r>
+              <a:rPr lang="en-US" dirty="0">
+                <a:effectLst/>
+              </a:rPr>
+              <a:t> for </a:t>
+            </a:r>
+            <a:r>
+              <a:rPr lang="en-US" dirty="0"/>
+              <a:t>[]</a:t>
+            </a:r>
+            <a:r>
+              <a:rPr lang="en-US" dirty="0">
+                <a:effectLst/>
+              </a:rPr>
+              <a:t> and </a:t>
+            </a:r>
+            <a:r>
+              <a:rPr lang="en-US" dirty="0"/>
+              <a:t>on-</a:t>
+            </a:r>
+            <a:r>
+              <a:rPr lang="en-US" dirty="0">
+                <a:effectLst/>
+              </a:rPr>
+              <a:t> for </a:t>
+            </a:r>
+            <a:r>
+              <a:rPr lang="en-US" dirty="0"/>
+              <a:t>()</a:t>
+            </a:r>
+            <a:r>
+              <a:rPr lang="en-US" dirty="0">
+                <a:effectLst/>
+              </a:rPr>
+              <a:t> or </a:t>
+            </a:r>
+            <a:r>
+              <a:rPr lang="en-US" dirty="0"/>
+              <a:t>&lt;template [</a:t>
+            </a:r>
+            <a:r>
+              <a:rPr lang="en-US" dirty="0" err="1"/>
+              <a:t>ngFor</a:t>
+            </a:r>
+            <a:r>
+              <a:rPr lang="en-US" dirty="0"/>
+              <a:t>]&gt;</a:t>
+            </a:r>
+            <a:r>
+              <a:rPr lang="en-US" dirty="0">
+                <a:effectLst/>
+              </a:rPr>
+              <a:t> for </a:t>
+            </a:r>
+            <a:r>
+              <a:rPr lang="en-US" dirty="0"/>
+              <a:t>*</a:t>
+            </a:r>
+            <a:r>
+              <a:rPr lang="en-US" dirty="0" err="1"/>
+              <a:t>ngFor</a:t>
+            </a:r>
+            <a:endParaRPr lang="en-US" dirty="0"/>
+          </a:p>
+        </p:txBody>
+      </p:sp>
+    </p:spTree>
+    <p:extLst>
+      <p:ext uri="{BB962C8B-B14F-4D97-AF65-F5344CB8AC3E}">
+        <p14:creationId xmlns:p14="http://schemas.microsoft.com/office/powerpoint/2010/main" val="547912599"/>
+      </p:ext>
+    </p:extLst>
+  </p:cSld>
+  <p:clrMapOvr>
+    <a:masterClrMapping/>
+  </p:clrMapOvr>
+</p:sld>
+</file>
+
+<file path=ppt/slides/slide34.xml><?xml version="1.0" encoding="utf-8"?>
+<p:sld xmlns:a="http://schemas.openxmlformats.org/drawingml/2006/main" xmlns:r="http://schemas.openxmlformats.org/officeDocument/2006/relationships" xmlns:p="http://schemas.openxmlformats.org/presentationml/2006/main">
+  <p:cSld>
+    <p:spTree>
+      <p:nvGrpSpPr>
+        <p:cNvPr id="1" name=""/>
+        <p:cNvGrpSpPr/>
+        <p:nvPr/>
+      </p:nvGrpSpPr>
+      <p:grpSpPr>
+        <a:xfrm>
+          <a:off x="0" y="0"/>
+          <a:ext cx="0" cy="0"/>
+          <a:chOff x="0" y="0"/>
+          <a:chExt cx="0" cy="0"/>
+        </a:xfrm>
+      </p:grpSpPr>
+      <p:sp>
+        <p:nvSpPr>
+          <p:cNvPr id="2" name="Title 1"/>
+          <p:cNvSpPr>
+            <a:spLocks noGrp="1"/>
+          </p:cNvSpPr>
+          <p:nvPr>
+            <p:ph type="title"/>
+          </p:nvPr>
+        </p:nvSpPr>
+        <p:spPr/>
+        <p:txBody>
+          <a:bodyPr/>
+          <a:lstStyle/>
+          <a:p>
+            <a:r>
+              <a:rPr lang="en-US" dirty="0" smtClean="0"/>
+              <a:t>Angular </a:t>
+            </a:r>
+            <a:r>
+              <a:rPr lang="zh-CN" altLang="en-US" dirty="0" smtClean="0"/>
+              <a:t>环境搭建</a:t>
+            </a:r>
+            <a:endParaRPr lang="en-US" dirty="0"/>
+          </a:p>
+        </p:txBody>
+      </p:sp>
+      <p:sp>
+        <p:nvSpPr>
+          <p:cNvPr id="3" name="Content Placeholder 2"/>
+          <p:cNvSpPr>
+            <a:spLocks noGrp="1"/>
+          </p:cNvSpPr>
+          <p:nvPr>
+            <p:ph idx="1"/>
+          </p:nvPr>
+        </p:nvSpPr>
+        <p:spPr/>
+        <p:txBody>
+          <a:bodyPr/>
+          <a:lstStyle/>
+          <a:p>
+            <a:r>
+              <a:rPr lang="en-US" dirty="0"/>
+              <a:t>https://</a:t>
+            </a:r>
+            <a:r>
+              <a:rPr lang="en-US" dirty="0" err="1"/>
+              <a:t>github.com</a:t>
+            </a:r>
+            <a:r>
+              <a:rPr lang="en-US" dirty="0"/>
+              <a:t>/angular/angular-cli</a:t>
+            </a:r>
+          </a:p>
+        </p:txBody>
+      </p:sp>
+    </p:spTree>
+    <p:extLst>
+      <p:ext uri="{BB962C8B-B14F-4D97-AF65-F5344CB8AC3E}">
+        <p14:creationId xmlns:p14="http://schemas.microsoft.com/office/powerpoint/2010/main" val="304993857"/>
+      </p:ext>
+    </p:extLst>
+  </p:cSld>
+  <p:clrMapOvr>
+    <a:masterClrMapping/>
+  </p:clrMapOvr>
+</p:sld>
+</file>
+
+<file path=ppt/slides/slide35.xml><?xml version="1.0" encoding="utf-8"?>
+<p:sld xmlns:a="http://schemas.openxmlformats.org/drawingml/2006/main" xmlns:r="http://schemas.openxmlformats.org/officeDocument/2006/relationships" xmlns:p="http://schemas.openxmlformats.org/presentationml/2006/main">
+  <p:cSld>
+    <p:spTree>
+      <p:nvGrpSpPr>
+        <p:cNvPr id="1" name=""/>
+        <p:cNvGrpSpPr/>
+        <p:nvPr/>
+      </p:nvGrpSpPr>
+      <p:grpSpPr>
+        <a:xfrm>
+          <a:off x="0" y="0"/>
+          <a:ext cx="0" cy="0"/>
+          <a:chOff x="0" y="0"/>
+          <a:chExt cx="0" cy="0"/>
+        </a:xfrm>
+      </p:grpSpPr>
+      <p:sp>
+        <p:nvSpPr>
+          <p:cNvPr id="2" name="Title 1"/>
+          <p:cNvSpPr>
+            <a:spLocks noGrp="1"/>
+          </p:cNvSpPr>
+          <p:nvPr>
+            <p:ph type="title"/>
+          </p:nvPr>
+        </p:nvSpPr>
+        <p:spPr/>
+        <p:txBody>
+          <a:bodyPr/>
+          <a:lstStyle/>
+          <a:p>
+            <a:r>
+              <a:rPr lang="en-US" altLang="zh-CN" dirty="0" smtClean="0"/>
+              <a:t>Angular</a:t>
+            </a:r>
+            <a:r>
+              <a:rPr lang="zh-CN" altLang="en-US" dirty="0" smtClean="0"/>
+              <a:t>项目实战</a:t>
+            </a:r>
+            <a:r>
+              <a:rPr lang="en-US" altLang="zh-CN" dirty="0" smtClean="0"/>
+              <a:t>	</a:t>
+            </a:r>
+            <a:endParaRPr lang="en-US" dirty="0"/>
+          </a:p>
+        </p:txBody>
+      </p:sp>
+      <p:sp>
+        <p:nvSpPr>
+          <p:cNvPr id="3" name="Text Placeholder 2"/>
+          <p:cNvSpPr>
+            <a:spLocks noGrp="1"/>
+          </p:cNvSpPr>
+          <p:nvPr>
+            <p:ph type="body" idx="1"/>
+          </p:nvPr>
+        </p:nvSpPr>
+        <p:spPr/>
+        <p:txBody>
+          <a:bodyPr>
+            <a:normAutofit lnSpcReduction="10000"/>
+          </a:bodyPr>
+          <a:lstStyle/>
+          <a:p>
+            <a:r>
+              <a:rPr lang="zh-CN" altLang="en-US" dirty="0" smtClean="0"/>
+              <a:t>官方英雄编辑器教程</a:t>
+            </a:r>
+            <a:endParaRPr lang="en-US" altLang="zh-CN" dirty="0" smtClean="0"/>
+          </a:p>
+          <a:p>
+            <a:r>
+              <a:rPr lang="en-US" dirty="0"/>
+              <a:t>https://</a:t>
+            </a:r>
+            <a:r>
+              <a:rPr lang="en-US" dirty="0" err="1"/>
+              <a:t>angular.cn</a:t>
+            </a:r>
+            <a:r>
+              <a:rPr lang="en-US" dirty="0"/>
+              <a:t>/tutorial</a:t>
+            </a:r>
+          </a:p>
+          <a:p>
+            <a:endParaRPr lang="en-US" dirty="0"/>
+          </a:p>
+        </p:txBody>
+      </p:sp>
+    </p:spTree>
+    <p:extLst>
+      <p:ext uri="{BB962C8B-B14F-4D97-AF65-F5344CB8AC3E}">
+        <p14:creationId xmlns:p14="http://schemas.microsoft.com/office/powerpoint/2010/main" val="1516572992"/>
+      </p:ext>
+    </p:extLst>
+  </p:cSld>
+  <p:clrMapOvr>
+    <a:masterClrMapping/>
+  </p:clrMapOvr>
+</p:sld>
+</file>
+
+<file path=ppt/slides/slide36.xml><?xml version="1.0" encoding="utf-8"?>
+<p:sld xmlns:a="http://schemas.openxmlformats.org/drawingml/2006/main" xmlns:r="http://schemas.openxmlformats.org/officeDocument/2006/relationships" xmlns:p="http://schemas.openxmlformats.org/presentationml/2006/main">
+  <p:cSld>
+    <p:spTree>
+      <p:nvGrpSpPr>
+        <p:cNvPr id="1" name=""/>
+        <p:cNvGrpSpPr/>
+        <p:nvPr/>
+      </p:nvGrpSpPr>
+      <p:grpSpPr>
+        <a:xfrm>
+          <a:off x="0" y="0"/>
+          <a:ext cx="0" cy="0"/>
+          <a:chOff x="0" y="0"/>
+          <a:chExt cx="0" cy="0"/>
+        </a:xfrm>
+      </p:grpSpPr>
+      <p:sp>
+        <p:nvSpPr>
+          <p:cNvPr id="2" name="Title 1"/>
+          <p:cNvSpPr>
+            <a:spLocks noGrp="1"/>
+          </p:cNvSpPr>
+          <p:nvPr>
+            <p:ph type="title"/>
+          </p:nvPr>
+        </p:nvSpPr>
+        <p:spPr/>
+        <p:txBody>
+          <a:bodyPr/>
+          <a:lstStyle/>
+          <a:p>
+            <a:r>
+              <a:rPr lang="zh-CN" altLang="en-US" dirty="0" smtClean="0"/>
+              <a:t>大作业</a:t>
+            </a:r>
+            <a:endParaRPr lang="en-US" dirty="0"/>
+          </a:p>
+        </p:txBody>
+      </p:sp>
+      <p:sp>
+        <p:nvSpPr>
+          <p:cNvPr id="3" name="Content Placeholder 2"/>
+          <p:cNvSpPr>
+            <a:spLocks noGrp="1"/>
+          </p:cNvSpPr>
+          <p:nvPr>
+            <p:ph idx="1"/>
+          </p:nvPr>
+        </p:nvSpPr>
+        <p:spPr/>
+        <p:txBody>
+          <a:bodyPr/>
+          <a:lstStyle/>
+          <a:p>
+            <a:r>
+              <a:rPr lang="zh-CN" altLang="en-US" dirty="0" smtClean="0"/>
+              <a:t>使用</a:t>
+            </a:r>
+            <a:r>
+              <a:rPr lang="en-US" altLang="zh-CN" dirty="0" smtClean="0"/>
+              <a:t>React </a:t>
+            </a:r>
+            <a:r>
+              <a:rPr lang="zh-CN" altLang="en-US" dirty="0" smtClean="0"/>
+              <a:t>或者 </a:t>
+            </a:r>
+            <a:r>
+              <a:rPr lang="en-US" altLang="zh-CN" dirty="0" smtClean="0"/>
+              <a:t>Angular </a:t>
+            </a:r>
+            <a:r>
+              <a:rPr lang="zh-CN" altLang="en-US" dirty="0" smtClean="0"/>
+              <a:t>做一个 </a:t>
+            </a:r>
+            <a:r>
+              <a:rPr lang="en-US" altLang="zh-CN" dirty="0" err="1" smtClean="0"/>
+              <a:t>todo</a:t>
+            </a:r>
+            <a:r>
+              <a:rPr lang="zh-CN" altLang="en-US" dirty="0" smtClean="0"/>
+              <a:t> </a:t>
+            </a:r>
+            <a:r>
+              <a:rPr lang="en-US" altLang="zh-CN" dirty="0" smtClean="0"/>
+              <a:t>list</a:t>
+            </a:r>
+          </a:p>
+          <a:p>
+            <a:r>
+              <a:rPr lang="zh-CN" altLang="en-US" dirty="0" smtClean="0"/>
+              <a:t>实现 添加， 删除功能</a:t>
+            </a:r>
+            <a:endParaRPr lang="en-US" altLang="zh-CN" dirty="0" smtClean="0"/>
+          </a:p>
+          <a:p>
+            <a:r>
+              <a:rPr lang="zh-CN" altLang="en-US" dirty="0" smtClean="0"/>
+              <a:t>将代码</a:t>
+            </a:r>
+            <a:r>
+              <a:rPr lang="en-US" altLang="zh-CN" dirty="0" smtClean="0"/>
+              <a:t>commit</a:t>
+            </a:r>
+            <a:r>
+              <a:rPr lang="zh-CN" altLang="en-US" dirty="0" smtClean="0"/>
+              <a:t>到自己的</a:t>
+            </a:r>
+            <a:r>
+              <a:rPr lang="en-US" altLang="zh-CN" dirty="0" err="1" smtClean="0"/>
+              <a:t>github</a:t>
+            </a:r>
+            <a:r>
+              <a:rPr lang="zh-CN" altLang="en-US" dirty="0" smtClean="0"/>
+              <a:t>上</a:t>
+            </a:r>
+            <a:endParaRPr lang="en-US" altLang="zh-CN" dirty="0" smtClean="0"/>
+          </a:p>
+          <a:p>
+            <a:r>
+              <a:rPr lang="zh-CN" altLang="en-US" dirty="0" smtClean="0"/>
+              <a:t>下节课准备一段</a:t>
+            </a:r>
+            <a:r>
+              <a:rPr lang="zh-CN" altLang="en-US" smtClean="0"/>
+              <a:t>简短的介绍</a:t>
+            </a:r>
+            <a:endParaRPr lang="en-US" altLang="zh-CN" dirty="0" smtClean="0"/>
+          </a:p>
+          <a:p>
+            <a:r>
+              <a:rPr lang="zh-CN" altLang="en-US" dirty="0" smtClean="0"/>
+              <a:t>不要</a:t>
+            </a:r>
+            <a:r>
+              <a:rPr lang="en-US" altLang="zh-CN" dirty="0" smtClean="0"/>
+              <a:t>commit</a:t>
+            </a:r>
+            <a:r>
+              <a:rPr lang="zh-CN" altLang="en-US" dirty="0" smtClean="0"/>
+              <a:t> </a:t>
+            </a:r>
+            <a:r>
+              <a:rPr lang="en-US" altLang="zh-CN" dirty="0" err="1" smtClean="0"/>
+              <a:t>Node_modules</a:t>
+            </a:r>
+            <a:r>
+              <a:rPr lang="en-US" altLang="zh-CN" dirty="0" smtClean="0"/>
+              <a:t> </a:t>
+            </a:r>
+            <a:r>
+              <a:rPr lang="zh-CN" altLang="en-US" dirty="0" smtClean="0"/>
+              <a:t>文件夹！</a:t>
+            </a:r>
+            <a:endParaRPr lang="en-US" altLang="zh-CN" dirty="0" smtClean="0"/>
+          </a:p>
+          <a:p>
+            <a:endParaRPr lang="en-US" dirty="0"/>
+          </a:p>
+        </p:txBody>
+      </p:sp>
+    </p:spTree>
+    <p:extLst>
+      <p:ext uri="{BB962C8B-B14F-4D97-AF65-F5344CB8AC3E}">
+        <p14:creationId xmlns:p14="http://schemas.microsoft.com/office/powerpoint/2010/main" val="1759915627"/>
+      </p:ext>
+    </p:extLst>
+  </p:cSld>
+  <p:clrMapOvr>
+    <a:masterClrMapping/>
+  </p:clrMapOvr>
+</p:sld>
+</file>
+
 <file path=ppt/slides/slide4.xml><?xml version="1.0" encoding="utf-8"?>
 <p:sld xmlns:a="http://schemas.openxmlformats.org/drawingml/2006/main" xmlns:r="http://schemas.openxmlformats.org/officeDocument/2006/relationships" xmlns:p="http://schemas.openxmlformats.org/presentationml/2006/main">
   <p:cSld>

--- a/前端课程.pptx
+++ b/前端课程.pptx
@@ -5,7 +5,7 @@
     <p:sldMasterId id="2147483648" r:id="rId1"/>
   </p:sldMasterIdLst>
   <p:notesMasterIdLst>
-    <p:notesMasterId r:id="rId38"/>
+    <p:notesMasterId r:id="rId39"/>
   </p:notesMasterIdLst>
   <p:sldIdLst>
     <p:sldId id="272" r:id="rId2"/>
@@ -39,11 +39,12 @@
     <p:sldId id="281" r:id="rId30"/>
     <p:sldId id="287" r:id="rId31"/>
     <p:sldId id="289" r:id="rId32"/>
-    <p:sldId id="293" r:id="rId33"/>
-    <p:sldId id="291" r:id="rId34"/>
-    <p:sldId id="292" r:id="rId35"/>
-    <p:sldId id="290" r:id="rId36"/>
-    <p:sldId id="294" r:id="rId37"/>
+    <p:sldId id="295" r:id="rId33"/>
+    <p:sldId id="293" r:id="rId34"/>
+    <p:sldId id="291" r:id="rId35"/>
+    <p:sldId id="292" r:id="rId36"/>
+    <p:sldId id="290" r:id="rId37"/>
+    <p:sldId id="294" r:id="rId38"/>
   </p:sldIdLst>
   <p:sldSz cx="12192000" cy="6858000"/>
   <p:notesSz cx="6858000" cy="9144000"/>
@@ -178,6 +179,7 @@
             <p14:sldId id="281"/>
             <p14:sldId id="287"/>
             <p14:sldId id="289"/>
+            <p14:sldId id="295"/>
             <p14:sldId id="293"/>
             <p14:sldId id="291"/>
             <p14:sldId id="292"/>
@@ -279,7 +281,7 @@
           <a:p>
             <a:fld id="{A75DC609-2A5E-994A-AEB9-E13728C46CDD}" type="datetimeFigureOut">
               <a:rPr lang="en-US" smtClean="0"/>
-              <a:t>2/23/18</a:t>
+              <a:t>2/24/18</a:t>
             </a:fld>
             <a:endParaRPr lang="en-US"/>
           </a:p>
@@ -1456,29 +1458,25 @@
           <a:p>
             <a:r>
               <a:rPr lang="en-US" dirty="0" smtClean="0"/>
-              <a:t>https://</a:t>
-            </a:r>
-            <a:r>
-              <a:rPr lang="en-US" dirty="0" err="1" smtClean="0"/>
-              <a:t>stackoverflow.com</a:t>
-            </a:r>
-            <a:r>
-              <a:rPr lang="en-US" dirty="0" smtClean="0"/>
-              <a:t>/questions/35944749/what-is-the-difference-between-parentheses-brackets-and-asterisks-in-angular2</a:t>
-            </a:r>
-          </a:p>
-          <a:p>
-            <a:r>
-              <a:rPr lang="tr-TR" dirty="0" smtClean="0"/>
-              <a:t>http://</a:t>
-            </a:r>
-            <a:r>
-              <a:rPr lang="tr-TR" dirty="0" err="1" smtClean="0"/>
-              <a:t>chonger.org</a:t>
-            </a:r>
-            <a:r>
-              <a:rPr lang="tr-TR" dirty="0" smtClean="0"/>
-              <a:t>/2017/08/09/20170809212600.html</a:t>
+              <a:t>&lt;app-dashboard&gt;</a:t>
+            </a:r>
+            <a:r>
+              <a:rPr lang="en-US" baseline="0" dirty="0" smtClean="0"/>
+              <a:t> &lt;/app-dashboard&gt;</a:t>
+            </a:r>
+          </a:p>
+          <a:p>
+            <a:r>
+              <a:rPr lang="en-US" baseline="0" dirty="0" smtClean="0"/>
+              <a:t>&lt;div </a:t>
+            </a:r>
+            <a:r>
+              <a:rPr lang="en-US" baseline="0" dirty="0" err="1" smtClean="0"/>
+              <a:t>ngIf</a:t>
+            </a:r>
+            <a:r>
+              <a:rPr lang="en-US" baseline="0" dirty="0" smtClean="0"/>
+              <a:t> /&gt;</a:t>
             </a:r>
             <a:endParaRPr lang="en-US" dirty="0"/>
           </a:p>
@@ -1510,7 +1508,7 @@
     </p:spTree>
     <p:extLst>
       <p:ext uri="{BB962C8B-B14F-4D97-AF65-F5344CB8AC3E}">
-        <p14:creationId xmlns:p14="http://schemas.microsoft.com/office/powerpoint/2010/main" val="93799393"/>
+        <p14:creationId xmlns:p14="http://schemas.microsoft.com/office/powerpoint/2010/main" val="1278079413"/>
       </p:ext>
     </p:extLst>
   </p:cSld>
@@ -1564,6 +1562,32 @@
           <a:bodyPr/>
           <a:lstStyle/>
           <a:p>
+            <a:r>
+              <a:rPr lang="en-US" dirty="0" smtClean="0"/>
+              <a:t>https://</a:t>
+            </a:r>
+            <a:r>
+              <a:rPr lang="en-US" dirty="0" err="1" smtClean="0"/>
+              <a:t>stackoverflow.com</a:t>
+            </a:r>
+            <a:r>
+              <a:rPr lang="en-US" dirty="0" smtClean="0"/>
+              <a:t>/questions/35944749/what-is-the-difference-between-parentheses-brackets-and-asterisks-in-angular2</a:t>
+            </a:r>
+          </a:p>
+          <a:p>
+            <a:r>
+              <a:rPr lang="tr-TR" dirty="0" smtClean="0"/>
+              <a:t>http://</a:t>
+            </a:r>
+            <a:r>
+              <a:rPr lang="tr-TR" dirty="0" err="1" smtClean="0"/>
+              <a:t>chonger.org</a:t>
+            </a:r>
+            <a:r>
+              <a:rPr lang="tr-TR" dirty="0" smtClean="0"/>
+              <a:t>/2017/08/09/20170809212600.html</a:t>
+            </a:r>
             <a:endParaRPr lang="en-US" dirty="0"/>
           </a:p>
         </p:txBody>
@@ -1585,7 +1609,91 @@
           <a:p>
             <a:fld id="{3A8071CD-55D8-0E40-9E87-5F5ADA6DF007}" type="slidenum">
               <a:rPr lang="en-US" smtClean="0"/>
-              <a:t>35</a:t>
+              <a:t>34</a:t>
+            </a:fld>
+            <a:endParaRPr lang="en-US"/>
+          </a:p>
+        </p:txBody>
+      </p:sp>
+    </p:spTree>
+    <p:extLst>
+      <p:ext uri="{BB962C8B-B14F-4D97-AF65-F5344CB8AC3E}">
+        <p14:creationId xmlns:p14="http://schemas.microsoft.com/office/powerpoint/2010/main" val="93799393"/>
+      </p:ext>
+    </p:extLst>
+  </p:cSld>
+  <p:clrMapOvr>
+    <a:masterClrMapping/>
+  </p:clrMapOvr>
+</p:notes>
+</file>
+
+<file path=ppt/notesSlides/notesSlide19.xml><?xml version="1.0" encoding="utf-8"?>
+<p:notes xmlns:a="http://schemas.openxmlformats.org/drawingml/2006/main" xmlns:r="http://schemas.openxmlformats.org/officeDocument/2006/relationships" xmlns:p="http://schemas.openxmlformats.org/presentationml/2006/main">
+  <p:cSld>
+    <p:spTree>
+      <p:nvGrpSpPr>
+        <p:cNvPr id="1" name=""/>
+        <p:cNvGrpSpPr/>
+        <p:nvPr/>
+      </p:nvGrpSpPr>
+      <p:grpSpPr>
+        <a:xfrm>
+          <a:off x="0" y="0"/>
+          <a:ext cx="0" cy="0"/>
+          <a:chOff x="0" y="0"/>
+          <a:chExt cx="0" cy="0"/>
+        </a:xfrm>
+      </p:grpSpPr>
+      <p:sp>
+        <p:nvSpPr>
+          <p:cNvPr id="2" name="Slide Image Placeholder 1"/>
+          <p:cNvSpPr>
+            <a:spLocks noGrp="1" noRot="1" noChangeAspect="1"/>
+          </p:cNvSpPr>
+          <p:nvPr>
+            <p:ph type="sldImg"/>
+          </p:nvPr>
+        </p:nvSpPr>
+        <p:spPr/>
+      </p:sp>
+      <p:sp>
+        <p:nvSpPr>
+          <p:cNvPr id="3" name="Notes Placeholder 2"/>
+          <p:cNvSpPr>
+            <a:spLocks noGrp="1"/>
+          </p:cNvSpPr>
+          <p:nvPr>
+            <p:ph type="body" idx="1"/>
+          </p:nvPr>
+        </p:nvSpPr>
+        <p:spPr/>
+        <p:txBody>
+          <a:bodyPr/>
+          <a:lstStyle/>
+          <a:p>
+            <a:endParaRPr lang="en-US" dirty="0"/>
+          </a:p>
+        </p:txBody>
+      </p:sp>
+      <p:sp>
+        <p:nvSpPr>
+          <p:cNvPr id="4" name="Slide Number Placeholder 3"/>
+          <p:cNvSpPr>
+            <a:spLocks noGrp="1"/>
+          </p:cNvSpPr>
+          <p:nvPr>
+            <p:ph type="sldNum" sz="quarter" idx="10"/>
+          </p:nvPr>
+        </p:nvSpPr>
+        <p:spPr/>
+        <p:txBody>
+          <a:bodyPr/>
+          <a:lstStyle/>
+          <a:p>
+            <a:fld id="{3A8071CD-55D8-0E40-9E87-5F5ADA6DF007}" type="slidenum">
+              <a:rPr lang="en-US" smtClean="0"/>
+              <a:t>36</a:t>
             </a:fld>
             <a:endParaRPr lang="en-US"/>
           </a:p>
@@ -1685,6 +1793,90 @@
     <p:extLst>
       <p:ext uri="{BB962C8B-B14F-4D97-AF65-F5344CB8AC3E}">
         <p14:creationId xmlns:p14="http://schemas.microsoft.com/office/powerpoint/2010/main" val="786318014"/>
+      </p:ext>
+    </p:extLst>
+  </p:cSld>
+  <p:clrMapOvr>
+    <a:masterClrMapping/>
+  </p:clrMapOvr>
+</p:notes>
+</file>
+
+<file path=ppt/notesSlides/notesSlide20.xml><?xml version="1.0" encoding="utf-8"?>
+<p:notes xmlns:a="http://schemas.openxmlformats.org/drawingml/2006/main" xmlns:r="http://schemas.openxmlformats.org/officeDocument/2006/relationships" xmlns:p="http://schemas.openxmlformats.org/presentationml/2006/main">
+  <p:cSld>
+    <p:spTree>
+      <p:nvGrpSpPr>
+        <p:cNvPr id="1" name=""/>
+        <p:cNvGrpSpPr/>
+        <p:nvPr/>
+      </p:nvGrpSpPr>
+      <p:grpSpPr>
+        <a:xfrm>
+          <a:off x="0" y="0"/>
+          <a:ext cx="0" cy="0"/>
+          <a:chOff x="0" y="0"/>
+          <a:chExt cx="0" cy="0"/>
+        </a:xfrm>
+      </p:grpSpPr>
+      <p:sp>
+        <p:nvSpPr>
+          <p:cNvPr id="2" name="Slide Image Placeholder 1"/>
+          <p:cNvSpPr>
+            <a:spLocks noGrp="1" noRot="1" noChangeAspect="1"/>
+          </p:cNvSpPr>
+          <p:nvPr>
+            <p:ph type="sldImg"/>
+          </p:nvPr>
+        </p:nvSpPr>
+        <p:spPr/>
+      </p:sp>
+      <p:sp>
+        <p:nvSpPr>
+          <p:cNvPr id="3" name="Notes Placeholder 2"/>
+          <p:cNvSpPr>
+            <a:spLocks noGrp="1"/>
+          </p:cNvSpPr>
+          <p:nvPr>
+            <p:ph type="body" idx="1"/>
+          </p:nvPr>
+        </p:nvSpPr>
+        <p:spPr/>
+        <p:txBody>
+          <a:bodyPr/>
+          <a:lstStyle/>
+          <a:p>
+            <a:endParaRPr lang="en-US" dirty="0"/>
+          </a:p>
+        </p:txBody>
+      </p:sp>
+      <p:sp>
+        <p:nvSpPr>
+          <p:cNvPr id="4" name="Slide Number Placeholder 3"/>
+          <p:cNvSpPr>
+            <a:spLocks noGrp="1"/>
+          </p:cNvSpPr>
+          <p:nvPr>
+            <p:ph type="sldNum" sz="quarter" idx="10"/>
+          </p:nvPr>
+        </p:nvSpPr>
+        <p:spPr/>
+        <p:txBody>
+          <a:bodyPr/>
+          <a:lstStyle/>
+          <a:p>
+            <a:fld id="{3A8071CD-55D8-0E40-9E87-5F5ADA6DF007}" type="slidenum">
+              <a:rPr lang="en-US" smtClean="0"/>
+              <a:t>37</a:t>
+            </a:fld>
+            <a:endParaRPr lang="en-US"/>
+          </a:p>
+        </p:txBody>
+      </p:sp>
+    </p:spTree>
+    <p:extLst>
+      <p:ext uri="{BB962C8B-B14F-4D97-AF65-F5344CB8AC3E}">
+        <p14:creationId xmlns:p14="http://schemas.microsoft.com/office/powerpoint/2010/main" val="800191084"/>
       </p:ext>
     </p:extLst>
   </p:cSld>
@@ -2749,7 +2941,7 @@
             <a:fld id="{B61BEF0D-F0BB-DE4B-95CE-6DB70DBA9567}" type="datetimeFigureOut">
               <a:rPr lang="en-US" dirty="0"/>
               <a:pPr/>
-              <a:t>2/23/18</a:t>
+              <a:t>2/24/18</a:t>
             </a:fld>
             <a:endParaRPr lang="en-US" dirty="0"/>
           </a:p>
@@ -3037,7 +3229,7 @@
             <a:fld id="{B61BEF0D-F0BB-DE4B-95CE-6DB70DBA9567}" type="datetimeFigureOut">
               <a:rPr lang="en-US" dirty="0"/>
               <a:pPr/>
-              <a:t>2/23/18</a:t>
+              <a:t>2/24/18</a:t>
             </a:fld>
             <a:endParaRPr lang="en-US" dirty="0"/>
           </a:p>
@@ -3293,7 +3485,7 @@
             <a:fld id="{B61BEF0D-F0BB-DE4B-95CE-6DB70DBA9567}" type="datetimeFigureOut">
               <a:rPr lang="en-US" dirty="0"/>
               <a:pPr/>
-              <a:t>2/23/18</a:t>
+              <a:t>2/24/18</a:t>
             </a:fld>
             <a:endParaRPr lang="en-US" dirty="0"/>
           </a:p>
@@ -3759,7 +3951,7 @@
             <a:fld id="{B61BEF0D-F0BB-DE4B-95CE-6DB70DBA9567}" type="datetimeFigureOut">
               <a:rPr lang="en-US" dirty="0"/>
               <a:pPr/>
-              <a:t>2/23/18</a:t>
+              <a:t>2/24/18</a:t>
             </a:fld>
             <a:endParaRPr lang="en-US" dirty="0"/>
           </a:p>
@@ -3936,7 +4128,7 @@
             <a:fld id="{B61BEF0D-F0BB-DE4B-95CE-6DB70DBA9567}" type="datetimeFigureOut">
               <a:rPr lang="en-US" dirty="0"/>
               <a:pPr/>
-              <a:t>2/23/18</a:t>
+              <a:t>2/24/18</a:t>
             </a:fld>
             <a:endParaRPr lang="en-US" dirty="0"/>
           </a:p>
@@ -4509,7 +4701,7 @@
             <a:fld id="{B61BEF0D-F0BB-DE4B-95CE-6DB70DBA9567}" type="datetimeFigureOut">
               <a:rPr lang="en-US" dirty="0"/>
               <a:pPr/>
-              <a:t>2/23/18</a:t>
+              <a:t>2/24/18</a:t>
             </a:fld>
             <a:endParaRPr lang="en-US" dirty="0"/>
           </a:p>
@@ -4838,7 +5030,7 @@
             <a:fld id="{B61BEF0D-F0BB-DE4B-95CE-6DB70DBA9567}" type="datetimeFigureOut">
               <a:rPr lang="en-US" dirty="0"/>
               <a:pPr/>
-              <a:t>2/23/18</a:t>
+              <a:t>2/24/18</a:t>
             </a:fld>
             <a:endParaRPr lang="en-US" dirty="0"/>
           </a:p>
@@ -5010,7 +5202,7 @@
             <a:fld id="{B61BEF0D-F0BB-DE4B-95CE-6DB70DBA9567}" type="datetimeFigureOut">
               <a:rPr lang="en-US" dirty="0"/>
               <a:pPr/>
-              <a:t>2/23/18</a:t>
+              <a:t>2/24/18</a:t>
             </a:fld>
             <a:endParaRPr lang="en-US" dirty="0"/>
           </a:p>
@@ -5187,7 +5379,7 @@
             <a:fld id="{B61BEF0D-F0BB-DE4B-95CE-6DB70DBA9567}" type="datetimeFigureOut">
               <a:rPr lang="en-US" dirty="0"/>
               <a:pPr/>
-              <a:t>2/23/18</a:t>
+              <a:t>2/24/18</a:t>
             </a:fld>
             <a:endParaRPr lang="en-US" dirty="0"/>
           </a:p>
@@ -5354,7 +5546,7 @@
             <a:fld id="{B61BEF0D-F0BB-DE4B-95CE-6DB70DBA9567}" type="datetimeFigureOut">
               <a:rPr lang="en-US" dirty="0"/>
               <a:pPr/>
-              <a:t>2/23/18</a:t>
+              <a:t>2/24/18</a:t>
             </a:fld>
             <a:endParaRPr lang="en-US" dirty="0"/>
           </a:p>
@@ -5608,7 +5800,7 @@
             <a:fld id="{B61BEF0D-F0BB-DE4B-95CE-6DB70DBA9567}" type="datetimeFigureOut">
               <a:rPr lang="en-US" dirty="0"/>
               <a:pPr/>
-              <a:t>2/23/18</a:t>
+              <a:t>2/24/18</a:t>
             </a:fld>
             <a:endParaRPr lang="en-US" dirty="0"/>
           </a:p>
@@ -5897,7 +6089,7 @@
             <a:fld id="{B61BEF0D-F0BB-DE4B-95CE-6DB70DBA9567}" type="datetimeFigureOut">
               <a:rPr lang="en-US" dirty="0"/>
               <a:pPr/>
-              <a:t>2/23/18</a:t>
+              <a:t>2/24/18</a:t>
             </a:fld>
             <a:endParaRPr lang="en-US" dirty="0"/>
           </a:p>
@@ -6324,7 +6516,7 @@
             <a:fld id="{B61BEF0D-F0BB-DE4B-95CE-6DB70DBA9567}" type="datetimeFigureOut">
               <a:rPr lang="en-US" dirty="0"/>
               <a:pPr/>
-              <a:t>2/23/18</a:t>
+              <a:t>2/24/18</a:t>
             </a:fld>
             <a:endParaRPr lang="en-US" dirty="0"/>
           </a:p>
@@ -6439,7 +6631,7 @@
             <a:fld id="{B61BEF0D-F0BB-DE4B-95CE-6DB70DBA9567}" type="datetimeFigureOut">
               <a:rPr lang="en-US" dirty="0"/>
               <a:pPr/>
-              <a:t>2/23/18</a:t>
+              <a:t>2/24/18</a:t>
             </a:fld>
             <a:endParaRPr lang="en-US" dirty="0"/>
           </a:p>
@@ -6531,7 +6723,7 @@
             <a:fld id="{B61BEF0D-F0BB-DE4B-95CE-6DB70DBA9567}" type="datetimeFigureOut">
               <a:rPr lang="en-US" dirty="0"/>
               <a:pPr/>
-              <a:t>2/23/18</a:t>
+              <a:t>2/24/18</a:t>
             </a:fld>
             <a:endParaRPr lang="en-US" dirty="0"/>
           </a:p>
@@ -6811,7 +7003,7 @@
             <a:fld id="{B61BEF0D-F0BB-DE4B-95CE-6DB70DBA9567}" type="datetimeFigureOut">
               <a:rPr lang="en-US" dirty="0"/>
               <a:pPr/>
-              <a:t>2/23/18</a:t>
+              <a:t>2/24/18</a:t>
             </a:fld>
             <a:endParaRPr lang="en-US" dirty="0"/>
           </a:p>
@@ -7099,7 +7291,7 @@
             <a:fld id="{B61BEF0D-F0BB-DE4B-95CE-6DB70DBA9567}" type="datetimeFigureOut">
               <a:rPr lang="en-US" dirty="0"/>
               <a:pPr/>
-              <a:t>2/23/18</a:t>
+              <a:t>2/24/18</a:t>
             </a:fld>
             <a:endParaRPr lang="en-US" dirty="0"/>
           </a:p>
@@ -7327,7 +7519,7 @@
             <a:fld id="{B61BEF0D-F0BB-DE4B-95CE-6DB70DBA9567}" type="datetimeFigureOut">
               <a:rPr lang="en-US" dirty="0"/>
               <a:pPr/>
-              <a:t>2/23/18</a:t>
+              <a:t>2/24/18</a:t>
             </a:fld>
             <a:endParaRPr lang="en-US" dirty="0"/>
           </a:p>
@@ -10855,6 +11047,13 @@
   <p:clrMapOvr>
     <a:masterClrMapping/>
   </p:clrMapOvr>
+  <p:timing>
+    <p:tnLst>
+      <p:par>
+        <p:cTn id="1" dur="indefinite" restart="never" nodeType="tmRoot"/>
+      </p:par>
+    </p:tnLst>
+  </p:timing>
 </p:sld>
 </file>
 
@@ -10892,194 +11091,84 @@
           <a:p>
             <a:r>
               <a:rPr lang="en-US" altLang="zh-CN" dirty="0" smtClean="0"/>
-              <a:t>Angular</a:t>
+              <a:t>Observable</a:t>
+            </a:r>
+            <a:endParaRPr lang="en-US" dirty="0"/>
+          </a:p>
+        </p:txBody>
+      </p:sp>
+      <p:sp>
+        <p:nvSpPr>
+          <p:cNvPr id="3" name="Content Placeholder 2"/>
+          <p:cNvSpPr>
+            <a:spLocks noGrp="1"/>
+          </p:cNvSpPr>
+          <p:nvPr>
+            <p:ph idx="1"/>
+          </p:nvPr>
+        </p:nvSpPr>
+        <p:spPr/>
+        <p:txBody>
+          <a:bodyPr/>
+          <a:lstStyle/>
+          <a:p>
+            <a:r>
+              <a:rPr lang="en-US" dirty="0" smtClean="0"/>
+              <a:t>1. </a:t>
             </a:r>
             <a:r>
               <a:rPr lang="zh-CN" altLang="en-US" dirty="0" smtClean="0"/>
-              <a:t> 指令</a:t>
-            </a:r>
-            <a:endParaRPr lang="en-US" dirty="0"/>
-          </a:p>
-        </p:txBody>
-      </p:sp>
-      <p:sp>
-        <p:nvSpPr>
-          <p:cNvPr id="3" name="Content Placeholder 2"/>
-          <p:cNvSpPr>
-            <a:spLocks noGrp="1"/>
-          </p:cNvSpPr>
-          <p:nvPr>
-            <p:ph idx="1"/>
-          </p:nvPr>
-        </p:nvSpPr>
-        <p:spPr/>
-        <p:txBody>
-          <a:bodyPr/>
-          <a:lstStyle/>
-          <a:p>
-            <a:r>
-              <a:rPr lang="zh-CN" altLang="en-US" dirty="0">
-                <a:effectLst/>
-              </a:rPr>
-              <a:t>组件 </a:t>
-            </a:r>
-            <a:r>
-              <a:rPr lang="en-US" altLang="zh-CN" dirty="0">
-                <a:effectLst/>
-              </a:rPr>
-              <a:t>- </a:t>
-            </a:r>
-            <a:r>
-              <a:rPr lang="zh-CN" altLang="en-US" dirty="0">
-                <a:effectLst/>
-              </a:rPr>
-              <a:t>带有模板的指令</a:t>
-            </a:r>
-            <a:r>
-              <a:rPr lang="en-US" altLang="zh-CN" dirty="0">
-                <a:effectLst/>
-              </a:rPr>
-              <a:t>(</a:t>
-            </a:r>
-            <a:r>
-              <a:rPr lang="zh-CN" altLang="en-US" dirty="0">
-                <a:effectLst/>
-              </a:rPr>
-              <a:t>组件皆指令</a:t>
-            </a:r>
-            <a:r>
-              <a:rPr lang="en-US" altLang="zh-CN" dirty="0">
-                <a:effectLst/>
-              </a:rPr>
-              <a:t>)</a:t>
-            </a:r>
-          </a:p>
-          <a:p>
-            <a:r>
-              <a:rPr lang="zh-CN" altLang="en-US" dirty="0">
-                <a:effectLst/>
-              </a:rPr>
-              <a:t>结构型指令 </a:t>
-            </a:r>
-            <a:r>
-              <a:rPr lang="en-US" altLang="zh-CN" dirty="0">
-                <a:effectLst/>
-              </a:rPr>
-              <a:t>- </a:t>
-            </a:r>
-            <a:r>
-              <a:rPr lang="zh-CN" altLang="en-US" dirty="0">
-                <a:effectLst/>
-              </a:rPr>
-              <a:t>作用于</a:t>
-            </a:r>
-            <a:r>
-              <a:rPr lang="en-US" altLang="zh-CN" dirty="0">
-                <a:effectLst/>
-              </a:rPr>
-              <a:t>DOM</a:t>
-            </a:r>
-            <a:r>
-              <a:rPr lang="zh-CN" altLang="en-US" dirty="0">
-                <a:effectLst/>
-              </a:rPr>
-              <a:t>元素修改视图结构的指令</a:t>
-            </a:r>
-            <a:r>
-              <a:rPr lang="en-US" altLang="zh-CN" dirty="0">
-                <a:effectLst/>
-              </a:rPr>
-              <a:t>(</a:t>
-            </a:r>
-            <a:r>
-              <a:rPr lang="en-US" altLang="zh-CN" dirty="0" err="1">
-                <a:effectLst/>
-              </a:rPr>
-              <a:t>NgIf</a:t>
-            </a:r>
-            <a:r>
-              <a:rPr lang="zh-CN" altLang="en-US" dirty="0">
-                <a:effectLst/>
-              </a:rPr>
-              <a:t>、</a:t>
-            </a:r>
-            <a:r>
-              <a:rPr lang="en-US" altLang="zh-CN" dirty="0" err="1">
-                <a:effectLst/>
-              </a:rPr>
-              <a:t>NgFor</a:t>
-            </a:r>
-            <a:r>
-              <a:rPr lang="zh-CN" altLang="en-US" dirty="0">
-                <a:effectLst/>
-              </a:rPr>
-              <a:t>等</a:t>
-            </a:r>
-            <a:r>
-              <a:rPr lang="en-US" altLang="zh-CN" dirty="0">
-                <a:effectLst/>
-              </a:rPr>
-              <a:t>)</a:t>
-            </a:r>
-          </a:p>
-          <a:p>
-            <a:r>
-              <a:rPr lang="zh-CN" altLang="en-US" dirty="0">
-                <a:effectLst/>
-              </a:rPr>
-              <a:t>属性型指令 </a:t>
-            </a:r>
-            <a:r>
-              <a:rPr lang="en-US" altLang="zh-CN" dirty="0">
-                <a:effectLst/>
-              </a:rPr>
-              <a:t>- </a:t>
-            </a:r>
-            <a:r>
-              <a:rPr lang="zh-CN" altLang="en-US" dirty="0">
-                <a:effectLst/>
-              </a:rPr>
-              <a:t>作用于</a:t>
-            </a:r>
-            <a:r>
-              <a:rPr lang="en-US" altLang="zh-CN" dirty="0">
-                <a:effectLst/>
-              </a:rPr>
-              <a:t>DOM</a:t>
-            </a:r>
-            <a:r>
-              <a:rPr lang="zh-CN" altLang="en-US" dirty="0">
-                <a:effectLst/>
-              </a:rPr>
-              <a:t>元素的外观和行为的指令</a:t>
-            </a:r>
-            <a:r>
-              <a:rPr lang="en-US" altLang="zh-CN" dirty="0">
-                <a:effectLst/>
-              </a:rPr>
-              <a:t>(</a:t>
-            </a:r>
-            <a:r>
-              <a:rPr lang="en-US" altLang="zh-CN" dirty="0" err="1"/>
-              <a:t>NgStyle</a:t>
-            </a:r>
-            <a:r>
-              <a:rPr lang="zh-CN" altLang="en-US" dirty="0">
-                <a:effectLst/>
-              </a:rPr>
-              <a:t>等</a:t>
-            </a:r>
-            <a:r>
-              <a:rPr lang="en-US" altLang="zh-CN" dirty="0">
-                <a:effectLst/>
-              </a:rPr>
-              <a:t>)</a:t>
-            </a:r>
-            <a:endParaRPr lang="zh-CN" altLang="en-US" dirty="0">
-              <a:effectLst/>
-            </a:endParaRPr>
-          </a:p>
-          <a:p>
+              <a:t>支持多个变量</a:t>
+            </a:r>
+            <a:endParaRPr lang="en-US" altLang="zh-CN" dirty="0" smtClean="0"/>
+          </a:p>
+          <a:p>
+            <a:r>
+              <a:rPr lang="en-US" altLang="zh-CN" dirty="0" smtClean="0"/>
+              <a:t>2.</a:t>
+            </a:r>
+            <a:r>
+              <a:rPr lang="zh-CN" altLang="en-US" dirty="0" smtClean="0"/>
+              <a:t> </a:t>
+            </a:r>
+            <a:r>
+              <a:rPr lang="en-US" altLang="zh-CN" dirty="0" smtClean="0"/>
+              <a:t>cancel</a:t>
+            </a:r>
+            <a:r>
+              <a:rPr lang="zh-CN" altLang="en-US" dirty="0" smtClean="0"/>
+              <a:t>掉一个</a:t>
+            </a:r>
+            <a:r>
+              <a:rPr lang="en-US" altLang="zh-CN" dirty="0" smtClean="0"/>
+              <a:t>observable</a:t>
+            </a:r>
+          </a:p>
+          <a:p>
+            <a:r>
+              <a:rPr lang="en-US" altLang="zh-CN" dirty="0" smtClean="0"/>
+              <a:t>3.</a:t>
+            </a:r>
+            <a:r>
+              <a:rPr lang="zh-CN" altLang="en-US" dirty="0" smtClean="0"/>
+              <a:t> </a:t>
+            </a:r>
+            <a:r>
+              <a:rPr lang="en-US" altLang="zh-CN" dirty="0" smtClean="0"/>
+              <a:t>promise-&gt; then</a:t>
+            </a:r>
+            <a:r>
+              <a:rPr lang="zh-CN" altLang="en-US" dirty="0" smtClean="0"/>
+              <a:t> </a:t>
+            </a:r>
+            <a:r>
+              <a:rPr lang="en-US" altLang="zh-CN" dirty="0" smtClean="0"/>
+              <a:t>  observable -&gt; subscribe</a:t>
+            </a:r>
+            <a:r>
+              <a:rPr lang="en-US" dirty="0" smtClean="0"/>
+              <a:t> </a:t>
+            </a:r>
             <a:endParaRPr lang="en-US" dirty="0"/>
           </a:p>
         </p:txBody>
@@ -11087,13 +11176,20 @@
     </p:spTree>
     <p:extLst>
       <p:ext uri="{BB962C8B-B14F-4D97-AF65-F5344CB8AC3E}">
-        <p14:creationId xmlns:p14="http://schemas.microsoft.com/office/powerpoint/2010/main" val="366916453"/>
+        <p14:creationId xmlns:p14="http://schemas.microsoft.com/office/powerpoint/2010/main" val="1029556927"/>
       </p:ext>
     </p:extLst>
   </p:cSld>
   <p:clrMapOvr>
     <a:masterClrMapping/>
   </p:clrMapOvr>
+  <p:timing>
+    <p:tnLst>
+      <p:par>
+        <p:cTn id="1" dur="indefinite" restart="never" nodeType="tmRoot"/>
+      </p:par>
+    </p:tnLst>
+  </p:timing>
 </p:sld>
 </file>
 
@@ -11130,12 +11226,12 @@
           <a:lstStyle/>
           <a:p>
             <a:r>
-              <a:rPr lang="en-US" dirty="0" smtClean="0"/>
-              <a:t>Angular 2+ HTML </a:t>
+              <a:rPr lang="en-US" altLang="zh-CN" dirty="0" smtClean="0"/>
+              <a:t>Angular</a:t>
             </a:r>
             <a:r>
               <a:rPr lang="zh-CN" altLang="en-US" dirty="0" smtClean="0"/>
-              <a:t>模版语法</a:t>
+              <a:t> 指令</a:t>
             </a:r>
             <a:endParaRPr lang="en-US" dirty="0"/>
           </a:p>
@@ -11157,133 +11253,168 @@
           <a:lstStyle/>
           <a:p>
             <a:r>
-              <a:rPr lang="en-US" dirty="0">
+              <a:rPr lang="zh-CN" altLang="en-US" dirty="0">
                 <a:effectLst/>
               </a:rPr>
-              <a:t>[prop]="</a:t>
-            </a:r>
-            <a:r>
-              <a:rPr lang="en-US" dirty="0" smtClean="0">
+              <a:t>组件 </a:t>
+            </a:r>
+            <a:r>
+              <a:rPr lang="en-US" altLang="zh-CN" dirty="0">
                 <a:effectLst/>
               </a:rPr>
-              <a:t>value”</a:t>
-            </a:r>
-            <a:endParaRPr lang="en-US" dirty="0">
+              <a:t>- </a:t>
+            </a:r>
+            <a:r>
+              <a:rPr lang="zh-CN" altLang="en-US" dirty="0">
+                <a:effectLst/>
+              </a:rPr>
+              <a:t>带有模板的指令</a:t>
+            </a:r>
+            <a:r>
+              <a:rPr lang="en-US" altLang="zh-CN" dirty="0">
+                <a:effectLst/>
+              </a:rPr>
+              <a:t>(</a:t>
+            </a:r>
+            <a:r>
+              <a:rPr lang="zh-CN" altLang="en-US" dirty="0">
+                <a:effectLst/>
+              </a:rPr>
+              <a:t>组件皆指令</a:t>
+            </a:r>
+            <a:r>
+              <a:rPr lang="en-US" altLang="zh-CN" dirty="0">
+                <a:effectLst/>
+              </a:rPr>
+              <a:t>)</a:t>
+            </a:r>
+          </a:p>
+          <a:p>
+            <a:r>
+              <a:rPr lang="zh-CN" altLang="en-US" dirty="0">
+                <a:effectLst/>
+              </a:rPr>
+              <a:t>结构型指令 </a:t>
+            </a:r>
+            <a:r>
+              <a:rPr lang="en-US" altLang="zh-CN" dirty="0">
+                <a:effectLst/>
+              </a:rPr>
+              <a:t>- </a:t>
+            </a:r>
+            <a:r>
+              <a:rPr lang="zh-CN" altLang="en-US" dirty="0">
+                <a:effectLst/>
+              </a:rPr>
+              <a:t>作用于</a:t>
+            </a:r>
+            <a:r>
+              <a:rPr lang="en-US" altLang="zh-CN" dirty="0">
+                <a:effectLst/>
+              </a:rPr>
+              <a:t>DOM</a:t>
+            </a:r>
+            <a:r>
+              <a:rPr lang="zh-CN" altLang="en-US" dirty="0">
+                <a:effectLst/>
+              </a:rPr>
+              <a:t>元素修改视图结构的指令</a:t>
+            </a:r>
+            <a:r>
+              <a:rPr lang="en-US" altLang="zh-CN" dirty="0">
+                <a:effectLst/>
+              </a:rPr>
+              <a:t>(</a:t>
+            </a:r>
+            <a:r>
+              <a:rPr lang="en-US" altLang="zh-CN" dirty="0" err="1">
+                <a:effectLst/>
+              </a:rPr>
+              <a:t>NgIf</a:t>
+            </a:r>
+            <a:r>
+              <a:rPr lang="zh-CN" altLang="en-US" dirty="0">
+                <a:effectLst/>
+              </a:rPr>
+              <a:t>、</a:t>
+            </a:r>
+            <a:r>
+              <a:rPr lang="en-US" altLang="zh-CN" dirty="0" err="1">
+                <a:effectLst/>
+              </a:rPr>
+              <a:t>NgFor</a:t>
+            </a:r>
+            <a:r>
+              <a:rPr lang="zh-CN" altLang="en-US" dirty="0">
+                <a:effectLst/>
+              </a:rPr>
+              <a:t>等</a:t>
+            </a:r>
+            <a:r>
+              <a:rPr lang="en-US" altLang="zh-CN" dirty="0">
+                <a:effectLst/>
+              </a:rPr>
+              <a:t>)</a:t>
+            </a:r>
+          </a:p>
+          <a:p>
+            <a:r>
+              <a:rPr lang="zh-CN" altLang="en-US" dirty="0">
+                <a:effectLst/>
+              </a:rPr>
+              <a:t>属性型指令 </a:t>
+            </a:r>
+            <a:r>
+              <a:rPr lang="en-US" altLang="zh-CN" dirty="0">
+                <a:effectLst/>
+              </a:rPr>
+              <a:t>- </a:t>
+            </a:r>
+            <a:r>
+              <a:rPr lang="zh-CN" altLang="en-US" dirty="0">
+                <a:effectLst/>
+              </a:rPr>
+              <a:t>作用于</a:t>
+            </a:r>
+            <a:r>
+              <a:rPr lang="en-US" altLang="zh-CN" dirty="0">
+                <a:effectLst/>
+              </a:rPr>
+              <a:t>DOM</a:t>
+            </a:r>
+            <a:r>
+              <a:rPr lang="zh-CN" altLang="en-US" dirty="0">
+                <a:effectLst/>
+              </a:rPr>
+              <a:t>元素的外观和行为的指令</a:t>
+            </a:r>
+            <a:r>
+              <a:rPr lang="en-US" altLang="zh-CN" dirty="0">
+                <a:effectLst/>
+              </a:rPr>
+              <a:t>(</a:t>
+            </a:r>
+            <a:r>
+              <a:rPr lang="en-US" altLang="zh-CN" dirty="0" err="1"/>
+              <a:t>NgStyle</a:t>
+            </a:r>
+            <a:r>
+              <a:rPr lang="zh-CN" altLang="en-US" dirty="0">
+                <a:effectLst/>
+              </a:rPr>
+              <a:t>等</a:t>
+            </a:r>
+            <a:r>
+              <a:rPr lang="en-US" altLang="zh-CN" dirty="0">
+                <a:effectLst/>
+              </a:rPr>
+              <a:t>)</a:t>
+            </a:r>
+            <a:endParaRPr lang="zh-CN" altLang="en-US" dirty="0">
               <a:effectLst/>
             </a:endParaRPr>
           </a:p>
           <a:p>
-            <a:r>
-              <a:rPr lang="en-US" dirty="0">
-                <a:effectLst/>
-              </a:rPr>
-              <a:t>prop="{{value</a:t>
-            </a:r>
-            <a:r>
-              <a:rPr lang="en-US" dirty="0" smtClean="0">
-                <a:effectLst/>
-              </a:rPr>
-              <a:t>}}”</a:t>
-            </a:r>
-          </a:p>
-          <a:p>
-            <a:r>
-              <a:rPr lang="en-US" dirty="0">
-                <a:effectLst/>
-              </a:rPr>
-              <a:t>(event)="</a:t>
-            </a:r>
-            <a:r>
-              <a:rPr lang="en-US" dirty="0" smtClean="0">
-                <a:effectLst/>
-              </a:rPr>
-              <a:t>expr”</a:t>
-            </a:r>
-          </a:p>
-          <a:p>
-            <a:r>
-              <a:rPr lang="en-US" dirty="0">
-                <a:effectLst/>
-              </a:rPr>
-              <a:t>#</a:t>
-            </a:r>
-            <a:r>
-              <a:rPr lang="en-US" dirty="0" err="1" smtClean="0">
-                <a:effectLst/>
-              </a:rPr>
-              <a:t>var</a:t>
-            </a:r>
-            <a:endParaRPr lang="en-US" dirty="0" smtClean="0">
-              <a:effectLst/>
-            </a:endParaRPr>
-          </a:p>
-          <a:p>
-            <a:r>
-              <a:rPr lang="en-US" dirty="0"/>
-              <a:t>bind-</a:t>
-            </a:r>
-            <a:r>
-              <a:rPr lang="en-US" dirty="0">
-                <a:effectLst/>
-              </a:rPr>
-              <a:t> for </a:t>
-            </a:r>
-            <a:r>
-              <a:rPr lang="en-US" dirty="0"/>
-              <a:t>[]</a:t>
-            </a:r>
-            <a:r>
-              <a:rPr lang="en-US" dirty="0">
-                <a:effectLst/>
-              </a:rPr>
-              <a:t> and </a:t>
-            </a:r>
-            <a:r>
-              <a:rPr lang="en-US" dirty="0"/>
-              <a:t>on-</a:t>
-            </a:r>
-            <a:r>
-              <a:rPr lang="en-US" dirty="0">
-                <a:effectLst/>
-              </a:rPr>
-              <a:t> for </a:t>
-            </a:r>
-            <a:r>
-              <a:rPr lang="en-US" dirty="0"/>
-              <a:t>()</a:t>
-            </a:r>
-            <a:r>
-              <a:rPr lang="en-US" dirty="0">
-                <a:effectLst/>
-              </a:rPr>
-              <a:t> or </a:t>
-            </a:r>
-            <a:r>
-              <a:rPr lang="en-US" dirty="0"/>
-              <a:t>&lt;template [</a:t>
-            </a:r>
-            <a:r>
-              <a:rPr lang="en-US" dirty="0" err="1"/>
-              <a:t>ngFor</a:t>
-            </a:r>
-            <a:r>
-              <a:rPr lang="en-US" dirty="0"/>
-              <a:t>]&gt;</a:t>
-            </a:r>
-            <a:r>
-              <a:rPr lang="en-US" dirty="0">
-                <a:effectLst/>
-              </a:rPr>
-              <a:t> for </a:t>
-            </a:r>
-            <a:r>
-              <a:rPr lang="en-US" dirty="0"/>
-              <a:t>*</a:t>
-            </a:r>
-            <a:r>
-              <a:rPr lang="en-US" dirty="0" err="1"/>
-              <a:t>ngFor</a:t>
-            </a:r>
             <a:endParaRPr lang="en-US" dirty="0"/>
           </a:p>
         </p:txBody>
@@ -11291,13 +11422,20 @@
     </p:spTree>
     <p:extLst>
       <p:ext uri="{BB962C8B-B14F-4D97-AF65-F5344CB8AC3E}">
-        <p14:creationId xmlns:p14="http://schemas.microsoft.com/office/powerpoint/2010/main" val="547912599"/>
+        <p14:creationId xmlns:p14="http://schemas.microsoft.com/office/powerpoint/2010/main" val="366916453"/>
       </p:ext>
     </p:extLst>
   </p:cSld>
   <p:clrMapOvr>
     <a:masterClrMapping/>
   </p:clrMapOvr>
+  <p:timing>
+    <p:tnLst>
+      <p:par>
+        <p:cTn id="1" dur="indefinite" restart="never" nodeType="tmRoot"/>
+      </p:par>
+    </p:tnLst>
+  </p:timing>
 </p:sld>
 </file>
 
@@ -11335,11 +11473,11 @@
           <a:p>
             <a:r>
               <a:rPr lang="en-US" dirty="0" smtClean="0"/>
-              <a:t>Angular </a:t>
+              <a:t>Angular 2+ HTML </a:t>
             </a:r>
             <a:r>
               <a:rPr lang="zh-CN" altLang="en-US" dirty="0" smtClean="0"/>
-              <a:t>环境搭建</a:t>
+              <a:t>模版语法</a:t>
             </a:r>
             <a:endParaRPr lang="en-US" dirty="0"/>
           </a:p>
@@ -11361,30 +11499,154 @@
           <a:lstStyle/>
           <a:p>
             <a:r>
+              <a:rPr lang="en-US" dirty="0">
+                <a:effectLst/>
+              </a:rPr>
+              <a:t>[prop]="</a:t>
+            </a:r>
+            <a:r>
+              <a:rPr lang="en-US" dirty="0" smtClean="0">
+                <a:effectLst/>
+              </a:rPr>
+              <a:t>value”</a:t>
+            </a:r>
+            <a:endParaRPr lang="en-US" dirty="0">
+              <a:effectLst/>
+            </a:endParaRPr>
+          </a:p>
+          <a:p>
+            <a:r>
+              <a:rPr lang="en-US" dirty="0">
+                <a:effectLst/>
+              </a:rPr>
+              <a:t>prop="{{value</a:t>
+            </a:r>
+            <a:r>
+              <a:rPr lang="en-US" dirty="0" smtClean="0">
+                <a:effectLst/>
+              </a:rPr>
+              <a:t>}}”</a:t>
+            </a:r>
+          </a:p>
+          <a:p>
+            <a:r>
+              <a:rPr lang="en-US" dirty="0">
+                <a:effectLst/>
+              </a:rPr>
+              <a:t>(event)="</a:t>
+            </a:r>
+            <a:r>
+              <a:rPr lang="en-US" dirty="0" smtClean="0">
+                <a:effectLst/>
+              </a:rPr>
+              <a:t>expr”</a:t>
+            </a:r>
+          </a:p>
+          <a:p>
+            <a:r>
+              <a:rPr lang="en-US" dirty="0">
+                <a:effectLst/>
+              </a:rPr>
+              <a:t>#</a:t>
+            </a:r>
+            <a:r>
+              <a:rPr lang="en-US" dirty="0" err="1" smtClean="0">
+                <a:effectLst/>
+              </a:rPr>
+              <a:t>var</a:t>
+            </a:r>
+            <a:endParaRPr lang="en-US" dirty="0" smtClean="0">
+              <a:effectLst/>
+            </a:endParaRPr>
+          </a:p>
+          <a:p>
+            <a:r>
               <a:rPr lang="en-US" dirty="0"/>
-              <a:t>https://</a:t>
+              <a:t>bind-</a:t>
+            </a:r>
+            <a:r>
+              <a:rPr lang="en-US" dirty="0">
+                <a:effectLst/>
+              </a:rPr>
+              <a:t> for </a:t>
+            </a:r>
+            <a:r>
+              <a:rPr lang="en-US" dirty="0"/>
+              <a:t>[]</a:t>
+            </a:r>
+            <a:r>
+              <a:rPr lang="en-US" dirty="0">
+                <a:effectLst/>
+              </a:rPr>
+              <a:t> and </a:t>
+            </a:r>
+            <a:r>
+              <a:rPr lang="en-US" dirty="0"/>
+              <a:t>on-</a:t>
+            </a:r>
+            <a:r>
+              <a:rPr lang="en-US" dirty="0">
+                <a:effectLst/>
+              </a:rPr>
+              <a:t> for </a:t>
+            </a:r>
+            <a:r>
+              <a:rPr lang="en-US" dirty="0"/>
+              <a:t>()</a:t>
+            </a:r>
+            <a:r>
+              <a:rPr lang="en-US" dirty="0">
+                <a:effectLst/>
+              </a:rPr>
+              <a:t> or </a:t>
+            </a:r>
+            <a:r>
+              <a:rPr lang="en-US" dirty="0"/>
+              <a:t>&lt;template [</a:t>
             </a:r>
             <a:r>
               <a:rPr lang="en-US" dirty="0" err="1"/>
-              <a:t>github.com</a:t>
+              <a:t>ngFor</a:t>
             </a:r>
             <a:r>
               <a:rPr lang="en-US" dirty="0"/>
-              <a:t>/angular/angular-cli</a:t>
-            </a:r>
+              <a:t>]&gt;</a:t>
+            </a:r>
+            <a:r>
+              <a:rPr lang="en-US" dirty="0">
+                <a:effectLst/>
+              </a:rPr>
+              <a:t> for </a:t>
+            </a:r>
+            <a:r>
+              <a:rPr lang="en-US" dirty="0"/>
+              <a:t>*</a:t>
+            </a:r>
+            <a:r>
+              <a:rPr lang="en-US" dirty="0" err="1"/>
+              <a:t>ngFor</a:t>
+            </a:r>
+            <a:endParaRPr lang="en-US" dirty="0"/>
           </a:p>
         </p:txBody>
       </p:sp>
     </p:spTree>
     <p:extLst>
       <p:ext uri="{BB962C8B-B14F-4D97-AF65-F5344CB8AC3E}">
-        <p14:creationId xmlns:p14="http://schemas.microsoft.com/office/powerpoint/2010/main" val="304993857"/>
+        <p14:creationId xmlns:p14="http://schemas.microsoft.com/office/powerpoint/2010/main" val="547912599"/>
       </p:ext>
     </p:extLst>
   </p:cSld>
   <p:clrMapOvr>
     <a:masterClrMapping/>
   </p:clrMapOvr>
+  <p:timing>
+    <p:tnLst>
+      <p:par>
+        <p:cTn id="1" dur="indefinite" restart="never" nodeType="tmRoot"/>
+      </p:par>
+    </p:tnLst>
+  </p:timing>
 </p:sld>
 </file>
 
@@ -11421,44 +11683,31 @@
           <a:lstStyle/>
           <a:p>
             <a:r>
-              <a:rPr lang="en-US" altLang="zh-CN" dirty="0" smtClean="0"/>
-              <a:t>Angular</a:t>
+              <a:rPr lang="en-US" dirty="0" smtClean="0"/>
+              <a:t>Angular </a:t>
             </a:r>
             <a:r>
               <a:rPr lang="zh-CN" altLang="en-US" dirty="0" smtClean="0"/>
-              <a:t>项目实战</a:t>
-            </a:r>
-            <a:r>
-              <a:rPr lang="en-US" altLang="zh-CN" dirty="0" smtClean="0"/>
-              <a:t>	</a:t>
-            </a:r>
-            <a:endParaRPr lang="en-US" dirty="0"/>
-          </a:p>
-        </p:txBody>
-      </p:sp>
-      <p:sp>
-        <p:nvSpPr>
-          <p:cNvPr id="3" name="Text Placeholder 2"/>
-          <p:cNvSpPr>
-            <a:spLocks noGrp="1"/>
-          </p:cNvSpPr>
-          <p:nvPr>
-            <p:ph type="body" idx="1"/>
-          </p:nvPr>
-        </p:nvSpPr>
-        <p:spPr/>
-        <p:txBody>
-          <a:bodyPr>
-            <a:normAutofit lnSpcReduction="10000"/>
-          </a:bodyPr>
-          <a:lstStyle/>
-          <a:p>
-            <a:r>
-              <a:rPr lang="zh-CN" altLang="en-US" dirty="0" smtClean="0"/>
-              <a:t>官方英雄编辑器教程</a:t>
-            </a:r>
-            <a:endParaRPr lang="en-US" altLang="zh-CN" dirty="0" smtClean="0"/>
-          </a:p>
+              <a:t>环境搭建</a:t>
+            </a:r>
+            <a:endParaRPr lang="en-US" dirty="0"/>
+          </a:p>
+        </p:txBody>
+      </p:sp>
+      <p:sp>
+        <p:nvSpPr>
+          <p:cNvPr id="3" name="Content Placeholder 2"/>
+          <p:cNvSpPr>
+            <a:spLocks noGrp="1"/>
+          </p:cNvSpPr>
+          <p:nvPr>
+            <p:ph idx="1"/>
+          </p:nvPr>
+        </p:nvSpPr>
+        <p:spPr/>
+        <p:txBody>
+          <a:bodyPr/>
+          <a:lstStyle/>
           <a:p>
             <a:r>
               <a:rPr lang="en-US" dirty="0"/>
@@ -11466,28 +11715,32 @@
             </a:r>
             <a:r>
               <a:rPr lang="en-US" dirty="0" err="1"/>
-              <a:t>angular.cn</a:t>
+              <a:t>github.com</a:t>
             </a:r>
             <a:r>
               <a:rPr lang="en-US" dirty="0"/>
-              <a:t>/tutorial</a:t>
-            </a:r>
-          </a:p>
-          <a:p>
-            <a:endParaRPr lang="en-US" dirty="0"/>
+              <a:t>/angular/angular-cli</a:t>
+            </a:r>
           </a:p>
         </p:txBody>
       </p:sp>
     </p:spTree>
     <p:extLst>
       <p:ext uri="{BB962C8B-B14F-4D97-AF65-F5344CB8AC3E}">
-        <p14:creationId xmlns:p14="http://schemas.microsoft.com/office/powerpoint/2010/main" val="1516572992"/>
+        <p14:creationId xmlns:p14="http://schemas.microsoft.com/office/powerpoint/2010/main" val="304993857"/>
       </p:ext>
     </p:extLst>
   </p:cSld>
   <p:clrMapOvr>
     <a:masterClrMapping/>
   </p:clrMapOvr>
+  <p:timing>
+    <p:tnLst>
+      <p:par>
+        <p:cTn id="1" dur="indefinite" restart="never" nodeType="tmRoot"/>
+      </p:par>
+    </p:tnLst>
+  </p:timing>
 </p:sld>
 </file>
 
@@ -11524,6 +11777,109 @@
           <a:lstStyle/>
           <a:p>
             <a:r>
+              <a:rPr lang="en-US" altLang="zh-CN" dirty="0" smtClean="0"/>
+              <a:t>Angular</a:t>
+            </a:r>
+            <a:r>
+              <a:rPr lang="zh-CN" altLang="en-US" dirty="0" smtClean="0"/>
+              <a:t>项目实战</a:t>
+            </a:r>
+            <a:r>
+              <a:rPr lang="en-US" altLang="zh-CN" dirty="0" smtClean="0"/>
+              <a:t>	</a:t>
+            </a:r>
+            <a:endParaRPr lang="en-US" dirty="0"/>
+          </a:p>
+        </p:txBody>
+      </p:sp>
+      <p:sp>
+        <p:nvSpPr>
+          <p:cNvPr id="3" name="Text Placeholder 2"/>
+          <p:cNvSpPr>
+            <a:spLocks noGrp="1"/>
+          </p:cNvSpPr>
+          <p:nvPr>
+            <p:ph type="body" idx="1"/>
+          </p:nvPr>
+        </p:nvSpPr>
+        <p:spPr/>
+        <p:txBody>
+          <a:bodyPr>
+            <a:normAutofit lnSpcReduction="10000"/>
+          </a:bodyPr>
+          <a:lstStyle/>
+          <a:p>
+            <a:r>
+              <a:rPr lang="zh-CN" altLang="en-US" dirty="0" smtClean="0"/>
+              <a:t>官方英雄编辑器教程</a:t>
+            </a:r>
+            <a:endParaRPr lang="en-US" altLang="zh-CN" dirty="0" smtClean="0"/>
+          </a:p>
+          <a:p>
+            <a:r>
+              <a:rPr lang="en-US" dirty="0"/>
+              <a:t>https://</a:t>
+            </a:r>
+            <a:r>
+              <a:rPr lang="en-US" dirty="0" err="1"/>
+              <a:t>angular.cn</a:t>
+            </a:r>
+            <a:r>
+              <a:rPr lang="en-US" dirty="0"/>
+              <a:t>/tutorial</a:t>
+            </a:r>
+          </a:p>
+          <a:p>
+            <a:endParaRPr lang="en-US" dirty="0"/>
+          </a:p>
+        </p:txBody>
+      </p:sp>
+    </p:spTree>
+    <p:extLst>
+      <p:ext uri="{BB962C8B-B14F-4D97-AF65-F5344CB8AC3E}">
+        <p14:creationId xmlns:p14="http://schemas.microsoft.com/office/powerpoint/2010/main" val="1516572992"/>
+      </p:ext>
+    </p:extLst>
+  </p:cSld>
+  <p:clrMapOvr>
+    <a:masterClrMapping/>
+  </p:clrMapOvr>
+</p:sld>
+</file>
+
+<file path=ppt/slides/slide37.xml><?xml version="1.0" encoding="utf-8"?>
+<p:sld xmlns:a="http://schemas.openxmlformats.org/drawingml/2006/main" xmlns:r="http://schemas.openxmlformats.org/officeDocument/2006/relationships" xmlns:p="http://schemas.openxmlformats.org/presentationml/2006/main">
+  <p:cSld>
+    <p:spTree>
+      <p:nvGrpSpPr>
+        <p:cNvPr id="1" name=""/>
+        <p:cNvGrpSpPr/>
+        <p:nvPr/>
+      </p:nvGrpSpPr>
+      <p:grpSpPr>
+        <a:xfrm>
+          <a:off x="0" y="0"/>
+          <a:ext cx="0" cy="0"/>
+          <a:chOff x="0" y="0"/>
+          <a:chExt cx="0" cy="0"/>
+        </a:xfrm>
+      </p:grpSpPr>
+      <p:sp>
+        <p:nvSpPr>
+          <p:cNvPr id="2" name="Title 1"/>
+          <p:cNvSpPr>
+            <a:spLocks noGrp="1"/>
+          </p:cNvSpPr>
+          <p:nvPr>
+            <p:ph type="title"/>
+          </p:nvPr>
+        </p:nvSpPr>
+        <p:spPr/>
+        <p:txBody>
+          <a:bodyPr/>
+          <a:lstStyle/>
+          <a:p>
+            <a:r>
               <a:rPr lang="zh-CN" altLang="en-US" dirty="0" smtClean="0"/>
               <a:t>大作业</a:t>
             </a:r>
@@ -11662,6 +12018,13 @@
   <p:clrMapOvr>
     <a:masterClrMapping/>
   </p:clrMapOvr>
+  <p:timing>
+    <p:tnLst>
+      <p:par>
+        <p:cTn id="1" dur="indefinite" restart="never" nodeType="tmRoot"/>
+      </p:par>
+    </p:tnLst>
+  </p:timing>
 </p:sld>
 </file>
 

--- a/前端课程.pptx
+++ b/前端课程.pptx
@@ -5,7 +5,7 @@
     <p:sldMasterId id="2147483648" r:id="rId1"/>
   </p:sldMasterIdLst>
   <p:notesMasterIdLst>
-    <p:notesMasterId r:id="rId39"/>
+    <p:notesMasterId r:id="rId46"/>
   </p:notesMasterIdLst>
   <p:sldIdLst>
     <p:sldId id="272" r:id="rId2"/>
@@ -45,6 +45,13 @@
     <p:sldId id="292" r:id="rId36"/>
     <p:sldId id="290" r:id="rId37"/>
     <p:sldId id="294" r:id="rId38"/>
+    <p:sldId id="298" r:id="rId39"/>
+    <p:sldId id="296" r:id="rId40"/>
+    <p:sldId id="297" r:id="rId41"/>
+    <p:sldId id="299" r:id="rId42"/>
+    <p:sldId id="300" r:id="rId43"/>
+    <p:sldId id="301" r:id="rId44"/>
+    <p:sldId id="302" r:id="rId45"/>
   </p:sldIdLst>
   <p:sldSz cx="12192000" cy="6858000"/>
   <p:notesSz cx="6858000" cy="9144000"/>
@@ -185,6 +192,13 @@
             <p14:sldId id="292"/>
             <p14:sldId id="290"/>
             <p14:sldId id="294"/>
+            <p14:sldId id="298"/>
+            <p14:sldId id="296"/>
+            <p14:sldId id="297"/>
+            <p14:sldId id="299"/>
+            <p14:sldId id="300"/>
+            <p14:sldId id="301"/>
+            <p14:sldId id="302"/>
           </p14:sldIdLst>
         </p14:section>
         <p14:section name="Untitled Section" id="{0F453BDA-0411-3C4B-9C87-D2233F808088}">
@@ -281,7 +295,7 @@
           <a:p>
             <a:fld id="{A75DC609-2A5E-994A-AEB9-E13728C46CDD}" type="datetimeFigureOut">
               <a:rPr lang="en-US" smtClean="0"/>
-              <a:t>2/24/18</a:t>
+              <a:t>3/2/18</a:t>
             </a:fld>
             <a:endParaRPr lang="en-US"/>
           </a:p>
@@ -1886,6 +1900,229 @@
 </p:notes>
 </file>
 
+<file path=ppt/notesSlides/notesSlide21.xml><?xml version="1.0" encoding="utf-8"?>
+<p:notes xmlns:a="http://schemas.openxmlformats.org/drawingml/2006/main" xmlns:r="http://schemas.openxmlformats.org/officeDocument/2006/relationships" xmlns:p="http://schemas.openxmlformats.org/presentationml/2006/main">
+  <p:cSld>
+    <p:spTree>
+      <p:nvGrpSpPr>
+        <p:cNvPr id="1" name=""/>
+        <p:cNvGrpSpPr/>
+        <p:nvPr/>
+      </p:nvGrpSpPr>
+      <p:grpSpPr>
+        <a:xfrm>
+          <a:off x="0" y="0"/>
+          <a:ext cx="0" cy="0"/>
+          <a:chOff x="0" y="0"/>
+          <a:chExt cx="0" cy="0"/>
+        </a:xfrm>
+      </p:grpSpPr>
+      <p:sp>
+        <p:nvSpPr>
+          <p:cNvPr id="2" name="Slide Image Placeholder 1"/>
+          <p:cNvSpPr>
+            <a:spLocks noGrp="1" noRot="1" noChangeAspect="1"/>
+          </p:cNvSpPr>
+          <p:nvPr>
+            <p:ph type="sldImg"/>
+          </p:nvPr>
+        </p:nvSpPr>
+        <p:spPr/>
+      </p:sp>
+      <p:sp>
+        <p:nvSpPr>
+          <p:cNvPr id="3" name="Notes Placeholder 2"/>
+          <p:cNvSpPr>
+            <a:spLocks noGrp="1"/>
+          </p:cNvSpPr>
+          <p:nvPr>
+            <p:ph type="body" idx="1"/>
+          </p:nvPr>
+        </p:nvSpPr>
+        <p:spPr/>
+        <p:txBody>
+          <a:bodyPr/>
+          <a:lstStyle/>
+          <a:p>
+            <a:r>
+              <a:rPr lang="en-US" dirty="0" smtClean="0"/>
+              <a:t>https://</a:t>
+            </a:r>
+            <a:r>
+              <a:rPr lang="en-US" dirty="0" err="1" smtClean="0"/>
+              <a:t>pro.ant.design</a:t>
+            </a:r>
+            <a:r>
+              <a:rPr lang="en-US" dirty="0" smtClean="0"/>
+              <a:t>/docs/getting-started-</a:t>
+            </a:r>
+            <a:r>
+              <a:rPr lang="en-US" dirty="0" err="1" smtClean="0"/>
+              <a:t>cn</a:t>
+            </a:r>
+            <a:endParaRPr lang="en-US" dirty="0" smtClean="0"/>
+          </a:p>
+          <a:p>
+            <a:r>
+              <a:rPr lang="en-US" dirty="0" smtClean="0"/>
+              <a:t>https://</a:t>
+            </a:r>
+            <a:r>
+              <a:rPr lang="en-US" dirty="0" err="1" smtClean="0"/>
+              <a:t>github.com</a:t>
+            </a:r>
+            <a:r>
+              <a:rPr lang="en-US" dirty="0" smtClean="0"/>
+              <a:t>/ant-design/ant-design-pro</a:t>
+            </a:r>
+            <a:endParaRPr lang="en-US" dirty="0"/>
+          </a:p>
+        </p:txBody>
+      </p:sp>
+      <p:sp>
+        <p:nvSpPr>
+          <p:cNvPr id="4" name="Slide Number Placeholder 3"/>
+          <p:cNvSpPr>
+            <a:spLocks noGrp="1"/>
+          </p:cNvSpPr>
+          <p:nvPr>
+            <p:ph type="sldNum" sz="quarter" idx="10"/>
+          </p:nvPr>
+        </p:nvSpPr>
+        <p:spPr/>
+        <p:txBody>
+          <a:bodyPr/>
+          <a:lstStyle/>
+          <a:p>
+            <a:fld id="{3A8071CD-55D8-0E40-9E87-5F5ADA6DF007}" type="slidenum">
+              <a:rPr lang="en-US" smtClean="0"/>
+              <a:t>39</a:t>
+            </a:fld>
+            <a:endParaRPr lang="en-US"/>
+          </a:p>
+        </p:txBody>
+      </p:sp>
+    </p:spTree>
+    <p:extLst>
+      <p:ext uri="{BB962C8B-B14F-4D97-AF65-F5344CB8AC3E}">
+        <p14:creationId xmlns:p14="http://schemas.microsoft.com/office/powerpoint/2010/main" val="1944223527"/>
+      </p:ext>
+    </p:extLst>
+  </p:cSld>
+  <p:clrMapOvr>
+    <a:masterClrMapping/>
+  </p:clrMapOvr>
+</p:notes>
+</file>
+
+<file path=ppt/notesSlides/notesSlide22.xml><?xml version="1.0" encoding="utf-8"?>
+<p:notes xmlns:a="http://schemas.openxmlformats.org/drawingml/2006/main" xmlns:r="http://schemas.openxmlformats.org/officeDocument/2006/relationships" xmlns:p="http://schemas.openxmlformats.org/presentationml/2006/main">
+  <p:cSld>
+    <p:spTree>
+      <p:nvGrpSpPr>
+        <p:cNvPr id="1" name=""/>
+        <p:cNvGrpSpPr/>
+        <p:nvPr/>
+      </p:nvGrpSpPr>
+      <p:grpSpPr>
+        <a:xfrm>
+          <a:off x="0" y="0"/>
+          <a:ext cx="0" cy="0"/>
+          <a:chOff x="0" y="0"/>
+          <a:chExt cx="0" cy="0"/>
+        </a:xfrm>
+      </p:grpSpPr>
+      <p:sp>
+        <p:nvSpPr>
+          <p:cNvPr id="2" name="Slide Image Placeholder 1"/>
+          <p:cNvSpPr>
+            <a:spLocks noGrp="1" noRot="1" noChangeAspect="1"/>
+          </p:cNvSpPr>
+          <p:nvPr>
+            <p:ph type="sldImg"/>
+          </p:nvPr>
+        </p:nvSpPr>
+        <p:spPr/>
+      </p:sp>
+      <p:sp>
+        <p:nvSpPr>
+          <p:cNvPr id="3" name="Notes Placeholder 2"/>
+          <p:cNvSpPr>
+            <a:spLocks noGrp="1"/>
+          </p:cNvSpPr>
+          <p:nvPr>
+            <p:ph type="body" idx="1"/>
+          </p:nvPr>
+        </p:nvSpPr>
+        <p:spPr/>
+        <p:txBody>
+          <a:bodyPr/>
+          <a:lstStyle/>
+          <a:p>
+            <a:r>
+              <a:rPr lang="mr-IN" dirty="0" err="1" smtClean="0"/>
+              <a:t>https</a:t>
+            </a:r>
+            <a:r>
+              <a:rPr lang="mr-IN" dirty="0" smtClean="0"/>
+              <a:t>://</a:t>
+            </a:r>
+            <a:r>
+              <a:rPr lang="mr-IN" dirty="0" err="1" smtClean="0"/>
+              <a:t>www.simpletense.com</a:t>
+            </a:r>
+            <a:r>
+              <a:rPr lang="mr-IN" dirty="0" smtClean="0"/>
+              <a:t>/</a:t>
+            </a:r>
+            <a:r>
+              <a:rPr lang="mr-IN" dirty="0" err="1" smtClean="0"/>
+              <a:t>blog</a:t>
+            </a:r>
+            <a:r>
+              <a:rPr lang="mr-IN" dirty="0" smtClean="0"/>
+              <a:t>/%E5%8C%97%E7%BE%8E%E6%B1%82%E8%81%8C-%E5%A6%82%E4%BD%95%E5%86%99%E5%A5%BDresume/</a:t>
+            </a:r>
+            <a:endParaRPr lang="en-US" dirty="0"/>
+          </a:p>
+        </p:txBody>
+      </p:sp>
+      <p:sp>
+        <p:nvSpPr>
+          <p:cNvPr id="4" name="Slide Number Placeholder 3"/>
+          <p:cNvSpPr>
+            <a:spLocks noGrp="1"/>
+          </p:cNvSpPr>
+          <p:nvPr>
+            <p:ph type="sldNum" sz="quarter" idx="10"/>
+          </p:nvPr>
+        </p:nvSpPr>
+        <p:spPr/>
+        <p:txBody>
+          <a:bodyPr/>
+          <a:lstStyle/>
+          <a:p>
+            <a:fld id="{3A8071CD-55D8-0E40-9E87-5F5ADA6DF007}" type="slidenum">
+              <a:rPr lang="en-US" smtClean="0"/>
+              <a:t>44</a:t>
+            </a:fld>
+            <a:endParaRPr lang="en-US"/>
+          </a:p>
+        </p:txBody>
+      </p:sp>
+    </p:spTree>
+    <p:extLst>
+      <p:ext uri="{BB962C8B-B14F-4D97-AF65-F5344CB8AC3E}">
+        <p14:creationId xmlns:p14="http://schemas.microsoft.com/office/powerpoint/2010/main" val="1456179657"/>
+      </p:ext>
+    </p:extLst>
+  </p:cSld>
+  <p:clrMapOvr>
+    <a:masterClrMapping/>
+  </p:clrMapOvr>
+</p:notes>
+</file>
+
 <file path=ppt/notesSlides/notesSlide3.xml><?xml version="1.0" encoding="utf-8"?>
 <p:notes xmlns:a="http://schemas.openxmlformats.org/drawingml/2006/main" xmlns:r="http://schemas.openxmlformats.org/officeDocument/2006/relationships" xmlns:p="http://schemas.openxmlformats.org/presentationml/2006/main">
   <p:cSld>
@@ -2941,7 +3178,7 @@
             <a:fld id="{B61BEF0D-F0BB-DE4B-95CE-6DB70DBA9567}" type="datetimeFigureOut">
               <a:rPr lang="en-US" dirty="0"/>
               <a:pPr/>
-              <a:t>2/24/18</a:t>
+              <a:t>3/2/18</a:t>
             </a:fld>
             <a:endParaRPr lang="en-US" dirty="0"/>
           </a:p>
@@ -3229,7 +3466,7 @@
             <a:fld id="{B61BEF0D-F0BB-DE4B-95CE-6DB70DBA9567}" type="datetimeFigureOut">
               <a:rPr lang="en-US" dirty="0"/>
               <a:pPr/>
-              <a:t>2/24/18</a:t>
+              <a:t>3/2/18</a:t>
             </a:fld>
             <a:endParaRPr lang="en-US" dirty="0"/>
           </a:p>
@@ -3485,7 +3722,7 @@
             <a:fld id="{B61BEF0D-F0BB-DE4B-95CE-6DB70DBA9567}" type="datetimeFigureOut">
               <a:rPr lang="en-US" dirty="0"/>
               <a:pPr/>
-              <a:t>2/24/18</a:t>
+              <a:t>3/2/18</a:t>
             </a:fld>
             <a:endParaRPr lang="en-US" dirty="0"/>
           </a:p>
@@ -3951,7 +4188,7 @@
             <a:fld id="{B61BEF0D-F0BB-DE4B-95CE-6DB70DBA9567}" type="datetimeFigureOut">
               <a:rPr lang="en-US" dirty="0"/>
               <a:pPr/>
-              <a:t>2/24/18</a:t>
+              <a:t>3/2/18</a:t>
             </a:fld>
             <a:endParaRPr lang="en-US" dirty="0"/>
           </a:p>
@@ -4128,7 +4365,7 @@
             <a:fld id="{B61BEF0D-F0BB-DE4B-95CE-6DB70DBA9567}" type="datetimeFigureOut">
               <a:rPr lang="en-US" dirty="0"/>
               <a:pPr/>
-              <a:t>2/24/18</a:t>
+              <a:t>3/2/18</a:t>
             </a:fld>
             <a:endParaRPr lang="en-US" dirty="0"/>
           </a:p>
@@ -4701,7 +4938,7 @@
             <a:fld id="{B61BEF0D-F0BB-DE4B-95CE-6DB70DBA9567}" type="datetimeFigureOut">
               <a:rPr lang="en-US" dirty="0"/>
               <a:pPr/>
-              <a:t>2/24/18</a:t>
+              <a:t>3/2/18</a:t>
             </a:fld>
             <a:endParaRPr lang="en-US" dirty="0"/>
           </a:p>
@@ -5030,7 +5267,7 @@
             <a:fld id="{B61BEF0D-F0BB-DE4B-95CE-6DB70DBA9567}" type="datetimeFigureOut">
               <a:rPr lang="en-US" dirty="0"/>
               <a:pPr/>
-              <a:t>2/24/18</a:t>
+              <a:t>3/2/18</a:t>
             </a:fld>
             <a:endParaRPr lang="en-US" dirty="0"/>
           </a:p>
@@ -5202,7 +5439,7 @@
             <a:fld id="{B61BEF0D-F0BB-DE4B-95CE-6DB70DBA9567}" type="datetimeFigureOut">
               <a:rPr lang="en-US" dirty="0"/>
               <a:pPr/>
-              <a:t>2/24/18</a:t>
+              <a:t>3/2/18</a:t>
             </a:fld>
             <a:endParaRPr lang="en-US" dirty="0"/>
           </a:p>
@@ -5379,7 +5616,7 @@
             <a:fld id="{B61BEF0D-F0BB-DE4B-95CE-6DB70DBA9567}" type="datetimeFigureOut">
               <a:rPr lang="en-US" dirty="0"/>
               <a:pPr/>
-              <a:t>2/24/18</a:t>
+              <a:t>3/2/18</a:t>
             </a:fld>
             <a:endParaRPr lang="en-US" dirty="0"/>
           </a:p>
@@ -5546,7 +5783,7 @@
             <a:fld id="{B61BEF0D-F0BB-DE4B-95CE-6DB70DBA9567}" type="datetimeFigureOut">
               <a:rPr lang="en-US" dirty="0"/>
               <a:pPr/>
-              <a:t>2/24/18</a:t>
+              <a:t>3/2/18</a:t>
             </a:fld>
             <a:endParaRPr lang="en-US" dirty="0"/>
           </a:p>
@@ -5800,7 +6037,7 @@
             <a:fld id="{B61BEF0D-F0BB-DE4B-95CE-6DB70DBA9567}" type="datetimeFigureOut">
               <a:rPr lang="en-US" dirty="0"/>
               <a:pPr/>
-              <a:t>2/24/18</a:t>
+              <a:t>3/2/18</a:t>
             </a:fld>
             <a:endParaRPr lang="en-US" dirty="0"/>
           </a:p>
@@ -6089,7 +6326,7 @@
             <a:fld id="{B61BEF0D-F0BB-DE4B-95CE-6DB70DBA9567}" type="datetimeFigureOut">
               <a:rPr lang="en-US" dirty="0"/>
               <a:pPr/>
-              <a:t>2/24/18</a:t>
+              <a:t>3/2/18</a:t>
             </a:fld>
             <a:endParaRPr lang="en-US" dirty="0"/>
           </a:p>
@@ -6516,7 +6753,7 @@
             <a:fld id="{B61BEF0D-F0BB-DE4B-95CE-6DB70DBA9567}" type="datetimeFigureOut">
               <a:rPr lang="en-US" dirty="0"/>
               <a:pPr/>
-              <a:t>2/24/18</a:t>
+              <a:t>3/2/18</a:t>
             </a:fld>
             <a:endParaRPr lang="en-US" dirty="0"/>
           </a:p>
@@ -6631,7 +6868,7 @@
             <a:fld id="{B61BEF0D-F0BB-DE4B-95CE-6DB70DBA9567}" type="datetimeFigureOut">
               <a:rPr lang="en-US" dirty="0"/>
               <a:pPr/>
-              <a:t>2/24/18</a:t>
+              <a:t>3/2/18</a:t>
             </a:fld>
             <a:endParaRPr lang="en-US" dirty="0"/>
           </a:p>
@@ -6723,7 +6960,7 @@
             <a:fld id="{B61BEF0D-F0BB-DE4B-95CE-6DB70DBA9567}" type="datetimeFigureOut">
               <a:rPr lang="en-US" dirty="0"/>
               <a:pPr/>
-              <a:t>2/24/18</a:t>
+              <a:t>3/2/18</a:t>
             </a:fld>
             <a:endParaRPr lang="en-US" dirty="0"/>
           </a:p>
@@ -7003,7 +7240,7 @@
             <a:fld id="{B61BEF0D-F0BB-DE4B-95CE-6DB70DBA9567}" type="datetimeFigureOut">
               <a:rPr lang="en-US" dirty="0"/>
               <a:pPr/>
-              <a:t>2/24/18</a:t>
+              <a:t>3/2/18</a:t>
             </a:fld>
             <a:endParaRPr lang="en-US" dirty="0"/>
           </a:p>
@@ -7291,7 +7528,7 @@
             <a:fld id="{B61BEF0D-F0BB-DE4B-95CE-6DB70DBA9567}" type="datetimeFigureOut">
               <a:rPr lang="en-US" dirty="0"/>
               <a:pPr/>
-              <a:t>2/24/18</a:t>
+              <a:t>3/2/18</a:t>
             </a:fld>
             <a:endParaRPr lang="en-US" dirty="0"/>
           </a:p>
@@ -7519,7 +7756,7 @@
             <a:fld id="{B61BEF0D-F0BB-DE4B-95CE-6DB70DBA9567}" type="datetimeFigureOut">
               <a:rPr lang="en-US" dirty="0"/>
               <a:pPr/>
-              <a:t>2/24/18</a:t>
+              <a:t>3/2/18</a:t>
             </a:fld>
             <a:endParaRPr lang="en-US" dirty="0"/>
           </a:p>
@@ -12028,6 +12265,243 @@
 </p:sld>
 </file>
 
+<file path=ppt/slides/slide38.xml><?xml version="1.0" encoding="utf-8"?>
+<p:sld xmlns:a="http://schemas.openxmlformats.org/drawingml/2006/main" xmlns:r="http://schemas.openxmlformats.org/officeDocument/2006/relationships" xmlns:p="http://schemas.openxmlformats.org/presentationml/2006/main">
+  <p:cSld>
+    <p:spTree>
+      <p:nvGrpSpPr>
+        <p:cNvPr id="1" name=""/>
+        <p:cNvGrpSpPr/>
+        <p:nvPr/>
+      </p:nvGrpSpPr>
+      <p:grpSpPr>
+        <a:xfrm>
+          <a:off x="0" y="0"/>
+          <a:ext cx="0" cy="0"/>
+          <a:chOff x="0" y="0"/>
+          <a:chExt cx="0" cy="0"/>
+        </a:xfrm>
+      </p:grpSpPr>
+      <p:sp>
+        <p:nvSpPr>
+          <p:cNvPr id="2" name="Title 1"/>
+          <p:cNvSpPr>
+            <a:spLocks noGrp="1"/>
+          </p:cNvSpPr>
+          <p:nvPr>
+            <p:ph type="title"/>
+          </p:nvPr>
+        </p:nvSpPr>
+        <p:spPr/>
+        <p:txBody>
+          <a:bodyPr/>
+          <a:lstStyle/>
+          <a:p>
+            <a:r>
+              <a:rPr lang="zh-CN" altLang="en-US" dirty="0" smtClean="0"/>
+              <a:t>作业讨论</a:t>
+            </a:r>
+            <a:endParaRPr lang="en-US" dirty="0"/>
+          </a:p>
+        </p:txBody>
+      </p:sp>
+      <p:sp>
+        <p:nvSpPr>
+          <p:cNvPr id="3" name="Content Placeholder 2"/>
+          <p:cNvSpPr>
+            <a:spLocks noGrp="1"/>
+          </p:cNvSpPr>
+          <p:nvPr>
+            <p:ph idx="1"/>
+          </p:nvPr>
+        </p:nvSpPr>
+        <p:spPr/>
+        <p:txBody>
+          <a:bodyPr/>
+          <a:lstStyle/>
+          <a:p>
+            <a:r>
+              <a:rPr lang="en-US" altLang="zh-CN" dirty="0" smtClean="0"/>
+              <a:t>1</a:t>
+            </a:r>
+            <a:r>
+              <a:rPr lang="zh-CN" altLang="en-US" dirty="0" smtClean="0"/>
+              <a:t>， 代码组织结构</a:t>
+            </a:r>
+            <a:endParaRPr lang="en-US" altLang="zh-CN" dirty="0" smtClean="0"/>
+          </a:p>
+          <a:p>
+            <a:r>
+              <a:rPr lang="en-US" altLang="zh-CN" dirty="0" smtClean="0"/>
+              <a:t>2</a:t>
+            </a:r>
+            <a:r>
+              <a:rPr lang="zh-CN" altLang="en-US" dirty="0" smtClean="0"/>
+              <a:t>， 命名规则</a:t>
+            </a:r>
+            <a:endParaRPr lang="en-US" altLang="zh-CN" dirty="0" smtClean="0"/>
+          </a:p>
+          <a:p>
+            <a:r>
+              <a:rPr lang="en-US" altLang="zh-CN" dirty="0" smtClean="0"/>
+              <a:t>3</a:t>
+            </a:r>
+            <a:r>
+              <a:rPr lang="zh-CN" altLang="en-US" dirty="0" smtClean="0"/>
+              <a:t>， 代码质量</a:t>
+            </a:r>
+            <a:endParaRPr lang="en-US" dirty="0"/>
+          </a:p>
+        </p:txBody>
+      </p:sp>
+    </p:spTree>
+    <p:extLst>
+      <p:ext uri="{BB962C8B-B14F-4D97-AF65-F5344CB8AC3E}">
+        <p14:creationId xmlns:p14="http://schemas.microsoft.com/office/powerpoint/2010/main" val="1801247794"/>
+      </p:ext>
+    </p:extLst>
+  </p:cSld>
+  <p:clrMapOvr>
+    <a:masterClrMapping/>
+  </p:clrMapOvr>
+  <p:timing>
+    <p:tnLst>
+      <p:par>
+        <p:cTn id="1" dur="indefinite" restart="never" nodeType="tmRoot"/>
+      </p:par>
+    </p:tnLst>
+  </p:timing>
+</p:sld>
+</file>
+
+<file path=ppt/slides/slide39.xml><?xml version="1.0" encoding="utf-8"?>
+<p:sld xmlns:a="http://schemas.openxmlformats.org/drawingml/2006/main" xmlns:r="http://schemas.openxmlformats.org/officeDocument/2006/relationships" xmlns:p="http://schemas.openxmlformats.org/presentationml/2006/main">
+  <p:cSld>
+    <p:spTree>
+      <p:nvGrpSpPr>
+        <p:cNvPr id="1" name=""/>
+        <p:cNvGrpSpPr/>
+        <p:nvPr/>
+      </p:nvGrpSpPr>
+      <p:grpSpPr>
+        <a:xfrm>
+          <a:off x="0" y="0"/>
+          <a:ext cx="0" cy="0"/>
+          <a:chOff x="0" y="0"/>
+          <a:chExt cx="0" cy="0"/>
+        </a:xfrm>
+      </p:grpSpPr>
+      <p:sp>
+        <p:nvSpPr>
+          <p:cNvPr id="2" name="Title 1"/>
+          <p:cNvSpPr>
+            <a:spLocks noGrp="1"/>
+          </p:cNvSpPr>
+          <p:nvPr>
+            <p:ph type="title"/>
+          </p:nvPr>
+        </p:nvSpPr>
+        <p:spPr/>
+        <p:txBody>
+          <a:bodyPr/>
+          <a:lstStyle/>
+          <a:p>
+            <a:r>
+              <a:rPr lang="en-US" altLang="zh-CN" dirty="0" smtClean="0"/>
+              <a:t>Ant</a:t>
+            </a:r>
+            <a:r>
+              <a:rPr lang="zh-CN" altLang="en-US" dirty="0" smtClean="0"/>
+              <a:t> </a:t>
+            </a:r>
+            <a:r>
+              <a:rPr lang="en-US" altLang="zh-CN" dirty="0" smtClean="0"/>
+              <a:t>design Pro</a:t>
+            </a:r>
+            <a:endParaRPr lang="en-US" dirty="0"/>
+          </a:p>
+        </p:txBody>
+      </p:sp>
+      <p:sp>
+        <p:nvSpPr>
+          <p:cNvPr id="3" name="Content Placeholder 2"/>
+          <p:cNvSpPr>
+            <a:spLocks noGrp="1"/>
+          </p:cNvSpPr>
+          <p:nvPr>
+            <p:ph idx="1"/>
+          </p:nvPr>
+        </p:nvSpPr>
+        <p:spPr/>
+        <p:txBody>
+          <a:bodyPr/>
+          <a:lstStyle/>
+          <a:p>
+            <a:r>
+              <a:rPr lang="en-US" dirty="0">
+                <a:hlinkClick r:id="rId3"/>
+              </a:rPr>
+              <a:t>https://pro.ant.design</a:t>
+            </a:r>
+            <a:r>
+              <a:rPr lang="en-US" dirty="0" smtClean="0">
+                <a:hlinkClick r:id="rId3"/>
+              </a:rPr>
+              <a:t>/</a:t>
+            </a:r>
+            <a:endParaRPr lang="en-US" dirty="0" smtClean="0"/>
+          </a:p>
+          <a:p>
+            <a:r>
+              <a:rPr lang="zh-CN" altLang="en-US" dirty="0" smtClean="0"/>
+              <a:t>开箱即用的</a:t>
+            </a:r>
+            <a:r>
+              <a:rPr lang="en-US" altLang="zh-CN" dirty="0" smtClean="0"/>
+              <a:t>React</a:t>
+            </a:r>
+            <a:r>
+              <a:rPr lang="zh-CN" altLang="en-US" dirty="0" smtClean="0"/>
+              <a:t>中后台系统</a:t>
+            </a:r>
+            <a:endParaRPr lang="en-US" altLang="zh-CN" dirty="0" smtClean="0"/>
+          </a:p>
+          <a:p>
+            <a:r>
+              <a:rPr lang="zh-CN" altLang="en-US" dirty="0" smtClean="0"/>
+              <a:t>配套整套的开发环境和最佳实践</a:t>
+            </a:r>
+            <a:endParaRPr lang="en-US" altLang="zh-CN" dirty="0" smtClean="0"/>
+          </a:p>
+          <a:p>
+            <a:r>
+              <a:rPr lang="zh-CN" altLang="en-US" dirty="0" smtClean="0"/>
+              <a:t>阿里开发</a:t>
+            </a:r>
+            <a:endParaRPr lang="en-US" dirty="0"/>
+          </a:p>
+        </p:txBody>
+      </p:sp>
+    </p:spTree>
+    <p:extLst>
+      <p:ext uri="{BB962C8B-B14F-4D97-AF65-F5344CB8AC3E}">
+        <p14:creationId xmlns:p14="http://schemas.microsoft.com/office/powerpoint/2010/main" val="141927553"/>
+      </p:ext>
+    </p:extLst>
+  </p:cSld>
+  <p:clrMapOvr>
+    <a:masterClrMapping/>
+  </p:clrMapOvr>
+  <p:timing>
+    <p:tnLst>
+      <p:par>
+        <p:cTn id="1" dur="indefinite" restart="never" nodeType="tmRoot"/>
+      </p:par>
+    </p:tnLst>
+  </p:timing>
+</p:sld>
+</file>
+
 <file path=ppt/slides/slide4.xml><?xml version="1.0" encoding="utf-8"?>
 <p:sld xmlns:a="http://schemas.openxmlformats.org/drawingml/2006/main" xmlns:r="http://schemas.openxmlformats.org/officeDocument/2006/relationships" xmlns:p="http://schemas.openxmlformats.org/presentationml/2006/main">
   <p:cSld>
@@ -12149,6 +12623,1061 @@
     <p:extLst>
       <p:ext uri="{BB962C8B-B14F-4D97-AF65-F5344CB8AC3E}">
         <p14:creationId xmlns:p14="http://schemas.microsoft.com/office/powerpoint/2010/main" val="24290296"/>
+      </p:ext>
+    </p:extLst>
+  </p:cSld>
+  <p:clrMapOvr>
+    <a:masterClrMapping/>
+  </p:clrMapOvr>
+  <p:timing>
+    <p:tnLst>
+      <p:par>
+        <p:cTn id="1" dur="indefinite" restart="never" nodeType="tmRoot"/>
+      </p:par>
+    </p:tnLst>
+  </p:timing>
+</p:sld>
+</file>
+
+<file path=ppt/slides/slide40.xml><?xml version="1.0" encoding="utf-8"?>
+<p:sld xmlns:a="http://schemas.openxmlformats.org/drawingml/2006/main" xmlns:r="http://schemas.openxmlformats.org/officeDocument/2006/relationships" xmlns:p="http://schemas.openxmlformats.org/presentationml/2006/main">
+  <p:cSld>
+    <p:spTree>
+      <p:nvGrpSpPr>
+        <p:cNvPr id="1" name=""/>
+        <p:cNvGrpSpPr/>
+        <p:nvPr/>
+      </p:nvGrpSpPr>
+      <p:grpSpPr>
+        <a:xfrm>
+          <a:off x="0" y="0"/>
+          <a:ext cx="0" cy="0"/>
+          <a:chOff x="0" y="0"/>
+          <a:chExt cx="0" cy="0"/>
+        </a:xfrm>
+      </p:grpSpPr>
+      <p:sp>
+        <p:nvSpPr>
+          <p:cNvPr id="2" name="Title 1"/>
+          <p:cNvSpPr>
+            <a:spLocks noGrp="1"/>
+          </p:cNvSpPr>
+          <p:nvPr>
+            <p:ph type="title"/>
+          </p:nvPr>
+        </p:nvSpPr>
+        <p:spPr/>
+        <p:txBody>
+          <a:bodyPr/>
+          <a:lstStyle/>
+          <a:p>
+            <a:r>
+              <a:rPr lang="zh-CN" altLang="en-US" dirty="0" smtClean="0"/>
+              <a:t>求职辅导</a:t>
+            </a:r>
+            <a:endParaRPr lang="en-US" dirty="0"/>
+          </a:p>
+        </p:txBody>
+      </p:sp>
+      <p:sp>
+        <p:nvSpPr>
+          <p:cNvPr id="3" name="Content Placeholder 2"/>
+          <p:cNvSpPr>
+            <a:spLocks noGrp="1"/>
+          </p:cNvSpPr>
+          <p:nvPr>
+            <p:ph idx="1"/>
+          </p:nvPr>
+        </p:nvSpPr>
+        <p:spPr/>
+        <p:txBody>
+          <a:bodyPr/>
+          <a:lstStyle/>
+          <a:p>
+            <a:pPr lvl="0"/>
+            <a:r>
+              <a:rPr lang="zh-CN" altLang="en-US" dirty="0">
+                <a:effectLst/>
+              </a:rPr>
+              <a:t>电话面试辅导</a:t>
+            </a:r>
+            <a:endParaRPr lang="en-US" dirty="0">
+              <a:effectLst/>
+            </a:endParaRPr>
+          </a:p>
+          <a:p>
+            <a:pPr lvl="0"/>
+            <a:r>
+              <a:rPr lang="zh-CN" altLang="en-US" dirty="0">
+                <a:effectLst/>
+              </a:rPr>
+              <a:t>技术面试辅导</a:t>
+            </a:r>
+            <a:endParaRPr lang="en-US" dirty="0">
+              <a:effectLst/>
+            </a:endParaRPr>
+          </a:p>
+          <a:p>
+            <a:pPr lvl="0"/>
+            <a:r>
+              <a:rPr lang="en-US" dirty="0">
+                <a:effectLst/>
+              </a:rPr>
+              <a:t>Coding test</a:t>
+            </a:r>
+            <a:r>
+              <a:rPr lang="zh-CN" altLang="en-US" dirty="0">
+                <a:effectLst/>
+              </a:rPr>
+              <a:t>辅导</a:t>
+            </a:r>
+            <a:endParaRPr lang="en-US" dirty="0">
+              <a:effectLst/>
+            </a:endParaRPr>
+          </a:p>
+          <a:p>
+            <a:pPr lvl="0"/>
+            <a:r>
+              <a:rPr lang="zh-CN" altLang="en-US" dirty="0">
+                <a:effectLst/>
+              </a:rPr>
+              <a:t>简历</a:t>
+            </a:r>
+            <a:r>
+              <a:rPr lang="zh-CN" altLang="en-US" dirty="0" smtClean="0">
+                <a:effectLst/>
+              </a:rPr>
+              <a:t>修改</a:t>
+            </a:r>
+            <a:endParaRPr lang="en-US" dirty="0">
+              <a:effectLst/>
+            </a:endParaRPr>
+          </a:p>
+        </p:txBody>
+      </p:sp>
+    </p:spTree>
+    <p:extLst>
+      <p:ext uri="{BB962C8B-B14F-4D97-AF65-F5344CB8AC3E}">
+        <p14:creationId xmlns:p14="http://schemas.microsoft.com/office/powerpoint/2010/main" val="361378919"/>
+      </p:ext>
+    </p:extLst>
+  </p:cSld>
+  <p:clrMapOvr>
+    <a:masterClrMapping/>
+  </p:clrMapOvr>
+  <p:timing>
+    <p:tnLst>
+      <p:par>
+        <p:cTn id="1" dur="indefinite" restart="never" nodeType="tmRoot"/>
+      </p:par>
+    </p:tnLst>
+  </p:timing>
+</p:sld>
+</file>
+
+<file path=ppt/slides/slide41.xml><?xml version="1.0" encoding="utf-8"?>
+<p:sld xmlns:a="http://schemas.openxmlformats.org/drawingml/2006/main" xmlns:r="http://schemas.openxmlformats.org/officeDocument/2006/relationships" xmlns:p="http://schemas.openxmlformats.org/presentationml/2006/main">
+  <p:cSld>
+    <p:spTree>
+      <p:nvGrpSpPr>
+        <p:cNvPr id="1" name=""/>
+        <p:cNvGrpSpPr/>
+        <p:nvPr/>
+      </p:nvGrpSpPr>
+      <p:grpSpPr>
+        <a:xfrm>
+          <a:off x="0" y="0"/>
+          <a:ext cx="0" cy="0"/>
+          <a:chOff x="0" y="0"/>
+          <a:chExt cx="0" cy="0"/>
+        </a:xfrm>
+      </p:grpSpPr>
+      <p:sp>
+        <p:nvSpPr>
+          <p:cNvPr id="2" name="Title 1"/>
+          <p:cNvSpPr>
+            <a:spLocks noGrp="1"/>
+          </p:cNvSpPr>
+          <p:nvPr>
+            <p:ph type="title"/>
+          </p:nvPr>
+        </p:nvSpPr>
+        <p:spPr/>
+        <p:txBody>
+          <a:bodyPr/>
+          <a:lstStyle/>
+          <a:p>
+            <a:r>
+              <a:rPr lang="zh-CN" altLang="en-US" dirty="0" smtClean="0"/>
+              <a:t>电话面试</a:t>
+            </a:r>
+            <a:endParaRPr lang="en-US" dirty="0"/>
+          </a:p>
+        </p:txBody>
+      </p:sp>
+      <p:sp>
+        <p:nvSpPr>
+          <p:cNvPr id="3" name="Content Placeholder 2"/>
+          <p:cNvSpPr>
+            <a:spLocks noGrp="1"/>
+          </p:cNvSpPr>
+          <p:nvPr>
+            <p:ph idx="1"/>
+          </p:nvPr>
+        </p:nvSpPr>
+        <p:spPr/>
+        <p:txBody>
+          <a:bodyPr/>
+          <a:lstStyle/>
+          <a:p>
+            <a:r>
+              <a:rPr lang="en-US" altLang="zh-CN" dirty="0" smtClean="0"/>
+              <a:t>HR</a:t>
+            </a:r>
+            <a:r>
+              <a:rPr lang="zh-CN" altLang="en-US" dirty="0" smtClean="0"/>
+              <a:t>筛选简历的环节</a:t>
+            </a:r>
+            <a:endParaRPr lang="en-US" altLang="zh-CN" dirty="0" smtClean="0"/>
+          </a:p>
+          <a:p>
+            <a:r>
+              <a:rPr lang="en-US" altLang="zh-CN" dirty="0" err="1" smtClean="0"/>
+              <a:t>Hr</a:t>
+            </a:r>
+            <a:r>
+              <a:rPr lang="zh-CN" altLang="en-US" dirty="0" smtClean="0"/>
+              <a:t>基本什么也不懂</a:t>
+            </a:r>
+            <a:endParaRPr lang="en-US" altLang="zh-CN" dirty="0" smtClean="0"/>
+          </a:p>
+          <a:p>
+            <a:r>
+              <a:rPr lang="zh-CN" altLang="en-US" dirty="0" smtClean="0"/>
+              <a:t>适当夸大</a:t>
+            </a:r>
+            <a:endParaRPr lang="en-US" dirty="0"/>
+          </a:p>
+        </p:txBody>
+      </p:sp>
+    </p:spTree>
+    <p:extLst>
+      <p:ext uri="{BB962C8B-B14F-4D97-AF65-F5344CB8AC3E}">
+        <p14:creationId xmlns:p14="http://schemas.microsoft.com/office/powerpoint/2010/main" val="545071430"/>
+      </p:ext>
+    </p:extLst>
+  </p:cSld>
+  <p:clrMapOvr>
+    <a:masterClrMapping/>
+  </p:clrMapOvr>
+  <p:timing>
+    <p:tnLst>
+      <p:par>
+        <p:cTn id="1" dur="indefinite" restart="never" nodeType="tmRoot"/>
+      </p:par>
+    </p:tnLst>
+  </p:timing>
+</p:sld>
+</file>
+
+<file path=ppt/slides/slide42.xml><?xml version="1.0" encoding="utf-8"?>
+<p:sld xmlns:a="http://schemas.openxmlformats.org/drawingml/2006/main" xmlns:r="http://schemas.openxmlformats.org/officeDocument/2006/relationships" xmlns:p="http://schemas.openxmlformats.org/presentationml/2006/main">
+  <p:cSld>
+    <p:spTree>
+      <p:nvGrpSpPr>
+        <p:cNvPr id="1" name=""/>
+        <p:cNvGrpSpPr/>
+        <p:nvPr/>
+      </p:nvGrpSpPr>
+      <p:grpSpPr>
+        <a:xfrm>
+          <a:off x="0" y="0"/>
+          <a:ext cx="0" cy="0"/>
+          <a:chOff x="0" y="0"/>
+          <a:chExt cx="0" cy="0"/>
+        </a:xfrm>
+      </p:grpSpPr>
+      <p:sp>
+        <p:nvSpPr>
+          <p:cNvPr id="2" name="Title 1"/>
+          <p:cNvSpPr>
+            <a:spLocks noGrp="1"/>
+          </p:cNvSpPr>
+          <p:nvPr>
+            <p:ph type="title"/>
+          </p:nvPr>
+        </p:nvSpPr>
+        <p:spPr/>
+        <p:txBody>
+          <a:bodyPr/>
+          <a:lstStyle/>
+          <a:p>
+            <a:r>
+              <a:rPr lang="zh-CN" altLang="en-US" dirty="0" smtClean="0"/>
+              <a:t>技术面试</a:t>
+            </a:r>
+            <a:endParaRPr lang="en-US" dirty="0"/>
+          </a:p>
+        </p:txBody>
+      </p:sp>
+      <p:sp>
+        <p:nvSpPr>
+          <p:cNvPr id="3" name="Content Placeholder 2"/>
+          <p:cNvSpPr>
+            <a:spLocks noGrp="1"/>
+          </p:cNvSpPr>
+          <p:nvPr>
+            <p:ph idx="1"/>
+          </p:nvPr>
+        </p:nvSpPr>
+        <p:spPr/>
+        <p:txBody>
+          <a:bodyPr/>
+          <a:lstStyle/>
+          <a:p>
+            <a:r>
+              <a:rPr lang="en-US" altLang="zh-CN" dirty="0" smtClean="0"/>
+              <a:t>1</a:t>
+            </a:r>
+            <a:r>
+              <a:rPr lang="zh-CN" altLang="en-US" dirty="0" smtClean="0"/>
+              <a:t>， 反应要迅速</a:t>
+            </a:r>
+            <a:endParaRPr lang="en-US" altLang="zh-CN" dirty="0" smtClean="0"/>
+          </a:p>
+          <a:p>
+            <a:r>
+              <a:rPr lang="en-US" altLang="zh-CN" dirty="0" smtClean="0"/>
+              <a:t>2</a:t>
+            </a:r>
+            <a:r>
+              <a:rPr lang="zh-CN" altLang="en-US" dirty="0" smtClean="0"/>
+              <a:t>， 不会的问题要大胆承认，但是可以根据自己的见解说一下</a:t>
+            </a:r>
+            <a:endParaRPr lang="en-US" altLang="zh-CN" dirty="0" smtClean="0"/>
+          </a:p>
+          <a:p>
+            <a:r>
+              <a:rPr lang="en-US" altLang="zh-CN" dirty="0" smtClean="0"/>
+              <a:t>3</a:t>
+            </a:r>
+            <a:r>
+              <a:rPr lang="zh-CN" altLang="en-US" dirty="0" smtClean="0"/>
+              <a:t>， 基础知识最重要</a:t>
+            </a:r>
+            <a:endParaRPr lang="en-US" altLang="zh-CN" dirty="0" smtClean="0"/>
+          </a:p>
+          <a:p>
+            <a:r>
+              <a:rPr lang="en-US" altLang="zh-CN" dirty="0" smtClean="0"/>
+              <a:t>4</a:t>
+            </a:r>
+            <a:r>
+              <a:rPr lang="zh-CN" altLang="en-US" dirty="0" smtClean="0"/>
+              <a:t>， 刷</a:t>
+            </a:r>
+            <a:r>
+              <a:rPr lang="en-US" altLang="zh-CN" dirty="0" err="1" smtClean="0"/>
+              <a:t>Leetcode</a:t>
+            </a:r>
+            <a:endParaRPr lang="en-US" dirty="0"/>
+          </a:p>
+        </p:txBody>
+      </p:sp>
+    </p:spTree>
+    <p:extLst>
+      <p:ext uri="{BB962C8B-B14F-4D97-AF65-F5344CB8AC3E}">
+        <p14:creationId xmlns:p14="http://schemas.microsoft.com/office/powerpoint/2010/main" val="1408298898"/>
+      </p:ext>
+    </p:extLst>
+  </p:cSld>
+  <p:clrMapOvr>
+    <a:masterClrMapping/>
+  </p:clrMapOvr>
+  <p:timing>
+    <p:tnLst>
+      <p:par>
+        <p:cTn id="1" dur="indefinite" restart="never" nodeType="tmRoot"/>
+      </p:par>
+    </p:tnLst>
+  </p:timing>
+</p:sld>
+</file>
+
+<file path=ppt/slides/slide43.xml><?xml version="1.0" encoding="utf-8"?>
+<p:sld xmlns:a="http://schemas.openxmlformats.org/drawingml/2006/main" xmlns:r="http://schemas.openxmlformats.org/officeDocument/2006/relationships" xmlns:p="http://schemas.openxmlformats.org/presentationml/2006/main">
+  <p:cSld>
+    <p:spTree>
+      <p:nvGrpSpPr>
+        <p:cNvPr id="1" name=""/>
+        <p:cNvGrpSpPr/>
+        <p:nvPr/>
+      </p:nvGrpSpPr>
+      <p:grpSpPr>
+        <a:xfrm>
+          <a:off x="0" y="0"/>
+          <a:ext cx="0" cy="0"/>
+          <a:chOff x="0" y="0"/>
+          <a:chExt cx="0" cy="0"/>
+        </a:xfrm>
+      </p:grpSpPr>
+      <p:sp>
+        <p:nvSpPr>
+          <p:cNvPr id="2" name="Title 1"/>
+          <p:cNvSpPr>
+            <a:spLocks noGrp="1"/>
+          </p:cNvSpPr>
+          <p:nvPr>
+            <p:ph type="title"/>
+          </p:nvPr>
+        </p:nvSpPr>
+        <p:spPr/>
+        <p:txBody>
+          <a:bodyPr/>
+          <a:lstStyle/>
+          <a:p>
+            <a:r>
+              <a:rPr lang="en-US" altLang="zh-CN" dirty="0" smtClean="0"/>
+              <a:t>Coding</a:t>
+            </a:r>
+            <a:r>
+              <a:rPr lang="zh-CN" altLang="en-US" dirty="0" smtClean="0"/>
+              <a:t> </a:t>
+            </a:r>
+            <a:r>
+              <a:rPr lang="en-US" altLang="zh-CN" dirty="0" smtClean="0"/>
+              <a:t>test</a:t>
+            </a:r>
+            <a:endParaRPr lang="en-US" dirty="0"/>
+          </a:p>
+        </p:txBody>
+      </p:sp>
+      <p:sp>
+        <p:nvSpPr>
+          <p:cNvPr id="3" name="Content Placeholder 2"/>
+          <p:cNvSpPr>
+            <a:spLocks noGrp="1"/>
+          </p:cNvSpPr>
+          <p:nvPr>
+            <p:ph idx="1"/>
+          </p:nvPr>
+        </p:nvSpPr>
+        <p:spPr/>
+        <p:txBody>
+          <a:bodyPr/>
+          <a:lstStyle/>
+          <a:p>
+            <a:r>
+              <a:rPr lang="en-US" dirty="0" smtClean="0"/>
+              <a:t>1</a:t>
+            </a:r>
+            <a:r>
+              <a:rPr lang="zh-CN" altLang="en-US" dirty="0" smtClean="0"/>
+              <a:t>，认真读题</a:t>
+            </a:r>
+            <a:endParaRPr lang="en-US" altLang="zh-CN" dirty="0" smtClean="0"/>
+          </a:p>
+          <a:p>
+            <a:r>
+              <a:rPr lang="en-US" altLang="zh-CN" dirty="0" smtClean="0"/>
+              <a:t>2</a:t>
+            </a:r>
+            <a:r>
+              <a:rPr lang="zh-CN" altLang="en-US" dirty="0"/>
+              <a:t>，</a:t>
+            </a:r>
+            <a:r>
+              <a:rPr lang="zh-CN" altLang="en-US" dirty="0" smtClean="0"/>
+              <a:t>认清</a:t>
+            </a:r>
+            <a:r>
+              <a:rPr lang="en-US" altLang="zh-CN" dirty="0" smtClean="0"/>
+              <a:t>Coding</a:t>
+            </a:r>
+            <a:r>
+              <a:rPr lang="zh-CN" altLang="en-US" dirty="0" smtClean="0"/>
+              <a:t> </a:t>
+            </a:r>
+            <a:r>
+              <a:rPr lang="en-US" altLang="zh-CN" dirty="0" smtClean="0"/>
+              <a:t>test</a:t>
+            </a:r>
+            <a:r>
+              <a:rPr lang="zh-CN" altLang="en-US" dirty="0" smtClean="0"/>
+              <a:t>的目的</a:t>
+            </a:r>
+            <a:endParaRPr lang="en-US" altLang="zh-CN" dirty="0" smtClean="0"/>
+          </a:p>
+          <a:p>
+            <a:r>
+              <a:rPr lang="en-US" altLang="zh-CN" dirty="0" smtClean="0"/>
+              <a:t>3</a:t>
+            </a:r>
+            <a:r>
+              <a:rPr lang="zh-CN" altLang="en-US" dirty="0" smtClean="0"/>
+              <a:t>，作业讨论中的三点</a:t>
+            </a:r>
+            <a:endParaRPr lang="en-US" altLang="zh-CN" dirty="0" smtClean="0"/>
+          </a:p>
+          <a:p>
+            <a:r>
+              <a:rPr lang="en-US" altLang="zh-CN" dirty="0" smtClean="0"/>
+              <a:t>4</a:t>
+            </a:r>
+            <a:r>
+              <a:rPr lang="zh-CN" altLang="en-US" dirty="0" smtClean="0"/>
+              <a:t>， 写不完没事</a:t>
+            </a:r>
+            <a:endParaRPr lang="en-US" altLang="zh-CN" dirty="0" smtClean="0"/>
+          </a:p>
+        </p:txBody>
+      </p:sp>
+    </p:spTree>
+    <p:extLst>
+      <p:ext uri="{BB962C8B-B14F-4D97-AF65-F5344CB8AC3E}">
+        <p14:creationId xmlns:p14="http://schemas.microsoft.com/office/powerpoint/2010/main" val="106475286"/>
+      </p:ext>
+    </p:extLst>
+  </p:cSld>
+  <p:clrMapOvr>
+    <a:masterClrMapping/>
+  </p:clrMapOvr>
+  <p:timing>
+    <p:tnLst>
+      <p:par>
+        <p:cTn id="1" dur="indefinite" restart="never" nodeType="tmRoot"/>
+      </p:par>
+    </p:tnLst>
+  </p:timing>
+</p:sld>
+</file>
+
+<file path=ppt/slides/slide44.xml><?xml version="1.0" encoding="utf-8"?>
+<p:sld xmlns:a="http://schemas.openxmlformats.org/drawingml/2006/main" xmlns:r="http://schemas.openxmlformats.org/officeDocument/2006/relationships" xmlns:p="http://schemas.openxmlformats.org/presentationml/2006/main">
+  <p:cSld>
+    <p:spTree>
+      <p:nvGrpSpPr>
+        <p:cNvPr id="1" name=""/>
+        <p:cNvGrpSpPr/>
+        <p:nvPr/>
+      </p:nvGrpSpPr>
+      <p:grpSpPr>
+        <a:xfrm>
+          <a:off x="0" y="0"/>
+          <a:ext cx="0" cy="0"/>
+          <a:chOff x="0" y="0"/>
+          <a:chExt cx="0" cy="0"/>
+        </a:xfrm>
+      </p:grpSpPr>
+      <p:sp>
+        <p:nvSpPr>
+          <p:cNvPr id="2" name="Title 1"/>
+          <p:cNvSpPr>
+            <a:spLocks noGrp="1"/>
+          </p:cNvSpPr>
+          <p:nvPr>
+            <p:ph type="title"/>
+          </p:nvPr>
+        </p:nvSpPr>
+        <p:spPr/>
+        <p:txBody>
+          <a:bodyPr/>
+          <a:lstStyle/>
+          <a:p>
+            <a:r>
+              <a:rPr lang="zh-CN" altLang="en-US" dirty="0" smtClean="0"/>
+              <a:t>简历</a:t>
+            </a:r>
+            <a:endParaRPr lang="en-US" dirty="0"/>
+          </a:p>
+        </p:txBody>
+      </p:sp>
+      <p:sp>
+        <p:nvSpPr>
+          <p:cNvPr id="3" name="Content Placeholder 2"/>
+          <p:cNvSpPr>
+            <a:spLocks noGrp="1"/>
+          </p:cNvSpPr>
+          <p:nvPr>
+            <p:ph idx="1"/>
+          </p:nvPr>
+        </p:nvSpPr>
+        <p:spPr/>
+        <p:txBody>
+          <a:bodyPr>
+            <a:normAutofit/>
+          </a:bodyPr>
+          <a:lstStyle/>
+          <a:p>
+            <a:r>
+              <a:rPr lang="zh-CN" altLang="en-US" sz="1800" cap="all" dirty="0">
+                <a:ln w="3175" cmpd="sng">
+                  <a:noFill/>
+                </a:ln>
+                <a:gradFill flip="none" rotWithShape="1">
+                  <a:gsLst>
+                    <a:gs pos="0">
+                      <a:schemeClr val="tx1"/>
+                    </a:gs>
+                    <a:gs pos="100000">
+                      <a:schemeClr val="tx1">
+                        <a:lumMod val="65000"/>
+                      </a:schemeClr>
+                    </a:gs>
+                  </a:gsLst>
+                  <a:lin ang="5580000" scaled="0"/>
+                  <a:tileRect/>
+                </a:gradFill>
+                <a:effectLst>
+                  <a:glow rad="38100">
+                    <a:schemeClr val="bg1">
+                      <a:lumMod val="65000"/>
+                      <a:lumOff val="35000"/>
+                      <a:alpha val="40000"/>
+                    </a:schemeClr>
+                  </a:glow>
+                  <a:outerShdw blurRad="28575" dist="38100" dir="14040000" algn="tl" rotWithShape="0">
+                    <a:srgbClr val="000000">
+                      <a:alpha val="25000"/>
+                    </a:srgbClr>
+                  </a:outerShdw>
+                </a:effectLst>
+                <a:latin typeface="+mj-lt"/>
+                <a:ea typeface="+mj-ea"/>
+                <a:cs typeface="+mj-cs"/>
+              </a:rPr>
+              <a:t>先研究市面上</a:t>
+            </a:r>
+            <a:r>
+              <a:rPr lang="zh-CN" altLang="en-US" sz="1800" cap="all" dirty="0" smtClean="0">
+                <a:ln w="3175" cmpd="sng">
+                  <a:noFill/>
+                </a:ln>
+                <a:gradFill flip="none" rotWithShape="1">
+                  <a:gsLst>
+                    <a:gs pos="0">
+                      <a:schemeClr val="tx1"/>
+                    </a:gs>
+                    <a:gs pos="100000">
+                      <a:schemeClr val="tx1">
+                        <a:lumMod val="65000"/>
+                      </a:schemeClr>
+                    </a:gs>
+                  </a:gsLst>
+                  <a:lin ang="5580000" scaled="0"/>
+                  <a:tileRect/>
+                </a:gradFill>
+                <a:effectLst>
+                  <a:glow rad="38100">
+                    <a:schemeClr val="bg1">
+                      <a:lumMod val="65000"/>
+                      <a:lumOff val="35000"/>
+                      <a:alpha val="40000"/>
+                    </a:schemeClr>
+                  </a:glow>
+                  <a:outerShdw blurRad="28575" dist="38100" dir="14040000" algn="tl" rotWithShape="0">
+                    <a:srgbClr val="000000">
+                      <a:alpha val="25000"/>
+                    </a:srgbClr>
+                  </a:outerShdw>
+                </a:effectLst>
+                <a:latin typeface="+mj-lt"/>
+                <a:ea typeface="+mj-ea"/>
+                <a:cs typeface="+mj-cs"/>
+              </a:rPr>
+              <a:t>有哪些工作</a:t>
+            </a:r>
+            <a:r>
+              <a:rPr lang="zh-CN" altLang="en-US" sz="1800" cap="all" dirty="0">
+                <a:ln w="3175" cmpd="sng">
+                  <a:noFill/>
+                </a:ln>
+                <a:gradFill flip="none" rotWithShape="1">
+                  <a:gsLst>
+                    <a:gs pos="0">
+                      <a:schemeClr val="tx1"/>
+                    </a:gs>
+                    <a:gs pos="100000">
+                      <a:schemeClr val="tx1">
+                        <a:lumMod val="65000"/>
+                      </a:schemeClr>
+                    </a:gs>
+                  </a:gsLst>
+                  <a:lin ang="5580000" scaled="0"/>
+                  <a:tileRect/>
+                </a:gradFill>
+                <a:effectLst>
+                  <a:glow rad="38100">
+                    <a:schemeClr val="bg1">
+                      <a:lumMod val="65000"/>
+                      <a:lumOff val="35000"/>
+                      <a:alpha val="40000"/>
+                    </a:schemeClr>
+                  </a:glow>
+                  <a:outerShdw blurRad="28575" dist="38100" dir="14040000" algn="tl" rotWithShape="0">
+                    <a:srgbClr val="000000">
+                      <a:alpha val="25000"/>
+                    </a:srgbClr>
+                  </a:outerShdw>
+                </a:effectLst>
+                <a:latin typeface="+mj-lt"/>
+                <a:ea typeface="+mj-ea"/>
+                <a:cs typeface="+mj-cs"/>
+              </a:rPr>
+              <a:t>适合</a:t>
+            </a:r>
+            <a:r>
+              <a:rPr lang="zh-CN" altLang="en-US" sz="1800" cap="all" dirty="0">
+                <a:ln w="3175" cmpd="sng">
+                  <a:noFill/>
+                </a:ln>
+                <a:gradFill flip="none" rotWithShape="1">
+                  <a:gsLst>
+                    <a:gs pos="0">
+                      <a:schemeClr val="tx1"/>
+                    </a:gs>
+                    <a:gs pos="100000">
+                      <a:schemeClr val="tx1">
+                        <a:lumMod val="65000"/>
+                      </a:schemeClr>
+                    </a:gs>
+                  </a:gsLst>
+                  <a:lin ang="5580000" scaled="0"/>
+                  <a:tileRect/>
+                </a:gradFill>
+                <a:effectLst>
+                  <a:glow rad="38100">
+                    <a:schemeClr val="bg1">
+                      <a:lumMod val="65000"/>
+                      <a:lumOff val="35000"/>
+                      <a:alpha val="40000"/>
+                    </a:schemeClr>
+                  </a:glow>
+                  <a:outerShdw blurRad="28575" dist="38100" dir="14040000" algn="tl" rotWithShape="0">
+                    <a:srgbClr val="000000">
+                      <a:alpha val="25000"/>
+                    </a:srgbClr>
+                  </a:outerShdw>
+                </a:effectLst>
+                <a:latin typeface="+mj-lt"/>
+                <a:ea typeface="+mj-ea"/>
+                <a:cs typeface="+mj-cs"/>
+              </a:rPr>
+              <a:t>你</a:t>
+            </a:r>
+            <a:endParaRPr lang="en-US" altLang="zh-CN" sz="1800" cap="all" dirty="0">
+              <a:ln w="3175" cmpd="sng">
+                <a:noFill/>
+              </a:ln>
+              <a:gradFill flip="none" rotWithShape="1">
+                <a:gsLst>
+                  <a:gs pos="0">
+                    <a:schemeClr val="tx1"/>
+                  </a:gs>
+                  <a:gs pos="100000">
+                    <a:schemeClr val="tx1">
+                      <a:lumMod val="65000"/>
+                    </a:schemeClr>
+                  </a:gs>
+                </a:gsLst>
+                <a:lin ang="5580000" scaled="0"/>
+                <a:tileRect/>
+              </a:gradFill>
+              <a:effectLst>
+                <a:glow rad="38100">
+                  <a:schemeClr val="bg1">
+                    <a:lumMod val="65000"/>
+                    <a:lumOff val="35000"/>
+                    <a:alpha val="40000"/>
+                  </a:schemeClr>
+                </a:glow>
+                <a:outerShdw blurRad="28575" dist="38100" dir="14040000" algn="tl" rotWithShape="0">
+                  <a:srgbClr val="000000">
+                    <a:alpha val="25000"/>
+                  </a:srgbClr>
+                </a:outerShdw>
+              </a:effectLst>
+              <a:latin typeface="+mj-lt"/>
+              <a:ea typeface="+mj-ea"/>
+              <a:cs typeface="+mj-cs"/>
+            </a:endParaRPr>
+          </a:p>
+          <a:p>
+            <a:r>
+              <a:rPr lang="zh-CN" altLang="en-US" sz="1800" cap="all" dirty="0">
+                <a:ln w="3175" cmpd="sng">
+                  <a:noFill/>
+                </a:ln>
+                <a:gradFill flip="none" rotWithShape="1">
+                  <a:gsLst>
+                    <a:gs pos="0">
+                      <a:schemeClr val="tx1"/>
+                    </a:gs>
+                    <a:gs pos="100000">
+                      <a:schemeClr val="tx1">
+                        <a:lumMod val="65000"/>
+                      </a:schemeClr>
+                    </a:gs>
+                  </a:gsLst>
+                  <a:lin ang="5580000" scaled="0"/>
+                  <a:tileRect/>
+                </a:gradFill>
+                <a:effectLst>
+                  <a:glow rad="38100">
+                    <a:schemeClr val="bg1">
+                      <a:lumMod val="65000"/>
+                      <a:lumOff val="35000"/>
+                      <a:alpha val="40000"/>
+                    </a:schemeClr>
+                  </a:glow>
+                  <a:outerShdw blurRad="28575" dist="38100" dir="14040000" algn="tl" rotWithShape="0">
+                    <a:srgbClr val="000000">
+                      <a:alpha val="25000"/>
+                    </a:srgbClr>
+                  </a:outerShdw>
+                </a:effectLst>
+                <a:latin typeface="+mj-lt"/>
+                <a:ea typeface="+mj-ea"/>
+                <a:cs typeface="+mj-cs"/>
+              </a:rPr>
+              <a:t>根据职位修改简历</a:t>
+            </a:r>
+            <a:endParaRPr lang="en-US" altLang="zh-CN" sz="1800" cap="all" dirty="0">
+              <a:ln w="3175" cmpd="sng">
+                <a:noFill/>
+              </a:ln>
+              <a:gradFill flip="none" rotWithShape="1">
+                <a:gsLst>
+                  <a:gs pos="0">
+                    <a:schemeClr val="tx1"/>
+                  </a:gs>
+                  <a:gs pos="100000">
+                    <a:schemeClr val="tx1">
+                      <a:lumMod val="65000"/>
+                    </a:schemeClr>
+                  </a:gs>
+                </a:gsLst>
+                <a:lin ang="5580000" scaled="0"/>
+                <a:tileRect/>
+              </a:gradFill>
+              <a:effectLst>
+                <a:glow rad="38100">
+                  <a:schemeClr val="bg1">
+                    <a:lumMod val="65000"/>
+                    <a:lumOff val="35000"/>
+                    <a:alpha val="40000"/>
+                  </a:schemeClr>
+                </a:glow>
+                <a:outerShdw blurRad="28575" dist="38100" dir="14040000" algn="tl" rotWithShape="0">
+                  <a:srgbClr val="000000">
+                    <a:alpha val="25000"/>
+                  </a:srgbClr>
+                </a:outerShdw>
+              </a:effectLst>
+              <a:latin typeface="+mj-lt"/>
+              <a:ea typeface="+mj-ea"/>
+              <a:cs typeface="+mj-cs"/>
+            </a:endParaRPr>
+          </a:p>
+          <a:p>
+            <a:r>
+              <a:rPr lang="zh-CN" altLang="en-US" sz="1800" cap="all" dirty="0">
+                <a:ln w="3175" cmpd="sng">
+                  <a:noFill/>
+                </a:ln>
+                <a:gradFill flip="none" rotWithShape="1">
+                  <a:gsLst>
+                    <a:gs pos="0">
+                      <a:schemeClr val="tx1"/>
+                    </a:gs>
+                    <a:gs pos="100000">
+                      <a:schemeClr val="tx1">
+                        <a:lumMod val="65000"/>
+                      </a:schemeClr>
+                    </a:gs>
+                  </a:gsLst>
+                  <a:lin ang="5580000" scaled="0"/>
+                  <a:tileRect/>
+                </a:gradFill>
+                <a:effectLst>
+                  <a:glow rad="38100">
+                    <a:schemeClr val="bg1">
+                      <a:lumMod val="65000"/>
+                      <a:lumOff val="35000"/>
+                      <a:alpha val="40000"/>
+                    </a:schemeClr>
+                  </a:glow>
+                  <a:outerShdw blurRad="28575" dist="38100" dir="14040000" algn="tl" rotWithShape="0">
+                    <a:srgbClr val="000000">
+                      <a:alpha val="25000"/>
+                    </a:srgbClr>
+                  </a:outerShdw>
+                </a:effectLst>
+                <a:latin typeface="+mj-lt"/>
+                <a:ea typeface="+mj-ea"/>
+                <a:cs typeface="+mj-cs"/>
+              </a:rPr>
+              <a:t>要学会取舍</a:t>
+            </a:r>
+            <a:r>
+              <a:rPr lang="zh-CN" altLang="en-US" sz="1800" cap="all" dirty="0">
+                <a:ln w="3175" cmpd="sng">
+                  <a:noFill/>
+                </a:ln>
+                <a:gradFill flip="none" rotWithShape="1">
+                  <a:gsLst>
+                    <a:gs pos="0">
+                      <a:schemeClr val="tx1"/>
+                    </a:gs>
+                    <a:gs pos="100000">
+                      <a:schemeClr val="tx1">
+                        <a:lumMod val="65000"/>
+                      </a:schemeClr>
+                    </a:gs>
+                  </a:gsLst>
+                  <a:lin ang="5580000" scaled="0"/>
+                  <a:tileRect/>
+                </a:gradFill>
+                <a:effectLst>
+                  <a:glow rad="38100">
+                    <a:schemeClr val="bg1">
+                      <a:lumMod val="65000"/>
+                      <a:lumOff val="35000"/>
+                      <a:alpha val="40000"/>
+                    </a:schemeClr>
+                  </a:glow>
+                  <a:outerShdw blurRad="28575" dist="38100" dir="14040000" algn="tl" rotWithShape="0">
+                    <a:srgbClr val="000000">
+                      <a:alpha val="25000"/>
+                    </a:srgbClr>
+                  </a:outerShdw>
+                </a:effectLst>
+                <a:latin typeface="+mj-lt"/>
+                <a:ea typeface="+mj-ea"/>
+                <a:cs typeface="+mj-cs"/>
+              </a:rPr>
+              <a:t>内容</a:t>
+            </a:r>
+            <a:endParaRPr lang="en-US" altLang="zh-CN" sz="1800" cap="all" dirty="0">
+              <a:ln w="3175" cmpd="sng">
+                <a:noFill/>
+              </a:ln>
+              <a:gradFill flip="none" rotWithShape="1">
+                <a:gsLst>
+                  <a:gs pos="0">
+                    <a:schemeClr val="tx1"/>
+                  </a:gs>
+                  <a:gs pos="100000">
+                    <a:schemeClr val="tx1">
+                      <a:lumMod val="65000"/>
+                    </a:schemeClr>
+                  </a:gs>
+                </a:gsLst>
+                <a:lin ang="5580000" scaled="0"/>
+                <a:tileRect/>
+              </a:gradFill>
+              <a:effectLst>
+                <a:glow rad="38100">
+                  <a:schemeClr val="bg1">
+                    <a:lumMod val="65000"/>
+                    <a:lumOff val="35000"/>
+                    <a:alpha val="40000"/>
+                  </a:schemeClr>
+                </a:glow>
+                <a:outerShdw blurRad="28575" dist="38100" dir="14040000" algn="tl" rotWithShape="0">
+                  <a:srgbClr val="000000">
+                    <a:alpha val="25000"/>
+                  </a:srgbClr>
+                </a:outerShdw>
+              </a:effectLst>
+              <a:latin typeface="+mj-lt"/>
+              <a:ea typeface="+mj-ea"/>
+              <a:cs typeface="+mj-cs"/>
+            </a:endParaRPr>
+          </a:p>
+          <a:p>
+            <a:r>
+              <a:rPr lang="zh-CN" altLang="en-US" sz="1800" cap="all" dirty="0">
+                <a:ln w="3175" cmpd="sng">
+                  <a:noFill/>
+                </a:ln>
+                <a:gradFill flip="none" rotWithShape="1">
+                  <a:gsLst>
+                    <a:gs pos="0">
+                      <a:schemeClr val="tx1"/>
+                    </a:gs>
+                    <a:gs pos="100000">
+                      <a:schemeClr val="tx1">
+                        <a:lumMod val="65000"/>
+                      </a:schemeClr>
+                    </a:gs>
+                  </a:gsLst>
+                  <a:lin ang="5580000" scaled="0"/>
+                  <a:tileRect/>
+                </a:gradFill>
+                <a:effectLst>
+                  <a:glow rad="38100">
+                    <a:schemeClr val="bg1">
+                      <a:lumMod val="65000"/>
+                      <a:lumOff val="35000"/>
+                      <a:alpha val="40000"/>
+                    </a:schemeClr>
+                  </a:glow>
+                  <a:outerShdw blurRad="28575" dist="38100" dir="14040000" algn="tl" rotWithShape="0">
+                    <a:srgbClr val="000000">
+                      <a:alpha val="25000"/>
+                    </a:srgbClr>
+                  </a:outerShdw>
+                </a:effectLst>
+                <a:latin typeface="+mj-lt"/>
+                <a:ea typeface="+mj-ea"/>
+                <a:cs typeface="+mj-cs"/>
+              </a:rPr>
+              <a:t>突出重点</a:t>
+            </a:r>
+            <a:endParaRPr lang="en-US" sz="1800" cap="all" dirty="0">
+              <a:ln w="3175" cmpd="sng">
+                <a:noFill/>
+              </a:ln>
+              <a:gradFill flip="none" rotWithShape="1">
+                <a:gsLst>
+                  <a:gs pos="0">
+                    <a:schemeClr val="tx1"/>
+                  </a:gs>
+                  <a:gs pos="100000">
+                    <a:schemeClr val="tx1">
+                      <a:lumMod val="65000"/>
+                    </a:schemeClr>
+                  </a:gs>
+                </a:gsLst>
+                <a:lin ang="5580000" scaled="0"/>
+                <a:tileRect/>
+              </a:gradFill>
+              <a:effectLst>
+                <a:glow rad="38100">
+                  <a:schemeClr val="bg1">
+                    <a:lumMod val="65000"/>
+                    <a:lumOff val="35000"/>
+                    <a:alpha val="40000"/>
+                  </a:schemeClr>
+                </a:glow>
+                <a:outerShdw blurRad="28575" dist="38100" dir="14040000" algn="tl" rotWithShape="0">
+                  <a:srgbClr val="000000">
+                    <a:alpha val="25000"/>
+                  </a:srgbClr>
+                </a:outerShdw>
+              </a:effectLst>
+              <a:latin typeface="+mj-lt"/>
+              <a:ea typeface="+mj-ea"/>
+              <a:cs typeface="+mj-cs"/>
+            </a:endParaRPr>
+          </a:p>
+        </p:txBody>
+      </p:sp>
+    </p:spTree>
+    <p:extLst>
+      <p:ext uri="{BB962C8B-B14F-4D97-AF65-F5344CB8AC3E}">
+        <p14:creationId xmlns:p14="http://schemas.microsoft.com/office/powerpoint/2010/main" val="784526128"/>
       </p:ext>
     </p:extLst>
   </p:cSld>

--- a/前端课程.pptx
+++ b/前端课程.pptx
@@ -5,7 +5,7 @@
     <p:sldMasterId id="2147484229" r:id="rId1"/>
   </p:sldMasterIdLst>
   <p:notesMasterIdLst>
-    <p:notesMasterId r:id="rId55"/>
+    <p:notesMasterId r:id="rId57"/>
   </p:notesMasterIdLst>
   <p:sldIdLst>
     <p:sldId id="272" r:id="rId2"/>
@@ -29,38 +29,40 @@
     <p:sldId id="312" r:id="rId20"/>
     <p:sldId id="313" r:id="rId21"/>
     <p:sldId id="315" r:id="rId22"/>
-    <p:sldId id="266" r:id="rId23"/>
-    <p:sldId id="309" r:id="rId24"/>
+    <p:sldId id="317" r:id="rId23"/>
+    <p:sldId id="266" r:id="rId24"/>
     <p:sldId id="314" r:id="rId25"/>
-    <p:sldId id="303" r:id="rId26"/>
-    <p:sldId id="271" r:id="rId27"/>
-    <p:sldId id="269" r:id="rId28"/>
-    <p:sldId id="273" r:id="rId29"/>
-    <p:sldId id="276" r:id="rId30"/>
-    <p:sldId id="282" r:id="rId31"/>
-    <p:sldId id="284" r:id="rId32"/>
-    <p:sldId id="285" r:id="rId33"/>
-    <p:sldId id="286" r:id="rId34"/>
-    <p:sldId id="288" r:id="rId35"/>
-    <p:sldId id="277" r:id="rId36"/>
-    <p:sldId id="279" r:id="rId37"/>
-    <p:sldId id="278" r:id="rId38"/>
-    <p:sldId id="281" r:id="rId39"/>
-    <p:sldId id="287" r:id="rId40"/>
-    <p:sldId id="289" r:id="rId41"/>
-    <p:sldId id="295" r:id="rId42"/>
-    <p:sldId id="293" r:id="rId43"/>
-    <p:sldId id="291" r:id="rId44"/>
-    <p:sldId id="292" r:id="rId45"/>
-    <p:sldId id="290" r:id="rId46"/>
-    <p:sldId id="294" r:id="rId47"/>
-    <p:sldId id="298" r:id="rId48"/>
-    <p:sldId id="296" r:id="rId49"/>
-    <p:sldId id="297" r:id="rId50"/>
-    <p:sldId id="299" r:id="rId51"/>
-    <p:sldId id="300" r:id="rId52"/>
-    <p:sldId id="301" r:id="rId53"/>
-    <p:sldId id="302" r:id="rId54"/>
+    <p:sldId id="316" r:id="rId26"/>
+    <p:sldId id="309" r:id="rId27"/>
+    <p:sldId id="303" r:id="rId28"/>
+    <p:sldId id="271" r:id="rId29"/>
+    <p:sldId id="269" r:id="rId30"/>
+    <p:sldId id="273" r:id="rId31"/>
+    <p:sldId id="276" r:id="rId32"/>
+    <p:sldId id="282" r:id="rId33"/>
+    <p:sldId id="284" r:id="rId34"/>
+    <p:sldId id="285" r:id="rId35"/>
+    <p:sldId id="286" r:id="rId36"/>
+    <p:sldId id="288" r:id="rId37"/>
+    <p:sldId id="277" r:id="rId38"/>
+    <p:sldId id="279" r:id="rId39"/>
+    <p:sldId id="278" r:id="rId40"/>
+    <p:sldId id="281" r:id="rId41"/>
+    <p:sldId id="287" r:id="rId42"/>
+    <p:sldId id="289" r:id="rId43"/>
+    <p:sldId id="295" r:id="rId44"/>
+    <p:sldId id="293" r:id="rId45"/>
+    <p:sldId id="291" r:id="rId46"/>
+    <p:sldId id="292" r:id="rId47"/>
+    <p:sldId id="290" r:id="rId48"/>
+    <p:sldId id="294" r:id="rId49"/>
+    <p:sldId id="298" r:id="rId50"/>
+    <p:sldId id="296" r:id="rId51"/>
+    <p:sldId id="297" r:id="rId52"/>
+    <p:sldId id="299" r:id="rId53"/>
+    <p:sldId id="300" r:id="rId54"/>
+    <p:sldId id="301" r:id="rId55"/>
+    <p:sldId id="302" r:id="rId56"/>
   </p:sldIdLst>
   <p:sldSz cx="12192000" cy="6858000"/>
   <p:notesSz cx="6858000" cy="9144000"/>
@@ -185,9 +187,11 @@
             <p14:sldId id="312"/>
             <p14:sldId id="313"/>
             <p14:sldId id="315"/>
+            <p14:sldId id="317"/>
             <p14:sldId id="266"/>
+            <p14:sldId id="314"/>
+            <p14:sldId id="316"/>
             <p14:sldId id="309"/>
-            <p14:sldId id="314"/>
             <p14:sldId id="303"/>
             <p14:sldId id="271"/>
             <p14:sldId id="269"/>
@@ -313,7 +317,7 @@
           <a:p>
             <a:fld id="{A75DC609-2A5E-994A-AEB9-E13728C46CDD}" type="datetimeFigureOut">
               <a:rPr lang="en-US" smtClean="0"/>
-              <a:t>6/12/18</a:t>
+              <a:t>6/15/18</a:t>
             </a:fld>
             <a:endParaRPr lang="en-US"/>
           </a:p>
@@ -711,27 +715,138 @@
           <a:p>
             <a:r>
               <a:rPr lang="en-US" dirty="0" smtClean="0"/>
+              <a:t>https://</a:t>
+            </a:r>
+            <a:r>
+              <a:rPr lang="en-US" dirty="0" err="1" smtClean="0"/>
+              <a:t>zhuanlan.zhihu.com</a:t>
+            </a:r>
+            <a:r>
+              <a:rPr lang="en-US" dirty="0" smtClean="0"/>
+              <a:t>/p/22486908?refer=study-</a:t>
+            </a:r>
+            <a:r>
+              <a:rPr lang="en-US" dirty="0" err="1" smtClean="0"/>
+              <a:t>fe</a:t>
+            </a:r>
+            <a:endParaRPr lang="en-US" dirty="0" smtClean="0"/>
+          </a:p>
+          <a:p>
+            <a:r>
+              <a:rPr lang="en-US" dirty="0" smtClean="0"/>
               <a:t>http://</a:t>
             </a:r>
             <a:r>
               <a:rPr lang="en-US" dirty="0" err="1" smtClean="0"/>
-              <a:t>www.runoob.com</a:t>
+              <a:t>www.ruanyifeng.com</a:t>
             </a:r>
             <a:r>
               <a:rPr lang="en-US" dirty="0" smtClean="0"/>
-              <a:t>/</a:t>
+              <a:t>/blog/2014/03/undefined-vs-</a:t>
             </a:r>
             <a:r>
               <a:rPr lang="en-US" dirty="0" err="1" smtClean="0"/>
-              <a:t>php</a:t>
-            </a:r>
+              <a:t>null.html</a:t>
+            </a:r>
+            <a:endParaRPr lang="en-US" dirty="0" smtClean="0"/>
+          </a:p>
+          <a:p>
+            <a:endParaRPr lang="en-US" dirty="0" smtClean="0"/>
+          </a:p>
+          <a:p>
             <a:r>
               <a:rPr lang="en-US" dirty="0" smtClean="0"/>
-              <a:t>/</a:t>
-            </a:r>
-            <a:r>
-              <a:rPr lang="en-US" dirty="0" err="1" smtClean="0"/>
-              <a:t>php-ajax-intro.html</a:t>
+              <a:t>Undefined </a:t>
+            </a:r>
+            <a:r>
+              <a:rPr lang="zh-CN" altLang="en-US" dirty="0" smtClean="0"/>
+              <a:t>没有 厕纸架</a:t>
+            </a:r>
+            <a:endParaRPr lang="en-US" altLang="zh-CN" dirty="0" smtClean="0"/>
+          </a:p>
+          <a:p>
+            <a:r>
+              <a:rPr lang="en-US" altLang="zh-CN" dirty="0" smtClean="0"/>
+              <a:t>Null</a:t>
+            </a:r>
+            <a:r>
+              <a:rPr lang="zh-CN" altLang="en-US" dirty="0" smtClean="0"/>
+              <a:t> 有厕纸架 上面什么也没有</a:t>
+            </a:r>
+            <a:endParaRPr lang="en-US" altLang="zh-CN" dirty="0" smtClean="0"/>
+          </a:p>
+          <a:p>
+            <a:r>
+              <a:rPr lang="en-US" altLang="zh-CN" dirty="0" smtClean="0"/>
+              <a:t>Empty</a:t>
+            </a:r>
+            <a:r>
+              <a:rPr lang="zh-CN" altLang="en-US" dirty="0" smtClean="0"/>
+              <a:t> </a:t>
+            </a:r>
+            <a:r>
+              <a:rPr lang="en-US" altLang="zh-CN" dirty="0" smtClean="0"/>
+              <a:t>object</a:t>
+            </a:r>
+            <a:r>
+              <a:rPr lang="zh-CN" altLang="en-US" dirty="0" smtClean="0"/>
+              <a:t> 有厕纸架 只有个壳子</a:t>
+            </a:r>
+            <a:endParaRPr lang="en-US" altLang="zh-CN" dirty="0" smtClean="0"/>
+          </a:p>
+          <a:p>
+            <a:endParaRPr lang="en-US" dirty="0" smtClean="0"/>
+          </a:p>
+          <a:p>
+            <a:r>
+              <a:rPr lang="en-US" altLang="zh-CN" dirty="0" smtClean="0"/>
+              <a:t>This</a:t>
+            </a:r>
+            <a:r>
+              <a:rPr lang="zh-CN" altLang="en-US" dirty="0" smtClean="0"/>
+              <a:t> 指代自己的</a:t>
+            </a:r>
+            <a:r>
+              <a:rPr lang="en-US" altLang="zh-CN" dirty="0" smtClean="0"/>
+              <a:t>function</a:t>
+            </a:r>
+            <a:r>
+              <a:rPr lang="zh-CN" altLang="en-US" dirty="0" smtClean="0"/>
+              <a:t>的</a:t>
+            </a:r>
+            <a:r>
+              <a:rPr lang="en-US" altLang="zh-CN" dirty="0" smtClean="0"/>
+              <a:t>scope</a:t>
+            </a:r>
+          </a:p>
+          <a:p>
+            <a:r>
+              <a:rPr lang="en-US" altLang="zh-CN" dirty="0" smtClean="0"/>
+              <a:t>Pure</a:t>
+            </a:r>
+            <a:r>
+              <a:rPr lang="zh-CN" altLang="en-US" dirty="0" smtClean="0"/>
+              <a:t> </a:t>
+            </a:r>
+            <a:r>
+              <a:rPr lang="en-US" altLang="zh-CN" dirty="0" smtClean="0"/>
+              <a:t>function,</a:t>
+            </a:r>
+            <a:r>
+              <a:rPr lang="en-US" altLang="zh-CN" baseline="0" dirty="0" smtClean="0"/>
+              <a:t> </a:t>
+            </a:r>
+            <a:r>
+              <a:rPr lang="en-US" altLang="zh-CN" baseline="0" dirty="0" err="1" smtClean="0"/>
+              <a:t>concat</a:t>
+            </a:r>
+            <a:r>
+              <a:rPr lang="en-US" altLang="zh-CN" baseline="0" dirty="0" smtClean="0"/>
+              <a:t>, push, slice, </a:t>
+            </a:r>
+            <a:r>
+              <a:rPr lang="en-US" altLang="zh-CN" baseline="0" dirty="0" smtClean="0"/>
+              <a:t>splice</a:t>
             </a:r>
             <a:endParaRPr lang="en-US" dirty="0"/>
           </a:p>
@@ -754,7 +869,7 @@
           <a:p>
             <a:fld id="{3A8071CD-55D8-0E40-9E87-5F5ADA6DF007}" type="slidenum">
               <a:rPr lang="en-US" smtClean="0"/>
-              <a:t>23</a:t>
+              <a:t>22</a:t>
             </a:fld>
             <a:endParaRPr lang="en-US"/>
           </a:p>
@@ -763,7 +878,7 @@
     </p:spTree>
     <p:extLst>
       <p:ext uri="{BB962C8B-B14F-4D97-AF65-F5344CB8AC3E}">
-        <p14:creationId xmlns:p14="http://schemas.microsoft.com/office/powerpoint/2010/main" val="2060007939"/>
+        <p14:creationId xmlns:p14="http://schemas.microsoft.com/office/powerpoint/2010/main" val="189926682"/>
       </p:ext>
     </p:extLst>
   </p:cSld>
@@ -817,6 +932,10 @@
           <a:bodyPr/>
           <a:lstStyle/>
           <a:p>
+            <a:r>
+              <a:rPr lang="en-US" dirty="0" smtClean="0"/>
+              <a:t>http://es6.ruanyifeng.com/</a:t>
+            </a:r>
             <a:endParaRPr lang="en-US" dirty="0"/>
           </a:p>
         </p:txBody>
@@ -838,7 +957,7 @@
           <a:p>
             <a:fld id="{3A8071CD-55D8-0E40-9E87-5F5ADA6DF007}" type="slidenum">
               <a:rPr lang="en-US" smtClean="0"/>
-              <a:t>24</a:t>
+              <a:t>23</a:t>
             </a:fld>
             <a:endParaRPr lang="en-US"/>
           </a:p>
@@ -847,7 +966,7 @@
     </p:spTree>
     <p:extLst>
       <p:ext uri="{BB962C8B-B14F-4D97-AF65-F5344CB8AC3E}">
-        <p14:creationId xmlns:p14="http://schemas.microsoft.com/office/powerpoint/2010/main" val="689022616"/>
+        <p14:creationId xmlns:p14="http://schemas.microsoft.com/office/powerpoint/2010/main" val="442908588"/>
       </p:ext>
     </p:extLst>
   </p:cSld>
@@ -901,7 +1020,7 @@
           <a:bodyPr/>
           <a:lstStyle/>
           <a:p>
-            <a:endParaRPr lang="en-US"/>
+            <a:endParaRPr lang="en-US" dirty="0"/>
           </a:p>
         </p:txBody>
       </p:sp>
@@ -922,7 +1041,7 @@
           <a:p>
             <a:fld id="{3A8071CD-55D8-0E40-9E87-5F5ADA6DF007}" type="slidenum">
               <a:rPr lang="en-US" smtClean="0"/>
-              <a:t>25</a:t>
+              <a:t>24</a:t>
             </a:fld>
             <a:endParaRPr lang="en-US"/>
           </a:p>
@@ -931,7 +1050,7 @@
     </p:spTree>
     <p:extLst>
       <p:ext uri="{BB962C8B-B14F-4D97-AF65-F5344CB8AC3E}">
-        <p14:creationId xmlns:p14="http://schemas.microsoft.com/office/powerpoint/2010/main" val="546442314"/>
+        <p14:creationId xmlns:p14="http://schemas.microsoft.com/office/powerpoint/2010/main" val="689022616"/>
       </p:ext>
     </p:extLst>
   </p:cSld>
@@ -985,66 +1104,18 @@
           <a:bodyPr/>
           <a:lstStyle/>
           <a:p>
-            <a:pPr marL="0" marR="0" indent="0" algn="l" defTabSz="914400" rtl="0" eaLnBrk="1" fontAlgn="auto" latinLnBrk="0" hangingPunct="1">
-              <a:lnSpc>
-                <a:spcPct val="100000"/>
-              </a:lnSpc>
-              <a:spcBef>
-                <a:spcPts val="0"/>
-              </a:spcBef>
-              <a:spcAft>
-                <a:spcPts val="0"/>
-              </a:spcAft>
-              <a:buClrTx/>
-              <a:buSzTx/>
-              <a:buFontTx/>
-              <a:buNone/>
-              <a:tabLst/>
-              <a:defRPr/>
-            </a:pPr>
             <a:r>
               <a:rPr lang="en-US" dirty="0" smtClean="0"/>
-              <a:t>http://</a:t>
+              <a:t>https://</a:t>
             </a:r>
             <a:r>
               <a:rPr lang="en-US" dirty="0" err="1" smtClean="0"/>
-              <a:t>www.ruanyifeng.com</a:t>
+              <a:t>www.jianshu.com</a:t>
             </a:r>
             <a:r>
               <a:rPr lang="en-US" dirty="0" smtClean="0"/>
-              <a:t>/blog/2015/03/</a:t>
-            </a:r>
-            <a:r>
-              <a:rPr lang="en-US" dirty="0" err="1" smtClean="0"/>
-              <a:t>react.html</a:t>
-            </a:r>
-            <a:r>
-              <a:rPr lang="en-US" dirty="0" smtClean="0"/>
-              <a:t> https://</a:t>
-            </a:r>
-            <a:r>
-              <a:rPr lang="en-US" dirty="0" err="1" smtClean="0"/>
-              <a:t>github.com</a:t>
-            </a:r>
-            <a:r>
-              <a:rPr lang="en-US" dirty="0" smtClean="0"/>
-              <a:t>/</a:t>
-            </a:r>
-            <a:r>
-              <a:rPr lang="en-US" dirty="0" err="1" smtClean="0"/>
-              <a:t>dvajs</a:t>
-            </a:r>
-            <a:r>
-              <a:rPr lang="en-US" dirty="0" smtClean="0"/>
-              <a:t>/</a:t>
-            </a:r>
-            <a:r>
-              <a:rPr lang="en-US" dirty="0" err="1" smtClean="0"/>
-              <a:t>dva-knowledgemap</a:t>
-            </a:r>
-            <a:endParaRPr lang="en-US" dirty="0" smtClean="0"/>
-          </a:p>
-          <a:p>
+              <a:t>/p/dcf2e97439ef</a:t>
+            </a:r>
             <a:endParaRPr lang="en-US" dirty="0"/>
           </a:p>
         </p:txBody>
@@ -1066,7 +1137,7 @@
           <a:p>
             <a:fld id="{3A8071CD-55D8-0E40-9E87-5F5ADA6DF007}" type="slidenum">
               <a:rPr lang="en-US" smtClean="0"/>
-              <a:t>27</a:t>
+              <a:t>25</a:t>
             </a:fld>
             <a:endParaRPr lang="en-US"/>
           </a:p>
@@ -1075,7 +1146,7 @@
     </p:spTree>
     <p:extLst>
       <p:ext uri="{BB962C8B-B14F-4D97-AF65-F5344CB8AC3E}">
-        <p14:creationId xmlns:p14="http://schemas.microsoft.com/office/powerpoint/2010/main" val="202348755"/>
+        <p14:creationId xmlns:p14="http://schemas.microsoft.com/office/powerpoint/2010/main" val="1619768365"/>
       </p:ext>
     </p:extLst>
   </p:cSld>
@@ -1131,11 +1202,11 @@
           <a:p>
             <a:r>
               <a:rPr lang="en-US" dirty="0" smtClean="0"/>
-              <a:t>https://</a:t>
+              <a:t>http://</a:t>
             </a:r>
             <a:r>
               <a:rPr lang="en-US" dirty="0" err="1" smtClean="0"/>
-              <a:t>github.com</a:t>
+              <a:t>www.runoob.com</a:t>
             </a:r>
             <a:r>
               <a:rPr lang="en-US" dirty="0" smtClean="0"/>
@@ -1143,66 +1214,16 @@
             </a:r>
             <a:r>
               <a:rPr lang="en-US" dirty="0" err="1" smtClean="0"/>
-              <a:t>ruanyf</a:t>
+              <a:t>php</a:t>
             </a:r>
             <a:r>
               <a:rPr lang="en-US" dirty="0" smtClean="0"/>
-              <a:t>/react-demos</a:t>
-            </a:r>
-            <a:r>
-              <a:rPr lang="zh-CN" altLang="en-US" dirty="0" smtClean="0"/>
-              <a:t> 阮一峰</a:t>
-            </a:r>
-            <a:endParaRPr lang="en-US" altLang="zh-CN" dirty="0" smtClean="0"/>
-          </a:p>
-          <a:p>
-            <a:endParaRPr lang="en-US" dirty="0" smtClean="0"/>
-          </a:p>
-          <a:p>
-            <a:pPr marL="0" marR="0" indent="0" algn="l" defTabSz="914400" rtl="0" eaLnBrk="1" fontAlgn="auto" latinLnBrk="0" hangingPunct="1">
-              <a:lnSpc>
-                <a:spcPct val="100000"/>
-              </a:lnSpc>
-              <a:spcBef>
-                <a:spcPts val="0"/>
-              </a:spcBef>
-              <a:spcAft>
-                <a:spcPts val="0"/>
-              </a:spcAft>
-              <a:buClrTx/>
-              <a:buSzTx/>
-              <a:buFontTx/>
-              <a:buNone/>
-              <a:tabLst/>
-              <a:defRPr/>
-            </a:pPr>
-            <a:r>
-              <a:rPr lang="en-US" dirty="0" smtClean="0"/>
-              <a:t>https://</a:t>
+              <a:t>/</a:t>
             </a:r>
             <a:r>
               <a:rPr lang="en-US" dirty="0" err="1" smtClean="0"/>
-              <a:t>reactjs.org</a:t>
-            </a:r>
-            <a:r>
-              <a:rPr lang="en-US" dirty="0" smtClean="0"/>
-              <a:t>/tutorial/</a:t>
-            </a:r>
-            <a:r>
-              <a:rPr lang="en-US" dirty="0" err="1" smtClean="0"/>
-              <a:t>tutorial.html</a:t>
-            </a:r>
-            <a:r>
-              <a:rPr lang="en-US" dirty="0" smtClean="0"/>
-              <a:t> </a:t>
-            </a:r>
-            <a:r>
-              <a:rPr lang="zh-CN" altLang="en-US" dirty="0" smtClean="0"/>
-              <a:t>官方教程</a:t>
-            </a:r>
-            <a:endParaRPr lang="en-US" altLang="zh-CN" dirty="0" smtClean="0"/>
-          </a:p>
-          <a:p>
+              <a:t>php-ajax-intro.html</a:t>
+            </a:r>
             <a:endParaRPr lang="en-US" dirty="0"/>
           </a:p>
         </p:txBody>
@@ -1224,7 +1245,7 @@
           <a:p>
             <a:fld id="{3A8071CD-55D8-0E40-9E87-5F5ADA6DF007}" type="slidenum">
               <a:rPr lang="en-US" smtClean="0"/>
-              <a:t>28</a:t>
+              <a:t>26</a:t>
             </a:fld>
             <a:endParaRPr lang="en-US"/>
           </a:p>
@@ -1233,7 +1254,7 @@
     </p:spTree>
     <p:extLst>
       <p:ext uri="{BB962C8B-B14F-4D97-AF65-F5344CB8AC3E}">
-        <p14:creationId xmlns:p14="http://schemas.microsoft.com/office/powerpoint/2010/main" val="210574395"/>
+        <p14:creationId xmlns:p14="http://schemas.microsoft.com/office/powerpoint/2010/main" val="2060007939"/>
       </p:ext>
     </p:extLst>
   </p:cSld>
@@ -1287,42 +1308,7 @@
           <a:bodyPr/>
           <a:lstStyle/>
           <a:p>
-            <a:r>
-              <a:rPr lang="en-US" dirty="0" smtClean="0"/>
-              <a:t>https://</a:t>
-            </a:r>
-            <a:r>
-              <a:rPr lang="en-US" dirty="0" err="1" smtClean="0"/>
-              <a:t>reactjs.org</a:t>
-            </a:r>
-            <a:r>
-              <a:rPr lang="en-US" dirty="0" smtClean="0"/>
-              <a:t>/tutorial/</a:t>
-            </a:r>
-            <a:r>
-              <a:rPr lang="en-US" dirty="0" err="1" smtClean="0"/>
-              <a:t>tutorial.html</a:t>
-            </a:r>
-            <a:endParaRPr lang="en-US" dirty="0" smtClean="0"/>
-          </a:p>
-          <a:p>
-            <a:r>
-              <a:rPr lang="en-US" dirty="0" smtClean="0"/>
-              <a:t>https://</a:t>
-            </a:r>
-            <a:r>
-              <a:rPr lang="en-US" dirty="0" err="1" smtClean="0"/>
-              <a:t>discountry.github.io</a:t>
-            </a:r>
-            <a:r>
-              <a:rPr lang="en-US" dirty="0" smtClean="0"/>
-              <a:t>/react/tutorial/</a:t>
-            </a:r>
-            <a:r>
-              <a:rPr lang="en-US" dirty="0" err="1" smtClean="0"/>
-              <a:t>tutorial.html</a:t>
-            </a:r>
-            <a:endParaRPr lang="en-US" dirty="0"/>
+            <a:endParaRPr lang="en-US"/>
           </a:p>
         </p:txBody>
       </p:sp>
@@ -1343,7 +1329,7 @@
           <a:p>
             <a:fld id="{3A8071CD-55D8-0E40-9E87-5F5ADA6DF007}" type="slidenum">
               <a:rPr lang="en-US" smtClean="0"/>
-              <a:t>29</a:t>
+              <a:t>27</a:t>
             </a:fld>
             <a:endParaRPr lang="en-US"/>
           </a:p>
@@ -1352,7 +1338,7 @@
     </p:spTree>
     <p:extLst>
       <p:ext uri="{BB962C8B-B14F-4D97-AF65-F5344CB8AC3E}">
-        <p14:creationId xmlns:p14="http://schemas.microsoft.com/office/powerpoint/2010/main" val="1767943556"/>
+        <p14:creationId xmlns:p14="http://schemas.microsoft.com/office/powerpoint/2010/main" val="546442314"/>
       </p:ext>
     </p:extLst>
   </p:cSld>
@@ -1406,50 +1392,66 @@
           <a:bodyPr/>
           <a:lstStyle/>
           <a:p>
+            <a:pPr marL="0" marR="0" indent="0" algn="l" defTabSz="914400" rtl="0" eaLnBrk="1" fontAlgn="auto" latinLnBrk="0" hangingPunct="1">
+              <a:lnSpc>
+                <a:spcPct val="100000"/>
+              </a:lnSpc>
+              <a:spcBef>
+                <a:spcPts val="0"/>
+              </a:spcBef>
+              <a:spcAft>
+                <a:spcPts val="0"/>
+              </a:spcAft>
+              <a:buClrTx/>
+              <a:buSzTx/>
+              <a:buFontTx/>
+              <a:buNone/>
+              <a:tabLst/>
+              <a:defRPr/>
+            </a:pPr>
             <a:r>
               <a:rPr lang="en-US" dirty="0" smtClean="0"/>
-              <a:t>https://</a:t>
+              <a:t>http://</a:t>
             </a:r>
             <a:r>
               <a:rPr lang="en-US" dirty="0" err="1" smtClean="0"/>
-              <a:t>redux.js.org</a:t>
+              <a:t>www.ruanyifeng.com</a:t>
+            </a:r>
+            <a:r>
+              <a:rPr lang="en-US" dirty="0" smtClean="0"/>
+              <a:t>/blog/2015/03/</a:t>
+            </a:r>
+            <a:r>
+              <a:rPr lang="en-US" dirty="0" err="1" smtClean="0"/>
+              <a:t>react.html</a:t>
+            </a:r>
+            <a:r>
+              <a:rPr lang="en-US" dirty="0" smtClean="0"/>
+              <a:t> https://</a:t>
+            </a:r>
+            <a:r>
+              <a:rPr lang="en-US" dirty="0" err="1" smtClean="0"/>
+              <a:t>github.com</a:t>
             </a:r>
             <a:r>
               <a:rPr lang="en-US" dirty="0" smtClean="0"/>
               <a:t>/</a:t>
             </a:r>
-          </a:p>
-          <a:p>
-            <a:r>
-              <a:rPr lang="en-US" dirty="0" smtClean="0"/>
-              <a:t>http://</a:t>
-            </a:r>
             <a:r>
               <a:rPr lang="en-US" dirty="0" err="1" smtClean="0"/>
-              <a:t>cn.redux.js.org</a:t>
+              <a:t>dvajs</a:t>
             </a:r>
             <a:r>
               <a:rPr lang="en-US" dirty="0" smtClean="0"/>
               <a:t>/</a:t>
             </a:r>
-          </a:p>
-          <a:p>
-            <a:r>
-              <a:rPr lang="en-US" dirty="0" smtClean="0"/>
-              <a:t>http://</a:t>
-            </a:r>
             <a:r>
               <a:rPr lang="en-US" dirty="0" err="1" smtClean="0"/>
-              <a:t>www.ruanyifeng.com</a:t>
-            </a:r>
-            <a:r>
-              <a:rPr lang="en-US" dirty="0" smtClean="0"/>
-              <a:t>/blog/2016/09/</a:t>
-            </a:r>
-            <a:r>
-              <a:rPr lang="en-US" dirty="0" err="1" smtClean="0"/>
-              <a:t>redux_tutorial_part_one_basic_usages.html</a:t>
-            </a:r>
+              <a:t>dva-knowledgemap</a:t>
+            </a:r>
+            <a:endParaRPr lang="en-US" dirty="0" smtClean="0"/>
+          </a:p>
+          <a:p>
             <a:endParaRPr lang="en-US" dirty="0"/>
           </a:p>
         </p:txBody>
@@ -1471,7 +1473,7 @@
           <a:p>
             <a:fld id="{3A8071CD-55D8-0E40-9E87-5F5ADA6DF007}" type="slidenum">
               <a:rPr lang="en-US" smtClean="0"/>
-              <a:t>30</a:t>
+              <a:t>29</a:t>
             </a:fld>
             <a:endParaRPr lang="en-US"/>
           </a:p>
@@ -1480,7 +1482,7 @@
     </p:spTree>
     <p:extLst>
       <p:ext uri="{BB962C8B-B14F-4D97-AF65-F5344CB8AC3E}">
-        <p14:creationId xmlns:p14="http://schemas.microsoft.com/office/powerpoint/2010/main" val="1619371975"/>
+        <p14:creationId xmlns:p14="http://schemas.microsoft.com/office/powerpoint/2010/main" val="202348755"/>
       </p:ext>
     </p:extLst>
   </p:cSld>
@@ -1534,6 +1536,80 @@
           <a:bodyPr/>
           <a:lstStyle/>
           <a:p>
+            <a:r>
+              <a:rPr lang="en-US" dirty="0" smtClean="0"/>
+              <a:t>https://</a:t>
+            </a:r>
+            <a:r>
+              <a:rPr lang="en-US" dirty="0" err="1" smtClean="0"/>
+              <a:t>github.com</a:t>
+            </a:r>
+            <a:r>
+              <a:rPr lang="en-US" dirty="0" smtClean="0"/>
+              <a:t>/</a:t>
+            </a:r>
+            <a:r>
+              <a:rPr lang="en-US" dirty="0" err="1" smtClean="0"/>
+              <a:t>ruanyf</a:t>
+            </a:r>
+            <a:r>
+              <a:rPr lang="en-US" dirty="0" smtClean="0"/>
+              <a:t>/react-demos</a:t>
+            </a:r>
+            <a:r>
+              <a:rPr lang="zh-CN" altLang="en-US" dirty="0" smtClean="0"/>
+              <a:t> 阮一峰</a:t>
+            </a:r>
+            <a:endParaRPr lang="en-US" altLang="zh-CN" dirty="0" smtClean="0"/>
+          </a:p>
+          <a:p>
+            <a:endParaRPr lang="en-US" dirty="0" smtClean="0"/>
+          </a:p>
+          <a:p>
+            <a:pPr marL="0" marR="0" indent="0" algn="l" defTabSz="914400" rtl="0" eaLnBrk="1" fontAlgn="auto" latinLnBrk="0" hangingPunct="1">
+              <a:lnSpc>
+                <a:spcPct val="100000"/>
+              </a:lnSpc>
+              <a:spcBef>
+                <a:spcPts val="0"/>
+              </a:spcBef>
+              <a:spcAft>
+                <a:spcPts val="0"/>
+              </a:spcAft>
+              <a:buClrTx/>
+              <a:buSzTx/>
+              <a:buFontTx/>
+              <a:buNone/>
+              <a:tabLst/>
+              <a:defRPr/>
+            </a:pPr>
+            <a:r>
+              <a:rPr lang="en-US" dirty="0" smtClean="0"/>
+              <a:t>https://</a:t>
+            </a:r>
+            <a:r>
+              <a:rPr lang="en-US" dirty="0" err="1" smtClean="0"/>
+              <a:t>reactjs.org</a:t>
+            </a:r>
+            <a:r>
+              <a:rPr lang="en-US" dirty="0" smtClean="0"/>
+              <a:t>/tutorial/</a:t>
+            </a:r>
+            <a:r>
+              <a:rPr lang="en-US" dirty="0" err="1" smtClean="0"/>
+              <a:t>tutorial.html</a:t>
+            </a:r>
+            <a:r>
+              <a:rPr lang="en-US" dirty="0" smtClean="0"/>
+              <a:t> </a:t>
+            </a:r>
+            <a:r>
+              <a:rPr lang="zh-CN" altLang="en-US" dirty="0" smtClean="0"/>
+              <a:t>官方教程</a:t>
+            </a:r>
+            <a:endParaRPr lang="en-US" altLang="zh-CN" dirty="0" smtClean="0"/>
+          </a:p>
+          <a:p>
             <a:endParaRPr lang="en-US" dirty="0"/>
           </a:p>
         </p:txBody>
@@ -1555,7 +1631,7 @@
           <a:p>
             <a:fld id="{3A8071CD-55D8-0E40-9E87-5F5ADA6DF007}" type="slidenum">
               <a:rPr lang="en-US" smtClean="0"/>
-              <a:t>32</a:t>
+              <a:t>30</a:t>
             </a:fld>
             <a:endParaRPr lang="en-US"/>
           </a:p>
@@ -1564,7 +1640,7 @@
     </p:spTree>
     <p:extLst>
       <p:ext uri="{BB962C8B-B14F-4D97-AF65-F5344CB8AC3E}">
-        <p14:creationId xmlns:p14="http://schemas.microsoft.com/office/powerpoint/2010/main" val="1991582309"/>
+        <p14:creationId xmlns:p14="http://schemas.microsoft.com/office/powerpoint/2010/main" val="210574395"/>
       </p:ext>
     </p:extLst>
   </p:cSld>
@@ -1624,19 +1700,34 @@
             </a:r>
             <a:r>
               <a:rPr lang="en-US" dirty="0" err="1" smtClean="0"/>
-              <a:t>gtusername.gitbooks.io</a:t>
+              <a:t>reactjs.org</a:t>
             </a:r>
             <a:r>
               <a:rPr lang="en-US" dirty="0" smtClean="0"/>
-              <a:t>/study-notes/content/</a:t>
+              <a:t>/tutorial/</a:t>
             </a:r>
             <a:r>
               <a:rPr lang="en-US" dirty="0" err="1" smtClean="0"/>
-              <a:t>dva</a:t>
-            </a:r>
-            <a:r>
-              <a:rPr lang="en-US" smtClean="0"/>
-              <a:t>/dva%E7%9F%A5%E8%AF%86%E5%9C%B0%E5%9B%BE.html</a:t>
+              <a:t>tutorial.html</a:t>
+            </a:r>
+            <a:endParaRPr lang="en-US" dirty="0" smtClean="0"/>
+          </a:p>
+          <a:p>
+            <a:r>
+              <a:rPr lang="en-US" dirty="0" smtClean="0"/>
+              <a:t>https://</a:t>
+            </a:r>
+            <a:r>
+              <a:rPr lang="en-US" dirty="0" err="1" smtClean="0"/>
+              <a:t>discountry.github.io</a:t>
+            </a:r>
+            <a:r>
+              <a:rPr lang="en-US" dirty="0" smtClean="0"/>
+              <a:t>/react/tutorial/</a:t>
+            </a:r>
+            <a:r>
+              <a:rPr lang="en-US" dirty="0" err="1" smtClean="0"/>
+              <a:t>tutorial.html</a:t>
             </a:r>
             <a:endParaRPr lang="en-US" dirty="0"/>
           </a:p>
@@ -1659,7 +1750,7 @@
           <a:p>
             <a:fld id="{3A8071CD-55D8-0E40-9E87-5F5ADA6DF007}" type="slidenum">
               <a:rPr lang="en-US" smtClean="0"/>
-              <a:t>33</a:t>
+              <a:t>31</a:t>
             </a:fld>
             <a:endParaRPr lang="en-US"/>
           </a:p>
@@ -1668,7 +1759,7 @@
     </p:spTree>
     <p:extLst>
       <p:ext uri="{BB962C8B-B14F-4D97-AF65-F5344CB8AC3E}">
-        <p14:creationId xmlns:p14="http://schemas.microsoft.com/office/powerpoint/2010/main" val="1700764222"/>
+        <p14:creationId xmlns:p14="http://schemas.microsoft.com/office/powerpoint/2010/main" val="1767943556"/>
       </p:ext>
     </p:extLst>
   </p:cSld>
@@ -1728,27 +1819,43 @@
             </a:r>
             <a:r>
               <a:rPr lang="en-US" dirty="0" err="1" smtClean="0"/>
-              <a:t>toddmotto.com</a:t>
+              <a:t>redux.js.org</a:t>
             </a:r>
             <a:r>
               <a:rPr lang="en-US" dirty="0" smtClean="0"/>
-              <a:t>/walkthrough-to-migrate-an-angular-1-component-to-angular-2/#</a:t>
+              <a:t>/</a:t>
+            </a:r>
+          </a:p>
+          <a:p>
+            <a:r>
+              <a:rPr lang="en-US" dirty="0" smtClean="0"/>
+              <a:t>http://</a:t>
             </a:r>
             <a:r>
               <a:rPr lang="en-US" dirty="0" err="1" smtClean="0"/>
-              <a:t>angularjs</a:t>
+              <a:t>cn.redux.js.org</a:t>
             </a:r>
             <a:r>
               <a:rPr lang="en-US" dirty="0" smtClean="0"/>
-              <a:t>-</a:t>
+              <a:t>/</a:t>
+            </a:r>
+          </a:p>
+          <a:p>
+            <a:r>
+              <a:rPr lang="en-US" dirty="0" smtClean="0"/>
+              <a:t>http://</a:t>
             </a:r>
             <a:r>
               <a:rPr lang="en-US" dirty="0" err="1" smtClean="0"/>
-              <a:t>todo</a:t>
+              <a:t>www.ruanyifeng.com</a:t>
             </a:r>
             <a:r>
               <a:rPr lang="en-US" dirty="0" smtClean="0"/>
-              <a:t>-app</a:t>
+              <a:t>/blog/2016/09/</a:t>
+            </a:r>
+            <a:r>
+              <a:rPr lang="en-US" dirty="0" err="1" smtClean="0"/>
+              <a:t>redux_tutorial_part_one_basic_usages.html</a:t>
             </a:r>
             <a:endParaRPr lang="en-US" dirty="0"/>
           </a:p>
@@ -1771,7 +1878,7 @@
           <a:p>
             <a:fld id="{3A8071CD-55D8-0E40-9E87-5F5ADA6DF007}" type="slidenum">
               <a:rPr lang="en-US" smtClean="0"/>
-              <a:t>35</a:t>
+              <a:t>32</a:t>
             </a:fld>
             <a:endParaRPr lang="en-US"/>
           </a:p>
@@ -1780,7 +1887,7 @@
     </p:spTree>
     <p:extLst>
       <p:ext uri="{BB962C8B-B14F-4D97-AF65-F5344CB8AC3E}">
-        <p14:creationId xmlns:p14="http://schemas.microsoft.com/office/powerpoint/2010/main" val="871259949"/>
+        <p14:creationId xmlns:p14="http://schemas.microsoft.com/office/powerpoint/2010/main" val="1619371975"/>
       </p:ext>
     </p:extLst>
   </p:cSld>
@@ -1918,68 +2025,6 @@
           <a:bodyPr/>
           <a:lstStyle/>
           <a:p>
-            <a:pPr marL="228600" indent="-228600">
-              <a:buAutoNum type="arabicPeriod"/>
-            </a:pPr>
-            <a:r>
-              <a:rPr lang="en-US" altLang="zh-CN" dirty="0" smtClean="0"/>
-              <a:t>https://</a:t>
-            </a:r>
-            <a:r>
-              <a:rPr lang="en-US" altLang="zh-CN" dirty="0" err="1" smtClean="0"/>
-              <a:t>www.jianshu.com</a:t>
-            </a:r>
-            <a:r>
-              <a:rPr lang="en-US" altLang="zh-CN" dirty="0" smtClean="0"/>
-              <a:t>/p/9d89e6ee5e0c</a:t>
-            </a:r>
-          </a:p>
-          <a:p>
-            <a:pPr marL="228600" indent="-228600">
-              <a:buAutoNum type="arabicPeriod"/>
-            </a:pPr>
-            <a:r>
-              <a:rPr lang="en-US" dirty="0" smtClean="0"/>
-              <a:t>http://</a:t>
-            </a:r>
-            <a:r>
-              <a:rPr lang="en-US" dirty="0" err="1" smtClean="0"/>
-              <a:t>www.runoob.com</a:t>
-            </a:r>
-            <a:r>
-              <a:rPr lang="en-US" dirty="0" smtClean="0"/>
-              <a:t>/</a:t>
-            </a:r>
-            <a:r>
-              <a:rPr lang="en-US" dirty="0" err="1" smtClean="0"/>
-              <a:t>angularjs</a:t>
-            </a:r>
-            <a:r>
-              <a:rPr lang="en-US" dirty="0" smtClean="0"/>
-              <a:t>/</a:t>
-            </a:r>
-            <a:r>
-              <a:rPr lang="en-US" dirty="0" err="1" smtClean="0"/>
-              <a:t>angularjs-filters.html</a:t>
-            </a:r>
-            <a:endParaRPr lang="en-US" dirty="0" smtClean="0"/>
-          </a:p>
-          <a:p>
-            <a:pPr marL="228600" indent="-228600">
-              <a:buAutoNum type="arabicPeriod"/>
-            </a:pPr>
-            <a:r>
-              <a:rPr lang="en-US" dirty="0" smtClean="0"/>
-              <a:t>https://</a:t>
-            </a:r>
-            <a:r>
-              <a:rPr lang="en-US" dirty="0" err="1" smtClean="0"/>
-              <a:t>segmentfault.com</a:t>
-            </a:r>
-            <a:r>
-              <a:rPr lang="en-US" dirty="0" smtClean="0"/>
-              <a:t>/a/1190000003096933</a:t>
-            </a:r>
             <a:endParaRPr lang="en-US" dirty="0"/>
           </a:p>
         </p:txBody>
@@ -2001,7 +2046,7 @@
           <a:p>
             <a:fld id="{3A8071CD-55D8-0E40-9E87-5F5ADA6DF007}" type="slidenum">
               <a:rPr lang="en-US" smtClean="0"/>
-              <a:t>37</a:t>
+              <a:t>34</a:t>
             </a:fld>
             <a:endParaRPr lang="en-US"/>
           </a:p>
@@ -2010,7 +2055,7 @@
     </p:spTree>
     <p:extLst>
       <p:ext uri="{BB962C8B-B14F-4D97-AF65-F5344CB8AC3E}">
-        <p14:creationId xmlns:p14="http://schemas.microsoft.com/office/powerpoint/2010/main" val="242802037"/>
+        <p14:creationId xmlns:p14="http://schemas.microsoft.com/office/powerpoint/2010/main" val="1991582309"/>
       </p:ext>
     </p:extLst>
   </p:cSld>
@@ -2070,34 +2115,19 @@
             </a:r>
             <a:r>
               <a:rPr lang="en-US" dirty="0" err="1" smtClean="0"/>
-              <a:t>reactjs.org</a:t>
+              <a:t>gtusername.gitbooks.io</a:t>
             </a:r>
             <a:r>
               <a:rPr lang="en-US" dirty="0" smtClean="0"/>
-              <a:t>/tutorial/</a:t>
+              <a:t>/study-notes/content/</a:t>
             </a:r>
             <a:r>
               <a:rPr lang="en-US" dirty="0" err="1" smtClean="0"/>
-              <a:t>tutorial.html</a:t>
-            </a:r>
-            <a:endParaRPr lang="en-US" dirty="0" smtClean="0"/>
-          </a:p>
-          <a:p>
-            <a:r>
-              <a:rPr lang="en-US" dirty="0" smtClean="0"/>
-              <a:t>https://</a:t>
-            </a:r>
-            <a:r>
-              <a:rPr lang="en-US" dirty="0" err="1" smtClean="0"/>
-              <a:t>discountry.github.io</a:t>
-            </a:r>
-            <a:r>
-              <a:rPr lang="en-US" dirty="0" smtClean="0"/>
-              <a:t>/react/tutorial/</a:t>
-            </a:r>
-            <a:r>
-              <a:rPr lang="en-US" dirty="0" err="1" smtClean="0"/>
-              <a:t>tutorial.html</a:t>
+              <a:t>dva</a:t>
+            </a:r>
+            <a:r>
+              <a:rPr lang="en-US" smtClean="0"/>
+              <a:t>/dva%E7%9F%A5%E8%AF%86%E5%9C%B0%E5%9B%BE.html</a:t>
             </a:r>
             <a:endParaRPr lang="en-US" dirty="0"/>
           </a:p>
@@ -2120,7 +2150,7 @@
           <a:p>
             <a:fld id="{3A8071CD-55D8-0E40-9E87-5F5ADA6DF007}" type="slidenum">
               <a:rPr lang="en-US" smtClean="0"/>
-              <a:t>38</a:t>
+              <a:t>35</a:t>
             </a:fld>
             <a:endParaRPr lang="en-US"/>
           </a:p>
@@ -2129,7 +2159,7 @@
     </p:spTree>
     <p:extLst>
       <p:ext uri="{BB962C8B-B14F-4D97-AF65-F5344CB8AC3E}">
-        <p14:creationId xmlns:p14="http://schemas.microsoft.com/office/powerpoint/2010/main" val="244750481"/>
+        <p14:creationId xmlns:p14="http://schemas.microsoft.com/office/powerpoint/2010/main" val="1700764222"/>
       </p:ext>
     </p:extLst>
   </p:cSld>
@@ -2189,11 +2219,27 @@
             </a:r>
             <a:r>
               <a:rPr lang="en-US" dirty="0" err="1" smtClean="0"/>
-              <a:t>material.angularjs.org</a:t>
+              <a:t>toddmotto.com</a:t>
             </a:r>
             <a:r>
               <a:rPr lang="en-US" dirty="0" smtClean="0"/>
-              <a:t>/latest/</a:t>
+              <a:t>/walkthrough-to-migrate-an-angular-1-component-to-angular-2/#</a:t>
+            </a:r>
+            <a:r>
+              <a:rPr lang="en-US" dirty="0" err="1" smtClean="0"/>
+              <a:t>angularjs</a:t>
+            </a:r>
+            <a:r>
+              <a:rPr lang="en-US" dirty="0" smtClean="0"/>
+              <a:t>-</a:t>
+            </a:r>
+            <a:r>
+              <a:rPr lang="en-US" dirty="0" err="1" smtClean="0"/>
+              <a:t>todo</a:t>
+            </a:r>
+            <a:r>
+              <a:rPr lang="en-US" dirty="0" smtClean="0"/>
+              <a:t>-app</a:t>
             </a:r>
             <a:endParaRPr lang="en-US" dirty="0"/>
           </a:p>
@@ -2216,7 +2262,7 @@
           <a:p>
             <a:fld id="{3A8071CD-55D8-0E40-9E87-5F5ADA6DF007}" type="slidenum">
               <a:rPr lang="en-US" smtClean="0"/>
-              <a:t>39</a:t>
+              <a:t>37</a:t>
             </a:fld>
             <a:endParaRPr lang="en-US"/>
           </a:p>
@@ -2225,7 +2271,7 @@
     </p:spTree>
     <p:extLst>
       <p:ext uri="{BB962C8B-B14F-4D97-AF65-F5344CB8AC3E}">
-        <p14:creationId xmlns:p14="http://schemas.microsoft.com/office/powerpoint/2010/main" val="1680812851"/>
+        <p14:creationId xmlns:p14="http://schemas.microsoft.com/office/powerpoint/2010/main" val="871259949"/>
       </p:ext>
     </p:extLst>
   </p:cSld>
@@ -2279,13 +2325,33 @@
           <a:bodyPr/>
           <a:lstStyle/>
           <a:p>
+            <a:pPr marL="228600" indent="-228600">
+              <a:buAutoNum type="arabicPeriod"/>
+            </a:pPr>
+            <a:r>
+              <a:rPr lang="en-US" altLang="zh-CN" dirty="0" smtClean="0"/>
+              <a:t>https://</a:t>
+            </a:r>
+            <a:r>
+              <a:rPr lang="en-US" altLang="zh-CN" dirty="0" err="1" smtClean="0"/>
+              <a:t>www.jianshu.com</a:t>
+            </a:r>
+            <a:r>
+              <a:rPr lang="en-US" altLang="zh-CN" dirty="0" smtClean="0"/>
+              <a:t>/p/9d89e6ee5e0c</a:t>
+            </a:r>
+          </a:p>
+          <a:p>
+            <a:pPr marL="228600" indent="-228600">
+              <a:buAutoNum type="arabicPeriod"/>
+            </a:pPr>
             <a:r>
               <a:rPr lang="en-US" dirty="0" smtClean="0"/>
               <a:t>http://</a:t>
             </a:r>
             <a:r>
               <a:rPr lang="en-US" dirty="0" err="1" smtClean="0"/>
-              <a:t>blog.csdn.net</a:t>
+              <a:t>www.runoob.com</a:t>
             </a:r>
             <a:r>
               <a:rPr lang="en-US" dirty="0" smtClean="0"/>
@@ -2293,25 +2359,33 @@
             </a:r>
             <a:r>
               <a:rPr lang="en-US" dirty="0" err="1" smtClean="0"/>
-              <a:t>napolunyishi</a:t>
+              <a:t>angularjs</a:t>
             </a:r>
             <a:r>
               <a:rPr lang="en-US" dirty="0" smtClean="0"/>
-              <a:t>/article/details/51339006</a:t>
-            </a:r>
-          </a:p>
-          <a:p>
+              <a:t>/</a:t>
+            </a:r>
+            <a:r>
+              <a:rPr lang="en-US" dirty="0" err="1" smtClean="0"/>
+              <a:t>angularjs-filters.html</a:t>
+            </a:r>
+            <a:endParaRPr lang="en-US" dirty="0" smtClean="0"/>
+          </a:p>
+          <a:p>
+            <a:pPr marL="228600" indent="-228600">
+              <a:buAutoNum type="arabicPeriod"/>
+            </a:pPr>
             <a:r>
               <a:rPr lang="en-US" dirty="0" smtClean="0"/>
               <a:t>https://</a:t>
             </a:r>
             <a:r>
               <a:rPr lang="en-US" dirty="0" err="1" smtClean="0"/>
-              <a:t>godbasin.github.io</a:t>
+              <a:t>segmentfault.com</a:t>
             </a:r>
             <a:r>
               <a:rPr lang="en-US" dirty="0" smtClean="0"/>
-              <a:t>/2016/11/06/angular2-notes-8-rxjs-in-angular2/</a:t>
+              <a:t>/a/1190000003096933</a:t>
             </a:r>
             <a:endParaRPr lang="en-US" dirty="0"/>
           </a:p>
@@ -2334,7 +2408,7 @@
           <a:p>
             <a:fld id="{3A8071CD-55D8-0E40-9E87-5F5ADA6DF007}" type="slidenum">
               <a:rPr lang="en-US" smtClean="0"/>
-              <a:t>40</a:t>
+              <a:t>39</a:t>
             </a:fld>
             <a:endParaRPr lang="en-US"/>
           </a:p>
@@ -2343,7 +2417,7 @@
     </p:spTree>
     <p:extLst>
       <p:ext uri="{BB962C8B-B14F-4D97-AF65-F5344CB8AC3E}">
-        <p14:creationId xmlns:p14="http://schemas.microsoft.com/office/powerpoint/2010/main" val="1647544439"/>
+        <p14:creationId xmlns:p14="http://schemas.microsoft.com/office/powerpoint/2010/main" val="242802037"/>
       </p:ext>
     </p:extLst>
   </p:cSld>
@@ -2399,25 +2473,38 @@
           <a:p>
             <a:r>
               <a:rPr lang="en-US" dirty="0" smtClean="0"/>
-              <a:t>&lt;app-dashboard&gt;</a:t>
-            </a:r>
-            <a:r>
-              <a:rPr lang="en-US" baseline="0" dirty="0" smtClean="0"/>
-              <a:t> &lt;/app-dashboard&gt;</a:t>
-            </a:r>
-          </a:p>
-          <a:p>
-            <a:r>
-              <a:rPr lang="en-US" baseline="0" dirty="0" smtClean="0"/>
-              <a:t>&lt;div </a:t>
-            </a:r>
-            <a:r>
-              <a:rPr lang="en-US" baseline="0" dirty="0" err="1" smtClean="0"/>
-              <a:t>ngIf</a:t>
-            </a:r>
-            <a:r>
-              <a:rPr lang="en-US" baseline="0" dirty="0" smtClean="0"/>
-              <a:t> /&gt;</a:t>
+              <a:t>https://</a:t>
+            </a:r>
+            <a:r>
+              <a:rPr lang="en-US" dirty="0" err="1" smtClean="0"/>
+              <a:t>reactjs.org</a:t>
+            </a:r>
+            <a:r>
+              <a:rPr lang="en-US" dirty="0" smtClean="0"/>
+              <a:t>/tutorial/</a:t>
+            </a:r>
+            <a:r>
+              <a:rPr lang="en-US" dirty="0" err="1" smtClean="0"/>
+              <a:t>tutorial.html</a:t>
+            </a:r>
+            <a:endParaRPr lang="en-US" dirty="0" smtClean="0"/>
+          </a:p>
+          <a:p>
+            <a:r>
+              <a:rPr lang="en-US" dirty="0" smtClean="0"/>
+              <a:t>https://</a:t>
+            </a:r>
+            <a:r>
+              <a:rPr lang="en-US" dirty="0" err="1" smtClean="0"/>
+              <a:t>discountry.github.io</a:t>
+            </a:r>
+            <a:r>
+              <a:rPr lang="en-US" dirty="0" smtClean="0"/>
+              <a:t>/react/tutorial/</a:t>
+            </a:r>
+            <a:r>
+              <a:rPr lang="en-US" dirty="0" err="1" smtClean="0"/>
+              <a:t>tutorial.html</a:t>
             </a:r>
             <a:endParaRPr lang="en-US" dirty="0"/>
           </a:p>
@@ -2440,7 +2527,7 @@
           <a:p>
             <a:fld id="{3A8071CD-55D8-0E40-9E87-5F5ADA6DF007}" type="slidenum">
               <a:rPr lang="en-US" smtClean="0"/>
-              <a:t>42</a:t>
+              <a:t>40</a:t>
             </a:fld>
             <a:endParaRPr lang="en-US"/>
           </a:p>
@@ -2449,7 +2536,7 @@
     </p:spTree>
     <p:extLst>
       <p:ext uri="{BB962C8B-B14F-4D97-AF65-F5344CB8AC3E}">
-        <p14:creationId xmlns:p14="http://schemas.microsoft.com/office/powerpoint/2010/main" val="1278079413"/>
+        <p14:creationId xmlns:p14="http://schemas.microsoft.com/office/powerpoint/2010/main" val="244750481"/>
       </p:ext>
     </p:extLst>
   </p:cSld>
@@ -2509,25 +2596,11 @@
             </a:r>
             <a:r>
               <a:rPr lang="en-US" dirty="0" err="1" smtClean="0"/>
-              <a:t>stackoverflow.com</a:t>
+              <a:t>material.angularjs.org</a:t>
             </a:r>
             <a:r>
               <a:rPr lang="en-US" dirty="0" smtClean="0"/>
-              <a:t>/questions/35944749/what-is-the-difference-between-parentheses-brackets-and-asterisks-in-angular2</a:t>
-            </a:r>
-          </a:p>
-          <a:p>
-            <a:r>
-              <a:rPr lang="tr-TR" dirty="0" smtClean="0"/>
-              <a:t>http://</a:t>
-            </a:r>
-            <a:r>
-              <a:rPr lang="tr-TR" dirty="0" err="1" smtClean="0"/>
-              <a:t>chonger.org</a:t>
-            </a:r>
-            <a:r>
-              <a:rPr lang="tr-TR" dirty="0" smtClean="0"/>
-              <a:t>/2017/08/09/20170809212600.html</a:t>
+              <a:t>/latest/</a:t>
             </a:r>
             <a:endParaRPr lang="en-US" dirty="0"/>
           </a:p>
@@ -2550,7 +2623,7 @@
           <a:p>
             <a:fld id="{3A8071CD-55D8-0E40-9E87-5F5ADA6DF007}" type="slidenum">
               <a:rPr lang="en-US" smtClean="0"/>
-              <a:t>43</a:t>
+              <a:t>41</a:t>
             </a:fld>
             <a:endParaRPr lang="en-US"/>
           </a:p>
@@ -2559,7 +2632,7 @@
     </p:spTree>
     <p:extLst>
       <p:ext uri="{BB962C8B-B14F-4D97-AF65-F5344CB8AC3E}">
-        <p14:creationId xmlns:p14="http://schemas.microsoft.com/office/powerpoint/2010/main" val="93799393"/>
+        <p14:creationId xmlns:p14="http://schemas.microsoft.com/office/powerpoint/2010/main" val="1680812851"/>
       </p:ext>
     </p:extLst>
   </p:cSld>
@@ -2613,6 +2686,40 @@
           <a:bodyPr/>
           <a:lstStyle/>
           <a:p>
+            <a:r>
+              <a:rPr lang="en-US" dirty="0" smtClean="0"/>
+              <a:t>http://</a:t>
+            </a:r>
+            <a:r>
+              <a:rPr lang="en-US" dirty="0" err="1" smtClean="0"/>
+              <a:t>blog.csdn.net</a:t>
+            </a:r>
+            <a:r>
+              <a:rPr lang="en-US" dirty="0" smtClean="0"/>
+              <a:t>/</a:t>
+            </a:r>
+            <a:r>
+              <a:rPr lang="en-US" dirty="0" err="1" smtClean="0"/>
+              <a:t>napolunyishi</a:t>
+            </a:r>
+            <a:r>
+              <a:rPr lang="en-US" dirty="0" smtClean="0"/>
+              <a:t>/article/details/51339006</a:t>
+            </a:r>
+          </a:p>
+          <a:p>
+            <a:r>
+              <a:rPr lang="en-US" dirty="0" smtClean="0"/>
+              <a:t>https://</a:t>
+            </a:r>
+            <a:r>
+              <a:rPr lang="en-US" dirty="0" err="1" smtClean="0"/>
+              <a:t>godbasin.github.io</a:t>
+            </a:r>
+            <a:r>
+              <a:rPr lang="en-US" dirty="0" smtClean="0"/>
+              <a:t>/2016/11/06/angular2-notes-8-rxjs-in-angular2/</a:t>
+            </a:r>
             <a:endParaRPr lang="en-US" dirty="0"/>
           </a:p>
         </p:txBody>
@@ -2634,7 +2741,7 @@
           <a:p>
             <a:fld id="{3A8071CD-55D8-0E40-9E87-5F5ADA6DF007}" type="slidenum">
               <a:rPr lang="en-US" smtClean="0"/>
-              <a:t>45</a:t>
+              <a:t>42</a:t>
             </a:fld>
             <a:endParaRPr lang="en-US"/>
           </a:p>
@@ -2643,7 +2750,7 @@
     </p:spTree>
     <p:extLst>
       <p:ext uri="{BB962C8B-B14F-4D97-AF65-F5344CB8AC3E}">
-        <p14:creationId xmlns:p14="http://schemas.microsoft.com/office/powerpoint/2010/main" val="1547042826"/>
+        <p14:creationId xmlns:p14="http://schemas.microsoft.com/office/powerpoint/2010/main" val="1647544439"/>
       </p:ext>
     </p:extLst>
   </p:cSld>
@@ -2697,6 +2804,28 @@
           <a:bodyPr/>
           <a:lstStyle/>
           <a:p>
+            <a:r>
+              <a:rPr lang="en-US" dirty="0" smtClean="0"/>
+              <a:t>&lt;app-dashboard&gt;</a:t>
+            </a:r>
+            <a:r>
+              <a:rPr lang="en-US" baseline="0" dirty="0" smtClean="0"/>
+              <a:t> &lt;/app-dashboard&gt;</a:t>
+            </a:r>
+          </a:p>
+          <a:p>
+            <a:r>
+              <a:rPr lang="en-US" baseline="0" dirty="0" smtClean="0"/>
+              <a:t>&lt;div </a:t>
+            </a:r>
+            <a:r>
+              <a:rPr lang="en-US" baseline="0" dirty="0" err="1" smtClean="0"/>
+              <a:t>ngIf</a:t>
+            </a:r>
+            <a:r>
+              <a:rPr lang="en-US" baseline="0" dirty="0" smtClean="0"/>
+              <a:t> /&gt;</a:t>
+            </a:r>
             <a:endParaRPr lang="en-US" dirty="0"/>
           </a:p>
         </p:txBody>
@@ -2718,7 +2847,7 @@
           <a:p>
             <a:fld id="{3A8071CD-55D8-0E40-9E87-5F5ADA6DF007}" type="slidenum">
               <a:rPr lang="en-US" smtClean="0"/>
-              <a:t>46</a:t>
+              <a:t>44</a:t>
             </a:fld>
             <a:endParaRPr lang="en-US"/>
           </a:p>
@@ -2727,7 +2856,7 @@
     </p:spTree>
     <p:extLst>
       <p:ext uri="{BB962C8B-B14F-4D97-AF65-F5344CB8AC3E}">
-        <p14:creationId xmlns:p14="http://schemas.microsoft.com/office/powerpoint/2010/main" val="800191084"/>
+        <p14:creationId xmlns:p14="http://schemas.microsoft.com/office/powerpoint/2010/main" val="1278079413"/>
       </p:ext>
     </p:extLst>
   </p:cSld>
@@ -2787,30 +2916,25 @@
             </a:r>
             <a:r>
               <a:rPr lang="en-US" dirty="0" err="1" smtClean="0"/>
-              <a:t>pro.ant.design</a:t>
+              <a:t>stackoverflow.com</a:t>
             </a:r>
             <a:r>
               <a:rPr lang="en-US" dirty="0" smtClean="0"/>
-              <a:t>/docs/getting-started-</a:t>
-            </a:r>
-            <a:r>
-              <a:rPr lang="en-US" dirty="0" err="1" smtClean="0"/>
-              <a:t>cn</a:t>
-            </a:r>
-            <a:endParaRPr lang="en-US" dirty="0" smtClean="0"/>
-          </a:p>
-          <a:p>
-            <a:r>
-              <a:rPr lang="en-US" dirty="0" smtClean="0"/>
-              <a:t>https://</a:t>
-            </a:r>
-            <a:r>
-              <a:rPr lang="en-US" dirty="0" err="1" smtClean="0"/>
-              <a:t>github.com</a:t>
-            </a:r>
-            <a:r>
-              <a:rPr lang="en-US" dirty="0" smtClean="0"/>
-              <a:t>/ant-design/ant-design-pro</a:t>
+              <a:t>/questions/35944749/what-is-the-difference-between-parentheses-brackets-and-asterisks-in-angular2</a:t>
+            </a:r>
+          </a:p>
+          <a:p>
+            <a:r>
+              <a:rPr lang="tr-TR" dirty="0" smtClean="0"/>
+              <a:t>http://</a:t>
+            </a:r>
+            <a:r>
+              <a:rPr lang="tr-TR" dirty="0" err="1" smtClean="0"/>
+              <a:t>chonger.org</a:t>
+            </a:r>
+            <a:r>
+              <a:rPr lang="tr-TR" dirty="0" smtClean="0"/>
+              <a:t>/2017/08/09/20170809212600.html</a:t>
             </a:r>
             <a:endParaRPr lang="en-US" dirty="0"/>
           </a:p>
@@ -2833,7 +2957,7 @@
           <a:p>
             <a:fld id="{3A8071CD-55D8-0E40-9E87-5F5ADA6DF007}" type="slidenum">
               <a:rPr lang="en-US" smtClean="0"/>
-              <a:t>48</a:t>
+              <a:t>45</a:t>
             </a:fld>
             <a:endParaRPr lang="en-US"/>
           </a:p>
@@ -2842,7 +2966,7 @@
     </p:spTree>
     <p:extLst>
       <p:ext uri="{BB962C8B-B14F-4D97-AF65-F5344CB8AC3E}">
-        <p14:creationId xmlns:p14="http://schemas.microsoft.com/office/powerpoint/2010/main" val="1944223527"/>
+        <p14:creationId xmlns:p14="http://schemas.microsoft.com/office/powerpoint/2010/main" val="93799393"/>
       </p:ext>
     </p:extLst>
   </p:cSld>
@@ -2896,30 +3020,6 @@
           <a:bodyPr/>
           <a:lstStyle/>
           <a:p>
-            <a:r>
-              <a:rPr lang="mr-IN" dirty="0" err="1" smtClean="0"/>
-              <a:t>https</a:t>
-            </a:r>
-            <a:r>
-              <a:rPr lang="mr-IN" dirty="0" smtClean="0"/>
-              <a:t>://</a:t>
-            </a:r>
-            <a:r>
-              <a:rPr lang="mr-IN" dirty="0" err="1" smtClean="0"/>
-              <a:t>www.simpletense.com</a:t>
-            </a:r>
-            <a:r>
-              <a:rPr lang="mr-IN" dirty="0" smtClean="0"/>
-              <a:t>/</a:t>
-            </a:r>
-            <a:r>
-              <a:rPr lang="mr-IN" dirty="0" err="1" smtClean="0"/>
-              <a:t>blog</a:t>
-            </a:r>
-            <a:r>
-              <a:rPr lang="mr-IN" dirty="0" smtClean="0"/>
-              <a:t>/%E5%8C%97%E7%BE%8E%E6%B1%82%E8%81%8C-%E5%A6%82%E4%BD%95%E5%86%99%E5%A5%BDresume/</a:t>
-            </a:r>
             <a:endParaRPr lang="en-US" dirty="0"/>
           </a:p>
         </p:txBody>
@@ -2941,7 +3041,7 @@
           <a:p>
             <a:fld id="{3A8071CD-55D8-0E40-9E87-5F5ADA6DF007}" type="slidenum">
               <a:rPr lang="en-US" smtClean="0"/>
-              <a:t>53</a:t>
+              <a:t>47</a:t>
             </a:fld>
             <a:endParaRPr lang="en-US"/>
           </a:p>
@@ -2950,7 +3050,7 @@
     </p:spTree>
     <p:extLst>
       <p:ext uri="{BB962C8B-B14F-4D97-AF65-F5344CB8AC3E}">
-        <p14:creationId xmlns:p14="http://schemas.microsoft.com/office/powerpoint/2010/main" val="1456179657"/>
+        <p14:creationId xmlns:p14="http://schemas.microsoft.com/office/powerpoint/2010/main" val="1547042826"/>
       </p:ext>
     </p:extLst>
   </p:cSld>
@@ -3071,6 +3171,313 @@
     <p:extLst>
       <p:ext uri="{BB962C8B-B14F-4D97-AF65-F5344CB8AC3E}">
         <p14:creationId xmlns:p14="http://schemas.microsoft.com/office/powerpoint/2010/main" val="319367657"/>
+      </p:ext>
+    </p:extLst>
+  </p:cSld>
+  <p:clrMapOvr>
+    <a:masterClrMapping/>
+  </p:clrMapOvr>
+</p:notes>
+</file>
+
+<file path=ppt/notesSlides/notesSlide30.xml><?xml version="1.0" encoding="utf-8"?>
+<p:notes xmlns:a="http://schemas.openxmlformats.org/drawingml/2006/main" xmlns:r="http://schemas.openxmlformats.org/officeDocument/2006/relationships" xmlns:p="http://schemas.openxmlformats.org/presentationml/2006/main">
+  <p:cSld>
+    <p:spTree>
+      <p:nvGrpSpPr>
+        <p:cNvPr id="1" name=""/>
+        <p:cNvGrpSpPr/>
+        <p:nvPr/>
+      </p:nvGrpSpPr>
+      <p:grpSpPr>
+        <a:xfrm>
+          <a:off x="0" y="0"/>
+          <a:ext cx="0" cy="0"/>
+          <a:chOff x="0" y="0"/>
+          <a:chExt cx="0" cy="0"/>
+        </a:xfrm>
+      </p:grpSpPr>
+      <p:sp>
+        <p:nvSpPr>
+          <p:cNvPr id="2" name="Slide Image Placeholder 1"/>
+          <p:cNvSpPr>
+            <a:spLocks noGrp="1" noRot="1" noChangeAspect="1"/>
+          </p:cNvSpPr>
+          <p:nvPr>
+            <p:ph type="sldImg"/>
+          </p:nvPr>
+        </p:nvSpPr>
+        <p:spPr/>
+      </p:sp>
+      <p:sp>
+        <p:nvSpPr>
+          <p:cNvPr id="3" name="Notes Placeholder 2"/>
+          <p:cNvSpPr>
+            <a:spLocks noGrp="1"/>
+          </p:cNvSpPr>
+          <p:nvPr>
+            <p:ph type="body" idx="1"/>
+          </p:nvPr>
+        </p:nvSpPr>
+        <p:spPr/>
+        <p:txBody>
+          <a:bodyPr/>
+          <a:lstStyle/>
+          <a:p>
+            <a:endParaRPr lang="en-US" dirty="0"/>
+          </a:p>
+        </p:txBody>
+      </p:sp>
+      <p:sp>
+        <p:nvSpPr>
+          <p:cNvPr id="4" name="Slide Number Placeholder 3"/>
+          <p:cNvSpPr>
+            <a:spLocks noGrp="1"/>
+          </p:cNvSpPr>
+          <p:nvPr>
+            <p:ph type="sldNum" sz="quarter" idx="10"/>
+          </p:nvPr>
+        </p:nvSpPr>
+        <p:spPr/>
+        <p:txBody>
+          <a:bodyPr/>
+          <a:lstStyle/>
+          <a:p>
+            <a:fld id="{3A8071CD-55D8-0E40-9E87-5F5ADA6DF007}" type="slidenum">
+              <a:rPr lang="en-US" smtClean="0"/>
+              <a:t>48</a:t>
+            </a:fld>
+            <a:endParaRPr lang="en-US"/>
+          </a:p>
+        </p:txBody>
+      </p:sp>
+    </p:spTree>
+    <p:extLst>
+      <p:ext uri="{BB962C8B-B14F-4D97-AF65-F5344CB8AC3E}">
+        <p14:creationId xmlns:p14="http://schemas.microsoft.com/office/powerpoint/2010/main" val="800191084"/>
+      </p:ext>
+    </p:extLst>
+  </p:cSld>
+  <p:clrMapOvr>
+    <a:masterClrMapping/>
+  </p:clrMapOvr>
+</p:notes>
+</file>
+
+<file path=ppt/notesSlides/notesSlide31.xml><?xml version="1.0" encoding="utf-8"?>
+<p:notes xmlns:a="http://schemas.openxmlformats.org/drawingml/2006/main" xmlns:r="http://schemas.openxmlformats.org/officeDocument/2006/relationships" xmlns:p="http://schemas.openxmlformats.org/presentationml/2006/main">
+  <p:cSld>
+    <p:spTree>
+      <p:nvGrpSpPr>
+        <p:cNvPr id="1" name=""/>
+        <p:cNvGrpSpPr/>
+        <p:nvPr/>
+      </p:nvGrpSpPr>
+      <p:grpSpPr>
+        <a:xfrm>
+          <a:off x="0" y="0"/>
+          <a:ext cx="0" cy="0"/>
+          <a:chOff x="0" y="0"/>
+          <a:chExt cx="0" cy="0"/>
+        </a:xfrm>
+      </p:grpSpPr>
+      <p:sp>
+        <p:nvSpPr>
+          <p:cNvPr id="2" name="Slide Image Placeholder 1"/>
+          <p:cNvSpPr>
+            <a:spLocks noGrp="1" noRot="1" noChangeAspect="1"/>
+          </p:cNvSpPr>
+          <p:nvPr>
+            <p:ph type="sldImg"/>
+          </p:nvPr>
+        </p:nvSpPr>
+        <p:spPr/>
+      </p:sp>
+      <p:sp>
+        <p:nvSpPr>
+          <p:cNvPr id="3" name="Notes Placeholder 2"/>
+          <p:cNvSpPr>
+            <a:spLocks noGrp="1"/>
+          </p:cNvSpPr>
+          <p:nvPr>
+            <p:ph type="body" idx="1"/>
+          </p:nvPr>
+        </p:nvSpPr>
+        <p:spPr/>
+        <p:txBody>
+          <a:bodyPr/>
+          <a:lstStyle/>
+          <a:p>
+            <a:r>
+              <a:rPr lang="en-US" dirty="0" smtClean="0"/>
+              <a:t>https://</a:t>
+            </a:r>
+            <a:r>
+              <a:rPr lang="en-US" dirty="0" err="1" smtClean="0"/>
+              <a:t>pro.ant.design</a:t>
+            </a:r>
+            <a:r>
+              <a:rPr lang="en-US" dirty="0" smtClean="0"/>
+              <a:t>/docs/getting-started-</a:t>
+            </a:r>
+            <a:r>
+              <a:rPr lang="en-US" dirty="0" err="1" smtClean="0"/>
+              <a:t>cn</a:t>
+            </a:r>
+            <a:endParaRPr lang="en-US" dirty="0" smtClean="0"/>
+          </a:p>
+          <a:p>
+            <a:r>
+              <a:rPr lang="en-US" dirty="0" smtClean="0"/>
+              <a:t>https://</a:t>
+            </a:r>
+            <a:r>
+              <a:rPr lang="en-US" dirty="0" err="1" smtClean="0"/>
+              <a:t>github.com</a:t>
+            </a:r>
+            <a:r>
+              <a:rPr lang="en-US" dirty="0" smtClean="0"/>
+              <a:t>/ant-design/ant-design-pro</a:t>
+            </a:r>
+            <a:endParaRPr lang="en-US" dirty="0"/>
+          </a:p>
+        </p:txBody>
+      </p:sp>
+      <p:sp>
+        <p:nvSpPr>
+          <p:cNvPr id="4" name="Slide Number Placeholder 3"/>
+          <p:cNvSpPr>
+            <a:spLocks noGrp="1"/>
+          </p:cNvSpPr>
+          <p:nvPr>
+            <p:ph type="sldNum" sz="quarter" idx="10"/>
+          </p:nvPr>
+        </p:nvSpPr>
+        <p:spPr/>
+        <p:txBody>
+          <a:bodyPr/>
+          <a:lstStyle/>
+          <a:p>
+            <a:fld id="{3A8071CD-55D8-0E40-9E87-5F5ADA6DF007}" type="slidenum">
+              <a:rPr lang="en-US" smtClean="0"/>
+              <a:t>50</a:t>
+            </a:fld>
+            <a:endParaRPr lang="en-US"/>
+          </a:p>
+        </p:txBody>
+      </p:sp>
+    </p:spTree>
+    <p:extLst>
+      <p:ext uri="{BB962C8B-B14F-4D97-AF65-F5344CB8AC3E}">
+        <p14:creationId xmlns:p14="http://schemas.microsoft.com/office/powerpoint/2010/main" val="1944223527"/>
+      </p:ext>
+    </p:extLst>
+  </p:cSld>
+  <p:clrMapOvr>
+    <a:masterClrMapping/>
+  </p:clrMapOvr>
+</p:notes>
+</file>
+
+<file path=ppt/notesSlides/notesSlide32.xml><?xml version="1.0" encoding="utf-8"?>
+<p:notes xmlns:a="http://schemas.openxmlformats.org/drawingml/2006/main" xmlns:r="http://schemas.openxmlformats.org/officeDocument/2006/relationships" xmlns:p="http://schemas.openxmlformats.org/presentationml/2006/main">
+  <p:cSld>
+    <p:spTree>
+      <p:nvGrpSpPr>
+        <p:cNvPr id="1" name=""/>
+        <p:cNvGrpSpPr/>
+        <p:nvPr/>
+      </p:nvGrpSpPr>
+      <p:grpSpPr>
+        <a:xfrm>
+          <a:off x="0" y="0"/>
+          <a:ext cx="0" cy="0"/>
+          <a:chOff x="0" y="0"/>
+          <a:chExt cx="0" cy="0"/>
+        </a:xfrm>
+      </p:grpSpPr>
+      <p:sp>
+        <p:nvSpPr>
+          <p:cNvPr id="2" name="Slide Image Placeholder 1"/>
+          <p:cNvSpPr>
+            <a:spLocks noGrp="1" noRot="1" noChangeAspect="1"/>
+          </p:cNvSpPr>
+          <p:nvPr>
+            <p:ph type="sldImg"/>
+          </p:nvPr>
+        </p:nvSpPr>
+        <p:spPr/>
+      </p:sp>
+      <p:sp>
+        <p:nvSpPr>
+          <p:cNvPr id="3" name="Notes Placeholder 2"/>
+          <p:cNvSpPr>
+            <a:spLocks noGrp="1"/>
+          </p:cNvSpPr>
+          <p:nvPr>
+            <p:ph type="body" idx="1"/>
+          </p:nvPr>
+        </p:nvSpPr>
+        <p:spPr/>
+        <p:txBody>
+          <a:bodyPr/>
+          <a:lstStyle/>
+          <a:p>
+            <a:r>
+              <a:rPr lang="mr-IN" dirty="0" err="1" smtClean="0"/>
+              <a:t>https</a:t>
+            </a:r>
+            <a:r>
+              <a:rPr lang="mr-IN" dirty="0" smtClean="0"/>
+              <a:t>://</a:t>
+            </a:r>
+            <a:r>
+              <a:rPr lang="mr-IN" dirty="0" err="1" smtClean="0"/>
+              <a:t>www.simpletense.com</a:t>
+            </a:r>
+            <a:r>
+              <a:rPr lang="mr-IN" dirty="0" smtClean="0"/>
+              <a:t>/</a:t>
+            </a:r>
+            <a:r>
+              <a:rPr lang="mr-IN" dirty="0" err="1" smtClean="0"/>
+              <a:t>blog</a:t>
+            </a:r>
+            <a:r>
+              <a:rPr lang="mr-IN" dirty="0" smtClean="0"/>
+              <a:t>/%E5%8C%97%E7%BE%8E%E6%B1%82%E8%81%8C-%E5%A6%82%E4%BD%95%E5%86%99%E5%A5%BDresume/</a:t>
+            </a:r>
+            <a:endParaRPr lang="en-US" dirty="0"/>
+          </a:p>
+        </p:txBody>
+      </p:sp>
+      <p:sp>
+        <p:nvSpPr>
+          <p:cNvPr id="4" name="Slide Number Placeholder 3"/>
+          <p:cNvSpPr>
+            <a:spLocks noGrp="1"/>
+          </p:cNvSpPr>
+          <p:nvPr>
+            <p:ph type="sldNum" sz="quarter" idx="10"/>
+          </p:nvPr>
+        </p:nvSpPr>
+        <p:spPr/>
+        <p:txBody>
+          <a:bodyPr/>
+          <a:lstStyle/>
+          <a:p>
+            <a:fld id="{3A8071CD-55D8-0E40-9E87-5F5ADA6DF007}" type="slidenum">
+              <a:rPr lang="en-US" smtClean="0"/>
+              <a:t>55</a:t>
+            </a:fld>
+            <a:endParaRPr lang="en-US"/>
+          </a:p>
+        </p:txBody>
+      </p:sp>
+    </p:spTree>
+    <p:extLst>
+      <p:ext uri="{BB962C8B-B14F-4D97-AF65-F5344CB8AC3E}">
+        <p14:creationId xmlns:p14="http://schemas.microsoft.com/office/powerpoint/2010/main" val="1456179657"/>
       </p:ext>
     </p:extLst>
   </p:cSld>
@@ -3651,7 +4058,27 @@
           <a:p>
             <a:r>
               <a:rPr lang="en-US" dirty="0" smtClean="0"/>
-              <a:t>http://es6.ruanyifeng.com/</a:t>
+              <a:t>https://</a:t>
+            </a:r>
+            <a:r>
+              <a:rPr lang="en-US" dirty="0" err="1" smtClean="0"/>
+              <a:t>developer.mozilla.org</a:t>
+            </a:r>
+            <a:r>
+              <a:rPr lang="en-US" dirty="0" smtClean="0"/>
+              <a:t>/</a:t>
+            </a:r>
+            <a:r>
+              <a:rPr lang="en-US" dirty="0" err="1" smtClean="0"/>
+              <a:t>zh</a:t>
+            </a:r>
+            <a:r>
+              <a:rPr lang="en-US" dirty="0" smtClean="0"/>
+              <a:t>-CN/docs/Web/JavaScript/</a:t>
+            </a:r>
+            <a:r>
+              <a:rPr lang="en-US" dirty="0" err="1" smtClean="0"/>
+              <a:t>A_re-introduction_to_JavaScript</a:t>
             </a:r>
             <a:endParaRPr lang="en-US" dirty="0"/>
           </a:p>
@@ -3674,7 +4101,7 @@
           <a:p>
             <a:fld id="{3A8071CD-55D8-0E40-9E87-5F5ADA6DF007}" type="slidenum">
               <a:rPr lang="en-US" smtClean="0"/>
-              <a:t>22</a:t>
+              <a:t>21</a:t>
             </a:fld>
             <a:endParaRPr lang="en-US"/>
           </a:p>
@@ -3683,7 +4110,7 @@
     </p:spTree>
     <p:extLst>
       <p:ext uri="{BB962C8B-B14F-4D97-AF65-F5344CB8AC3E}">
-        <p14:creationId xmlns:p14="http://schemas.microsoft.com/office/powerpoint/2010/main" val="442908588"/>
+        <p14:creationId xmlns:p14="http://schemas.microsoft.com/office/powerpoint/2010/main" val="1944201183"/>
       </p:ext>
     </p:extLst>
   </p:cSld>
@@ -3864,7 +4291,7 @@
             <a:fld id="{B61BEF0D-F0BB-DE4B-95CE-6DB70DBA9567}" type="datetimeFigureOut">
               <a:rPr lang="en-US" smtClean="0"/>
               <a:pPr/>
-              <a:t>6/12/18</a:t>
+              <a:t>6/15/18</a:t>
             </a:fld>
             <a:endParaRPr lang="en-US" dirty="0"/>
           </a:p>
@@ -4138,7 +4565,7 @@
             <a:fld id="{B61BEF0D-F0BB-DE4B-95CE-6DB70DBA9567}" type="datetimeFigureOut">
               <a:rPr lang="en-US" smtClean="0"/>
               <a:pPr/>
-              <a:t>6/12/18</a:t>
+              <a:t>6/15/18</a:t>
             </a:fld>
             <a:endParaRPr lang="en-US" dirty="0"/>
           </a:p>
@@ -4371,7 +4798,7 @@
             <a:fld id="{B61BEF0D-F0BB-DE4B-95CE-6DB70DBA9567}" type="datetimeFigureOut">
               <a:rPr lang="en-US" smtClean="0"/>
               <a:pPr/>
-              <a:t>6/12/18</a:t>
+              <a:t>6/15/18</a:t>
             </a:fld>
             <a:endParaRPr lang="en-US" dirty="0"/>
           </a:p>
@@ -4683,7 +5110,7 @@
             <a:fld id="{B61BEF0D-F0BB-DE4B-95CE-6DB70DBA9567}" type="datetimeFigureOut">
               <a:rPr lang="en-US" smtClean="0"/>
               <a:pPr/>
-              <a:t>6/12/18</a:t>
+              <a:t>6/15/18</a:t>
             </a:fld>
             <a:endParaRPr lang="en-US" dirty="0"/>
           </a:p>
@@ -5158,7 +5585,7 @@
             <a:fld id="{B61BEF0D-F0BB-DE4B-95CE-6DB70DBA9567}" type="datetimeFigureOut">
               <a:rPr lang="en-US" smtClean="0"/>
               <a:pPr/>
-              <a:t>6/12/18</a:t>
+              <a:t>6/15/18</a:t>
             </a:fld>
             <a:endParaRPr lang="en-US" dirty="0"/>
           </a:p>
@@ -5707,7 +6134,7 @@
             <a:fld id="{B61BEF0D-F0BB-DE4B-95CE-6DB70DBA9567}" type="datetimeFigureOut">
               <a:rPr lang="en-US" smtClean="0"/>
               <a:pPr/>
-              <a:t>6/12/18</a:t>
+              <a:t>6/15/18</a:t>
             </a:fld>
             <a:endParaRPr lang="en-US" dirty="0"/>
           </a:p>
@@ -6483,7 +6910,7 @@
             <a:fld id="{B61BEF0D-F0BB-DE4B-95CE-6DB70DBA9567}" type="datetimeFigureOut">
               <a:rPr lang="en-US" smtClean="0"/>
               <a:pPr/>
-              <a:t>6/12/18</a:t>
+              <a:t>6/15/18</a:t>
             </a:fld>
             <a:endParaRPr lang="en-US" dirty="0"/>
           </a:p>
@@ -6660,7 +7087,7 @@
             <a:fld id="{B61BEF0D-F0BB-DE4B-95CE-6DB70DBA9567}" type="datetimeFigureOut">
               <a:rPr lang="en-US" smtClean="0"/>
               <a:pPr/>
-              <a:t>6/12/18</a:t>
+              <a:t>6/15/18</a:t>
             </a:fld>
             <a:endParaRPr lang="en-US" dirty="0"/>
           </a:p>
@@ -6885,7 +7312,7 @@
             <a:fld id="{B61BEF0D-F0BB-DE4B-95CE-6DB70DBA9567}" type="datetimeFigureOut">
               <a:rPr lang="en-US" smtClean="0"/>
               <a:pPr/>
-              <a:t>6/12/18</a:t>
+              <a:t>6/15/18</a:t>
             </a:fld>
             <a:endParaRPr lang="en-US" dirty="0"/>
           </a:p>
@@ -7072,7 +7499,7 @@
             <a:fld id="{B61BEF0D-F0BB-DE4B-95CE-6DB70DBA9567}" type="datetimeFigureOut">
               <a:rPr lang="en-US" smtClean="0"/>
               <a:pPr/>
-              <a:t>6/12/18</a:t>
+              <a:t>6/15/18</a:t>
             </a:fld>
             <a:endParaRPr lang="en-US" dirty="0"/>
           </a:p>
@@ -7363,7 +7790,7 @@
             <a:fld id="{B61BEF0D-F0BB-DE4B-95CE-6DB70DBA9567}" type="datetimeFigureOut">
               <a:rPr lang="en-US" smtClean="0"/>
               <a:pPr/>
-              <a:t>6/12/18</a:t>
+              <a:t>6/15/18</a:t>
             </a:fld>
             <a:endParaRPr lang="en-US" dirty="0"/>
           </a:p>
@@ -7612,7 +8039,7 @@
             <a:fld id="{B61BEF0D-F0BB-DE4B-95CE-6DB70DBA9567}" type="datetimeFigureOut">
               <a:rPr lang="en-US" smtClean="0"/>
               <a:pPr/>
-              <a:t>6/12/18</a:t>
+              <a:t>6/15/18</a:t>
             </a:fld>
             <a:endParaRPr lang="en-US" dirty="0"/>
           </a:p>
@@ -7998,7 +8425,7 @@
             <a:fld id="{B61BEF0D-F0BB-DE4B-95CE-6DB70DBA9567}" type="datetimeFigureOut">
               <a:rPr lang="en-US" smtClean="0"/>
               <a:pPr/>
-              <a:t>6/12/18</a:t>
+              <a:t>6/15/18</a:t>
             </a:fld>
             <a:endParaRPr lang="en-US" dirty="0"/>
           </a:p>
@@ -8123,7 +8550,7 @@
             <a:fld id="{B61BEF0D-F0BB-DE4B-95CE-6DB70DBA9567}" type="datetimeFigureOut">
               <a:rPr lang="en-US" smtClean="0"/>
               <a:pPr/>
-              <a:t>6/12/18</a:t>
+              <a:t>6/15/18</a:t>
             </a:fld>
             <a:endParaRPr lang="en-US" dirty="0"/>
           </a:p>
@@ -8220,7 +8647,7 @@
             <a:fld id="{B61BEF0D-F0BB-DE4B-95CE-6DB70DBA9567}" type="datetimeFigureOut">
               <a:rPr lang="en-US" smtClean="0"/>
               <a:pPr/>
-              <a:t>6/12/18</a:t>
+              <a:t>6/15/18</a:t>
             </a:fld>
             <a:endParaRPr lang="en-US" dirty="0"/>
           </a:p>
@@ -8476,7 +8903,7 @@
             <a:fld id="{B61BEF0D-F0BB-DE4B-95CE-6DB70DBA9567}" type="datetimeFigureOut">
               <a:rPr lang="en-US" smtClean="0"/>
               <a:pPr/>
-              <a:t>6/12/18</a:t>
+              <a:t>6/15/18</a:t>
             </a:fld>
             <a:endParaRPr lang="en-US" dirty="0"/>
           </a:p>
@@ -8740,7 +9167,7 @@
             <a:fld id="{B61BEF0D-F0BB-DE4B-95CE-6DB70DBA9567}" type="datetimeFigureOut">
               <a:rPr lang="en-US" smtClean="0"/>
               <a:pPr/>
-              <a:t>6/12/18</a:t>
+              <a:t>6/15/18</a:t>
             </a:fld>
             <a:endParaRPr lang="en-US" dirty="0"/>
           </a:p>
@@ -8985,7 +9412,7 @@
             <a:fld id="{B61BEF0D-F0BB-DE4B-95CE-6DB70DBA9567}" type="datetimeFigureOut">
               <a:rPr lang="en-US" smtClean="0"/>
               <a:pPr/>
-              <a:t>6/12/18</a:t>
+              <a:t>6/15/18</a:t>
             </a:fld>
             <a:endParaRPr lang="en-US" dirty="0"/>
           </a:p>
@@ -10899,6 +11326,13 @@
   <p:clrMapOvr>
     <a:masterClrMapping/>
   </p:clrMapOvr>
+  <p:timing>
+    <p:tnLst>
+      <p:par>
+        <p:cTn id="1" dur="indefinite" restart="never" nodeType="tmRoot"/>
+      </p:par>
+    </p:tnLst>
+  </p:timing>
 </p:sld>
 </file>
 
@@ -10921,7 +11355,7 @@
       </p:grpSpPr>
       <p:sp>
         <p:nvSpPr>
-          <p:cNvPr id="2" name="Title 1"/>
+          <p:cNvPr id="4" name="Title 3"/>
           <p:cNvSpPr>
             <a:spLocks noGrp="1"/>
           </p:cNvSpPr>
@@ -10935,25 +11369,98 @@
           <a:lstStyle/>
           <a:p>
             <a:r>
-              <a:rPr lang="en-US" dirty="0" smtClean="0"/>
-              <a:t>ES6 </a:t>
+              <a:rPr lang="en-US" altLang="zh-CN" dirty="0" smtClean="0"/>
+              <a:t>Es5</a:t>
             </a:r>
             <a:r>
               <a:rPr lang="zh-CN" altLang="en-US" dirty="0" smtClean="0"/>
-              <a:t>语法介绍</a:t>
-            </a:r>
-            <a:endParaRPr lang="en-US" dirty="0"/>
-          </a:p>
-        </p:txBody>
-      </p:sp>
-      <p:sp>
-        <p:nvSpPr>
-          <p:cNvPr id="3" name="Text Placeholder 2"/>
-          <p:cNvSpPr>
-            <a:spLocks noGrp="1"/>
-          </p:cNvSpPr>
-          <p:nvPr>
-            <p:ph type="body" idx="1"/>
+              <a:t>重点</a:t>
+            </a:r>
+            <a:r>
+              <a:rPr lang="en-US" altLang="zh-CN" dirty="0" smtClean="0"/>
+              <a:t>	</a:t>
+            </a:r>
+            <a:endParaRPr lang="en-US" dirty="0"/>
+          </a:p>
+        </p:txBody>
+      </p:sp>
+      <p:sp>
+        <p:nvSpPr>
+          <p:cNvPr id="5" name="Content Placeholder 4"/>
+          <p:cNvSpPr>
+            <a:spLocks noGrp="1"/>
+          </p:cNvSpPr>
+          <p:nvPr>
+            <p:ph idx="1"/>
+          </p:nvPr>
+        </p:nvSpPr>
+        <p:spPr/>
+        <p:txBody>
+          <a:bodyPr/>
+          <a:lstStyle/>
+          <a:p>
+            <a:r>
+              <a:rPr lang="en-US" altLang="zh-CN" dirty="0" smtClean="0"/>
+              <a:t>Empty</a:t>
+            </a:r>
+            <a:r>
+              <a:rPr lang="zh-CN" altLang="en-US" dirty="0" smtClean="0"/>
+              <a:t> </a:t>
+            </a:r>
+            <a:r>
+              <a:rPr lang="en-US" altLang="zh-CN" dirty="0" smtClean="0"/>
+              <a:t>object, null, </a:t>
+            </a:r>
+            <a:r>
+              <a:rPr lang="en-US" altLang="zh-CN" dirty="0"/>
+              <a:t>undefined</a:t>
+            </a:r>
+            <a:r>
+              <a:rPr lang="zh-CN" altLang="en-US" dirty="0" smtClean="0"/>
+              <a:t>的区别</a:t>
+            </a:r>
+            <a:endParaRPr lang="en-US" altLang="zh-CN" dirty="0" smtClean="0"/>
+          </a:p>
+          <a:p>
+            <a:r>
+              <a:rPr lang="zh-CN" altLang="en-US" dirty="0" smtClean="0"/>
+              <a:t>闭包 </a:t>
+            </a:r>
+            <a:r>
+              <a:rPr lang="en-US" altLang="zh-CN" dirty="0" smtClean="0"/>
+              <a:t>Closure</a:t>
+            </a:r>
+          </a:p>
+          <a:p>
+            <a:r>
+              <a:rPr lang="en-US" altLang="zh-CN" dirty="0" smtClean="0"/>
+              <a:t>this</a:t>
+            </a:r>
+            <a:r>
+              <a:rPr lang="zh-CN" altLang="en-US" dirty="0" smtClean="0"/>
+              <a:t>的作用域</a:t>
+            </a:r>
+            <a:endParaRPr lang="en-US" altLang="zh-CN" dirty="0" smtClean="0"/>
+          </a:p>
+          <a:p>
+            <a:r>
+              <a:rPr lang="en-US" altLang="zh-CN" dirty="0" smtClean="0"/>
+              <a:t>Pure function</a:t>
+            </a:r>
+          </a:p>
+          <a:p>
+            <a:endParaRPr lang="en-US" dirty="0"/>
+          </a:p>
+        </p:txBody>
+      </p:sp>
+      <p:sp>
+        <p:nvSpPr>
+          <p:cNvPr id="6" name="Text Placeholder 5"/>
+          <p:cNvSpPr>
+            <a:spLocks noGrp="1"/>
+          </p:cNvSpPr>
+          <p:nvPr>
+            <p:ph type="body" sz="half" idx="2"/>
           </p:nvPr>
         </p:nvSpPr>
         <p:spPr/>
@@ -10968,7 +11475,7 @@
     </p:spTree>
     <p:extLst>
       <p:ext uri="{BB962C8B-B14F-4D97-AF65-F5344CB8AC3E}">
-        <p14:creationId xmlns:p14="http://schemas.microsoft.com/office/powerpoint/2010/main" val="1799853327"/>
+        <p14:creationId xmlns:p14="http://schemas.microsoft.com/office/powerpoint/2010/main" val="78109929"/>
       </p:ext>
     </p:extLst>
   </p:cSld>
@@ -11018,12 +11525,12 @@
           <a:lstStyle/>
           <a:p>
             <a:r>
-              <a:rPr lang="en-US" altLang="zh-CN" dirty="0" smtClean="0"/>
-              <a:t>Ajax</a:t>
+              <a:rPr lang="en-US" dirty="0" smtClean="0"/>
+              <a:t>ES6 </a:t>
             </a:r>
             <a:r>
               <a:rPr lang="zh-CN" altLang="en-US" dirty="0" smtClean="0"/>
-              <a:t> 请求</a:t>
+              <a:t>语法介绍</a:t>
             </a:r>
             <a:endParaRPr lang="en-US" dirty="0"/>
           </a:p>
@@ -11044,31 +11551,27 @@
           <a:bodyPr/>
           <a:lstStyle/>
           <a:p>
-            <a:r>
-              <a:rPr lang="en-US" dirty="0"/>
-              <a:t>https://</a:t>
-            </a:r>
-            <a:r>
-              <a:rPr lang="en-US" dirty="0" err="1"/>
-              <a:t>randomuser.me</a:t>
-            </a:r>
-            <a:r>
-              <a:rPr lang="en-US" dirty="0"/>
-              <a:t>/</a:t>
-            </a:r>
+            <a:endParaRPr lang="en-US" dirty="0"/>
           </a:p>
         </p:txBody>
       </p:sp>
     </p:spTree>
     <p:extLst>
       <p:ext uri="{BB962C8B-B14F-4D97-AF65-F5344CB8AC3E}">
-        <p14:creationId xmlns:p14="http://schemas.microsoft.com/office/powerpoint/2010/main" val="406416514"/>
+        <p14:creationId xmlns:p14="http://schemas.microsoft.com/office/powerpoint/2010/main" val="1799853327"/>
       </p:ext>
     </p:extLst>
   </p:cSld>
   <p:clrMapOvr>
     <a:masterClrMapping/>
   </p:clrMapOvr>
+  <p:timing>
+    <p:tnLst>
+      <p:par>
+        <p:cTn id="1" dur="indefinite" restart="never" nodeType="tmRoot"/>
+      </p:par>
+    </p:tnLst>
+  </p:timing>
 </p:sld>
 </file>
 
@@ -11171,7 +11674,7 @@
       </p:grpSpPr>
       <p:sp>
         <p:nvSpPr>
-          <p:cNvPr id="4" name="Title 3"/>
+          <p:cNvPr id="2" name="Title 1"/>
           <p:cNvSpPr>
             <a:spLocks noGrp="1"/>
           </p:cNvSpPr>
@@ -11185,108 +11688,38 @@
           <a:lstStyle/>
           <a:p>
             <a:r>
+              <a:rPr lang="en-US" altLang="zh-CN" dirty="0" smtClean="0"/>
+              <a:t>Es5</a:t>
+            </a:r>
+            <a:r>
               <a:rPr lang="zh-CN" altLang="en-US" dirty="0" smtClean="0"/>
-              <a:t>小作业</a:t>
-            </a:r>
-            <a:endParaRPr lang="en-US" dirty="0"/>
-          </a:p>
-        </p:txBody>
-      </p:sp>
-      <p:sp>
-        <p:nvSpPr>
-          <p:cNvPr id="5" name="Content Placeholder 4"/>
-          <p:cNvSpPr>
-            <a:spLocks noGrp="1"/>
-          </p:cNvSpPr>
-          <p:nvPr>
-            <p:ph idx="1"/>
-          </p:nvPr>
-        </p:nvSpPr>
-        <p:spPr>
-          <a:xfrm>
-            <a:off x="685800" y="2226091"/>
-            <a:ext cx="10820400" cy="4024125"/>
-          </a:xfrm>
-        </p:spPr>
-        <p:txBody>
-          <a:bodyPr/>
-          <a:lstStyle/>
-          <a:p>
+              <a:t>和</a:t>
+            </a:r>
+            <a:r>
+              <a:rPr lang="en-US" altLang="zh-CN" dirty="0" smtClean="0"/>
+              <a:t>es6</a:t>
+            </a:r>
             <a:r>
               <a:rPr lang="zh-CN" altLang="en-US" dirty="0" smtClean="0"/>
-              <a:t>实现多页面</a:t>
-            </a:r>
-            <a:r>
-              <a:rPr lang="zh-CN" altLang="en-US" dirty="0" smtClean="0"/>
-              <a:t>跳转</a:t>
-            </a:r>
-            <a:endParaRPr lang="en-US" altLang="zh-CN" dirty="0" smtClean="0"/>
-          </a:p>
-          <a:p>
-            <a:r>
-              <a:rPr lang="zh-CN" altLang="en-US" dirty="0" smtClean="0"/>
-              <a:t>异步</a:t>
-            </a:r>
-            <a:r>
-              <a:rPr lang="en-US" altLang="zh-CN" dirty="0" smtClean="0"/>
-              <a:t>API</a:t>
-            </a:r>
-            <a:r>
-              <a:rPr lang="zh-CN" altLang="en-US" dirty="0" smtClean="0"/>
-              <a:t>请求，并且显示 （使用</a:t>
-            </a:r>
-            <a:r>
-              <a:rPr lang="en-US" altLang="zh-CN" dirty="0" err="1" smtClean="0"/>
-              <a:t>Jquery</a:t>
-            </a:r>
-            <a:r>
-              <a:rPr lang="zh-CN" altLang="en-US" dirty="0" smtClean="0"/>
-              <a:t>，</a:t>
-            </a:r>
-            <a:r>
-              <a:rPr lang="en-US" altLang="zh-CN" dirty="0" err="1"/>
-              <a:t>CodeSandbox</a:t>
-            </a:r>
-            <a:r>
-              <a:rPr lang="en-US" altLang="zh-CN" dirty="0"/>
-              <a:t>, https://</a:t>
-            </a:r>
-            <a:r>
-              <a:rPr lang="en-US" altLang="zh-CN" dirty="0" err="1"/>
-              <a:t>randomuser.me</a:t>
-            </a:r>
-            <a:r>
-              <a:rPr lang="en-US" altLang="zh-CN" dirty="0"/>
-              <a:t>/ </a:t>
-            </a:r>
-            <a:r>
-              <a:rPr lang="zh-CN" altLang="en-US" dirty="0" smtClean="0"/>
-              <a:t>）</a:t>
-            </a:r>
-            <a:endParaRPr lang="en-US" dirty="0"/>
-          </a:p>
-        </p:txBody>
-      </p:sp>
-      <p:sp>
-        <p:nvSpPr>
-          <p:cNvPr id="6" name="TextBox 5"/>
-          <p:cNvSpPr txBox="1"/>
-          <p:nvPr/>
-        </p:nvSpPr>
-        <p:spPr>
-          <a:xfrm>
-            <a:off x="5155324" y="2427890"/>
-            <a:ext cx="184731" cy="369332"/>
-          </a:xfrm>
-          <a:prstGeom prst="rect">
-            <a:avLst/>
-          </a:prstGeom>
-          <a:noFill/>
-        </p:spPr>
-        <p:txBody>
-          <a:bodyPr wrap="none" rtlCol="0">
-            <a:spAutoFit/>
-          </a:bodyPr>
+              <a:t>语法对比</a:t>
+            </a:r>
+            <a:endParaRPr lang="en-US" dirty="0"/>
+          </a:p>
+        </p:txBody>
+      </p:sp>
+      <p:sp>
+        <p:nvSpPr>
+          <p:cNvPr id="3" name="Text Placeholder 2"/>
+          <p:cNvSpPr>
+            <a:spLocks noGrp="1"/>
+          </p:cNvSpPr>
+          <p:nvPr>
+            <p:ph type="body" idx="1"/>
+          </p:nvPr>
+        </p:nvSpPr>
+        <p:spPr/>
+        <p:txBody>
+          <a:bodyPr/>
           <a:lstStyle/>
           <a:p>
             <a:endParaRPr lang="en-US" dirty="0"/>
@@ -11296,7 +11729,7 @@
     </p:spTree>
     <p:extLst>
       <p:ext uri="{BB962C8B-B14F-4D97-AF65-F5344CB8AC3E}">
-        <p14:creationId xmlns:p14="http://schemas.microsoft.com/office/powerpoint/2010/main" val="1651285519"/>
+        <p14:creationId xmlns:p14="http://schemas.microsoft.com/office/powerpoint/2010/main" val="711305389"/>
       </p:ext>
     </p:extLst>
   </p:cSld>
@@ -11339,8 +11772,12 @@
           <a:lstStyle/>
           <a:p>
             <a:r>
-              <a:rPr lang="en-US" dirty="0" smtClean="0"/>
-              <a:t>React Hello world</a:t>
+              <a:rPr lang="en-US" altLang="zh-CN" dirty="0" smtClean="0"/>
+              <a:t>Ajax</a:t>
+            </a:r>
+            <a:r>
+              <a:rPr lang="zh-CN" altLang="en-US" dirty="0" smtClean="0"/>
+              <a:t> 请求</a:t>
             </a:r>
             <a:endParaRPr lang="en-US" dirty="0"/>
           </a:p>
@@ -11361,27 +11798,31 @@
           <a:bodyPr/>
           <a:lstStyle/>
           <a:p>
-            <a:endParaRPr lang="en-US"/>
+            <a:r>
+              <a:rPr lang="en-US" dirty="0"/>
+              <a:t>https://</a:t>
+            </a:r>
+            <a:r>
+              <a:rPr lang="en-US" dirty="0" err="1"/>
+              <a:t>randomuser.me</a:t>
+            </a:r>
+            <a:r>
+              <a:rPr lang="en-US" dirty="0"/>
+              <a:t>/</a:t>
+            </a:r>
           </a:p>
         </p:txBody>
       </p:sp>
     </p:spTree>
     <p:extLst>
       <p:ext uri="{BB962C8B-B14F-4D97-AF65-F5344CB8AC3E}">
-        <p14:creationId xmlns:p14="http://schemas.microsoft.com/office/powerpoint/2010/main" val="1850757051"/>
+        <p14:creationId xmlns:p14="http://schemas.microsoft.com/office/powerpoint/2010/main" val="406416514"/>
       </p:ext>
     </p:extLst>
   </p:cSld>
   <p:clrMapOvr>
     <a:masterClrMapping/>
   </p:clrMapOvr>
-  <p:timing>
-    <p:tnLst>
-      <p:par>
-        <p:cTn id="1" dur="indefinite" restart="never" nodeType="tmRoot"/>
-      </p:par>
-    </p:tnLst>
-  </p:timing>
 </p:sld>
 </file>
 
@@ -11404,7 +11845,7 @@
       </p:grpSpPr>
       <p:sp>
         <p:nvSpPr>
-          <p:cNvPr id="2" name="Title 1"/>
+          <p:cNvPr id="4" name="Title 3"/>
           <p:cNvSpPr>
             <a:spLocks noGrp="1"/>
           </p:cNvSpPr>
@@ -11418,30 +11859,104 @@
           <a:lstStyle/>
           <a:p>
             <a:r>
-              <a:rPr lang="en-US" dirty="0" smtClean="0"/>
-              <a:t>React </a:t>
-            </a:r>
-            <a:r>
               <a:rPr lang="zh-CN" altLang="en-US" dirty="0" smtClean="0"/>
-              <a:t>知识图谱</a:t>
-            </a:r>
-            <a:endParaRPr lang="en-US" dirty="0"/>
-          </a:p>
-        </p:txBody>
-      </p:sp>
-      <p:sp>
-        <p:nvSpPr>
-          <p:cNvPr id="3" name="Text Placeholder 2"/>
-          <p:cNvSpPr>
-            <a:spLocks noGrp="1"/>
-          </p:cNvSpPr>
-          <p:nvPr>
-            <p:ph type="body" idx="1"/>
-          </p:nvPr>
-        </p:nvSpPr>
-        <p:spPr/>
-        <p:txBody>
-          <a:bodyPr/>
+              <a:t>小作业</a:t>
+            </a:r>
+            <a:endParaRPr lang="en-US" dirty="0"/>
+          </a:p>
+        </p:txBody>
+      </p:sp>
+      <p:sp>
+        <p:nvSpPr>
+          <p:cNvPr id="5" name="Content Placeholder 4"/>
+          <p:cNvSpPr>
+            <a:spLocks noGrp="1"/>
+          </p:cNvSpPr>
+          <p:nvPr>
+            <p:ph idx="1"/>
+          </p:nvPr>
+        </p:nvSpPr>
+        <p:spPr>
+          <a:xfrm>
+            <a:off x="685800" y="2226091"/>
+            <a:ext cx="10820400" cy="4024125"/>
+          </a:xfrm>
+        </p:spPr>
+        <p:txBody>
+          <a:bodyPr/>
+          <a:lstStyle/>
+          <a:p>
+            <a:r>
+              <a:rPr lang="zh-CN" altLang="en-US" dirty="0" smtClean="0"/>
+              <a:t>实现多页面跳转</a:t>
+            </a:r>
+            <a:endParaRPr lang="en-US" altLang="zh-CN" dirty="0" smtClean="0"/>
+          </a:p>
+          <a:p>
+            <a:r>
+              <a:rPr lang="zh-CN" altLang="en-US" dirty="0" smtClean="0"/>
+              <a:t>异步</a:t>
+            </a:r>
+            <a:r>
+              <a:rPr lang="en-US" altLang="zh-CN" dirty="0" smtClean="0"/>
+              <a:t>API</a:t>
+            </a:r>
+            <a:r>
+              <a:rPr lang="zh-CN" altLang="en-US" dirty="0" smtClean="0"/>
+              <a:t>请求，并且显示 （使用</a:t>
+            </a:r>
+            <a:r>
+              <a:rPr lang="en-US" altLang="zh-CN" dirty="0" err="1" smtClean="0"/>
+              <a:t>Jquery</a:t>
+            </a:r>
+            <a:r>
+              <a:rPr lang="zh-CN" altLang="en-US" dirty="0" smtClean="0"/>
+              <a:t>，</a:t>
+            </a:r>
+            <a:r>
+              <a:rPr lang="en-US" altLang="zh-CN" dirty="0" err="1"/>
+              <a:t>CodeSandbox</a:t>
+            </a:r>
+            <a:r>
+              <a:rPr lang="en-US" altLang="zh-CN" dirty="0"/>
+              <a:t>, https://</a:t>
+            </a:r>
+            <a:r>
+              <a:rPr lang="en-US" altLang="zh-CN" dirty="0" err="1"/>
+              <a:t>randomuser.me</a:t>
+            </a:r>
+            <a:r>
+              <a:rPr lang="en-US" altLang="zh-CN" dirty="0"/>
+              <a:t>/ </a:t>
+            </a:r>
+            <a:r>
+              <a:rPr lang="zh-CN" altLang="en-US" dirty="0" smtClean="0"/>
+              <a:t>）</a:t>
+            </a:r>
+            <a:endParaRPr lang="en-US" dirty="0"/>
+          </a:p>
+        </p:txBody>
+      </p:sp>
+      <p:sp>
+        <p:nvSpPr>
+          <p:cNvPr id="6" name="TextBox 5"/>
+          <p:cNvSpPr txBox="1"/>
+          <p:nvPr/>
+        </p:nvSpPr>
+        <p:spPr>
+          <a:xfrm>
+            <a:off x="5155324" y="2427890"/>
+            <a:ext cx="184731" cy="369332"/>
+          </a:xfrm>
+          <a:prstGeom prst="rect">
+            <a:avLst/>
+          </a:prstGeom>
+          <a:noFill/>
+        </p:spPr>
+        <p:txBody>
+          <a:bodyPr wrap="none" rtlCol="0">
+            <a:spAutoFit/>
+          </a:bodyPr>
           <a:lstStyle/>
           <a:p>
             <a:endParaRPr lang="en-US" dirty="0"/>
@@ -11451,20 +11966,13 @@
     </p:spTree>
     <p:extLst>
       <p:ext uri="{BB962C8B-B14F-4D97-AF65-F5344CB8AC3E}">
-        <p14:creationId xmlns:p14="http://schemas.microsoft.com/office/powerpoint/2010/main" val="734033681"/>
+        <p14:creationId xmlns:p14="http://schemas.microsoft.com/office/powerpoint/2010/main" val="1651285519"/>
       </p:ext>
     </p:extLst>
   </p:cSld>
   <p:clrMapOvr>
     <a:masterClrMapping/>
   </p:clrMapOvr>
-  <p:timing>
-    <p:tnLst>
-      <p:par>
-        <p:cTn id="1" dur="indefinite" restart="never" nodeType="tmRoot"/>
-      </p:par>
-    </p:tnLst>
-  </p:timing>
 </p:sld>
 </file>
 
@@ -11495,23 +12003,14 @@
             <p:ph type="title"/>
           </p:nvPr>
         </p:nvSpPr>
-        <p:spPr>
-          <a:xfrm>
-            <a:off x="1751011" y="527281"/>
-            <a:ext cx="8686800" cy="1468800"/>
-          </a:xfrm>
-        </p:spPr>
+        <p:spPr/>
         <p:txBody>
           <a:bodyPr/>
           <a:lstStyle/>
           <a:p>
             <a:r>
               <a:rPr lang="en-US" dirty="0" smtClean="0"/>
-              <a:t>React </a:t>
-            </a:r>
-            <a:r>
-              <a:rPr lang="zh-CN" altLang="en-US" dirty="0" smtClean="0"/>
-              <a:t>基础语法</a:t>
+              <a:t>React Hello world</a:t>
             </a:r>
             <a:endParaRPr lang="en-US" dirty="0"/>
           </a:p>
@@ -11527,100 +12026,19 @@
             <p:ph type="body" idx="1"/>
           </p:nvPr>
         </p:nvSpPr>
-        <p:spPr>
-          <a:xfrm>
-            <a:off x="1611311" y="2262781"/>
-            <a:ext cx="8686801" cy="860400"/>
-          </a:xfrm>
-        </p:spPr>
-        <p:txBody>
-          <a:bodyPr/>
-          <a:lstStyle/>
-          <a:p>
-            <a:r>
-              <a:rPr lang="en-US" dirty="0"/>
-              <a:t>http://</a:t>
-            </a:r>
-            <a:r>
-              <a:rPr lang="en-US" dirty="0" err="1"/>
-              <a:t>www.ruanyifeng.com</a:t>
-            </a:r>
-            <a:r>
-              <a:rPr lang="en-US" dirty="0"/>
-              <a:t>/blog/2015/03/</a:t>
-            </a:r>
-            <a:r>
-              <a:rPr lang="en-US" dirty="0" err="1"/>
-              <a:t>react.html</a:t>
-            </a:r>
-            <a:endParaRPr lang="en-US" dirty="0"/>
-          </a:p>
-        </p:txBody>
-      </p:sp>
-      <p:sp>
-        <p:nvSpPr>
-          <p:cNvPr id="4" name="TextBox 3"/>
-          <p:cNvSpPr txBox="1"/>
-          <p:nvPr/>
-        </p:nvSpPr>
-        <p:spPr>
-          <a:xfrm>
-            <a:off x="1751011" y="3683000"/>
-            <a:ext cx="6605589" cy="1754326"/>
-          </a:xfrm>
-          <a:prstGeom prst="rect">
-            <a:avLst/>
-          </a:prstGeom>
-          <a:noFill/>
-        </p:spPr>
-        <p:txBody>
-          <a:bodyPr wrap="square" rtlCol="0">
-            <a:spAutoFit/>
-          </a:bodyPr>
-          <a:lstStyle/>
-          <a:p>
-            <a:r>
-              <a:rPr lang="zh-CN" altLang="en-US" dirty="0" smtClean="0"/>
-              <a:t>打开命令行</a:t>
-            </a:r>
-            <a:endParaRPr lang="en-US" altLang="zh-CN" dirty="0" smtClean="0"/>
-          </a:p>
-          <a:p>
-            <a:endParaRPr lang="en-US" dirty="0" smtClean="0"/>
-          </a:p>
-          <a:p>
-            <a:r>
-              <a:rPr lang="en-US" dirty="0" err="1" smtClean="0"/>
-              <a:t>npm</a:t>
-            </a:r>
-            <a:r>
-              <a:rPr lang="en-US" dirty="0" smtClean="0"/>
-              <a:t> </a:t>
-            </a:r>
-            <a:r>
-              <a:rPr lang="en-US" dirty="0"/>
-              <a:t>install -g create-react-app </a:t>
-            </a:r>
-            <a:endParaRPr lang="en-US" dirty="0" smtClean="0"/>
-          </a:p>
-          <a:p>
-            <a:r>
-              <a:rPr lang="en-US" dirty="0" smtClean="0"/>
-              <a:t>create-react-app game</a:t>
-            </a:r>
-          </a:p>
-          <a:p>
-            <a:endParaRPr lang="en-US" dirty="0" smtClean="0"/>
-          </a:p>
-          <a:p>
-            <a:endParaRPr lang="en-US" dirty="0"/>
+        <p:spPr/>
+        <p:txBody>
+          <a:bodyPr/>
+          <a:lstStyle/>
+          <a:p>
+            <a:endParaRPr lang="en-US"/>
           </a:p>
         </p:txBody>
       </p:sp>
     </p:spTree>
     <p:extLst>
       <p:ext uri="{BB962C8B-B14F-4D97-AF65-F5344CB8AC3E}">
-        <p14:creationId xmlns:p14="http://schemas.microsoft.com/office/powerpoint/2010/main" val="1795940807"/>
+        <p14:creationId xmlns:p14="http://schemas.microsoft.com/office/powerpoint/2010/main" val="1850757051"/>
       </p:ext>
     </p:extLst>
   </p:cSld>
@@ -11670,12 +12088,12 @@
           <a:lstStyle/>
           <a:p>
             <a:r>
-              <a:rPr lang="en-US" altLang="zh-CN" dirty="0" smtClean="0"/>
-              <a:t>React</a:t>
+              <a:rPr lang="en-US" dirty="0" smtClean="0"/>
+              <a:t>React </a:t>
             </a:r>
             <a:r>
               <a:rPr lang="zh-CN" altLang="en-US" dirty="0" smtClean="0"/>
-              <a:t>项目实战</a:t>
+              <a:t>知识图谱</a:t>
             </a:r>
             <a:endParaRPr lang="en-US" dirty="0"/>
           </a:p>
@@ -11696,18 +12114,6 @@
           <a:bodyPr/>
           <a:lstStyle/>
           <a:p>
-            <a:r>
-              <a:rPr lang="zh-CN" altLang="en-US" dirty="0" smtClean="0"/>
-              <a:t>实现官方教程</a:t>
-            </a:r>
-            <a:r>
-              <a:rPr lang="en-US" altLang="zh-CN" dirty="0" smtClean="0"/>
-              <a:t>-</a:t>
-            </a:r>
-            <a:r>
-              <a:rPr lang="zh-CN" altLang="en-US" dirty="0" smtClean="0"/>
-              <a:t>井字棋</a:t>
-            </a:r>
             <a:endParaRPr lang="en-US" dirty="0"/>
           </a:p>
         </p:txBody>
@@ -11715,7 +12121,7 @@
     </p:spTree>
     <p:extLst>
       <p:ext uri="{BB962C8B-B14F-4D97-AF65-F5344CB8AC3E}">
-        <p14:creationId xmlns:p14="http://schemas.microsoft.com/office/powerpoint/2010/main" val="1403310130"/>
+        <p14:creationId xmlns:p14="http://schemas.microsoft.com/office/powerpoint/2010/main" val="734033681"/>
       </p:ext>
     </p:extLst>
   </p:cSld>
@@ -11938,18 +12344,23 @@
             <p:ph type="title"/>
           </p:nvPr>
         </p:nvSpPr>
-        <p:spPr/>
-        <p:txBody>
-          <a:bodyPr/>
-          <a:lstStyle/>
-          <a:p>
-            <a:r>
-              <a:rPr lang="en-US" altLang="zh-CN" dirty="0" err="1" smtClean="0"/>
-              <a:t>Redux</a:t>
+        <p:spPr>
+          <a:xfrm>
+            <a:off x="1751011" y="527281"/>
+            <a:ext cx="8686800" cy="1468800"/>
+          </a:xfrm>
+        </p:spPr>
+        <p:txBody>
+          <a:bodyPr/>
+          <a:lstStyle/>
+          <a:p>
+            <a:r>
+              <a:rPr lang="en-US" dirty="0" smtClean="0"/>
+              <a:t>React </a:t>
             </a:r>
             <a:r>
               <a:rPr lang="zh-CN" altLang="en-US" dirty="0" smtClean="0"/>
-              <a:t>入门</a:t>
+              <a:t>基础语法</a:t>
             </a:r>
             <a:endParaRPr lang="en-US" dirty="0"/>
           </a:p>
@@ -11965,15 +12376,92 @@
             <p:ph type="body" idx="1"/>
           </p:nvPr>
         </p:nvSpPr>
-        <p:spPr/>
-        <p:txBody>
-          <a:bodyPr/>
-          <a:lstStyle/>
-          <a:p>
+        <p:spPr>
+          <a:xfrm>
+            <a:off x="1611311" y="2262781"/>
+            <a:ext cx="8686801" cy="860400"/>
+          </a:xfrm>
+        </p:spPr>
+        <p:txBody>
+          <a:bodyPr/>
+          <a:lstStyle/>
+          <a:p>
+            <a:r>
+              <a:rPr lang="en-US" dirty="0"/>
+              <a:t>http://</a:t>
+            </a:r>
+            <a:r>
+              <a:rPr lang="en-US" dirty="0" err="1"/>
+              <a:t>www.ruanyifeng.com</a:t>
+            </a:r>
+            <a:r>
+              <a:rPr lang="en-US" dirty="0"/>
+              <a:t>/blog/2015/03/</a:t>
+            </a:r>
+            <a:r>
+              <a:rPr lang="en-US" dirty="0" err="1"/>
+              <a:t>react.html</a:t>
+            </a:r>
+            <a:endParaRPr lang="en-US" dirty="0"/>
+          </a:p>
+        </p:txBody>
+      </p:sp>
+      <p:sp>
+        <p:nvSpPr>
+          <p:cNvPr id="4" name="TextBox 3"/>
+          <p:cNvSpPr txBox="1"/>
+          <p:nvPr/>
+        </p:nvSpPr>
+        <p:spPr>
+          <a:xfrm>
+            <a:off x="1751011" y="3683000"/>
+            <a:ext cx="6605589" cy="1754326"/>
+          </a:xfrm>
+          <a:prstGeom prst="rect">
+            <a:avLst/>
+          </a:prstGeom>
+          <a:noFill/>
+        </p:spPr>
+        <p:txBody>
+          <a:bodyPr wrap="square" rtlCol="0">
+            <a:spAutoFit/>
+          </a:bodyPr>
+          <a:lstStyle/>
+          <a:p>
+            <a:r>
+              <a:rPr lang="zh-CN" altLang="en-US" dirty="0" smtClean="0"/>
+              <a:t>打开命令行</a:t>
+            </a:r>
+            <a:endParaRPr lang="en-US" altLang="zh-CN" dirty="0" smtClean="0"/>
+          </a:p>
+          <a:p>
+            <a:endParaRPr lang="en-US" dirty="0" smtClean="0"/>
+          </a:p>
+          <a:p>
+            <a:r>
+              <a:rPr lang="en-US" dirty="0" err="1" smtClean="0"/>
+              <a:t>npm</a:t>
+            </a:r>
             <a:r>
               <a:rPr lang="en-US" dirty="0" smtClean="0"/>
-              <a:t>State Management Tool</a:t>
-            </a:r>
+              <a:t> </a:t>
+            </a:r>
+            <a:r>
+              <a:rPr lang="en-US" dirty="0"/>
+              <a:t>install -g create-react-app </a:t>
+            </a:r>
+            <a:endParaRPr lang="en-US" dirty="0" smtClean="0"/>
+          </a:p>
+          <a:p>
+            <a:r>
+              <a:rPr lang="en-US" dirty="0" smtClean="0"/>
+              <a:t>create-react-app game</a:t>
+            </a:r>
+          </a:p>
+          <a:p>
+            <a:endParaRPr lang="en-US" dirty="0" smtClean="0"/>
+          </a:p>
+          <a:p>
             <a:endParaRPr lang="en-US" dirty="0"/>
           </a:p>
         </p:txBody>
@@ -11981,7 +12469,7 @@
     </p:spTree>
     <p:extLst>
       <p:ext uri="{BB962C8B-B14F-4D97-AF65-F5344CB8AC3E}">
-        <p14:creationId xmlns:p14="http://schemas.microsoft.com/office/powerpoint/2010/main" val="112265536"/>
+        <p14:creationId xmlns:p14="http://schemas.microsoft.com/office/powerpoint/2010/main" val="1795940807"/>
       </p:ext>
     </p:extLst>
   </p:cSld>
@@ -12031,6 +12519,188 @@
           <a:lstStyle/>
           <a:p>
             <a:r>
+              <a:rPr lang="en-US" altLang="zh-CN" dirty="0" smtClean="0"/>
+              <a:t>React</a:t>
+            </a:r>
+            <a:r>
+              <a:rPr lang="zh-CN" altLang="en-US" dirty="0" smtClean="0"/>
+              <a:t>项目实战</a:t>
+            </a:r>
+            <a:endParaRPr lang="en-US" dirty="0"/>
+          </a:p>
+        </p:txBody>
+      </p:sp>
+      <p:sp>
+        <p:nvSpPr>
+          <p:cNvPr id="3" name="Text Placeholder 2"/>
+          <p:cNvSpPr>
+            <a:spLocks noGrp="1"/>
+          </p:cNvSpPr>
+          <p:nvPr>
+            <p:ph type="body" idx="1"/>
+          </p:nvPr>
+        </p:nvSpPr>
+        <p:spPr/>
+        <p:txBody>
+          <a:bodyPr/>
+          <a:lstStyle/>
+          <a:p>
+            <a:r>
+              <a:rPr lang="zh-CN" altLang="en-US" dirty="0" smtClean="0"/>
+              <a:t>实现官方教程</a:t>
+            </a:r>
+            <a:r>
+              <a:rPr lang="en-US" altLang="zh-CN" dirty="0" smtClean="0"/>
+              <a:t>-</a:t>
+            </a:r>
+            <a:r>
+              <a:rPr lang="zh-CN" altLang="en-US" dirty="0" smtClean="0"/>
+              <a:t>井字棋</a:t>
+            </a:r>
+            <a:endParaRPr lang="en-US" dirty="0"/>
+          </a:p>
+        </p:txBody>
+      </p:sp>
+    </p:spTree>
+    <p:extLst>
+      <p:ext uri="{BB962C8B-B14F-4D97-AF65-F5344CB8AC3E}">
+        <p14:creationId xmlns:p14="http://schemas.microsoft.com/office/powerpoint/2010/main" val="1403310130"/>
+      </p:ext>
+    </p:extLst>
+  </p:cSld>
+  <p:clrMapOvr>
+    <a:masterClrMapping/>
+  </p:clrMapOvr>
+  <p:timing>
+    <p:tnLst>
+      <p:par>
+        <p:cTn id="1" dur="indefinite" restart="never" nodeType="tmRoot"/>
+      </p:par>
+    </p:tnLst>
+  </p:timing>
+</p:sld>
+</file>
+
+<file path=ppt/slides/slide32.xml><?xml version="1.0" encoding="utf-8"?>
+<p:sld xmlns:a="http://schemas.openxmlformats.org/drawingml/2006/main" xmlns:r="http://schemas.openxmlformats.org/officeDocument/2006/relationships" xmlns:p="http://schemas.openxmlformats.org/presentationml/2006/main">
+  <p:cSld>
+    <p:spTree>
+      <p:nvGrpSpPr>
+        <p:cNvPr id="1" name=""/>
+        <p:cNvGrpSpPr/>
+        <p:nvPr/>
+      </p:nvGrpSpPr>
+      <p:grpSpPr>
+        <a:xfrm>
+          <a:off x="0" y="0"/>
+          <a:ext cx="0" cy="0"/>
+          <a:chOff x="0" y="0"/>
+          <a:chExt cx="0" cy="0"/>
+        </a:xfrm>
+      </p:grpSpPr>
+      <p:sp>
+        <p:nvSpPr>
+          <p:cNvPr id="2" name="Title 1"/>
+          <p:cNvSpPr>
+            <a:spLocks noGrp="1"/>
+          </p:cNvSpPr>
+          <p:nvPr>
+            <p:ph type="title"/>
+          </p:nvPr>
+        </p:nvSpPr>
+        <p:spPr/>
+        <p:txBody>
+          <a:bodyPr/>
+          <a:lstStyle/>
+          <a:p>
+            <a:r>
+              <a:rPr lang="en-US" altLang="zh-CN" dirty="0" err="1" smtClean="0"/>
+              <a:t>Redux</a:t>
+            </a:r>
+            <a:r>
+              <a:rPr lang="zh-CN" altLang="en-US" dirty="0" smtClean="0"/>
+              <a:t>入门</a:t>
+            </a:r>
+            <a:endParaRPr lang="en-US" dirty="0"/>
+          </a:p>
+        </p:txBody>
+      </p:sp>
+      <p:sp>
+        <p:nvSpPr>
+          <p:cNvPr id="3" name="Text Placeholder 2"/>
+          <p:cNvSpPr>
+            <a:spLocks noGrp="1"/>
+          </p:cNvSpPr>
+          <p:nvPr>
+            <p:ph type="body" idx="1"/>
+          </p:nvPr>
+        </p:nvSpPr>
+        <p:spPr/>
+        <p:txBody>
+          <a:bodyPr/>
+          <a:lstStyle/>
+          <a:p>
+            <a:r>
+              <a:rPr lang="en-US" dirty="0" smtClean="0"/>
+              <a:t>State Management Tool</a:t>
+            </a:r>
+            <a:endParaRPr lang="en-US" dirty="0"/>
+          </a:p>
+        </p:txBody>
+      </p:sp>
+    </p:spTree>
+    <p:extLst>
+      <p:ext uri="{BB962C8B-B14F-4D97-AF65-F5344CB8AC3E}">
+        <p14:creationId xmlns:p14="http://schemas.microsoft.com/office/powerpoint/2010/main" val="112265536"/>
+      </p:ext>
+    </p:extLst>
+  </p:cSld>
+  <p:clrMapOvr>
+    <a:masterClrMapping/>
+  </p:clrMapOvr>
+  <p:timing>
+    <p:tnLst>
+      <p:par>
+        <p:cTn id="1" dur="indefinite" restart="never" nodeType="tmRoot"/>
+      </p:par>
+    </p:tnLst>
+  </p:timing>
+</p:sld>
+</file>
+
+<file path=ppt/slides/slide33.xml><?xml version="1.0" encoding="utf-8"?>
+<p:sld xmlns:a="http://schemas.openxmlformats.org/drawingml/2006/main" xmlns:r="http://schemas.openxmlformats.org/officeDocument/2006/relationships" xmlns:p="http://schemas.openxmlformats.org/presentationml/2006/main">
+  <p:cSld>
+    <p:spTree>
+      <p:nvGrpSpPr>
+        <p:cNvPr id="1" name=""/>
+        <p:cNvGrpSpPr/>
+        <p:nvPr/>
+      </p:nvGrpSpPr>
+      <p:grpSpPr>
+        <a:xfrm>
+          <a:off x="0" y="0"/>
+          <a:ext cx="0" cy="0"/>
+          <a:chOff x="0" y="0"/>
+          <a:chExt cx="0" cy="0"/>
+        </a:xfrm>
+      </p:grpSpPr>
+      <p:sp>
+        <p:nvSpPr>
+          <p:cNvPr id="2" name="Title 1"/>
+          <p:cNvSpPr>
+            <a:spLocks noGrp="1"/>
+          </p:cNvSpPr>
+          <p:nvPr>
+            <p:ph type="title"/>
+          </p:nvPr>
+        </p:nvSpPr>
+        <p:spPr/>
+        <p:txBody>
+          <a:bodyPr/>
+          <a:lstStyle/>
+          <a:p>
+            <a:r>
               <a:rPr lang="en-US" dirty="0" err="1" smtClean="0"/>
               <a:t>Redux</a:t>
             </a:r>
@@ -12162,7 +12832,7 @@
 </p:sld>
 </file>
 
-<file path=ppt/slides/slide32.xml><?xml version="1.0" encoding="utf-8"?>
+<file path=ppt/slides/slide34.xml><?xml version="1.0" encoding="utf-8"?>
 <p:sld xmlns:a="http://schemas.openxmlformats.org/drawingml/2006/main" xmlns:r="http://schemas.openxmlformats.org/officeDocument/2006/relationships" xmlns:p="http://schemas.openxmlformats.org/presentationml/2006/main">
   <p:cSld>
     <p:spTree>
@@ -12252,211 +12922,6 @@
 </p:sld>
 </file>
 
-<file path=ppt/slides/slide33.xml><?xml version="1.0" encoding="utf-8"?>
-<p:sld xmlns:a="http://schemas.openxmlformats.org/drawingml/2006/main" xmlns:r="http://schemas.openxmlformats.org/officeDocument/2006/relationships" xmlns:p="http://schemas.openxmlformats.org/presentationml/2006/main">
-  <p:cSld>
-    <p:spTree>
-      <p:nvGrpSpPr>
-        <p:cNvPr id="1" name=""/>
-        <p:cNvGrpSpPr/>
-        <p:nvPr/>
-      </p:nvGrpSpPr>
-      <p:grpSpPr>
-        <a:xfrm>
-          <a:off x="0" y="0"/>
-          <a:ext cx="0" cy="0"/>
-          <a:chOff x="0" y="0"/>
-          <a:chExt cx="0" cy="0"/>
-        </a:xfrm>
-      </p:grpSpPr>
-      <p:sp>
-        <p:nvSpPr>
-          <p:cNvPr id="2" name="Title 1"/>
-          <p:cNvSpPr>
-            <a:spLocks noGrp="1"/>
-          </p:cNvSpPr>
-          <p:nvPr>
-            <p:ph type="title"/>
-          </p:nvPr>
-        </p:nvSpPr>
-        <p:spPr/>
-        <p:txBody>
-          <a:bodyPr/>
-          <a:lstStyle/>
-          <a:p>
-            <a:r>
-              <a:rPr lang="en-US" dirty="0" err="1" smtClean="0"/>
-              <a:t>Dva</a:t>
-            </a:r>
-            <a:endParaRPr lang="en-US" dirty="0"/>
-          </a:p>
-        </p:txBody>
-      </p:sp>
-      <p:sp>
-        <p:nvSpPr>
-          <p:cNvPr id="3" name="Text Placeholder 2"/>
-          <p:cNvSpPr>
-            <a:spLocks noGrp="1"/>
-          </p:cNvSpPr>
-          <p:nvPr>
-            <p:ph type="body" idx="1"/>
-          </p:nvPr>
-        </p:nvSpPr>
-        <p:spPr/>
-        <p:txBody>
-          <a:bodyPr/>
-          <a:lstStyle/>
-          <a:p>
-            <a:r>
-              <a:rPr lang="zh-CN" altLang="en-US" dirty="0" smtClean="0"/>
-              <a:t>阿里对</a:t>
-            </a:r>
-            <a:r>
-              <a:rPr lang="en-US" altLang="zh-CN" dirty="0" err="1" smtClean="0"/>
-              <a:t>Redux</a:t>
-            </a:r>
-            <a:r>
-              <a:rPr lang="zh-CN" altLang="en-US" dirty="0" smtClean="0"/>
-              <a:t>的封装</a:t>
-            </a:r>
-            <a:endParaRPr lang="en-US" altLang="zh-CN" dirty="0" smtClean="0"/>
-          </a:p>
-          <a:p>
-            <a:r>
-              <a:rPr lang="en-US" dirty="0"/>
-              <a:t>https://</a:t>
-            </a:r>
-            <a:r>
-              <a:rPr lang="en-US" dirty="0" err="1"/>
-              <a:t>github.com</a:t>
-            </a:r>
-            <a:r>
-              <a:rPr lang="en-US" dirty="0"/>
-              <a:t>/</a:t>
-            </a:r>
-            <a:r>
-              <a:rPr lang="en-US" dirty="0" err="1"/>
-              <a:t>dvajs</a:t>
-            </a:r>
-            <a:r>
-              <a:rPr lang="en-US" dirty="0"/>
-              <a:t>/</a:t>
-            </a:r>
-            <a:r>
-              <a:rPr lang="en-US" dirty="0" err="1"/>
-              <a:t>dva</a:t>
-            </a:r>
-            <a:r>
-              <a:rPr lang="en-US" dirty="0"/>
-              <a:t>-cli</a:t>
-            </a:r>
-          </a:p>
-        </p:txBody>
-      </p:sp>
-    </p:spTree>
-    <p:extLst>
-      <p:ext uri="{BB962C8B-B14F-4D97-AF65-F5344CB8AC3E}">
-        <p14:creationId xmlns:p14="http://schemas.microsoft.com/office/powerpoint/2010/main" val="1784386784"/>
-      </p:ext>
-    </p:extLst>
-  </p:cSld>
-  <p:clrMapOvr>
-    <a:masterClrMapping/>
-  </p:clrMapOvr>
-  <p:timing>
-    <p:tnLst>
-      <p:par>
-        <p:cTn id="1" dur="indefinite" restart="never" nodeType="tmRoot"/>
-      </p:par>
-    </p:tnLst>
-  </p:timing>
-</p:sld>
-</file>
-
-<file path=ppt/slides/slide34.xml><?xml version="1.0" encoding="utf-8"?>
-<p:sld xmlns:a="http://schemas.openxmlformats.org/drawingml/2006/main" xmlns:r="http://schemas.openxmlformats.org/officeDocument/2006/relationships" xmlns:p="http://schemas.openxmlformats.org/presentationml/2006/main">
-  <p:cSld>
-    <p:spTree>
-      <p:nvGrpSpPr>
-        <p:cNvPr id="1" name=""/>
-        <p:cNvGrpSpPr/>
-        <p:nvPr/>
-      </p:nvGrpSpPr>
-      <p:grpSpPr>
-        <a:xfrm>
-          <a:off x="0" y="0"/>
-          <a:ext cx="0" cy="0"/>
-          <a:chOff x="0" y="0"/>
-          <a:chExt cx="0" cy="0"/>
-        </a:xfrm>
-      </p:grpSpPr>
-      <p:sp>
-        <p:nvSpPr>
-          <p:cNvPr id="2" name="Title 1"/>
-          <p:cNvSpPr>
-            <a:spLocks noGrp="1"/>
-          </p:cNvSpPr>
-          <p:nvPr>
-            <p:ph type="title"/>
-          </p:nvPr>
-        </p:nvSpPr>
-        <p:spPr/>
-        <p:txBody>
-          <a:bodyPr/>
-          <a:lstStyle/>
-          <a:p>
-            <a:r>
-              <a:rPr lang="zh-CN" altLang="en-US" dirty="0" smtClean="0"/>
-              <a:t>基于</a:t>
-            </a:r>
-            <a:r>
-              <a:rPr lang="en-US" altLang="zh-CN" dirty="0" smtClean="0"/>
-              <a:t>DVA</a:t>
-            </a:r>
-            <a:r>
-              <a:rPr lang="zh-CN" altLang="en-US" dirty="0" smtClean="0"/>
-              <a:t>的项目实例</a:t>
-            </a:r>
-            <a:endParaRPr lang="en-US" dirty="0"/>
-          </a:p>
-        </p:txBody>
-      </p:sp>
-      <p:sp>
-        <p:nvSpPr>
-          <p:cNvPr id="3" name="Text Placeholder 2"/>
-          <p:cNvSpPr>
-            <a:spLocks noGrp="1"/>
-          </p:cNvSpPr>
-          <p:nvPr>
-            <p:ph type="body" idx="1"/>
-          </p:nvPr>
-        </p:nvSpPr>
-        <p:spPr/>
-        <p:txBody>
-          <a:bodyPr/>
-          <a:lstStyle/>
-          <a:p>
-            <a:r>
-              <a:rPr lang="zh-CN" altLang="en-US" dirty="0" smtClean="0"/>
-              <a:t>获取模拟用户</a:t>
-            </a:r>
-            <a:endParaRPr lang="en-US" dirty="0"/>
-          </a:p>
-        </p:txBody>
-      </p:sp>
-    </p:spTree>
-    <p:extLst>
-      <p:ext uri="{BB962C8B-B14F-4D97-AF65-F5344CB8AC3E}">
-        <p14:creationId xmlns:p14="http://schemas.microsoft.com/office/powerpoint/2010/main" val="977823030"/>
-      </p:ext>
-    </p:extLst>
-  </p:cSld>
-  <p:clrMapOvr>
-    <a:masterClrMapping/>
-  </p:clrMapOvr>
-</p:sld>
-</file>
-
 <file path=ppt/slides/slide35.xml><?xml version="1.0" encoding="utf-8"?>
 <p:sld xmlns:a="http://schemas.openxmlformats.org/drawingml/2006/main" xmlns:r="http://schemas.openxmlformats.org/officeDocument/2006/relationships" xmlns:p="http://schemas.openxmlformats.org/presentationml/2006/main">
   <p:cSld>
@@ -12491,11 +12956,7 @@
           <a:p>
             <a:r>
               <a:rPr lang="en-US" dirty="0" err="1" smtClean="0"/>
-              <a:t>Anuglar</a:t>
-            </a:r>
-            <a:r>
-              <a:rPr lang="en-US" dirty="0" smtClean="0"/>
-              <a:t> Tutorial</a:t>
+              <a:t>Dva</a:t>
             </a:r>
             <a:endParaRPr lang="en-US" dirty="0"/>
           </a:p>
@@ -12517,18 +12978,18 @@
           <a:lstStyle/>
           <a:p>
             <a:r>
-              <a:rPr lang="en-US" dirty="0">
-                <a:hlinkClick r:id="rId3"/>
-              </a:rPr>
-              <a:t>https://</a:t>
-            </a:r>
-            <a:r>
-              <a:rPr lang="en-US" dirty="0" smtClean="0">
-                <a:hlinkClick r:id="rId3"/>
-              </a:rPr>
-              <a:t>angular.io/tutorial</a:t>
-            </a:r>
-            <a:endParaRPr lang="en-US" dirty="0" smtClean="0"/>
+              <a:rPr lang="zh-CN" altLang="en-US" dirty="0" smtClean="0"/>
+              <a:t>阿里对</a:t>
+            </a:r>
+            <a:r>
+              <a:rPr lang="en-US" altLang="zh-CN" dirty="0" err="1" smtClean="0"/>
+              <a:t>Redux</a:t>
+            </a:r>
+            <a:r>
+              <a:rPr lang="zh-CN" altLang="en-US" dirty="0" smtClean="0"/>
+              <a:t>的封装</a:t>
+            </a:r>
+            <a:endParaRPr lang="en-US" altLang="zh-CN" dirty="0" smtClean="0"/>
           </a:p>
           <a:p>
             <a:r>
@@ -12537,11 +12998,27 @@
             </a:r>
             <a:r>
               <a:rPr lang="en-US" dirty="0" err="1"/>
-              <a:t>docs.angularjs.org</a:t>
+              <a:t>github.com</a:t>
             </a:r>
             <a:r>
               <a:rPr lang="en-US" dirty="0"/>
-              <a:t>/tutorial</a:t>
+              <a:t>/</a:t>
+            </a:r>
+            <a:r>
+              <a:rPr lang="en-US" dirty="0" err="1"/>
+              <a:t>dvajs</a:t>
+            </a:r>
+            <a:r>
+              <a:rPr lang="en-US" dirty="0"/>
+              <a:t>/</a:t>
+            </a:r>
+            <a:r>
+              <a:rPr lang="en-US" dirty="0" err="1"/>
+              <a:t>dva</a:t>
+            </a:r>
+            <a:r>
+              <a:rPr lang="en-US" dirty="0"/>
+              <a:t>-cli</a:t>
             </a:r>
           </a:p>
         </p:txBody>
@@ -12549,7 +13026,7 @@
     </p:spTree>
     <p:extLst>
       <p:ext uri="{BB962C8B-B14F-4D97-AF65-F5344CB8AC3E}">
-        <p14:creationId xmlns:p14="http://schemas.microsoft.com/office/powerpoint/2010/main" val="2098117636"/>
+        <p14:creationId xmlns:p14="http://schemas.microsoft.com/office/powerpoint/2010/main" val="1784386784"/>
       </p:ext>
     </p:extLst>
   </p:cSld>
@@ -12600,15 +13077,15 @@
           <a:p>
             <a:r>
               <a:rPr lang="zh-CN" altLang="en-US" dirty="0" smtClean="0"/>
-              <a:t>与</a:t>
+              <a:t>基于</a:t>
             </a:r>
             <a:r>
               <a:rPr lang="en-US" altLang="zh-CN" dirty="0" smtClean="0"/>
-              <a:t>React</a:t>
+              <a:t>DVA</a:t>
             </a:r>
             <a:r>
               <a:rPr lang="zh-CN" altLang="en-US" dirty="0" smtClean="0"/>
-              <a:t>的区别</a:t>
+              <a:t>的项目实例</a:t>
             </a:r>
             <a:endParaRPr lang="en-US" dirty="0"/>
           </a:p>
@@ -12624,85 +13101,29 @@
             <p:ph type="body" idx="1"/>
           </p:nvPr>
         </p:nvSpPr>
-        <p:spPr>
-          <a:xfrm>
-            <a:off x="1751011" y="4777381"/>
-            <a:ext cx="8686801" cy="1344450"/>
-          </a:xfrm>
-        </p:spPr>
-        <p:txBody>
-          <a:bodyPr>
-            <a:normAutofit/>
-          </a:bodyPr>
-          <a:lstStyle/>
-          <a:p>
-            <a:pPr marL="457200" indent="-457200">
-              <a:buAutoNum type="arabicPeriod"/>
-            </a:pPr>
+        <p:spPr/>
+        <p:txBody>
+          <a:bodyPr/>
+          <a:lstStyle/>
+          <a:p>
             <a:r>
               <a:rPr lang="zh-CN" altLang="en-US" dirty="0" smtClean="0"/>
-              <a:t>保留</a:t>
-            </a:r>
-            <a:r>
-              <a:rPr lang="en-US" altLang="zh-CN" dirty="0" smtClean="0"/>
-              <a:t>HTML</a:t>
-            </a:r>
-            <a:r>
-              <a:rPr lang="zh-CN" altLang="en-US" dirty="0" smtClean="0"/>
-              <a:t>结构</a:t>
-            </a:r>
-            <a:endParaRPr lang="en-US" altLang="zh-CN" dirty="0" smtClean="0"/>
-          </a:p>
-          <a:p>
-            <a:pPr marL="457200" indent="-457200">
-              <a:buAutoNum type="arabicPeriod"/>
-            </a:pPr>
-            <a:r>
-              <a:rPr lang="en-US" altLang="zh-CN" dirty="0" smtClean="0"/>
-              <a:t>MVVM</a:t>
-            </a:r>
-          </a:p>
-          <a:p>
-            <a:pPr marL="457200" indent="-457200">
-              <a:buAutoNum type="arabicPeriod"/>
-            </a:pPr>
-            <a:r>
-              <a:rPr lang="zh-CN" altLang="en-US" dirty="0" smtClean="0"/>
-              <a:t>大而全，不只是</a:t>
-            </a:r>
-            <a:r>
-              <a:rPr lang="en-US" altLang="zh-CN" dirty="0" smtClean="0"/>
-              <a:t>UI</a:t>
-            </a:r>
-            <a:r>
-              <a:rPr lang="zh-CN" altLang="en-US" dirty="0" smtClean="0"/>
-              <a:t>库，规定好了</a:t>
-            </a:r>
-            <a:r>
-              <a:rPr lang="zh-CN" altLang="en-US" smtClean="0"/>
-              <a:t>最佳开发实践</a:t>
-            </a:r>
-            <a:endParaRPr lang="en-US" altLang="zh-CN" dirty="0" smtClean="0"/>
+              <a:t>获取模拟用户</a:t>
+            </a:r>
+            <a:endParaRPr lang="en-US" dirty="0"/>
           </a:p>
         </p:txBody>
       </p:sp>
     </p:spTree>
     <p:extLst>
       <p:ext uri="{BB962C8B-B14F-4D97-AF65-F5344CB8AC3E}">
-        <p14:creationId xmlns:p14="http://schemas.microsoft.com/office/powerpoint/2010/main" val="137241654"/>
+        <p14:creationId xmlns:p14="http://schemas.microsoft.com/office/powerpoint/2010/main" val="977823030"/>
       </p:ext>
     </p:extLst>
   </p:cSld>
   <p:clrMapOvr>
     <a:masterClrMapping/>
   </p:clrMapOvr>
-  <p:timing>
-    <p:tnLst>
-      <p:par>
-        <p:cTn id="1" dur="indefinite" restart="never" nodeType="tmRoot"/>
-      </p:par>
-    </p:tnLst>
-  </p:timing>
 </p:sld>
 </file>
 
@@ -12739,142 +13160,66 @@
           <a:lstStyle/>
           <a:p>
             <a:r>
-              <a:rPr lang="en-US" altLang="zh-CN" dirty="0" smtClean="0"/>
-              <a:t>Angular JS</a:t>
-            </a:r>
-            <a:endParaRPr lang="en-US" dirty="0"/>
-          </a:p>
-        </p:txBody>
-      </p:sp>
-      <p:sp>
-        <p:nvSpPr>
-          <p:cNvPr id="3" name="Content Placeholder 2"/>
-          <p:cNvSpPr>
-            <a:spLocks noGrp="1"/>
-          </p:cNvSpPr>
-          <p:nvPr>
-            <p:ph idx="1"/>
-          </p:nvPr>
-        </p:nvSpPr>
-        <p:spPr/>
-        <p:txBody>
-          <a:bodyPr/>
-          <a:lstStyle/>
-          <a:p>
+              <a:rPr lang="en-US" dirty="0" err="1" smtClean="0"/>
+              <a:t>Anuglar</a:t>
+            </a:r>
             <a:r>
               <a:rPr lang="en-US" dirty="0" smtClean="0"/>
-              <a:t>Directive </a:t>
-            </a:r>
-            <a:r>
-              <a:rPr lang="zh-CN" altLang="en-US" dirty="0" smtClean="0"/>
-              <a:t>指令</a:t>
-            </a:r>
-            <a:endParaRPr lang="en-US" altLang="zh-CN" dirty="0" smtClean="0"/>
-          </a:p>
-          <a:p>
+              <a:t> Tutorial</a:t>
+            </a:r>
+            <a:endParaRPr lang="en-US" dirty="0"/>
+          </a:p>
+        </p:txBody>
+      </p:sp>
+      <p:sp>
+        <p:nvSpPr>
+          <p:cNvPr id="3" name="Text Placeholder 2"/>
+          <p:cNvSpPr>
+            <a:spLocks noGrp="1"/>
+          </p:cNvSpPr>
+          <p:nvPr>
+            <p:ph type="body" idx="1"/>
+          </p:nvPr>
+        </p:nvSpPr>
+        <p:spPr/>
+        <p:txBody>
+          <a:bodyPr/>
+          <a:lstStyle/>
+          <a:p>
+            <a:r>
+              <a:rPr lang="en-US" dirty="0">
+                <a:hlinkClick r:id="rId3"/>
+              </a:rPr>
+              <a:t>https://</a:t>
+            </a:r>
             <a:r>
               <a:rPr lang="en-US" dirty="0" smtClean="0">
-                <a:effectLst/>
+                <a:hlinkClick r:id="rId3"/>
               </a:rPr>
-              <a:t>Module</a:t>
-            </a:r>
-            <a:r>
-              <a:rPr lang="zh-CN" altLang="en-US" dirty="0" smtClean="0">
-                <a:effectLst/>
-              </a:rPr>
-              <a:t> 模块</a:t>
+              <a:t>angular.io/tutorial</a:t>
             </a:r>
             <a:endParaRPr lang="en-US" dirty="0" smtClean="0"/>
           </a:p>
           <a:p>
             <a:r>
-              <a:rPr lang="en-US" altLang="zh-CN" dirty="0" smtClean="0"/>
-              <a:t>Component</a:t>
-            </a:r>
-            <a:r>
-              <a:rPr lang="zh-CN" altLang="en-US" dirty="0" smtClean="0"/>
-              <a:t> 组件</a:t>
-            </a:r>
-            <a:endParaRPr lang="en-US" dirty="0" smtClean="0"/>
-          </a:p>
-          <a:p>
-            <a:r>
-              <a:rPr lang="en-US" dirty="0" smtClean="0"/>
-              <a:t>Provider(Service, factory)</a:t>
-            </a:r>
-          </a:p>
-          <a:p>
-            <a:r>
-              <a:rPr lang="en-US" dirty="0">
-                <a:effectLst/>
-              </a:rPr>
-              <a:t>Dependency </a:t>
-            </a:r>
-            <a:r>
-              <a:rPr lang="en-US" dirty="0" smtClean="0">
-                <a:effectLst/>
-              </a:rPr>
-              <a:t>Injection </a:t>
-            </a:r>
-            <a:r>
-              <a:rPr lang="zh-CN" altLang="en-US" dirty="0" smtClean="0">
-                <a:effectLst/>
-              </a:rPr>
-              <a:t>依赖注入</a:t>
-            </a:r>
-            <a:endParaRPr lang="en-US" altLang="zh-CN" dirty="0" smtClean="0">
-              <a:effectLst/>
-            </a:endParaRPr>
-          </a:p>
-          <a:p>
-            <a:r>
-              <a:rPr lang="en-US" altLang="zh-CN" dirty="0" smtClean="0">
-                <a:effectLst/>
-              </a:rPr>
-              <a:t>Controller</a:t>
-            </a:r>
-            <a:r>
-              <a:rPr lang="zh-CN" altLang="en-US" dirty="0" smtClean="0">
-                <a:effectLst/>
-              </a:rPr>
-              <a:t> 控制器</a:t>
-            </a:r>
-            <a:endParaRPr lang="en-US" altLang="zh-CN" dirty="0" smtClean="0">
-              <a:effectLst/>
-            </a:endParaRPr>
-          </a:p>
-          <a:p>
-            <a:endParaRPr lang="en-US" dirty="0"/>
-          </a:p>
-        </p:txBody>
-      </p:sp>
-      <p:sp>
-        <p:nvSpPr>
-          <p:cNvPr id="4" name="Text Placeholder 3"/>
-          <p:cNvSpPr>
-            <a:spLocks noGrp="1"/>
-          </p:cNvSpPr>
-          <p:nvPr>
-            <p:ph type="body" sz="half" idx="2"/>
-          </p:nvPr>
-        </p:nvSpPr>
-        <p:spPr/>
-        <p:txBody>
-          <a:bodyPr/>
-          <a:lstStyle/>
-          <a:p>
-            <a:r>
-              <a:rPr lang="zh-CN" altLang="en-US" dirty="0" smtClean="0"/>
-              <a:t>知识简介</a:t>
-            </a:r>
-            <a:endParaRPr lang="en-US" dirty="0"/>
+              <a:rPr lang="en-US" dirty="0"/>
+              <a:t>https://</a:t>
+            </a:r>
+            <a:r>
+              <a:rPr lang="en-US" dirty="0" err="1"/>
+              <a:t>docs.angularjs.org</a:t>
+            </a:r>
+            <a:r>
+              <a:rPr lang="en-US" dirty="0"/>
+              <a:t>/tutorial</a:t>
+            </a:r>
           </a:p>
         </p:txBody>
       </p:sp>
     </p:spTree>
     <p:extLst>
       <p:ext uri="{BB962C8B-B14F-4D97-AF65-F5344CB8AC3E}">
-        <p14:creationId xmlns:p14="http://schemas.microsoft.com/office/powerpoint/2010/main" val="1326356102"/>
+        <p14:creationId xmlns:p14="http://schemas.microsoft.com/office/powerpoint/2010/main" val="2098117636"/>
       </p:ext>
     </p:extLst>
   </p:cSld>
@@ -12924,12 +13269,16 @@
           <a:lstStyle/>
           <a:p>
             <a:r>
-              <a:rPr lang="en-US" altLang="zh-CN" dirty="0" err="1" smtClean="0"/>
-              <a:t>AngularJS</a:t>
-            </a:r>
-            <a:r>
               <a:rPr lang="zh-CN" altLang="en-US" dirty="0" smtClean="0"/>
-              <a:t>项目实战</a:t>
+              <a:t>与</a:t>
+            </a:r>
+            <a:r>
+              <a:rPr lang="en-US" altLang="zh-CN" dirty="0" smtClean="0"/>
+              <a:t>React</a:t>
+            </a:r>
+            <a:r>
+              <a:rPr lang="zh-CN" altLang="en-US" dirty="0" smtClean="0"/>
+              <a:t>的区别</a:t>
             </a:r>
             <a:endParaRPr lang="en-US" dirty="0"/>
           </a:p>
@@ -12945,27 +13294,72 @@
             <p:ph type="body" idx="1"/>
           </p:nvPr>
         </p:nvSpPr>
-        <p:spPr/>
-        <p:txBody>
-          <a:bodyPr/>
-          <a:lstStyle/>
-          <a:p>
-            <a:r>
-              <a:rPr lang="en-US" altLang="zh-CN" dirty="0" err="1" smtClean="0"/>
-              <a:t>Todo</a:t>
+        <p:spPr>
+          <a:xfrm>
+            <a:off x="1751011" y="4777381"/>
+            <a:ext cx="8686801" cy="1344450"/>
+          </a:xfrm>
+        </p:spPr>
+        <p:txBody>
+          <a:bodyPr>
+            <a:normAutofit/>
+          </a:bodyPr>
+          <a:lstStyle/>
+          <a:p>
+            <a:pPr marL="457200" indent="-457200">
+              <a:buAutoNum type="arabicPeriod"/>
+            </a:pPr>
+            <a:r>
+              <a:rPr lang="zh-CN" altLang="en-US" dirty="0" smtClean="0"/>
+              <a:t>保留</a:t>
             </a:r>
             <a:r>
               <a:rPr lang="en-US" altLang="zh-CN" dirty="0" smtClean="0"/>
-              <a:t> List</a:t>
-            </a:r>
-            <a:endParaRPr lang="en-US" dirty="0"/>
+              <a:t>HTML</a:t>
+            </a:r>
+            <a:r>
+              <a:rPr lang="zh-CN" altLang="en-US" dirty="0" smtClean="0"/>
+              <a:t>结构</a:t>
+            </a:r>
+            <a:endParaRPr lang="en-US" altLang="zh-CN" dirty="0" smtClean="0"/>
+          </a:p>
+          <a:p>
+            <a:pPr marL="457200" indent="-457200">
+              <a:buAutoNum type="arabicPeriod"/>
+            </a:pPr>
+            <a:r>
+              <a:rPr lang="en-US" altLang="zh-CN" dirty="0" smtClean="0"/>
+              <a:t>MVVM</a:t>
+            </a:r>
+          </a:p>
+          <a:p>
+            <a:pPr marL="457200" indent="-457200">
+              <a:buAutoNum type="arabicPeriod"/>
+            </a:pPr>
+            <a:r>
+              <a:rPr lang="zh-CN" altLang="en-US" dirty="0" smtClean="0"/>
+              <a:t>大而全，不只是</a:t>
+            </a:r>
+            <a:r>
+              <a:rPr lang="en-US" altLang="zh-CN" dirty="0" smtClean="0"/>
+              <a:t>UI</a:t>
+            </a:r>
+            <a:r>
+              <a:rPr lang="zh-CN" altLang="en-US" dirty="0" smtClean="0"/>
+              <a:t>库，规定好了</a:t>
+            </a:r>
+            <a:r>
+              <a:rPr lang="zh-CN" altLang="en-US" smtClean="0"/>
+              <a:t>最佳开发实践</a:t>
+            </a:r>
+            <a:endParaRPr lang="en-US" altLang="zh-CN" dirty="0" smtClean="0"/>
           </a:p>
         </p:txBody>
       </p:sp>
     </p:spTree>
     <p:extLst>
       <p:ext uri="{BB962C8B-B14F-4D97-AF65-F5344CB8AC3E}">
-        <p14:creationId xmlns:p14="http://schemas.microsoft.com/office/powerpoint/2010/main" val="1639088771"/>
+        <p14:creationId xmlns:p14="http://schemas.microsoft.com/office/powerpoint/2010/main" val="137241654"/>
       </p:ext>
     </p:extLst>
   </p:cSld>
@@ -13016,71 +13410,141 @@
           <a:p>
             <a:r>
               <a:rPr lang="en-US" altLang="zh-CN" dirty="0" smtClean="0"/>
-              <a:t>Angular </a:t>
+              <a:t>Angular JS</a:t>
+            </a:r>
+            <a:endParaRPr lang="en-US" dirty="0"/>
+          </a:p>
+        </p:txBody>
+      </p:sp>
+      <p:sp>
+        <p:nvSpPr>
+          <p:cNvPr id="3" name="Content Placeholder 2"/>
+          <p:cNvSpPr>
+            <a:spLocks noGrp="1"/>
+          </p:cNvSpPr>
+          <p:nvPr>
+            <p:ph idx="1"/>
+          </p:nvPr>
+        </p:nvSpPr>
+        <p:spPr/>
+        <p:txBody>
+          <a:bodyPr/>
+          <a:lstStyle/>
+          <a:p>
+            <a:r>
+              <a:rPr lang="en-US" dirty="0" smtClean="0"/>
+              <a:t>Directive </a:t>
             </a:r>
             <a:r>
               <a:rPr lang="zh-CN" altLang="en-US" dirty="0" smtClean="0"/>
-              <a:t>脚手架项目</a:t>
-            </a:r>
-            <a:endParaRPr lang="en-US" dirty="0"/>
-          </a:p>
-        </p:txBody>
-      </p:sp>
-      <p:sp>
-        <p:nvSpPr>
-          <p:cNvPr id="3" name="Content Placeholder 2"/>
-          <p:cNvSpPr>
-            <a:spLocks noGrp="1"/>
-          </p:cNvSpPr>
-          <p:nvPr>
-            <p:ph idx="1"/>
-          </p:nvPr>
-        </p:nvSpPr>
-        <p:spPr/>
-        <p:txBody>
-          <a:bodyPr/>
-          <a:lstStyle/>
-          <a:p>
-            <a:r>
-              <a:rPr lang="en-US" dirty="0"/>
-              <a:t>Yeoman: </a:t>
-            </a:r>
+              <a:t>指令</a:t>
+            </a:r>
+            <a:endParaRPr lang="en-US" altLang="zh-CN" dirty="0" smtClean="0"/>
+          </a:p>
+          <a:p>
+            <a:r>
+              <a:rPr lang="en-US" dirty="0" smtClean="0">
+                <a:effectLst/>
+              </a:rPr>
+              <a:t>Module</a:t>
+            </a:r>
+            <a:r>
+              <a:rPr lang="zh-CN" altLang="en-US" dirty="0" smtClean="0">
+                <a:effectLst/>
+              </a:rPr>
+              <a:t> 模块</a:t>
+            </a:r>
+            <a:endParaRPr lang="en-US" dirty="0" smtClean="0"/>
+          </a:p>
+          <a:p>
+            <a:r>
+              <a:rPr lang="en-US" altLang="zh-CN" dirty="0" smtClean="0"/>
+              <a:t>Component</a:t>
+            </a:r>
+            <a:r>
+              <a:rPr lang="zh-CN" altLang="en-US" dirty="0" smtClean="0"/>
+              <a:t> 组件</a:t>
+            </a:r>
+            <a:endParaRPr lang="en-US" dirty="0" smtClean="0"/>
+          </a:p>
+          <a:p>
+            <a:r>
+              <a:rPr lang="en-US" dirty="0" smtClean="0"/>
+              <a:t>Provider(Service, factory)</a:t>
+            </a:r>
+          </a:p>
+          <a:p>
             <a:r>
               <a:rPr lang="en-US" dirty="0">
-                <a:hlinkClick r:id="rId3"/>
+                <a:effectLst/>
               </a:rPr>
-              <a:t>https://</a:t>
+              <a:t>Dependency </a:t>
             </a:r>
             <a:r>
               <a:rPr lang="en-US" dirty="0" smtClean="0">
-                <a:hlinkClick r:id="rId3"/>
+                <a:effectLst/>
               </a:rPr>
-              <a:t>github.com/Swiip/generator-gulp-angular</a:t>
-            </a:r>
-            <a:endParaRPr lang="en-US" dirty="0" smtClean="0"/>
-          </a:p>
-          <a:p>
-            <a:r>
-              <a:rPr lang="en-US" dirty="0" smtClean="0"/>
-              <a:t>Gulp serve</a:t>
-            </a:r>
-          </a:p>
-          <a:p>
-            <a:r>
-              <a:rPr lang="en-US" dirty="0" err="1" smtClean="0"/>
-              <a:t>Anuglar</a:t>
-            </a:r>
-            <a:r>
-              <a:rPr lang="en-US" dirty="0" smtClean="0"/>
-              <a:t> Material</a:t>
-            </a:r>
+              <a:t>Injection </a:t>
+            </a:r>
+            <a:r>
+              <a:rPr lang="zh-CN" altLang="en-US" dirty="0" smtClean="0">
+                <a:effectLst/>
+              </a:rPr>
+              <a:t>依赖注入</a:t>
+            </a:r>
+            <a:endParaRPr lang="en-US" altLang="zh-CN" dirty="0" smtClean="0">
+              <a:effectLst/>
+            </a:endParaRPr>
+          </a:p>
+          <a:p>
+            <a:r>
+              <a:rPr lang="en-US" altLang="zh-CN" dirty="0" smtClean="0">
+                <a:effectLst/>
+              </a:rPr>
+              <a:t>Controller</a:t>
+            </a:r>
+            <a:r>
+              <a:rPr lang="zh-CN" altLang="en-US" dirty="0" smtClean="0">
+                <a:effectLst/>
+              </a:rPr>
+              <a:t> 控制器</a:t>
+            </a:r>
+            <a:endParaRPr lang="en-US" altLang="zh-CN" dirty="0" smtClean="0">
+              <a:effectLst/>
+            </a:endParaRPr>
+          </a:p>
+          <a:p>
+            <a:endParaRPr lang="en-US" dirty="0"/>
+          </a:p>
+        </p:txBody>
+      </p:sp>
+      <p:sp>
+        <p:nvSpPr>
+          <p:cNvPr id="4" name="Text Placeholder 3"/>
+          <p:cNvSpPr>
+            <a:spLocks noGrp="1"/>
+          </p:cNvSpPr>
+          <p:nvPr>
+            <p:ph type="body" sz="half" idx="2"/>
+          </p:nvPr>
+        </p:nvSpPr>
+        <p:spPr/>
+        <p:txBody>
+          <a:bodyPr/>
+          <a:lstStyle/>
+          <a:p>
+            <a:r>
+              <a:rPr lang="zh-CN" altLang="en-US" dirty="0" smtClean="0"/>
+              <a:t>知识简介</a:t>
+            </a:r>
+            <a:endParaRPr lang="en-US" dirty="0"/>
           </a:p>
         </p:txBody>
       </p:sp>
     </p:spTree>
     <p:extLst>
       <p:ext uri="{BB962C8B-B14F-4D97-AF65-F5344CB8AC3E}">
-        <p14:creationId xmlns:p14="http://schemas.microsoft.com/office/powerpoint/2010/main" val="1446031074"/>
+        <p14:creationId xmlns:p14="http://schemas.microsoft.com/office/powerpoint/2010/main" val="1326356102"/>
       </p:ext>
     </p:extLst>
   </p:cSld>
@@ -13278,97 +13742,40 @@
           <a:lstStyle/>
           <a:p>
             <a:r>
-              <a:rPr lang="en-US" dirty="0" smtClean="0"/>
-              <a:t>Angular 6</a:t>
-            </a:r>
-            <a:endParaRPr lang="en-US" dirty="0"/>
-          </a:p>
-        </p:txBody>
-      </p:sp>
-      <p:sp>
-        <p:nvSpPr>
-          <p:cNvPr id="3" name="Content Placeholder 2"/>
-          <p:cNvSpPr>
-            <a:spLocks noGrp="1"/>
-          </p:cNvSpPr>
-          <p:nvPr>
-            <p:ph idx="1"/>
-          </p:nvPr>
-        </p:nvSpPr>
-        <p:spPr/>
-        <p:txBody>
-          <a:bodyPr/>
-          <a:lstStyle/>
-          <a:p>
-            <a:r>
-              <a:rPr lang="en-US" dirty="0" smtClean="0"/>
-              <a:t>1. Typescript</a:t>
-            </a:r>
-          </a:p>
-          <a:p>
-            <a:r>
-              <a:rPr lang="en-US" dirty="0" smtClean="0"/>
-              <a:t>2. </a:t>
-            </a:r>
-            <a:r>
-              <a:rPr lang="zh-CN" altLang="en-US" dirty="0" smtClean="0"/>
-              <a:t>其实与</a:t>
-            </a:r>
-            <a:r>
               <a:rPr lang="en-US" altLang="zh-CN" dirty="0" err="1" smtClean="0"/>
               <a:t>AngularJS</a:t>
             </a:r>
             <a:r>
               <a:rPr lang="zh-CN" altLang="en-US" dirty="0" smtClean="0"/>
-              <a:t>比较相似</a:t>
-            </a:r>
-            <a:endParaRPr lang="en-US" altLang="zh-CN" dirty="0" smtClean="0"/>
-          </a:p>
-          <a:p>
+              <a:t>项目实战</a:t>
+            </a:r>
+            <a:endParaRPr lang="en-US" dirty="0"/>
+          </a:p>
+        </p:txBody>
+      </p:sp>
+      <p:sp>
+        <p:nvSpPr>
+          <p:cNvPr id="3" name="Text Placeholder 2"/>
+          <p:cNvSpPr>
+            <a:spLocks noGrp="1"/>
+          </p:cNvSpPr>
+          <p:nvPr>
+            <p:ph type="body" idx="1"/>
+          </p:nvPr>
+        </p:nvSpPr>
+        <p:spPr/>
+        <p:txBody>
+          <a:bodyPr/>
+          <a:lstStyle/>
+          <a:p>
+            <a:r>
+              <a:rPr lang="en-US" altLang="zh-CN" dirty="0" err="1" smtClean="0"/>
+              <a:t>Todo</a:t>
+            </a:r>
             <a:r>
               <a:rPr lang="en-US" altLang="zh-CN" dirty="0" smtClean="0"/>
-              <a:t>3.</a:t>
-            </a:r>
-            <a:r>
-              <a:rPr lang="zh-CN" altLang="en-US" dirty="0" smtClean="0"/>
-              <a:t> 完整的</a:t>
-            </a:r>
-            <a:r>
-              <a:rPr lang="en-US" altLang="zh-CN" dirty="0" err="1" smtClean="0"/>
-              <a:t>Cli</a:t>
-            </a:r>
-            <a:r>
-              <a:rPr lang="zh-CN" altLang="en-US" dirty="0" smtClean="0"/>
-              <a:t>系统</a:t>
-            </a:r>
-            <a:endParaRPr lang="en-US" altLang="zh-CN" dirty="0" smtClean="0"/>
-          </a:p>
-          <a:p>
-            <a:r>
-              <a:rPr lang="en-US" dirty="0" smtClean="0"/>
-              <a:t>4. observables, </a:t>
-            </a:r>
-            <a:r>
-              <a:rPr lang="en-US" dirty="0" err="1" smtClean="0"/>
-              <a:t>RxJS</a:t>
-            </a:r>
-            <a:r>
-              <a:rPr lang="en-US" dirty="0" smtClean="0"/>
-              <a:t> (Reactive </a:t>
-            </a:r>
-            <a:r>
-              <a:rPr lang="en-US" dirty="0">
-                <a:effectLst/>
-              </a:rPr>
-              <a:t>Extensions</a:t>
-            </a:r>
-            <a:r>
-              <a:rPr lang="en-US" dirty="0" smtClean="0"/>
-              <a:t>)</a:t>
-            </a:r>
-            <a:endParaRPr lang="en-US" dirty="0"/>
-          </a:p>
-          <a:p>
+              <a:t> List</a:t>
+            </a:r>
             <a:endParaRPr lang="en-US" dirty="0"/>
           </a:p>
         </p:txBody>
@@ -13376,7 +13783,7 @@
     </p:spTree>
     <p:extLst>
       <p:ext uri="{BB962C8B-B14F-4D97-AF65-F5344CB8AC3E}">
-        <p14:creationId xmlns:p14="http://schemas.microsoft.com/office/powerpoint/2010/main" val="1418923925"/>
+        <p14:creationId xmlns:p14="http://schemas.microsoft.com/office/powerpoint/2010/main" val="1639088771"/>
       </p:ext>
     </p:extLst>
   </p:cSld>
@@ -13427,7 +13834,11 @@
           <a:p>
             <a:r>
               <a:rPr lang="en-US" altLang="zh-CN" dirty="0" smtClean="0"/>
-              <a:t>Observable</a:t>
+              <a:t>Angular </a:t>
+            </a:r>
+            <a:r>
+              <a:rPr lang="zh-CN" altLang="en-US" dirty="0" smtClean="0"/>
+              <a:t>脚手架项目</a:t>
             </a:r>
             <a:endParaRPr lang="en-US" dirty="0"/>
           </a:p>
@@ -13449,70 +13860,45 @@
           <a:lstStyle/>
           <a:p>
             <a:r>
+              <a:rPr lang="en-US" dirty="0"/>
+              <a:t>Yeoman: </a:t>
+            </a:r>
+            <a:r>
+              <a:rPr lang="en-US" dirty="0">
+                <a:hlinkClick r:id="rId3"/>
+              </a:rPr>
+              <a:t>https://</a:t>
+            </a:r>
+            <a:r>
+              <a:rPr lang="en-US" dirty="0" smtClean="0">
+                <a:hlinkClick r:id="rId3"/>
+              </a:rPr>
+              <a:t>github.com/Swiip/generator-gulp-angular</a:t>
+            </a:r>
+            <a:endParaRPr lang="en-US" dirty="0" smtClean="0"/>
+          </a:p>
+          <a:p>
+            <a:r>
               <a:rPr lang="en-US" dirty="0" smtClean="0"/>
-              <a:t>1. </a:t>
-            </a:r>
-            <a:r>
-              <a:rPr lang="zh-CN" altLang="en-US" dirty="0" smtClean="0"/>
-              <a:t>支持多个变量</a:t>
-            </a:r>
-            <a:endParaRPr lang="en-US" altLang="zh-CN" dirty="0" smtClean="0"/>
-          </a:p>
-          <a:p>
-            <a:r>
-              <a:rPr lang="en-US" altLang="zh-CN" dirty="0" smtClean="0"/>
-              <a:t>2.</a:t>
-            </a:r>
-            <a:r>
-              <a:rPr lang="zh-CN" altLang="en-US" dirty="0" smtClean="0"/>
-              <a:t> </a:t>
-            </a:r>
-            <a:r>
-              <a:rPr lang="en-US" altLang="zh-CN" dirty="0" smtClean="0"/>
-              <a:t>cancel</a:t>
-            </a:r>
-            <a:r>
-              <a:rPr lang="zh-CN" altLang="en-US" dirty="0" smtClean="0"/>
-              <a:t>掉一个</a:t>
-            </a:r>
-            <a:r>
-              <a:rPr lang="en-US" altLang="zh-CN" dirty="0" smtClean="0"/>
-              <a:t>observable</a:t>
-            </a:r>
-          </a:p>
-          <a:p>
-            <a:r>
-              <a:rPr lang="en-US" altLang="zh-CN" dirty="0" smtClean="0"/>
-              <a:t>3.</a:t>
-            </a:r>
-            <a:r>
-              <a:rPr lang="zh-CN" altLang="en-US" dirty="0" smtClean="0"/>
-              <a:t> </a:t>
-            </a:r>
-            <a:r>
-              <a:rPr lang="en-US" altLang="zh-CN" dirty="0" smtClean="0"/>
-              <a:t>promise-&gt; then</a:t>
-            </a:r>
-            <a:r>
-              <a:rPr lang="zh-CN" altLang="en-US" dirty="0" smtClean="0"/>
-              <a:t> </a:t>
-            </a:r>
-            <a:r>
-              <a:rPr lang="en-US" altLang="zh-CN" dirty="0" smtClean="0"/>
-              <a:t>  observable -&gt; subscribe</a:t>
+              <a:t>Gulp serve</a:t>
+            </a:r>
+          </a:p>
+          <a:p>
+            <a:r>
+              <a:rPr lang="en-US" dirty="0" err="1" smtClean="0"/>
+              <a:t>Anuglar</a:t>
             </a:r>
             <a:r>
               <a:rPr lang="en-US" dirty="0" smtClean="0"/>
-              <a:t> </a:t>
-            </a:r>
-            <a:endParaRPr lang="en-US" dirty="0"/>
+              <a:t> Material</a:t>
+            </a:r>
           </a:p>
         </p:txBody>
       </p:sp>
     </p:spTree>
     <p:extLst>
       <p:ext uri="{BB962C8B-B14F-4D97-AF65-F5344CB8AC3E}">
-        <p14:creationId xmlns:p14="http://schemas.microsoft.com/office/powerpoint/2010/main" val="1029556927"/>
+        <p14:creationId xmlns:p14="http://schemas.microsoft.com/office/powerpoint/2010/main" val="1446031074"/>
       </p:ext>
     </p:extLst>
   </p:cSld>
@@ -13562,193 +13948,95 @@
           <a:lstStyle/>
           <a:p>
             <a:r>
+              <a:rPr lang="en-US" dirty="0" smtClean="0"/>
+              <a:t>Angular 6</a:t>
+            </a:r>
+            <a:endParaRPr lang="en-US" dirty="0"/>
+          </a:p>
+        </p:txBody>
+      </p:sp>
+      <p:sp>
+        <p:nvSpPr>
+          <p:cNvPr id="3" name="Content Placeholder 2"/>
+          <p:cNvSpPr>
+            <a:spLocks noGrp="1"/>
+          </p:cNvSpPr>
+          <p:nvPr>
+            <p:ph idx="1"/>
+          </p:nvPr>
+        </p:nvSpPr>
+        <p:spPr/>
+        <p:txBody>
+          <a:bodyPr/>
+          <a:lstStyle/>
+          <a:p>
+            <a:r>
+              <a:rPr lang="en-US" dirty="0" smtClean="0"/>
+              <a:t>1. Typescript</a:t>
+            </a:r>
+          </a:p>
+          <a:p>
+            <a:r>
+              <a:rPr lang="en-US" dirty="0" smtClean="0"/>
+              <a:t>2. </a:t>
+            </a:r>
+            <a:r>
+              <a:rPr lang="zh-CN" altLang="en-US" dirty="0" smtClean="0"/>
+              <a:t>其实与</a:t>
+            </a:r>
+            <a:r>
+              <a:rPr lang="en-US" altLang="zh-CN" dirty="0" err="1" smtClean="0"/>
+              <a:t>AngularJS</a:t>
+            </a:r>
+            <a:r>
+              <a:rPr lang="zh-CN" altLang="en-US" dirty="0" smtClean="0"/>
+              <a:t>比较相似</a:t>
+            </a:r>
+            <a:endParaRPr lang="en-US" altLang="zh-CN" dirty="0" smtClean="0"/>
+          </a:p>
+          <a:p>
+            <a:r>
               <a:rPr lang="en-US" altLang="zh-CN" dirty="0" smtClean="0"/>
-              <a:t>Angular</a:t>
+              <a:t>3.</a:t>
             </a:r>
             <a:r>
               <a:rPr lang="zh-CN" altLang="en-US" dirty="0" smtClean="0"/>
-              <a:t> 指令</a:t>
-            </a:r>
-            <a:endParaRPr lang="en-US" dirty="0"/>
-          </a:p>
-        </p:txBody>
-      </p:sp>
-      <p:sp>
-        <p:nvSpPr>
-          <p:cNvPr id="3" name="Content Placeholder 2"/>
-          <p:cNvSpPr>
-            <a:spLocks noGrp="1"/>
-          </p:cNvSpPr>
-          <p:nvPr>
-            <p:ph idx="1"/>
-          </p:nvPr>
-        </p:nvSpPr>
-        <p:spPr/>
-        <p:txBody>
-          <a:bodyPr/>
-          <a:lstStyle/>
-          <a:p>
-            <a:r>
-              <a:rPr lang="zh-CN" altLang="en-US" dirty="0">
+              <a:t> 完整的</a:t>
+            </a:r>
+            <a:r>
+              <a:rPr lang="en-US" altLang="zh-CN" dirty="0" err="1" smtClean="0"/>
+              <a:t>Cli</a:t>
+            </a:r>
+            <a:r>
+              <a:rPr lang="zh-CN" altLang="en-US" dirty="0" smtClean="0"/>
+              <a:t>系统</a:t>
+            </a:r>
+            <a:endParaRPr lang="en-US" altLang="zh-CN" dirty="0" smtClean="0"/>
+          </a:p>
+          <a:p>
+            <a:r>
+              <a:rPr lang="en-US" dirty="0" smtClean="0"/>
+              <a:t>4. observables, </a:t>
+            </a:r>
+            <a:r>
+              <a:rPr lang="en-US" dirty="0" err="1" smtClean="0"/>
+              <a:t>RxJS</a:t>
+            </a:r>
+            <a:r>
+              <a:rPr lang="en-US" dirty="0" smtClean="0"/>
+              <a:t> (Reactive </a:t>
+            </a:r>
+            <a:r>
+              <a:rPr lang="en-US" dirty="0">
                 <a:effectLst/>
               </a:rPr>
-              <a:t>组件 </a:t>
-            </a:r>
-            <a:r>
-              <a:rPr lang="en-US" altLang="zh-CN" dirty="0">
-                <a:effectLst/>
-              </a:rPr>
-              <a:t>- </a:t>
-            </a:r>
-            <a:r>
-              <a:rPr lang="zh-CN" altLang="en-US" dirty="0">
-                <a:effectLst/>
-              </a:rPr>
-              <a:t>带有模板的指令</a:t>
-            </a:r>
-            <a:r>
-              <a:rPr lang="en-US" altLang="zh-CN" dirty="0">
-                <a:effectLst/>
-              </a:rPr>
-              <a:t>(</a:t>
-            </a:r>
-            <a:r>
-              <a:rPr lang="zh-CN" altLang="en-US" dirty="0">
-                <a:effectLst/>
-              </a:rPr>
-              <a:t>组件皆指令</a:t>
-            </a:r>
-            <a:r>
-              <a:rPr lang="en-US" altLang="zh-CN" dirty="0">
-                <a:effectLst/>
-              </a:rPr>
+              <a:t>Extensions</a:t>
+            </a:r>
+            <a:r>
+              <a:rPr lang="en-US" dirty="0" smtClean="0"/>
               <a:t>)</a:t>
             </a:r>
-          </a:p>
-          <a:p>
-            <a:r>
-              <a:rPr lang="zh-CN" altLang="en-US" dirty="0">
-                <a:effectLst/>
-              </a:rPr>
-              <a:t>结构型指令 </a:t>
-            </a:r>
-            <a:r>
-              <a:rPr lang="en-US" altLang="zh-CN" dirty="0">
-                <a:effectLst/>
-              </a:rPr>
-              <a:t>- </a:t>
-            </a:r>
-            <a:r>
-              <a:rPr lang="zh-CN" altLang="en-US" dirty="0">
-                <a:effectLst/>
-              </a:rPr>
-              <a:t>作用于</a:t>
-            </a:r>
-            <a:r>
-              <a:rPr lang="en-US" altLang="zh-CN" dirty="0">
-                <a:effectLst/>
-              </a:rPr>
-              <a:t>DOM</a:t>
-            </a:r>
-            <a:r>
-              <a:rPr lang="zh-CN" altLang="en-US" dirty="0">
-                <a:effectLst/>
-              </a:rPr>
-              <a:t>元素修改视图结构的指令</a:t>
-            </a:r>
-            <a:r>
-              <a:rPr lang="en-US" altLang="zh-CN" dirty="0">
-                <a:effectLst/>
-              </a:rPr>
-              <a:t>(</a:t>
-            </a:r>
-            <a:r>
-              <a:rPr lang="en-US" altLang="zh-CN" dirty="0" err="1">
-                <a:effectLst/>
-              </a:rPr>
-              <a:t>NgIf</a:t>
-            </a:r>
-            <a:r>
-              <a:rPr lang="zh-CN" altLang="en-US" dirty="0">
-                <a:effectLst/>
-              </a:rPr>
-              <a:t>、</a:t>
-            </a:r>
-            <a:r>
-              <a:rPr lang="en-US" altLang="zh-CN" dirty="0" err="1">
-                <a:effectLst/>
-              </a:rPr>
-              <a:t>NgFor</a:t>
-            </a:r>
-            <a:r>
-              <a:rPr lang="zh-CN" altLang="en-US" dirty="0">
-                <a:effectLst/>
-              </a:rPr>
-              <a:t>等</a:t>
-            </a:r>
-            <a:r>
-              <a:rPr lang="en-US" altLang="zh-CN" dirty="0">
-                <a:effectLst/>
-              </a:rPr>
-              <a:t>)</a:t>
-            </a:r>
-          </a:p>
-          <a:p>
-            <a:r>
-              <a:rPr lang="zh-CN" altLang="en-US" dirty="0">
-                <a:effectLst/>
-              </a:rPr>
-              <a:t>属性型指令 </a:t>
-            </a:r>
-            <a:r>
-              <a:rPr lang="en-US" altLang="zh-CN" dirty="0">
-                <a:effectLst/>
-              </a:rPr>
-              <a:t>- </a:t>
-            </a:r>
-            <a:r>
-              <a:rPr lang="zh-CN" altLang="en-US" dirty="0">
-                <a:effectLst/>
-              </a:rPr>
-              <a:t>作用于</a:t>
-            </a:r>
-            <a:r>
-              <a:rPr lang="en-US" altLang="zh-CN" dirty="0">
-                <a:effectLst/>
-              </a:rPr>
-              <a:t>DOM</a:t>
-            </a:r>
-            <a:r>
-              <a:rPr lang="zh-CN" altLang="en-US" dirty="0">
-                <a:effectLst/>
-              </a:rPr>
-              <a:t>元素的外观和行为的指令</a:t>
-            </a:r>
-            <a:r>
-              <a:rPr lang="en-US" altLang="zh-CN" dirty="0">
-                <a:effectLst/>
-              </a:rPr>
-              <a:t>(</a:t>
-            </a:r>
-            <a:r>
-              <a:rPr lang="en-US" altLang="zh-CN" dirty="0" err="1"/>
-              <a:t>NgStyle</a:t>
-            </a:r>
-            <a:r>
-              <a:rPr lang="zh-CN" altLang="en-US" dirty="0">
-                <a:effectLst/>
-              </a:rPr>
-              <a:t>等</a:t>
-            </a:r>
-            <a:r>
-              <a:rPr lang="en-US" altLang="zh-CN" dirty="0">
-                <a:effectLst/>
-              </a:rPr>
-              <a:t>)</a:t>
-            </a:r>
-            <a:endParaRPr lang="zh-CN" altLang="en-US" dirty="0">
-              <a:effectLst/>
-            </a:endParaRPr>
+            <a:endParaRPr lang="en-US" dirty="0"/>
           </a:p>
           <a:p>
             <a:endParaRPr lang="en-US" dirty="0"/>
@@ -13758,7 +14046,7 @@
     </p:spTree>
     <p:extLst>
       <p:ext uri="{BB962C8B-B14F-4D97-AF65-F5344CB8AC3E}">
-        <p14:creationId xmlns:p14="http://schemas.microsoft.com/office/powerpoint/2010/main" val="366916453"/>
+        <p14:creationId xmlns:p14="http://schemas.microsoft.com/office/powerpoint/2010/main" val="1418923925"/>
       </p:ext>
     </p:extLst>
   </p:cSld>
@@ -13808,159 +14096,84 @@
           <a:lstStyle/>
           <a:p>
             <a:r>
+              <a:rPr lang="en-US" altLang="zh-CN" dirty="0" smtClean="0"/>
+              <a:t>Observable</a:t>
+            </a:r>
+            <a:endParaRPr lang="en-US" dirty="0"/>
+          </a:p>
+        </p:txBody>
+      </p:sp>
+      <p:sp>
+        <p:nvSpPr>
+          <p:cNvPr id="3" name="Content Placeholder 2"/>
+          <p:cNvSpPr>
+            <a:spLocks noGrp="1"/>
+          </p:cNvSpPr>
+          <p:nvPr>
+            <p:ph idx="1"/>
+          </p:nvPr>
+        </p:nvSpPr>
+        <p:spPr/>
+        <p:txBody>
+          <a:bodyPr/>
+          <a:lstStyle/>
+          <a:p>
+            <a:r>
               <a:rPr lang="en-US" dirty="0" smtClean="0"/>
-              <a:t>Angular 2+ HTML </a:t>
+              <a:t>1. </a:t>
             </a:r>
             <a:r>
               <a:rPr lang="zh-CN" altLang="en-US" dirty="0" smtClean="0"/>
-              <a:t>模版语法</a:t>
-            </a:r>
-            <a:endParaRPr lang="en-US" dirty="0"/>
-          </a:p>
-        </p:txBody>
-      </p:sp>
-      <p:sp>
-        <p:nvSpPr>
-          <p:cNvPr id="3" name="Content Placeholder 2"/>
-          <p:cNvSpPr>
-            <a:spLocks noGrp="1"/>
-          </p:cNvSpPr>
-          <p:nvPr>
-            <p:ph idx="1"/>
-          </p:nvPr>
-        </p:nvSpPr>
-        <p:spPr/>
-        <p:txBody>
-          <a:bodyPr/>
-          <a:lstStyle/>
-          <a:p>
-            <a:r>
-              <a:rPr lang="en-US" dirty="0">
-                <a:effectLst/>
-              </a:rPr>
-              <a:t>[prop]="</a:t>
-            </a:r>
-            <a:r>
-              <a:rPr lang="en-US" dirty="0" smtClean="0">
-                <a:effectLst/>
-              </a:rPr>
-              <a:t>value”</a:t>
-            </a:r>
-            <a:endParaRPr lang="en-US" dirty="0">
-              <a:effectLst/>
-            </a:endParaRPr>
-          </a:p>
-          <a:p>
-            <a:r>
-              <a:rPr lang="en-US" dirty="0">
-                <a:effectLst/>
-              </a:rPr>
-              <a:t>prop="{{value</a:t>
-            </a:r>
-            <a:r>
-              <a:rPr lang="en-US" dirty="0" smtClean="0">
-                <a:effectLst/>
-              </a:rPr>
-              <a:t>}}”</a:t>
-            </a:r>
-          </a:p>
-          <a:p>
-            <a:r>
-              <a:rPr lang="en-US" dirty="0">
-                <a:effectLst/>
-              </a:rPr>
-              <a:t>(event)="</a:t>
-            </a:r>
-            <a:r>
-              <a:rPr lang="en-US" dirty="0" smtClean="0">
-                <a:effectLst/>
-              </a:rPr>
-              <a:t>expr”</a:t>
-            </a:r>
-          </a:p>
-          <a:p>
-            <a:r>
-              <a:rPr lang="en-US" dirty="0">
-                <a:effectLst/>
-              </a:rPr>
-              <a:t>#</a:t>
-            </a:r>
-            <a:r>
-              <a:rPr lang="en-US" dirty="0" err="1" smtClean="0">
-                <a:effectLst/>
-              </a:rPr>
-              <a:t>var</a:t>
-            </a:r>
-            <a:endParaRPr lang="en-US" dirty="0" smtClean="0">
-              <a:effectLst/>
-            </a:endParaRPr>
-          </a:p>
-          <a:p>
-            <a:r>
-              <a:rPr lang="en-US" dirty="0"/>
-              <a:t>bind-</a:t>
-            </a:r>
-            <a:r>
-              <a:rPr lang="en-US" dirty="0">
-                <a:effectLst/>
-              </a:rPr>
-              <a:t> for </a:t>
-            </a:r>
-            <a:r>
-              <a:rPr lang="en-US" dirty="0"/>
-              <a:t>[]</a:t>
-            </a:r>
-            <a:r>
-              <a:rPr lang="en-US" dirty="0">
-                <a:effectLst/>
-              </a:rPr>
-              <a:t> and </a:t>
-            </a:r>
-            <a:r>
-              <a:rPr lang="en-US" dirty="0"/>
-              <a:t>on-</a:t>
-            </a:r>
-            <a:r>
-              <a:rPr lang="en-US" dirty="0">
-                <a:effectLst/>
-              </a:rPr>
-              <a:t> for </a:t>
-            </a:r>
-            <a:r>
-              <a:rPr lang="en-US" dirty="0"/>
-              <a:t>()</a:t>
-            </a:r>
-            <a:r>
-              <a:rPr lang="en-US" dirty="0">
-                <a:effectLst/>
-              </a:rPr>
-              <a:t> or </a:t>
-            </a:r>
-            <a:r>
-              <a:rPr lang="en-US" dirty="0"/>
-              <a:t>&lt;template [</a:t>
-            </a:r>
-            <a:r>
-              <a:rPr lang="en-US" dirty="0" err="1"/>
-              <a:t>ngFor</a:t>
-            </a:r>
-            <a:r>
-              <a:rPr lang="en-US" dirty="0"/>
-              <a:t>]&gt;</a:t>
-            </a:r>
-            <a:r>
-              <a:rPr lang="en-US" dirty="0">
-                <a:effectLst/>
-              </a:rPr>
-              <a:t> for </a:t>
-            </a:r>
-            <a:r>
-              <a:rPr lang="en-US" dirty="0"/>
-              <a:t>*</a:t>
-            </a:r>
-            <a:r>
-              <a:rPr lang="en-US" dirty="0" err="1"/>
-              <a:t>ngFor</a:t>
+              <a:t>支持多个变量</a:t>
+            </a:r>
+            <a:endParaRPr lang="en-US" altLang="zh-CN" dirty="0" smtClean="0"/>
+          </a:p>
+          <a:p>
+            <a:r>
+              <a:rPr lang="en-US" altLang="zh-CN" dirty="0" smtClean="0"/>
+              <a:t>2.</a:t>
+            </a:r>
+            <a:r>
+              <a:rPr lang="zh-CN" altLang="en-US" dirty="0" smtClean="0"/>
+              <a:t> </a:t>
+            </a:r>
+            <a:r>
+              <a:rPr lang="en-US" altLang="zh-CN" dirty="0" smtClean="0"/>
+              <a:t>cancel</a:t>
+            </a:r>
+            <a:r>
+              <a:rPr lang="zh-CN" altLang="en-US" dirty="0" smtClean="0"/>
+              <a:t>掉一个</a:t>
+            </a:r>
+            <a:r>
+              <a:rPr lang="en-US" altLang="zh-CN" dirty="0" smtClean="0"/>
+              <a:t>observable</a:t>
+            </a:r>
+          </a:p>
+          <a:p>
+            <a:r>
+              <a:rPr lang="en-US" altLang="zh-CN" dirty="0" smtClean="0"/>
+              <a:t>3.</a:t>
+            </a:r>
+            <a:r>
+              <a:rPr lang="zh-CN" altLang="en-US" dirty="0" smtClean="0"/>
+              <a:t> </a:t>
+            </a:r>
+            <a:r>
+              <a:rPr lang="en-US" altLang="zh-CN" dirty="0" smtClean="0"/>
+              <a:t>promise-&gt; then</a:t>
+            </a:r>
+            <a:r>
+              <a:rPr lang="zh-CN" altLang="en-US" dirty="0" smtClean="0"/>
+              <a:t> </a:t>
+            </a:r>
+            <a:r>
+              <a:rPr lang="en-US" altLang="zh-CN" dirty="0" smtClean="0"/>
+              <a:t>  observable -&gt; subscribe</a:t>
+            </a:r>
+            <a:r>
+              <a:rPr lang="en-US" dirty="0" smtClean="0"/>
+              <a:t> </a:t>
             </a:r>
             <a:endParaRPr lang="en-US" dirty="0"/>
           </a:p>
@@ -13969,7 +14182,7 @@
     </p:spTree>
     <p:extLst>
       <p:ext uri="{BB962C8B-B14F-4D97-AF65-F5344CB8AC3E}">
-        <p14:creationId xmlns:p14="http://schemas.microsoft.com/office/powerpoint/2010/main" val="547912599"/>
+        <p14:creationId xmlns:p14="http://schemas.microsoft.com/office/powerpoint/2010/main" val="1029556927"/>
       </p:ext>
     </p:extLst>
   </p:cSld>
@@ -14019,12 +14232,12 @@
           <a:lstStyle/>
           <a:p>
             <a:r>
-              <a:rPr lang="en-US" dirty="0" smtClean="0"/>
-              <a:t>Angular </a:t>
+              <a:rPr lang="en-US" altLang="zh-CN" dirty="0" smtClean="0"/>
+              <a:t>Angular</a:t>
             </a:r>
             <a:r>
               <a:rPr lang="zh-CN" altLang="en-US" dirty="0" smtClean="0"/>
-              <a:t>环境搭建</a:t>
+              <a:t> 指令</a:t>
             </a:r>
             <a:endParaRPr lang="en-US" dirty="0"/>
           </a:p>
@@ -14046,24 +14259,176 @@
           <a:lstStyle/>
           <a:p>
             <a:r>
-              <a:rPr lang="en-US" dirty="0"/>
-              <a:t>https://</a:t>
-            </a:r>
-            <a:r>
-              <a:rPr lang="en-US" dirty="0" err="1"/>
-              <a:t>github.com</a:t>
-            </a:r>
-            <a:r>
-              <a:rPr lang="en-US" dirty="0"/>
-              <a:t>/angular/angular-cli</a:t>
-            </a:r>
+              <a:rPr lang="zh-CN" altLang="en-US" dirty="0">
+                <a:effectLst/>
+              </a:rPr>
+              <a:t>组件 </a:t>
+            </a:r>
+            <a:r>
+              <a:rPr lang="en-US" altLang="zh-CN" dirty="0">
+                <a:effectLst/>
+              </a:rPr>
+              <a:t>- </a:t>
+            </a:r>
+            <a:r>
+              <a:rPr lang="zh-CN" altLang="en-US" dirty="0">
+                <a:effectLst/>
+              </a:rPr>
+              <a:t>带有模板的指令</a:t>
+            </a:r>
+            <a:r>
+              <a:rPr lang="en-US" altLang="zh-CN" dirty="0">
+                <a:effectLst/>
+              </a:rPr>
+              <a:t>(</a:t>
+            </a:r>
+            <a:r>
+              <a:rPr lang="zh-CN" altLang="en-US" dirty="0">
+                <a:effectLst/>
+              </a:rPr>
+              <a:t>组件皆指令</a:t>
+            </a:r>
+            <a:r>
+              <a:rPr lang="en-US" altLang="zh-CN" dirty="0">
+                <a:effectLst/>
+              </a:rPr>
+              <a:t>)</a:t>
+            </a:r>
+          </a:p>
+          <a:p>
+            <a:r>
+              <a:rPr lang="zh-CN" altLang="en-US" dirty="0">
+                <a:effectLst/>
+              </a:rPr>
+              <a:t>结构型指令 </a:t>
+            </a:r>
+            <a:r>
+              <a:rPr lang="en-US" altLang="zh-CN" dirty="0">
+                <a:effectLst/>
+              </a:rPr>
+              <a:t>- </a:t>
+            </a:r>
+            <a:r>
+              <a:rPr lang="zh-CN" altLang="en-US" dirty="0">
+                <a:effectLst/>
+              </a:rPr>
+              <a:t>作用于</a:t>
+            </a:r>
+            <a:r>
+              <a:rPr lang="en-US" altLang="zh-CN" dirty="0">
+                <a:effectLst/>
+              </a:rPr>
+              <a:t>DOM</a:t>
+            </a:r>
+            <a:r>
+              <a:rPr lang="zh-CN" altLang="en-US" dirty="0">
+                <a:effectLst/>
+              </a:rPr>
+              <a:t>元素修改视图结构的指令</a:t>
+            </a:r>
+            <a:r>
+              <a:rPr lang="en-US" altLang="zh-CN" dirty="0">
+                <a:effectLst/>
+              </a:rPr>
+              <a:t>(</a:t>
+            </a:r>
+            <a:r>
+              <a:rPr lang="en-US" altLang="zh-CN" dirty="0" err="1">
+                <a:effectLst/>
+              </a:rPr>
+              <a:t>NgIf</a:t>
+            </a:r>
+            <a:r>
+              <a:rPr lang="zh-CN" altLang="en-US" dirty="0">
+                <a:effectLst/>
+              </a:rPr>
+              <a:t>、</a:t>
+            </a:r>
+            <a:r>
+              <a:rPr lang="en-US" altLang="zh-CN" dirty="0" err="1">
+                <a:effectLst/>
+              </a:rPr>
+              <a:t>NgFor</a:t>
+            </a:r>
+            <a:r>
+              <a:rPr lang="zh-CN" altLang="en-US" dirty="0">
+                <a:effectLst/>
+              </a:rPr>
+              <a:t>等</a:t>
+            </a:r>
+            <a:r>
+              <a:rPr lang="en-US" altLang="zh-CN" dirty="0">
+                <a:effectLst/>
+              </a:rPr>
+              <a:t>)</a:t>
+            </a:r>
+          </a:p>
+          <a:p>
+            <a:r>
+              <a:rPr lang="zh-CN" altLang="en-US" dirty="0">
+                <a:effectLst/>
+              </a:rPr>
+              <a:t>属性型指令 </a:t>
+            </a:r>
+            <a:r>
+              <a:rPr lang="en-US" altLang="zh-CN" dirty="0">
+                <a:effectLst/>
+              </a:rPr>
+              <a:t>- </a:t>
+            </a:r>
+            <a:r>
+              <a:rPr lang="zh-CN" altLang="en-US" dirty="0">
+                <a:effectLst/>
+              </a:rPr>
+              <a:t>作用于</a:t>
+            </a:r>
+            <a:r>
+              <a:rPr lang="en-US" altLang="zh-CN" dirty="0">
+                <a:effectLst/>
+              </a:rPr>
+              <a:t>DOM</a:t>
+            </a:r>
+            <a:r>
+              <a:rPr lang="zh-CN" altLang="en-US" dirty="0">
+                <a:effectLst/>
+              </a:rPr>
+              <a:t>元素的外观和行为的指令</a:t>
+            </a:r>
+            <a:r>
+              <a:rPr lang="en-US" altLang="zh-CN" dirty="0">
+                <a:effectLst/>
+              </a:rPr>
+              <a:t>(</a:t>
+            </a:r>
+            <a:r>
+              <a:rPr lang="en-US" altLang="zh-CN" dirty="0" err="1"/>
+              <a:t>NgStyle</a:t>
+            </a:r>
+            <a:r>
+              <a:rPr lang="zh-CN" altLang="en-US" dirty="0">
+                <a:effectLst/>
+              </a:rPr>
+              <a:t>等</a:t>
+            </a:r>
+            <a:r>
+              <a:rPr lang="en-US" altLang="zh-CN" dirty="0">
+                <a:effectLst/>
+              </a:rPr>
+              <a:t>)</a:t>
+            </a:r>
+            <a:endParaRPr lang="zh-CN" altLang="en-US" dirty="0">
+              <a:effectLst/>
+            </a:endParaRPr>
+          </a:p>
+          <a:p>
+            <a:endParaRPr lang="en-US" dirty="0"/>
           </a:p>
         </p:txBody>
       </p:sp>
     </p:spTree>
     <p:extLst>
       <p:ext uri="{BB962C8B-B14F-4D97-AF65-F5344CB8AC3E}">
-        <p14:creationId xmlns:p14="http://schemas.microsoft.com/office/powerpoint/2010/main" val="304993857"/>
+        <p14:creationId xmlns:p14="http://schemas.microsoft.com/office/powerpoint/2010/main" val="366916453"/>
       </p:ext>
     </p:extLst>
   </p:cSld>
@@ -14113,59 +14478,160 @@
           <a:lstStyle/>
           <a:p>
             <a:r>
-              <a:rPr lang="en-US" altLang="zh-CN" dirty="0" smtClean="0"/>
-              <a:t>Angular</a:t>
+              <a:rPr lang="en-US" dirty="0" smtClean="0"/>
+              <a:t>Angular 2+ HTML </a:t>
             </a:r>
             <a:r>
               <a:rPr lang="zh-CN" altLang="en-US" dirty="0" smtClean="0"/>
-              <a:t>项目实战</a:t>
-            </a:r>
-            <a:r>
-              <a:rPr lang="en-US" altLang="zh-CN" dirty="0" smtClean="0"/>
-              <a:t>	</a:t>
-            </a:r>
-            <a:endParaRPr lang="en-US" dirty="0"/>
-          </a:p>
-        </p:txBody>
-      </p:sp>
-      <p:sp>
-        <p:nvSpPr>
-          <p:cNvPr id="3" name="Text Placeholder 2"/>
-          <p:cNvSpPr>
-            <a:spLocks noGrp="1"/>
-          </p:cNvSpPr>
-          <p:nvPr>
-            <p:ph type="body" sz="half" idx="2"/>
-          </p:nvPr>
-        </p:nvSpPr>
-        <p:spPr/>
-        <p:txBody>
-          <a:bodyPr>
-            <a:normAutofit/>
-          </a:bodyPr>
-          <a:lstStyle/>
-          <a:p>
-            <a:r>
-              <a:rPr lang="zh-CN" altLang="en-US" dirty="0" smtClean="0"/>
-              <a:t>官方英雄编辑器教程</a:t>
-            </a:r>
-            <a:endParaRPr lang="en-US" altLang="zh-CN" dirty="0" smtClean="0"/>
+              <a:t>模版语法</a:t>
+            </a:r>
+            <a:endParaRPr lang="en-US" dirty="0"/>
+          </a:p>
+        </p:txBody>
+      </p:sp>
+      <p:sp>
+        <p:nvSpPr>
+          <p:cNvPr id="3" name="Content Placeholder 2"/>
+          <p:cNvSpPr>
+            <a:spLocks noGrp="1"/>
+          </p:cNvSpPr>
+          <p:nvPr>
+            <p:ph idx="1"/>
+          </p:nvPr>
+        </p:nvSpPr>
+        <p:spPr/>
+        <p:txBody>
+          <a:bodyPr/>
+          <a:lstStyle/>
+          <a:p>
+            <a:r>
+              <a:rPr lang="en-US" dirty="0">
+                <a:effectLst/>
+              </a:rPr>
+              <a:t>[prop]="</a:t>
+            </a:r>
+            <a:r>
+              <a:rPr lang="en-US" dirty="0" smtClean="0">
+                <a:effectLst/>
+              </a:rPr>
+              <a:t>value”</a:t>
+            </a:r>
+            <a:endParaRPr lang="en-US" dirty="0">
+              <a:effectLst/>
+            </a:endParaRPr>
+          </a:p>
+          <a:p>
+            <a:r>
+              <a:rPr lang="en-US" dirty="0">
+                <a:effectLst/>
+              </a:rPr>
+              <a:t>prop="{{value</a:t>
+            </a:r>
+            <a:r>
+              <a:rPr lang="en-US" dirty="0" smtClean="0">
+                <a:effectLst/>
+              </a:rPr>
+              <a:t>}}”</a:t>
+            </a:r>
+          </a:p>
+          <a:p>
+            <a:r>
+              <a:rPr lang="en-US" dirty="0">
+                <a:effectLst/>
+              </a:rPr>
+              <a:t>(event)="</a:t>
+            </a:r>
+            <a:r>
+              <a:rPr lang="en-US" dirty="0" smtClean="0">
+                <a:effectLst/>
+              </a:rPr>
+              <a:t>expr”</a:t>
+            </a:r>
+          </a:p>
+          <a:p>
+            <a:r>
+              <a:rPr lang="en-US" dirty="0">
+                <a:effectLst/>
+              </a:rPr>
+              <a:t>#</a:t>
+            </a:r>
+            <a:r>
+              <a:rPr lang="en-US" dirty="0" err="1" smtClean="0">
+                <a:effectLst/>
+              </a:rPr>
+              <a:t>var</a:t>
+            </a:r>
+            <a:endParaRPr lang="en-US" dirty="0" smtClean="0">
+              <a:effectLst/>
+            </a:endParaRPr>
           </a:p>
           <a:p>
             <a:r>
               <a:rPr lang="en-US" dirty="0"/>
-              <a:t>https://</a:t>
+              <a:t>bind-</a:t>
+            </a:r>
+            <a:r>
+              <a:rPr lang="en-US" dirty="0">
+                <a:effectLst/>
+              </a:rPr>
+              <a:t> for </a:t>
+            </a:r>
+            <a:r>
+              <a:rPr lang="en-US" dirty="0"/>
+              <a:t>[]</a:t>
+            </a:r>
+            <a:r>
+              <a:rPr lang="en-US" dirty="0">
+                <a:effectLst/>
+              </a:rPr>
+              <a:t> and </a:t>
+            </a:r>
+            <a:r>
+              <a:rPr lang="en-US" dirty="0"/>
+              <a:t>on-</a:t>
+            </a:r>
+            <a:r>
+              <a:rPr lang="en-US" dirty="0">
+                <a:effectLst/>
+              </a:rPr>
+              <a:t> for </a:t>
+            </a:r>
+            <a:r>
+              <a:rPr lang="en-US" dirty="0"/>
+              <a:t>()</a:t>
+            </a:r>
+            <a:r>
+              <a:rPr lang="en-US" dirty="0">
+                <a:effectLst/>
+              </a:rPr>
+              <a:t> or </a:t>
+            </a:r>
+            <a:r>
+              <a:rPr lang="en-US" dirty="0"/>
+              <a:t>&lt;template [</a:t>
             </a:r>
             <a:r>
               <a:rPr lang="en-US" dirty="0" err="1"/>
-              <a:t>angular.cn</a:t>
+              <a:t>ngFor</a:t>
             </a:r>
             <a:r>
               <a:rPr lang="en-US" dirty="0"/>
-              <a:t>/tutorial</a:t>
-            </a:r>
-          </a:p>
-          <a:p>
+              <a:t>]&gt;</a:t>
+            </a:r>
+            <a:r>
+              <a:rPr lang="en-US" dirty="0">
+                <a:effectLst/>
+              </a:rPr>
+              <a:t> for </a:t>
+            </a:r>
+            <a:r>
+              <a:rPr lang="en-US" dirty="0"/>
+              <a:t>*</a:t>
+            </a:r>
+            <a:r>
+              <a:rPr lang="en-US" dirty="0" err="1"/>
+              <a:t>ngFor</a:t>
+            </a:r>
             <a:endParaRPr lang="en-US" dirty="0"/>
           </a:p>
         </p:txBody>
@@ -14173,13 +14639,20 @@
     </p:spTree>
     <p:extLst>
       <p:ext uri="{BB962C8B-B14F-4D97-AF65-F5344CB8AC3E}">
-        <p14:creationId xmlns:p14="http://schemas.microsoft.com/office/powerpoint/2010/main" val="1516572992"/>
+        <p14:creationId xmlns:p14="http://schemas.microsoft.com/office/powerpoint/2010/main" val="547912599"/>
       </p:ext>
     </p:extLst>
   </p:cSld>
   <p:clrMapOvr>
     <a:masterClrMapping/>
   </p:clrMapOvr>
+  <p:timing>
+    <p:tnLst>
+      <p:par>
+        <p:cTn id="1" dur="indefinite" restart="never" nodeType="tmRoot"/>
+      </p:par>
+    </p:tnLst>
+  </p:timing>
 </p:sld>
 </file>
 
@@ -14216,8 +14689,12 @@
           <a:lstStyle/>
           <a:p>
             <a:r>
+              <a:rPr lang="en-US" dirty="0" smtClean="0"/>
+              <a:t>Angular </a:t>
+            </a:r>
+            <a:r>
               <a:rPr lang="zh-CN" altLang="en-US" dirty="0" smtClean="0"/>
-              <a:t>大作业</a:t>
+              <a:t>环境搭建</a:t>
             </a:r>
             <a:endParaRPr lang="en-US" dirty="0"/>
           </a:p>
@@ -14239,115 +14716,24 @@
           <a:lstStyle/>
           <a:p>
             <a:r>
-              <a:rPr lang="zh-CN" altLang="en-US" dirty="0" smtClean="0"/>
-              <a:t>使用</a:t>
-            </a:r>
-            <a:r>
-              <a:rPr lang="en-US" altLang="zh-CN" dirty="0" smtClean="0"/>
-              <a:t>React </a:t>
-            </a:r>
-            <a:r>
-              <a:rPr lang="zh-CN" altLang="en-US" dirty="0" smtClean="0"/>
-              <a:t>或者 </a:t>
-            </a:r>
-            <a:r>
-              <a:rPr lang="en-US" altLang="zh-CN" dirty="0" smtClean="0"/>
-              <a:t>Angular </a:t>
-            </a:r>
-            <a:r>
-              <a:rPr lang="zh-CN" altLang="en-US" dirty="0" smtClean="0"/>
-              <a:t>做一个 </a:t>
-            </a:r>
-            <a:r>
-              <a:rPr lang="en-US" altLang="zh-CN" dirty="0" err="1" smtClean="0"/>
-              <a:t>todo</a:t>
-            </a:r>
-            <a:r>
-              <a:rPr lang="zh-CN" altLang="en-US" dirty="0" smtClean="0"/>
-              <a:t> </a:t>
-            </a:r>
-            <a:r>
-              <a:rPr lang="en-US" altLang="zh-CN" dirty="0" smtClean="0"/>
-              <a:t>list</a:t>
-            </a:r>
-          </a:p>
-          <a:p>
-            <a:r>
-              <a:rPr lang="zh-CN" altLang="en-US" dirty="0" smtClean="0"/>
-              <a:t>实现 添加， 删除功能</a:t>
-            </a:r>
-            <a:endParaRPr lang="en-US" altLang="zh-CN" dirty="0" smtClean="0"/>
-          </a:p>
-          <a:p>
-            <a:r>
-              <a:rPr lang="zh-CN" altLang="en-US" dirty="0" smtClean="0"/>
-              <a:t>将代码</a:t>
-            </a:r>
-            <a:r>
-              <a:rPr lang="en-US" altLang="zh-CN" dirty="0" smtClean="0"/>
-              <a:t>commit</a:t>
-            </a:r>
-            <a:r>
-              <a:rPr lang="zh-CN" altLang="en-US" dirty="0" smtClean="0"/>
-              <a:t>到自己的</a:t>
-            </a:r>
-            <a:r>
-              <a:rPr lang="en-US" altLang="zh-CN" dirty="0" err="1" smtClean="0"/>
-              <a:t>github</a:t>
-            </a:r>
-            <a:r>
-              <a:rPr lang="zh-CN" altLang="en-US" dirty="0" smtClean="0"/>
-              <a:t>上</a:t>
-            </a:r>
-            <a:endParaRPr lang="en-US" altLang="zh-CN" dirty="0" smtClean="0"/>
-          </a:p>
-          <a:p>
-            <a:r>
-              <a:rPr lang="zh-CN" altLang="en-US" dirty="0" smtClean="0"/>
-              <a:t>下节课准备一段</a:t>
-            </a:r>
-            <a:r>
-              <a:rPr lang="zh-CN" altLang="en-US" smtClean="0"/>
-              <a:t>简短的介绍</a:t>
-            </a:r>
-            <a:endParaRPr lang="en-US" altLang="zh-CN" dirty="0" smtClean="0"/>
-          </a:p>
-          <a:p>
-            <a:r>
-              <a:rPr lang="zh-CN" altLang="en-US" dirty="0" smtClean="0"/>
-              <a:t>不要</a:t>
-            </a:r>
-            <a:r>
-              <a:rPr lang="en-US" altLang="zh-CN" dirty="0" smtClean="0"/>
-              <a:t>commit</a:t>
-            </a:r>
-            <a:r>
-              <a:rPr lang="zh-CN" altLang="en-US" dirty="0" smtClean="0"/>
-              <a:t> </a:t>
-            </a:r>
-            <a:r>
-              <a:rPr lang="en-US" altLang="zh-CN" dirty="0" err="1" smtClean="0"/>
-              <a:t>Node_modules</a:t>
-            </a:r>
-            <a:r>
-              <a:rPr lang="en-US" altLang="zh-CN" dirty="0" smtClean="0"/>
-              <a:t> </a:t>
-            </a:r>
-            <a:r>
-              <a:rPr lang="zh-CN" altLang="en-US" dirty="0" smtClean="0"/>
-              <a:t>文件夹！</a:t>
-            </a:r>
-            <a:endParaRPr lang="en-US" altLang="zh-CN" dirty="0" smtClean="0"/>
-          </a:p>
-          <a:p>
-            <a:endParaRPr lang="en-US" dirty="0"/>
+              <a:rPr lang="en-US" dirty="0"/>
+              <a:t>https://</a:t>
+            </a:r>
+            <a:r>
+              <a:rPr lang="en-US" dirty="0" err="1"/>
+              <a:t>github.com</a:t>
+            </a:r>
+            <a:r>
+              <a:rPr lang="en-US" dirty="0"/>
+              <a:t>/angular/angular-cli</a:t>
+            </a:r>
           </a:p>
         </p:txBody>
       </p:sp>
     </p:spTree>
     <p:extLst>
       <p:ext uri="{BB962C8B-B14F-4D97-AF65-F5344CB8AC3E}">
-        <p14:creationId xmlns:p14="http://schemas.microsoft.com/office/powerpoint/2010/main" val="1759915627"/>
+        <p14:creationId xmlns:p14="http://schemas.microsoft.com/office/powerpoint/2010/main" val="304993857"/>
       </p:ext>
     </p:extLst>
   </p:cSld>
@@ -14397,58 +14783,59 @@
           <a:lstStyle/>
           <a:p>
             <a:r>
+              <a:rPr lang="en-US" altLang="zh-CN" dirty="0" smtClean="0"/>
+              <a:t>Angular</a:t>
+            </a:r>
+            <a:r>
               <a:rPr lang="zh-CN" altLang="en-US" dirty="0" smtClean="0"/>
-              <a:t>作业讨论</a:t>
-            </a:r>
-            <a:endParaRPr lang="en-US" dirty="0"/>
-          </a:p>
-        </p:txBody>
-      </p:sp>
-      <p:sp>
-        <p:nvSpPr>
-          <p:cNvPr id="3" name="Content Placeholder 2"/>
-          <p:cNvSpPr>
-            <a:spLocks noGrp="1"/>
-          </p:cNvSpPr>
-          <p:nvPr>
-            <p:ph idx="1"/>
-          </p:nvPr>
-        </p:nvSpPr>
-        <p:spPr/>
-        <p:txBody>
-          <a:bodyPr/>
-          <a:lstStyle/>
-          <a:p>
+              <a:t>项目实战</a:t>
+            </a:r>
             <a:r>
               <a:rPr lang="en-US" altLang="zh-CN" dirty="0" smtClean="0"/>
-              <a:t>1</a:t>
-            </a:r>
+              <a:t>	</a:t>
+            </a:r>
+            <a:endParaRPr lang="en-US" dirty="0"/>
+          </a:p>
+        </p:txBody>
+      </p:sp>
+      <p:sp>
+        <p:nvSpPr>
+          <p:cNvPr id="3" name="Text Placeholder 2"/>
+          <p:cNvSpPr>
+            <a:spLocks noGrp="1"/>
+          </p:cNvSpPr>
+          <p:nvPr>
+            <p:ph type="body" sz="half" idx="2"/>
+          </p:nvPr>
+        </p:nvSpPr>
+        <p:spPr/>
+        <p:txBody>
+          <a:bodyPr>
+            <a:normAutofit/>
+          </a:bodyPr>
+          <a:lstStyle/>
+          <a:p>
             <a:r>
               <a:rPr lang="zh-CN" altLang="en-US" dirty="0" smtClean="0"/>
-              <a:t>， 代码组织结构</a:t>
+              <a:t>官方英雄编辑器教程</a:t>
             </a:r>
             <a:endParaRPr lang="en-US" altLang="zh-CN" dirty="0" smtClean="0"/>
           </a:p>
           <a:p>
             <a:r>
-              <a:rPr lang="en-US" altLang="zh-CN" dirty="0" smtClean="0"/>
-              <a:t>2</a:t>
-            </a:r>
-            <a:r>
-              <a:rPr lang="zh-CN" altLang="en-US" dirty="0" smtClean="0"/>
-              <a:t>， 命名规则</a:t>
-            </a:r>
-            <a:endParaRPr lang="en-US" altLang="zh-CN" dirty="0" smtClean="0"/>
-          </a:p>
-          <a:p>
-            <a:r>
-              <a:rPr lang="en-US" altLang="zh-CN" dirty="0" smtClean="0"/>
-              <a:t>3</a:t>
-            </a:r>
-            <a:r>
-              <a:rPr lang="zh-CN" altLang="en-US" dirty="0" smtClean="0"/>
-              <a:t>， 代码质量</a:t>
-            </a:r>
+              <a:rPr lang="en-US" dirty="0"/>
+              <a:t>https://</a:t>
+            </a:r>
+            <a:r>
+              <a:rPr lang="en-US" dirty="0" err="1"/>
+              <a:t>angular.cn</a:t>
+            </a:r>
+            <a:r>
+              <a:rPr lang="en-US" dirty="0"/>
+              <a:t>/tutorial</a:t>
+            </a:r>
+          </a:p>
+          <a:p>
             <a:endParaRPr lang="en-US" dirty="0"/>
           </a:p>
         </p:txBody>
@@ -14456,20 +14843,13 @@
     </p:spTree>
     <p:extLst>
       <p:ext uri="{BB962C8B-B14F-4D97-AF65-F5344CB8AC3E}">
-        <p14:creationId xmlns:p14="http://schemas.microsoft.com/office/powerpoint/2010/main" val="1801247794"/>
+        <p14:creationId xmlns:p14="http://schemas.microsoft.com/office/powerpoint/2010/main" val="1516572992"/>
       </p:ext>
     </p:extLst>
   </p:cSld>
   <p:clrMapOvr>
     <a:masterClrMapping/>
   </p:clrMapOvr>
-  <p:timing>
-    <p:tnLst>
-      <p:par>
-        <p:cTn id="1" dur="indefinite" restart="never" nodeType="tmRoot"/>
-      </p:par>
-    </p:tnLst>
-  </p:timing>
 </p:sld>
 </file>
 
@@ -14506,8 +14886,51 @@
           <a:lstStyle/>
           <a:p>
             <a:r>
+              <a:rPr lang="zh-CN" altLang="en-US" dirty="0" smtClean="0"/>
+              <a:t>大作业</a:t>
+            </a:r>
+            <a:endParaRPr lang="en-US" dirty="0"/>
+          </a:p>
+        </p:txBody>
+      </p:sp>
+      <p:sp>
+        <p:nvSpPr>
+          <p:cNvPr id="3" name="Content Placeholder 2"/>
+          <p:cNvSpPr>
+            <a:spLocks noGrp="1"/>
+          </p:cNvSpPr>
+          <p:nvPr>
+            <p:ph idx="1"/>
+          </p:nvPr>
+        </p:nvSpPr>
+        <p:spPr/>
+        <p:txBody>
+          <a:bodyPr/>
+          <a:lstStyle/>
+          <a:p>
+            <a:r>
+              <a:rPr lang="zh-CN" altLang="en-US" dirty="0" smtClean="0"/>
+              <a:t>使用</a:t>
+            </a:r>
+            <a:r>
               <a:rPr lang="en-US" altLang="zh-CN" dirty="0" smtClean="0"/>
-              <a:t>Ant</a:t>
+              <a:t>React </a:t>
+            </a:r>
+            <a:r>
+              <a:rPr lang="zh-CN" altLang="en-US" dirty="0" smtClean="0"/>
+              <a:t>或者 </a:t>
+            </a:r>
+            <a:r>
+              <a:rPr lang="en-US" altLang="zh-CN" dirty="0" smtClean="0"/>
+              <a:t>Angular </a:t>
+            </a:r>
+            <a:r>
+              <a:rPr lang="zh-CN" altLang="en-US" dirty="0" smtClean="0"/>
+              <a:t>做一个 </a:t>
+            </a:r>
+            <a:r>
+              <a:rPr lang="en-US" altLang="zh-CN" dirty="0" err="1" smtClean="0"/>
+              <a:t>todo</a:t>
             </a:r>
             <a:r>
               <a:rPr lang="zh-CN" altLang="en-US" dirty="0" smtClean="0"/>
@@ -14515,68 +14938,78 @@
             </a:r>
             <a:r>
               <a:rPr lang="en-US" altLang="zh-CN" dirty="0" smtClean="0"/>
-              <a:t>design Pro</a:t>
-            </a:r>
-            <a:endParaRPr lang="en-US" dirty="0"/>
-          </a:p>
-        </p:txBody>
-      </p:sp>
-      <p:sp>
-        <p:nvSpPr>
-          <p:cNvPr id="3" name="Content Placeholder 2"/>
-          <p:cNvSpPr>
-            <a:spLocks noGrp="1"/>
-          </p:cNvSpPr>
-          <p:nvPr>
-            <p:ph idx="1"/>
-          </p:nvPr>
-        </p:nvSpPr>
-        <p:spPr/>
-        <p:txBody>
-          <a:bodyPr/>
-          <a:lstStyle/>
-          <a:p>
-            <a:r>
-              <a:rPr lang="en-US" dirty="0">
-                <a:hlinkClick r:id="rId3"/>
-              </a:rPr>
-              <a:t>https://pro.ant.design</a:t>
-            </a:r>
-            <a:r>
-              <a:rPr lang="en-US" dirty="0" smtClean="0">
-                <a:hlinkClick r:id="rId3"/>
-              </a:rPr>
-              <a:t>/</a:t>
-            </a:r>
-            <a:endParaRPr lang="en-US" dirty="0" smtClean="0"/>
+              <a:t>list</a:t>
+            </a:r>
           </a:p>
           <a:p>
             <a:r>
               <a:rPr lang="zh-CN" altLang="en-US" dirty="0" smtClean="0"/>
-              <a:t>开箱即用的</a:t>
+              <a:t>实现 添加， 删除功能</a:t>
+            </a:r>
+            <a:endParaRPr lang="en-US" altLang="zh-CN" dirty="0" smtClean="0"/>
+          </a:p>
+          <a:p>
+            <a:r>
+              <a:rPr lang="zh-CN" altLang="en-US" dirty="0" smtClean="0"/>
+              <a:t>将代码</a:t>
             </a:r>
             <a:r>
               <a:rPr lang="en-US" altLang="zh-CN" dirty="0" smtClean="0"/>
-              <a:t>React</a:t>
+              <a:t>commit</a:t>
             </a:r>
             <a:r>
               <a:rPr lang="zh-CN" altLang="en-US" dirty="0" smtClean="0"/>
-              <a:t>中后台系统</a:t>
+              <a:t>到自己的</a:t>
+            </a:r>
+            <a:r>
+              <a:rPr lang="en-US" altLang="zh-CN" dirty="0" err="1" smtClean="0"/>
+              <a:t>github</a:t>
+            </a:r>
+            <a:r>
+              <a:rPr lang="zh-CN" altLang="en-US" dirty="0" smtClean="0"/>
+              <a:t>上</a:t>
             </a:r>
             <a:endParaRPr lang="en-US" altLang="zh-CN" dirty="0" smtClean="0"/>
           </a:p>
           <a:p>
             <a:r>
               <a:rPr lang="zh-CN" altLang="en-US" dirty="0" smtClean="0"/>
-              <a:t>配套整套的开发环境和最佳实践</a:t>
+              <a:t>下节课准备一段</a:t>
+            </a:r>
+            <a:r>
+              <a:rPr lang="zh-CN" altLang="en-US" smtClean="0"/>
+              <a:t>简短的介绍</a:t>
             </a:r>
             <a:endParaRPr lang="en-US" altLang="zh-CN" dirty="0" smtClean="0"/>
           </a:p>
           <a:p>
             <a:r>
               <a:rPr lang="zh-CN" altLang="en-US" dirty="0" smtClean="0"/>
-              <a:t>阿里开发</a:t>
-            </a:r>
+              <a:t>不要</a:t>
+            </a:r>
+            <a:r>
+              <a:rPr lang="en-US" altLang="zh-CN" dirty="0" smtClean="0"/>
+              <a:t>commit</a:t>
+            </a:r>
+            <a:r>
+              <a:rPr lang="zh-CN" altLang="en-US" dirty="0" smtClean="0"/>
+              <a:t> </a:t>
+            </a:r>
+            <a:r>
+              <a:rPr lang="en-US" altLang="zh-CN" dirty="0" err="1" smtClean="0"/>
+              <a:t>Node_modules</a:t>
+            </a:r>
+            <a:r>
+              <a:rPr lang="en-US" altLang="zh-CN" dirty="0" smtClean="0"/>
+              <a:t> </a:t>
+            </a:r>
+            <a:r>
+              <a:rPr lang="zh-CN" altLang="en-US" dirty="0" smtClean="0"/>
+              <a:t>文件夹！</a:t>
+            </a:r>
+            <a:endParaRPr lang="en-US" altLang="zh-CN" dirty="0" smtClean="0"/>
+          </a:p>
+          <a:p>
             <a:endParaRPr lang="en-US" dirty="0"/>
           </a:p>
         </p:txBody>
@@ -14584,7 +15017,7 @@
     </p:spTree>
     <p:extLst>
       <p:ext uri="{BB962C8B-B14F-4D97-AF65-F5344CB8AC3E}">
-        <p14:creationId xmlns:p14="http://schemas.microsoft.com/office/powerpoint/2010/main" val="141927553"/>
+        <p14:creationId xmlns:p14="http://schemas.microsoft.com/office/powerpoint/2010/main" val="1759915627"/>
       </p:ext>
     </p:extLst>
   </p:cSld>
@@ -14635,7 +15068,7 @@
           <a:p>
             <a:r>
               <a:rPr lang="zh-CN" altLang="en-US" dirty="0" smtClean="0"/>
-              <a:t>求职辅导</a:t>
+              <a:t>作业讨论</a:t>
             </a:r>
             <a:endParaRPr lang="en-US" dirty="0"/>
           </a:p>
@@ -14656,71 +15089,44 @@
           <a:bodyPr/>
           <a:lstStyle/>
           <a:p>
-            <a:pPr lvl="0"/>
-            <a:r>
-              <a:rPr lang="zh-CN" altLang="en-US" dirty="0">
-                <a:effectLst/>
-              </a:rPr>
-              <a:t>电话面试辅导</a:t>
-            </a:r>
-            <a:endParaRPr lang="en-US" dirty="0">
-              <a:effectLst/>
-            </a:endParaRPr>
-          </a:p>
-          <a:p>
-            <a:pPr lvl="0"/>
-            <a:r>
-              <a:rPr lang="zh-CN" altLang="en-US" dirty="0">
-                <a:effectLst/>
-              </a:rPr>
-              <a:t>技术面试辅导</a:t>
-            </a:r>
-            <a:endParaRPr lang="en-US" dirty="0">
-              <a:effectLst/>
-            </a:endParaRPr>
-          </a:p>
-          <a:p>
-            <a:pPr lvl="0"/>
-            <a:r>
-              <a:rPr lang="en-US" dirty="0">
-                <a:effectLst/>
-              </a:rPr>
-              <a:t>Coding test</a:t>
-            </a:r>
-            <a:r>
-              <a:rPr lang="zh-CN" altLang="en-US" dirty="0">
-                <a:effectLst/>
-              </a:rPr>
-              <a:t>辅导</a:t>
-            </a:r>
-            <a:endParaRPr lang="en-US" dirty="0">
-              <a:effectLst/>
-            </a:endParaRPr>
-          </a:p>
-          <a:p>
-            <a:pPr lvl="0"/>
-            <a:r>
-              <a:rPr lang="zh-CN" altLang="en-US" dirty="0">
-                <a:effectLst/>
-              </a:rPr>
-              <a:t>简历</a:t>
-            </a:r>
-            <a:r>
-              <a:rPr lang="zh-CN" altLang="en-US" dirty="0" smtClean="0">
-                <a:effectLst/>
-              </a:rPr>
-              <a:t>修改</a:t>
-            </a:r>
-            <a:endParaRPr lang="en-US" dirty="0">
-              <a:effectLst/>
-            </a:endParaRPr>
+            <a:r>
+              <a:rPr lang="en-US" altLang="zh-CN" dirty="0" smtClean="0"/>
+              <a:t>1</a:t>
+            </a:r>
+            <a:r>
+              <a:rPr lang="zh-CN" altLang="en-US" dirty="0" smtClean="0"/>
+              <a:t>， 代码组织结构</a:t>
+            </a:r>
+            <a:endParaRPr lang="en-US" altLang="zh-CN" dirty="0" smtClean="0"/>
+          </a:p>
+          <a:p>
+            <a:r>
+              <a:rPr lang="en-US" altLang="zh-CN" dirty="0" smtClean="0"/>
+              <a:t>2</a:t>
+            </a:r>
+            <a:r>
+              <a:rPr lang="zh-CN" altLang="en-US" dirty="0" smtClean="0"/>
+              <a:t>， 命名规则</a:t>
+            </a:r>
+            <a:endParaRPr lang="en-US" altLang="zh-CN" dirty="0" smtClean="0"/>
+          </a:p>
+          <a:p>
+            <a:r>
+              <a:rPr lang="en-US" altLang="zh-CN" dirty="0" smtClean="0"/>
+              <a:t>3</a:t>
+            </a:r>
+            <a:r>
+              <a:rPr lang="zh-CN" altLang="en-US" dirty="0" smtClean="0"/>
+              <a:t>， 代码质量</a:t>
+            </a:r>
+            <a:endParaRPr lang="en-US" dirty="0"/>
           </a:p>
         </p:txBody>
       </p:sp>
     </p:spTree>
     <p:extLst>
       <p:ext uri="{BB962C8B-B14F-4D97-AF65-F5344CB8AC3E}">
-        <p14:creationId xmlns:p14="http://schemas.microsoft.com/office/powerpoint/2010/main" val="361378919"/>
+        <p14:creationId xmlns:p14="http://schemas.microsoft.com/office/powerpoint/2010/main" val="1801247794"/>
       </p:ext>
     </p:extLst>
   </p:cSld>
@@ -14936,8 +15342,16 @@
           <a:lstStyle/>
           <a:p>
             <a:r>
+              <a:rPr lang="en-US" altLang="zh-CN" dirty="0" smtClean="0"/>
+              <a:t>Ant</a:t>
+            </a:r>
+            <a:r>
               <a:rPr lang="zh-CN" altLang="en-US" dirty="0" smtClean="0"/>
-              <a:t>电话面试</a:t>
+              <a:t> </a:t>
+            </a:r>
+            <a:r>
+              <a:rPr lang="en-US" altLang="zh-CN" dirty="0" smtClean="0"/>
+              <a:t>design Pro</a:t>
             </a:r>
             <a:endParaRPr lang="en-US" dirty="0"/>
           </a:p>
@@ -14959,30 +15373,45 @@
           <a:lstStyle/>
           <a:p>
             <a:r>
+              <a:rPr lang="en-US" dirty="0">
+                <a:hlinkClick r:id="rId3"/>
+              </a:rPr>
+              <a:t>https://pro.ant.design</a:t>
+            </a:r>
+            <a:r>
+              <a:rPr lang="en-US" dirty="0" smtClean="0">
+                <a:hlinkClick r:id="rId3"/>
+              </a:rPr>
+              <a:t>/</a:t>
+            </a:r>
+            <a:endParaRPr lang="en-US" dirty="0" smtClean="0"/>
+          </a:p>
+          <a:p>
+            <a:r>
+              <a:rPr lang="zh-CN" altLang="en-US" dirty="0" smtClean="0"/>
+              <a:t>开箱即用的</a:t>
+            </a:r>
+            <a:r>
               <a:rPr lang="en-US" altLang="zh-CN" dirty="0" smtClean="0"/>
-              <a:t>HR</a:t>
+              <a:t>React</a:t>
             </a:r>
             <a:r>
               <a:rPr lang="zh-CN" altLang="en-US" dirty="0" smtClean="0"/>
-              <a:t>筛选简历的环节</a:t>
+              <a:t>中后台系统</a:t>
             </a:r>
             <a:endParaRPr lang="en-US" altLang="zh-CN" dirty="0" smtClean="0"/>
           </a:p>
           <a:p>
             <a:r>
-              <a:rPr lang="en-US" altLang="zh-CN" dirty="0" err="1" smtClean="0"/>
-              <a:t>Hr</a:t>
-            </a:r>
-            <a:r>
               <a:rPr lang="zh-CN" altLang="en-US" dirty="0" smtClean="0"/>
-              <a:t>基本什么也不懂</a:t>
+              <a:t>配套整套的开发环境和最佳实践</a:t>
             </a:r>
             <a:endParaRPr lang="en-US" altLang="zh-CN" dirty="0" smtClean="0"/>
           </a:p>
           <a:p>
             <a:r>
               <a:rPr lang="zh-CN" altLang="en-US" dirty="0" smtClean="0"/>
-              <a:t>适当夸大</a:t>
+              <a:t>阿里开发</a:t>
             </a:r>
             <a:endParaRPr lang="en-US" dirty="0"/>
           </a:p>
@@ -14991,7 +15420,7 @@
     </p:spTree>
     <p:extLst>
       <p:ext uri="{BB962C8B-B14F-4D97-AF65-F5344CB8AC3E}">
-        <p14:creationId xmlns:p14="http://schemas.microsoft.com/office/powerpoint/2010/main" val="545071430"/>
+        <p14:creationId xmlns:p14="http://schemas.microsoft.com/office/powerpoint/2010/main" val="141927553"/>
       </p:ext>
     </p:extLst>
   </p:cSld>
@@ -15042,7 +15471,7 @@
           <a:p>
             <a:r>
               <a:rPr lang="zh-CN" altLang="en-US" dirty="0" smtClean="0"/>
-              <a:t>技术面试</a:t>
+              <a:t>求职辅导</a:t>
             </a:r>
             <a:endParaRPr lang="en-US" dirty="0"/>
           </a:p>
@@ -15063,59 +15492,71 @@
           <a:bodyPr/>
           <a:lstStyle/>
           <a:p>
-            <a:r>
-              <a:rPr lang="en-US" altLang="zh-CN" dirty="0" smtClean="0"/>
-              <a:t>1</a:t>
-            </a:r>
-            <a:r>
-              <a:rPr lang="zh-CN" altLang="en-US" dirty="0" smtClean="0"/>
-              <a:t>， 反应要迅速</a:t>
-            </a:r>
-            <a:endParaRPr lang="en-US" altLang="zh-CN" dirty="0" smtClean="0"/>
-          </a:p>
-          <a:p>
-            <a:r>
-              <a:rPr lang="en-US" altLang="zh-CN" dirty="0" smtClean="0"/>
-              <a:t>2</a:t>
-            </a:r>
-            <a:r>
-              <a:rPr lang="zh-CN" altLang="en-US" dirty="0" smtClean="0"/>
-              <a:t>， 不会的问题要大胆承认，但是可以根据自己的见解说一下</a:t>
-            </a:r>
-            <a:endParaRPr lang="en-US" altLang="zh-CN" dirty="0" smtClean="0"/>
-          </a:p>
-          <a:p>
-            <a:r>
-              <a:rPr lang="en-US" altLang="zh-CN" dirty="0" smtClean="0"/>
-              <a:t>3</a:t>
-            </a:r>
-            <a:r>
-              <a:rPr lang="zh-CN" altLang="en-US" dirty="0" smtClean="0"/>
-              <a:t>， 基础知识最重要</a:t>
-            </a:r>
-            <a:endParaRPr lang="en-US" altLang="zh-CN" dirty="0" smtClean="0"/>
-          </a:p>
-          <a:p>
-            <a:r>
-              <a:rPr lang="en-US" altLang="zh-CN" dirty="0" smtClean="0"/>
-              <a:t>4</a:t>
-            </a:r>
-            <a:r>
-              <a:rPr lang="zh-CN" altLang="en-US" dirty="0" smtClean="0"/>
-              <a:t>， 刷</a:t>
-            </a:r>
-            <a:r>
-              <a:rPr lang="en-US" altLang="zh-CN" dirty="0" err="1" smtClean="0"/>
-              <a:t>Leetcode</a:t>
-            </a:r>
-            <a:endParaRPr lang="en-US" dirty="0"/>
+            <a:pPr lvl="0"/>
+            <a:r>
+              <a:rPr lang="zh-CN" altLang="en-US" dirty="0">
+                <a:effectLst/>
+              </a:rPr>
+              <a:t>电话面试辅导</a:t>
+            </a:r>
+            <a:endParaRPr lang="en-US" dirty="0">
+              <a:effectLst/>
+            </a:endParaRPr>
+          </a:p>
+          <a:p>
+            <a:pPr lvl="0"/>
+            <a:r>
+              <a:rPr lang="zh-CN" altLang="en-US" dirty="0">
+                <a:effectLst/>
+              </a:rPr>
+              <a:t>技术面试辅导</a:t>
+            </a:r>
+            <a:endParaRPr lang="en-US" dirty="0">
+              <a:effectLst/>
+            </a:endParaRPr>
+          </a:p>
+          <a:p>
+            <a:pPr lvl="0"/>
+            <a:r>
+              <a:rPr lang="en-US" dirty="0">
+                <a:effectLst/>
+              </a:rPr>
+              <a:t>Coding test</a:t>
+            </a:r>
+            <a:r>
+              <a:rPr lang="zh-CN" altLang="en-US" dirty="0">
+                <a:effectLst/>
+              </a:rPr>
+              <a:t>辅导</a:t>
+            </a:r>
+            <a:endParaRPr lang="en-US" dirty="0">
+              <a:effectLst/>
+            </a:endParaRPr>
+          </a:p>
+          <a:p>
+            <a:pPr lvl="0"/>
+            <a:r>
+              <a:rPr lang="zh-CN" altLang="en-US" dirty="0">
+                <a:effectLst/>
+              </a:rPr>
+              <a:t>简历</a:t>
+            </a:r>
+            <a:r>
+              <a:rPr lang="zh-CN" altLang="en-US" dirty="0" smtClean="0">
+                <a:effectLst/>
+              </a:rPr>
+              <a:t>修改</a:t>
+            </a:r>
+            <a:endParaRPr lang="en-US" dirty="0">
+              <a:effectLst/>
+            </a:endParaRPr>
           </a:p>
         </p:txBody>
       </p:sp>
     </p:spTree>
     <p:extLst>
       <p:ext uri="{BB962C8B-B14F-4D97-AF65-F5344CB8AC3E}">
-        <p14:creationId xmlns:p14="http://schemas.microsoft.com/office/powerpoint/2010/main" val="1408298898"/>
+        <p14:creationId xmlns:p14="http://schemas.microsoft.com/office/powerpoint/2010/main" val="361378919"/>
       </p:ext>
     </p:extLst>
   </p:cSld>
@@ -15165,6 +15606,235 @@
           <a:lstStyle/>
           <a:p>
             <a:r>
+              <a:rPr lang="zh-CN" altLang="en-US" dirty="0" smtClean="0"/>
+              <a:t>电话面试</a:t>
+            </a:r>
+            <a:endParaRPr lang="en-US" dirty="0"/>
+          </a:p>
+        </p:txBody>
+      </p:sp>
+      <p:sp>
+        <p:nvSpPr>
+          <p:cNvPr id="3" name="Content Placeholder 2"/>
+          <p:cNvSpPr>
+            <a:spLocks noGrp="1"/>
+          </p:cNvSpPr>
+          <p:nvPr>
+            <p:ph idx="1"/>
+          </p:nvPr>
+        </p:nvSpPr>
+        <p:spPr/>
+        <p:txBody>
+          <a:bodyPr/>
+          <a:lstStyle/>
+          <a:p>
+            <a:r>
+              <a:rPr lang="en-US" altLang="zh-CN" dirty="0" smtClean="0"/>
+              <a:t>HR</a:t>
+            </a:r>
+            <a:r>
+              <a:rPr lang="zh-CN" altLang="en-US" dirty="0" smtClean="0"/>
+              <a:t>筛选简历的环节</a:t>
+            </a:r>
+            <a:endParaRPr lang="en-US" altLang="zh-CN" dirty="0" smtClean="0"/>
+          </a:p>
+          <a:p>
+            <a:r>
+              <a:rPr lang="en-US" altLang="zh-CN" dirty="0" err="1" smtClean="0"/>
+              <a:t>Hr</a:t>
+            </a:r>
+            <a:r>
+              <a:rPr lang="zh-CN" altLang="en-US" dirty="0" smtClean="0"/>
+              <a:t>基本什么也不懂</a:t>
+            </a:r>
+            <a:endParaRPr lang="en-US" altLang="zh-CN" dirty="0" smtClean="0"/>
+          </a:p>
+          <a:p>
+            <a:r>
+              <a:rPr lang="zh-CN" altLang="en-US" dirty="0" smtClean="0"/>
+              <a:t>适当夸大</a:t>
+            </a:r>
+            <a:endParaRPr lang="en-US" dirty="0"/>
+          </a:p>
+        </p:txBody>
+      </p:sp>
+    </p:spTree>
+    <p:extLst>
+      <p:ext uri="{BB962C8B-B14F-4D97-AF65-F5344CB8AC3E}">
+        <p14:creationId xmlns:p14="http://schemas.microsoft.com/office/powerpoint/2010/main" val="545071430"/>
+      </p:ext>
+    </p:extLst>
+  </p:cSld>
+  <p:clrMapOvr>
+    <a:masterClrMapping/>
+  </p:clrMapOvr>
+  <p:timing>
+    <p:tnLst>
+      <p:par>
+        <p:cTn id="1" dur="indefinite" restart="never" nodeType="tmRoot"/>
+      </p:par>
+    </p:tnLst>
+  </p:timing>
+</p:sld>
+</file>
+
+<file path=ppt/slides/slide53.xml><?xml version="1.0" encoding="utf-8"?>
+<p:sld xmlns:a="http://schemas.openxmlformats.org/drawingml/2006/main" xmlns:r="http://schemas.openxmlformats.org/officeDocument/2006/relationships" xmlns:p="http://schemas.openxmlformats.org/presentationml/2006/main">
+  <p:cSld>
+    <p:spTree>
+      <p:nvGrpSpPr>
+        <p:cNvPr id="1" name=""/>
+        <p:cNvGrpSpPr/>
+        <p:nvPr/>
+      </p:nvGrpSpPr>
+      <p:grpSpPr>
+        <a:xfrm>
+          <a:off x="0" y="0"/>
+          <a:ext cx="0" cy="0"/>
+          <a:chOff x="0" y="0"/>
+          <a:chExt cx="0" cy="0"/>
+        </a:xfrm>
+      </p:grpSpPr>
+      <p:sp>
+        <p:nvSpPr>
+          <p:cNvPr id="2" name="Title 1"/>
+          <p:cNvSpPr>
+            <a:spLocks noGrp="1"/>
+          </p:cNvSpPr>
+          <p:nvPr>
+            <p:ph type="title"/>
+          </p:nvPr>
+        </p:nvSpPr>
+        <p:spPr/>
+        <p:txBody>
+          <a:bodyPr/>
+          <a:lstStyle/>
+          <a:p>
+            <a:r>
+              <a:rPr lang="zh-CN" altLang="en-US" dirty="0" smtClean="0"/>
+              <a:t>技术面试</a:t>
+            </a:r>
+            <a:endParaRPr lang="en-US" dirty="0"/>
+          </a:p>
+        </p:txBody>
+      </p:sp>
+      <p:sp>
+        <p:nvSpPr>
+          <p:cNvPr id="3" name="Content Placeholder 2"/>
+          <p:cNvSpPr>
+            <a:spLocks noGrp="1"/>
+          </p:cNvSpPr>
+          <p:nvPr>
+            <p:ph idx="1"/>
+          </p:nvPr>
+        </p:nvSpPr>
+        <p:spPr/>
+        <p:txBody>
+          <a:bodyPr/>
+          <a:lstStyle/>
+          <a:p>
+            <a:r>
+              <a:rPr lang="en-US" altLang="zh-CN" dirty="0" smtClean="0"/>
+              <a:t>1</a:t>
+            </a:r>
+            <a:r>
+              <a:rPr lang="zh-CN" altLang="en-US" dirty="0" smtClean="0"/>
+              <a:t>， 反应要迅速</a:t>
+            </a:r>
+            <a:endParaRPr lang="en-US" altLang="zh-CN" dirty="0" smtClean="0"/>
+          </a:p>
+          <a:p>
+            <a:r>
+              <a:rPr lang="en-US" altLang="zh-CN" dirty="0" smtClean="0"/>
+              <a:t>2</a:t>
+            </a:r>
+            <a:r>
+              <a:rPr lang="zh-CN" altLang="en-US" dirty="0" smtClean="0"/>
+              <a:t>， 不会的问题要大胆承认，但是可以根据自己的见解说一下</a:t>
+            </a:r>
+            <a:endParaRPr lang="en-US" altLang="zh-CN" dirty="0" smtClean="0"/>
+          </a:p>
+          <a:p>
+            <a:r>
+              <a:rPr lang="en-US" altLang="zh-CN" dirty="0" smtClean="0"/>
+              <a:t>3</a:t>
+            </a:r>
+            <a:r>
+              <a:rPr lang="zh-CN" altLang="en-US" dirty="0" smtClean="0"/>
+              <a:t>， 基础知识最重要</a:t>
+            </a:r>
+            <a:endParaRPr lang="en-US" altLang="zh-CN" dirty="0" smtClean="0"/>
+          </a:p>
+          <a:p>
+            <a:r>
+              <a:rPr lang="en-US" altLang="zh-CN" dirty="0" smtClean="0"/>
+              <a:t>4</a:t>
+            </a:r>
+            <a:r>
+              <a:rPr lang="zh-CN" altLang="en-US" dirty="0" smtClean="0"/>
+              <a:t>， 刷</a:t>
+            </a:r>
+            <a:r>
+              <a:rPr lang="en-US" altLang="zh-CN" dirty="0" err="1" smtClean="0"/>
+              <a:t>Leetcode</a:t>
+            </a:r>
+            <a:endParaRPr lang="en-US" dirty="0"/>
+          </a:p>
+        </p:txBody>
+      </p:sp>
+    </p:spTree>
+    <p:extLst>
+      <p:ext uri="{BB962C8B-B14F-4D97-AF65-F5344CB8AC3E}">
+        <p14:creationId xmlns:p14="http://schemas.microsoft.com/office/powerpoint/2010/main" val="1408298898"/>
+      </p:ext>
+    </p:extLst>
+  </p:cSld>
+  <p:clrMapOvr>
+    <a:masterClrMapping/>
+  </p:clrMapOvr>
+  <p:timing>
+    <p:tnLst>
+      <p:par>
+        <p:cTn id="1" dur="indefinite" restart="never" nodeType="tmRoot"/>
+      </p:par>
+    </p:tnLst>
+  </p:timing>
+</p:sld>
+</file>
+
+<file path=ppt/slides/slide54.xml><?xml version="1.0" encoding="utf-8"?>
+<p:sld xmlns:a="http://schemas.openxmlformats.org/drawingml/2006/main" xmlns:r="http://schemas.openxmlformats.org/officeDocument/2006/relationships" xmlns:p="http://schemas.openxmlformats.org/presentationml/2006/main">
+  <p:cSld>
+    <p:spTree>
+      <p:nvGrpSpPr>
+        <p:cNvPr id="1" name=""/>
+        <p:cNvGrpSpPr/>
+        <p:nvPr/>
+      </p:nvGrpSpPr>
+      <p:grpSpPr>
+        <a:xfrm>
+          <a:off x="0" y="0"/>
+          <a:ext cx="0" cy="0"/>
+          <a:chOff x="0" y="0"/>
+          <a:chExt cx="0" cy="0"/>
+        </a:xfrm>
+      </p:grpSpPr>
+      <p:sp>
+        <p:nvSpPr>
+          <p:cNvPr id="2" name="Title 1"/>
+          <p:cNvSpPr>
+            <a:spLocks noGrp="1"/>
+          </p:cNvSpPr>
+          <p:nvPr>
+            <p:ph type="title"/>
+          </p:nvPr>
+        </p:nvSpPr>
+        <p:spPr/>
+        <p:txBody>
+          <a:bodyPr/>
+          <a:lstStyle/>
+          <a:p>
+            <a:r>
               <a:rPr lang="en-US" altLang="zh-CN" dirty="0" smtClean="0"/>
               <a:t>Coding</a:t>
             </a:r>
@@ -15280,7 +15950,7 @@
 </p:sld>
 </file>
 
-<file path=ppt/slides/slide53.xml><?xml version="1.0" encoding="utf-8"?>
+<file path=ppt/slides/slide55.xml><?xml version="1.0" encoding="utf-8"?>
 <p:sld xmlns:a="http://schemas.openxmlformats.org/drawingml/2006/main" xmlns:r="http://schemas.openxmlformats.org/officeDocument/2006/relationships" xmlns:p="http://schemas.openxmlformats.org/presentationml/2006/main">
   <p:cSld>
     <p:spTree>

--- a/前端课程.pptx
+++ b/前端课程.pptx
@@ -5,7 +5,7 @@
     <p:sldMasterId id="2147484229" r:id="rId1"/>
   </p:sldMasterIdLst>
   <p:notesMasterIdLst>
-    <p:notesMasterId r:id="rId57"/>
+    <p:notesMasterId r:id="rId61"/>
   </p:notesMasterIdLst>
   <p:sldIdLst>
     <p:sldId id="272" r:id="rId2"/>
@@ -33,36 +33,40 @@
     <p:sldId id="266" r:id="rId24"/>
     <p:sldId id="314" r:id="rId25"/>
     <p:sldId id="316" r:id="rId26"/>
-    <p:sldId id="309" r:id="rId27"/>
-    <p:sldId id="303" r:id="rId28"/>
-    <p:sldId id="271" r:id="rId29"/>
-    <p:sldId id="269" r:id="rId30"/>
-    <p:sldId id="273" r:id="rId31"/>
-    <p:sldId id="276" r:id="rId32"/>
-    <p:sldId id="282" r:id="rId33"/>
-    <p:sldId id="284" r:id="rId34"/>
-    <p:sldId id="285" r:id="rId35"/>
-    <p:sldId id="286" r:id="rId36"/>
-    <p:sldId id="288" r:id="rId37"/>
-    <p:sldId id="277" r:id="rId38"/>
-    <p:sldId id="279" r:id="rId39"/>
-    <p:sldId id="278" r:id="rId40"/>
-    <p:sldId id="281" r:id="rId41"/>
-    <p:sldId id="287" r:id="rId42"/>
-    <p:sldId id="289" r:id="rId43"/>
-    <p:sldId id="295" r:id="rId44"/>
-    <p:sldId id="293" r:id="rId45"/>
-    <p:sldId id="291" r:id="rId46"/>
-    <p:sldId id="292" r:id="rId47"/>
-    <p:sldId id="290" r:id="rId48"/>
-    <p:sldId id="294" r:id="rId49"/>
-    <p:sldId id="298" r:id="rId50"/>
-    <p:sldId id="296" r:id="rId51"/>
-    <p:sldId id="297" r:id="rId52"/>
-    <p:sldId id="299" r:id="rId53"/>
-    <p:sldId id="300" r:id="rId54"/>
-    <p:sldId id="301" r:id="rId55"/>
-    <p:sldId id="302" r:id="rId56"/>
+    <p:sldId id="319" r:id="rId27"/>
+    <p:sldId id="321" r:id="rId28"/>
+    <p:sldId id="320" r:id="rId29"/>
+    <p:sldId id="309" r:id="rId30"/>
+    <p:sldId id="303" r:id="rId31"/>
+    <p:sldId id="271" r:id="rId32"/>
+    <p:sldId id="269" r:id="rId33"/>
+    <p:sldId id="273" r:id="rId34"/>
+    <p:sldId id="322" r:id="rId35"/>
+    <p:sldId id="276" r:id="rId36"/>
+    <p:sldId id="282" r:id="rId37"/>
+    <p:sldId id="284" r:id="rId38"/>
+    <p:sldId id="285" r:id="rId39"/>
+    <p:sldId id="286" r:id="rId40"/>
+    <p:sldId id="288" r:id="rId41"/>
+    <p:sldId id="277" r:id="rId42"/>
+    <p:sldId id="279" r:id="rId43"/>
+    <p:sldId id="278" r:id="rId44"/>
+    <p:sldId id="281" r:id="rId45"/>
+    <p:sldId id="287" r:id="rId46"/>
+    <p:sldId id="289" r:id="rId47"/>
+    <p:sldId id="295" r:id="rId48"/>
+    <p:sldId id="293" r:id="rId49"/>
+    <p:sldId id="291" r:id="rId50"/>
+    <p:sldId id="292" r:id="rId51"/>
+    <p:sldId id="290" r:id="rId52"/>
+    <p:sldId id="294" r:id="rId53"/>
+    <p:sldId id="298" r:id="rId54"/>
+    <p:sldId id="296" r:id="rId55"/>
+    <p:sldId id="297" r:id="rId56"/>
+    <p:sldId id="299" r:id="rId57"/>
+    <p:sldId id="300" r:id="rId58"/>
+    <p:sldId id="301" r:id="rId59"/>
+    <p:sldId id="302" r:id="rId60"/>
   </p:sldIdLst>
   <p:sldSz cx="12192000" cy="6858000"/>
   <p:notesSz cx="6858000" cy="9144000"/>
@@ -191,11 +195,15 @@
             <p14:sldId id="266"/>
             <p14:sldId id="314"/>
             <p14:sldId id="316"/>
+            <p14:sldId id="319"/>
+            <p14:sldId id="321"/>
+            <p14:sldId id="320"/>
             <p14:sldId id="309"/>
             <p14:sldId id="303"/>
             <p14:sldId id="271"/>
             <p14:sldId id="269"/>
             <p14:sldId id="273"/>
+            <p14:sldId id="322"/>
             <p14:sldId id="276"/>
             <p14:sldId id="282"/>
             <p14:sldId id="284"/>
@@ -317,7 +325,7 @@
           <a:p>
             <a:fld id="{A75DC609-2A5E-994A-AEB9-E13728C46CDD}" type="datetimeFigureOut">
               <a:rPr lang="en-US" smtClean="0"/>
-              <a:t>6/15/18</a:t>
+              <a:t>7/5/18</a:t>
             </a:fld>
             <a:endParaRPr lang="en-US"/>
           </a:p>
@@ -842,11 +850,7 @@
             </a:r>
             <a:r>
               <a:rPr lang="en-US" altLang="zh-CN" baseline="0" dirty="0" smtClean="0"/>
-              <a:t>, push, slice, </a:t>
-            </a:r>
-            <a:r>
-              <a:rPr lang="en-US" altLang="zh-CN" baseline="0" dirty="0" smtClean="0"/>
-              <a:t>splice</a:t>
+              <a:t>, push, slice, splice</a:t>
             </a:r>
             <a:endParaRPr lang="en-US" dirty="0"/>
           </a:p>
@@ -1200,30 +1204,6 @@
           <a:bodyPr/>
           <a:lstStyle/>
           <a:p>
-            <a:r>
-              <a:rPr lang="en-US" dirty="0" smtClean="0"/>
-              <a:t>http://</a:t>
-            </a:r>
-            <a:r>
-              <a:rPr lang="en-US" dirty="0" err="1" smtClean="0"/>
-              <a:t>www.runoob.com</a:t>
-            </a:r>
-            <a:r>
-              <a:rPr lang="en-US" dirty="0" smtClean="0"/>
-              <a:t>/</a:t>
-            </a:r>
-            <a:r>
-              <a:rPr lang="en-US" dirty="0" err="1" smtClean="0"/>
-              <a:t>php</a:t>
-            </a:r>
-            <a:r>
-              <a:rPr lang="en-US" dirty="0" smtClean="0"/>
-              <a:t>/</a:t>
-            </a:r>
-            <a:r>
-              <a:rPr lang="en-US" dirty="0" err="1" smtClean="0"/>
-              <a:t>php-ajax-intro.html</a:t>
-            </a:r>
             <a:endParaRPr lang="en-US" dirty="0"/>
           </a:p>
         </p:txBody>
@@ -1245,7 +1225,7 @@
           <a:p>
             <a:fld id="{3A8071CD-55D8-0E40-9E87-5F5ADA6DF007}" type="slidenum">
               <a:rPr lang="en-US" smtClean="0"/>
-              <a:t>26</a:t>
+              <a:t>27</a:t>
             </a:fld>
             <a:endParaRPr lang="en-US"/>
           </a:p>
@@ -1254,7 +1234,7 @@
     </p:spTree>
     <p:extLst>
       <p:ext uri="{BB962C8B-B14F-4D97-AF65-F5344CB8AC3E}">
-        <p14:creationId xmlns:p14="http://schemas.microsoft.com/office/powerpoint/2010/main" val="2060007939"/>
+        <p14:creationId xmlns:p14="http://schemas.microsoft.com/office/powerpoint/2010/main" val="1256492150"/>
       </p:ext>
     </p:extLst>
   </p:cSld>
@@ -1308,7 +1288,19 @@
           <a:bodyPr/>
           <a:lstStyle/>
           <a:p>
-            <a:endParaRPr lang="en-US"/>
+            <a:r>
+              <a:rPr lang="en-US" dirty="0" smtClean="0"/>
+              <a:t>https://</a:t>
+            </a:r>
+            <a:r>
+              <a:rPr lang="en-US" dirty="0" err="1" smtClean="0"/>
+              <a:t>segmentfault.com</a:t>
+            </a:r>
+            <a:r>
+              <a:rPr lang="en-US" dirty="0" smtClean="0"/>
+              <a:t>/a/1190000013677113</a:t>
+            </a:r>
+            <a:endParaRPr lang="en-US" dirty="0"/>
           </a:p>
         </p:txBody>
       </p:sp>
@@ -1329,7 +1321,7 @@
           <a:p>
             <a:fld id="{3A8071CD-55D8-0E40-9E87-5F5ADA6DF007}" type="slidenum">
               <a:rPr lang="en-US" smtClean="0"/>
-              <a:t>27</a:t>
+              <a:t>28</a:t>
             </a:fld>
             <a:endParaRPr lang="en-US"/>
           </a:p>
@@ -1338,7 +1330,7 @@
     </p:spTree>
     <p:extLst>
       <p:ext uri="{BB962C8B-B14F-4D97-AF65-F5344CB8AC3E}">
-        <p14:creationId xmlns:p14="http://schemas.microsoft.com/office/powerpoint/2010/main" val="546442314"/>
+        <p14:creationId xmlns:p14="http://schemas.microsoft.com/office/powerpoint/2010/main" val="1061937288"/>
       </p:ext>
     </p:extLst>
   </p:cSld>
@@ -1392,46 +1384,13 @@
           <a:bodyPr/>
           <a:lstStyle/>
           <a:p>
-            <a:pPr marL="0" marR="0" indent="0" algn="l" defTabSz="914400" rtl="0" eaLnBrk="1" fontAlgn="auto" latinLnBrk="0" hangingPunct="1">
-              <a:lnSpc>
-                <a:spcPct val="100000"/>
-              </a:lnSpc>
-              <a:spcBef>
-                <a:spcPts val="0"/>
-              </a:spcBef>
-              <a:spcAft>
-                <a:spcPts val="0"/>
-              </a:spcAft>
-              <a:buClrTx/>
-              <a:buSzTx/>
-              <a:buFontTx/>
-              <a:buNone/>
-              <a:tabLst/>
-              <a:defRPr/>
-            </a:pPr>
             <a:r>
               <a:rPr lang="en-US" dirty="0" smtClean="0"/>
               <a:t>http://</a:t>
             </a:r>
             <a:r>
               <a:rPr lang="en-US" dirty="0" err="1" smtClean="0"/>
-              <a:t>www.ruanyifeng.com</a:t>
-            </a:r>
-            <a:r>
-              <a:rPr lang="en-US" dirty="0" smtClean="0"/>
-              <a:t>/blog/2015/03/</a:t>
-            </a:r>
-            <a:r>
-              <a:rPr lang="en-US" dirty="0" err="1" smtClean="0"/>
-              <a:t>react.html</a:t>
-            </a:r>
-            <a:r>
-              <a:rPr lang="en-US" dirty="0" smtClean="0"/>
-              <a:t> https://</a:t>
-            </a:r>
-            <a:r>
-              <a:rPr lang="en-US" dirty="0" err="1" smtClean="0"/>
-              <a:t>github.com</a:t>
+              <a:t>www.runoob.com</a:t>
             </a:r>
             <a:r>
               <a:rPr lang="en-US" dirty="0" smtClean="0"/>
@@ -1439,7 +1398,7 @@
             </a:r>
             <a:r>
               <a:rPr lang="en-US" dirty="0" err="1" smtClean="0"/>
-              <a:t>dvajs</a:t>
+              <a:t>php</a:t>
             </a:r>
             <a:r>
               <a:rPr lang="en-US" dirty="0" smtClean="0"/>
@@ -1447,11 +1406,8 @@
             </a:r>
             <a:r>
               <a:rPr lang="en-US" dirty="0" err="1" smtClean="0"/>
-              <a:t>dva-knowledgemap</a:t>
-            </a:r>
-            <a:endParaRPr lang="en-US" dirty="0" smtClean="0"/>
-          </a:p>
-          <a:p>
+              <a:t>php-ajax-intro.html</a:t>
+            </a:r>
             <a:endParaRPr lang="en-US" dirty="0"/>
           </a:p>
         </p:txBody>
@@ -1482,7 +1438,7 @@
     </p:spTree>
     <p:extLst>
       <p:ext uri="{BB962C8B-B14F-4D97-AF65-F5344CB8AC3E}">
-        <p14:creationId xmlns:p14="http://schemas.microsoft.com/office/powerpoint/2010/main" val="202348755"/>
+        <p14:creationId xmlns:p14="http://schemas.microsoft.com/office/powerpoint/2010/main" val="2060007939"/>
       </p:ext>
     </p:extLst>
   </p:cSld>
@@ -1536,81 +1492,7 @@
           <a:bodyPr/>
           <a:lstStyle/>
           <a:p>
-            <a:r>
-              <a:rPr lang="en-US" dirty="0" smtClean="0"/>
-              <a:t>https://</a:t>
-            </a:r>
-            <a:r>
-              <a:rPr lang="en-US" dirty="0" err="1" smtClean="0"/>
-              <a:t>github.com</a:t>
-            </a:r>
-            <a:r>
-              <a:rPr lang="en-US" dirty="0" smtClean="0"/>
-              <a:t>/</a:t>
-            </a:r>
-            <a:r>
-              <a:rPr lang="en-US" dirty="0" err="1" smtClean="0"/>
-              <a:t>ruanyf</a:t>
-            </a:r>
-            <a:r>
-              <a:rPr lang="en-US" dirty="0" smtClean="0"/>
-              <a:t>/react-demos</a:t>
-            </a:r>
-            <a:r>
-              <a:rPr lang="zh-CN" altLang="en-US" dirty="0" smtClean="0"/>
-              <a:t> 阮一峰</a:t>
-            </a:r>
-            <a:endParaRPr lang="en-US" altLang="zh-CN" dirty="0" smtClean="0"/>
-          </a:p>
-          <a:p>
-            <a:endParaRPr lang="en-US" dirty="0" smtClean="0"/>
-          </a:p>
-          <a:p>
-            <a:pPr marL="0" marR="0" indent="0" algn="l" defTabSz="914400" rtl="0" eaLnBrk="1" fontAlgn="auto" latinLnBrk="0" hangingPunct="1">
-              <a:lnSpc>
-                <a:spcPct val="100000"/>
-              </a:lnSpc>
-              <a:spcBef>
-                <a:spcPts val="0"/>
-              </a:spcBef>
-              <a:spcAft>
-                <a:spcPts val="0"/>
-              </a:spcAft>
-              <a:buClrTx/>
-              <a:buSzTx/>
-              <a:buFontTx/>
-              <a:buNone/>
-              <a:tabLst/>
-              <a:defRPr/>
-            </a:pPr>
-            <a:r>
-              <a:rPr lang="en-US" dirty="0" smtClean="0"/>
-              <a:t>https://</a:t>
-            </a:r>
-            <a:r>
-              <a:rPr lang="en-US" dirty="0" err="1" smtClean="0"/>
-              <a:t>reactjs.org</a:t>
-            </a:r>
-            <a:r>
-              <a:rPr lang="en-US" dirty="0" smtClean="0"/>
-              <a:t>/tutorial/</a:t>
-            </a:r>
-            <a:r>
-              <a:rPr lang="en-US" dirty="0" err="1" smtClean="0"/>
-              <a:t>tutorial.html</a:t>
-            </a:r>
-            <a:r>
-              <a:rPr lang="en-US" dirty="0" smtClean="0"/>
-              <a:t> </a:t>
-            </a:r>
-            <a:r>
-              <a:rPr lang="zh-CN" altLang="en-US" dirty="0" smtClean="0"/>
-              <a:t>官方教程</a:t>
-            </a:r>
-            <a:endParaRPr lang="en-US" altLang="zh-CN" dirty="0" smtClean="0"/>
-          </a:p>
-          <a:p>
-            <a:endParaRPr lang="en-US" dirty="0"/>
+            <a:endParaRPr lang="en-US"/>
           </a:p>
         </p:txBody>
       </p:sp>
@@ -1640,7 +1522,7 @@
     </p:spTree>
     <p:extLst>
       <p:ext uri="{BB962C8B-B14F-4D97-AF65-F5344CB8AC3E}">
-        <p14:creationId xmlns:p14="http://schemas.microsoft.com/office/powerpoint/2010/main" val="210574395"/>
+        <p14:creationId xmlns:p14="http://schemas.microsoft.com/office/powerpoint/2010/main" val="546442314"/>
       </p:ext>
     </p:extLst>
   </p:cSld>
@@ -1694,41 +1576,6 @@
           <a:bodyPr/>
           <a:lstStyle/>
           <a:p>
-            <a:r>
-              <a:rPr lang="en-US" dirty="0" smtClean="0"/>
-              <a:t>https://</a:t>
-            </a:r>
-            <a:r>
-              <a:rPr lang="en-US" dirty="0" err="1" smtClean="0"/>
-              <a:t>reactjs.org</a:t>
-            </a:r>
-            <a:r>
-              <a:rPr lang="en-US" dirty="0" smtClean="0"/>
-              <a:t>/tutorial/</a:t>
-            </a:r>
-            <a:r>
-              <a:rPr lang="en-US" dirty="0" err="1" smtClean="0"/>
-              <a:t>tutorial.html</a:t>
-            </a:r>
-            <a:endParaRPr lang="en-US" dirty="0" smtClean="0"/>
-          </a:p>
-          <a:p>
-            <a:r>
-              <a:rPr lang="en-US" dirty="0" smtClean="0"/>
-              <a:t>https://</a:t>
-            </a:r>
-            <a:r>
-              <a:rPr lang="en-US" dirty="0" err="1" smtClean="0"/>
-              <a:t>discountry.github.io</a:t>
-            </a:r>
-            <a:r>
-              <a:rPr lang="en-US" dirty="0" smtClean="0"/>
-              <a:t>/react/tutorial/</a:t>
-            </a:r>
-            <a:r>
-              <a:rPr lang="en-US" dirty="0" err="1" smtClean="0"/>
-              <a:t>tutorial.html</a:t>
-            </a:r>
             <a:endParaRPr lang="en-US" dirty="0"/>
           </a:p>
         </p:txBody>
@@ -1759,7 +1606,7 @@
     </p:spTree>
     <p:extLst>
       <p:ext uri="{BB962C8B-B14F-4D97-AF65-F5344CB8AC3E}">
-        <p14:creationId xmlns:p14="http://schemas.microsoft.com/office/powerpoint/2010/main" val="1767943556"/>
+        <p14:creationId xmlns:p14="http://schemas.microsoft.com/office/powerpoint/2010/main" val="2090069670"/>
       </p:ext>
     </p:extLst>
   </p:cSld>
@@ -1813,50 +1660,93 @@
           <a:bodyPr/>
           <a:lstStyle/>
           <a:p>
+            <a:pPr marL="0" marR="0" indent="0" algn="l" defTabSz="914400" rtl="0" eaLnBrk="1" fontAlgn="auto" latinLnBrk="0" hangingPunct="1">
+              <a:lnSpc>
+                <a:spcPct val="100000"/>
+              </a:lnSpc>
+              <a:spcBef>
+                <a:spcPts val="0"/>
+              </a:spcBef>
+              <a:spcAft>
+                <a:spcPts val="0"/>
+              </a:spcAft>
+              <a:buClrTx/>
+              <a:buSzTx/>
+              <a:buFontTx/>
+              <a:buNone/>
+              <a:tabLst/>
+              <a:defRPr/>
+            </a:pPr>
             <a:r>
               <a:rPr lang="en-US" dirty="0" smtClean="0"/>
-              <a:t>https://</a:t>
+              <a:t>http://</a:t>
             </a:r>
             <a:r>
               <a:rPr lang="en-US" dirty="0" err="1" smtClean="0"/>
-              <a:t>redux.js.org</a:t>
+              <a:t>www.ruanyifeng.com</a:t>
+            </a:r>
+            <a:r>
+              <a:rPr lang="en-US" dirty="0" smtClean="0"/>
+              <a:t>/blog/2015/03/</a:t>
+            </a:r>
+            <a:r>
+              <a:rPr lang="en-US" dirty="0" err="1" smtClean="0"/>
+              <a:t>react.html</a:t>
+            </a:r>
+            <a:r>
+              <a:rPr lang="en-US" dirty="0" smtClean="0"/>
+              <a:t> </a:t>
+            </a:r>
+          </a:p>
+          <a:p>
+            <a:pPr marL="0" marR="0" indent="0" algn="l" defTabSz="914400" rtl="0" eaLnBrk="1" fontAlgn="auto" latinLnBrk="0" hangingPunct="1">
+              <a:lnSpc>
+                <a:spcPct val="100000"/>
+              </a:lnSpc>
+              <a:spcBef>
+                <a:spcPts val="0"/>
+              </a:spcBef>
+              <a:spcAft>
+                <a:spcPts val="0"/>
+              </a:spcAft>
+              <a:buClrTx/>
+              <a:buSzTx/>
+              <a:buFontTx/>
+              <a:buNone/>
+              <a:tabLst/>
+              <a:defRPr/>
+            </a:pPr>
+            <a:r>
+              <a:rPr lang="en-US" dirty="0" smtClean="0"/>
+              <a:t>https</a:t>
+            </a:r>
+            <a:r>
+              <a:rPr lang="en-US" dirty="0" smtClean="0"/>
+              <a:t>://</a:t>
+            </a:r>
+            <a:r>
+              <a:rPr lang="en-US" dirty="0" err="1" smtClean="0"/>
+              <a:t>github.com</a:t>
             </a:r>
             <a:r>
               <a:rPr lang="en-US" dirty="0" smtClean="0"/>
               <a:t>/</a:t>
             </a:r>
-          </a:p>
-          <a:p>
-            <a:r>
-              <a:rPr lang="en-US" dirty="0" smtClean="0"/>
-              <a:t>http://</a:t>
-            </a:r>
             <a:r>
               <a:rPr lang="en-US" dirty="0" err="1" smtClean="0"/>
-              <a:t>cn.redux.js.org</a:t>
+              <a:t>dvajs</a:t>
             </a:r>
             <a:r>
               <a:rPr lang="en-US" dirty="0" smtClean="0"/>
               <a:t>/</a:t>
             </a:r>
-          </a:p>
-          <a:p>
-            <a:r>
-              <a:rPr lang="en-US" dirty="0" smtClean="0"/>
-              <a:t>http://</a:t>
-            </a:r>
             <a:r>
               <a:rPr lang="en-US" dirty="0" err="1" smtClean="0"/>
-              <a:t>www.ruanyifeng.com</a:t>
-            </a:r>
-            <a:r>
-              <a:rPr lang="en-US" dirty="0" smtClean="0"/>
-              <a:t>/blog/2016/09/</a:t>
-            </a:r>
-            <a:r>
-              <a:rPr lang="en-US" dirty="0" err="1" smtClean="0"/>
-              <a:t>redux_tutorial_part_one_basic_usages.html</a:t>
-            </a:r>
+              <a:t>dva-knowledgemap</a:t>
+            </a:r>
+            <a:endParaRPr lang="en-US" dirty="0" smtClean="0"/>
+          </a:p>
+          <a:p>
             <a:endParaRPr lang="en-US" dirty="0"/>
           </a:p>
         </p:txBody>
@@ -1887,7 +1777,7 @@
     </p:spTree>
     <p:extLst>
       <p:ext uri="{BB962C8B-B14F-4D97-AF65-F5344CB8AC3E}">
-        <p14:creationId xmlns:p14="http://schemas.microsoft.com/office/powerpoint/2010/main" val="1619371975"/>
+        <p14:creationId xmlns:p14="http://schemas.microsoft.com/office/powerpoint/2010/main" val="202348755"/>
       </p:ext>
     </p:extLst>
   </p:cSld>
@@ -2025,6 +1915,80 @@
           <a:bodyPr/>
           <a:lstStyle/>
           <a:p>
+            <a:r>
+              <a:rPr lang="en-US" dirty="0" smtClean="0"/>
+              <a:t>https://</a:t>
+            </a:r>
+            <a:r>
+              <a:rPr lang="en-US" dirty="0" err="1" smtClean="0"/>
+              <a:t>github.com</a:t>
+            </a:r>
+            <a:r>
+              <a:rPr lang="en-US" dirty="0" smtClean="0"/>
+              <a:t>/</a:t>
+            </a:r>
+            <a:r>
+              <a:rPr lang="en-US" dirty="0" err="1" smtClean="0"/>
+              <a:t>ruanyf</a:t>
+            </a:r>
+            <a:r>
+              <a:rPr lang="en-US" dirty="0" smtClean="0"/>
+              <a:t>/react-demos</a:t>
+            </a:r>
+            <a:r>
+              <a:rPr lang="zh-CN" altLang="en-US" dirty="0" smtClean="0"/>
+              <a:t> 阮一峰</a:t>
+            </a:r>
+            <a:endParaRPr lang="en-US" altLang="zh-CN" dirty="0" smtClean="0"/>
+          </a:p>
+          <a:p>
+            <a:endParaRPr lang="en-US" dirty="0" smtClean="0"/>
+          </a:p>
+          <a:p>
+            <a:pPr marL="0" marR="0" indent="0" algn="l" defTabSz="914400" rtl="0" eaLnBrk="1" fontAlgn="auto" latinLnBrk="0" hangingPunct="1">
+              <a:lnSpc>
+                <a:spcPct val="100000"/>
+              </a:lnSpc>
+              <a:spcBef>
+                <a:spcPts val="0"/>
+              </a:spcBef>
+              <a:spcAft>
+                <a:spcPts val="0"/>
+              </a:spcAft>
+              <a:buClrTx/>
+              <a:buSzTx/>
+              <a:buFontTx/>
+              <a:buNone/>
+              <a:tabLst/>
+              <a:defRPr/>
+            </a:pPr>
+            <a:r>
+              <a:rPr lang="en-US" dirty="0" smtClean="0"/>
+              <a:t>https://</a:t>
+            </a:r>
+            <a:r>
+              <a:rPr lang="en-US" dirty="0" err="1" smtClean="0"/>
+              <a:t>reactjs.org</a:t>
+            </a:r>
+            <a:r>
+              <a:rPr lang="en-US" dirty="0" smtClean="0"/>
+              <a:t>/tutorial/</a:t>
+            </a:r>
+            <a:r>
+              <a:rPr lang="en-US" dirty="0" err="1" smtClean="0"/>
+              <a:t>tutorial.html</a:t>
+            </a:r>
+            <a:r>
+              <a:rPr lang="en-US" dirty="0" smtClean="0"/>
+              <a:t> </a:t>
+            </a:r>
+            <a:r>
+              <a:rPr lang="zh-CN" altLang="en-US" dirty="0" smtClean="0"/>
+              <a:t>官方教程</a:t>
+            </a:r>
+            <a:endParaRPr lang="en-US" altLang="zh-CN" dirty="0" smtClean="0"/>
+          </a:p>
+          <a:p>
             <a:endParaRPr lang="en-US" dirty="0"/>
           </a:p>
         </p:txBody>
@@ -2046,7 +2010,7 @@
           <a:p>
             <a:fld id="{3A8071CD-55D8-0E40-9E87-5F5ADA6DF007}" type="slidenum">
               <a:rPr lang="en-US" smtClean="0"/>
-              <a:t>34</a:t>
+              <a:t>33</a:t>
             </a:fld>
             <a:endParaRPr lang="en-US"/>
           </a:p>
@@ -2055,7 +2019,7 @@
     </p:spTree>
     <p:extLst>
       <p:ext uri="{BB962C8B-B14F-4D97-AF65-F5344CB8AC3E}">
-        <p14:creationId xmlns:p14="http://schemas.microsoft.com/office/powerpoint/2010/main" val="1991582309"/>
+        <p14:creationId xmlns:p14="http://schemas.microsoft.com/office/powerpoint/2010/main" val="210574395"/>
       </p:ext>
     </p:extLst>
   </p:cSld>
@@ -2115,19 +2079,34 @@
             </a:r>
             <a:r>
               <a:rPr lang="en-US" dirty="0" err="1" smtClean="0"/>
-              <a:t>gtusername.gitbooks.io</a:t>
+              <a:t>reactjs.org</a:t>
             </a:r>
             <a:r>
               <a:rPr lang="en-US" dirty="0" smtClean="0"/>
-              <a:t>/study-notes/content/</a:t>
+              <a:t>/tutorial/</a:t>
             </a:r>
             <a:r>
               <a:rPr lang="en-US" dirty="0" err="1" smtClean="0"/>
-              <a:t>dva</a:t>
-            </a:r>
-            <a:r>
-              <a:rPr lang="en-US" smtClean="0"/>
-              <a:t>/dva%E7%9F%A5%E8%AF%86%E5%9C%B0%E5%9B%BE.html</a:t>
+              <a:t>tutorial.html</a:t>
+            </a:r>
+            <a:endParaRPr lang="en-US" dirty="0" smtClean="0"/>
+          </a:p>
+          <a:p>
+            <a:r>
+              <a:rPr lang="en-US" dirty="0" smtClean="0"/>
+              <a:t>https://</a:t>
+            </a:r>
+            <a:r>
+              <a:rPr lang="en-US" dirty="0" err="1" smtClean="0"/>
+              <a:t>discountry.github.io</a:t>
+            </a:r>
+            <a:r>
+              <a:rPr lang="en-US" dirty="0" smtClean="0"/>
+              <a:t>/react/tutorial/</a:t>
+            </a:r>
+            <a:r>
+              <a:rPr lang="en-US" dirty="0" err="1" smtClean="0"/>
+              <a:t>tutorial.html</a:t>
             </a:r>
             <a:endParaRPr lang="en-US" dirty="0"/>
           </a:p>
@@ -2159,7 +2138,7 @@
     </p:spTree>
     <p:extLst>
       <p:ext uri="{BB962C8B-B14F-4D97-AF65-F5344CB8AC3E}">
-        <p14:creationId xmlns:p14="http://schemas.microsoft.com/office/powerpoint/2010/main" val="1700764222"/>
+        <p14:creationId xmlns:p14="http://schemas.microsoft.com/office/powerpoint/2010/main" val="1767943556"/>
       </p:ext>
     </p:extLst>
   </p:cSld>
@@ -2219,27 +2198,43 @@
             </a:r>
             <a:r>
               <a:rPr lang="en-US" dirty="0" err="1" smtClean="0"/>
-              <a:t>toddmotto.com</a:t>
+              <a:t>redux.js.org</a:t>
             </a:r>
             <a:r>
               <a:rPr lang="en-US" dirty="0" smtClean="0"/>
-              <a:t>/walkthrough-to-migrate-an-angular-1-component-to-angular-2/#</a:t>
+              <a:t>/</a:t>
+            </a:r>
+          </a:p>
+          <a:p>
+            <a:r>
+              <a:rPr lang="en-US" dirty="0" smtClean="0"/>
+              <a:t>http://</a:t>
             </a:r>
             <a:r>
               <a:rPr lang="en-US" dirty="0" err="1" smtClean="0"/>
-              <a:t>angularjs</a:t>
+              <a:t>cn.redux.js.org</a:t>
             </a:r>
             <a:r>
               <a:rPr lang="en-US" dirty="0" smtClean="0"/>
-              <a:t>-</a:t>
+              <a:t>/</a:t>
+            </a:r>
+          </a:p>
+          <a:p>
+            <a:r>
+              <a:rPr lang="en-US" dirty="0" smtClean="0"/>
+              <a:t>http://</a:t>
             </a:r>
             <a:r>
               <a:rPr lang="en-US" dirty="0" err="1" smtClean="0"/>
-              <a:t>todo</a:t>
+              <a:t>www.ruanyifeng.com</a:t>
             </a:r>
             <a:r>
               <a:rPr lang="en-US" dirty="0" smtClean="0"/>
-              <a:t>-app</a:t>
+              <a:t>/blog/2016/09/</a:t>
+            </a:r>
+            <a:r>
+              <a:rPr lang="en-US" dirty="0" err="1" smtClean="0"/>
+              <a:t>redux_tutorial_part_one_basic_usages.html</a:t>
             </a:r>
             <a:endParaRPr lang="en-US" dirty="0"/>
           </a:p>
@@ -2262,7 +2257,7 @@
           <a:p>
             <a:fld id="{3A8071CD-55D8-0E40-9E87-5F5ADA6DF007}" type="slidenum">
               <a:rPr lang="en-US" smtClean="0"/>
-              <a:t>37</a:t>
+              <a:t>36</a:t>
             </a:fld>
             <a:endParaRPr lang="en-US"/>
           </a:p>
@@ -2271,7 +2266,7 @@
     </p:spTree>
     <p:extLst>
       <p:ext uri="{BB962C8B-B14F-4D97-AF65-F5344CB8AC3E}">
-        <p14:creationId xmlns:p14="http://schemas.microsoft.com/office/powerpoint/2010/main" val="871259949"/>
+        <p14:creationId xmlns:p14="http://schemas.microsoft.com/office/powerpoint/2010/main" val="1619371975"/>
       </p:ext>
     </p:extLst>
   </p:cSld>
@@ -2325,68 +2320,6 @@
           <a:bodyPr/>
           <a:lstStyle/>
           <a:p>
-            <a:pPr marL="228600" indent="-228600">
-              <a:buAutoNum type="arabicPeriod"/>
-            </a:pPr>
-            <a:r>
-              <a:rPr lang="en-US" altLang="zh-CN" dirty="0" smtClean="0"/>
-              <a:t>https://</a:t>
-            </a:r>
-            <a:r>
-              <a:rPr lang="en-US" altLang="zh-CN" dirty="0" err="1" smtClean="0"/>
-              <a:t>www.jianshu.com</a:t>
-            </a:r>
-            <a:r>
-              <a:rPr lang="en-US" altLang="zh-CN" dirty="0" smtClean="0"/>
-              <a:t>/p/9d89e6ee5e0c</a:t>
-            </a:r>
-          </a:p>
-          <a:p>
-            <a:pPr marL="228600" indent="-228600">
-              <a:buAutoNum type="arabicPeriod"/>
-            </a:pPr>
-            <a:r>
-              <a:rPr lang="en-US" dirty="0" smtClean="0"/>
-              <a:t>http://</a:t>
-            </a:r>
-            <a:r>
-              <a:rPr lang="en-US" dirty="0" err="1" smtClean="0"/>
-              <a:t>www.runoob.com</a:t>
-            </a:r>
-            <a:r>
-              <a:rPr lang="en-US" dirty="0" smtClean="0"/>
-              <a:t>/</a:t>
-            </a:r>
-            <a:r>
-              <a:rPr lang="en-US" dirty="0" err="1" smtClean="0"/>
-              <a:t>angularjs</a:t>
-            </a:r>
-            <a:r>
-              <a:rPr lang="en-US" dirty="0" smtClean="0"/>
-              <a:t>/</a:t>
-            </a:r>
-            <a:r>
-              <a:rPr lang="en-US" dirty="0" err="1" smtClean="0"/>
-              <a:t>angularjs-filters.html</a:t>
-            </a:r>
-            <a:endParaRPr lang="en-US" dirty="0" smtClean="0"/>
-          </a:p>
-          <a:p>
-            <a:pPr marL="228600" indent="-228600">
-              <a:buAutoNum type="arabicPeriod"/>
-            </a:pPr>
-            <a:r>
-              <a:rPr lang="en-US" dirty="0" smtClean="0"/>
-              <a:t>https://</a:t>
-            </a:r>
-            <a:r>
-              <a:rPr lang="en-US" dirty="0" err="1" smtClean="0"/>
-              <a:t>segmentfault.com</a:t>
-            </a:r>
-            <a:r>
-              <a:rPr lang="en-US" dirty="0" smtClean="0"/>
-              <a:t>/a/1190000003096933</a:t>
-            </a:r>
             <a:endParaRPr lang="en-US" dirty="0"/>
           </a:p>
         </p:txBody>
@@ -2408,7 +2341,7 @@
           <a:p>
             <a:fld id="{3A8071CD-55D8-0E40-9E87-5F5ADA6DF007}" type="slidenum">
               <a:rPr lang="en-US" smtClean="0"/>
-              <a:t>39</a:t>
+              <a:t>38</a:t>
             </a:fld>
             <a:endParaRPr lang="en-US"/>
           </a:p>
@@ -2417,7 +2350,7 @@
     </p:spTree>
     <p:extLst>
       <p:ext uri="{BB962C8B-B14F-4D97-AF65-F5344CB8AC3E}">
-        <p14:creationId xmlns:p14="http://schemas.microsoft.com/office/powerpoint/2010/main" val="242802037"/>
+        <p14:creationId xmlns:p14="http://schemas.microsoft.com/office/powerpoint/2010/main" val="1991582309"/>
       </p:ext>
     </p:extLst>
   </p:cSld>
@@ -2477,34 +2410,19 @@
             </a:r>
             <a:r>
               <a:rPr lang="en-US" dirty="0" err="1" smtClean="0"/>
-              <a:t>reactjs.org</a:t>
+              <a:t>gtusername.gitbooks.io</a:t>
             </a:r>
             <a:r>
               <a:rPr lang="en-US" dirty="0" smtClean="0"/>
-              <a:t>/tutorial/</a:t>
+              <a:t>/study-notes/content/</a:t>
             </a:r>
             <a:r>
               <a:rPr lang="en-US" dirty="0" err="1" smtClean="0"/>
-              <a:t>tutorial.html</a:t>
-            </a:r>
-            <a:endParaRPr lang="en-US" dirty="0" smtClean="0"/>
-          </a:p>
-          <a:p>
-            <a:r>
-              <a:rPr lang="en-US" dirty="0" smtClean="0"/>
-              <a:t>https://</a:t>
-            </a:r>
-            <a:r>
-              <a:rPr lang="en-US" dirty="0" err="1" smtClean="0"/>
-              <a:t>discountry.github.io</a:t>
-            </a:r>
-            <a:r>
-              <a:rPr lang="en-US" dirty="0" smtClean="0"/>
-              <a:t>/react/tutorial/</a:t>
-            </a:r>
-            <a:r>
-              <a:rPr lang="en-US" dirty="0" err="1" smtClean="0"/>
-              <a:t>tutorial.html</a:t>
+              <a:t>dva</a:t>
+            </a:r>
+            <a:r>
+              <a:rPr lang="en-US" smtClean="0"/>
+              <a:t>/dva%E7%9F%A5%E8%AF%86%E5%9C%B0%E5%9B%BE.html</a:t>
             </a:r>
             <a:endParaRPr lang="en-US" dirty="0"/>
           </a:p>
@@ -2527,7 +2445,7 @@
           <a:p>
             <a:fld id="{3A8071CD-55D8-0E40-9E87-5F5ADA6DF007}" type="slidenum">
               <a:rPr lang="en-US" smtClean="0"/>
-              <a:t>40</a:t>
+              <a:t>39</a:t>
             </a:fld>
             <a:endParaRPr lang="en-US"/>
           </a:p>
@@ -2536,7 +2454,7 @@
     </p:spTree>
     <p:extLst>
       <p:ext uri="{BB962C8B-B14F-4D97-AF65-F5344CB8AC3E}">
-        <p14:creationId xmlns:p14="http://schemas.microsoft.com/office/powerpoint/2010/main" val="244750481"/>
+        <p14:creationId xmlns:p14="http://schemas.microsoft.com/office/powerpoint/2010/main" val="1700764222"/>
       </p:ext>
     </p:extLst>
   </p:cSld>
@@ -2596,11 +2514,27 @@
             </a:r>
             <a:r>
               <a:rPr lang="en-US" dirty="0" err="1" smtClean="0"/>
-              <a:t>material.angularjs.org</a:t>
+              <a:t>toddmotto.com</a:t>
             </a:r>
             <a:r>
               <a:rPr lang="en-US" dirty="0" smtClean="0"/>
-              <a:t>/latest/</a:t>
+              <a:t>/walkthrough-to-migrate-an-angular-1-component-to-angular-2/#</a:t>
+            </a:r>
+            <a:r>
+              <a:rPr lang="en-US" dirty="0" err="1" smtClean="0"/>
+              <a:t>angularjs</a:t>
+            </a:r>
+            <a:r>
+              <a:rPr lang="en-US" dirty="0" smtClean="0"/>
+              <a:t>-</a:t>
+            </a:r>
+            <a:r>
+              <a:rPr lang="en-US" dirty="0" err="1" smtClean="0"/>
+              <a:t>todo</a:t>
+            </a:r>
+            <a:r>
+              <a:rPr lang="en-US" dirty="0" smtClean="0"/>
+              <a:t>-app</a:t>
             </a:r>
             <a:endParaRPr lang="en-US" dirty="0"/>
           </a:p>
@@ -2632,7 +2566,7 @@
     </p:spTree>
     <p:extLst>
       <p:ext uri="{BB962C8B-B14F-4D97-AF65-F5344CB8AC3E}">
-        <p14:creationId xmlns:p14="http://schemas.microsoft.com/office/powerpoint/2010/main" val="1680812851"/>
+        <p14:creationId xmlns:p14="http://schemas.microsoft.com/office/powerpoint/2010/main" val="871259949"/>
       </p:ext>
     </p:extLst>
   </p:cSld>
@@ -2686,13 +2620,33 @@
           <a:bodyPr/>
           <a:lstStyle/>
           <a:p>
+            <a:pPr marL="228600" indent="-228600">
+              <a:buAutoNum type="arabicPeriod"/>
+            </a:pPr>
+            <a:r>
+              <a:rPr lang="en-US" altLang="zh-CN" dirty="0" smtClean="0"/>
+              <a:t>https://</a:t>
+            </a:r>
+            <a:r>
+              <a:rPr lang="en-US" altLang="zh-CN" dirty="0" err="1" smtClean="0"/>
+              <a:t>www.jianshu.com</a:t>
+            </a:r>
+            <a:r>
+              <a:rPr lang="en-US" altLang="zh-CN" dirty="0" smtClean="0"/>
+              <a:t>/p/9d89e6ee5e0c</a:t>
+            </a:r>
+          </a:p>
+          <a:p>
+            <a:pPr marL="228600" indent="-228600">
+              <a:buAutoNum type="arabicPeriod"/>
+            </a:pPr>
             <a:r>
               <a:rPr lang="en-US" dirty="0" smtClean="0"/>
               <a:t>http://</a:t>
             </a:r>
             <a:r>
               <a:rPr lang="en-US" dirty="0" err="1" smtClean="0"/>
-              <a:t>blog.csdn.net</a:t>
+              <a:t>www.runoob.com</a:t>
             </a:r>
             <a:r>
               <a:rPr lang="en-US" dirty="0" smtClean="0"/>
@@ -2700,25 +2654,33 @@
             </a:r>
             <a:r>
               <a:rPr lang="en-US" dirty="0" err="1" smtClean="0"/>
-              <a:t>napolunyishi</a:t>
+              <a:t>angularjs</a:t>
             </a:r>
             <a:r>
               <a:rPr lang="en-US" dirty="0" smtClean="0"/>
-              <a:t>/article/details/51339006</a:t>
-            </a:r>
-          </a:p>
-          <a:p>
+              <a:t>/</a:t>
+            </a:r>
+            <a:r>
+              <a:rPr lang="en-US" dirty="0" err="1" smtClean="0"/>
+              <a:t>angularjs-filters.html</a:t>
+            </a:r>
+            <a:endParaRPr lang="en-US" dirty="0" smtClean="0"/>
+          </a:p>
+          <a:p>
+            <a:pPr marL="228600" indent="-228600">
+              <a:buAutoNum type="arabicPeriod"/>
+            </a:pPr>
             <a:r>
               <a:rPr lang="en-US" dirty="0" smtClean="0"/>
               <a:t>https://</a:t>
             </a:r>
             <a:r>
               <a:rPr lang="en-US" dirty="0" err="1" smtClean="0"/>
-              <a:t>godbasin.github.io</a:t>
+              <a:t>segmentfault.com</a:t>
             </a:r>
             <a:r>
               <a:rPr lang="en-US" dirty="0" smtClean="0"/>
-              <a:t>/2016/11/06/angular2-notes-8-rxjs-in-angular2/</a:t>
+              <a:t>/a/1190000003096933</a:t>
             </a:r>
             <a:endParaRPr lang="en-US" dirty="0"/>
           </a:p>
@@ -2741,7 +2703,7 @@
           <a:p>
             <a:fld id="{3A8071CD-55D8-0E40-9E87-5F5ADA6DF007}" type="slidenum">
               <a:rPr lang="en-US" smtClean="0"/>
-              <a:t>42</a:t>
+              <a:t>43</a:t>
             </a:fld>
             <a:endParaRPr lang="en-US"/>
           </a:p>
@@ -2750,7 +2712,7 @@
     </p:spTree>
     <p:extLst>
       <p:ext uri="{BB962C8B-B14F-4D97-AF65-F5344CB8AC3E}">
-        <p14:creationId xmlns:p14="http://schemas.microsoft.com/office/powerpoint/2010/main" val="1647544439"/>
+        <p14:creationId xmlns:p14="http://schemas.microsoft.com/office/powerpoint/2010/main" val="242802037"/>
       </p:ext>
     </p:extLst>
   </p:cSld>
@@ -2806,25 +2768,38 @@
           <a:p>
             <a:r>
               <a:rPr lang="en-US" dirty="0" smtClean="0"/>
-              <a:t>&lt;app-dashboard&gt;</a:t>
-            </a:r>
-            <a:r>
-              <a:rPr lang="en-US" baseline="0" dirty="0" smtClean="0"/>
-              <a:t> &lt;/app-dashboard&gt;</a:t>
-            </a:r>
-          </a:p>
-          <a:p>
-            <a:r>
-              <a:rPr lang="en-US" baseline="0" dirty="0" smtClean="0"/>
-              <a:t>&lt;div </a:t>
-            </a:r>
-            <a:r>
-              <a:rPr lang="en-US" baseline="0" dirty="0" err="1" smtClean="0"/>
-              <a:t>ngIf</a:t>
-            </a:r>
-            <a:r>
-              <a:rPr lang="en-US" baseline="0" dirty="0" smtClean="0"/>
-              <a:t> /&gt;</a:t>
+              <a:t>https://</a:t>
+            </a:r>
+            <a:r>
+              <a:rPr lang="en-US" dirty="0" err="1" smtClean="0"/>
+              <a:t>reactjs.org</a:t>
+            </a:r>
+            <a:r>
+              <a:rPr lang="en-US" dirty="0" smtClean="0"/>
+              <a:t>/tutorial/</a:t>
+            </a:r>
+            <a:r>
+              <a:rPr lang="en-US" dirty="0" err="1" smtClean="0"/>
+              <a:t>tutorial.html</a:t>
+            </a:r>
+            <a:endParaRPr lang="en-US" dirty="0" smtClean="0"/>
+          </a:p>
+          <a:p>
+            <a:r>
+              <a:rPr lang="en-US" dirty="0" smtClean="0"/>
+              <a:t>https://</a:t>
+            </a:r>
+            <a:r>
+              <a:rPr lang="en-US" dirty="0" err="1" smtClean="0"/>
+              <a:t>discountry.github.io</a:t>
+            </a:r>
+            <a:r>
+              <a:rPr lang="en-US" dirty="0" smtClean="0"/>
+              <a:t>/react/tutorial/</a:t>
+            </a:r>
+            <a:r>
+              <a:rPr lang="en-US" dirty="0" err="1" smtClean="0"/>
+              <a:t>tutorial.html</a:t>
             </a:r>
             <a:endParaRPr lang="en-US" dirty="0"/>
           </a:p>
@@ -2856,7 +2831,7 @@
     </p:spTree>
     <p:extLst>
       <p:ext uri="{BB962C8B-B14F-4D97-AF65-F5344CB8AC3E}">
-        <p14:creationId xmlns:p14="http://schemas.microsoft.com/office/powerpoint/2010/main" val="1278079413"/>
+        <p14:creationId xmlns:p14="http://schemas.microsoft.com/office/powerpoint/2010/main" val="244750481"/>
       </p:ext>
     </p:extLst>
   </p:cSld>
@@ -2916,25 +2891,11 @@
             </a:r>
             <a:r>
               <a:rPr lang="en-US" dirty="0" err="1" smtClean="0"/>
-              <a:t>stackoverflow.com</a:t>
+              <a:t>material.angularjs.org</a:t>
             </a:r>
             <a:r>
               <a:rPr lang="en-US" dirty="0" smtClean="0"/>
-              <a:t>/questions/35944749/what-is-the-difference-between-parentheses-brackets-and-asterisks-in-angular2</a:t>
-            </a:r>
-          </a:p>
-          <a:p>
-            <a:r>
-              <a:rPr lang="tr-TR" dirty="0" smtClean="0"/>
-              <a:t>http://</a:t>
-            </a:r>
-            <a:r>
-              <a:rPr lang="tr-TR" dirty="0" err="1" smtClean="0"/>
-              <a:t>chonger.org</a:t>
-            </a:r>
-            <a:r>
-              <a:rPr lang="tr-TR" dirty="0" smtClean="0"/>
-              <a:t>/2017/08/09/20170809212600.html</a:t>
+              <a:t>/latest/</a:t>
             </a:r>
             <a:endParaRPr lang="en-US" dirty="0"/>
           </a:p>
@@ -2966,7 +2927,7 @@
     </p:spTree>
     <p:extLst>
       <p:ext uri="{BB962C8B-B14F-4D97-AF65-F5344CB8AC3E}">
-        <p14:creationId xmlns:p14="http://schemas.microsoft.com/office/powerpoint/2010/main" val="93799393"/>
+        <p14:creationId xmlns:p14="http://schemas.microsoft.com/office/powerpoint/2010/main" val="1680812851"/>
       </p:ext>
     </p:extLst>
   </p:cSld>
@@ -3020,6 +2981,40 @@
           <a:bodyPr/>
           <a:lstStyle/>
           <a:p>
+            <a:r>
+              <a:rPr lang="en-US" dirty="0" smtClean="0"/>
+              <a:t>http://</a:t>
+            </a:r>
+            <a:r>
+              <a:rPr lang="en-US" dirty="0" err="1" smtClean="0"/>
+              <a:t>blog.csdn.net</a:t>
+            </a:r>
+            <a:r>
+              <a:rPr lang="en-US" dirty="0" smtClean="0"/>
+              <a:t>/</a:t>
+            </a:r>
+            <a:r>
+              <a:rPr lang="en-US" dirty="0" err="1" smtClean="0"/>
+              <a:t>napolunyishi</a:t>
+            </a:r>
+            <a:r>
+              <a:rPr lang="en-US" dirty="0" smtClean="0"/>
+              <a:t>/article/details/51339006</a:t>
+            </a:r>
+          </a:p>
+          <a:p>
+            <a:r>
+              <a:rPr lang="en-US" dirty="0" smtClean="0"/>
+              <a:t>https://</a:t>
+            </a:r>
+            <a:r>
+              <a:rPr lang="en-US" dirty="0" err="1" smtClean="0"/>
+              <a:t>godbasin.github.io</a:t>
+            </a:r>
+            <a:r>
+              <a:rPr lang="en-US" dirty="0" smtClean="0"/>
+              <a:t>/2016/11/06/angular2-notes-8-rxjs-in-angular2/</a:t>
+            </a:r>
             <a:endParaRPr lang="en-US" dirty="0"/>
           </a:p>
         </p:txBody>
@@ -3041,7 +3036,7 @@
           <a:p>
             <a:fld id="{3A8071CD-55D8-0E40-9E87-5F5ADA6DF007}" type="slidenum">
               <a:rPr lang="en-US" smtClean="0"/>
-              <a:t>47</a:t>
+              <a:t>46</a:t>
             </a:fld>
             <a:endParaRPr lang="en-US"/>
           </a:p>
@@ -3050,7 +3045,7 @@
     </p:spTree>
     <p:extLst>
       <p:ext uri="{BB962C8B-B14F-4D97-AF65-F5344CB8AC3E}">
-        <p14:creationId xmlns:p14="http://schemas.microsoft.com/office/powerpoint/2010/main" val="1547042826"/>
+        <p14:creationId xmlns:p14="http://schemas.microsoft.com/office/powerpoint/2010/main" val="1647544439"/>
       </p:ext>
     </p:extLst>
   </p:cSld>
@@ -3224,6 +3219,28 @@
           <a:bodyPr/>
           <a:lstStyle/>
           <a:p>
+            <a:r>
+              <a:rPr lang="en-US" dirty="0" smtClean="0"/>
+              <a:t>&lt;app-dashboard&gt;</a:t>
+            </a:r>
+            <a:r>
+              <a:rPr lang="en-US" baseline="0" dirty="0" smtClean="0"/>
+              <a:t> &lt;/app-dashboard&gt;</a:t>
+            </a:r>
+          </a:p>
+          <a:p>
+            <a:r>
+              <a:rPr lang="en-US" baseline="0" dirty="0" smtClean="0"/>
+              <a:t>&lt;div </a:t>
+            </a:r>
+            <a:r>
+              <a:rPr lang="en-US" baseline="0" dirty="0" err="1" smtClean="0"/>
+              <a:t>ngIf</a:t>
+            </a:r>
+            <a:r>
+              <a:rPr lang="en-US" baseline="0" dirty="0" smtClean="0"/>
+              <a:t> /&gt;</a:t>
+            </a:r>
             <a:endParaRPr lang="en-US" dirty="0"/>
           </a:p>
         </p:txBody>
@@ -3254,7 +3271,7 @@
     </p:spTree>
     <p:extLst>
       <p:ext uri="{BB962C8B-B14F-4D97-AF65-F5344CB8AC3E}">
-        <p14:creationId xmlns:p14="http://schemas.microsoft.com/office/powerpoint/2010/main" val="800191084"/>
+        <p14:creationId xmlns:p14="http://schemas.microsoft.com/office/powerpoint/2010/main" val="1278079413"/>
       </p:ext>
     </p:extLst>
   </p:cSld>
@@ -3314,30 +3331,25 @@
             </a:r>
             <a:r>
               <a:rPr lang="en-US" dirty="0" err="1" smtClean="0"/>
-              <a:t>pro.ant.design</a:t>
+              <a:t>stackoverflow.com</a:t>
             </a:r>
             <a:r>
               <a:rPr lang="en-US" dirty="0" smtClean="0"/>
-              <a:t>/docs/getting-started-</a:t>
-            </a:r>
-            <a:r>
-              <a:rPr lang="en-US" dirty="0" err="1" smtClean="0"/>
-              <a:t>cn</a:t>
-            </a:r>
-            <a:endParaRPr lang="en-US" dirty="0" smtClean="0"/>
-          </a:p>
-          <a:p>
-            <a:r>
-              <a:rPr lang="en-US" dirty="0" smtClean="0"/>
-              <a:t>https://</a:t>
-            </a:r>
-            <a:r>
-              <a:rPr lang="en-US" dirty="0" err="1" smtClean="0"/>
-              <a:t>github.com</a:t>
-            </a:r>
-            <a:r>
-              <a:rPr lang="en-US" dirty="0" smtClean="0"/>
-              <a:t>/ant-design/ant-design-pro</a:t>
+              <a:t>/questions/35944749/what-is-the-difference-between-parentheses-brackets-and-asterisks-in-angular2</a:t>
+            </a:r>
+          </a:p>
+          <a:p>
+            <a:r>
+              <a:rPr lang="tr-TR" dirty="0" smtClean="0"/>
+              <a:t>http://</a:t>
+            </a:r>
+            <a:r>
+              <a:rPr lang="tr-TR" dirty="0" err="1" smtClean="0"/>
+              <a:t>chonger.org</a:t>
+            </a:r>
+            <a:r>
+              <a:rPr lang="tr-TR" dirty="0" smtClean="0"/>
+              <a:t>/2017/08/09/20170809212600.html</a:t>
             </a:r>
             <a:endParaRPr lang="en-US" dirty="0"/>
           </a:p>
@@ -3360,7 +3372,7 @@
           <a:p>
             <a:fld id="{3A8071CD-55D8-0E40-9E87-5F5ADA6DF007}" type="slidenum">
               <a:rPr lang="en-US" smtClean="0"/>
-              <a:t>50</a:t>
+              <a:t>49</a:t>
             </a:fld>
             <a:endParaRPr lang="en-US"/>
           </a:p>
@@ -3369,7 +3381,7 @@
     </p:spTree>
     <p:extLst>
       <p:ext uri="{BB962C8B-B14F-4D97-AF65-F5344CB8AC3E}">
-        <p14:creationId xmlns:p14="http://schemas.microsoft.com/office/powerpoint/2010/main" val="1944223527"/>
+        <p14:creationId xmlns:p14="http://schemas.microsoft.com/office/powerpoint/2010/main" val="93799393"/>
       </p:ext>
     </p:extLst>
   </p:cSld>
@@ -3423,6 +3435,289 @@
           <a:bodyPr/>
           <a:lstStyle/>
           <a:p>
+            <a:endParaRPr lang="en-US" dirty="0"/>
+          </a:p>
+        </p:txBody>
+      </p:sp>
+      <p:sp>
+        <p:nvSpPr>
+          <p:cNvPr id="4" name="Slide Number Placeholder 3"/>
+          <p:cNvSpPr>
+            <a:spLocks noGrp="1"/>
+          </p:cNvSpPr>
+          <p:nvPr>
+            <p:ph type="sldNum" sz="quarter" idx="10"/>
+          </p:nvPr>
+        </p:nvSpPr>
+        <p:spPr/>
+        <p:txBody>
+          <a:bodyPr/>
+          <a:lstStyle/>
+          <a:p>
+            <a:fld id="{3A8071CD-55D8-0E40-9E87-5F5ADA6DF007}" type="slidenum">
+              <a:rPr lang="en-US" smtClean="0"/>
+              <a:t>51</a:t>
+            </a:fld>
+            <a:endParaRPr lang="en-US"/>
+          </a:p>
+        </p:txBody>
+      </p:sp>
+    </p:spTree>
+    <p:extLst>
+      <p:ext uri="{BB962C8B-B14F-4D97-AF65-F5344CB8AC3E}">
+        <p14:creationId xmlns:p14="http://schemas.microsoft.com/office/powerpoint/2010/main" val="1547042826"/>
+      </p:ext>
+    </p:extLst>
+  </p:cSld>
+  <p:clrMapOvr>
+    <a:masterClrMapping/>
+  </p:clrMapOvr>
+</p:notes>
+</file>
+
+<file path=ppt/notesSlides/notesSlide33.xml><?xml version="1.0" encoding="utf-8"?>
+<p:notes xmlns:a="http://schemas.openxmlformats.org/drawingml/2006/main" xmlns:r="http://schemas.openxmlformats.org/officeDocument/2006/relationships" xmlns:p="http://schemas.openxmlformats.org/presentationml/2006/main">
+  <p:cSld>
+    <p:spTree>
+      <p:nvGrpSpPr>
+        <p:cNvPr id="1" name=""/>
+        <p:cNvGrpSpPr/>
+        <p:nvPr/>
+      </p:nvGrpSpPr>
+      <p:grpSpPr>
+        <a:xfrm>
+          <a:off x="0" y="0"/>
+          <a:ext cx="0" cy="0"/>
+          <a:chOff x="0" y="0"/>
+          <a:chExt cx="0" cy="0"/>
+        </a:xfrm>
+      </p:grpSpPr>
+      <p:sp>
+        <p:nvSpPr>
+          <p:cNvPr id="2" name="Slide Image Placeholder 1"/>
+          <p:cNvSpPr>
+            <a:spLocks noGrp="1" noRot="1" noChangeAspect="1"/>
+          </p:cNvSpPr>
+          <p:nvPr>
+            <p:ph type="sldImg"/>
+          </p:nvPr>
+        </p:nvSpPr>
+        <p:spPr/>
+      </p:sp>
+      <p:sp>
+        <p:nvSpPr>
+          <p:cNvPr id="3" name="Notes Placeholder 2"/>
+          <p:cNvSpPr>
+            <a:spLocks noGrp="1"/>
+          </p:cNvSpPr>
+          <p:nvPr>
+            <p:ph type="body" idx="1"/>
+          </p:nvPr>
+        </p:nvSpPr>
+        <p:spPr/>
+        <p:txBody>
+          <a:bodyPr/>
+          <a:lstStyle/>
+          <a:p>
+            <a:endParaRPr lang="en-US" dirty="0"/>
+          </a:p>
+        </p:txBody>
+      </p:sp>
+      <p:sp>
+        <p:nvSpPr>
+          <p:cNvPr id="4" name="Slide Number Placeholder 3"/>
+          <p:cNvSpPr>
+            <a:spLocks noGrp="1"/>
+          </p:cNvSpPr>
+          <p:nvPr>
+            <p:ph type="sldNum" sz="quarter" idx="10"/>
+          </p:nvPr>
+        </p:nvSpPr>
+        <p:spPr/>
+        <p:txBody>
+          <a:bodyPr/>
+          <a:lstStyle/>
+          <a:p>
+            <a:fld id="{3A8071CD-55D8-0E40-9E87-5F5ADA6DF007}" type="slidenum">
+              <a:rPr lang="en-US" smtClean="0"/>
+              <a:t>52</a:t>
+            </a:fld>
+            <a:endParaRPr lang="en-US"/>
+          </a:p>
+        </p:txBody>
+      </p:sp>
+    </p:spTree>
+    <p:extLst>
+      <p:ext uri="{BB962C8B-B14F-4D97-AF65-F5344CB8AC3E}">
+        <p14:creationId xmlns:p14="http://schemas.microsoft.com/office/powerpoint/2010/main" val="800191084"/>
+      </p:ext>
+    </p:extLst>
+  </p:cSld>
+  <p:clrMapOvr>
+    <a:masterClrMapping/>
+  </p:clrMapOvr>
+</p:notes>
+</file>
+
+<file path=ppt/notesSlides/notesSlide34.xml><?xml version="1.0" encoding="utf-8"?>
+<p:notes xmlns:a="http://schemas.openxmlformats.org/drawingml/2006/main" xmlns:r="http://schemas.openxmlformats.org/officeDocument/2006/relationships" xmlns:p="http://schemas.openxmlformats.org/presentationml/2006/main">
+  <p:cSld>
+    <p:spTree>
+      <p:nvGrpSpPr>
+        <p:cNvPr id="1" name=""/>
+        <p:cNvGrpSpPr/>
+        <p:nvPr/>
+      </p:nvGrpSpPr>
+      <p:grpSpPr>
+        <a:xfrm>
+          <a:off x="0" y="0"/>
+          <a:ext cx="0" cy="0"/>
+          <a:chOff x="0" y="0"/>
+          <a:chExt cx="0" cy="0"/>
+        </a:xfrm>
+      </p:grpSpPr>
+      <p:sp>
+        <p:nvSpPr>
+          <p:cNvPr id="2" name="Slide Image Placeholder 1"/>
+          <p:cNvSpPr>
+            <a:spLocks noGrp="1" noRot="1" noChangeAspect="1"/>
+          </p:cNvSpPr>
+          <p:nvPr>
+            <p:ph type="sldImg"/>
+          </p:nvPr>
+        </p:nvSpPr>
+        <p:spPr/>
+      </p:sp>
+      <p:sp>
+        <p:nvSpPr>
+          <p:cNvPr id="3" name="Notes Placeholder 2"/>
+          <p:cNvSpPr>
+            <a:spLocks noGrp="1"/>
+          </p:cNvSpPr>
+          <p:nvPr>
+            <p:ph type="body" idx="1"/>
+          </p:nvPr>
+        </p:nvSpPr>
+        <p:spPr/>
+        <p:txBody>
+          <a:bodyPr/>
+          <a:lstStyle/>
+          <a:p>
+            <a:r>
+              <a:rPr lang="en-US" dirty="0" smtClean="0"/>
+              <a:t>https://</a:t>
+            </a:r>
+            <a:r>
+              <a:rPr lang="en-US" dirty="0" err="1" smtClean="0"/>
+              <a:t>pro.ant.design</a:t>
+            </a:r>
+            <a:r>
+              <a:rPr lang="en-US" dirty="0" smtClean="0"/>
+              <a:t>/docs/getting-started-</a:t>
+            </a:r>
+            <a:r>
+              <a:rPr lang="en-US" dirty="0" err="1" smtClean="0"/>
+              <a:t>cn</a:t>
+            </a:r>
+            <a:endParaRPr lang="en-US" dirty="0" smtClean="0"/>
+          </a:p>
+          <a:p>
+            <a:r>
+              <a:rPr lang="en-US" dirty="0" smtClean="0"/>
+              <a:t>https://</a:t>
+            </a:r>
+            <a:r>
+              <a:rPr lang="en-US" dirty="0" err="1" smtClean="0"/>
+              <a:t>github.com</a:t>
+            </a:r>
+            <a:r>
+              <a:rPr lang="en-US" dirty="0" smtClean="0"/>
+              <a:t>/ant-design/ant-design-pro</a:t>
+            </a:r>
+            <a:endParaRPr lang="en-US" dirty="0"/>
+          </a:p>
+        </p:txBody>
+      </p:sp>
+      <p:sp>
+        <p:nvSpPr>
+          <p:cNvPr id="4" name="Slide Number Placeholder 3"/>
+          <p:cNvSpPr>
+            <a:spLocks noGrp="1"/>
+          </p:cNvSpPr>
+          <p:nvPr>
+            <p:ph type="sldNum" sz="quarter" idx="10"/>
+          </p:nvPr>
+        </p:nvSpPr>
+        <p:spPr/>
+        <p:txBody>
+          <a:bodyPr/>
+          <a:lstStyle/>
+          <a:p>
+            <a:fld id="{3A8071CD-55D8-0E40-9E87-5F5ADA6DF007}" type="slidenum">
+              <a:rPr lang="en-US" smtClean="0"/>
+              <a:t>54</a:t>
+            </a:fld>
+            <a:endParaRPr lang="en-US"/>
+          </a:p>
+        </p:txBody>
+      </p:sp>
+    </p:spTree>
+    <p:extLst>
+      <p:ext uri="{BB962C8B-B14F-4D97-AF65-F5344CB8AC3E}">
+        <p14:creationId xmlns:p14="http://schemas.microsoft.com/office/powerpoint/2010/main" val="1944223527"/>
+      </p:ext>
+    </p:extLst>
+  </p:cSld>
+  <p:clrMapOvr>
+    <a:masterClrMapping/>
+  </p:clrMapOvr>
+</p:notes>
+</file>
+
+<file path=ppt/notesSlides/notesSlide35.xml><?xml version="1.0" encoding="utf-8"?>
+<p:notes xmlns:a="http://schemas.openxmlformats.org/drawingml/2006/main" xmlns:r="http://schemas.openxmlformats.org/officeDocument/2006/relationships" xmlns:p="http://schemas.openxmlformats.org/presentationml/2006/main">
+  <p:cSld>
+    <p:spTree>
+      <p:nvGrpSpPr>
+        <p:cNvPr id="1" name=""/>
+        <p:cNvGrpSpPr/>
+        <p:nvPr/>
+      </p:nvGrpSpPr>
+      <p:grpSpPr>
+        <a:xfrm>
+          <a:off x="0" y="0"/>
+          <a:ext cx="0" cy="0"/>
+          <a:chOff x="0" y="0"/>
+          <a:chExt cx="0" cy="0"/>
+        </a:xfrm>
+      </p:grpSpPr>
+      <p:sp>
+        <p:nvSpPr>
+          <p:cNvPr id="2" name="Slide Image Placeholder 1"/>
+          <p:cNvSpPr>
+            <a:spLocks noGrp="1" noRot="1" noChangeAspect="1"/>
+          </p:cNvSpPr>
+          <p:nvPr>
+            <p:ph type="sldImg"/>
+          </p:nvPr>
+        </p:nvSpPr>
+        <p:spPr/>
+      </p:sp>
+      <p:sp>
+        <p:nvSpPr>
+          <p:cNvPr id="3" name="Notes Placeholder 2"/>
+          <p:cNvSpPr>
+            <a:spLocks noGrp="1"/>
+          </p:cNvSpPr>
+          <p:nvPr>
+            <p:ph type="body" idx="1"/>
+          </p:nvPr>
+        </p:nvSpPr>
+        <p:spPr/>
+        <p:txBody>
+          <a:bodyPr/>
+          <a:lstStyle/>
+          <a:p>
             <a:r>
               <a:rPr lang="mr-IN" dirty="0" err="1" smtClean="0"/>
               <a:t>https</a:t>
@@ -3468,7 +3763,7 @@
           <a:p>
             <a:fld id="{3A8071CD-55D8-0E40-9E87-5F5ADA6DF007}" type="slidenum">
               <a:rPr lang="en-US" smtClean="0"/>
-              <a:t>55</a:t>
+              <a:t>59</a:t>
             </a:fld>
             <a:endParaRPr lang="en-US"/>
           </a:p>
@@ -4291,7 +4586,7 @@
             <a:fld id="{B61BEF0D-F0BB-DE4B-95CE-6DB70DBA9567}" type="datetimeFigureOut">
               <a:rPr lang="en-US" smtClean="0"/>
               <a:pPr/>
-              <a:t>6/15/18</a:t>
+              <a:t>7/5/18</a:t>
             </a:fld>
             <a:endParaRPr lang="en-US" dirty="0"/>
           </a:p>
@@ -4565,7 +4860,7 @@
             <a:fld id="{B61BEF0D-F0BB-DE4B-95CE-6DB70DBA9567}" type="datetimeFigureOut">
               <a:rPr lang="en-US" smtClean="0"/>
               <a:pPr/>
-              <a:t>6/15/18</a:t>
+              <a:t>7/5/18</a:t>
             </a:fld>
             <a:endParaRPr lang="en-US" dirty="0"/>
           </a:p>
@@ -4798,7 +5093,7 @@
             <a:fld id="{B61BEF0D-F0BB-DE4B-95CE-6DB70DBA9567}" type="datetimeFigureOut">
               <a:rPr lang="en-US" smtClean="0"/>
               <a:pPr/>
-              <a:t>6/15/18</a:t>
+              <a:t>7/5/18</a:t>
             </a:fld>
             <a:endParaRPr lang="en-US" dirty="0"/>
           </a:p>
@@ -5110,7 +5405,7 @@
             <a:fld id="{B61BEF0D-F0BB-DE4B-95CE-6DB70DBA9567}" type="datetimeFigureOut">
               <a:rPr lang="en-US" smtClean="0"/>
               <a:pPr/>
-              <a:t>6/15/18</a:t>
+              <a:t>7/5/18</a:t>
             </a:fld>
             <a:endParaRPr lang="en-US" dirty="0"/>
           </a:p>
@@ -5585,7 +5880,7 @@
             <a:fld id="{B61BEF0D-F0BB-DE4B-95CE-6DB70DBA9567}" type="datetimeFigureOut">
               <a:rPr lang="en-US" smtClean="0"/>
               <a:pPr/>
-              <a:t>6/15/18</a:t>
+              <a:t>7/5/18</a:t>
             </a:fld>
             <a:endParaRPr lang="en-US" dirty="0"/>
           </a:p>
@@ -6134,7 +6429,7 @@
             <a:fld id="{B61BEF0D-F0BB-DE4B-95CE-6DB70DBA9567}" type="datetimeFigureOut">
               <a:rPr lang="en-US" smtClean="0"/>
               <a:pPr/>
-              <a:t>6/15/18</a:t>
+              <a:t>7/5/18</a:t>
             </a:fld>
             <a:endParaRPr lang="en-US" dirty="0"/>
           </a:p>
@@ -6910,7 +7205,7 @@
             <a:fld id="{B61BEF0D-F0BB-DE4B-95CE-6DB70DBA9567}" type="datetimeFigureOut">
               <a:rPr lang="en-US" smtClean="0"/>
               <a:pPr/>
-              <a:t>6/15/18</a:t>
+              <a:t>7/5/18</a:t>
             </a:fld>
             <a:endParaRPr lang="en-US" dirty="0"/>
           </a:p>
@@ -7087,7 +7382,7 @@
             <a:fld id="{B61BEF0D-F0BB-DE4B-95CE-6DB70DBA9567}" type="datetimeFigureOut">
               <a:rPr lang="en-US" smtClean="0"/>
               <a:pPr/>
-              <a:t>6/15/18</a:t>
+              <a:t>7/5/18</a:t>
             </a:fld>
             <a:endParaRPr lang="en-US" dirty="0"/>
           </a:p>
@@ -7312,7 +7607,7 @@
             <a:fld id="{B61BEF0D-F0BB-DE4B-95CE-6DB70DBA9567}" type="datetimeFigureOut">
               <a:rPr lang="en-US" smtClean="0"/>
               <a:pPr/>
-              <a:t>6/15/18</a:t>
+              <a:t>7/5/18</a:t>
             </a:fld>
             <a:endParaRPr lang="en-US" dirty="0"/>
           </a:p>
@@ -7499,7 +7794,7 @@
             <a:fld id="{B61BEF0D-F0BB-DE4B-95CE-6DB70DBA9567}" type="datetimeFigureOut">
               <a:rPr lang="en-US" smtClean="0"/>
               <a:pPr/>
-              <a:t>6/15/18</a:t>
+              <a:t>7/5/18</a:t>
             </a:fld>
             <a:endParaRPr lang="en-US" dirty="0"/>
           </a:p>
@@ -7790,7 +8085,7 @@
             <a:fld id="{B61BEF0D-F0BB-DE4B-95CE-6DB70DBA9567}" type="datetimeFigureOut">
               <a:rPr lang="en-US" smtClean="0"/>
               <a:pPr/>
-              <a:t>6/15/18</a:t>
+              <a:t>7/5/18</a:t>
             </a:fld>
             <a:endParaRPr lang="en-US" dirty="0"/>
           </a:p>
@@ -8039,7 +8334,7 @@
             <a:fld id="{B61BEF0D-F0BB-DE4B-95CE-6DB70DBA9567}" type="datetimeFigureOut">
               <a:rPr lang="en-US" smtClean="0"/>
               <a:pPr/>
-              <a:t>6/15/18</a:t>
+              <a:t>7/5/18</a:t>
             </a:fld>
             <a:endParaRPr lang="en-US" dirty="0"/>
           </a:p>
@@ -8425,7 +8720,7 @@
             <a:fld id="{B61BEF0D-F0BB-DE4B-95CE-6DB70DBA9567}" type="datetimeFigureOut">
               <a:rPr lang="en-US" smtClean="0"/>
               <a:pPr/>
-              <a:t>6/15/18</a:t>
+              <a:t>7/5/18</a:t>
             </a:fld>
             <a:endParaRPr lang="en-US" dirty="0"/>
           </a:p>
@@ -8550,7 +8845,7 @@
             <a:fld id="{B61BEF0D-F0BB-DE4B-95CE-6DB70DBA9567}" type="datetimeFigureOut">
               <a:rPr lang="en-US" smtClean="0"/>
               <a:pPr/>
-              <a:t>6/15/18</a:t>
+              <a:t>7/5/18</a:t>
             </a:fld>
             <a:endParaRPr lang="en-US" dirty="0"/>
           </a:p>
@@ -8647,7 +8942,7 @@
             <a:fld id="{B61BEF0D-F0BB-DE4B-95CE-6DB70DBA9567}" type="datetimeFigureOut">
               <a:rPr lang="en-US" smtClean="0"/>
               <a:pPr/>
-              <a:t>6/15/18</a:t>
+              <a:t>7/5/18</a:t>
             </a:fld>
             <a:endParaRPr lang="en-US" dirty="0"/>
           </a:p>
@@ -8903,7 +9198,7 @@
             <a:fld id="{B61BEF0D-F0BB-DE4B-95CE-6DB70DBA9567}" type="datetimeFigureOut">
               <a:rPr lang="en-US" smtClean="0"/>
               <a:pPr/>
-              <a:t>6/15/18</a:t>
+              <a:t>7/5/18</a:t>
             </a:fld>
             <a:endParaRPr lang="en-US" dirty="0"/>
           </a:p>
@@ -9167,7 +9462,7 @@
             <a:fld id="{B61BEF0D-F0BB-DE4B-95CE-6DB70DBA9567}" type="datetimeFigureOut">
               <a:rPr lang="en-US" smtClean="0"/>
               <a:pPr/>
-              <a:t>6/15/18</a:t>
+              <a:t>7/5/18</a:t>
             </a:fld>
             <a:endParaRPr lang="en-US" dirty="0"/>
           </a:p>
@@ -9412,7 +9707,7 @@
             <a:fld id="{B61BEF0D-F0BB-DE4B-95CE-6DB70DBA9567}" type="datetimeFigureOut">
               <a:rPr lang="en-US" smtClean="0"/>
               <a:pPr/>
-              <a:t>6/15/18</a:t>
+              <a:t>7/5/18</a:t>
             </a:fld>
             <a:endParaRPr lang="en-US" dirty="0"/>
           </a:p>
@@ -11772,51 +12067,192 @@
           <a:lstStyle/>
           <a:p>
             <a:r>
+              <a:rPr lang="zh-CN" altLang="en-US" dirty="0" smtClean="0"/>
+              <a:t>小作业</a:t>
+            </a:r>
+            <a:endParaRPr lang="en-US" dirty="0"/>
+          </a:p>
+        </p:txBody>
+      </p:sp>
+      <p:sp>
+        <p:nvSpPr>
+          <p:cNvPr id="3" name="Content Placeholder 2"/>
+          <p:cNvSpPr>
+            <a:spLocks noGrp="1"/>
+          </p:cNvSpPr>
+          <p:nvPr>
+            <p:ph idx="1"/>
+          </p:nvPr>
+        </p:nvSpPr>
+        <p:spPr/>
+        <p:txBody>
+          <a:bodyPr/>
+          <a:lstStyle/>
+          <a:p>
+            <a:r>
+              <a:rPr lang="en-US" altLang="zh-CN" dirty="0"/>
+              <a:t>1. </a:t>
+            </a:r>
+            <a:r>
+              <a:rPr lang="zh-CN" altLang="en-US" dirty="0"/>
+              <a:t>写一个页面，实现求和的</a:t>
+            </a:r>
+            <a:r>
+              <a:rPr lang="zh-CN" altLang="en-US" dirty="0" smtClean="0"/>
+              <a:t>功能</a:t>
+            </a:r>
+            <a:endParaRPr lang="en-US" altLang="zh-CN" dirty="0" smtClean="0"/>
+          </a:p>
+          <a:p>
+            <a:r>
               <a:rPr lang="en-US" altLang="zh-CN" dirty="0" smtClean="0"/>
-              <a:t>Ajax</a:t>
+              <a:t>2</a:t>
+            </a:r>
+            <a:r>
+              <a:rPr lang="en-US" altLang="zh-CN" dirty="0"/>
+              <a:t>. </a:t>
+            </a:r>
+            <a:r>
+              <a:rPr lang="zh-CN" altLang="en-US" dirty="0"/>
+              <a:t>写一个页面，用户从终端或浏览器输入一段文字，如果是合法的整数，根据奇偶性输出奇数或偶数，否则输出不是整数。	提示：内置函数 </a:t>
+            </a:r>
+            <a:r>
+              <a:rPr lang="en-US" altLang="zh-CN" dirty="0" err="1"/>
+              <a:t>parseInt</a:t>
+            </a:r>
+            <a:r>
+              <a:rPr lang="en-US" altLang="zh-CN" dirty="0"/>
+              <a:t> </a:t>
+            </a:r>
+            <a:r>
+              <a:rPr lang="zh-CN" altLang="en-US" dirty="0"/>
+              <a:t>能够将一个字符串尝试转换成整数</a:t>
             </a:r>
             <a:r>
               <a:rPr lang="zh-CN" altLang="en-US" dirty="0" smtClean="0"/>
-              <a:t> 请求</a:t>
-            </a:r>
-            <a:endParaRPr lang="en-US" dirty="0"/>
-          </a:p>
-        </p:txBody>
-      </p:sp>
-      <p:sp>
-        <p:nvSpPr>
-          <p:cNvPr id="3" name="Text Placeholder 2"/>
-          <p:cNvSpPr>
-            <a:spLocks noGrp="1"/>
-          </p:cNvSpPr>
-          <p:nvPr>
-            <p:ph type="body" idx="1"/>
-          </p:nvPr>
-        </p:nvSpPr>
-        <p:spPr/>
-        <p:txBody>
-          <a:bodyPr/>
-          <a:lstStyle/>
-          <a:p>
-            <a:r>
-              <a:rPr lang="en-US" dirty="0"/>
-              <a:t>https://</a:t>
-            </a:r>
-            <a:r>
-              <a:rPr lang="en-US" dirty="0" err="1"/>
-              <a:t>randomuser.me</a:t>
-            </a:r>
-            <a:r>
-              <a:rPr lang="en-US" dirty="0"/>
-              <a:t>/</a:t>
-            </a:r>
+              <a:t>。</a:t>
+            </a:r>
+            <a:endParaRPr lang="en-US" altLang="zh-CN" dirty="0" smtClean="0"/>
+          </a:p>
+          <a:p>
+            <a:r>
+              <a:rPr lang="en-US" altLang="zh-CN" dirty="0" smtClean="0"/>
+              <a:t>3</a:t>
+            </a:r>
+            <a:r>
+              <a:rPr lang="en-US" altLang="zh-CN" dirty="0"/>
+              <a:t>. </a:t>
+            </a:r>
+            <a:r>
+              <a:rPr lang="zh-CN" altLang="en-US" dirty="0"/>
+              <a:t>实现一个函数 </a:t>
+            </a:r>
+            <a:r>
+              <a:rPr lang="en-US" altLang="zh-CN" dirty="0" err="1"/>
+              <a:t>getSecond</a:t>
+            </a:r>
+            <a:r>
+              <a:rPr lang="en-US" altLang="zh-CN" dirty="0"/>
+              <a:t>(n)</a:t>
+            </a:r>
+            <a:r>
+              <a:rPr lang="zh-CN" altLang="en-US" dirty="0"/>
+              <a:t>，给定一个数组 </a:t>
+            </a:r>
+            <a:r>
+              <a:rPr lang="en-US" altLang="zh-CN" dirty="0" err="1"/>
+              <a:t>arr</a:t>
+            </a:r>
+            <a:r>
+              <a:rPr lang="zh-CN" altLang="en-US" dirty="0"/>
+              <a:t>，返回该数组中第二大的数。	比如 </a:t>
+            </a:r>
+            <a:r>
+              <a:rPr lang="en-US" altLang="zh-CN" dirty="0" err="1"/>
+              <a:t>arr</a:t>
+            </a:r>
+            <a:r>
+              <a:rPr lang="en-US" altLang="zh-CN" dirty="0"/>
+              <a:t> = [1, 3, 5, 4, 2]</a:t>
+            </a:r>
+            <a:r>
+              <a:rPr lang="zh-CN" altLang="en-US" dirty="0"/>
+              <a:t>，返回结果为 </a:t>
+            </a:r>
+            <a:r>
+              <a:rPr lang="en-US" altLang="zh-CN" dirty="0"/>
+              <a:t>4</a:t>
+            </a:r>
+            <a:r>
+              <a:rPr lang="zh-CN" altLang="en-US" dirty="0"/>
+              <a:t>。	</a:t>
+            </a:r>
+            <a:endParaRPr lang="en-US" altLang="zh-CN" dirty="0" smtClean="0"/>
+          </a:p>
+          <a:p>
+            <a:r>
+              <a:rPr lang="zh-CN" altLang="en-US" dirty="0" smtClean="0"/>
+              <a:t>使用</a:t>
+            </a:r>
+            <a:r>
+              <a:rPr lang="zh-CN" altLang="en-US" dirty="0"/>
+              <a:t>基础</a:t>
+            </a:r>
+            <a:r>
+              <a:rPr lang="en-US" altLang="zh-CN" dirty="0"/>
+              <a:t>HTML</a:t>
+            </a:r>
+            <a:r>
+              <a:rPr lang="zh-CN" altLang="en-US" dirty="0"/>
+              <a:t>即可，有能力的同学可以使用</a:t>
+            </a:r>
+            <a:r>
+              <a:rPr lang="en-US" altLang="zh-CN" dirty="0" err="1"/>
+              <a:t>css</a:t>
+            </a:r>
+            <a:r>
+              <a:rPr lang="zh-CN" altLang="en-US" dirty="0"/>
+              <a:t>进行排版和修饰不懂的地方欢迎在群里问</a:t>
+            </a:r>
+            <a:endParaRPr lang="en-US" dirty="0"/>
+          </a:p>
+        </p:txBody>
+      </p:sp>
+      <p:sp>
+        <p:nvSpPr>
+          <p:cNvPr id="4" name="Text Placeholder 3"/>
+          <p:cNvSpPr>
+            <a:spLocks noGrp="1"/>
+          </p:cNvSpPr>
+          <p:nvPr>
+            <p:ph type="body" sz="half" idx="2"/>
+          </p:nvPr>
+        </p:nvSpPr>
+        <p:spPr/>
+        <p:txBody>
+          <a:bodyPr/>
+          <a:lstStyle/>
+          <a:p>
+            <a:r>
+              <a:rPr lang="en-US" altLang="zh-CN" dirty="0" smtClean="0"/>
+              <a:t>Session</a:t>
+            </a:r>
+            <a:r>
+              <a:rPr lang="zh-CN" altLang="en-US" dirty="0" smtClean="0"/>
+              <a:t> </a:t>
+            </a:r>
+            <a:r>
+              <a:rPr lang="en-US" altLang="zh-CN" dirty="0" smtClean="0"/>
+              <a:t>1-2</a:t>
+            </a:r>
+            <a:endParaRPr lang="en-US" dirty="0"/>
           </a:p>
         </p:txBody>
       </p:sp>
     </p:spTree>
     <p:extLst>
       <p:ext uri="{BB962C8B-B14F-4D97-AF65-F5344CB8AC3E}">
-        <p14:creationId xmlns:p14="http://schemas.microsoft.com/office/powerpoint/2010/main" val="406416514"/>
+        <p14:creationId xmlns:p14="http://schemas.microsoft.com/office/powerpoint/2010/main" val="1663945604"/>
       </p:ext>
     </p:extLst>
   </p:cSld>
@@ -11845,7 +12281,7 @@
       </p:grpSpPr>
       <p:sp>
         <p:nvSpPr>
-          <p:cNvPr id="4" name="Title 3"/>
+          <p:cNvPr id="2" name="Title 1"/>
           <p:cNvSpPr>
             <a:spLocks noGrp="1"/>
           </p:cNvSpPr>
@@ -11860,103 +12296,25 @@
           <a:p>
             <a:r>
               <a:rPr lang="zh-CN" altLang="en-US" dirty="0" smtClean="0"/>
-              <a:t>小作业</a:t>
-            </a:r>
-            <a:endParaRPr lang="en-US" dirty="0"/>
-          </a:p>
-        </p:txBody>
-      </p:sp>
-      <p:sp>
-        <p:nvSpPr>
-          <p:cNvPr id="5" name="Content Placeholder 4"/>
-          <p:cNvSpPr>
-            <a:spLocks noGrp="1"/>
-          </p:cNvSpPr>
-          <p:nvPr>
-            <p:ph idx="1"/>
-          </p:nvPr>
-        </p:nvSpPr>
-        <p:spPr>
-          <a:xfrm>
-            <a:off x="685800" y="2226091"/>
-            <a:ext cx="10820400" cy="4024125"/>
-          </a:xfrm>
-        </p:spPr>
-        <p:txBody>
-          <a:bodyPr/>
-          <a:lstStyle/>
-          <a:p>
-            <a:r>
-              <a:rPr lang="zh-CN" altLang="en-US" dirty="0" smtClean="0"/>
-              <a:t>实现多页面跳转</a:t>
-            </a:r>
-            <a:endParaRPr lang="en-US" altLang="zh-CN" dirty="0" smtClean="0"/>
-          </a:p>
-          <a:p>
-            <a:r>
-              <a:rPr lang="zh-CN" altLang="en-US" dirty="0" smtClean="0"/>
-              <a:t>异步</a:t>
-            </a:r>
-            <a:r>
-              <a:rPr lang="en-US" altLang="zh-CN" dirty="0" smtClean="0"/>
-              <a:t>API</a:t>
-            </a:r>
-            <a:r>
-              <a:rPr lang="zh-CN" altLang="en-US" dirty="0" smtClean="0"/>
-              <a:t>请求，并且显示 （使用</a:t>
-            </a:r>
-            <a:r>
-              <a:rPr lang="en-US" altLang="zh-CN" dirty="0" err="1" smtClean="0"/>
-              <a:t>Jquery</a:t>
-            </a:r>
-            <a:r>
-              <a:rPr lang="zh-CN" altLang="en-US" dirty="0" smtClean="0"/>
-              <a:t>，</a:t>
-            </a:r>
-            <a:r>
-              <a:rPr lang="en-US" altLang="zh-CN" dirty="0" err="1"/>
-              <a:t>CodeSandbox</a:t>
-            </a:r>
-            <a:r>
-              <a:rPr lang="en-US" altLang="zh-CN" dirty="0"/>
-              <a:t>, https://</a:t>
-            </a:r>
-            <a:r>
-              <a:rPr lang="en-US" altLang="zh-CN" dirty="0" err="1"/>
-              <a:t>randomuser.me</a:t>
-            </a:r>
-            <a:r>
-              <a:rPr lang="en-US" altLang="zh-CN" dirty="0"/>
-              <a:t>/ </a:t>
-            </a:r>
-            <a:r>
-              <a:rPr lang="zh-CN" altLang="en-US" dirty="0" smtClean="0"/>
-              <a:t>）</a:t>
-            </a:r>
-            <a:endParaRPr lang="en-US" dirty="0"/>
-          </a:p>
-        </p:txBody>
-      </p:sp>
-      <p:sp>
-        <p:nvSpPr>
-          <p:cNvPr id="6" name="TextBox 5"/>
-          <p:cNvSpPr txBox="1"/>
-          <p:nvPr/>
-        </p:nvSpPr>
-        <p:spPr>
-          <a:xfrm>
-            <a:off x="5155324" y="2427890"/>
-            <a:ext cx="184731" cy="369332"/>
-          </a:xfrm>
-          <a:prstGeom prst="rect">
-            <a:avLst/>
-          </a:prstGeom>
-          <a:noFill/>
-        </p:spPr>
-        <p:txBody>
-          <a:bodyPr wrap="none" rtlCol="0">
-            <a:spAutoFit/>
-          </a:bodyPr>
+              <a:t>作业批改</a:t>
+            </a:r>
+            <a:endParaRPr lang="en-US" dirty="0"/>
+          </a:p>
+        </p:txBody>
+      </p:sp>
+      <p:sp>
+        <p:nvSpPr>
+          <p:cNvPr id="3" name="Text Placeholder 2"/>
+          <p:cNvSpPr>
+            <a:spLocks noGrp="1"/>
+          </p:cNvSpPr>
+          <p:nvPr>
+            <p:ph type="body" idx="1"/>
+          </p:nvPr>
+        </p:nvSpPr>
+        <p:spPr/>
+        <p:txBody>
+          <a:bodyPr/>
           <a:lstStyle/>
           <a:p>
             <a:endParaRPr lang="en-US" dirty="0"/>
@@ -11966,13 +12324,20 @@
     </p:spTree>
     <p:extLst>
       <p:ext uri="{BB962C8B-B14F-4D97-AF65-F5344CB8AC3E}">
-        <p14:creationId xmlns:p14="http://schemas.microsoft.com/office/powerpoint/2010/main" val="1651285519"/>
+        <p14:creationId xmlns:p14="http://schemas.microsoft.com/office/powerpoint/2010/main" val="140880792"/>
       </p:ext>
     </p:extLst>
   </p:cSld>
   <p:clrMapOvr>
     <a:masterClrMapping/>
   </p:clrMapOvr>
+  <p:timing>
+    <p:tnLst>
+      <p:par>
+        <p:cTn id="1" dur="indefinite" restart="never" nodeType="tmRoot"/>
+      </p:par>
+    </p:tnLst>
+  </p:timing>
 </p:sld>
 </file>
 
@@ -12009,8 +12374,16 @@
           <a:lstStyle/>
           <a:p>
             <a:r>
+              <a:rPr lang="en-US" dirty="0" err="1" smtClean="0"/>
+              <a:t>Jquery</a:t>
+            </a:r>
+            <a:r>
               <a:rPr lang="en-US" dirty="0" smtClean="0"/>
-              <a:t>React Hello world</a:t>
+              <a:t> </a:t>
+            </a:r>
+            <a:r>
+              <a:rPr lang="zh-CN" altLang="en-US" dirty="0" smtClean="0"/>
+              <a:t>入门</a:t>
             </a:r>
             <a:endParaRPr lang="en-US" dirty="0"/>
           </a:p>
@@ -12031,27 +12404,20 @@
           <a:bodyPr/>
           <a:lstStyle/>
           <a:p>
-            <a:endParaRPr lang="en-US"/>
+            <a:endParaRPr lang="en-US" dirty="0"/>
           </a:p>
         </p:txBody>
       </p:sp>
     </p:spTree>
     <p:extLst>
       <p:ext uri="{BB962C8B-B14F-4D97-AF65-F5344CB8AC3E}">
-        <p14:creationId xmlns:p14="http://schemas.microsoft.com/office/powerpoint/2010/main" val="1850757051"/>
+        <p14:creationId xmlns:p14="http://schemas.microsoft.com/office/powerpoint/2010/main" val="1938382154"/>
       </p:ext>
     </p:extLst>
   </p:cSld>
   <p:clrMapOvr>
     <a:masterClrMapping/>
   </p:clrMapOvr>
-  <p:timing>
-    <p:tnLst>
-      <p:par>
-        <p:cTn id="1" dur="indefinite" restart="never" nodeType="tmRoot"/>
-      </p:par>
-    </p:tnLst>
-  </p:timing>
 </p:sld>
 </file>
 
@@ -12088,12 +12454,12 @@
           <a:lstStyle/>
           <a:p>
             <a:r>
-              <a:rPr lang="en-US" dirty="0" smtClean="0"/>
-              <a:t>React </a:t>
+              <a:rPr lang="en-US" altLang="zh-CN" dirty="0" smtClean="0"/>
+              <a:t>Ajax</a:t>
             </a:r>
             <a:r>
               <a:rPr lang="zh-CN" altLang="en-US" dirty="0" smtClean="0"/>
-              <a:t>知识图谱</a:t>
+              <a:t> 请求</a:t>
             </a:r>
             <a:endParaRPr lang="en-US" dirty="0"/>
           </a:p>
@@ -12114,27 +12480,31 @@
           <a:bodyPr/>
           <a:lstStyle/>
           <a:p>
-            <a:endParaRPr lang="en-US" dirty="0"/>
+            <a:r>
+              <a:rPr lang="en-US" dirty="0"/>
+              <a:t>https://</a:t>
+            </a:r>
+            <a:r>
+              <a:rPr lang="en-US" dirty="0" err="1"/>
+              <a:t>randomuser.me</a:t>
+            </a:r>
+            <a:r>
+              <a:rPr lang="en-US" dirty="0"/>
+              <a:t>/</a:t>
+            </a:r>
           </a:p>
         </p:txBody>
       </p:sp>
     </p:spTree>
     <p:extLst>
       <p:ext uri="{BB962C8B-B14F-4D97-AF65-F5344CB8AC3E}">
-        <p14:creationId xmlns:p14="http://schemas.microsoft.com/office/powerpoint/2010/main" val="734033681"/>
+        <p14:creationId xmlns:p14="http://schemas.microsoft.com/office/powerpoint/2010/main" val="406416514"/>
       </p:ext>
     </p:extLst>
   </p:cSld>
   <p:clrMapOvr>
     <a:masterClrMapping/>
   </p:clrMapOvr>
-  <p:timing>
-    <p:tnLst>
-      <p:par>
-        <p:cTn id="1" dur="indefinite" restart="never" nodeType="tmRoot"/>
-      </p:par>
-    </p:tnLst>
-  </p:timing>
 </p:sld>
 </file>
 
@@ -12336,18 +12706,45 @@
       </p:grpSpPr>
       <p:sp>
         <p:nvSpPr>
-          <p:cNvPr id="2" name="Title 1"/>
+          <p:cNvPr id="4" name="Title 3"/>
           <p:cNvSpPr>
             <a:spLocks noGrp="1"/>
           </p:cNvSpPr>
           <p:nvPr>
             <p:ph type="title"/>
+          </p:nvPr>
+        </p:nvSpPr>
+        <p:spPr/>
+        <p:txBody>
+          <a:bodyPr/>
+          <a:lstStyle/>
+          <a:p>
+            <a:r>
+              <a:rPr lang="zh-CN" altLang="en-US" dirty="0" smtClean="0"/>
+              <a:t>课上</a:t>
+            </a:r>
+            <a:r>
+              <a:rPr lang="zh-CN" altLang="en-US" dirty="0" smtClean="0"/>
+              <a:t>作业</a:t>
+            </a:r>
+            <a:endParaRPr lang="en-US" dirty="0"/>
+          </a:p>
+        </p:txBody>
+      </p:sp>
+      <p:sp>
+        <p:nvSpPr>
+          <p:cNvPr id="5" name="Content Placeholder 4"/>
+          <p:cNvSpPr>
+            <a:spLocks noGrp="1"/>
+          </p:cNvSpPr>
+          <p:nvPr>
+            <p:ph idx="1"/>
           </p:nvPr>
         </p:nvSpPr>
         <p:spPr>
           <a:xfrm>
-            <a:off x="1751011" y="527281"/>
-            <a:ext cx="8686800" cy="1468800"/>
+            <a:off x="685800" y="2226091"/>
+            <a:ext cx="10820400" cy="4024125"/>
           </a:xfrm>
         </p:spPr>
         <p:txBody>
@@ -12355,67 +12752,70 @@
           <a:lstStyle/>
           <a:p>
             <a:r>
-              <a:rPr lang="en-US" dirty="0" smtClean="0"/>
-              <a:t>React </a:t>
-            </a:r>
-            <a:r>
               <a:rPr lang="zh-CN" altLang="en-US" dirty="0" smtClean="0"/>
-              <a:t>基础语法</a:t>
-            </a:r>
-            <a:endParaRPr lang="en-US" dirty="0"/>
-          </a:p>
-        </p:txBody>
-      </p:sp>
-      <p:sp>
-        <p:nvSpPr>
-          <p:cNvPr id="3" name="Text Placeholder 2"/>
-          <p:cNvSpPr>
-            <a:spLocks noGrp="1"/>
-          </p:cNvSpPr>
-          <p:nvPr>
-            <p:ph type="body" idx="1"/>
-          </p:nvPr>
+              <a:t>实现多页面跳转</a:t>
+            </a:r>
+            <a:endParaRPr lang="en-US" altLang="zh-CN" dirty="0" smtClean="0"/>
+          </a:p>
+          <a:p>
+            <a:r>
+              <a:rPr lang="zh-CN" altLang="en-US" dirty="0" smtClean="0"/>
+              <a:t>异步</a:t>
+            </a:r>
+            <a:r>
+              <a:rPr lang="en-US" altLang="zh-CN" dirty="0" smtClean="0"/>
+              <a:t>API</a:t>
+            </a:r>
+            <a:r>
+              <a:rPr lang="zh-CN" altLang="en-US" dirty="0" smtClean="0"/>
+              <a:t>请求，并且显示 </a:t>
+            </a:r>
+            <a:r>
+              <a:rPr lang="zh-CN" altLang="en-US" dirty="0" smtClean="0"/>
+              <a:t>（可以使用</a:t>
+            </a:r>
+            <a:r>
+              <a:rPr lang="en-US" altLang="zh-CN" dirty="0" err="1" smtClean="0"/>
+              <a:t>Jquery</a:t>
+            </a:r>
+            <a:r>
+              <a:rPr lang="zh-CN" altLang="en-US" dirty="0" smtClean="0"/>
+              <a:t>，</a:t>
+            </a:r>
+            <a:r>
+              <a:rPr lang="en-US" altLang="zh-CN" dirty="0" err="1"/>
+              <a:t>CodeSandbox</a:t>
+            </a:r>
+            <a:r>
+              <a:rPr lang="en-US" altLang="zh-CN" dirty="0"/>
+              <a:t>, https://</a:t>
+            </a:r>
+            <a:r>
+              <a:rPr lang="en-US" altLang="zh-CN" dirty="0" err="1"/>
+              <a:t>randomuser.me</a:t>
+            </a:r>
+            <a:r>
+              <a:rPr lang="en-US" altLang="zh-CN" dirty="0"/>
+              <a:t>/ </a:t>
+            </a:r>
+            <a:r>
+              <a:rPr lang="zh-CN" altLang="en-US" dirty="0" smtClean="0"/>
+              <a:t>）</a:t>
+            </a:r>
+            <a:endParaRPr lang="en-US" dirty="0"/>
+          </a:p>
+        </p:txBody>
+      </p:sp>
+      <p:sp>
+        <p:nvSpPr>
+          <p:cNvPr id="6" name="TextBox 5"/>
+          <p:cNvSpPr txBox="1"/>
+          <p:nvPr/>
         </p:nvSpPr>
         <p:spPr>
           <a:xfrm>
-            <a:off x="1611311" y="2262781"/>
-            <a:ext cx="8686801" cy="860400"/>
-          </a:xfrm>
-        </p:spPr>
-        <p:txBody>
-          <a:bodyPr/>
-          <a:lstStyle/>
-          <a:p>
-            <a:r>
-              <a:rPr lang="en-US" dirty="0"/>
-              <a:t>http://</a:t>
-            </a:r>
-            <a:r>
-              <a:rPr lang="en-US" dirty="0" err="1"/>
-              <a:t>www.ruanyifeng.com</a:t>
-            </a:r>
-            <a:r>
-              <a:rPr lang="en-US" dirty="0"/>
-              <a:t>/blog/2015/03/</a:t>
-            </a:r>
-            <a:r>
-              <a:rPr lang="en-US" dirty="0" err="1"/>
-              <a:t>react.html</a:t>
-            </a:r>
-            <a:endParaRPr lang="en-US" dirty="0"/>
-          </a:p>
-        </p:txBody>
-      </p:sp>
-      <p:sp>
-        <p:nvSpPr>
-          <p:cNvPr id="4" name="TextBox 3"/>
-          <p:cNvSpPr txBox="1"/>
-          <p:nvPr/>
-        </p:nvSpPr>
-        <p:spPr>
-          <a:xfrm>
-            <a:off x="1751011" y="3683000"/>
-            <a:ext cx="6605589" cy="1754326"/>
+            <a:off x="5155324" y="2427890"/>
+            <a:ext cx="184731" cy="369332"/>
           </a:xfrm>
           <a:prstGeom prst="rect">
             <a:avLst/>
@@ -12423,44 +12823,10 @@
           <a:noFill/>
         </p:spPr>
         <p:txBody>
-          <a:bodyPr wrap="square" rtlCol="0">
+          <a:bodyPr wrap="none" rtlCol="0">
             <a:spAutoFit/>
           </a:bodyPr>
           <a:lstStyle/>
-          <a:p>
-            <a:r>
-              <a:rPr lang="zh-CN" altLang="en-US" dirty="0" smtClean="0"/>
-              <a:t>打开命令行</a:t>
-            </a:r>
-            <a:endParaRPr lang="en-US" altLang="zh-CN" dirty="0" smtClean="0"/>
-          </a:p>
-          <a:p>
-            <a:endParaRPr lang="en-US" dirty="0" smtClean="0"/>
-          </a:p>
-          <a:p>
-            <a:r>
-              <a:rPr lang="en-US" dirty="0" err="1" smtClean="0"/>
-              <a:t>npm</a:t>
-            </a:r>
-            <a:r>
-              <a:rPr lang="en-US" dirty="0" smtClean="0"/>
-              <a:t> </a:t>
-            </a:r>
-            <a:r>
-              <a:rPr lang="en-US" dirty="0"/>
-              <a:t>install -g create-react-app </a:t>
-            </a:r>
-            <a:endParaRPr lang="en-US" dirty="0" smtClean="0"/>
-          </a:p>
-          <a:p>
-            <a:r>
-              <a:rPr lang="en-US" dirty="0" smtClean="0"/>
-              <a:t>create-react-app game</a:t>
-            </a:r>
-          </a:p>
-          <a:p>
-            <a:endParaRPr lang="en-US" dirty="0" smtClean="0"/>
-          </a:p>
           <a:p>
             <a:endParaRPr lang="en-US" dirty="0"/>
           </a:p>
@@ -12469,20 +12835,13 @@
     </p:spTree>
     <p:extLst>
       <p:ext uri="{BB962C8B-B14F-4D97-AF65-F5344CB8AC3E}">
-        <p14:creationId xmlns:p14="http://schemas.microsoft.com/office/powerpoint/2010/main" val="1795940807"/>
+        <p14:creationId xmlns:p14="http://schemas.microsoft.com/office/powerpoint/2010/main" val="1651285519"/>
       </p:ext>
     </p:extLst>
   </p:cSld>
   <p:clrMapOvr>
     <a:masterClrMapping/>
   </p:clrMapOvr>
-  <p:timing>
-    <p:tnLst>
-      <p:par>
-        <p:cTn id="1" dur="indefinite" restart="never" nodeType="tmRoot"/>
-      </p:par>
-    </p:tnLst>
-  </p:timing>
 </p:sld>
 </file>
 
@@ -12519,12 +12878,8 @@
           <a:lstStyle/>
           <a:p>
             <a:r>
-              <a:rPr lang="en-US" altLang="zh-CN" dirty="0" smtClean="0"/>
-              <a:t>React</a:t>
-            </a:r>
-            <a:r>
-              <a:rPr lang="zh-CN" altLang="en-US" dirty="0" smtClean="0"/>
-              <a:t>项目实战</a:t>
+              <a:rPr lang="en-US" dirty="0" smtClean="0"/>
+              <a:t>React Hello world</a:t>
             </a:r>
             <a:endParaRPr lang="en-US" dirty="0"/>
           </a:p>
@@ -12545,26 +12900,14 @@
           <a:bodyPr/>
           <a:lstStyle/>
           <a:p>
-            <a:r>
-              <a:rPr lang="zh-CN" altLang="en-US" dirty="0" smtClean="0"/>
-              <a:t>实现官方教程</a:t>
-            </a:r>
-            <a:r>
-              <a:rPr lang="en-US" altLang="zh-CN" dirty="0" smtClean="0"/>
-              <a:t>-</a:t>
-            </a:r>
-            <a:r>
-              <a:rPr lang="zh-CN" altLang="en-US" dirty="0" smtClean="0"/>
-              <a:t>井字棋</a:t>
-            </a:r>
-            <a:endParaRPr lang="en-US" dirty="0"/>
+            <a:endParaRPr lang="en-US"/>
           </a:p>
         </p:txBody>
       </p:sp>
     </p:spTree>
     <p:extLst>
       <p:ext uri="{BB962C8B-B14F-4D97-AF65-F5344CB8AC3E}">
-        <p14:creationId xmlns:p14="http://schemas.microsoft.com/office/powerpoint/2010/main" val="1403310130"/>
+        <p14:creationId xmlns:p14="http://schemas.microsoft.com/office/powerpoint/2010/main" val="1850757051"/>
       </p:ext>
     </p:extLst>
   </p:cSld>
@@ -12614,12 +12957,12 @@
           <a:lstStyle/>
           <a:p>
             <a:r>
-              <a:rPr lang="en-US" altLang="zh-CN" dirty="0" err="1" smtClean="0"/>
-              <a:t>Redux</a:t>
+              <a:rPr lang="en-US" dirty="0" smtClean="0"/>
+              <a:t>React </a:t>
             </a:r>
             <a:r>
               <a:rPr lang="zh-CN" altLang="en-US" dirty="0" smtClean="0"/>
-              <a:t>入门</a:t>
+              <a:t>知识图谱</a:t>
             </a:r>
             <a:endParaRPr lang="en-US" dirty="0"/>
           </a:p>
@@ -12640,10 +12983,6 @@
           <a:bodyPr/>
           <a:lstStyle/>
           <a:p>
-            <a:r>
-              <a:rPr lang="en-US" dirty="0" smtClean="0"/>
-              <a:t>State Management Tool</a:t>
-            </a:r>
             <a:endParaRPr lang="en-US" dirty="0"/>
           </a:p>
         </p:txBody>
@@ -12651,7 +12990,7 @@
     </p:spTree>
     <p:extLst>
       <p:ext uri="{BB962C8B-B14F-4D97-AF65-F5344CB8AC3E}">
-        <p14:creationId xmlns:p14="http://schemas.microsoft.com/office/powerpoint/2010/main" val="112265536"/>
+        <p14:creationId xmlns:p14="http://schemas.microsoft.com/office/powerpoint/2010/main" val="734033681"/>
       </p:ext>
     </p:extLst>
   </p:cSld>
@@ -12695,6 +13034,449 @@
             <p:ph type="title"/>
           </p:nvPr>
         </p:nvSpPr>
+        <p:spPr>
+          <a:xfrm>
+            <a:off x="1751011" y="527281"/>
+            <a:ext cx="8686800" cy="1468800"/>
+          </a:xfrm>
+        </p:spPr>
+        <p:txBody>
+          <a:bodyPr/>
+          <a:lstStyle/>
+          <a:p>
+            <a:r>
+              <a:rPr lang="en-US" dirty="0" smtClean="0"/>
+              <a:t>React </a:t>
+            </a:r>
+            <a:r>
+              <a:rPr lang="zh-CN" altLang="en-US" dirty="0" smtClean="0"/>
+              <a:t>基础语法</a:t>
+            </a:r>
+            <a:endParaRPr lang="en-US" dirty="0"/>
+          </a:p>
+        </p:txBody>
+      </p:sp>
+      <p:sp>
+        <p:nvSpPr>
+          <p:cNvPr id="3" name="Text Placeholder 2"/>
+          <p:cNvSpPr>
+            <a:spLocks noGrp="1"/>
+          </p:cNvSpPr>
+          <p:nvPr>
+            <p:ph type="body" idx="1"/>
+          </p:nvPr>
+        </p:nvSpPr>
+        <p:spPr>
+          <a:xfrm>
+            <a:off x="1611311" y="2262781"/>
+            <a:ext cx="8686801" cy="860400"/>
+          </a:xfrm>
+        </p:spPr>
+        <p:txBody>
+          <a:bodyPr/>
+          <a:lstStyle/>
+          <a:p>
+            <a:r>
+              <a:rPr lang="en-US" dirty="0"/>
+              <a:t>http://</a:t>
+            </a:r>
+            <a:r>
+              <a:rPr lang="en-US" dirty="0" err="1"/>
+              <a:t>www.ruanyifeng.com</a:t>
+            </a:r>
+            <a:r>
+              <a:rPr lang="en-US" dirty="0"/>
+              <a:t>/blog/2015/03/</a:t>
+            </a:r>
+            <a:r>
+              <a:rPr lang="en-US" dirty="0" err="1"/>
+              <a:t>react.html</a:t>
+            </a:r>
+            <a:endParaRPr lang="en-US" dirty="0"/>
+          </a:p>
+        </p:txBody>
+      </p:sp>
+      <p:sp>
+        <p:nvSpPr>
+          <p:cNvPr id="4" name="TextBox 3"/>
+          <p:cNvSpPr txBox="1"/>
+          <p:nvPr/>
+        </p:nvSpPr>
+        <p:spPr>
+          <a:xfrm>
+            <a:off x="1751011" y="3683000"/>
+            <a:ext cx="6605589" cy="1754326"/>
+          </a:xfrm>
+          <a:prstGeom prst="rect">
+            <a:avLst/>
+          </a:prstGeom>
+          <a:noFill/>
+        </p:spPr>
+        <p:txBody>
+          <a:bodyPr wrap="square" rtlCol="0">
+            <a:spAutoFit/>
+          </a:bodyPr>
+          <a:lstStyle/>
+          <a:p>
+            <a:r>
+              <a:rPr lang="zh-CN" altLang="en-US" dirty="0" smtClean="0"/>
+              <a:t>打开命令行</a:t>
+            </a:r>
+            <a:endParaRPr lang="en-US" altLang="zh-CN" dirty="0" smtClean="0"/>
+          </a:p>
+          <a:p>
+            <a:endParaRPr lang="en-US" dirty="0" smtClean="0"/>
+          </a:p>
+          <a:p>
+            <a:r>
+              <a:rPr lang="en-US" dirty="0" err="1" smtClean="0"/>
+              <a:t>npm</a:t>
+            </a:r>
+            <a:r>
+              <a:rPr lang="en-US" dirty="0" smtClean="0"/>
+              <a:t> </a:t>
+            </a:r>
+            <a:r>
+              <a:rPr lang="en-US" dirty="0"/>
+              <a:t>install -g create-react-app </a:t>
+            </a:r>
+            <a:endParaRPr lang="en-US" dirty="0" smtClean="0"/>
+          </a:p>
+          <a:p>
+            <a:r>
+              <a:rPr lang="en-US" dirty="0" smtClean="0"/>
+              <a:t>create-react-app game</a:t>
+            </a:r>
+          </a:p>
+          <a:p>
+            <a:endParaRPr lang="en-US" dirty="0" smtClean="0"/>
+          </a:p>
+          <a:p>
+            <a:endParaRPr lang="en-US" dirty="0"/>
+          </a:p>
+        </p:txBody>
+      </p:sp>
+    </p:spTree>
+    <p:extLst>
+      <p:ext uri="{BB962C8B-B14F-4D97-AF65-F5344CB8AC3E}">
+        <p14:creationId xmlns:p14="http://schemas.microsoft.com/office/powerpoint/2010/main" val="1795940807"/>
+      </p:ext>
+    </p:extLst>
+  </p:cSld>
+  <p:clrMapOvr>
+    <a:masterClrMapping/>
+  </p:clrMapOvr>
+  <p:timing>
+    <p:tnLst>
+      <p:par>
+        <p:cTn id="1" dur="indefinite" restart="never" nodeType="tmRoot"/>
+      </p:par>
+    </p:tnLst>
+  </p:timing>
+</p:sld>
+</file>
+
+<file path=ppt/slides/slide34.xml><?xml version="1.0" encoding="utf-8"?>
+<p:sld xmlns:a="http://schemas.openxmlformats.org/drawingml/2006/main" xmlns:r="http://schemas.openxmlformats.org/officeDocument/2006/relationships" xmlns:p="http://schemas.openxmlformats.org/presentationml/2006/main">
+  <p:cSld>
+    <p:spTree>
+      <p:nvGrpSpPr>
+        <p:cNvPr id="1" name=""/>
+        <p:cNvGrpSpPr/>
+        <p:nvPr/>
+      </p:nvGrpSpPr>
+      <p:grpSpPr>
+        <a:xfrm>
+          <a:off x="0" y="0"/>
+          <a:ext cx="0" cy="0"/>
+          <a:chOff x="0" y="0"/>
+          <a:chExt cx="0" cy="0"/>
+        </a:xfrm>
+      </p:grpSpPr>
+      <p:sp>
+        <p:nvSpPr>
+          <p:cNvPr id="2" name="Title 1"/>
+          <p:cNvSpPr>
+            <a:spLocks noGrp="1"/>
+          </p:cNvSpPr>
+          <p:nvPr>
+            <p:ph type="title"/>
+          </p:nvPr>
+        </p:nvSpPr>
+        <p:spPr/>
+        <p:txBody>
+          <a:bodyPr/>
+          <a:lstStyle/>
+          <a:p>
+            <a:r>
+              <a:rPr lang="en-US" altLang="zh-CN" dirty="0" smtClean="0"/>
+              <a:t>React</a:t>
+            </a:r>
+            <a:r>
+              <a:rPr lang="zh-CN" altLang="en-US" dirty="0" smtClean="0"/>
+              <a:t> 作业</a:t>
+            </a:r>
+            <a:r>
+              <a:rPr lang="en-US" altLang="zh-CN" dirty="0" smtClean="0"/>
+              <a:t>1</a:t>
+            </a:r>
+            <a:endParaRPr lang="en-US" dirty="0"/>
+          </a:p>
+        </p:txBody>
+      </p:sp>
+      <p:sp>
+        <p:nvSpPr>
+          <p:cNvPr id="3" name="Text Placeholder 2"/>
+          <p:cNvSpPr>
+            <a:spLocks noGrp="1"/>
+          </p:cNvSpPr>
+          <p:nvPr>
+            <p:ph type="body" idx="1"/>
+          </p:nvPr>
+        </p:nvSpPr>
+        <p:spPr/>
+        <p:txBody>
+          <a:bodyPr/>
+          <a:lstStyle/>
+          <a:p>
+            <a:r>
+              <a:rPr lang="zh-CN" altLang="en-US" dirty="0" smtClean="0"/>
+              <a:t>自己搭建好一个</a:t>
+            </a:r>
+            <a:r>
+              <a:rPr lang="en-US" altLang="zh-CN" dirty="0" smtClean="0"/>
+              <a:t>React</a:t>
+            </a:r>
+            <a:r>
+              <a:rPr lang="zh-CN" altLang="en-US" dirty="0" smtClean="0"/>
+              <a:t>项目框架，并实现圣杯布局</a:t>
+            </a:r>
+            <a:endParaRPr lang="en-US" dirty="0"/>
+          </a:p>
+        </p:txBody>
+      </p:sp>
+    </p:spTree>
+    <p:extLst>
+      <p:ext uri="{BB962C8B-B14F-4D97-AF65-F5344CB8AC3E}">
+        <p14:creationId xmlns:p14="http://schemas.microsoft.com/office/powerpoint/2010/main" val="1410929711"/>
+      </p:ext>
+    </p:extLst>
+  </p:cSld>
+  <p:clrMapOvr>
+    <a:masterClrMapping/>
+  </p:clrMapOvr>
+</p:sld>
+</file>
+
+<file path=ppt/slides/slide35.xml><?xml version="1.0" encoding="utf-8"?>
+<p:sld xmlns:a="http://schemas.openxmlformats.org/drawingml/2006/main" xmlns:r="http://schemas.openxmlformats.org/officeDocument/2006/relationships" xmlns:p="http://schemas.openxmlformats.org/presentationml/2006/main">
+  <p:cSld>
+    <p:spTree>
+      <p:nvGrpSpPr>
+        <p:cNvPr id="1" name=""/>
+        <p:cNvGrpSpPr/>
+        <p:nvPr/>
+      </p:nvGrpSpPr>
+      <p:grpSpPr>
+        <a:xfrm>
+          <a:off x="0" y="0"/>
+          <a:ext cx="0" cy="0"/>
+          <a:chOff x="0" y="0"/>
+          <a:chExt cx="0" cy="0"/>
+        </a:xfrm>
+      </p:grpSpPr>
+      <p:sp>
+        <p:nvSpPr>
+          <p:cNvPr id="2" name="Title 1"/>
+          <p:cNvSpPr>
+            <a:spLocks noGrp="1"/>
+          </p:cNvSpPr>
+          <p:nvPr>
+            <p:ph type="title"/>
+          </p:nvPr>
+        </p:nvSpPr>
+        <p:spPr/>
+        <p:txBody>
+          <a:bodyPr/>
+          <a:lstStyle/>
+          <a:p>
+            <a:r>
+              <a:rPr lang="en-US" altLang="zh-CN" dirty="0" smtClean="0"/>
+              <a:t>React</a:t>
+            </a:r>
+            <a:r>
+              <a:rPr lang="zh-CN" altLang="en-US" dirty="0" smtClean="0"/>
+              <a:t>项目实战</a:t>
+            </a:r>
+            <a:endParaRPr lang="en-US" dirty="0"/>
+          </a:p>
+        </p:txBody>
+      </p:sp>
+      <p:sp>
+        <p:nvSpPr>
+          <p:cNvPr id="3" name="Text Placeholder 2"/>
+          <p:cNvSpPr>
+            <a:spLocks noGrp="1"/>
+          </p:cNvSpPr>
+          <p:nvPr>
+            <p:ph type="body" idx="1"/>
+          </p:nvPr>
+        </p:nvSpPr>
+        <p:spPr/>
+        <p:txBody>
+          <a:bodyPr/>
+          <a:lstStyle/>
+          <a:p>
+            <a:r>
+              <a:rPr lang="zh-CN" altLang="en-US" dirty="0" smtClean="0"/>
+              <a:t>实现官方教程</a:t>
+            </a:r>
+            <a:r>
+              <a:rPr lang="en-US" altLang="zh-CN" dirty="0" smtClean="0"/>
+              <a:t>-</a:t>
+            </a:r>
+            <a:r>
+              <a:rPr lang="zh-CN" altLang="en-US" dirty="0" smtClean="0"/>
+              <a:t>井字棋</a:t>
+            </a:r>
+            <a:endParaRPr lang="en-US" dirty="0"/>
+          </a:p>
+        </p:txBody>
+      </p:sp>
+    </p:spTree>
+    <p:extLst>
+      <p:ext uri="{BB962C8B-B14F-4D97-AF65-F5344CB8AC3E}">
+        <p14:creationId xmlns:p14="http://schemas.microsoft.com/office/powerpoint/2010/main" val="1403310130"/>
+      </p:ext>
+    </p:extLst>
+  </p:cSld>
+  <p:clrMapOvr>
+    <a:masterClrMapping/>
+  </p:clrMapOvr>
+  <p:timing>
+    <p:tnLst>
+      <p:par>
+        <p:cTn id="1" dur="indefinite" restart="never" nodeType="tmRoot"/>
+      </p:par>
+    </p:tnLst>
+  </p:timing>
+</p:sld>
+</file>
+
+<file path=ppt/slides/slide36.xml><?xml version="1.0" encoding="utf-8"?>
+<p:sld xmlns:a="http://schemas.openxmlformats.org/drawingml/2006/main" xmlns:r="http://schemas.openxmlformats.org/officeDocument/2006/relationships" xmlns:p="http://schemas.openxmlformats.org/presentationml/2006/main">
+  <p:cSld>
+    <p:spTree>
+      <p:nvGrpSpPr>
+        <p:cNvPr id="1" name=""/>
+        <p:cNvGrpSpPr/>
+        <p:nvPr/>
+      </p:nvGrpSpPr>
+      <p:grpSpPr>
+        <a:xfrm>
+          <a:off x="0" y="0"/>
+          <a:ext cx="0" cy="0"/>
+          <a:chOff x="0" y="0"/>
+          <a:chExt cx="0" cy="0"/>
+        </a:xfrm>
+      </p:grpSpPr>
+      <p:sp>
+        <p:nvSpPr>
+          <p:cNvPr id="2" name="Title 1"/>
+          <p:cNvSpPr>
+            <a:spLocks noGrp="1"/>
+          </p:cNvSpPr>
+          <p:nvPr>
+            <p:ph type="title"/>
+          </p:nvPr>
+        </p:nvSpPr>
+        <p:spPr/>
+        <p:txBody>
+          <a:bodyPr/>
+          <a:lstStyle/>
+          <a:p>
+            <a:r>
+              <a:rPr lang="en-US" altLang="zh-CN" dirty="0" err="1" smtClean="0"/>
+              <a:t>Redux</a:t>
+            </a:r>
+            <a:r>
+              <a:rPr lang="zh-CN" altLang="en-US" dirty="0" smtClean="0"/>
+              <a:t>入门</a:t>
+            </a:r>
+            <a:endParaRPr lang="en-US" dirty="0"/>
+          </a:p>
+        </p:txBody>
+      </p:sp>
+      <p:sp>
+        <p:nvSpPr>
+          <p:cNvPr id="3" name="Text Placeholder 2"/>
+          <p:cNvSpPr>
+            <a:spLocks noGrp="1"/>
+          </p:cNvSpPr>
+          <p:nvPr>
+            <p:ph type="body" idx="1"/>
+          </p:nvPr>
+        </p:nvSpPr>
+        <p:spPr/>
+        <p:txBody>
+          <a:bodyPr/>
+          <a:lstStyle/>
+          <a:p>
+            <a:r>
+              <a:rPr lang="en-US" dirty="0" smtClean="0"/>
+              <a:t>State Management Tool</a:t>
+            </a:r>
+            <a:endParaRPr lang="en-US" dirty="0"/>
+          </a:p>
+        </p:txBody>
+      </p:sp>
+    </p:spTree>
+    <p:extLst>
+      <p:ext uri="{BB962C8B-B14F-4D97-AF65-F5344CB8AC3E}">
+        <p14:creationId xmlns:p14="http://schemas.microsoft.com/office/powerpoint/2010/main" val="112265536"/>
+      </p:ext>
+    </p:extLst>
+  </p:cSld>
+  <p:clrMapOvr>
+    <a:masterClrMapping/>
+  </p:clrMapOvr>
+  <p:timing>
+    <p:tnLst>
+      <p:par>
+        <p:cTn id="1" dur="indefinite" restart="never" nodeType="tmRoot"/>
+      </p:par>
+    </p:tnLst>
+  </p:timing>
+</p:sld>
+</file>
+
+<file path=ppt/slides/slide37.xml><?xml version="1.0" encoding="utf-8"?>
+<p:sld xmlns:a="http://schemas.openxmlformats.org/drawingml/2006/main" xmlns:r="http://schemas.openxmlformats.org/officeDocument/2006/relationships" xmlns:p="http://schemas.openxmlformats.org/presentationml/2006/main">
+  <p:cSld>
+    <p:spTree>
+      <p:nvGrpSpPr>
+        <p:cNvPr id="1" name=""/>
+        <p:cNvGrpSpPr/>
+        <p:nvPr/>
+      </p:nvGrpSpPr>
+      <p:grpSpPr>
+        <a:xfrm>
+          <a:off x="0" y="0"/>
+          <a:ext cx="0" cy="0"/>
+          <a:chOff x="0" y="0"/>
+          <a:chExt cx="0" cy="0"/>
+        </a:xfrm>
+      </p:grpSpPr>
+      <p:sp>
+        <p:nvSpPr>
+          <p:cNvPr id="2" name="Title 1"/>
+          <p:cNvSpPr>
+            <a:spLocks noGrp="1"/>
+          </p:cNvSpPr>
+          <p:nvPr>
+            <p:ph type="title"/>
+          </p:nvPr>
+        </p:nvSpPr>
         <p:spPr/>
         <p:txBody>
           <a:bodyPr/>
@@ -12832,7 +13614,7 @@
 </p:sld>
 </file>
 
-<file path=ppt/slides/slide34.xml><?xml version="1.0" encoding="utf-8"?>
+<file path=ppt/slides/slide38.xml><?xml version="1.0" encoding="utf-8"?>
 <p:sld xmlns:a="http://schemas.openxmlformats.org/drawingml/2006/main" xmlns:r="http://schemas.openxmlformats.org/officeDocument/2006/relationships" xmlns:p="http://schemas.openxmlformats.org/presentationml/2006/main">
   <p:cSld>
     <p:spTree>
@@ -12922,460 +13704,6 @@
 </p:sld>
 </file>
 
-<file path=ppt/slides/slide35.xml><?xml version="1.0" encoding="utf-8"?>
-<p:sld xmlns:a="http://schemas.openxmlformats.org/drawingml/2006/main" xmlns:r="http://schemas.openxmlformats.org/officeDocument/2006/relationships" xmlns:p="http://schemas.openxmlformats.org/presentationml/2006/main">
-  <p:cSld>
-    <p:spTree>
-      <p:nvGrpSpPr>
-        <p:cNvPr id="1" name=""/>
-        <p:cNvGrpSpPr/>
-        <p:nvPr/>
-      </p:nvGrpSpPr>
-      <p:grpSpPr>
-        <a:xfrm>
-          <a:off x="0" y="0"/>
-          <a:ext cx="0" cy="0"/>
-          <a:chOff x="0" y="0"/>
-          <a:chExt cx="0" cy="0"/>
-        </a:xfrm>
-      </p:grpSpPr>
-      <p:sp>
-        <p:nvSpPr>
-          <p:cNvPr id="2" name="Title 1"/>
-          <p:cNvSpPr>
-            <a:spLocks noGrp="1"/>
-          </p:cNvSpPr>
-          <p:nvPr>
-            <p:ph type="title"/>
-          </p:nvPr>
-        </p:nvSpPr>
-        <p:spPr/>
-        <p:txBody>
-          <a:bodyPr/>
-          <a:lstStyle/>
-          <a:p>
-            <a:r>
-              <a:rPr lang="en-US" dirty="0" err="1" smtClean="0"/>
-              <a:t>Dva</a:t>
-            </a:r>
-            <a:endParaRPr lang="en-US" dirty="0"/>
-          </a:p>
-        </p:txBody>
-      </p:sp>
-      <p:sp>
-        <p:nvSpPr>
-          <p:cNvPr id="3" name="Text Placeholder 2"/>
-          <p:cNvSpPr>
-            <a:spLocks noGrp="1"/>
-          </p:cNvSpPr>
-          <p:nvPr>
-            <p:ph type="body" idx="1"/>
-          </p:nvPr>
-        </p:nvSpPr>
-        <p:spPr/>
-        <p:txBody>
-          <a:bodyPr/>
-          <a:lstStyle/>
-          <a:p>
-            <a:r>
-              <a:rPr lang="zh-CN" altLang="en-US" dirty="0" smtClean="0"/>
-              <a:t>阿里对</a:t>
-            </a:r>
-            <a:r>
-              <a:rPr lang="en-US" altLang="zh-CN" dirty="0" err="1" smtClean="0"/>
-              <a:t>Redux</a:t>
-            </a:r>
-            <a:r>
-              <a:rPr lang="zh-CN" altLang="en-US" dirty="0" smtClean="0"/>
-              <a:t>的封装</a:t>
-            </a:r>
-            <a:endParaRPr lang="en-US" altLang="zh-CN" dirty="0" smtClean="0"/>
-          </a:p>
-          <a:p>
-            <a:r>
-              <a:rPr lang="en-US" dirty="0"/>
-              <a:t>https://</a:t>
-            </a:r>
-            <a:r>
-              <a:rPr lang="en-US" dirty="0" err="1"/>
-              <a:t>github.com</a:t>
-            </a:r>
-            <a:r>
-              <a:rPr lang="en-US" dirty="0"/>
-              <a:t>/</a:t>
-            </a:r>
-            <a:r>
-              <a:rPr lang="en-US" dirty="0" err="1"/>
-              <a:t>dvajs</a:t>
-            </a:r>
-            <a:r>
-              <a:rPr lang="en-US" dirty="0"/>
-              <a:t>/</a:t>
-            </a:r>
-            <a:r>
-              <a:rPr lang="en-US" dirty="0" err="1"/>
-              <a:t>dva</a:t>
-            </a:r>
-            <a:r>
-              <a:rPr lang="en-US" dirty="0"/>
-              <a:t>-cli</a:t>
-            </a:r>
-          </a:p>
-        </p:txBody>
-      </p:sp>
-    </p:spTree>
-    <p:extLst>
-      <p:ext uri="{BB962C8B-B14F-4D97-AF65-F5344CB8AC3E}">
-        <p14:creationId xmlns:p14="http://schemas.microsoft.com/office/powerpoint/2010/main" val="1784386784"/>
-      </p:ext>
-    </p:extLst>
-  </p:cSld>
-  <p:clrMapOvr>
-    <a:masterClrMapping/>
-  </p:clrMapOvr>
-  <p:timing>
-    <p:tnLst>
-      <p:par>
-        <p:cTn id="1" dur="indefinite" restart="never" nodeType="tmRoot"/>
-      </p:par>
-    </p:tnLst>
-  </p:timing>
-</p:sld>
-</file>
-
-<file path=ppt/slides/slide36.xml><?xml version="1.0" encoding="utf-8"?>
-<p:sld xmlns:a="http://schemas.openxmlformats.org/drawingml/2006/main" xmlns:r="http://schemas.openxmlformats.org/officeDocument/2006/relationships" xmlns:p="http://schemas.openxmlformats.org/presentationml/2006/main">
-  <p:cSld>
-    <p:spTree>
-      <p:nvGrpSpPr>
-        <p:cNvPr id="1" name=""/>
-        <p:cNvGrpSpPr/>
-        <p:nvPr/>
-      </p:nvGrpSpPr>
-      <p:grpSpPr>
-        <a:xfrm>
-          <a:off x="0" y="0"/>
-          <a:ext cx="0" cy="0"/>
-          <a:chOff x="0" y="0"/>
-          <a:chExt cx="0" cy="0"/>
-        </a:xfrm>
-      </p:grpSpPr>
-      <p:sp>
-        <p:nvSpPr>
-          <p:cNvPr id="2" name="Title 1"/>
-          <p:cNvSpPr>
-            <a:spLocks noGrp="1"/>
-          </p:cNvSpPr>
-          <p:nvPr>
-            <p:ph type="title"/>
-          </p:nvPr>
-        </p:nvSpPr>
-        <p:spPr/>
-        <p:txBody>
-          <a:bodyPr/>
-          <a:lstStyle/>
-          <a:p>
-            <a:r>
-              <a:rPr lang="zh-CN" altLang="en-US" dirty="0" smtClean="0"/>
-              <a:t>基于</a:t>
-            </a:r>
-            <a:r>
-              <a:rPr lang="en-US" altLang="zh-CN" dirty="0" smtClean="0"/>
-              <a:t>DVA</a:t>
-            </a:r>
-            <a:r>
-              <a:rPr lang="zh-CN" altLang="en-US" dirty="0" smtClean="0"/>
-              <a:t>的项目实例</a:t>
-            </a:r>
-            <a:endParaRPr lang="en-US" dirty="0"/>
-          </a:p>
-        </p:txBody>
-      </p:sp>
-      <p:sp>
-        <p:nvSpPr>
-          <p:cNvPr id="3" name="Text Placeholder 2"/>
-          <p:cNvSpPr>
-            <a:spLocks noGrp="1"/>
-          </p:cNvSpPr>
-          <p:nvPr>
-            <p:ph type="body" idx="1"/>
-          </p:nvPr>
-        </p:nvSpPr>
-        <p:spPr/>
-        <p:txBody>
-          <a:bodyPr/>
-          <a:lstStyle/>
-          <a:p>
-            <a:r>
-              <a:rPr lang="zh-CN" altLang="en-US" dirty="0" smtClean="0"/>
-              <a:t>获取模拟用户</a:t>
-            </a:r>
-            <a:endParaRPr lang="en-US" dirty="0"/>
-          </a:p>
-        </p:txBody>
-      </p:sp>
-    </p:spTree>
-    <p:extLst>
-      <p:ext uri="{BB962C8B-B14F-4D97-AF65-F5344CB8AC3E}">
-        <p14:creationId xmlns:p14="http://schemas.microsoft.com/office/powerpoint/2010/main" val="977823030"/>
-      </p:ext>
-    </p:extLst>
-  </p:cSld>
-  <p:clrMapOvr>
-    <a:masterClrMapping/>
-  </p:clrMapOvr>
-</p:sld>
-</file>
-
-<file path=ppt/slides/slide37.xml><?xml version="1.0" encoding="utf-8"?>
-<p:sld xmlns:a="http://schemas.openxmlformats.org/drawingml/2006/main" xmlns:r="http://schemas.openxmlformats.org/officeDocument/2006/relationships" xmlns:p="http://schemas.openxmlformats.org/presentationml/2006/main">
-  <p:cSld>
-    <p:spTree>
-      <p:nvGrpSpPr>
-        <p:cNvPr id="1" name=""/>
-        <p:cNvGrpSpPr/>
-        <p:nvPr/>
-      </p:nvGrpSpPr>
-      <p:grpSpPr>
-        <a:xfrm>
-          <a:off x="0" y="0"/>
-          <a:ext cx="0" cy="0"/>
-          <a:chOff x="0" y="0"/>
-          <a:chExt cx="0" cy="0"/>
-        </a:xfrm>
-      </p:grpSpPr>
-      <p:sp>
-        <p:nvSpPr>
-          <p:cNvPr id="2" name="Title 1"/>
-          <p:cNvSpPr>
-            <a:spLocks noGrp="1"/>
-          </p:cNvSpPr>
-          <p:nvPr>
-            <p:ph type="title"/>
-          </p:nvPr>
-        </p:nvSpPr>
-        <p:spPr/>
-        <p:txBody>
-          <a:bodyPr/>
-          <a:lstStyle/>
-          <a:p>
-            <a:r>
-              <a:rPr lang="en-US" dirty="0" err="1" smtClean="0"/>
-              <a:t>Anuglar</a:t>
-            </a:r>
-            <a:r>
-              <a:rPr lang="en-US" dirty="0" smtClean="0"/>
-              <a:t> Tutorial</a:t>
-            </a:r>
-            <a:endParaRPr lang="en-US" dirty="0"/>
-          </a:p>
-        </p:txBody>
-      </p:sp>
-      <p:sp>
-        <p:nvSpPr>
-          <p:cNvPr id="3" name="Text Placeholder 2"/>
-          <p:cNvSpPr>
-            <a:spLocks noGrp="1"/>
-          </p:cNvSpPr>
-          <p:nvPr>
-            <p:ph type="body" idx="1"/>
-          </p:nvPr>
-        </p:nvSpPr>
-        <p:spPr/>
-        <p:txBody>
-          <a:bodyPr/>
-          <a:lstStyle/>
-          <a:p>
-            <a:r>
-              <a:rPr lang="en-US" dirty="0">
-                <a:hlinkClick r:id="rId3"/>
-              </a:rPr>
-              <a:t>https://</a:t>
-            </a:r>
-            <a:r>
-              <a:rPr lang="en-US" dirty="0" smtClean="0">
-                <a:hlinkClick r:id="rId3"/>
-              </a:rPr>
-              <a:t>angular.io/tutorial</a:t>
-            </a:r>
-            <a:endParaRPr lang="en-US" dirty="0" smtClean="0"/>
-          </a:p>
-          <a:p>
-            <a:r>
-              <a:rPr lang="en-US" dirty="0"/>
-              <a:t>https://</a:t>
-            </a:r>
-            <a:r>
-              <a:rPr lang="en-US" dirty="0" err="1"/>
-              <a:t>docs.angularjs.org</a:t>
-            </a:r>
-            <a:r>
-              <a:rPr lang="en-US" dirty="0"/>
-              <a:t>/tutorial</a:t>
-            </a:r>
-          </a:p>
-        </p:txBody>
-      </p:sp>
-    </p:spTree>
-    <p:extLst>
-      <p:ext uri="{BB962C8B-B14F-4D97-AF65-F5344CB8AC3E}">
-        <p14:creationId xmlns:p14="http://schemas.microsoft.com/office/powerpoint/2010/main" val="2098117636"/>
-      </p:ext>
-    </p:extLst>
-  </p:cSld>
-  <p:clrMapOvr>
-    <a:masterClrMapping/>
-  </p:clrMapOvr>
-  <p:timing>
-    <p:tnLst>
-      <p:par>
-        <p:cTn id="1" dur="indefinite" restart="never" nodeType="tmRoot"/>
-      </p:par>
-    </p:tnLst>
-  </p:timing>
-</p:sld>
-</file>
-
-<file path=ppt/slides/slide38.xml><?xml version="1.0" encoding="utf-8"?>
-<p:sld xmlns:a="http://schemas.openxmlformats.org/drawingml/2006/main" xmlns:r="http://schemas.openxmlformats.org/officeDocument/2006/relationships" xmlns:p="http://schemas.openxmlformats.org/presentationml/2006/main">
-  <p:cSld>
-    <p:spTree>
-      <p:nvGrpSpPr>
-        <p:cNvPr id="1" name=""/>
-        <p:cNvGrpSpPr/>
-        <p:nvPr/>
-      </p:nvGrpSpPr>
-      <p:grpSpPr>
-        <a:xfrm>
-          <a:off x="0" y="0"/>
-          <a:ext cx="0" cy="0"/>
-          <a:chOff x="0" y="0"/>
-          <a:chExt cx="0" cy="0"/>
-        </a:xfrm>
-      </p:grpSpPr>
-      <p:sp>
-        <p:nvSpPr>
-          <p:cNvPr id="2" name="Title 1"/>
-          <p:cNvSpPr>
-            <a:spLocks noGrp="1"/>
-          </p:cNvSpPr>
-          <p:nvPr>
-            <p:ph type="title"/>
-          </p:nvPr>
-        </p:nvSpPr>
-        <p:spPr/>
-        <p:txBody>
-          <a:bodyPr/>
-          <a:lstStyle/>
-          <a:p>
-            <a:r>
-              <a:rPr lang="zh-CN" altLang="en-US" dirty="0" smtClean="0"/>
-              <a:t>与</a:t>
-            </a:r>
-            <a:r>
-              <a:rPr lang="en-US" altLang="zh-CN" dirty="0" smtClean="0"/>
-              <a:t>React</a:t>
-            </a:r>
-            <a:r>
-              <a:rPr lang="zh-CN" altLang="en-US" dirty="0" smtClean="0"/>
-              <a:t>的区别</a:t>
-            </a:r>
-            <a:endParaRPr lang="en-US" dirty="0"/>
-          </a:p>
-        </p:txBody>
-      </p:sp>
-      <p:sp>
-        <p:nvSpPr>
-          <p:cNvPr id="3" name="Text Placeholder 2"/>
-          <p:cNvSpPr>
-            <a:spLocks noGrp="1"/>
-          </p:cNvSpPr>
-          <p:nvPr>
-            <p:ph type="body" idx="1"/>
-          </p:nvPr>
-        </p:nvSpPr>
-        <p:spPr>
-          <a:xfrm>
-            <a:off x="1751011" y="4777381"/>
-            <a:ext cx="8686801" cy="1344450"/>
-          </a:xfrm>
-        </p:spPr>
-        <p:txBody>
-          <a:bodyPr>
-            <a:normAutofit/>
-          </a:bodyPr>
-          <a:lstStyle/>
-          <a:p>
-            <a:pPr marL="457200" indent="-457200">
-              <a:buAutoNum type="arabicPeriod"/>
-            </a:pPr>
-            <a:r>
-              <a:rPr lang="zh-CN" altLang="en-US" dirty="0" smtClean="0"/>
-              <a:t>保留</a:t>
-            </a:r>
-            <a:r>
-              <a:rPr lang="en-US" altLang="zh-CN" dirty="0" smtClean="0"/>
-              <a:t>HTML</a:t>
-            </a:r>
-            <a:r>
-              <a:rPr lang="zh-CN" altLang="en-US" dirty="0" smtClean="0"/>
-              <a:t>结构</a:t>
-            </a:r>
-            <a:endParaRPr lang="en-US" altLang="zh-CN" dirty="0" smtClean="0"/>
-          </a:p>
-          <a:p>
-            <a:pPr marL="457200" indent="-457200">
-              <a:buAutoNum type="arabicPeriod"/>
-            </a:pPr>
-            <a:r>
-              <a:rPr lang="en-US" altLang="zh-CN" dirty="0" smtClean="0"/>
-              <a:t>MVVM</a:t>
-            </a:r>
-          </a:p>
-          <a:p>
-            <a:pPr marL="457200" indent="-457200">
-              <a:buAutoNum type="arabicPeriod"/>
-            </a:pPr>
-            <a:r>
-              <a:rPr lang="zh-CN" altLang="en-US" dirty="0" smtClean="0"/>
-              <a:t>大而全，不只是</a:t>
-            </a:r>
-            <a:r>
-              <a:rPr lang="en-US" altLang="zh-CN" dirty="0" smtClean="0"/>
-              <a:t>UI</a:t>
-            </a:r>
-            <a:r>
-              <a:rPr lang="zh-CN" altLang="en-US" dirty="0" smtClean="0"/>
-              <a:t>库，规定好了</a:t>
-            </a:r>
-            <a:r>
-              <a:rPr lang="zh-CN" altLang="en-US" smtClean="0"/>
-              <a:t>最佳开发实践</a:t>
-            </a:r>
-            <a:endParaRPr lang="en-US" altLang="zh-CN" dirty="0" smtClean="0"/>
-          </a:p>
-        </p:txBody>
-      </p:sp>
-    </p:spTree>
-    <p:extLst>
-      <p:ext uri="{BB962C8B-B14F-4D97-AF65-F5344CB8AC3E}">
-        <p14:creationId xmlns:p14="http://schemas.microsoft.com/office/powerpoint/2010/main" val="137241654"/>
-      </p:ext>
-    </p:extLst>
-  </p:cSld>
-  <p:clrMapOvr>
-    <a:masterClrMapping/>
-  </p:clrMapOvr>
-  <p:timing>
-    <p:tnLst>
-      <p:par>
-        <p:cTn id="1" dur="indefinite" restart="never" nodeType="tmRoot"/>
-      </p:par>
-    </p:tnLst>
-  </p:timing>
-</p:sld>
-</file>
-
 <file path=ppt/slides/slide39.xml><?xml version="1.0" encoding="utf-8"?>
 <p:sld xmlns:a="http://schemas.openxmlformats.org/drawingml/2006/main" xmlns:r="http://schemas.openxmlformats.org/officeDocument/2006/relationships" xmlns:p="http://schemas.openxmlformats.org/presentationml/2006/main">
   <p:cSld>
@@ -13409,142 +13737,78 @@
           <a:lstStyle/>
           <a:p>
             <a:r>
-              <a:rPr lang="en-US" altLang="zh-CN" dirty="0" smtClean="0"/>
-              <a:t>Angular JS</a:t>
-            </a:r>
-            <a:endParaRPr lang="en-US" dirty="0"/>
-          </a:p>
-        </p:txBody>
-      </p:sp>
-      <p:sp>
-        <p:nvSpPr>
-          <p:cNvPr id="3" name="Content Placeholder 2"/>
-          <p:cNvSpPr>
-            <a:spLocks noGrp="1"/>
-          </p:cNvSpPr>
-          <p:nvPr>
-            <p:ph idx="1"/>
-          </p:nvPr>
-        </p:nvSpPr>
-        <p:spPr/>
-        <p:txBody>
-          <a:bodyPr/>
-          <a:lstStyle/>
-          <a:p>
-            <a:r>
-              <a:rPr lang="en-US" dirty="0" smtClean="0"/>
-              <a:t>Directive </a:t>
-            </a:r>
+              <a:rPr lang="en-US" dirty="0" err="1" smtClean="0"/>
+              <a:t>Dva</a:t>
+            </a:r>
+            <a:endParaRPr lang="en-US" dirty="0"/>
+          </a:p>
+        </p:txBody>
+      </p:sp>
+      <p:sp>
+        <p:nvSpPr>
+          <p:cNvPr id="3" name="Text Placeholder 2"/>
+          <p:cNvSpPr>
+            <a:spLocks noGrp="1"/>
+          </p:cNvSpPr>
+          <p:nvPr>
+            <p:ph type="body" idx="1"/>
+          </p:nvPr>
+        </p:nvSpPr>
+        <p:spPr/>
+        <p:txBody>
+          <a:bodyPr/>
+          <a:lstStyle/>
+          <a:p>
             <a:r>
               <a:rPr lang="zh-CN" altLang="en-US" dirty="0" smtClean="0"/>
-              <a:t>指令</a:t>
+              <a:t>阿里对</a:t>
+            </a:r>
+            <a:r>
+              <a:rPr lang="en-US" altLang="zh-CN" dirty="0" err="1" smtClean="0"/>
+              <a:t>Redux</a:t>
+            </a:r>
+            <a:r>
+              <a:rPr lang="zh-CN" altLang="en-US" dirty="0" smtClean="0"/>
+              <a:t>的封装</a:t>
             </a:r>
             <a:endParaRPr lang="en-US" altLang="zh-CN" dirty="0" smtClean="0"/>
           </a:p>
           <a:p>
             <a:r>
-              <a:rPr lang="en-US" dirty="0" smtClean="0">
-                <a:effectLst/>
-              </a:rPr>
-              <a:t>Module</a:t>
-            </a:r>
-            <a:r>
-              <a:rPr lang="zh-CN" altLang="en-US" dirty="0" smtClean="0">
-                <a:effectLst/>
-              </a:rPr>
-              <a:t> 模块</a:t>
-            </a:r>
-            <a:endParaRPr lang="en-US" dirty="0" smtClean="0"/>
-          </a:p>
-          <a:p>
-            <a:r>
-              <a:rPr lang="en-US" altLang="zh-CN" dirty="0" smtClean="0"/>
-              <a:t>Component</a:t>
-            </a:r>
-            <a:r>
-              <a:rPr lang="zh-CN" altLang="en-US" dirty="0" smtClean="0"/>
-              <a:t> 组件</a:t>
-            </a:r>
-            <a:endParaRPr lang="en-US" dirty="0" smtClean="0"/>
-          </a:p>
-          <a:p>
-            <a:r>
-              <a:rPr lang="en-US" dirty="0" smtClean="0"/>
-              <a:t>Provider(Service, factory)</a:t>
-            </a:r>
-          </a:p>
-          <a:p>
-            <a:r>
-              <a:rPr lang="en-US" dirty="0">
-                <a:effectLst/>
-              </a:rPr>
-              <a:t>Dependency </a:t>
-            </a:r>
-            <a:r>
-              <a:rPr lang="en-US" dirty="0" smtClean="0">
-                <a:effectLst/>
-              </a:rPr>
-              <a:t>Injection </a:t>
-            </a:r>
-            <a:r>
-              <a:rPr lang="zh-CN" altLang="en-US" dirty="0" smtClean="0">
-                <a:effectLst/>
-              </a:rPr>
-              <a:t>依赖注入</a:t>
-            </a:r>
-            <a:endParaRPr lang="en-US" altLang="zh-CN" dirty="0" smtClean="0">
-              <a:effectLst/>
-            </a:endParaRPr>
-          </a:p>
-          <a:p>
-            <a:r>
-              <a:rPr lang="en-US" altLang="zh-CN" dirty="0" smtClean="0">
-                <a:effectLst/>
-              </a:rPr>
-              <a:t>Controller</a:t>
-            </a:r>
-            <a:r>
-              <a:rPr lang="zh-CN" altLang="en-US" dirty="0" smtClean="0">
-                <a:effectLst/>
-              </a:rPr>
-              <a:t> 控制器</a:t>
-            </a:r>
-            <a:endParaRPr lang="en-US" altLang="zh-CN" dirty="0" smtClean="0">
-              <a:effectLst/>
-            </a:endParaRPr>
-          </a:p>
-          <a:p>
-            <a:endParaRPr lang="en-US" dirty="0"/>
-          </a:p>
-        </p:txBody>
-      </p:sp>
-      <p:sp>
-        <p:nvSpPr>
-          <p:cNvPr id="4" name="Text Placeholder 3"/>
-          <p:cNvSpPr>
-            <a:spLocks noGrp="1"/>
-          </p:cNvSpPr>
-          <p:nvPr>
-            <p:ph type="body" sz="half" idx="2"/>
-          </p:nvPr>
-        </p:nvSpPr>
-        <p:spPr/>
-        <p:txBody>
-          <a:bodyPr/>
-          <a:lstStyle/>
-          <a:p>
-            <a:r>
-              <a:rPr lang="zh-CN" altLang="en-US" dirty="0" smtClean="0"/>
-              <a:t>知识简介</a:t>
-            </a:r>
-            <a:endParaRPr lang="en-US" dirty="0"/>
+              <a:rPr lang="en-US" dirty="0"/>
+              <a:t>https://</a:t>
+            </a:r>
+            <a:r>
+              <a:rPr lang="en-US" dirty="0" err="1"/>
+              <a:t>github.com</a:t>
+            </a:r>
+            <a:r>
+              <a:rPr lang="en-US" dirty="0"/>
+              <a:t>/</a:t>
+            </a:r>
+            <a:r>
+              <a:rPr lang="en-US" dirty="0" err="1"/>
+              <a:t>dvajs</a:t>
+            </a:r>
+            <a:r>
+              <a:rPr lang="en-US" dirty="0"/>
+              <a:t>/</a:t>
+            </a:r>
+            <a:r>
+              <a:rPr lang="en-US" dirty="0" err="1"/>
+              <a:t>dva</a:t>
+            </a:r>
+            <a:r>
+              <a:rPr lang="en-US" dirty="0"/>
+              <a:t>-cli</a:t>
+            </a:r>
           </a:p>
         </p:txBody>
       </p:sp>
     </p:spTree>
     <p:extLst>
       <p:ext uri="{BB962C8B-B14F-4D97-AF65-F5344CB8AC3E}">
-        <p14:creationId xmlns:p14="http://schemas.microsoft.com/office/powerpoint/2010/main" val="1326356102"/>
+        <p14:creationId xmlns:p14="http://schemas.microsoft.com/office/powerpoint/2010/main" val="1784386784"/>
       </p:ext>
     </p:extLst>
   </p:cSld>
@@ -13742,12 +14006,16 @@
           <a:lstStyle/>
           <a:p>
             <a:r>
-              <a:rPr lang="en-US" altLang="zh-CN" dirty="0" err="1" smtClean="0"/>
-              <a:t>AngularJS</a:t>
-            </a:r>
-            <a:r>
               <a:rPr lang="zh-CN" altLang="en-US" dirty="0" smtClean="0"/>
-              <a:t>项目实战</a:t>
+              <a:t>基于</a:t>
+            </a:r>
+            <a:r>
+              <a:rPr lang="en-US" altLang="zh-CN" dirty="0" smtClean="0"/>
+              <a:t>DVA</a:t>
+            </a:r>
+            <a:r>
+              <a:rPr lang="zh-CN" altLang="en-US" dirty="0" smtClean="0"/>
+              <a:t>的项目实例</a:t>
             </a:r>
             <a:endParaRPr lang="en-US" dirty="0"/>
           </a:p>
@@ -13769,12 +14037,8 @@
           <a:lstStyle/>
           <a:p>
             <a:r>
-              <a:rPr lang="en-US" altLang="zh-CN" dirty="0" err="1" smtClean="0"/>
-              <a:t>Todo</a:t>
-            </a:r>
-            <a:r>
-              <a:rPr lang="en-US" altLang="zh-CN" dirty="0" smtClean="0"/>
-              <a:t> List</a:t>
+              <a:rPr lang="zh-CN" altLang="en-US" dirty="0" smtClean="0"/>
+              <a:t>获取模拟用户</a:t>
             </a:r>
             <a:endParaRPr lang="en-US" dirty="0"/>
           </a:p>
@@ -13783,20 +14047,13 @@
     </p:spTree>
     <p:extLst>
       <p:ext uri="{BB962C8B-B14F-4D97-AF65-F5344CB8AC3E}">
-        <p14:creationId xmlns:p14="http://schemas.microsoft.com/office/powerpoint/2010/main" val="1639088771"/>
+        <p14:creationId xmlns:p14="http://schemas.microsoft.com/office/powerpoint/2010/main" val="977823030"/>
       </p:ext>
     </p:extLst>
   </p:cSld>
   <p:clrMapOvr>
     <a:masterClrMapping/>
   </p:clrMapOvr>
-  <p:timing>
-    <p:tnLst>
-      <p:par>
-        <p:cTn id="1" dur="indefinite" restart="never" nodeType="tmRoot"/>
-      </p:par>
-    </p:tnLst>
-  </p:timing>
 </p:sld>
 </file>
 
@@ -13833,36 +14090,32 @@
           <a:lstStyle/>
           <a:p>
             <a:r>
-              <a:rPr lang="en-US" altLang="zh-CN" dirty="0" smtClean="0"/>
-              <a:t>Angular </a:t>
-            </a:r>
-            <a:r>
-              <a:rPr lang="zh-CN" altLang="en-US" dirty="0" smtClean="0"/>
-              <a:t>脚手架项目</a:t>
-            </a:r>
-            <a:endParaRPr lang="en-US" dirty="0"/>
-          </a:p>
-        </p:txBody>
-      </p:sp>
-      <p:sp>
-        <p:nvSpPr>
-          <p:cNvPr id="3" name="Content Placeholder 2"/>
-          <p:cNvSpPr>
-            <a:spLocks noGrp="1"/>
-          </p:cNvSpPr>
-          <p:nvPr>
-            <p:ph idx="1"/>
-          </p:nvPr>
-        </p:nvSpPr>
-        <p:spPr/>
-        <p:txBody>
-          <a:bodyPr/>
-          <a:lstStyle/>
-          <a:p>
-            <a:r>
-              <a:rPr lang="en-US" dirty="0"/>
-              <a:t>Yeoman: </a:t>
-            </a:r>
+              <a:rPr lang="en-US" dirty="0" err="1" smtClean="0"/>
+              <a:t>Anuglar</a:t>
+            </a:r>
+            <a:r>
+              <a:rPr lang="en-US" dirty="0" smtClean="0"/>
+              <a:t> Tutorial</a:t>
+            </a:r>
+            <a:endParaRPr lang="en-US" dirty="0"/>
+          </a:p>
+        </p:txBody>
+      </p:sp>
+      <p:sp>
+        <p:nvSpPr>
+          <p:cNvPr id="3" name="Text Placeholder 2"/>
+          <p:cNvSpPr>
+            <a:spLocks noGrp="1"/>
+          </p:cNvSpPr>
+          <p:nvPr>
+            <p:ph type="body" idx="1"/>
+          </p:nvPr>
+        </p:nvSpPr>
+        <p:spPr/>
+        <p:txBody>
+          <a:bodyPr/>
+          <a:lstStyle/>
+          <a:p>
             <a:r>
               <a:rPr lang="en-US" dirty="0">
                 <a:hlinkClick r:id="rId3"/>
@@ -13873,24 +14126,22 @@
               <a:rPr lang="en-US" dirty="0" smtClean="0">
                 <a:hlinkClick r:id="rId3"/>
               </a:rPr>
-              <a:t>github.com/Swiip/generator-gulp-angular</a:t>
+              <a:t>angular.io/tutorial</a:t>
             </a:r>
             <a:endParaRPr lang="en-US" dirty="0" smtClean="0"/>
           </a:p>
           <a:p>
             <a:r>
-              <a:rPr lang="en-US" dirty="0" smtClean="0"/>
-              <a:t>Gulp serve</a:t>
-            </a:r>
-          </a:p>
-          <a:p>
-            <a:r>
-              <a:rPr lang="en-US" dirty="0" err="1" smtClean="0"/>
-              <a:t>Anuglar</a:t>
-            </a:r>
-            <a:r>
-              <a:rPr lang="en-US" dirty="0" smtClean="0"/>
-              <a:t> Material</a:t>
+              <a:rPr lang="en-US" dirty="0"/>
+              <a:t>https://</a:t>
+            </a:r>
+            <a:r>
+              <a:rPr lang="en-US" dirty="0" err="1"/>
+              <a:t>docs.angularjs.org</a:t>
+            </a:r>
+            <a:r>
+              <a:rPr lang="en-US" dirty="0"/>
+              <a:t>/tutorial</a:t>
             </a:r>
           </a:p>
         </p:txBody>
@@ -13898,7 +14149,7 @@
     </p:spTree>
     <p:extLst>
       <p:ext uri="{BB962C8B-B14F-4D97-AF65-F5344CB8AC3E}">
-        <p14:creationId xmlns:p14="http://schemas.microsoft.com/office/powerpoint/2010/main" val="1446031074"/>
+        <p14:creationId xmlns:p14="http://schemas.microsoft.com/office/powerpoint/2010/main" val="2098117636"/>
       </p:ext>
     </p:extLst>
   </p:cSld>
@@ -13948,105 +14199,97 @@
           <a:lstStyle/>
           <a:p>
             <a:r>
-              <a:rPr lang="en-US" dirty="0" smtClean="0"/>
-              <a:t>Angular 6</a:t>
-            </a:r>
-            <a:endParaRPr lang="en-US" dirty="0"/>
-          </a:p>
-        </p:txBody>
-      </p:sp>
-      <p:sp>
-        <p:nvSpPr>
-          <p:cNvPr id="3" name="Content Placeholder 2"/>
-          <p:cNvSpPr>
-            <a:spLocks noGrp="1"/>
-          </p:cNvSpPr>
-          <p:nvPr>
-            <p:ph idx="1"/>
-          </p:nvPr>
-        </p:nvSpPr>
-        <p:spPr/>
-        <p:txBody>
-          <a:bodyPr/>
-          <a:lstStyle/>
-          <a:p>
-            <a:r>
-              <a:rPr lang="en-US" dirty="0" smtClean="0"/>
-              <a:t>1. Typescript</a:t>
-            </a:r>
-          </a:p>
-          <a:p>
-            <a:r>
-              <a:rPr lang="en-US" dirty="0" smtClean="0"/>
-              <a:t>2. </a:t>
-            </a:r>
-            <a:r>
               <a:rPr lang="zh-CN" altLang="en-US" dirty="0" smtClean="0"/>
-              <a:t>其实与</a:t>
-            </a:r>
-            <a:r>
-              <a:rPr lang="en-US" altLang="zh-CN" dirty="0" err="1" smtClean="0"/>
-              <a:t>AngularJS</a:t>
+              <a:t>与</a:t>
+            </a:r>
+            <a:r>
+              <a:rPr lang="en-US" altLang="zh-CN" dirty="0" smtClean="0"/>
+              <a:t>React</a:t>
             </a:r>
             <a:r>
               <a:rPr lang="zh-CN" altLang="en-US" dirty="0" smtClean="0"/>
-              <a:t>比较相似</a:t>
+              <a:t>的区别</a:t>
+            </a:r>
+            <a:endParaRPr lang="en-US" dirty="0"/>
+          </a:p>
+        </p:txBody>
+      </p:sp>
+      <p:sp>
+        <p:nvSpPr>
+          <p:cNvPr id="3" name="Text Placeholder 2"/>
+          <p:cNvSpPr>
+            <a:spLocks noGrp="1"/>
+          </p:cNvSpPr>
+          <p:nvPr>
+            <p:ph type="body" idx="1"/>
+          </p:nvPr>
+        </p:nvSpPr>
+        <p:spPr>
+          <a:xfrm>
+            <a:off x="1751011" y="4777381"/>
+            <a:ext cx="8686801" cy="1344450"/>
+          </a:xfrm>
+        </p:spPr>
+        <p:txBody>
+          <a:bodyPr>
+            <a:normAutofit/>
+          </a:bodyPr>
+          <a:lstStyle/>
+          <a:p>
+            <a:pPr marL="457200" indent="-457200">
+              <a:buAutoNum type="arabicPeriod"/>
+            </a:pPr>
+            <a:r>
+              <a:rPr lang="zh-CN" altLang="en-US" dirty="0" smtClean="0"/>
+              <a:t>保留</a:t>
+            </a:r>
+            <a:r>
+              <a:rPr lang="en-US" altLang="zh-CN" dirty="0" smtClean="0"/>
+              <a:t>HTML</a:t>
+            </a:r>
+            <a:r>
+              <a:rPr lang="zh-CN" altLang="en-US" dirty="0" smtClean="0"/>
+              <a:t>结构</a:t>
             </a:r>
             <a:endParaRPr lang="en-US" altLang="zh-CN" dirty="0" smtClean="0"/>
           </a:p>
           <a:p>
+            <a:pPr marL="457200" indent="-457200">
+              <a:buAutoNum type="arabicPeriod"/>
+            </a:pPr>
             <a:r>
               <a:rPr lang="en-US" altLang="zh-CN" dirty="0" smtClean="0"/>
-              <a:t>3.</a:t>
-            </a:r>
+              <a:t>MVVM</a:t>
+            </a:r>
+          </a:p>
+          <a:p>
+            <a:pPr marL="457200" indent="-457200">
+              <a:buAutoNum type="arabicPeriod"/>
+            </a:pPr>
             <a:r>
               <a:rPr lang="zh-CN" altLang="en-US" dirty="0" smtClean="0"/>
-              <a:t> 完整的</a:t>
-            </a:r>
-            <a:r>
-              <a:rPr lang="en-US" altLang="zh-CN" dirty="0" err="1" smtClean="0"/>
-              <a:t>Cli</a:t>
+              <a:t>大而全，不只是</a:t>
+            </a:r>
+            <a:r>
+              <a:rPr lang="en-US" altLang="zh-CN" dirty="0" smtClean="0"/>
+              <a:t>UI</a:t>
             </a:r>
             <a:r>
               <a:rPr lang="zh-CN" altLang="en-US" dirty="0" smtClean="0"/>
-              <a:t>系统</a:t>
+              <a:t>库，规定好了</a:t>
+            </a:r>
+            <a:r>
+              <a:rPr lang="zh-CN" altLang="en-US" smtClean="0"/>
+              <a:t>最佳开发实践</a:t>
             </a:r>
             <a:endParaRPr lang="en-US" altLang="zh-CN" dirty="0" smtClean="0"/>
-          </a:p>
-          <a:p>
-            <a:r>
-              <a:rPr lang="en-US" dirty="0" smtClean="0"/>
-              <a:t>4. observables, </a:t>
-            </a:r>
-            <a:r>
-              <a:rPr lang="en-US" dirty="0" err="1" smtClean="0"/>
-              <a:t>RxJS</a:t>
-            </a:r>
-            <a:r>
-              <a:rPr lang="en-US" dirty="0" smtClean="0"/>
-              <a:t> (Reactive </a:t>
-            </a:r>
-            <a:r>
-              <a:rPr lang="en-US" dirty="0">
-                <a:effectLst/>
-              </a:rPr>
-              <a:t>Extensions</a:t>
-            </a:r>
-            <a:r>
-              <a:rPr lang="en-US" dirty="0" smtClean="0"/>
-              <a:t>)</a:t>
-            </a:r>
-            <a:endParaRPr lang="en-US" dirty="0"/>
-          </a:p>
-          <a:p>
-            <a:endParaRPr lang="en-US" dirty="0"/>
           </a:p>
         </p:txBody>
       </p:sp>
     </p:spTree>
     <p:extLst>
       <p:ext uri="{BB962C8B-B14F-4D97-AF65-F5344CB8AC3E}">
-        <p14:creationId xmlns:p14="http://schemas.microsoft.com/office/powerpoint/2010/main" val="1418923925"/>
+        <p14:creationId xmlns:p14="http://schemas.microsoft.com/office/powerpoint/2010/main" val="137241654"/>
       </p:ext>
     </p:extLst>
   </p:cSld>
@@ -14097,7 +14340,7 @@
           <a:p>
             <a:r>
               <a:rPr lang="en-US" altLang="zh-CN" dirty="0" smtClean="0"/>
-              <a:t>Observable</a:t>
+              <a:t>Angular JS</a:t>
             </a:r>
             <a:endParaRPr lang="en-US" dirty="0"/>
           </a:p>
@@ -14120,60 +14363,109 @@
           <a:p>
             <a:r>
               <a:rPr lang="en-US" dirty="0" smtClean="0"/>
-              <a:t>1. </a:t>
+              <a:t>Directive </a:t>
             </a:r>
             <a:r>
               <a:rPr lang="zh-CN" altLang="en-US" dirty="0" smtClean="0"/>
-              <a:t>支持多个变量</a:t>
+              <a:t>指令</a:t>
             </a:r>
             <a:endParaRPr lang="en-US" altLang="zh-CN" dirty="0" smtClean="0"/>
           </a:p>
           <a:p>
             <a:r>
+              <a:rPr lang="en-US" dirty="0" smtClean="0">
+                <a:effectLst/>
+              </a:rPr>
+              <a:t>Module</a:t>
+            </a:r>
+            <a:r>
+              <a:rPr lang="zh-CN" altLang="en-US" dirty="0" smtClean="0">
+                <a:effectLst/>
+              </a:rPr>
+              <a:t> 模块</a:t>
+            </a:r>
+            <a:endParaRPr lang="en-US" dirty="0" smtClean="0"/>
+          </a:p>
+          <a:p>
+            <a:r>
               <a:rPr lang="en-US" altLang="zh-CN" dirty="0" smtClean="0"/>
-              <a:t>2.</a:t>
+              <a:t>Component</a:t>
             </a:r>
             <a:r>
               <a:rPr lang="zh-CN" altLang="en-US" dirty="0" smtClean="0"/>
-              <a:t> </a:t>
-            </a:r>
-            <a:r>
-              <a:rPr lang="en-US" altLang="zh-CN" dirty="0" smtClean="0"/>
-              <a:t>cancel</a:t>
-            </a:r>
+              <a:t> 组件</a:t>
+            </a:r>
+            <a:endParaRPr lang="en-US" dirty="0" smtClean="0"/>
+          </a:p>
+          <a:p>
+            <a:r>
+              <a:rPr lang="en-US" dirty="0" smtClean="0"/>
+              <a:t>Provider(Service, factory)</a:t>
+            </a:r>
+          </a:p>
+          <a:p>
+            <a:r>
+              <a:rPr lang="en-US" dirty="0">
+                <a:effectLst/>
+              </a:rPr>
+              <a:t>Dependency </a:t>
+            </a:r>
+            <a:r>
+              <a:rPr lang="en-US" dirty="0" smtClean="0">
+                <a:effectLst/>
+              </a:rPr>
+              <a:t>Injection </a:t>
+            </a:r>
+            <a:r>
+              <a:rPr lang="zh-CN" altLang="en-US" dirty="0" smtClean="0">
+                <a:effectLst/>
+              </a:rPr>
+              <a:t>依赖注入</a:t>
+            </a:r>
+            <a:endParaRPr lang="en-US" altLang="zh-CN" dirty="0" smtClean="0">
+              <a:effectLst/>
+            </a:endParaRPr>
+          </a:p>
+          <a:p>
+            <a:r>
+              <a:rPr lang="en-US" altLang="zh-CN" dirty="0" smtClean="0">
+                <a:effectLst/>
+              </a:rPr>
+              <a:t>Controller</a:t>
+            </a:r>
+            <a:r>
+              <a:rPr lang="zh-CN" altLang="en-US" dirty="0" smtClean="0">
+                <a:effectLst/>
+              </a:rPr>
+              <a:t> 控制器</a:t>
+            </a:r>
+            <a:endParaRPr lang="en-US" altLang="zh-CN" dirty="0" smtClean="0">
+              <a:effectLst/>
+            </a:endParaRPr>
+          </a:p>
+          <a:p>
+            <a:endParaRPr lang="en-US" dirty="0"/>
+          </a:p>
+        </p:txBody>
+      </p:sp>
+      <p:sp>
+        <p:nvSpPr>
+          <p:cNvPr id="4" name="Text Placeholder 3"/>
+          <p:cNvSpPr>
+            <a:spLocks noGrp="1"/>
+          </p:cNvSpPr>
+          <p:nvPr>
+            <p:ph type="body" sz="half" idx="2"/>
+          </p:nvPr>
+        </p:nvSpPr>
+        <p:spPr/>
+        <p:txBody>
+          <a:bodyPr/>
+          <a:lstStyle/>
+          <a:p>
             <a:r>
               <a:rPr lang="zh-CN" altLang="en-US" dirty="0" smtClean="0"/>
-              <a:t>掉一个</a:t>
-            </a:r>
-            <a:r>
-              <a:rPr lang="en-US" altLang="zh-CN" dirty="0" smtClean="0"/>
-              <a:t>observable</a:t>
-            </a:r>
-          </a:p>
-          <a:p>
-            <a:r>
-              <a:rPr lang="en-US" altLang="zh-CN" dirty="0" smtClean="0"/>
-              <a:t>3.</a:t>
-            </a:r>
-            <a:r>
-              <a:rPr lang="zh-CN" altLang="en-US" dirty="0" smtClean="0"/>
-              <a:t> </a:t>
-            </a:r>
-            <a:r>
-              <a:rPr lang="en-US" altLang="zh-CN" dirty="0" smtClean="0"/>
-              <a:t>promise-&gt; then</a:t>
-            </a:r>
-            <a:r>
-              <a:rPr lang="zh-CN" altLang="en-US" dirty="0" smtClean="0"/>
-              <a:t> </a:t>
-            </a:r>
-            <a:r>
-              <a:rPr lang="en-US" altLang="zh-CN" dirty="0" smtClean="0"/>
-              <a:t>  observable -&gt; subscribe</a:t>
-            </a:r>
-            <a:r>
-              <a:rPr lang="en-US" dirty="0" smtClean="0"/>
-              <a:t> </a:t>
+              <a:t>知识简介</a:t>
             </a:r>
             <a:endParaRPr lang="en-US" dirty="0"/>
           </a:p>
@@ -14182,7 +14474,7 @@
     </p:spTree>
     <p:extLst>
       <p:ext uri="{BB962C8B-B14F-4D97-AF65-F5344CB8AC3E}">
-        <p14:creationId xmlns:p14="http://schemas.microsoft.com/office/powerpoint/2010/main" val="1029556927"/>
+        <p14:creationId xmlns:p14="http://schemas.microsoft.com/office/powerpoint/2010/main" val="1326356102"/>
       </p:ext>
     </p:extLst>
   </p:cSld>
@@ -14232,195 +14524,40 @@
           <a:lstStyle/>
           <a:p>
             <a:r>
+              <a:rPr lang="en-US" altLang="zh-CN" dirty="0" err="1" smtClean="0"/>
+              <a:t>AngularJS</a:t>
+            </a:r>
+            <a:r>
+              <a:rPr lang="zh-CN" altLang="en-US" dirty="0" smtClean="0"/>
+              <a:t>项目实战</a:t>
+            </a:r>
+            <a:endParaRPr lang="en-US" dirty="0"/>
+          </a:p>
+        </p:txBody>
+      </p:sp>
+      <p:sp>
+        <p:nvSpPr>
+          <p:cNvPr id="3" name="Text Placeholder 2"/>
+          <p:cNvSpPr>
+            <a:spLocks noGrp="1"/>
+          </p:cNvSpPr>
+          <p:nvPr>
+            <p:ph type="body" idx="1"/>
+          </p:nvPr>
+        </p:nvSpPr>
+        <p:spPr/>
+        <p:txBody>
+          <a:bodyPr/>
+          <a:lstStyle/>
+          <a:p>
+            <a:r>
+              <a:rPr lang="en-US" altLang="zh-CN" dirty="0" err="1" smtClean="0"/>
+              <a:t>Todo</a:t>
+            </a:r>
+            <a:r>
               <a:rPr lang="en-US" altLang="zh-CN" dirty="0" smtClean="0"/>
-              <a:t>Angular</a:t>
-            </a:r>
-            <a:r>
-              <a:rPr lang="zh-CN" altLang="en-US" dirty="0" smtClean="0"/>
-              <a:t> 指令</a:t>
-            </a:r>
-            <a:endParaRPr lang="en-US" dirty="0"/>
-          </a:p>
-        </p:txBody>
-      </p:sp>
-      <p:sp>
-        <p:nvSpPr>
-          <p:cNvPr id="3" name="Content Placeholder 2"/>
-          <p:cNvSpPr>
-            <a:spLocks noGrp="1"/>
-          </p:cNvSpPr>
-          <p:nvPr>
-            <p:ph idx="1"/>
-          </p:nvPr>
-        </p:nvSpPr>
-        <p:spPr/>
-        <p:txBody>
-          <a:bodyPr/>
-          <a:lstStyle/>
-          <a:p>
-            <a:r>
-              <a:rPr lang="zh-CN" altLang="en-US" dirty="0">
-                <a:effectLst/>
-              </a:rPr>
-              <a:t>组件 </a:t>
-            </a:r>
-            <a:r>
-              <a:rPr lang="en-US" altLang="zh-CN" dirty="0">
-                <a:effectLst/>
-              </a:rPr>
-              <a:t>- </a:t>
-            </a:r>
-            <a:r>
-              <a:rPr lang="zh-CN" altLang="en-US" dirty="0">
-                <a:effectLst/>
-              </a:rPr>
-              <a:t>带有模板的指令</a:t>
-            </a:r>
-            <a:r>
-              <a:rPr lang="en-US" altLang="zh-CN" dirty="0">
-                <a:effectLst/>
-              </a:rPr>
-              <a:t>(</a:t>
-            </a:r>
-            <a:r>
-              <a:rPr lang="zh-CN" altLang="en-US" dirty="0">
-                <a:effectLst/>
-              </a:rPr>
-              <a:t>组件皆指令</a:t>
-            </a:r>
-            <a:r>
-              <a:rPr lang="en-US" altLang="zh-CN" dirty="0">
-                <a:effectLst/>
-              </a:rPr>
-              <a:t>)</a:t>
-            </a:r>
-          </a:p>
-          <a:p>
-            <a:r>
-              <a:rPr lang="zh-CN" altLang="en-US" dirty="0">
-                <a:effectLst/>
-              </a:rPr>
-              <a:t>结构型指令 </a:t>
-            </a:r>
-            <a:r>
-              <a:rPr lang="en-US" altLang="zh-CN" dirty="0">
-                <a:effectLst/>
-              </a:rPr>
-              <a:t>- </a:t>
-            </a:r>
-            <a:r>
-              <a:rPr lang="zh-CN" altLang="en-US" dirty="0">
-                <a:effectLst/>
-              </a:rPr>
-              <a:t>作用于</a:t>
-            </a:r>
-            <a:r>
-              <a:rPr lang="en-US" altLang="zh-CN" dirty="0">
-                <a:effectLst/>
-              </a:rPr>
-              <a:t>DOM</a:t>
-            </a:r>
-            <a:r>
-              <a:rPr lang="zh-CN" altLang="en-US" dirty="0">
-                <a:effectLst/>
-              </a:rPr>
-              <a:t>元素修改视图结构的指令</a:t>
-            </a:r>
-            <a:r>
-              <a:rPr lang="en-US" altLang="zh-CN" dirty="0">
-                <a:effectLst/>
-              </a:rPr>
-              <a:t>(</a:t>
-            </a:r>
-            <a:r>
-              <a:rPr lang="en-US" altLang="zh-CN" dirty="0" err="1">
-                <a:effectLst/>
-              </a:rPr>
-              <a:t>NgIf</a:t>
-            </a:r>
-            <a:r>
-              <a:rPr lang="zh-CN" altLang="en-US" dirty="0">
-                <a:effectLst/>
-              </a:rPr>
-              <a:t>、</a:t>
-            </a:r>
-            <a:r>
-              <a:rPr lang="en-US" altLang="zh-CN" dirty="0" err="1">
-                <a:effectLst/>
-              </a:rPr>
-              <a:t>NgFor</a:t>
-            </a:r>
-            <a:r>
-              <a:rPr lang="zh-CN" altLang="en-US" dirty="0">
-                <a:effectLst/>
-              </a:rPr>
-              <a:t>等</a:t>
-            </a:r>
-            <a:r>
-              <a:rPr lang="en-US" altLang="zh-CN" dirty="0">
-                <a:effectLst/>
-              </a:rPr>
-              <a:t>)</a:t>
-            </a:r>
-          </a:p>
-          <a:p>
-            <a:r>
-              <a:rPr lang="zh-CN" altLang="en-US" dirty="0">
-                <a:effectLst/>
-              </a:rPr>
-              <a:t>属性型指令 </a:t>
-            </a:r>
-            <a:r>
-              <a:rPr lang="en-US" altLang="zh-CN" dirty="0">
-                <a:effectLst/>
-              </a:rPr>
-              <a:t>- </a:t>
-            </a:r>
-            <a:r>
-              <a:rPr lang="zh-CN" altLang="en-US" dirty="0">
-                <a:effectLst/>
-              </a:rPr>
-              <a:t>作用于</a:t>
-            </a:r>
-            <a:r>
-              <a:rPr lang="en-US" altLang="zh-CN" dirty="0">
-                <a:effectLst/>
-              </a:rPr>
-              <a:t>DOM</a:t>
-            </a:r>
-            <a:r>
-              <a:rPr lang="zh-CN" altLang="en-US" dirty="0">
-                <a:effectLst/>
-              </a:rPr>
-              <a:t>元素的外观和行为的指令</a:t>
-            </a:r>
-            <a:r>
-              <a:rPr lang="en-US" altLang="zh-CN" dirty="0">
-                <a:effectLst/>
-              </a:rPr>
-              <a:t>(</a:t>
-            </a:r>
-            <a:r>
-              <a:rPr lang="en-US" altLang="zh-CN" dirty="0" err="1"/>
-              <a:t>NgStyle</a:t>
-            </a:r>
-            <a:r>
-              <a:rPr lang="zh-CN" altLang="en-US" dirty="0">
-                <a:effectLst/>
-              </a:rPr>
-              <a:t>等</a:t>
-            </a:r>
-            <a:r>
-              <a:rPr lang="en-US" altLang="zh-CN" dirty="0">
-                <a:effectLst/>
-              </a:rPr>
-              <a:t>)</a:t>
-            </a:r>
-            <a:endParaRPr lang="zh-CN" altLang="en-US" dirty="0">
-              <a:effectLst/>
-            </a:endParaRPr>
-          </a:p>
-          <a:p>
+              <a:t> List</a:t>
+            </a:r>
             <a:endParaRPr lang="en-US" dirty="0"/>
           </a:p>
         </p:txBody>
@@ -14428,7 +14565,7 @@
     </p:spTree>
     <p:extLst>
       <p:ext uri="{BB962C8B-B14F-4D97-AF65-F5344CB8AC3E}">
-        <p14:creationId xmlns:p14="http://schemas.microsoft.com/office/powerpoint/2010/main" val="366916453"/>
+        <p14:creationId xmlns:p14="http://schemas.microsoft.com/office/powerpoint/2010/main" val="1639088771"/>
       </p:ext>
     </p:extLst>
   </p:cSld>
@@ -14478,168 +14615,72 @@
           <a:lstStyle/>
           <a:p>
             <a:r>
+              <a:rPr lang="en-US" altLang="zh-CN" dirty="0" smtClean="0"/>
+              <a:t>Angular </a:t>
+            </a:r>
+            <a:r>
+              <a:rPr lang="zh-CN" altLang="en-US" dirty="0" smtClean="0"/>
+              <a:t>脚手架项目</a:t>
+            </a:r>
+            <a:endParaRPr lang="en-US" dirty="0"/>
+          </a:p>
+        </p:txBody>
+      </p:sp>
+      <p:sp>
+        <p:nvSpPr>
+          <p:cNvPr id="3" name="Content Placeholder 2"/>
+          <p:cNvSpPr>
+            <a:spLocks noGrp="1"/>
+          </p:cNvSpPr>
+          <p:nvPr>
+            <p:ph idx="1"/>
+          </p:nvPr>
+        </p:nvSpPr>
+        <p:spPr/>
+        <p:txBody>
+          <a:bodyPr/>
+          <a:lstStyle/>
+          <a:p>
+            <a:r>
+              <a:rPr lang="en-US" dirty="0"/>
+              <a:t>Yeoman: </a:t>
+            </a:r>
+            <a:r>
+              <a:rPr lang="en-US" dirty="0">
+                <a:hlinkClick r:id="rId3"/>
+              </a:rPr>
+              <a:t>https://</a:t>
+            </a:r>
+            <a:r>
+              <a:rPr lang="en-US" dirty="0" smtClean="0">
+                <a:hlinkClick r:id="rId3"/>
+              </a:rPr>
+              <a:t>github.com/Swiip/generator-gulp-angular</a:t>
+            </a:r>
+            <a:endParaRPr lang="en-US" dirty="0" smtClean="0"/>
+          </a:p>
+          <a:p>
+            <a:r>
               <a:rPr lang="en-US" dirty="0" smtClean="0"/>
-              <a:t>Angular 2+ HTML </a:t>
-            </a:r>
-            <a:r>
-              <a:rPr lang="zh-CN" altLang="en-US" dirty="0" smtClean="0"/>
-              <a:t>模版语法</a:t>
-            </a:r>
-            <a:endParaRPr lang="en-US" dirty="0"/>
-          </a:p>
-        </p:txBody>
-      </p:sp>
-      <p:sp>
-        <p:nvSpPr>
-          <p:cNvPr id="3" name="Content Placeholder 2"/>
-          <p:cNvSpPr>
-            <a:spLocks noGrp="1"/>
-          </p:cNvSpPr>
-          <p:nvPr>
-            <p:ph idx="1"/>
-          </p:nvPr>
-        </p:nvSpPr>
-        <p:spPr/>
-        <p:txBody>
-          <a:bodyPr/>
-          <a:lstStyle/>
-          <a:p>
-            <a:r>
-              <a:rPr lang="en-US" dirty="0">
-                <a:effectLst/>
-              </a:rPr>
-              <a:t>[prop]="</a:t>
-            </a:r>
-            <a:r>
-              <a:rPr lang="en-US" dirty="0" smtClean="0">
-                <a:effectLst/>
-              </a:rPr>
-              <a:t>value”</a:t>
-            </a:r>
-            <a:endParaRPr lang="en-US" dirty="0">
-              <a:effectLst/>
-            </a:endParaRPr>
-          </a:p>
-          <a:p>
-            <a:r>
-              <a:rPr lang="en-US" dirty="0">
-                <a:effectLst/>
-              </a:rPr>
-              <a:t>prop="{{value</a:t>
-            </a:r>
-            <a:r>
-              <a:rPr lang="en-US" dirty="0" smtClean="0">
-                <a:effectLst/>
-              </a:rPr>
-              <a:t>}}”</a:t>
-            </a:r>
-          </a:p>
-          <a:p>
-            <a:r>
-              <a:rPr lang="en-US" dirty="0">
-                <a:effectLst/>
-              </a:rPr>
-              <a:t>(event)="</a:t>
-            </a:r>
-            <a:r>
-              <a:rPr lang="en-US" dirty="0" smtClean="0">
-                <a:effectLst/>
-              </a:rPr>
-              <a:t>expr”</a:t>
-            </a:r>
-          </a:p>
-          <a:p>
-            <a:r>
-              <a:rPr lang="en-US" dirty="0">
-                <a:effectLst/>
-              </a:rPr>
-              <a:t>#</a:t>
-            </a:r>
-            <a:r>
-              <a:rPr lang="en-US" dirty="0" err="1" smtClean="0">
-                <a:effectLst/>
-              </a:rPr>
-              <a:t>var</a:t>
-            </a:r>
-            <a:endParaRPr lang="en-US" dirty="0" smtClean="0">
-              <a:effectLst/>
-            </a:endParaRPr>
-          </a:p>
-          <a:p>
-            <a:r>
-              <a:rPr lang="en-US" dirty="0"/>
-              <a:t>bind-</a:t>
-            </a:r>
-            <a:r>
-              <a:rPr lang="en-US" dirty="0">
-                <a:effectLst/>
-              </a:rPr>
-              <a:t> for </a:t>
-            </a:r>
-            <a:r>
-              <a:rPr lang="en-US" dirty="0"/>
-              <a:t>[]</a:t>
-            </a:r>
-            <a:r>
-              <a:rPr lang="en-US" dirty="0">
-                <a:effectLst/>
-              </a:rPr>
-              <a:t> and </a:t>
-            </a:r>
-            <a:r>
-              <a:rPr lang="en-US" dirty="0"/>
-              <a:t>on-</a:t>
-            </a:r>
-            <a:r>
-              <a:rPr lang="en-US" dirty="0">
-                <a:effectLst/>
-              </a:rPr>
-              <a:t> for </a:t>
-            </a:r>
-            <a:r>
-              <a:rPr lang="en-US" dirty="0"/>
-              <a:t>()</a:t>
-            </a:r>
-            <a:r>
-              <a:rPr lang="en-US" dirty="0">
-                <a:effectLst/>
-              </a:rPr>
-              <a:t> or </a:t>
-            </a:r>
-            <a:r>
-              <a:rPr lang="en-US" dirty="0"/>
-              <a:t>&lt;template [</a:t>
-            </a:r>
-            <a:r>
-              <a:rPr lang="en-US" dirty="0" err="1"/>
-              <a:t>ngFor</a:t>
-            </a:r>
-            <a:r>
-              <a:rPr lang="en-US" dirty="0"/>
-              <a:t>]&gt;</a:t>
-            </a:r>
-            <a:r>
-              <a:rPr lang="en-US" dirty="0">
-                <a:effectLst/>
-              </a:rPr>
-              <a:t> for </a:t>
-            </a:r>
-            <a:r>
-              <a:rPr lang="en-US" dirty="0"/>
-              <a:t>*</a:t>
-            </a:r>
-            <a:r>
-              <a:rPr lang="en-US" dirty="0" err="1"/>
-              <a:t>ngFor</a:t>
-            </a:r>
-            <a:endParaRPr lang="en-US" dirty="0"/>
+              <a:t>Gulp serve</a:t>
+            </a:r>
+          </a:p>
+          <a:p>
+            <a:r>
+              <a:rPr lang="en-US" dirty="0" err="1" smtClean="0"/>
+              <a:t>Anuglar</a:t>
+            </a:r>
+            <a:r>
+              <a:rPr lang="en-US" dirty="0" smtClean="0"/>
+              <a:t> Material</a:t>
+            </a:r>
           </a:p>
         </p:txBody>
       </p:sp>
     </p:spTree>
     <p:extLst>
       <p:ext uri="{BB962C8B-B14F-4D97-AF65-F5344CB8AC3E}">
-        <p14:creationId xmlns:p14="http://schemas.microsoft.com/office/powerpoint/2010/main" val="547912599"/>
+        <p14:creationId xmlns:p14="http://schemas.microsoft.com/office/powerpoint/2010/main" val="1446031074"/>
       </p:ext>
     </p:extLst>
   </p:cSld>
@@ -14690,50 +14731,104 @@
           <a:p>
             <a:r>
               <a:rPr lang="en-US" dirty="0" smtClean="0"/>
-              <a:t>Angular </a:t>
+              <a:t>Angular 6</a:t>
+            </a:r>
+            <a:endParaRPr lang="en-US" dirty="0"/>
+          </a:p>
+        </p:txBody>
+      </p:sp>
+      <p:sp>
+        <p:nvSpPr>
+          <p:cNvPr id="3" name="Content Placeholder 2"/>
+          <p:cNvSpPr>
+            <a:spLocks noGrp="1"/>
+          </p:cNvSpPr>
+          <p:nvPr>
+            <p:ph idx="1"/>
+          </p:nvPr>
+        </p:nvSpPr>
+        <p:spPr/>
+        <p:txBody>
+          <a:bodyPr/>
+          <a:lstStyle/>
+          <a:p>
+            <a:r>
+              <a:rPr lang="en-US" dirty="0" smtClean="0"/>
+              <a:t>1. Typescript</a:t>
+            </a:r>
+          </a:p>
+          <a:p>
+            <a:r>
+              <a:rPr lang="en-US" dirty="0" smtClean="0"/>
+              <a:t>2. </a:t>
             </a:r>
             <a:r>
               <a:rPr lang="zh-CN" altLang="en-US" dirty="0" smtClean="0"/>
-              <a:t>环境搭建</a:t>
-            </a:r>
-            <a:endParaRPr lang="en-US" dirty="0"/>
-          </a:p>
-        </p:txBody>
-      </p:sp>
-      <p:sp>
-        <p:nvSpPr>
-          <p:cNvPr id="3" name="Content Placeholder 2"/>
-          <p:cNvSpPr>
-            <a:spLocks noGrp="1"/>
-          </p:cNvSpPr>
-          <p:nvPr>
-            <p:ph idx="1"/>
-          </p:nvPr>
-        </p:nvSpPr>
-        <p:spPr/>
-        <p:txBody>
-          <a:bodyPr/>
-          <a:lstStyle/>
-          <a:p>
-            <a:r>
-              <a:rPr lang="en-US" dirty="0"/>
-              <a:t>https://</a:t>
-            </a:r>
-            <a:r>
-              <a:rPr lang="en-US" dirty="0" err="1"/>
-              <a:t>github.com</a:t>
-            </a:r>
-            <a:r>
-              <a:rPr lang="en-US" dirty="0"/>
-              <a:t>/angular/angular-cli</a:t>
-            </a:r>
+              <a:t>其实与</a:t>
+            </a:r>
+            <a:r>
+              <a:rPr lang="en-US" altLang="zh-CN" dirty="0" err="1" smtClean="0"/>
+              <a:t>AngularJS</a:t>
+            </a:r>
+            <a:r>
+              <a:rPr lang="zh-CN" altLang="en-US" dirty="0" smtClean="0"/>
+              <a:t>比较相似</a:t>
+            </a:r>
+            <a:endParaRPr lang="en-US" altLang="zh-CN" dirty="0" smtClean="0"/>
+          </a:p>
+          <a:p>
+            <a:r>
+              <a:rPr lang="en-US" altLang="zh-CN" dirty="0" smtClean="0"/>
+              <a:t>3.</a:t>
+            </a:r>
+            <a:r>
+              <a:rPr lang="zh-CN" altLang="en-US" dirty="0" smtClean="0"/>
+              <a:t> 完整的</a:t>
+            </a:r>
+            <a:r>
+              <a:rPr lang="en-US" altLang="zh-CN" dirty="0" err="1" smtClean="0"/>
+              <a:t>Cli</a:t>
+            </a:r>
+            <a:r>
+              <a:rPr lang="zh-CN" altLang="en-US" dirty="0" smtClean="0"/>
+              <a:t>系统</a:t>
+            </a:r>
+            <a:endParaRPr lang="en-US" altLang="zh-CN" dirty="0" smtClean="0"/>
+          </a:p>
+          <a:p>
+            <a:r>
+              <a:rPr lang="en-US" dirty="0" smtClean="0"/>
+              <a:t>4. observables, </a:t>
+            </a:r>
+            <a:r>
+              <a:rPr lang="en-US" dirty="0" err="1" smtClean="0"/>
+              <a:t>RxJS</a:t>
+            </a:r>
+            <a:r>
+              <a:rPr lang="en-US" dirty="0" smtClean="0"/>
+              <a:t> (Reactive </a:t>
+            </a:r>
+            <a:r>
+              <a:rPr lang="en-US" dirty="0">
+                <a:effectLst/>
+              </a:rPr>
+              <a:t>Extensions</a:t>
+            </a:r>
+            <a:r>
+              <a:rPr lang="en-US" dirty="0" smtClean="0"/>
+              <a:t>)</a:t>
+            </a:r>
+            <a:endParaRPr lang="en-US" dirty="0"/>
+          </a:p>
+          <a:p>
+            <a:endParaRPr lang="en-US" dirty="0"/>
           </a:p>
         </p:txBody>
       </p:sp>
     </p:spTree>
     <p:extLst>
       <p:ext uri="{BB962C8B-B14F-4D97-AF65-F5344CB8AC3E}">
-        <p14:creationId xmlns:p14="http://schemas.microsoft.com/office/powerpoint/2010/main" val="304993857"/>
+        <p14:creationId xmlns:p14="http://schemas.microsoft.com/office/powerpoint/2010/main" val="1418923925"/>
       </p:ext>
     </p:extLst>
   </p:cSld>
@@ -14784,58 +14879,84 @@
           <a:p>
             <a:r>
               <a:rPr lang="en-US" altLang="zh-CN" dirty="0" smtClean="0"/>
-              <a:t>Angular</a:t>
+              <a:t>Observable</a:t>
+            </a:r>
+            <a:endParaRPr lang="en-US" dirty="0"/>
+          </a:p>
+        </p:txBody>
+      </p:sp>
+      <p:sp>
+        <p:nvSpPr>
+          <p:cNvPr id="3" name="Content Placeholder 2"/>
+          <p:cNvSpPr>
+            <a:spLocks noGrp="1"/>
+          </p:cNvSpPr>
+          <p:nvPr>
+            <p:ph idx="1"/>
+          </p:nvPr>
+        </p:nvSpPr>
+        <p:spPr/>
+        <p:txBody>
+          <a:bodyPr/>
+          <a:lstStyle/>
+          <a:p>
+            <a:r>
+              <a:rPr lang="en-US" dirty="0" smtClean="0"/>
+              <a:t>1. </a:t>
             </a:r>
             <a:r>
               <a:rPr lang="zh-CN" altLang="en-US" dirty="0" smtClean="0"/>
-              <a:t>项目实战</a:t>
-            </a:r>
+              <a:t>支持多个变量</a:t>
+            </a:r>
+            <a:endParaRPr lang="en-US" altLang="zh-CN" dirty="0" smtClean="0"/>
+          </a:p>
+          <a:p>
             <a:r>
               <a:rPr lang="en-US" altLang="zh-CN" dirty="0" smtClean="0"/>
-              <a:t>	</a:t>
-            </a:r>
-            <a:endParaRPr lang="en-US" dirty="0"/>
-          </a:p>
-        </p:txBody>
-      </p:sp>
-      <p:sp>
-        <p:nvSpPr>
-          <p:cNvPr id="3" name="Text Placeholder 2"/>
-          <p:cNvSpPr>
-            <a:spLocks noGrp="1"/>
-          </p:cNvSpPr>
-          <p:nvPr>
-            <p:ph type="body" sz="half" idx="2"/>
-          </p:nvPr>
-        </p:nvSpPr>
-        <p:spPr/>
-        <p:txBody>
-          <a:bodyPr>
-            <a:normAutofit/>
-          </a:bodyPr>
-          <a:lstStyle/>
-          <a:p>
+              <a:t>2.</a:t>
+            </a:r>
             <a:r>
               <a:rPr lang="zh-CN" altLang="en-US" dirty="0" smtClean="0"/>
-              <a:t>官方英雄编辑器教程</a:t>
-            </a:r>
-            <a:endParaRPr lang="en-US" altLang="zh-CN" dirty="0" smtClean="0"/>
-          </a:p>
-          <a:p>
-            <a:r>
-              <a:rPr lang="en-US" dirty="0"/>
-              <a:t>https://</a:t>
-            </a:r>
-            <a:r>
-              <a:rPr lang="en-US" dirty="0" err="1"/>
-              <a:t>angular.cn</a:t>
-            </a:r>
-            <a:r>
-              <a:rPr lang="en-US" dirty="0"/>
-              <a:t>/tutorial</a:t>
-            </a:r>
-          </a:p>
-          <a:p>
+              <a:t> </a:t>
+            </a:r>
+            <a:r>
+              <a:rPr lang="en-US" altLang="zh-CN" dirty="0" smtClean="0"/>
+              <a:t>cancel</a:t>
+            </a:r>
+            <a:r>
+              <a:rPr lang="zh-CN" altLang="en-US" dirty="0" smtClean="0"/>
+              <a:t>掉一个</a:t>
+            </a:r>
+            <a:r>
+              <a:rPr lang="en-US" altLang="zh-CN" dirty="0" smtClean="0"/>
+              <a:t>observable</a:t>
+            </a:r>
+          </a:p>
+          <a:p>
+            <a:r>
+              <a:rPr lang="en-US" altLang="zh-CN" dirty="0" smtClean="0"/>
+              <a:t>3.</a:t>
+            </a:r>
+            <a:r>
+              <a:rPr lang="zh-CN" altLang="en-US" dirty="0" smtClean="0"/>
+              <a:t> </a:t>
+            </a:r>
+            <a:r>
+              <a:rPr lang="en-US" altLang="zh-CN" dirty="0" smtClean="0"/>
+              <a:t>promise-&gt; then</a:t>
+            </a:r>
+            <a:r>
+              <a:rPr lang="zh-CN" altLang="en-US" dirty="0" smtClean="0"/>
+              <a:t> </a:t>
+            </a:r>
+            <a:r>
+              <a:rPr lang="en-US" altLang="zh-CN" dirty="0" smtClean="0"/>
+              <a:t>  observable -&gt; subscribe</a:t>
+            </a:r>
+            <a:r>
+              <a:rPr lang="en-US" dirty="0" smtClean="0"/>
+              <a:t> </a:t>
+            </a:r>
             <a:endParaRPr lang="en-US" dirty="0"/>
           </a:p>
         </p:txBody>
@@ -14843,13 +14964,20 @@
     </p:spTree>
     <p:extLst>
       <p:ext uri="{BB962C8B-B14F-4D97-AF65-F5344CB8AC3E}">
-        <p14:creationId xmlns:p14="http://schemas.microsoft.com/office/powerpoint/2010/main" val="1516572992"/>
+        <p14:creationId xmlns:p14="http://schemas.microsoft.com/office/powerpoint/2010/main" val="1029556927"/>
       </p:ext>
     </p:extLst>
   </p:cSld>
   <p:clrMapOvr>
     <a:masterClrMapping/>
   </p:clrMapOvr>
+  <p:timing>
+    <p:tnLst>
+      <p:par>
+        <p:cTn id="1" dur="indefinite" restart="never" nodeType="tmRoot"/>
+      </p:par>
+    </p:tnLst>
+  </p:timing>
 </p:sld>
 </file>
 
@@ -14886,8 +15014,12 @@
           <a:lstStyle/>
           <a:p>
             <a:r>
+              <a:rPr lang="en-US" altLang="zh-CN" dirty="0" smtClean="0"/>
+              <a:t>Angular</a:t>
+            </a:r>
+            <a:r>
               <a:rPr lang="zh-CN" altLang="en-US" dirty="0" smtClean="0"/>
-              <a:t>大作业</a:t>
+              <a:t> 指令</a:t>
             </a:r>
             <a:endParaRPr lang="en-US" dirty="0"/>
           </a:p>
@@ -14909,105 +15041,166 @@
           <a:lstStyle/>
           <a:p>
             <a:r>
-              <a:rPr lang="zh-CN" altLang="en-US" dirty="0" smtClean="0"/>
-              <a:t>使用</a:t>
-            </a:r>
-            <a:r>
-              <a:rPr lang="en-US" altLang="zh-CN" dirty="0" smtClean="0"/>
-              <a:t>React </a:t>
-            </a:r>
-            <a:r>
-              <a:rPr lang="zh-CN" altLang="en-US" dirty="0" smtClean="0"/>
-              <a:t>或者 </a:t>
-            </a:r>
-            <a:r>
-              <a:rPr lang="en-US" altLang="zh-CN" dirty="0" smtClean="0"/>
-              <a:t>Angular </a:t>
-            </a:r>
-            <a:r>
-              <a:rPr lang="zh-CN" altLang="en-US" dirty="0" smtClean="0"/>
-              <a:t>做一个 </a:t>
-            </a:r>
-            <a:r>
-              <a:rPr lang="en-US" altLang="zh-CN" dirty="0" err="1" smtClean="0"/>
-              <a:t>todo</a:t>
-            </a:r>
-            <a:r>
-              <a:rPr lang="zh-CN" altLang="en-US" dirty="0" smtClean="0"/>
-              <a:t> </a:t>
-            </a:r>
-            <a:r>
-              <a:rPr lang="en-US" altLang="zh-CN" dirty="0" smtClean="0"/>
-              <a:t>list</a:t>
-            </a:r>
-          </a:p>
-          <a:p>
-            <a:r>
-              <a:rPr lang="zh-CN" altLang="en-US" dirty="0" smtClean="0"/>
-              <a:t>实现 添加， 删除功能</a:t>
-            </a:r>
-            <a:endParaRPr lang="en-US" altLang="zh-CN" dirty="0" smtClean="0"/>
-          </a:p>
-          <a:p>
-            <a:r>
-              <a:rPr lang="zh-CN" altLang="en-US" dirty="0" smtClean="0"/>
-              <a:t>将代码</a:t>
-            </a:r>
-            <a:r>
-              <a:rPr lang="en-US" altLang="zh-CN" dirty="0" smtClean="0"/>
-              <a:t>commit</a:t>
-            </a:r>
-            <a:r>
-              <a:rPr lang="zh-CN" altLang="en-US" dirty="0" smtClean="0"/>
-              <a:t>到自己的</a:t>
-            </a:r>
-            <a:r>
-              <a:rPr lang="en-US" altLang="zh-CN" dirty="0" err="1" smtClean="0"/>
-              <a:t>github</a:t>
-            </a:r>
-            <a:r>
-              <a:rPr lang="zh-CN" altLang="en-US" dirty="0" smtClean="0"/>
-              <a:t>上</a:t>
-            </a:r>
-            <a:endParaRPr lang="en-US" altLang="zh-CN" dirty="0" smtClean="0"/>
-          </a:p>
-          <a:p>
-            <a:r>
-              <a:rPr lang="zh-CN" altLang="en-US" dirty="0" smtClean="0"/>
-              <a:t>下节课准备一段</a:t>
-            </a:r>
-            <a:r>
-              <a:rPr lang="zh-CN" altLang="en-US" smtClean="0"/>
-              <a:t>简短的介绍</a:t>
-            </a:r>
-            <a:endParaRPr lang="en-US" altLang="zh-CN" dirty="0" smtClean="0"/>
-          </a:p>
-          <a:p>
-            <a:r>
-              <a:rPr lang="zh-CN" altLang="en-US" dirty="0" smtClean="0"/>
-              <a:t>不要</a:t>
-            </a:r>
-            <a:r>
-              <a:rPr lang="en-US" altLang="zh-CN" dirty="0" smtClean="0"/>
-              <a:t>commit</a:t>
-            </a:r>
-            <a:r>
-              <a:rPr lang="zh-CN" altLang="en-US" dirty="0" smtClean="0"/>
-              <a:t> </a:t>
-            </a:r>
-            <a:r>
-              <a:rPr lang="en-US" altLang="zh-CN" dirty="0" err="1" smtClean="0"/>
-              <a:t>Node_modules</a:t>
-            </a:r>
-            <a:r>
-              <a:rPr lang="en-US" altLang="zh-CN" dirty="0" smtClean="0"/>
-              <a:t> </a:t>
-            </a:r>
-            <a:r>
-              <a:rPr lang="zh-CN" altLang="en-US" dirty="0" smtClean="0"/>
-              <a:t>文件夹！</a:t>
-            </a:r>
-            <a:endParaRPr lang="en-US" altLang="zh-CN" dirty="0" smtClean="0"/>
+              <a:rPr lang="zh-CN" altLang="en-US" dirty="0">
+                <a:effectLst/>
+              </a:rPr>
+              <a:t>组件 </a:t>
+            </a:r>
+            <a:r>
+              <a:rPr lang="en-US" altLang="zh-CN" dirty="0">
+                <a:effectLst/>
+              </a:rPr>
+              <a:t>- </a:t>
+            </a:r>
+            <a:r>
+              <a:rPr lang="zh-CN" altLang="en-US" dirty="0">
+                <a:effectLst/>
+              </a:rPr>
+              <a:t>带有模板的指令</a:t>
+            </a:r>
+            <a:r>
+              <a:rPr lang="en-US" altLang="zh-CN" dirty="0">
+                <a:effectLst/>
+              </a:rPr>
+              <a:t>(</a:t>
+            </a:r>
+            <a:r>
+              <a:rPr lang="zh-CN" altLang="en-US" dirty="0">
+                <a:effectLst/>
+              </a:rPr>
+              <a:t>组件皆指令</a:t>
+            </a:r>
+            <a:r>
+              <a:rPr lang="en-US" altLang="zh-CN" dirty="0">
+                <a:effectLst/>
+              </a:rPr>
+              <a:t>)</a:t>
+            </a:r>
+          </a:p>
+          <a:p>
+            <a:r>
+              <a:rPr lang="zh-CN" altLang="en-US" dirty="0">
+                <a:effectLst/>
+              </a:rPr>
+              <a:t>结构型指令 </a:t>
+            </a:r>
+            <a:r>
+              <a:rPr lang="en-US" altLang="zh-CN" dirty="0">
+                <a:effectLst/>
+              </a:rPr>
+              <a:t>- </a:t>
+            </a:r>
+            <a:r>
+              <a:rPr lang="zh-CN" altLang="en-US" dirty="0">
+                <a:effectLst/>
+              </a:rPr>
+              <a:t>作用于</a:t>
+            </a:r>
+            <a:r>
+              <a:rPr lang="en-US" altLang="zh-CN" dirty="0">
+                <a:effectLst/>
+              </a:rPr>
+              <a:t>DOM</a:t>
+            </a:r>
+            <a:r>
+              <a:rPr lang="zh-CN" altLang="en-US" dirty="0">
+                <a:effectLst/>
+              </a:rPr>
+              <a:t>元素修改视图结构的指令</a:t>
+            </a:r>
+            <a:r>
+              <a:rPr lang="en-US" altLang="zh-CN" dirty="0">
+                <a:effectLst/>
+              </a:rPr>
+              <a:t>(</a:t>
+            </a:r>
+            <a:r>
+              <a:rPr lang="en-US" altLang="zh-CN" dirty="0" err="1">
+                <a:effectLst/>
+              </a:rPr>
+              <a:t>NgIf</a:t>
+            </a:r>
+            <a:r>
+              <a:rPr lang="zh-CN" altLang="en-US" dirty="0">
+                <a:effectLst/>
+              </a:rPr>
+              <a:t>、</a:t>
+            </a:r>
+            <a:r>
+              <a:rPr lang="en-US" altLang="zh-CN" dirty="0" err="1">
+                <a:effectLst/>
+              </a:rPr>
+              <a:t>NgFor</a:t>
+            </a:r>
+            <a:r>
+              <a:rPr lang="zh-CN" altLang="en-US" dirty="0">
+                <a:effectLst/>
+              </a:rPr>
+              <a:t>等</a:t>
+            </a:r>
+            <a:r>
+              <a:rPr lang="en-US" altLang="zh-CN" dirty="0">
+                <a:effectLst/>
+              </a:rPr>
+              <a:t>)</a:t>
+            </a:r>
+          </a:p>
+          <a:p>
+            <a:r>
+              <a:rPr lang="zh-CN" altLang="en-US" dirty="0">
+                <a:effectLst/>
+              </a:rPr>
+              <a:t>属性型指令 </a:t>
+            </a:r>
+            <a:r>
+              <a:rPr lang="en-US" altLang="zh-CN" dirty="0">
+                <a:effectLst/>
+              </a:rPr>
+              <a:t>- </a:t>
+            </a:r>
+            <a:r>
+              <a:rPr lang="zh-CN" altLang="en-US" dirty="0">
+                <a:effectLst/>
+              </a:rPr>
+              <a:t>作用于</a:t>
+            </a:r>
+            <a:r>
+              <a:rPr lang="en-US" altLang="zh-CN" dirty="0">
+                <a:effectLst/>
+              </a:rPr>
+              <a:t>DOM</a:t>
+            </a:r>
+            <a:r>
+              <a:rPr lang="zh-CN" altLang="en-US" dirty="0">
+                <a:effectLst/>
+              </a:rPr>
+              <a:t>元素的外观和行为的指令</a:t>
+            </a:r>
+            <a:r>
+              <a:rPr lang="en-US" altLang="zh-CN" dirty="0">
+                <a:effectLst/>
+              </a:rPr>
+              <a:t>(</a:t>
+            </a:r>
+            <a:r>
+              <a:rPr lang="en-US" altLang="zh-CN" dirty="0" err="1"/>
+              <a:t>NgStyle</a:t>
+            </a:r>
+            <a:r>
+              <a:rPr lang="zh-CN" altLang="en-US" dirty="0">
+                <a:effectLst/>
+              </a:rPr>
+              <a:t>等</a:t>
+            </a:r>
+            <a:r>
+              <a:rPr lang="en-US" altLang="zh-CN" dirty="0">
+                <a:effectLst/>
+              </a:rPr>
+              <a:t>)</a:t>
+            </a:r>
+            <a:endParaRPr lang="zh-CN" altLang="en-US" dirty="0">
+              <a:effectLst/>
+            </a:endParaRPr>
           </a:p>
           <a:p>
             <a:endParaRPr lang="en-US" dirty="0"/>
@@ -15017,7 +15210,7 @@
     </p:spTree>
     <p:extLst>
       <p:ext uri="{BB962C8B-B14F-4D97-AF65-F5344CB8AC3E}">
-        <p14:creationId xmlns:p14="http://schemas.microsoft.com/office/powerpoint/2010/main" val="1759915627"/>
+        <p14:creationId xmlns:p14="http://schemas.microsoft.com/office/powerpoint/2010/main" val="366916453"/>
       </p:ext>
     </p:extLst>
   </p:cSld>
@@ -15067,8 +15260,12 @@
           <a:lstStyle/>
           <a:p>
             <a:r>
+              <a:rPr lang="en-US" dirty="0" smtClean="0"/>
+              <a:t>Angular 2+ HTML </a:t>
+            </a:r>
+            <a:r>
               <a:rPr lang="zh-CN" altLang="en-US" dirty="0" smtClean="0"/>
-              <a:t>作业讨论</a:t>
+              <a:t>模版语法</a:t>
             </a:r>
             <a:endParaRPr lang="en-US" dirty="0"/>
           </a:p>
@@ -15090,34 +15287,132 @@
           <a:lstStyle/>
           <a:p>
             <a:r>
-              <a:rPr lang="en-US" altLang="zh-CN" dirty="0" smtClean="0"/>
-              <a:t>1</a:t>
-            </a:r>
-            <a:r>
-              <a:rPr lang="zh-CN" altLang="en-US" dirty="0" smtClean="0"/>
-              <a:t>， 代码组织结构</a:t>
-            </a:r>
-            <a:endParaRPr lang="en-US" altLang="zh-CN" dirty="0" smtClean="0"/>
-          </a:p>
-          <a:p>
-            <a:r>
-              <a:rPr lang="en-US" altLang="zh-CN" dirty="0" smtClean="0"/>
-              <a:t>2</a:t>
-            </a:r>
-            <a:r>
-              <a:rPr lang="zh-CN" altLang="en-US" dirty="0" smtClean="0"/>
-              <a:t>， 命名规则</a:t>
-            </a:r>
-            <a:endParaRPr lang="en-US" altLang="zh-CN" dirty="0" smtClean="0"/>
-          </a:p>
-          <a:p>
-            <a:r>
-              <a:rPr lang="en-US" altLang="zh-CN" dirty="0" smtClean="0"/>
-              <a:t>3</a:t>
-            </a:r>
-            <a:r>
-              <a:rPr lang="zh-CN" altLang="en-US" dirty="0" smtClean="0"/>
-              <a:t>， 代码质量</a:t>
+              <a:rPr lang="en-US" dirty="0">
+                <a:effectLst/>
+              </a:rPr>
+              <a:t>[prop]="</a:t>
+            </a:r>
+            <a:r>
+              <a:rPr lang="en-US" dirty="0" smtClean="0">
+                <a:effectLst/>
+              </a:rPr>
+              <a:t>value”</a:t>
+            </a:r>
+            <a:endParaRPr lang="en-US" dirty="0">
+              <a:effectLst/>
+            </a:endParaRPr>
+          </a:p>
+          <a:p>
+            <a:r>
+              <a:rPr lang="en-US" dirty="0">
+                <a:effectLst/>
+              </a:rPr>
+              <a:t>prop="{{value</a:t>
+            </a:r>
+            <a:r>
+              <a:rPr lang="en-US" dirty="0" smtClean="0">
+                <a:effectLst/>
+              </a:rPr>
+              <a:t>}}”</a:t>
+            </a:r>
+          </a:p>
+          <a:p>
+            <a:r>
+              <a:rPr lang="en-US" dirty="0">
+                <a:effectLst/>
+              </a:rPr>
+              <a:t>(event)="</a:t>
+            </a:r>
+            <a:r>
+              <a:rPr lang="en-US" dirty="0" smtClean="0">
+                <a:effectLst/>
+              </a:rPr>
+              <a:t>expr”</a:t>
+            </a:r>
+          </a:p>
+          <a:p>
+            <a:r>
+              <a:rPr lang="en-US" dirty="0">
+                <a:effectLst/>
+              </a:rPr>
+              <a:t>#</a:t>
+            </a:r>
+            <a:r>
+              <a:rPr lang="en-US" dirty="0" err="1" smtClean="0">
+                <a:effectLst/>
+              </a:rPr>
+              <a:t>var</a:t>
+            </a:r>
+            <a:endParaRPr lang="en-US" dirty="0" smtClean="0">
+              <a:effectLst/>
+            </a:endParaRPr>
+          </a:p>
+          <a:p>
+            <a:r>
+              <a:rPr lang="en-US" dirty="0"/>
+              <a:t>bind-</a:t>
+            </a:r>
+            <a:r>
+              <a:rPr lang="en-US" dirty="0">
+                <a:effectLst/>
+              </a:rPr>
+              <a:t> for </a:t>
+            </a:r>
+            <a:r>
+              <a:rPr lang="en-US" dirty="0"/>
+              <a:t>[]</a:t>
+            </a:r>
+            <a:r>
+              <a:rPr lang="en-US" dirty="0">
+                <a:effectLst/>
+              </a:rPr>
+              <a:t> and </a:t>
+            </a:r>
+            <a:r>
+              <a:rPr lang="en-US" dirty="0"/>
+              <a:t>on-</a:t>
+            </a:r>
+            <a:r>
+              <a:rPr lang="en-US" dirty="0">
+                <a:effectLst/>
+              </a:rPr>
+              <a:t> for </a:t>
+            </a:r>
+            <a:r>
+              <a:rPr lang="en-US" dirty="0"/>
+              <a:t>()</a:t>
+            </a:r>
+            <a:r>
+              <a:rPr lang="en-US" dirty="0">
+                <a:effectLst/>
+              </a:rPr>
+              <a:t> or </a:t>
+            </a:r>
+            <a:r>
+              <a:rPr lang="en-US" dirty="0"/>
+              <a:t>&lt;template [</a:t>
+            </a:r>
+            <a:r>
+              <a:rPr lang="en-US" dirty="0" err="1"/>
+              <a:t>ngFor</a:t>
+            </a:r>
+            <a:r>
+              <a:rPr lang="en-US" dirty="0"/>
+              <a:t>]&gt;</a:t>
+            </a:r>
+            <a:r>
+              <a:rPr lang="en-US" dirty="0">
+                <a:effectLst/>
+              </a:rPr>
+              <a:t> for </a:t>
+            </a:r>
+            <a:r>
+              <a:rPr lang="en-US" dirty="0"/>
+              <a:t>*</a:t>
+            </a:r>
+            <a:r>
+              <a:rPr lang="en-US" dirty="0" err="1"/>
+              <a:t>ngFor</a:t>
             </a:r>
             <a:endParaRPr lang="en-US" dirty="0"/>
           </a:p>
@@ -15126,7 +15421,7 @@
     </p:spTree>
     <p:extLst>
       <p:ext uri="{BB962C8B-B14F-4D97-AF65-F5344CB8AC3E}">
-        <p14:creationId xmlns:p14="http://schemas.microsoft.com/office/powerpoint/2010/main" val="1801247794"/>
+        <p14:creationId xmlns:p14="http://schemas.microsoft.com/office/powerpoint/2010/main" val="547912599"/>
       </p:ext>
     </p:extLst>
   </p:cSld>
@@ -15342,16 +15637,12 @@
           <a:lstStyle/>
           <a:p>
             <a:r>
-              <a:rPr lang="en-US" altLang="zh-CN" dirty="0" smtClean="0"/>
-              <a:t>Ant</a:t>
+              <a:rPr lang="en-US" dirty="0" smtClean="0"/>
+              <a:t>Angular </a:t>
             </a:r>
             <a:r>
               <a:rPr lang="zh-CN" altLang="en-US" dirty="0" smtClean="0"/>
-              <a:t> </a:t>
-            </a:r>
-            <a:r>
-              <a:rPr lang="en-US" altLang="zh-CN" dirty="0" smtClean="0"/>
-              <a:t>design Pro</a:t>
+              <a:t>环境搭建</a:t>
             </a:r>
             <a:endParaRPr lang="en-US" dirty="0"/>
           </a:p>
@@ -15373,54 +15664,24 @@
           <a:lstStyle/>
           <a:p>
             <a:r>
-              <a:rPr lang="en-US" dirty="0">
-                <a:hlinkClick r:id="rId3"/>
-              </a:rPr>
-              <a:t>https://pro.ant.design</a:t>
-            </a:r>
-            <a:r>
-              <a:rPr lang="en-US" dirty="0" smtClean="0">
-                <a:hlinkClick r:id="rId3"/>
-              </a:rPr>
-              <a:t>/</a:t>
-            </a:r>
-            <a:endParaRPr lang="en-US" dirty="0" smtClean="0"/>
-          </a:p>
-          <a:p>
-            <a:r>
-              <a:rPr lang="zh-CN" altLang="en-US" dirty="0" smtClean="0"/>
-              <a:t>开箱即用的</a:t>
-            </a:r>
-            <a:r>
-              <a:rPr lang="en-US" altLang="zh-CN" dirty="0" smtClean="0"/>
-              <a:t>React</a:t>
-            </a:r>
-            <a:r>
-              <a:rPr lang="zh-CN" altLang="en-US" dirty="0" smtClean="0"/>
-              <a:t>中后台系统</a:t>
-            </a:r>
-            <a:endParaRPr lang="en-US" altLang="zh-CN" dirty="0" smtClean="0"/>
-          </a:p>
-          <a:p>
-            <a:r>
-              <a:rPr lang="zh-CN" altLang="en-US" dirty="0" smtClean="0"/>
-              <a:t>配套整套的开发环境和最佳实践</a:t>
-            </a:r>
-            <a:endParaRPr lang="en-US" altLang="zh-CN" dirty="0" smtClean="0"/>
-          </a:p>
-          <a:p>
-            <a:r>
-              <a:rPr lang="zh-CN" altLang="en-US" dirty="0" smtClean="0"/>
-              <a:t>阿里开发</a:t>
-            </a:r>
-            <a:endParaRPr lang="en-US" dirty="0"/>
+              <a:rPr lang="en-US" dirty="0"/>
+              <a:t>https://</a:t>
+            </a:r>
+            <a:r>
+              <a:rPr lang="en-US" dirty="0" err="1"/>
+              <a:t>github.com</a:t>
+            </a:r>
+            <a:r>
+              <a:rPr lang="en-US" dirty="0"/>
+              <a:t>/angular/angular-cli</a:t>
+            </a:r>
           </a:p>
         </p:txBody>
       </p:sp>
     </p:spTree>
     <p:extLst>
       <p:ext uri="{BB962C8B-B14F-4D97-AF65-F5344CB8AC3E}">
-        <p14:creationId xmlns:p14="http://schemas.microsoft.com/office/powerpoint/2010/main" val="141927553"/>
+        <p14:creationId xmlns:p14="http://schemas.microsoft.com/office/powerpoint/2010/main" val="304993857"/>
       </p:ext>
     </p:extLst>
   </p:cSld>
@@ -15470,106 +15731,73 @@
           <a:lstStyle/>
           <a:p>
             <a:r>
+              <a:rPr lang="en-US" altLang="zh-CN" dirty="0" smtClean="0"/>
+              <a:t>Angular</a:t>
+            </a:r>
+            <a:r>
               <a:rPr lang="zh-CN" altLang="en-US" dirty="0" smtClean="0"/>
-              <a:t>求职辅导</a:t>
-            </a:r>
-            <a:endParaRPr lang="en-US" dirty="0"/>
-          </a:p>
-        </p:txBody>
-      </p:sp>
-      <p:sp>
-        <p:nvSpPr>
-          <p:cNvPr id="3" name="Content Placeholder 2"/>
-          <p:cNvSpPr>
-            <a:spLocks noGrp="1"/>
-          </p:cNvSpPr>
-          <p:nvPr>
-            <p:ph idx="1"/>
-          </p:nvPr>
-        </p:nvSpPr>
-        <p:spPr/>
-        <p:txBody>
-          <a:bodyPr/>
-          <a:lstStyle/>
-          <a:p>
-            <a:pPr lvl="0"/>
-            <a:r>
-              <a:rPr lang="zh-CN" altLang="en-US" dirty="0">
-                <a:effectLst/>
-              </a:rPr>
-              <a:t>电话面试辅导</a:t>
-            </a:r>
-            <a:endParaRPr lang="en-US" dirty="0">
-              <a:effectLst/>
-            </a:endParaRPr>
-          </a:p>
-          <a:p>
-            <a:pPr lvl="0"/>
-            <a:r>
-              <a:rPr lang="zh-CN" altLang="en-US" dirty="0">
-                <a:effectLst/>
-              </a:rPr>
-              <a:t>技术面试辅导</a:t>
-            </a:r>
-            <a:endParaRPr lang="en-US" dirty="0">
-              <a:effectLst/>
-            </a:endParaRPr>
-          </a:p>
-          <a:p>
-            <a:pPr lvl="0"/>
-            <a:r>
-              <a:rPr lang="en-US" dirty="0">
-                <a:effectLst/>
-              </a:rPr>
-              <a:t>Coding test</a:t>
-            </a:r>
-            <a:r>
-              <a:rPr lang="zh-CN" altLang="en-US" dirty="0">
-                <a:effectLst/>
-              </a:rPr>
-              <a:t>辅导</a:t>
-            </a:r>
-            <a:endParaRPr lang="en-US" dirty="0">
-              <a:effectLst/>
-            </a:endParaRPr>
-          </a:p>
-          <a:p>
-            <a:pPr lvl="0"/>
-            <a:r>
-              <a:rPr lang="zh-CN" altLang="en-US" dirty="0">
-                <a:effectLst/>
-              </a:rPr>
-              <a:t>简历</a:t>
-            </a:r>
-            <a:r>
-              <a:rPr lang="zh-CN" altLang="en-US" dirty="0" smtClean="0">
-                <a:effectLst/>
-              </a:rPr>
-              <a:t>修改</a:t>
-            </a:r>
-            <a:endParaRPr lang="en-US" dirty="0">
-              <a:effectLst/>
-            </a:endParaRPr>
+              <a:t>项目实战</a:t>
+            </a:r>
+            <a:r>
+              <a:rPr lang="en-US" altLang="zh-CN" dirty="0" smtClean="0"/>
+              <a:t>	</a:t>
+            </a:r>
+            <a:endParaRPr lang="en-US" dirty="0"/>
+          </a:p>
+        </p:txBody>
+      </p:sp>
+      <p:sp>
+        <p:nvSpPr>
+          <p:cNvPr id="3" name="Text Placeholder 2"/>
+          <p:cNvSpPr>
+            <a:spLocks noGrp="1"/>
+          </p:cNvSpPr>
+          <p:nvPr>
+            <p:ph type="body" sz="half" idx="2"/>
+          </p:nvPr>
+        </p:nvSpPr>
+        <p:spPr/>
+        <p:txBody>
+          <a:bodyPr>
+            <a:normAutofit/>
+          </a:bodyPr>
+          <a:lstStyle/>
+          <a:p>
+            <a:r>
+              <a:rPr lang="zh-CN" altLang="en-US" dirty="0" smtClean="0"/>
+              <a:t>官方英雄编辑器教程</a:t>
+            </a:r>
+            <a:endParaRPr lang="en-US" altLang="zh-CN" dirty="0" smtClean="0"/>
+          </a:p>
+          <a:p>
+            <a:r>
+              <a:rPr lang="en-US" dirty="0"/>
+              <a:t>https://</a:t>
+            </a:r>
+            <a:r>
+              <a:rPr lang="en-US" dirty="0" err="1"/>
+              <a:t>angular.cn</a:t>
+            </a:r>
+            <a:r>
+              <a:rPr lang="en-US" dirty="0"/>
+              <a:t>/tutorial</a:t>
+            </a:r>
+          </a:p>
+          <a:p>
+            <a:endParaRPr lang="en-US" dirty="0"/>
           </a:p>
         </p:txBody>
       </p:sp>
     </p:spTree>
     <p:extLst>
       <p:ext uri="{BB962C8B-B14F-4D97-AF65-F5344CB8AC3E}">
-        <p14:creationId xmlns:p14="http://schemas.microsoft.com/office/powerpoint/2010/main" val="361378919"/>
+        <p14:creationId xmlns:p14="http://schemas.microsoft.com/office/powerpoint/2010/main" val="1516572992"/>
       </p:ext>
     </p:extLst>
   </p:cSld>
   <p:clrMapOvr>
     <a:masterClrMapping/>
   </p:clrMapOvr>
-  <p:timing>
-    <p:tnLst>
-      <p:par>
-        <p:cTn id="1" dur="indefinite" restart="never" nodeType="tmRoot"/>
-      </p:par>
-    </p:tnLst>
-  </p:timing>
 </p:sld>
 </file>
 
@@ -15607,7 +15835,7 @@
           <a:p>
             <a:r>
               <a:rPr lang="zh-CN" altLang="en-US" dirty="0" smtClean="0"/>
-              <a:t>电话面试</a:t>
+              <a:t>大作业</a:t>
             </a:r>
             <a:endParaRPr lang="en-US" dirty="0"/>
           </a:p>
@@ -15629,31 +15857,107 @@
           <a:lstStyle/>
           <a:p>
             <a:r>
+              <a:rPr lang="zh-CN" altLang="en-US" dirty="0" smtClean="0"/>
+              <a:t>使用</a:t>
+            </a:r>
+            <a:r>
               <a:rPr lang="en-US" altLang="zh-CN" dirty="0" smtClean="0"/>
-              <a:t>HR</a:t>
+              <a:t>React </a:t>
             </a:r>
             <a:r>
               <a:rPr lang="zh-CN" altLang="en-US" dirty="0" smtClean="0"/>
-              <a:t>筛选简历的环节</a:t>
+              <a:t>或者 </a:t>
+            </a:r>
+            <a:r>
+              <a:rPr lang="en-US" altLang="zh-CN" dirty="0" smtClean="0"/>
+              <a:t>Angular </a:t>
+            </a:r>
+            <a:r>
+              <a:rPr lang="zh-CN" altLang="en-US" dirty="0" smtClean="0"/>
+              <a:t>做一个 </a:t>
+            </a:r>
+            <a:r>
+              <a:rPr lang="en-US" altLang="zh-CN" dirty="0" err="1" smtClean="0"/>
+              <a:t>todo</a:t>
+            </a:r>
+            <a:r>
+              <a:rPr lang="zh-CN" altLang="en-US" dirty="0" smtClean="0"/>
+              <a:t> </a:t>
+            </a:r>
+            <a:r>
+              <a:rPr lang="en-US" altLang="zh-CN" dirty="0" smtClean="0"/>
+              <a:t>list</a:t>
+            </a:r>
+          </a:p>
+          <a:p>
+            <a:r>
+              <a:rPr lang="zh-CN" altLang="en-US" dirty="0" smtClean="0"/>
+              <a:t>实现 添加， 删除功能</a:t>
             </a:r>
             <a:endParaRPr lang="en-US" altLang="zh-CN" dirty="0" smtClean="0"/>
           </a:p>
           <a:p>
             <a:r>
+              <a:rPr lang="zh-CN" altLang="en-US" dirty="0" smtClean="0"/>
+              <a:t>将代码</a:t>
+            </a:r>
+            <a:r>
+              <a:rPr lang="en-US" altLang="zh-CN" dirty="0" smtClean="0"/>
+              <a:t>commit</a:t>
+            </a:r>
+            <a:r>
+              <a:rPr lang="zh-CN" altLang="en-US" dirty="0" smtClean="0"/>
+              <a:t>到自己的</a:t>
+            </a:r>
+            <a:r>
               <a:rPr lang="en-US" altLang="zh-CN" dirty="0" err="1" smtClean="0"/>
-              <a:t>Hr</a:t>
+              <a:t>github</a:t>
             </a:r>
             <a:r>
               <a:rPr lang="zh-CN" altLang="en-US" dirty="0" smtClean="0"/>
-              <a:t>基本什么也不懂</a:t>
+              <a:t>上</a:t>
             </a:r>
             <a:endParaRPr lang="en-US" altLang="zh-CN" dirty="0" smtClean="0"/>
           </a:p>
           <a:p>
             <a:r>
               <a:rPr lang="zh-CN" altLang="en-US" dirty="0" smtClean="0"/>
-              <a:t>适当夸大</a:t>
-            </a:r>
+              <a:t>下节课准备一段</a:t>
+            </a:r>
+            <a:r>
+              <a:rPr lang="zh-CN" altLang="en-US" smtClean="0"/>
+              <a:t>简短的介绍</a:t>
+            </a:r>
+            <a:endParaRPr lang="en-US" altLang="zh-CN" dirty="0" smtClean="0"/>
+          </a:p>
+          <a:p>
+            <a:r>
+              <a:rPr lang="zh-CN" altLang="en-US" dirty="0" smtClean="0"/>
+              <a:t>不要</a:t>
+            </a:r>
+            <a:r>
+              <a:rPr lang="en-US" altLang="zh-CN" dirty="0" smtClean="0"/>
+              <a:t>commit</a:t>
+            </a:r>
+            <a:r>
+              <a:rPr lang="zh-CN" altLang="en-US" dirty="0" smtClean="0"/>
+              <a:t> </a:t>
+            </a:r>
+            <a:r>
+              <a:rPr lang="en-US" altLang="zh-CN" dirty="0" err="1" smtClean="0"/>
+              <a:t>Node_modules</a:t>
+            </a:r>
+            <a:r>
+              <a:rPr lang="en-US" altLang="zh-CN" dirty="0" smtClean="0"/>
+              <a:t> </a:t>
+            </a:r>
+            <a:r>
+              <a:rPr lang="zh-CN" altLang="en-US" dirty="0" smtClean="0"/>
+              <a:t>文件夹！</a:t>
+            </a:r>
+            <a:endParaRPr lang="en-US" altLang="zh-CN" dirty="0" smtClean="0"/>
+          </a:p>
+          <a:p>
             <a:endParaRPr lang="en-US" dirty="0"/>
           </a:p>
         </p:txBody>
@@ -15661,7 +15965,7 @@
     </p:spTree>
     <p:extLst>
       <p:ext uri="{BB962C8B-B14F-4D97-AF65-F5344CB8AC3E}">
-        <p14:creationId xmlns:p14="http://schemas.microsoft.com/office/powerpoint/2010/main" val="545071430"/>
+        <p14:creationId xmlns:p14="http://schemas.microsoft.com/office/powerpoint/2010/main" val="1759915627"/>
       </p:ext>
     </p:extLst>
   </p:cSld>
@@ -15712,7 +16016,7 @@
           <a:p>
             <a:r>
               <a:rPr lang="zh-CN" altLang="en-US" dirty="0" smtClean="0"/>
-              <a:t>技术面试</a:t>
+              <a:t>作业讨论</a:t>
             </a:r>
             <a:endParaRPr lang="en-US" dirty="0"/>
           </a:p>
@@ -15739,7 +16043,7 @@
             </a:r>
             <a:r>
               <a:rPr lang="zh-CN" altLang="en-US" dirty="0" smtClean="0"/>
-              <a:t>， 反应要迅速</a:t>
+              <a:t>， 代码组织结构</a:t>
             </a:r>
             <a:endParaRPr lang="en-US" altLang="zh-CN" dirty="0" smtClean="0"/>
           </a:p>
@@ -15750,7 +16054,7 @@
             </a:r>
             <a:r>
               <a:rPr lang="zh-CN" altLang="en-US" dirty="0" smtClean="0"/>
-              <a:t>， 不会的问题要大胆承认，但是可以根据自己的见解说一下</a:t>
+              <a:t>， 命名规则</a:t>
             </a:r>
             <a:endParaRPr lang="en-US" altLang="zh-CN" dirty="0" smtClean="0"/>
           </a:p>
@@ -15761,22 +16065,7 @@
             </a:r>
             <a:r>
               <a:rPr lang="zh-CN" altLang="en-US" dirty="0" smtClean="0"/>
-              <a:t>， 基础知识最重要</a:t>
-            </a:r>
-            <a:endParaRPr lang="en-US" altLang="zh-CN" dirty="0" smtClean="0"/>
-          </a:p>
-          <a:p>
-            <a:r>
-              <a:rPr lang="en-US" altLang="zh-CN" dirty="0" smtClean="0"/>
-              <a:t>4</a:t>
-            </a:r>
-            <a:r>
-              <a:rPr lang="zh-CN" altLang="en-US" dirty="0" smtClean="0"/>
-              <a:t>， 刷</a:t>
-            </a:r>
-            <a:r>
-              <a:rPr lang="en-US" altLang="zh-CN" dirty="0" err="1" smtClean="0"/>
-              <a:t>Leetcode</a:t>
+              <a:t>， 代码质量</a:t>
             </a:r>
             <a:endParaRPr lang="en-US" dirty="0"/>
           </a:p>
@@ -15785,7 +16074,7 @@
     </p:spTree>
     <p:extLst>
       <p:ext uri="{BB962C8B-B14F-4D97-AF65-F5344CB8AC3E}">
-        <p14:creationId xmlns:p14="http://schemas.microsoft.com/office/powerpoint/2010/main" val="1408298898"/>
+        <p14:creationId xmlns:p14="http://schemas.microsoft.com/office/powerpoint/2010/main" val="1801247794"/>
       </p:ext>
     </p:extLst>
   </p:cSld>
@@ -15836,6 +16125,499 @@
           <a:p>
             <a:r>
               <a:rPr lang="en-US" altLang="zh-CN" dirty="0" smtClean="0"/>
+              <a:t>Ant</a:t>
+            </a:r>
+            <a:r>
+              <a:rPr lang="zh-CN" altLang="en-US" dirty="0" smtClean="0"/>
+              <a:t> </a:t>
+            </a:r>
+            <a:r>
+              <a:rPr lang="en-US" altLang="zh-CN" dirty="0" smtClean="0"/>
+              <a:t>design Pro</a:t>
+            </a:r>
+            <a:endParaRPr lang="en-US" dirty="0"/>
+          </a:p>
+        </p:txBody>
+      </p:sp>
+      <p:sp>
+        <p:nvSpPr>
+          <p:cNvPr id="3" name="Content Placeholder 2"/>
+          <p:cNvSpPr>
+            <a:spLocks noGrp="1"/>
+          </p:cNvSpPr>
+          <p:nvPr>
+            <p:ph idx="1"/>
+          </p:nvPr>
+        </p:nvSpPr>
+        <p:spPr/>
+        <p:txBody>
+          <a:bodyPr/>
+          <a:lstStyle/>
+          <a:p>
+            <a:r>
+              <a:rPr lang="en-US" dirty="0">
+                <a:hlinkClick r:id="rId3"/>
+              </a:rPr>
+              <a:t>https://pro.ant.design</a:t>
+            </a:r>
+            <a:r>
+              <a:rPr lang="en-US" dirty="0" smtClean="0">
+                <a:hlinkClick r:id="rId3"/>
+              </a:rPr>
+              <a:t>/</a:t>
+            </a:r>
+            <a:endParaRPr lang="en-US" dirty="0" smtClean="0"/>
+          </a:p>
+          <a:p>
+            <a:r>
+              <a:rPr lang="zh-CN" altLang="en-US" dirty="0" smtClean="0"/>
+              <a:t>开箱即用的</a:t>
+            </a:r>
+            <a:r>
+              <a:rPr lang="en-US" altLang="zh-CN" dirty="0" smtClean="0"/>
+              <a:t>React</a:t>
+            </a:r>
+            <a:r>
+              <a:rPr lang="zh-CN" altLang="en-US" dirty="0" smtClean="0"/>
+              <a:t>中后台系统</a:t>
+            </a:r>
+            <a:endParaRPr lang="en-US" altLang="zh-CN" dirty="0" smtClean="0"/>
+          </a:p>
+          <a:p>
+            <a:r>
+              <a:rPr lang="zh-CN" altLang="en-US" dirty="0" smtClean="0"/>
+              <a:t>配套整套的开发环境和最佳实践</a:t>
+            </a:r>
+            <a:endParaRPr lang="en-US" altLang="zh-CN" dirty="0" smtClean="0"/>
+          </a:p>
+          <a:p>
+            <a:r>
+              <a:rPr lang="zh-CN" altLang="en-US" dirty="0" smtClean="0"/>
+              <a:t>阿里开发</a:t>
+            </a:r>
+            <a:endParaRPr lang="en-US" dirty="0"/>
+          </a:p>
+        </p:txBody>
+      </p:sp>
+    </p:spTree>
+    <p:extLst>
+      <p:ext uri="{BB962C8B-B14F-4D97-AF65-F5344CB8AC3E}">
+        <p14:creationId xmlns:p14="http://schemas.microsoft.com/office/powerpoint/2010/main" val="141927553"/>
+      </p:ext>
+    </p:extLst>
+  </p:cSld>
+  <p:clrMapOvr>
+    <a:masterClrMapping/>
+  </p:clrMapOvr>
+  <p:timing>
+    <p:tnLst>
+      <p:par>
+        <p:cTn id="1" dur="indefinite" restart="never" nodeType="tmRoot"/>
+      </p:par>
+    </p:tnLst>
+  </p:timing>
+</p:sld>
+</file>
+
+<file path=ppt/slides/slide55.xml><?xml version="1.0" encoding="utf-8"?>
+<p:sld xmlns:a="http://schemas.openxmlformats.org/drawingml/2006/main" xmlns:r="http://schemas.openxmlformats.org/officeDocument/2006/relationships" xmlns:p="http://schemas.openxmlformats.org/presentationml/2006/main">
+  <p:cSld>
+    <p:spTree>
+      <p:nvGrpSpPr>
+        <p:cNvPr id="1" name=""/>
+        <p:cNvGrpSpPr/>
+        <p:nvPr/>
+      </p:nvGrpSpPr>
+      <p:grpSpPr>
+        <a:xfrm>
+          <a:off x="0" y="0"/>
+          <a:ext cx="0" cy="0"/>
+          <a:chOff x="0" y="0"/>
+          <a:chExt cx="0" cy="0"/>
+        </a:xfrm>
+      </p:grpSpPr>
+      <p:sp>
+        <p:nvSpPr>
+          <p:cNvPr id="2" name="Title 1"/>
+          <p:cNvSpPr>
+            <a:spLocks noGrp="1"/>
+          </p:cNvSpPr>
+          <p:nvPr>
+            <p:ph type="title"/>
+          </p:nvPr>
+        </p:nvSpPr>
+        <p:spPr/>
+        <p:txBody>
+          <a:bodyPr/>
+          <a:lstStyle/>
+          <a:p>
+            <a:r>
+              <a:rPr lang="zh-CN" altLang="en-US" dirty="0" smtClean="0"/>
+              <a:t>求职辅导</a:t>
+            </a:r>
+            <a:endParaRPr lang="en-US" dirty="0"/>
+          </a:p>
+        </p:txBody>
+      </p:sp>
+      <p:sp>
+        <p:nvSpPr>
+          <p:cNvPr id="3" name="Content Placeholder 2"/>
+          <p:cNvSpPr>
+            <a:spLocks noGrp="1"/>
+          </p:cNvSpPr>
+          <p:nvPr>
+            <p:ph idx="1"/>
+          </p:nvPr>
+        </p:nvSpPr>
+        <p:spPr/>
+        <p:txBody>
+          <a:bodyPr/>
+          <a:lstStyle/>
+          <a:p>
+            <a:pPr lvl="0"/>
+            <a:r>
+              <a:rPr lang="zh-CN" altLang="en-US" dirty="0">
+                <a:effectLst/>
+              </a:rPr>
+              <a:t>电话面试辅导</a:t>
+            </a:r>
+            <a:endParaRPr lang="en-US" dirty="0">
+              <a:effectLst/>
+            </a:endParaRPr>
+          </a:p>
+          <a:p>
+            <a:pPr lvl="0"/>
+            <a:r>
+              <a:rPr lang="zh-CN" altLang="en-US" dirty="0">
+                <a:effectLst/>
+              </a:rPr>
+              <a:t>技术面试辅导</a:t>
+            </a:r>
+            <a:endParaRPr lang="en-US" dirty="0">
+              <a:effectLst/>
+            </a:endParaRPr>
+          </a:p>
+          <a:p>
+            <a:pPr lvl="0"/>
+            <a:r>
+              <a:rPr lang="en-US" dirty="0">
+                <a:effectLst/>
+              </a:rPr>
+              <a:t>Coding test</a:t>
+            </a:r>
+            <a:r>
+              <a:rPr lang="zh-CN" altLang="en-US" dirty="0">
+                <a:effectLst/>
+              </a:rPr>
+              <a:t>辅导</a:t>
+            </a:r>
+            <a:endParaRPr lang="en-US" dirty="0">
+              <a:effectLst/>
+            </a:endParaRPr>
+          </a:p>
+          <a:p>
+            <a:pPr lvl="0"/>
+            <a:r>
+              <a:rPr lang="zh-CN" altLang="en-US" dirty="0">
+                <a:effectLst/>
+              </a:rPr>
+              <a:t>简历</a:t>
+            </a:r>
+            <a:r>
+              <a:rPr lang="zh-CN" altLang="en-US" dirty="0" smtClean="0">
+                <a:effectLst/>
+              </a:rPr>
+              <a:t>修改</a:t>
+            </a:r>
+            <a:endParaRPr lang="en-US" dirty="0">
+              <a:effectLst/>
+            </a:endParaRPr>
+          </a:p>
+        </p:txBody>
+      </p:sp>
+    </p:spTree>
+    <p:extLst>
+      <p:ext uri="{BB962C8B-B14F-4D97-AF65-F5344CB8AC3E}">
+        <p14:creationId xmlns:p14="http://schemas.microsoft.com/office/powerpoint/2010/main" val="361378919"/>
+      </p:ext>
+    </p:extLst>
+  </p:cSld>
+  <p:clrMapOvr>
+    <a:masterClrMapping/>
+  </p:clrMapOvr>
+  <p:timing>
+    <p:tnLst>
+      <p:par>
+        <p:cTn id="1" dur="indefinite" restart="never" nodeType="tmRoot"/>
+      </p:par>
+    </p:tnLst>
+  </p:timing>
+</p:sld>
+</file>
+
+<file path=ppt/slides/slide56.xml><?xml version="1.0" encoding="utf-8"?>
+<p:sld xmlns:a="http://schemas.openxmlformats.org/drawingml/2006/main" xmlns:r="http://schemas.openxmlformats.org/officeDocument/2006/relationships" xmlns:p="http://schemas.openxmlformats.org/presentationml/2006/main">
+  <p:cSld>
+    <p:spTree>
+      <p:nvGrpSpPr>
+        <p:cNvPr id="1" name=""/>
+        <p:cNvGrpSpPr/>
+        <p:nvPr/>
+      </p:nvGrpSpPr>
+      <p:grpSpPr>
+        <a:xfrm>
+          <a:off x="0" y="0"/>
+          <a:ext cx="0" cy="0"/>
+          <a:chOff x="0" y="0"/>
+          <a:chExt cx="0" cy="0"/>
+        </a:xfrm>
+      </p:grpSpPr>
+      <p:sp>
+        <p:nvSpPr>
+          <p:cNvPr id="2" name="Title 1"/>
+          <p:cNvSpPr>
+            <a:spLocks noGrp="1"/>
+          </p:cNvSpPr>
+          <p:nvPr>
+            <p:ph type="title"/>
+          </p:nvPr>
+        </p:nvSpPr>
+        <p:spPr/>
+        <p:txBody>
+          <a:bodyPr/>
+          <a:lstStyle/>
+          <a:p>
+            <a:r>
+              <a:rPr lang="zh-CN" altLang="en-US" dirty="0" smtClean="0"/>
+              <a:t>电话面试</a:t>
+            </a:r>
+            <a:endParaRPr lang="en-US" dirty="0"/>
+          </a:p>
+        </p:txBody>
+      </p:sp>
+      <p:sp>
+        <p:nvSpPr>
+          <p:cNvPr id="3" name="Content Placeholder 2"/>
+          <p:cNvSpPr>
+            <a:spLocks noGrp="1"/>
+          </p:cNvSpPr>
+          <p:nvPr>
+            <p:ph idx="1"/>
+          </p:nvPr>
+        </p:nvSpPr>
+        <p:spPr/>
+        <p:txBody>
+          <a:bodyPr/>
+          <a:lstStyle/>
+          <a:p>
+            <a:r>
+              <a:rPr lang="en-US" altLang="zh-CN" dirty="0" smtClean="0"/>
+              <a:t>HR</a:t>
+            </a:r>
+            <a:r>
+              <a:rPr lang="zh-CN" altLang="en-US" dirty="0" smtClean="0"/>
+              <a:t>筛选简历的环节</a:t>
+            </a:r>
+            <a:endParaRPr lang="en-US" altLang="zh-CN" dirty="0" smtClean="0"/>
+          </a:p>
+          <a:p>
+            <a:r>
+              <a:rPr lang="en-US" altLang="zh-CN" dirty="0" err="1" smtClean="0"/>
+              <a:t>Hr</a:t>
+            </a:r>
+            <a:r>
+              <a:rPr lang="zh-CN" altLang="en-US" dirty="0" smtClean="0"/>
+              <a:t>基本什么也不懂</a:t>
+            </a:r>
+            <a:endParaRPr lang="en-US" altLang="zh-CN" dirty="0" smtClean="0"/>
+          </a:p>
+          <a:p>
+            <a:r>
+              <a:rPr lang="zh-CN" altLang="en-US" dirty="0" smtClean="0"/>
+              <a:t>适当夸大</a:t>
+            </a:r>
+            <a:endParaRPr lang="en-US" dirty="0"/>
+          </a:p>
+        </p:txBody>
+      </p:sp>
+    </p:spTree>
+    <p:extLst>
+      <p:ext uri="{BB962C8B-B14F-4D97-AF65-F5344CB8AC3E}">
+        <p14:creationId xmlns:p14="http://schemas.microsoft.com/office/powerpoint/2010/main" val="545071430"/>
+      </p:ext>
+    </p:extLst>
+  </p:cSld>
+  <p:clrMapOvr>
+    <a:masterClrMapping/>
+  </p:clrMapOvr>
+  <p:timing>
+    <p:tnLst>
+      <p:par>
+        <p:cTn id="1" dur="indefinite" restart="never" nodeType="tmRoot"/>
+      </p:par>
+    </p:tnLst>
+  </p:timing>
+</p:sld>
+</file>
+
+<file path=ppt/slides/slide57.xml><?xml version="1.0" encoding="utf-8"?>
+<p:sld xmlns:a="http://schemas.openxmlformats.org/drawingml/2006/main" xmlns:r="http://schemas.openxmlformats.org/officeDocument/2006/relationships" xmlns:p="http://schemas.openxmlformats.org/presentationml/2006/main">
+  <p:cSld>
+    <p:spTree>
+      <p:nvGrpSpPr>
+        <p:cNvPr id="1" name=""/>
+        <p:cNvGrpSpPr/>
+        <p:nvPr/>
+      </p:nvGrpSpPr>
+      <p:grpSpPr>
+        <a:xfrm>
+          <a:off x="0" y="0"/>
+          <a:ext cx="0" cy="0"/>
+          <a:chOff x="0" y="0"/>
+          <a:chExt cx="0" cy="0"/>
+        </a:xfrm>
+      </p:grpSpPr>
+      <p:sp>
+        <p:nvSpPr>
+          <p:cNvPr id="2" name="Title 1"/>
+          <p:cNvSpPr>
+            <a:spLocks noGrp="1"/>
+          </p:cNvSpPr>
+          <p:nvPr>
+            <p:ph type="title"/>
+          </p:nvPr>
+        </p:nvSpPr>
+        <p:spPr/>
+        <p:txBody>
+          <a:bodyPr/>
+          <a:lstStyle/>
+          <a:p>
+            <a:r>
+              <a:rPr lang="zh-CN" altLang="en-US" dirty="0" smtClean="0"/>
+              <a:t>技术面试</a:t>
+            </a:r>
+            <a:endParaRPr lang="en-US" dirty="0"/>
+          </a:p>
+        </p:txBody>
+      </p:sp>
+      <p:sp>
+        <p:nvSpPr>
+          <p:cNvPr id="3" name="Content Placeholder 2"/>
+          <p:cNvSpPr>
+            <a:spLocks noGrp="1"/>
+          </p:cNvSpPr>
+          <p:nvPr>
+            <p:ph idx="1"/>
+          </p:nvPr>
+        </p:nvSpPr>
+        <p:spPr/>
+        <p:txBody>
+          <a:bodyPr/>
+          <a:lstStyle/>
+          <a:p>
+            <a:r>
+              <a:rPr lang="en-US" altLang="zh-CN" dirty="0" smtClean="0"/>
+              <a:t>1</a:t>
+            </a:r>
+            <a:r>
+              <a:rPr lang="zh-CN" altLang="en-US" dirty="0" smtClean="0"/>
+              <a:t>， 反应要迅速</a:t>
+            </a:r>
+            <a:endParaRPr lang="en-US" altLang="zh-CN" dirty="0" smtClean="0"/>
+          </a:p>
+          <a:p>
+            <a:r>
+              <a:rPr lang="en-US" altLang="zh-CN" dirty="0" smtClean="0"/>
+              <a:t>2</a:t>
+            </a:r>
+            <a:r>
+              <a:rPr lang="zh-CN" altLang="en-US" dirty="0" smtClean="0"/>
+              <a:t>， 不会的问题要大胆承认，但是可以根据自己的见解说一下</a:t>
+            </a:r>
+            <a:endParaRPr lang="en-US" altLang="zh-CN" dirty="0" smtClean="0"/>
+          </a:p>
+          <a:p>
+            <a:r>
+              <a:rPr lang="en-US" altLang="zh-CN" dirty="0" smtClean="0"/>
+              <a:t>3</a:t>
+            </a:r>
+            <a:r>
+              <a:rPr lang="zh-CN" altLang="en-US" dirty="0" smtClean="0"/>
+              <a:t>， 基础知识最重要</a:t>
+            </a:r>
+            <a:endParaRPr lang="en-US" altLang="zh-CN" dirty="0" smtClean="0"/>
+          </a:p>
+          <a:p>
+            <a:r>
+              <a:rPr lang="en-US" altLang="zh-CN" dirty="0" smtClean="0"/>
+              <a:t>4</a:t>
+            </a:r>
+            <a:r>
+              <a:rPr lang="zh-CN" altLang="en-US" dirty="0" smtClean="0"/>
+              <a:t>， 刷</a:t>
+            </a:r>
+            <a:r>
+              <a:rPr lang="en-US" altLang="zh-CN" dirty="0" err="1" smtClean="0"/>
+              <a:t>Leetcode</a:t>
+            </a:r>
+            <a:endParaRPr lang="en-US" dirty="0"/>
+          </a:p>
+        </p:txBody>
+      </p:sp>
+    </p:spTree>
+    <p:extLst>
+      <p:ext uri="{BB962C8B-B14F-4D97-AF65-F5344CB8AC3E}">
+        <p14:creationId xmlns:p14="http://schemas.microsoft.com/office/powerpoint/2010/main" val="1408298898"/>
+      </p:ext>
+    </p:extLst>
+  </p:cSld>
+  <p:clrMapOvr>
+    <a:masterClrMapping/>
+  </p:clrMapOvr>
+  <p:timing>
+    <p:tnLst>
+      <p:par>
+        <p:cTn id="1" dur="indefinite" restart="never" nodeType="tmRoot"/>
+      </p:par>
+    </p:tnLst>
+  </p:timing>
+</p:sld>
+</file>
+
+<file path=ppt/slides/slide58.xml><?xml version="1.0" encoding="utf-8"?>
+<p:sld xmlns:a="http://schemas.openxmlformats.org/drawingml/2006/main" xmlns:r="http://schemas.openxmlformats.org/officeDocument/2006/relationships" xmlns:p="http://schemas.openxmlformats.org/presentationml/2006/main">
+  <p:cSld>
+    <p:spTree>
+      <p:nvGrpSpPr>
+        <p:cNvPr id="1" name=""/>
+        <p:cNvGrpSpPr/>
+        <p:nvPr/>
+      </p:nvGrpSpPr>
+      <p:grpSpPr>
+        <a:xfrm>
+          <a:off x="0" y="0"/>
+          <a:ext cx="0" cy="0"/>
+          <a:chOff x="0" y="0"/>
+          <a:chExt cx="0" cy="0"/>
+        </a:xfrm>
+      </p:grpSpPr>
+      <p:sp>
+        <p:nvSpPr>
+          <p:cNvPr id="2" name="Title 1"/>
+          <p:cNvSpPr>
+            <a:spLocks noGrp="1"/>
+          </p:cNvSpPr>
+          <p:nvPr>
+            <p:ph type="title"/>
+          </p:nvPr>
+        </p:nvSpPr>
+        <p:spPr/>
+        <p:txBody>
+          <a:bodyPr/>
+          <a:lstStyle/>
+          <a:p>
+            <a:r>
+              <a:rPr lang="en-US" altLang="zh-CN" dirty="0" smtClean="0"/>
               <a:t>Coding</a:t>
             </a:r>
             <a:r>
@@ -15950,7 +16732,7 @@
 </p:sld>
 </file>
 
-<file path=ppt/slides/slide55.xml><?xml version="1.0" encoding="utf-8"?>
+<file path=ppt/slides/slide59.xml><?xml version="1.0" encoding="utf-8"?>
 <p:sld xmlns:a="http://schemas.openxmlformats.org/drawingml/2006/main" xmlns:r="http://schemas.openxmlformats.org/officeDocument/2006/relationships" xmlns:p="http://schemas.openxmlformats.org/presentationml/2006/main">
   <p:cSld>
     <p:spTree>

--- a/前端课程.pptx
+++ b/前端课程.pptx
@@ -5,7 +5,7 @@
     <p:sldMasterId id="2147484229" r:id="rId1"/>
   </p:sldMasterIdLst>
   <p:notesMasterIdLst>
-    <p:notesMasterId r:id="rId61"/>
+    <p:notesMasterId r:id="rId62"/>
   </p:notesMasterIdLst>
   <p:sldIdLst>
     <p:sldId id="272" r:id="rId2"/>
@@ -40,33 +40,34 @@
     <p:sldId id="303" r:id="rId31"/>
     <p:sldId id="271" r:id="rId32"/>
     <p:sldId id="269" r:id="rId33"/>
-    <p:sldId id="273" r:id="rId34"/>
-    <p:sldId id="322" r:id="rId35"/>
-    <p:sldId id="276" r:id="rId36"/>
-    <p:sldId id="282" r:id="rId37"/>
-    <p:sldId id="284" r:id="rId38"/>
-    <p:sldId id="285" r:id="rId39"/>
-    <p:sldId id="286" r:id="rId40"/>
-    <p:sldId id="288" r:id="rId41"/>
-    <p:sldId id="277" r:id="rId42"/>
-    <p:sldId id="279" r:id="rId43"/>
-    <p:sldId id="278" r:id="rId44"/>
-    <p:sldId id="281" r:id="rId45"/>
-    <p:sldId id="287" r:id="rId46"/>
-    <p:sldId id="289" r:id="rId47"/>
-    <p:sldId id="295" r:id="rId48"/>
-    <p:sldId id="293" r:id="rId49"/>
-    <p:sldId id="291" r:id="rId50"/>
-    <p:sldId id="292" r:id="rId51"/>
-    <p:sldId id="290" r:id="rId52"/>
-    <p:sldId id="294" r:id="rId53"/>
-    <p:sldId id="298" r:id="rId54"/>
-    <p:sldId id="296" r:id="rId55"/>
-    <p:sldId id="297" r:id="rId56"/>
-    <p:sldId id="299" r:id="rId57"/>
-    <p:sldId id="300" r:id="rId58"/>
-    <p:sldId id="301" r:id="rId59"/>
-    <p:sldId id="302" r:id="rId60"/>
+    <p:sldId id="323" r:id="rId34"/>
+    <p:sldId id="273" r:id="rId35"/>
+    <p:sldId id="322" r:id="rId36"/>
+    <p:sldId id="276" r:id="rId37"/>
+    <p:sldId id="282" r:id="rId38"/>
+    <p:sldId id="284" r:id="rId39"/>
+    <p:sldId id="285" r:id="rId40"/>
+    <p:sldId id="286" r:id="rId41"/>
+    <p:sldId id="288" r:id="rId42"/>
+    <p:sldId id="277" r:id="rId43"/>
+    <p:sldId id="279" r:id="rId44"/>
+    <p:sldId id="278" r:id="rId45"/>
+    <p:sldId id="281" r:id="rId46"/>
+    <p:sldId id="287" r:id="rId47"/>
+    <p:sldId id="289" r:id="rId48"/>
+    <p:sldId id="295" r:id="rId49"/>
+    <p:sldId id="293" r:id="rId50"/>
+    <p:sldId id="291" r:id="rId51"/>
+    <p:sldId id="292" r:id="rId52"/>
+    <p:sldId id="290" r:id="rId53"/>
+    <p:sldId id="294" r:id="rId54"/>
+    <p:sldId id="298" r:id="rId55"/>
+    <p:sldId id="296" r:id="rId56"/>
+    <p:sldId id="297" r:id="rId57"/>
+    <p:sldId id="299" r:id="rId58"/>
+    <p:sldId id="300" r:id="rId59"/>
+    <p:sldId id="301" r:id="rId60"/>
+    <p:sldId id="302" r:id="rId61"/>
   </p:sldIdLst>
   <p:sldSz cx="12192000" cy="6858000"/>
   <p:notesSz cx="6858000" cy="9144000"/>
@@ -202,6 +203,7 @@
             <p14:sldId id="303"/>
             <p14:sldId id="271"/>
             <p14:sldId id="269"/>
+            <p14:sldId id="323"/>
             <p14:sldId id="273"/>
             <p14:sldId id="322"/>
             <p14:sldId id="276"/>
@@ -325,7 +327,7 @@
           <a:p>
             <a:fld id="{A75DC609-2A5E-994A-AEB9-E13728C46CDD}" type="datetimeFigureOut">
               <a:rPr lang="en-US" smtClean="0"/>
-              <a:t>7/5/18</a:t>
+              <a:t>7/8/18</a:t>
             </a:fld>
             <a:endParaRPr lang="en-US"/>
           </a:p>
@@ -1406,7 +1408,25 @@
             </a:r>
             <a:r>
               <a:rPr lang="en-US" dirty="0" err="1" smtClean="0"/>
-              <a:t>php-ajax-intro.html</a:t>
+              <a:t>php-ajax-intro.htm</a:t>
+            </a:r>
+            <a:endParaRPr lang="en-US" dirty="0" smtClean="0"/>
+          </a:p>
+          <a:p>
+            <a:endParaRPr lang="en-US" dirty="0" smtClean="0"/>
+          </a:p>
+          <a:p>
+            <a:r>
+              <a:rPr lang="en-US" dirty="0" smtClean="0"/>
+              <a:t>https://</a:t>
+            </a:r>
+            <a:r>
+              <a:rPr lang="en-US" dirty="0" err="1" smtClean="0"/>
+              <a:t>petstore.swagger.io</a:t>
+            </a:r>
+            <a:r>
+              <a:rPr lang="en-US" dirty="0" smtClean="0"/>
+              <a:t>/</a:t>
             </a:r>
             <a:endParaRPr lang="en-US" dirty="0"/>
           </a:p>
@@ -1718,11 +1738,7 @@
             </a:pPr>
             <a:r>
               <a:rPr lang="en-US" dirty="0" smtClean="0"/>
-              <a:t>https</a:t>
-            </a:r>
-            <a:r>
-              <a:rPr lang="en-US" dirty="0" smtClean="0"/>
-              <a:t>://</a:t>
+              <a:t>https://</a:t>
             </a:r>
             <a:r>
               <a:rPr lang="en-US" dirty="0" err="1" smtClean="0"/>
@@ -2010,7 +2026,7 @@
           <a:p>
             <a:fld id="{3A8071CD-55D8-0E40-9E87-5F5ADA6DF007}" type="slidenum">
               <a:rPr lang="en-US" smtClean="0"/>
-              <a:t>33</a:t>
+              <a:t>34</a:t>
             </a:fld>
             <a:endParaRPr lang="en-US"/>
           </a:p>
@@ -2129,7 +2145,7 @@
           <a:p>
             <a:fld id="{3A8071CD-55D8-0E40-9E87-5F5ADA6DF007}" type="slidenum">
               <a:rPr lang="en-US" smtClean="0"/>
-              <a:t>35</a:t>
+              <a:t>36</a:t>
             </a:fld>
             <a:endParaRPr lang="en-US"/>
           </a:p>
@@ -2257,7 +2273,7 @@
           <a:p>
             <a:fld id="{3A8071CD-55D8-0E40-9E87-5F5ADA6DF007}" type="slidenum">
               <a:rPr lang="en-US" smtClean="0"/>
-              <a:t>36</a:t>
+              <a:t>37</a:t>
             </a:fld>
             <a:endParaRPr lang="en-US"/>
           </a:p>
@@ -2341,7 +2357,7 @@
           <a:p>
             <a:fld id="{3A8071CD-55D8-0E40-9E87-5F5ADA6DF007}" type="slidenum">
               <a:rPr lang="en-US" smtClean="0"/>
-              <a:t>38</a:t>
+              <a:t>39</a:t>
             </a:fld>
             <a:endParaRPr lang="en-US"/>
           </a:p>
@@ -2445,7 +2461,7 @@
           <a:p>
             <a:fld id="{3A8071CD-55D8-0E40-9E87-5F5ADA6DF007}" type="slidenum">
               <a:rPr lang="en-US" smtClean="0"/>
-              <a:t>39</a:t>
+              <a:t>40</a:t>
             </a:fld>
             <a:endParaRPr lang="en-US"/>
           </a:p>
@@ -2557,7 +2573,7 @@
           <a:p>
             <a:fld id="{3A8071CD-55D8-0E40-9E87-5F5ADA6DF007}" type="slidenum">
               <a:rPr lang="en-US" smtClean="0"/>
-              <a:t>41</a:t>
+              <a:t>42</a:t>
             </a:fld>
             <a:endParaRPr lang="en-US"/>
           </a:p>
@@ -2703,7 +2719,7 @@
           <a:p>
             <a:fld id="{3A8071CD-55D8-0E40-9E87-5F5ADA6DF007}" type="slidenum">
               <a:rPr lang="en-US" smtClean="0"/>
-              <a:t>43</a:t>
+              <a:t>44</a:t>
             </a:fld>
             <a:endParaRPr lang="en-US"/>
           </a:p>
@@ -2822,7 +2838,7 @@
           <a:p>
             <a:fld id="{3A8071CD-55D8-0E40-9E87-5F5ADA6DF007}" type="slidenum">
               <a:rPr lang="en-US" smtClean="0"/>
-              <a:t>44</a:t>
+              <a:t>45</a:t>
             </a:fld>
             <a:endParaRPr lang="en-US"/>
           </a:p>
@@ -2918,7 +2934,7 @@
           <a:p>
             <a:fld id="{3A8071CD-55D8-0E40-9E87-5F5ADA6DF007}" type="slidenum">
               <a:rPr lang="en-US" smtClean="0"/>
-              <a:t>45</a:t>
+              <a:t>46</a:t>
             </a:fld>
             <a:endParaRPr lang="en-US"/>
           </a:p>
@@ -3036,7 +3052,7 @@
           <a:p>
             <a:fld id="{3A8071CD-55D8-0E40-9E87-5F5ADA6DF007}" type="slidenum">
               <a:rPr lang="en-US" smtClean="0"/>
-              <a:t>46</a:t>
+              <a:t>47</a:t>
             </a:fld>
             <a:endParaRPr lang="en-US"/>
           </a:p>
@@ -3262,7 +3278,7 @@
           <a:p>
             <a:fld id="{3A8071CD-55D8-0E40-9E87-5F5ADA6DF007}" type="slidenum">
               <a:rPr lang="en-US" smtClean="0"/>
-              <a:t>48</a:t>
+              <a:t>49</a:t>
             </a:fld>
             <a:endParaRPr lang="en-US"/>
           </a:p>
@@ -3372,7 +3388,7 @@
           <a:p>
             <a:fld id="{3A8071CD-55D8-0E40-9E87-5F5ADA6DF007}" type="slidenum">
               <a:rPr lang="en-US" smtClean="0"/>
-              <a:t>49</a:t>
+              <a:t>50</a:t>
             </a:fld>
             <a:endParaRPr lang="en-US"/>
           </a:p>
@@ -3456,7 +3472,7 @@
           <a:p>
             <a:fld id="{3A8071CD-55D8-0E40-9E87-5F5ADA6DF007}" type="slidenum">
               <a:rPr lang="en-US" smtClean="0"/>
-              <a:t>51</a:t>
+              <a:t>52</a:t>
             </a:fld>
             <a:endParaRPr lang="en-US"/>
           </a:p>
@@ -3540,7 +3556,7 @@
           <a:p>
             <a:fld id="{3A8071CD-55D8-0E40-9E87-5F5ADA6DF007}" type="slidenum">
               <a:rPr lang="en-US" smtClean="0"/>
-              <a:t>52</a:t>
+              <a:t>53</a:t>
             </a:fld>
             <a:endParaRPr lang="en-US"/>
           </a:p>
@@ -3655,7 +3671,7 @@
           <a:p>
             <a:fld id="{3A8071CD-55D8-0E40-9E87-5F5ADA6DF007}" type="slidenum">
               <a:rPr lang="en-US" smtClean="0"/>
-              <a:t>54</a:t>
+              <a:t>55</a:t>
             </a:fld>
             <a:endParaRPr lang="en-US"/>
           </a:p>
@@ -3763,7 +3779,7 @@
           <a:p>
             <a:fld id="{3A8071CD-55D8-0E40-9E87-5F5ADA6DF007}" type="slidenum">
               <a:rPr lang="en-US" smtClean="0"/>
-              <a:t>59</a:t>
+              <a:t>60</a:t>
             </a:fld>
             <a:endParaRPr lang="en-US"/>
           </a:p>
@@ -4586,7 +4602,7 @@
             <a:fld id="{B61BEF0D-F0BB-DE4B-95CE-6DB70DBA9567}" type="datetimeFigureOut">
               <a:rPr lang="en-US" smtClean="0"/>
               <a:pPr/>
-              <a:t>7/5/18</a:t>
+              <a:t>7/8/18</a:t>
             </a:fld>
             <a:endParaRPr lang="en-US" dirty="0"/>
           </a:p>
@@ -4860,7 +4876,7 @@
             <a:fld id="{B61BEF0D-F0BB-DE4B-95CE-6DB70DBA9567}" type="datetimeFigureOut">
               <a:rPr lang="en-US" smtClean="0"/>
               <a:pPr/>
-              <a:t>7/5/18</a:t>
+              <a:t>7/8/18</a:t>
             </a:fld>
             <a:endParaRPr lang="en-US" dirty="0"/>
           </a:p>
@@ -5093,7 +5109,7 @@
             <a:fld id="{B61BEF0D-F0BB-DE4B-95CE-6DB70DBA9567}" type="datetimeFigureOut">
               <a:rPr lang="en-US" smtClean="0"/>
               <a:pPr/>
-              <a:t>7/5/18</a:t>
+              <a:t>7/8/18</a:t>
             </a:fld>
             <a:endParaRPr lang="en-US" dirty="0"/>
           </a:p>
@@ -5405,7 +5421,7 @@
             <a:fld id="{B61BEF0D-F0BB-DE4B-95CE-6DB70DBA9567}" type="datetimeFigureOut">
               <a:rPr lang="en-US" smtClean="0"/>
               <a:pPr/>
-              <a:t>7/5/18</a:t>
+              <a:t>7/8/18</a:t>
             </a:fld>
             <a:endParaRPr lang="en-US" dirty="0"/>
           </a:p>
@@ -5880,7 +5896,7 @@
             <a:fld id="{B61BEF0D-F0BB-DE4B-95CE-6DB70DBA9567}" type="datetimeFigureOut">
               <a:rPr lang="en-US" smtClean="0"/>
               <a:pPr/>
-              <a:t>7/5/18</a:t>
+              <a:t>7/8/18</a:t>
             </a:fld>
             <a:endParaRPr lang="en-US" dirty="0"/>
           </a:p>
@@ -6429,7 +6445,7 @@
             <a:fld id="{B61BEF0D-F0BB-DE4B-95CE-6DB70DBA9567}" type="datetimeFigureOut">
               <a:rPr lang="en-US" smtClean="0"/>
               <a:pPr/>
-              <a:t>7/5/18</a:t>
+              <a:t>7/8/18</a:t>
             </a:fld>
             <a:endParaRPr lang="en-US" dirty="0"/>
           </a:p>
@@ -7205,7 +7221,7 @@
             <a:fld id="{B61BEF0D-F0BB-DE4B-95CE-6DB70DBA9567}" type="datetimeFigureOut">
               <a:rPr lang="en-US" smtClean="0"/>
               <a:pPr/>
-              <a:t>7/5/18</a:t>
+              <a:t>7/8/18</a:t>
             </a:fld>
             <a:endParaRPr lang="en-US" dirty="0"/>
           </a:p>
@@ -7382,7 +7398,7 @@
             <a:fld id="{B61BEF0D-F0BB-DE4B-95CE-6DB70DBA9567}" type="datetimeFigureOut">
               <a:rPr lang="en-US" smtClean="0"/>
               <a:pPr/>
-              <a:t>7/5/18</a:t>
+              <a:t>7/8/18</a:t>
             </a:fld>
             <a:endParaRPr lang="en-US" dirty="0"/>
           </a:p>
@@ -7607,7 +7623,7 @@
             <a:fld id="{B61BEF0D-F0BB-DE4B-95CE-6DB70DBA9567}" type="datetimeFigureOut">
               <a:rPr lang="en-US" smtClean="0"/>
               <a:pPr/>
-              <a:t>7/5/18</a:t>
+              <a:t>7/8/18</a:t>
             </a:fld>
             <a:endParaRPr lang="en-US" dirty="0"/>
           </a:p>
@@ -7794,7 +7810,7 @@
             <a:fld id="{B61BEF0D-F0BB-DE4B-95CE-6DB70DBA9567}" type="datetimeFigureOut">
               <a:rPr lang="en-US" smtClean="0"/>
               <a:pPr/>
-              <a:t>7/5/18</a:t>
+              <a:t>7/8/18</a:t>
             </a:fld>
             <a:endParaRPr lang="en-US" dirty="0"/>
           </a:p>
@@ -8085,7 +8101,7 @@
             <a:fld id="{B61BEF0D-F0BB-DE4B-95CE-6DB70DBA9567}" type="datetimeFigureOut">
               <a:rPr lang="en-US" smtClean="0"/>
               <a:pPr/>
-              <a:t>7/5/18</a:t>
+              <a:t>7/8/18</a:t>
             </a:fld>
             <a:endParaRPr lang="en-US" dirty="0"/>
           </a:p>
@@ -8334,7 +8350,7 @@
             <a:fld id="{B61BEF0D-F0BB-DE4B-95CE-6DB70DBA9567}" type="datetimeFigureOut">
               <a:rPr lang="en-US" smtClean="0"/>
               <a:pPr/>
-              <a:t>7/5/18</a:t>
+              <a:t>7/8/18</a:t>
             </a:fld>
             <a:endParaRPr lang="en-US" dirty="0"/>
           </a:p>
@@ -8720,7 +8736,7 @@
             <a:fld id="{B61BEF0D-F0BB-DE4B-95CE-6DB70DBA9567}" type="datetimeFigureOut">
               <a:rPr lang="en-US" smtClean="0"/>
               <a:pPr/>
-              <a:t>7/5/18</a:t>
+              <a:t>7/8/18</a:t>
             </a:fld>
             <a:endParaRPr lang="en-US" dirty="0"/>
           </a:p>
@@ -8845,7 +8861,7 @@
             <a:fld id="{B61BEF0D-F0BB-DE4B-95CE-6DB70DBA9567}" type="datetimeFigureOut">
               <a:rPr lang="en-US" smtClean="0"/>
               <a:pPr/>
-              <a:t>7/5/18</a:t>
+              <a:t>7/8/18</a:t>
             </a:fld>
             <a:endParaRPr lang="en-US" dirty="0"/>
           </a:p>
@@ -8942,7 +8958,7 @@
             <a:fld id="{B61BEF0D-F0BB-DE4B-95CE-6DB70DBA9567}" type="datetimeFigureOut">
               <a:rPr lang="en-US" smtClean="0"/>
               <a:pPr/>
-              <a:t>7/5/18</a:t>
+              <a:t>7/8/18</a:t>
             </a:fld>
             <a:endParaRPr lang="en-US" dirty="0"/>
           </a:p>
@@ -9198,7 +9214,7 @@
             <a:fld id="{B61BEF0D-F0BB-DE4B-95CE-6DB70DBA9567}" type="datetimeFigureOut">
               <a:rPr lang="en-US" smtClean="0"/>
               <a:pPr/>
-              <a:t>7/5/18</a:t>
+              <a:t>7/8/18</a:t>
             </a:fld>
             <a:endParaRPr lang="en-US" dirty="0"/>
           </a:p>
@@ -9462,7 +9478,7 @@
             <a:fld id="{B61BEF0D-F0BB-DE4B-95CE-6DB70DBA9567}" type="datetimeFigureOut">
               <a:rPr lang="en-US" smtClean="0"/>
               <a:pPr/>
-              <a:t>7/5/18</a:t>
+              <a:t>7/8/18</a:t>
             </a:fld>
             <a:endParaRPr lang="en-US" dirty="0"/>
           </a:p>
@@ -9707,7 +9723,7 @@
             <a:fld id="{B61BEF0D-F0BB-DE4B-95CE-6DB70DBA9567}" type="datetimeFigureOut">
               <a:rPr lang="en-US" smtClean="0"/>
               <a:pPr/>
-              <a:t>7/5/18</a:t>
+              <a:t>7/8/18</a:t>
             </a:fld>
             <a:endParaRPr lang="en-US" dirty="0"/>
           </a:p>
@@ -12259,6 +12275,13 @@
   <p:clrMapOvr>
     <a:masterClrMapping/>
   </p:clrMapOvr>
+  <p:timing>
+    <p:tnLst>
+      <p:par>
+        <p:cTn id="1" dur="indefinite" restart="never" nodeType="tmRoot"/>
+      </p:par>
+    </p:tnLst>
+  </p:timing>
 </p:sld>
 </file>
 
@@ -12721,11 +12744,7 @@
           <a:p>
             <a:r>
               <a:rPr lang="zh-CN" altLang="en-US" dirty="0" smtClean="0"/>
-              <a:t>课上</a:t>
-            </a:r>
-            <a:r>
-              <a:rPr lang="zh-CN" altLang="en-US" dirty="0" smtClean="0"/>
-              <a:t>作业</a:t>
+              <a:t>课上作业</a:t>
             </a:r>
             <a:endParaRPr lang="en-US" dirty="0"/>
           </a:p>
@@ -12768,11 +12787,7 @@
             </a:r>
             <a:r>
               <a:rPr lang="zh-CN" altLang="en-US" dirty="0" smtClean="0"/>
-              <a:t>请求，并且显示 </a:t>
-            </a:r>
-            <a:r>
-              <a:rPr lang="zh-CN" altLang="en-US" dirty="0" smtClean="0"/>
-              <a:t>（可以使用</a:t>
+              <a:t>请求，并且显示 （可以使用</a:t>
             </a:r>
             <a:r>
               <a:rPr lang="en-US" altLang="zh-CN" dirty="0" err="1" smtClean="0"/>
@@ -13034,6 +13049,110 @@
             <p:ph type="title"/>
           </p:nvPr>
         </p:nvSpPr>
+        <p:spPr/>
+        <p:txBody>
+          <a:bodyPr/>
+          <a:lstStyle/>
+          <a:p>
+            <a:r>
+              <a:rPr lang="en-US" dirty="0" smtClean="0"/>
+              <a:t> </a:t>
+            </a:r>
+            <a:r>
+              <a:rPr lang="zh-CN" altLang="en-US" dirty="0" smtClean="0"/>
+              <a:t>小作业</a:t>
+            </a:r>
+            <a:endParaRPr lang="en-US" dirty="0"/>
+          </a:p>
+        </p:txBody>
+      </p:sp>
+      <p:sp>
+        <p:nvSpPr>
+          <p:cNvPr id="3" name="Text Placeholder 2"/>
+          <p:cNvSpPr>
+            <a:spLocks noGrp="1"/>
+          </p:cNvSpPr>
+          <p:nvPr>
+            <p:ph type="body" idx="1"/>
+          </p:nvPr>
+        </p:nvSpPr>
+        <p:spPr/>
+        <p:txBody>
+          <a:bodyPr/>
+          <a:lstStyle/>
+          <a:p>
+            <a:r>
+              <a:rPr lang="en-US" altLang="zh-CN" dirty="0">
+                <a:hlinkClick r:id="rId2"/>
+              </a:rPr>
+              <a:t>https://randomuser.me</a:t>
+            </a:r>
+            <a:r>
+              <a:rPr lang="en-US" altLang="zh-CN" dirty="0" smtClean="0">
+                <a:hlinkClick r:id="rId2"/>
+              </a:rPr>
+              <a:t>/</a:t>
+            </a:r>
+            <a:r>
+              <a:rPr lang="zh-CN" altLang="en-US" dirty="0" smtClean="0"/>
+              <a:t> </a:t>
+            </a:r>
+            <a:r>
+              <a:rPr lang="en-US" altLang="zh-CN" dirty="0" smtClean="0"/>
+              <a:t>React </a:t>
+            </a:r>
+            <a:r>
+              <a:rPr lang="zh-CN" altLang="en-US" dirty="0" smtClean="0"/>
+              <a:t>重写 参照</a:t>
+            </a:r>
+            <a:r>
+              <a:rPr lang="en-US" altLang="zh-CN" dirty="0" smtClean="0"/>
+              <a:t>Demo2</a:t>
+            </a:r>
+            <a:endParaRPr lang="en-US" dirty="0"/>
+          </a:p>
+        </p:txBody>
+      </p:sp>
+    </p:spTree>
+    <p:extLst>
+      <p:ext uri="{BB962C8B-B14F-4D97-AF65-F5344CB8AC3E}">
+        <p14:creationId xmlns:p14="http://schemas.microsoft.com/office/powerpoint/2010/main" val="1436147163"/>
+      </p:ext>
+    </p:extLst>
+  </p:cSld>
+  <p:clrMapOvr>
+    <a:masterClrMapping/>
+  </p:clrMapOvr>
+</p:sld>
+</file>
+
+<file path=ppt/slides/slide34.xml><?xml version="1.0" encoding="utf-8"?>
+<p:sld xmlns:a="http://schemas.openxmlformats.org/drawingml/2006/main" xmlns:r="http://schemas.openxmlformats.org/officeDocument/2006/relationships" xmlns:p="http://schemas.openxmlformats.org/presentationml/2006/main">
+  <p:cSld>
+    <p:spTree>
+      <p:nvGrpSpPr>
+        <p:cNvPr id="1" name=""/>
+        <p:cNvGrpSpPr/>
+        <p:nvPr/>
+      </p:nvGrpSpPr>
+      <p:grpSpPr>
+        <a:xfrm>
+          <a:off x="0" y="0"/>
+          <a:ext cx="0" cy="0"/>
+          <a:chOff x="0" y="0"/>
+          <a:chExt cx="0" cy="0"/>
+        </a:xfrm>
+      </p:grpSpPr>
+      <p:sp>
+        <p:nvSpPr>
+          <p:cNvPr id="2" name="Title 1"/>
+          <p:cNvSpPr>
+            <a:spLocks noGrp="1"/>
+          </p:cNvSpPr>
+          <p:nvPr>
+            <p:ph type="title"/>
+          </p:nvPr>
+        </p:nvSpPr>
         <p:spPr>
           <a:xfrm>
             <a:off x="1751011" y="527281"/>
@@ -13176,98 +13295,6 @@
 </p:sld>
 </file>
 
-<file path=ppt/slides/slide34.xml><?xml version="1.0" encoding="utf-8"?>
-<p:sld xmlns:a="http://schemas.openxmlformats.org/drawingml/2006/main" xmlns:r="http://schemas.openxmlformats.org/officeDocument/2006/relationships" xmlns:p="http://schemas.openxmlformats.org/presentationml/2006/main">
-  <p:cSld>
-    <p:spTree>
-      <p:nvGrpSpPr>
-        <p:cNvPr id="1" name=""/>
-        <p:cNvGrpSpPr/>
-        <p:nvPr/>
-      </p:nvGrpSpPr>
-      <p:grpSpPr>
-        <a:xfrm>
-          <a:off x="0" y="0"/>
-          <a:ext cx="0" cy="0"/>
-          <a:chOff x="0" y="0"/>
-          <a:chExt cx="0" cy="0"/>
-        </a:xfrm>
-      </p:grpSpPr>
-      <p:sp>
-        <p:nvSpPr>
-          <p:cNvPr id="2" name="Title 1"/>
-          <p:cNvSpPr>
-            <a:spLocks noGrp="1"/>
-          </p:cNvSpPr>
-          <p:nvPr>
-            <p:ph type="title"/>
-          </p:nvPr>
-        </p:nvSpPr>
-        <p:spPr/>
-        <p:txBody>
-          <a:bodyPr/>
-          <a:lstStyle/>
-          <a:p>
-            <a:r>
-              <a:rPr lang="en-US" altLang="zh-CN" dirty="0" smtClean="0"/>
-              <a:t>React</a:t>
-            </a:r>
-            <a:r>
-              <a:rPr lang="zh-CN" altLang="en-US" dirty="0" smtClean="0"/>
-              <a:t> 作业</a:t>
-            </a:r>
-            <a:r>
-              <a:rPr lang="en-US" altLang="zh-CN" dirty="0" smtClean="0"/>
-              <a:t>1</a:t>
-            </a:r>
-            <a:endParaRPr lang="en-US" dirty="0"/>
-          </a:p>
-        </p:txBody>
-      </p:sp>
-      <p:sp>
-        <p:nvSpPr>
-          <p:cNvPr id="3" name="Text Placeholder 2"/>
-          <p:cNvSpPr>
-            <a:spLocks noGrp="1"/>
-          </p:cNvSpPr>
-          <p:nvPr>
-            <p:ph type="body" idx="1"/>
-          </p:nvPr>
-        </p:nvSpPr>
-        <p:spPr/>
-        <p:txBody>
-          <a:bodyPr/>
-          <a:lstStyle/>
-          <a:p>
-            <a:r>
-              <a:rPr lang="zh-CN" altLang="en-US" dirty="0" smtClean="0"/>
-              <a:t>自己搭建好一个</a:t>
-            </a:r>
-            <a:r>
-              <a:rPr lang="en-US" altLang="zh-CN" dirty="0" smtClean="0"/>
-              <a:t>React</a:t>
-            </a:r>
-            <a:r>
-              <a:rPr lang="zh-CN" altLang="en-US" dirty="0" smtClean="0"/>
-              <a:t>项目框架，并实现圣杯布局</a:t>
-            </a:r>
-            <a:endParaRPr lang="en-US" dirty="0"/>
-          </a:p>
-        </p:txBody>
-      </p:sp>
-    </p:spTree>
-    <p:extLst>
-      <p:ext uri="{BB962C8B-B14F-4D97-AF65-F5344CB8AC3E}">
-        <p14:creationId xmlns:p14="http://schemas.microsoft.com/office/powerpoint/2010/main" val="1410929711"/>
-      </p:ext>
-    </p:extLst>
-  </p:cSld>
-  <p:clrMapOvr>
-    <a:masterClrMapping/>
-  </p:clrMapOvr>
-</p:sld>
-</file>
-
 <file path=ppt/slides/slide35.xml><?xml version="1.0" encoding="utf-8"?>
 <p:sld xmlns:a="http://schemas.openxmlformats.org/drawingml/2006/main" xmlns:r="http://schemas.openxmlformats.org/officeDocument/2006/relationships" xmlns:p="http://schemas.openxmlformats.org/presentationml/2006/main">
   <p:cSld>
@@ -13306,7 +13333,11 @@
             </a:r>
             <a:r>
               <a:rPr lang="zh-CN" altLang="en-US" dirty="0" smtClean="0"/>
-              <a:t>项目实战</a:t>
+              <a:t> 作业</a:t>
+            </a:r>
+            <a:r>
+              <a:rPr lang="en-US" altLang="zh-CN" dirty="0" smtClean="0"/>
+              <a:t>1</a:t>
             </a:r>
             <a:endParaRPr lang="en-US" dirty="0"/>
           </a:p>
@@ -13329,15 +13360,15 @@
           <a:p>
             <a:r>
               <a:rPr lang="zh-CN" altLang="en-US" dirty="0" smtClean="0"/>
-              <a:t>实现官方教程</a:t>
+              <a:t>自己搭建好一个</a:t>
             </a:r>
             <a:r>
               <a:rPr lang="en-US" altLang="zh-CN" dirty="0" smtClean="0"/>
-              <a:t>-</a:t>
+              <a:t>React</a:t>
             </a:r>
             <a:r>
               <a:rPr lang="zh-CN" altLang="en-US" dirty="0" smtClean="0"/>
-              <a:t>井字棋</a:t>
+              <a:t>项目框架，并实现圣杯布局</a:t>
             </a:r>
             <a:endParaRPr lang="en-US" dirty="0"/>
           </a:p>
@@ -13346,20 +13377,13 @@
     </p:spTree>
     <p:extLst>
       <p:ext uri="{BB962C8B-B14F-4D97-AF65-F5344CB8AC3E}">
-        <p14:creationId xmlns:p14="http://schemas.microsoft.com/office/powerpoint/2010/main" val="1403310130"/>
+        <p14:creationId xmlns:p14="http://schemas.microsoft.com/office/powerpoint/2010/main" val="1410929711"/>
       </p:ext>
     </p:extLst>
   </p:cSld>
   <p:clrMapOvr>
     <a:masterClrMapping/>
   </p:clrMapOvr>
-  <p:timing>
-    <p:tnLst>
-      <p:par>
-        <p:cTn id="1" dur="indefinite" restart="never" nodeType="tmRoot"/>
-      </p:par>
-    </p:tnLst>
-  </p:timing>
 </p:sld>
 </file>
 
@@ -13396,12 +13420,12 @@
           <a:lstStyle/>
           <a:p>
             <a:r>
-              <a:rPr lang="en-US" altLang="zh-CN" dirty="0" err="1" smtClean="0"/>
-              <a:t>Redux</a:t>
+              <a:rPr lang="en-US" altLang="zh-CN" dirty="0" smtClean="0"/>
+              <a:t>React</a:t>
             </a:r>
             <a:r>
               <a:rPr lang="zh-CN" altLang="en-US" dirty="0" smtClean="0"/>
-              <a:t>入门</a:t>
+              <a:t>项目实战</a:t>
             </a:r>
             <a:endParaRPr lang="en-US" dirty="0"/>
           </a:p>
@@ -13423,8 +13447,16 @@
           <a:lstStyle/>
           <a:p>
             <a:r>
-              <a:rPr lang="en-US" dirty="0" smtClean="0"/>
-              <a:t>State Management Tool</a:t>
+              <a:rPr lang="zh-CN" altLang="en-US" dirty="0" smtClean="0"/>
+              <a:t>实现官方教程</a:t>
+            </a:r>
+            <a:r>
+              <a:rPr lang="en-US" altLang="zh-CN" dirty="0" smtClean="0"/>
+              <a:t>-</a:t>
+            </a:r>
+            <a:r>
+              <a:rPr lang="zh-CN" altLang="en-US" dirty="0" smtClean="0"/>
+              <a:t>井字棋</a:t>
             </a:r>
             <a:endParaRPr lang="en-US" dirty="0"/>
           </a:p>
@@ -13433,7 +13465,7 @@
     </p:spTree>
     <p:extLst>
       <p:ext uri="{BB962C8B-B14F-4D97-AF65-F5344CB8AC3E}">
-        <p14:creationId xmlns:p14="http://schemas.microsoft.com/office/powerpoint/2010/main" val="112265536"/>
+        <p14:creationId xmlns:p14="http://schemas.microsoft.com/office/powerpoint/2010/main" val="1403310130"/>
       </p:ext>
     </p:extLst>
   </p:cSld>
@@ -13483,6 +13515,93 @@
           <a:lstStyle/>
           <a:p>
             <a:r>
+              <a:rPr lang="en-US" altLang="zh-CN" dirty="0" err="1" smtClean="0"/>
+              <a:t>Redux</a:t>
+            </a:r>
+            <a:r>
+              <a:rPr lang="zh-CN" altLang="en-US" dirty="0" smtClean="0"/>
+              <a:t>入门</a:t>
+            </a:r>
+            <a:endParaRPr lang="en-US" dirty="0"/>
+          </a:p>
+        </p:txBody>
+      </p:sp>
+      <p:sp>
+        <p:nvSpPr>
+          <p:cNvPr id="3" name="Text Placeholder 2"/>
+          <p:cNvSpPr>
+            <a:spLocks noGrp="1"/>
+          </p:cNvSpPr>
+          <p:nvPr>
+            <p:ph type="body" idx="1"/>
+          </p:nvPr>
+        </p:nvSpPr>
+        <p:spPr/>
+        <p:txBody>
+          <a:bodyPr/>
+          <a:lstStyle/>
+          <a:p>
+            <a:r>
+              <a:rPr lang="en-US" dirty="0" smtClean="0"/>
+              <a:t>State Management Tool</a:t>
+            </a:r>
+            <a:endParaRPr lang="en-US" dirty="0"/>
+          </a:p>
+        </p:txBody>
+      </p:sp>
+    </p:spTree>
+    <p:extLst>
+      <p:ext uri="{BB962C8B-B14F-4D97-AF65-F5344CB8AC3E}">
+        <p14:creationId xmlns:p14="http://schemas.microsoft.com/office/powerpoint/2010/main" val="112265536"/>
+      </p:ext>
+    </p:extLst>
+  </p:cSld>
+  <p:clrMapOvr>
+    <a:masterClrMapping/>
+  </p:clrMapOvr>
+  <p:timing>
+    <p:tnLst>
+      <p:par>
+        <p:cTn id="1" dur="indefinite" restart="never" nodeType="tmRoot"/>
+      </p:par>
+    </p:tnLst>
+  </p:timing>
+</p:sld>
+</file>
+
+<file path=ppt/slides/slide38.xml><?xml version="1.0" encoding="utf-8"?>
+<p:sld xmlns:a="http://schemas.openxmlformats.org/drawingml/2006/main" xmlns:r="http://schemas.openxmlformats.org/officeDocument/2006/relationships" xmlns:p="http://schemas.openxmlformats.org/presentationml/2006/main">
+  <p:cSld>
+    <p:spTree>
+      <p:nvGrpSpPr>
+        <p:cNvPr id="1" name=""/>
+        <p:cNvGrpSpPr/>
+        <p:nvPr/>
+      </p:nvGrpSpPr>
+      <p:grpSpPr>
+        <a:xfrm>
+          <a:off x="0" y="0"/>
+          <a:ext cx="0" cy="0"/>
+          <a:chOff x="0" y="0"/>
+          <a:chExt cx="0" cy="0"/>
+        </a:xfrm>
+      </p:grpSpPr>
+      <p:sp>
+        <p:nvSpPr>
+          <p:cNvPr id="2" name="Title 1"/>
+          <p:cNvSpPr>
+            <a:spLocks noGrp="1"/>
+          </p:cNvSpPr>
+          <p:nvPr>
+            <p:ph type="title"/>
+          </p:nvPr>
+        </p:nvSpPr>
+        <p:spPr/>
+        <p:txBody>
+          <a:bodyPr/>
+          <a:lstStyle/>
+          <a:p>
+            <a:r>
               <a:rPr lang="en-US" dirty="0" err="1" smtClean="0"/>
               <a:t>Redux</a:t>
             </a:r>
@@ -13614,7 +13733,7 @@
 </p:sld>
 </file>
 
-<file path=ppt/slides/slide38.xml><?xml version="1.0" encoding="utf-8"?>
+<file path=ppt/slides/slide39.xml><?xml version="1.0" encoding="utf-8"?>
 <p:sld xmlns:a="http://schemas.openxmlformats.org/drawingml/2006/main" xmlns:r="http://schemas.openxmlformats.org/officeDocument/2006/relationships" xmlns:p="http://schemas.openxmlformats.org/presentationml/2006/main">
   <p:cSld>
     <p:spTree>
@@ -13704,127 +13823,6 @@
 </p:sld>
 </file>
 
-<file path=ppt/slides/slide39.xml><?xml version="1.0" encoding="utf-8"?>
-<p:sld xmlns:a="http://schemas.openxmlformats.org/drawingml/2006/main" xmlns:r="http://schemas.openxmlformats.org/officeDocument/2006/relationships" xmlns:p="http://schemas.openxmlformats.org/presentationml/2006/main">
-  <p:cSld>
-    <p:spTree>
-      <p:nvGrpSpPr>
-        <p:cNvPr id="1" name=""/>
-        <p:cNvGrpSpPr/>
-        <p:nvPr/>
-      </p:nvGrpSpPr>
-      <p:grpSpPr>
-        <a:xfrm>
-          <a:off x="0" y="0"/>
-          <a:ext cx="0" cy="0"/>
-          <a:chOff x="0" y="0"/>
-          <a:chExt cx="0" cy="0"/>
-        </a:xfrm>
-      </p:grpSpPr>
-      <p:sp>
-        <p:nvSpPr>
-          <p:cNvPr id="2" name="Title 1"/>
-          <p:cNvSpPr>
-            <a:spLocks noGrp="1"/>
-          </p:cNvSpPr>
-          <p:nvPr>
-            <p:ph type="title"/>
-          </p:nvPr>
-        </p:nvSpPr>
-        <p:spPr/>
-        <p:txBody>
-          <a:bodyPr/>
-          <a:lstStyle/>
-          <a:p>
-            <a:r>
-              <a:rPr lang="en-US" dirty="0" err="1" smtClean="0"/>
-              <a:t>Dva</a:t>
-            </a:r>
-            <a:endParaRPr lang="en-US" dirty="0"/>
-          </a:p>
-        </p:txBody>
-      </p:sp>
-      <p:sp>
-        <p:nvSpPr>
-          <p:cNvPr id="3" name="Text Placeholder 2"/>
-          <p:cNvSpPr>
-            <a:spLocks noGrp="1"/>
-          </p:cNvSpPr>
-          <p:nvPr>
-            <p:ph type="body" idx="1"/>
-          </p:nvPr>
-        </p:nvSpPr>
-        <p:spPr/>
-        <p:txBody>
-          <a:bodyPr/>
-          <a:lstStyle/>
-          <a:p>
-            <a:r>
-              <a:rPr lang="zh-CN" altLang="en-US" dirty="0" smtClean="0"/>
-              <a:t>阿里对</a:t>
-            </a:r>
-            <a:r>
-              <a:rPr lang="en-US" altLang="zh-CN" dirty="0" err="1" smtClean="0"/>
-              <a:t>Redux</a:t>
-            </a:r>
-            <a:r>
-              <a:rPr lang="zh-CN" altLang="en-US" dirty="0" smtClean="0"/>
-              <a:t>的封装</a:t>
-            </a:r>
-            <a:endParaRPr lang="en-US" altLang="zh-CN" dirty="0" smtClean="0"/>
-          </a:p>
-          <a:p>
-            <a:r>
-              <a:rPr lang="en-US" dirty="0"/>
-              <a:t>https://</a:t>
-            </a:r>
-            <a:r>
-              <a:rPr lang="en-US" dirty="0" err="1"/>
-              <a:t>github.com</a:t>
-            </a:r>
-            <a:r>
-              <a:rPr lang="en-US" dirty="0"/>
-              <a:t>/</a:t>
-            </a:r>
-            <a:r>
-              <a:rPr lang="en-US" dirty="0" err="1"/>
-              <a:t>dvajs</a:t>
-            </a:r>
-            <a:r>
-              <a:rPr lang="en-US" dirty="0"/>
-              <a:t>/</a:t>
-            </a:r>
-            <a:r>
-              <a:rPr lang="en-US" dirty="0" err="1"/>
-              <a:t>dva</a:t>
-            </a:r>
-            <a:r>
-              <a:rPr lang="en-US" dirty="0"/>
-              <a:t>-cli</a:t>
-            </a:r>
-          </a:p>
-        </p:txBody>
-      </p:sp>
-    </p:spTree>
-    <p:extLst>
-      <p:ext uri="{BB962C8B-B14F-4D97-AF65-F5344CB8AC3E}">
-        <p14:creationId xmlns:p14="http://schemas.microsoft.com/office/powerpoint/2010/main" val="1784386784"/>
-      </p:ext>
-    </p:extLst>
-  </p:cSld>
-  <p:clrMapOvr>
-    <a:masterClrMapping/>
-  </p:clrMapOvr>
-  <p:timing>
-    <p:tnLst>
-      <p:par>
-        <p:cTn id="1" dur="indefinite" restart="never" nodeType="tmRoot"/>
-      </p:par>
-    </p:tnLst>
-  </p:timing>
-</p:sld>
-</file>
-
 <file path=ppt/slides/slide4.xml><?xml version="1.0" encoding="utf-8"?>
 <p:sld xmlns:a="http://schemas.openxmlformats.org/drawingml/2006/main" xmlns:r="http://schemas.openxmlformats.org/officeDocument/2006/relationships" xmlns:p="http://schemas.openxmlformats.org/presentationml/2006/main">
   <p:cSld>
@@ -14006,54 +14004,91 @@
           <a:lstStyle/>
           <a:p>
             <a:r>
+              <a:rPr lang="en-US" dirty="0" err="1" smtClean="0"/>
+              <a:t>Dva</a:t>
+            </a:r>
+            <a:endParaRPr lang="en-US" dirty="0"/>
+          </a:p>
+        </p:txBody>
+      </p:sp>
+      <p:sp>
+        <p:nvSpPr>
+          <p:cNvPr id="3" name="Text Placeholder 2"/>
+          <p:cNvSpPr>
+            <a:spLocks noGrp="1"/>
+          </p:cNvSpPr>
+          <p:nvPr>
+            <p:ph type="body" idx="1"/>
+          </p:nvPr>
+        </p:nvSpPr>
+        <p:spPr/>
+        <p:txBody>
+          <a:bodyPr/>
+          <a:lstStyle/>
+          <a:p>
+            <a:r>
               <a:rPr lang="zh-CN" altLang="en-US" dirty="0" smtClean="0"/>
-              <a:t>基于</a:t>
-            </a:r>
-            <a:r>
-              <a:rPr lang="en-US" altLang="zh-CN" dirty="0" smtClean="0"/>
-              <a:t>DVA</a:t>
+              <a:t>阿里对</a:t>
+            </a:r>
+            <a:r>
+              <a:rPr lang="en-US" altLang="zh-CN" dirty="0" err="1" smtClean="0"/>
+              <a:t>Redux</a:t>
             </a:r>
             <a:r>
               <a:rPr lang="zh-CN" altLang="en-US" dirty="0" smtClean="0"/>
-              <a:t>的项目实例</a:t>
-            </a:r>
-            <a:endParaRPr lang="en-US" dirty="0"/>
-          </a:p>
-        </p:txBody>
-      </p:sp>
-      <p:sp>
-        <p:nvSpPr>
-          <p:cNvPr id="3" name="Text Placeholder 2"/>
-          <p:cNvSpPr>
-            <a:spLocks noGrp="1"/>
-          </p:cNvSpPr>
-          <p:nvPr>
-            <p:ph type="body" idx="1"/>
-          </p:nvPr>
-        </p:nvSpPr>
-        <p:spPr/>
-        <p:txBody>
-          <a:bodyPr/>
-          <a:lstStyle/>
-          <a:p>
-            <a:r>
-              <a:rPr lang="zh-CN" altLang="en-US" dirty="0" smtClean="0"/>
-              <a:t>获取模拟用户</a:t>
-            </a:r>
-            <a:endParaRPr lang="en-US" dirty="0"/>
+              <a:t>的封装</a:t>
+            </a:r>
+            <a:endParaRPr lang="en-US" altLang="zh-CN" dirty="0" smtClean="0"/>
+          </a:p>
+          <a:p>
+            <a:r>
+              <a:rPr lang="en-US" dirty="0"/>
+              <a:t>https://</a:t>
+            </a:r>
+            <a:r>
+              <a:rPr lang="en-US" dirty="0" err="1"/>
+              <a:t>github.com</a:t>
+            </a:r>
+            <a:r>
+              <a:rPr lang="en-US" dirty="0"/>
+              <a:t>/</a:t>
+            </a:r>
+            <a:r>
+              <a:rPr lang="en-US" dirty="0" err="1"/>
+              <a:t>dvajs</a:t>
+            </a:r>
+            <a:r>
+              <a:rPr lang="en-US" dirty="0"/>
+              <a:t>/</a:t>
+            </a:r>
+            <a:r>
+              <a:rPr lang="en-US" dirty="0" err="1"/>
+              <a:t>dva</a:t>
+            </a:r>
+            <a:r>
+              <a:rPr lang="en-US" dirty="0"/>
+              <a:t>-cli</a:t>
+            </a:r>
           </a:p>
         </p:txBody>
       </p:sp>
     </p:spTree>
     <p:extLst>
       <p:ext uri="{BB962C8B-B14F-4D97-AF65-F5344CB8AC3E}">
-        <p14:creationId xmlns:p14="http://schemas.microsoft.com/office/powerpoint/2010/main" val="977823030"/>
+        <p14:creationId xmlns:p14="http://schemas.microsoft.com/office/powerpoint/2010/main" val="1784386784"/>
       </p:ext>
     </p:extLst>
   </p:cSld>
   <p:clrMapOvr>
     <a:masterClrMapping/>
   </p:clrMapOvr>
+  <p:timing>
+    <p:tnLst>
+      <p:par>
+        <p:cTn id="1" dur="indefinite" restart="never" nodeType="tmRoot"/>
+      </p:par>
+    </p:tnLst>
+  </p:timing>
 </p:sld>
 </file>
 
@@ -14090,12 +14125,16 @@
           <a:lstStyle/>
           <a:p>
             <a:r>
-              <a:rPr lang="en-US" dirty="0" err="1" smtClean="0"/>
-              <a:t>Anuglar</a:t>
-            </a:r>
-            <a:r>
-              <a:rPr lang="en-US" dirty="0" smtClean="0"/>
-              <a:t> Tutorial</a:t>
+              <a:rPr lang="zh-CN" altLang="en-US" dirty="0" smtClean="0"/>
+              <a:t>基于</a:t>
+            </a:r>
+            <a:r>
+              <a:rPr lang="en-US" altLang="zh-CN" dirty="0" smtClean="0"/>
+              <a:t>DVA</a:t>
+            </a:r>
+            <a:r>
+              <a:rPr lang="zh-CN" altLang="en-US" dirty="0" smtClean="0"/>
+              <a:t>的项目实例</a:t>
             </a:r>
             <a:endParaRPr lang="en-US" dirty="0"/>
           </a:p>
@@ -14117,52 +14156,23 @@
           <a:lstStyle/>
           <a:p>
             <a:r>
-              <a:rPr lang="en-US" dirty="0">
-                <a:hlinkClick r:id="rId3"/>
-              </a:rPr>
-              <a:t>https://</a:t>
-            </a:r>
-            <a:r>
-              <a:rPr lang="en-US" dirty="0" smtClean="0">
-                <a:hlinkClick r:id="rId3"/>
-              </a:rPr>
-              <a:t>angular.io/tutorial</a:t>
-            </a:r>
-            <a:endParaRPr lang="en-US" dirty="0" smtClean="0"/>
-          </a:p>
-          <a:p>
-            <a:r>
-              <a:rPr lang="en-US" dirty="0"/>
-              <a:t>https://</a:t>
-            </a:r>
-            <a:r>
-              <a:rPr lang="en-US" dirty="0" err="1"/>
-              <a:t>docs.angularjs.org</a:t>
-            </a:r>
-            <a:r>
-              <a:rPr lang="en-US" dirty="0"/>
-              <a:t>/tutorial</a:t>
-            </a:r>
+              <a:rPr lang="zh-CN" altLang="en-US" dirty="0" smtClean="0"/>
+              <a:t>获取模拟用户</a:t>
+            </a:r>
+            <a:endParaRPr lang="en-US" dirty="0"/>
           </a:p>
         </p:txBody>
       </p:sp>
     </p:spTree>
     <p:extLst>
       <p:ext uri="{BB962C8B-B14F-4D97-AF65-F5344CB8AC3E}">
-        <p14:creationId xmlns:p14="http://schemas.microsoft.com/office/powerpoint/2010/main" val="2098117636"/>
+        <p14:creationId xmlns:p14="http://schemas.microsoft.com/office/powerpoint/2010/main" val="977823030"/>
       </p:ext>
     </p:extLst>
   </p:cSld>
   <p:clrMapOvr>
     <a:masterClrMapping/>
   </p:clrMapOvr>
-  <p:timing>
-    <p:tnLst>
-      <p:par>
-        <p:cTn id="1" dur="indefinite" restart="never" nodeType="tmRoot"/>
-      </p:par>
-    </p:tnLst>
-  </p:timing>
 </p:sld>
 </file>
 
@@ -14199,16 +14209,12 @@
           <a:lstStyle/>
           <a:p>
             <a:r>
-              <a:rPr lang="zh-CN" altLang="en-US" dirty="0" smtClean="0"/>
-              <a:t>与</a:t>
-            </a:r>
-            <a:r>
-              <a:rPr lang="en-US" altLang="zh-CN" dirty="0" smtClean="0"/>
-              <a:t>React</a:t>
-            </a:r>
-            <a:r>
-              <a:rPr lang="zh-CN" altLang="en-US" dirty="0" smtClean="0"/>
-              <a:t>的区别</a:t>
+              <a:rPr lang="en-US" dirty="0" err="1" smtClean="0"/>
+              <a:t>Anuglar</a:t>
+            </a:r>
+            <a:r>
+              <a:rPr lang="en-US" dirty="0" smtClean="0"/>
+              <a:t> Tutorial</a:t>
             </a:r>
             <a:endParaRPr lang="en-US" dirty="0"/>
           </a:p>
@@ -14224,72 +14230,45 @@
             <p:ph type="body" idx="1"/>
           </p:nvPr>
         </p:nvSpPr>
-        <p:spPr>
-          <a:xfrm>
-            <a:off x="1751011" y="4777381"/>
-            <a:ext cx="8686801" cy="1344450"/>
-          </a:xfrm>
-        </p:spPr>
-        <p:txBody>
-          <a:bodyPr>
-            <a:normAutofit/>
-          </a:bodyPr>
-          <a:lstStyle/>
-          <a:p>
-            <a:pPr marL="457200" indent="-457200">
-              <a:buAutoNum type="arabicPeriod"/>
-            </a:pPr>
-            <a:r>
-              <a:rPr lang="zh-CN" altLang="en-US" dirty="0" smtClean="0"/>
-              <a:t>保留</a:t>
-            </a:r>
-            <a:r>
-              <a:rPr lang="en-US" altLang="zh-CN" dirty="0" smtClean="0"/>
-              <a:t>HTML</a:t>
-            </a:r>
-            <a:r>
-              <a:rPr lang="zh-CN" altLang="en-US" dirty="0" smtClean="0"/>
-              <a:t>结构</a:t>
-            </a:r>
-            <a:endParaRPr lang="en-US" altLang="zh-CN" dirty="0" smtClean="0"/>
-          </a:p>
-          <a:p>
-            <a:pPr marL="457200" indent="-457200">
-              <a:buAutoNum type="arabicPeriod"/>
-            </a:pPr>
-            <a:r>
-              <a:rPr lang="en-US" altLang="zh-CN" dirty="0" smtClean="0"/>
-              <a:t>MVVM</a:t>
-            </a:r>
-          </a:p>
-          <a:p>
-            <a:pPr marL="457200" indent="-457200">
-              <a:buAutoNum type="arabicPeriod"/>
-            </a:pPr>
-            <a:r>
-              <a:rPr lang="zh-CN" altLang="en-US" dirty="0" smtClean="0"/>
-              <a:t>大而全，不只是</a:t>
-            </a:r>
-            <a:r>
-              <a:rPr lang="en-US" altLang="zh-CN" dirty="0" smtClean="0"/>
-              <a:t>UI</a:t>
-            </a:r>
-            <a:r>
-              <a:rPr lang="zh-CN" altLang="en-US" dirty="0" smtClean="0"/>
-              <a:t>库，规定好了</a:t>
-            </a:r>
-            <a:r>
-              <a:rPr lang="zh-CN" altLang="en-US" smtClean="0"/>
-              <a:t>最佳开发实践</a:t>
-            </a:r>
-            <a:endParaRPr lang="en-US" altLang="zh-CN" dirty="0" smtClean="0"/>
+        <p:spPr/>
+        <p:txBody>
+          <a:bodyPr/>
+          <a:lstStyle/>
+          <a:p>
+            <a:r>
+              <a:rPr lang="en-US" dirty="0">
+                <a:hlinkClick r:id="rId3"/>
+              </a:rPr>
+              <a:t>https://</a:t>
+            </a:r>
+            <a:r>
+              <a:rPr lang="en-US" dirty="0" smtClean="0">
+                <a:hlinkClick r:id="rId3"/>
+              </a:rPr>
+              <a:t>angular.io/tutorial</a:t>
+            </a:r>
+            <a:endParaRPr lang="en-US" dirty="0" smtClean="0"/>
+          </a:p>
+          <a:p>
+            <a:r>
+              <a:rPr lang="en-US" dirty="0"/>
+              <a:t>https://</a:t>
+            </a:r>
+            <a:r>
+              <a:rPr lang="en-US" dirty="0" err="1"/>
+              <a:t>docs.angularjs.org</a:t>
+            </a:r>
+            <a:r>
+              <a:rPr lang="en-US" dirty="0"/>
+              <a:t>/tutorial</a:t>
+            </a:r>
           </a:p>
         </p:txBody>
       </p:sp>
     </p:spTree>
     <p:extLst>
       <p:ext uri="{BB962C8B-B14F-4D97-AF65-F5344CB8AC3E}">
-        <p14:creationId xmlns:p14="http://schemas.microsoft.com/office/powerpoint/2010/main" val="137241654"/>
+        <p14:creationId xmlns:p14="http://schemas.microsoft.com/office/powerpoint/2010/main" val="2098117636"/>
       </p:ext>
     </p:extLst>
   </p:cSld>
@@ -14339,142 +14318,97 @@
           <a:lstStyle/>
           <a:p>
             <a:r>
+              <a:rPr lang="zh-CN" altLang="en-US" dirty="0" smtClean="0"/>
+              <a:t>与</a:t>
+            </a:r>
+            <a:r>
               <a:rPr lang="en-US" altLang="zh-CN" dirty="0" smtClean="0"/>
-              <a:t>Angular JS</a:t>
-            </a:r>
-            <a:endParaRPr lang="en-US" dirty="0"/>
-          </a:p>
-        </p:txBody>
-      </p:sp>
-      <p:sp>
-        <p:nvSpPr>
-          <p:cNvPr id="3" name="Content Placeholder 2"/>
-          <p:cNvSpPr>
-            <a:spLocks noGrp="1"/>
-          </p:cNvSpPr>
-          <p:nvPr>
-            <p:ph idx="1"/>
-          </p:nvPr>
-        </p:nvSpPr>
-        <p:spPr/>
-        <p:txBody>
-          <a:bodyPr/>
-          <a:lstStyle/>
-          <a:p>
-            <a:r>
-              <a:rPr lang="en-US" dirty="0" smtClean="0"/>
-              <a:t>Directive </a:t>
+              <a:t>React</a:t>
             </a:r>
             <a:r>
               <a:rPr lang="zh-CN" altLang="en-US" dirty="0" smtClean="0"/>
-              <a:t>指令</a:t>
+              <a:t>的区别</a:t>
+            </a:r>
+            <a:endParaRPr lang="en-US" dirty="0"/>
+          </a:p>
+        </p:txBody>
+      </p:sp>
+      <p:sp>
+        <p:nvSpPr>
+          <p:cNvPr id="3" name="Text Placeholder 2"/>
+          <p:cNvSpPr>
+            <a:spLocks noGrp="1"/>
+          </p:cNvSpPr>
+          <p:nvPr>
+            <p:ph type="body" idx="1"/>
+          </p:nvPr>
+        </p:nvSpPr>
+        <p:spPr>
+          <a:xfrm>
+            <a:off x="1751011" y="4777381"/>
+            <a:ext cx="8686801" cy="1344450"/>
+          </a:xfrm>
+        </p:spPr>
+        <p:txBody>
+          <a:bodyPr>
+            <a:normAutofit/>
+          </a:bodyPr>
+          <a:lstStyle/>
+          <a:p>
+            <a:pPr marL="457200" indent="-457200">
+              <a:buAutoNum type="arabicPeriod"/>
+            </a:pPr>
+            <a:r>
+              <a:rPr lang="zh-CN" altLang="en-US" dirty="0" smtClean="0"/>
+              <a:t>保留</a:t>
+            </a:r>
+            <a:r>
+              <a:rPr lang="en-US" altLang="zh-CN" dirty="0" smtClean="0"/>
+              <a:t>HTML</a:t>
+            </a:r>
+            <a:r>
+              <a:rPr lang="zh-CN" altLang="en-US" dirty="0" smtClean="0"/>
+              <a:t>结构</a:t>
             </a:r>
             <a:endParaRPr lang="en-US" altLang="zh-CN" dirty="0" smtClean="0"/>
           </a:p>
           <a:p>
-            <a:r>
-              <a:rPr lang="en-US" dirty="0" smtClean="0">
-                <a:effectLst/>
-              </a:rPr>
-              <a:t>Module</a:t>
-            </a:r>
-            <a:r>
-              <a:rPr lang="zh-CN" altLang="en-US" dirty="0" smtClean="0">
-                <a:effectLst/>
-              </a:rPr>
-              <a:t> 模块</a:t>
-            </a:r>
-            <a:endParaRPr lang="en-US" dirty="0" smtClean="0"/>
-          </a:p>
-          <a:p>
+            <a:pPr marL="457200" indent="-457200">
+              <a:buAutoNum type="arabicPeriod"/>
+            </a:pPr>
             <a:r>
               <a:rPr lang="en-US" altLang="zh-CN" dirty="0" smtClean="0"/>
-              <a:t>Component</a:t>
-            </a:r>
+              <a:t>MVVM</a:t>
+            </a:r>
+          </a:p>
+          <a:p>
+            <a:pPr marL="457200" indent="-457200">
+              <a:buAutoNum type="arabicPeriod"/>
+            </a:pPr>
             <a:r>
               <a:rPr lang="zh-CN" altLang="en-US" dirty="0" smtClean="0"/>
-              <a:t> 组件</a:t>
-            </a:r>
-            <a:endParaRPr lang="en-US" dirty="0" smtClean="0"/>
-          </a:p>
-          <a:p>
-            <a:r>
-              <a:rPr lang="en-US" dirty="0" smtClean="0"/>
-              <a:t>Provider(Service, factory)</a:t>
-            </a:r>
-          </a:p>
-          <a:p>
-            <a:r>
-              <a:rPr lang="en-US" dirty="0">
-                <a:effectLst/>
-              </a:rPr>
-              <a:t>Dependency </a:t>
-            </a:r>
-            <a:r>
-              <a:rPr lang="en-US" dirty="0" smtClean="0">
-                <a:effectLst/>
-              </a:rPr>
-              <a:t>Injection </a:t>
-            </a:r>
-            <a:r>
-              <a:rPr lang="zh-CN" altLang="en-US" dirty="0" smtClean="0">
-                <a:effectLst/>
-              </a:rPr>
-              <a:t>依赖注入</a:t>
-            </a:r>
-            <a:endParaRPr lang="en-US" altLang="zh-CN" dirty="0" smtClean="0">
-              <a:effectLst/>
-            </a:endParaRPr>
-          </a:p>
-          <a:p>
-            <a:r>
-              <a:rPr lang="en-US" altLang="zh-CN" dirty="0" smtClean="0">
-                <a:effectLst/>
-              </a:rPr>
-              <a:t>Controller</a:t>
-            </a:r>
-            <a:r>
-              <a:rPr lang="zh-CN" altLang="en-US" dirty="0" smtClean="0">
-                <a:effectLst/>
-              </a:rPr>
-              <a:t> 控制器</a:t>
-            </a:r>
-            <a:endParaRPr lang="en-US" altLang="zh-CN" dirty="0" smtClean="0">
-              <a:effectLst/>
-            </a:endParaRPr>
-          </a:p>
-          <a:p>
-            <a:endParaRPr lang="en-US" dirty="0"/>
-          </a:p>
-        </p:txBody>
-      </p:sp>
-      <p:sp>
-        <p:nvSpPr>
-          <p:cNvPr id="4" name="Text Placeholder 3"/>
-          <p:cNvSpPr>
-            <a:spLocks noGrp="1"/>
-          </p:cNvSpPr>
-          <p:nvPr>
-            <p:ph type="body" sz="half" idx="2"/>
-          </p:nvPr>
-        </p:nvSpPr>
-        <p:spPr/>
-        <p:txBody>
-          <a:bodyPr/>
-          <a:lstStyle/>
-          <a:p>
+              <a:t>大而全，不只是</a:t>
+            </a:r>
+            <a:r>
+              <a:rPr lang="en-US" altLang="zh-CN" dirty="0" smtClean="0"/>
+              <a:t>UI</a:t>
+            </a:r>
             <a:r>
               <a:rPr lang="zh-CN" altLang="en-US" dirty="0" smtClean="0"/>
-              <a:t>知识简介</a:t>
-            </a:r>
-            <a:endParaRPr lang="en-US" dirty="0"/>
+              <a:t>库，规定好了</a:t>
+            </a:r>
+            <a:r>
+              <a:rPr lang="zh-CN" altLang="en-US" smtClean="0"/>
+              <a:t>最佳开发实践</a:t>
+            </a:r>
+            <a:endParaRPr lang="en-US" altLang="zh-CN" dirty="0" smtClean="0"/>
           </a:p>
         </p:txBody>
       </p:sp>
     </p:spTree>
     <p:extLst>
       <p:ext uri="{BB962C8B-B14F-4D97-AF65-F5344CB8AC3E}">
-        <p14:creationId xmlns:p14="http://schemas.microsoft.com/office/powerpoint/2010/main" val="1326356102"/>
+        <p14:creationId xmlns:p14="http://schemas.microsoft.com/office/powerpoint/2010/main" val="137241654"/>
       </p:ext>
     </p:extLst>
   </p:cSld>
@@ -14524,39 +14458,133 @@
           <a:lstStyle/>
           <a:p>
             <a:r>
-              <a:rPr lang="en-US" altLang="zh-CN" dirty="0" err="1" smtClean="0"/>
-              <a:t>AngularJS</a:t>
+              <a:rPr lang="en-US" altLang="zh-CN" dirty="0" smtClean="0"/>
+              <a:t>Angular JS</a:t>
+            </a:r>
+            <a:endParaRPr lang="en-US" dirty="0"/>
+          </a:p>
+        </p:txBody>
+      </p:sp>
+      <p:sp>
+        <p:nvSpPr>
+          <p:cNvPr id="3" name="Content Placeholder 2"/>
+          <p:cNvSpPr>
+            <a:spLocks noGrp="1"/>
+          </p:cNvSpPr>
+          <p:nvPr>
+            <p:ph idx="1"/>
+          </p:nvPr>
+        </p:nvSpPr>
+        <p:spPr/>
+        <p:txBody>
+          <a:bodyPr/>
+          <a:lstStyle/>
+          <a:p>
+            <a:r>
+              <a:rPr lang="en-US" dirty="0" smtClean="0"/>
+              <a:t>Directive </a:t>
             </a:r>
             <a:r>
               <a:rPr lang="zh-CN" altLang="en-US" dirty="0" smtClean="0"/>
-              <a:t>项目实战</a:t>
-            </a:r>
-            <a:endParaRPr lang="en-US" dirty="0"/>
-          </a:p>
-        </p:txBody>
-      </p:sp>
-      <p:sp>
-        <p:nvSpPr>
-          <p:cNvPr id="3" name="Text Placeholder 2"/>
-          <p:cNvSpPr>
-            <a:spLocks noGrp="1"/>
-          </p:cNvSpPr>
-          <p:nvPr>
-            <p:ph type="body" idx="1"/>
-          </p:nvPr>
-        </p:nvSpPr>
-        <p:spPr/>
-        <p:txBody>
-          <a:bodyPr/>
-          <a:lstStyle/>
-          <a:p>
-            <a:r>
-              <a:rPr lang="en-US" altLang="zh-CN" dirty="0" err="1" smtClean="0"/>
-              <a:t>Todo</a:t>
-            </a:r>
+              <a:t>指令</a:t>
+            </a:r>
+            <a:endParaRPr lang="en-US" altLang="zh-CN" dirty="0" smtClean="0"/>
+          </a:p>
+          <a:p>
+            <a:r>
+              <a:rPr lang="en-US" dirty="0" smtClean="0">
+                <a:effectLst/>
+              </a:rPr>
+              <a:t>Module</a:t>
+            </a:r>
+            <a:r>
+              <a:rPr lang="zh-CN" altLang="en-US" dirty="0" smtClean="0">
+                <a:effectLst/>
+              </a:rPr>
+              <a:t> 模块</a:t>
+            </a:r>
+            <a:endParaRPr lang="en-US" dirty="0" smtClean="0"/>
+          </a:p>
+          <a:p>
             <a:r>
               <a:rPr lang="en-US" altLang="zh-CN" dirty="0" smtClean="0"/>
-              <a:t> List</a:t>
+              <a:t>Component</a:t>
+            </a:r>
+            <a:r>
+              <a:rPr lang="zh-CN" altLang="en-US" dirty="0" smtClean="0"/>
+              <a:t> 组件</a:t>
+            </a:r>
+            <a:endParaRPr lang="en-US" dirty="0" smtClean="0"/>
+          </a:p>
+          <a:p>
+            <a:r>
+              <a:rPr lang="en-US" dirty="0" smtClean="0"/>
+              <a:t>Provider(Service, factory)</a:t>
+            </a:r>
+          </a:p>
+          <a:p>
+            <a:r>
+              <a:rPr lang="en-US" dirty="0">
+                <a:effectLst/>
+              </a:rPr>
+              <a:t>Dependency </a:t>
+            </a:r>
+            <a:r>
+              <a:rPr lang="en-US" dirty="0" smtClean="0">
+                <a:effectLst/>
+              </a:rPr>
+              <a:t>Injection </a:t>
+            </a:r>
+            <a:r>
+              <a:rPr lang="zh-CN" altLang="en-US" dirty="0" smtClean="0">
+                <a:effectLst/>
+              </a:rPr>
+              <a:t>依赖注入</a:t>
+            </a:r>
+            <a:endParaRPr lang="en-US" altLang="zh-CN" dirty="0" smtClean="0">
+              <a:effectLst/>
+            </a:endParaRPr>
+          </a:p>
+          <a:p>
+            <a:r>
+              <a:rPr lang="en-US" altLang="zh-CN" dirty="0" smtClean="0">
+                <a:effectLst/>
+              </a:rPr>
+              <a:t>Controller</a:t>
+            </a:r>
+            <a:r>
+              <a:rPr lang="zh-CN" altLang="en-US" dirty="0" smtClean="0">
+                <a:effectLst/>
+              </a:rPr>
+              <a:t> 控制器</a:t>
+            </a:r>
+            <a:endParaRPr lang="en-US" altLang="zh-CN" dirty="0" smtClean="0">
+              <a:effectLst/>
+            </a:endParaRPr>
+          </a:p>
+          <a:p>
+            <a:endParaRPr lang="en-US" dirty="0"/>
+          </a:p>
+        </p:txBody>
+      </p:sp>
+      <p:sp>
+        <p:nvSpPr>
+          <p:cNvPr id="4" name="Text Placeholder 3"/>
+          <p:cNvSpPr>
+            <a:spLocks noGrp="1"/>
+          </p:cNvSpPr>
+          <p:nvPr>
+            <p:ph type="body" sz="half" idx="2"/>
+          </p:nvPr>
+        </p:nvSpPr>
+        <p:spPr/>
+        <p:txBody>
+          <a:bodyPr/>
+          <a:lstStyle/>
+          <a:p>
+            <a:r>
+              <a:rPr lang="zh-CN" altLang="en-US" dirty="0" smtClean="0"/>
+              <a:t>知识简介</a:t>
             </a:r>
             <a:endParaRPr lang="en-US" dirty="0"/>
           </a:p>
@@ -14565,7 +14593,7 @@
     </p:spTree>
     <p:extLst>
       <p:ext uri="{BB962C8B-B14F-4D97-AF65-F5344CB8AC3E}">
-        <p14:creationId xmlns:p14="http://schemas.microsoft.com/office/powerpoint/2010/main" val="1639088771"/>
+        <p14:creationId xmlns:p14="http://schemas.microsoft.com/office/powerpoint/2010/main" val="1326356102"/>
       </p:ext>
     </p:extLst>
   </p:cSld>
@@ -14615,72 +14643,48 @@
           <a:lstStyle/>
           <a:p>
             <a:r>
+              <a:rPr lang="en-US" altLang="zh-CN" dirty="0" err="1" smtClean="0"/>
+              <a:t>AngularJS</a:t>
+            </a:r>
+            <a:r>
+              <a:rPr lang="zh-CN" altLang="en-US" dirty="0" smtClean="0"/>
+              <a:t>项目实战</a:t>
+            </a:r>
+            <a:endParaRPr lang="en-US" dirty="0"/>
+          </a:p>
+        </p:txBody>
+      </p:sp>
+      <p:sp>
+        <p:nvSpPr>
+          <p:cNvPr id="3" name="Text Placeholder 2"/>
+          <p:cNvSpPr>
+            <a:spLocks noGrp="1"/>
+          </p:cNvSpPr>
+          <p:nvPr>
+            <p:ph type="body" idx="1"/>
+          </p:nvPr>
+        </p:nvSpPr>
+        <p:spPr/>
+        <p:txBody>
+          <a:bodyPr/>
+          <a:lstStyle/>
+          <a:p>
+            <a:r>
+              <a:rPr lang="en-US" altLang="zh-CN" dirty="0" err="1" smtClean="0"/>
+              <a:t>Todo</a:t>
+            </a:r>
+            <a:r>
               <a:rPr lang="en-US" altLang="zh-CN" dirty="0" smtClean="0"/>
-              <a:t>Angular </a:t>
-            </a:r>
-            <a:r>
-              <a:rPr lang="zh-CN" altLang="en-US" dirty="0" smtClean="0"/>
-              <a:t>脚手架项目</a:t>
-            </a:r>
-            <a:endParaRPr lang="en-US" dirty="0"/>
-          </a:p>
-        </p:txBody>
-      </p:sp>
-      <p:sp>
-        <p:nvSpPr>
-          <p:cNvPr id="3" name="Content Placeholder 2"/>
-          <p:cNvSpPr>
-            <a:spLocks noGrp="1"/>
-          </p:cNvSpPr>
-          <p:nvPr>
-            <p:ph idx="1"/>
-          </p:nvPr>
-        </p:nvSpPr>
-        <p:spPr/>
-        <p:txBody>
-          <a:bodyPr/>
-          <a:lstStyle/>
-          <a:p>
-            <a:r>
-              <a:rPr lang="en-US" dirty="0"/>
-              <a:t>Yeoman: </a:t>
-            </a:r>
-            <a:r>
-              <a:rPr lang="en-US" dirty="0">
-                <a:hlinkClick r:id="rId3"/>
-              </a:rPr>
-              <a:t>https://</a:t>
-            </a:r>
-            <a:r>
-              <a:rPr lang="en-US" dirty="0" smtClean="0">
-                <a:hlinkClick r:id="rId3"/>
-              </a:rPr>
-              <a:t>github.com/Swiip/generator-gulp-angular</a:t>
-            </a:r>
-            <a:endParaRPr lang="en-US" dirty="0" smtClean="0"/>
-          </a:p>
-          <a:p>
-            <a:r>
-              <a:rPr lang="en-US" dirty="0" smtClean="0"/>
-              <a:t>Gulp serve</a:t>
-            </a:r>
-          </a:p>
-          <a:p>
-            <a:r>
-              <a:rPr lang="en-US" dirty="0" err="1" smtClean="0"/>
-              <a:t>Anuglar</a:t>
-            </a:r>
-            <a:r>
-              <a:rPr lang="en-US" dirty="0" smtClean="0"/>
-              <a:t> Material</a:t>
-            </a:r>
+              <a:t> List</a:t>
+            </a:r>
+            <a:endParaRPr lang="en-US" dirty="0"/>
           </a:p>
         </p:txBody>
       </p:sp>
     </p:spTree>
     <p:extLst>
       <p:ext uri="{BB962C8B-B14F-4D97-AF65-F5344CB8AC3E}">
-        <p14:creationId xmlns:p14="http://schemas.microsoft.com/office/powerpoint/2010/main" val="1446031074"/>
+        <p14:creationId xmlns:p14="http://schemas.microsoft.com/office/powerpoint/2010/main" val="1639088771"/>
       </p:ext>
     </p:extLst>
   </p:cSld>
@@ -14730,105 +14734,72 @@
           <a:lstStyle/>
           <a:p>
             <a:r>
+              <a:rPr lang="en-US" altLang="zh-CN" dirty="0" smtClean="0"/>
+              <a:t>Angular </a:t>
+            </a:r>
+            <a:r>
+              <a:rPr lang="zh-CN" altLang="en-US" dirty="0" smtClean="0"/>
+              <a:t>脚手架项目</a:t>
+            </a:r>
+            <a:endParaRPr lang="en-US" dirty="0"/>
+          </a:p>
+        </p:txBody>
+      </p:sp>
+      <p:sp>
+        <p:nvSpPr>
+          <p:cNvPr id="3" name="Content Placeholder 2"/>
+          <p:cNvSpPr>
+            <a:spLocks noGrp="1"/>
+          </p:cNvSpPr>
+          <p:nvPr>
+            <p:ph idx="1"/>
+          </p:nvPr>
+        </p:nvSpPr>
+        <p:spPr/>
+        <p:txBody>
+          <a:bodyPr/>
+          <a:lstStyle/>
+          <a:p>
+            <a:r>
+              <a:rPr lang="en-US" dirty="0"/>
+              <a:t>Yeoman: </a:t>
+            </a:r>
+            <a:r>
+              <a:rPr lang="en-US" dirty="0">
+                <a:hlinkClick r:id="rId3"/>
+              </a:rPr>
+              <a:t>https://</a:t>
+            </a:r>
+            <a:r>
+              <a:rPr lang="en-US" dirty="0" smtClean="0">
+                <a:hlinkClick r:id="rId3"/>
+              </a:rPr>
+              <a:t>github.com/Swiip/generator-gulp-angular</a:t>
+            </a:r>
+            <a:endParaRPr lang="en-US" dirty="0" smtClean="0"/>
+          </a:p>
+          <a:p>
+            <a:r>
               <a:rPr lang="en-US" dirty="0" smtClean="0"/>
-              <a:t>Angular 6</a:t>
-            </a:r>
-            <a:endParaRPr lang="en-US" dirty="0"/>
-          </a:p>
-        </p:txBody>
-      </p:sp>
-      <p:sp>
-        <p:nvSpPr>
-          <p:cNvPr id="3" name="Content Placeholder 2"/>
-          <p:cNvSpPr>
-            <a:spLocks noGrp="1"/>
-          </p:cNvSpPr>
-          <p:nvPr>
-            <p:ph idx="1"/>
-          </p:nvPr>
-        </p:nvSpPr>
-        <p:spPr/>
-        <p:txBody>
-          <a:bodyPr/>
-          <a:lstStyle/>
-          <a:p>
+              <a:t>Gulp serve</a:t>
+            </a:r>
+          </a:p>
+          <a:p>
+            <a:r>
+              <a:rPr lang="en-US" dirty="0" err="1" smtClean="0"/>
+              <a:t>Anuglar</a:t>
+            </a:r>
             <a:r>
               <a:rPr lang="en-US" dirty="0" smtClean="0"/>
-              <a:t>1. Typescript</a:t>
-            </a:r>
-          </a:p>
-          <a:p>
-            <a:r>
-              <a:rPr lang="en-US" dirty="0" smtClean="0"/>
-              <a:t>2. </a:t>
-            </a:r>
-            <a:r>
-              <a:rPr lang="zh-CN" altLang="en-US" dirty="0" smtClean="0"/>
-              <a:t>其实与</a:t>
-            </a:r>
-            <a:r>
-              <a:rPr lang="en-US" altLang="zh-CN" dirty="0" err="1" smtClean="0"/>
-              <a:t>AngularJS</a:t>
-            </a:r>
-            <a:r>
-              <a:rPr lang="zh-CN" altLang="en-US" dirty="0" smtClean="0"/>
-              <a:t>比较相似</a:t>
-            </a:r>
-            <a:endParaRPr lang="en-US" altLang="zh-CN" dirty="0" smtClean="0"/>
-          </a:p>
-          <a:p>
-            <a:r>
-              <a:rPr lang="en-US" altLang="zh-CN" dirty="0" smtClean="0"/>
-              <a:t>3.</a:t>
-            </a:r>
-            <a:r>
-              <a:rPr lang="zh-CN" altLang="en-US" dirty="0" smtClean="0"/>
-              <a:t> 完整的</a:t>
-            </a:r>
-            <a:r>
-              <a:rPr lang="en-US" altLang="zh-CN" dirty="0" err="1" smtClean="0"/>
-              <a:t>Cli</a:t>
-            </a:r>
-            <a:r>
-              <a:rPr lang="zh-CN" altLang="en-US" dirty="0" smtClean="0"/>
-              <a:t>系统</a:t>
-            </a:r>
-            <a:endParaRPr lang="en-US" altLang="zh-CN" dirty="0" smtClean="0"/>
-          </a:p>
-          <a:p>
-            <a:r>
-              <a:rPr lang="en-US" dirty="0" smtClean="0"/>
-              <a:t>4. observables, </a:t>
-            </a:r>
-            <a:r>
-              <a:rPr lang="en-US" dirty="0" err="1" smtClean="0"/>
-              <a:t>RxJS</a:t>
-            </a:r>
-            <a:r>
-              <a:rPr lang="en-US" dirty="0" smtClean="0"/>
-              <a:t> (Reactive </a:t>
-            </a:r>
-            <a:r>
-              <a:rPr lang="en-US" dirty="0">
-                <a:effectLst/>
-              </a:rPr>
-              <a:t>Extensions</a:t>
-            </a:r>
-            <a:r>
-              <a:rPr lang="en-US" dirty="0" smtClean="0"/>
-              <a:t>)</a:t>
-            </a:r>
-            <a:endParaRPr lang="en-US" dirty="0"/>
-          </a:p>
-          <a:p>
-            <a:endParaRPr lang="en-US" dirty="0"/>
+              <a:t> Material</a:t>
+            </a:r>
           </a:p>
         </p:txBody>
       </p:sp>
     </p:spTree>
     <p:extLst>
       <p:ext uri="{BB962C8B-B14F-4D97-AF65-F5344CB8AC3E}">
-        <p14:creationId xmlns:p14="http://schemas.microsoft.com/office/powerpoint/2010/main" val="1418923925"/>
+        <p14:creationId xmlns:p14="http://schemas.microsoft.com/office/powerpoint/2010/main" val="1446031074"/>
       </p:ext>
     </p:extLst>
   </p:cSld>
@@ -14878,8 +14849,8 @@
           <a:lstStyle/>
           <a:p>
             <a:r>
-              <a:rPr lang="en-US" altLang="zh-CN" dirty="0" smtClean="0"/>
-              <a:t>Observable</a:t>
+              <a:rPr lang="en-US" dirty="0" smtClean="0"/>
+              <a:t>Angular 6</a:t>
             </a:r>
             <a:endParaRPr lang="en-US" dirty="0"/>
           </a:p>
@@ -14902,35 +14873,27 @@
           <a:p>
             <a:r>
               <a:rPr lang="en-US" dirty="0" smtClean="0"/>
-              <a:t>1. </a:t>
+              <a:t>1. Typescript</a:t>
+            </a:r>
+          </a:p>
+          <a:p>
+            <a:r>
+              <a:rPr lang="en-US" dirty="0" smtClean="0"/>
+              <a:t>2. </a:t>
             </a:r>
             <a:r>
               <a:rPr lang="zh-CN" altLang="en-US" dirty="0" smtClean="0"/>
-              <a:t>支持多个变量</a:t>
+              <a:t>其实与</a:t>
+            </a:r>
+            <a:r>
+              <a:rPr lang="en-US" altLang="zh-CN" dirty="0" err="1" smtClean="0"/>
+              <a:t>AngularJS</a:t>
+            </a:r>
+            <a:r>
+              <a:rPr lang="zh-CN" altLang="en-US" dirty="0" smtClean="0"/>
+              <a:t>比较相似</a:t>
             </a:r>
             <a:endParaRPr lang="en-US" altLang="zh-CN" dirty="0" smtClean="0"/>
-          </a:p>
-          <a:p>
-            <a:r>
-              <a:rPr lang="en-US" altLang="zh-CN" dirty="0" smtClean="0"/>
-              <a:t>2.</a:t>
-            </a:r>
-            <a:r>
-              <a:rPr lang="zh-CN" altLang="en-US" dirty="0" smtClean="0"/>
-              <a:t> </a:t>
-            </a:r>
-            <a:r>
-              <a:rPr lang="en-US" altLang="zh-CN" dirty="0" smtClean="0"/>
-              <a:t>cancel</a:t>
-            </a:r>
-            <a:r>
-              <a:rPr lang="zh-CN" altLang="en-US" dirty="0" smtClean="0"/>
-              <a:t>掉一个</a:t>
-            </a:r>
-            <a:r>
-              <a:rPr lang="en-US" altLang="zh-CN" dirty="0" smtClean="0"/>
-              <a:t>observable</a:t>
-            </a:r>
           </a:p>
           <a:p>
             <a:r>
@@ -14939,24 +14902,44 @@
             </a:r>
             <a:r>
               <a:rPr lang="zh-CN" altLang="en-US" dirty="0" smtClean="0"/>
-              <a:t> </a:t>
-            </a:r>
-            <a:r>
-              <a:rPr lang="en-US" altLang="zh-CN" dirty="0" smtClean="0"/>
-              <a:t>promise-&gt; then</a:t>
+              <a:t> 完整的</a:t>
+            </a:r>
+            <a:r>
+              <a:rPr lang="en-US" altLang="zh-CN" dirty="0" err="1" smtClean="0"/>
+              <a:t>Cli</a:t>
             </a:r>
             <a:r>
               <a:rPr lang="zh-CN" altLang="en-US" dirty="0" smtClean="0"/>
-              <a:t> </a:t>
-            </a:r>
-            <a:r>
-              <a:rPr lang="en-US" altLang="zh-CN" dirty="0" smtClean="0"/>
-              <a:t>  observable -&gt; subscribe</a:t>
-            </a:r>
+              <a:t>系统</a:t>
+            </a:r>
+            <a:endParaRPr lang="en-US" altLang="zh-CN" dirty="0" smtClean="0"/>
+          </a:p>
+          <a:p>
             <a:r>
               <a:rPr lang="en-US" dirty="0" smtClean="0"/>
-              <a:t> </a:t>
-            </a:r>
+              <a:t>4. observables, </a:t>
+            </a:r>
+            <a:r>
+              <a:rPr lang="en-US" dirty="0" err="1" smtClean="0"/>
+              <a:t>RxJS</a:t>
+            </a:r>
+            <a:r>
+              <a:rPr lang="en-US" dirty="0" smtClean="0"/>
+              <a:t> (Reactive </a:t>
+            </a:r>
+            <a:r>
+              <a:rPr lang="en-US" dirty="0">
+                <a:effectLst/>
+              </a:rPr>
+              <a:t>Extensions</a:t>
+            </a:r>
+            <a:r>
+              <a:rPr lang="en-US" dirty="0" smtClean="0"/>
+              <a:t>)</a:t>
+            </a:r>
+            <a:endParaRPr lang="en-US" dirty="0"/>
+          </a:p>
+          <a:p>
             <a:endParaRPr lang="en-US" dirty="0"/>
           </a:p>
         </p:txBody>
@@ -14964,7 +14947,7 @@
     </p:spTree>
     <p:extLst>
       <p:ext uri="{BB962C8B-B14F-4D97-AF65-F5344CB8AC3E}">
-        <p14:creationId xmlns:p14="http://schemas.microsoft.com/office/powerpoint/2010/main" val="1029556927"/>
+        <p14:creationId xmlns:p14="http://schemas.microsoft.com/office/powerpoint/2010/main" val="1418923925"/>
       </p:ext>
     </p:extLst>
   </p:cSld>
@@ -15015,194 +14998,84 @@
           <a:p>
             <a:r>
               <a:rPr lang="en-US" altLang="zh-CN" dirty="0" smtClean="0"/>
-              <a:t>Angular</a:t>
+              <a:t>Observable</a:t>
+            </a:r>
+            <a:endParaRPr lang="en-US" dirty="0"/>
+          </a:p>
+        </p:txBody>
+      </p:sp>
+      <p:sp>
+        <p:nvSpPr>
+          <p:cNvPr id="3" name="Content Placeholder 2"/>
+          <p:cNvSpPr>
+            <a:spLocks noGrp="1"/>
+          </p:cNvSpPr>
+          <p:nvPr>
+            <p:ph idx="1"/>
+          </p:nvPr>
+        </p:nvSpPr>
+        <p:spPr/>
+        <p:txBody>
+          <a:bodyPr/>
+          <a:lstStyle/>
+          <a:p>
+            <a:r>
+              <a:rPr lang="en-US" dirty="0" smtClean="0"/>
+              <a:t>1. </a:t>
             </a:r>
             <a:r>
               <a:rPr lang="zh-CN" altLang="en-US" dirty="0" smtClean="0"/>
-              <a:t> 指令</a:t>
-            </a:r>
-            <a:endParaRPr lang="en-US" dirty="0"/>
-          </a:p>
-        </p:txBody>
-      </p:sp>
-      <p:sp>
-        <p:nvSpPr>
-          <p:cNvPr id="3" name="Content Placeholder 2"/>
-          <p:cNvSpPr>
-            <a:spLocks noGrp="1"/>
-          </p:cNvSpPr>
-          <p:nvPr>
-            <p:ph idx="1"/>
-          </p:nvPr>
-        </p:nvSpPr>
-        <p:spPr/>
-        <p:txBody>
-          <a:bodyPr/>
-          <a:lstStyle/>
-          <a:p>
-            <a:r>
-              <a:rPr lang="zh-CN" altLang="en-US" dirty="0">
-                <a:effectLst/>
-              </a:rPr>
-              <a:t>组件 </a:t>
-            </a:r>
-            <a:r>
-              <a:rPr lang="en-US" altLang="zh-CN" dirty="0">
-                <a:effectLst/>
-              </a:rPr>
-              <a:t>- </a:t>
-            </a:r>
-            <a:r>
-              <a:rPr lang="zh-CN" altLang="en-US" dirty="0">
-                <a:effectLst/>
-              </a:rPr>
-              <a:t>带有模板的指令</a:t>
-            </a:r>
-            <a:r>
-              <a:rPr lang="en-US" altLang="zh-CN" dirty="0">
-                <a:effectLst/>
-              </a:rPr>
-              <a:t>(</a:t>
-            </a:r>
-            <a:r>
-              <a:rPr lang="zh-CN" altLang="en-US" dirty="0">
-                <a:effectLst/>
-              </a:rPr>
-              <a:t>组件皆指令</a:t>
-            </a:r>
-            <a:r>
-              <a:rPr lang="en-US" altLang="zh-CN" dirty="0">
-                <a:effectLst/>
-              </a:rPr>
-              <a:t>)</a:t>
-            </a:r>
-          </a:p>
-          <a:p>
-            <a:r>
-              <a:rPr lang="zh-CN" altLang="en-US" dirty="0">
-                <a:effectLst/>
-              </a:rPr>
-              <a:t>结构型指令 </a:t>
-            </a:r>
-            <a:r>
-              <a:rPr lang="en-US" altLang="zh-CN" dirty="0">
-                <a:effectLst/>
-              </a:rPr>
-              <a:t>- </a:t>
-            </a:r>
-            <a:r>
-              <a:rPr lang="zh-CN" altLang="en-US" dirty="0">
-                <a:effectLst/>
-              </a:rPr>
-              <a:t>作用于</a:t>
-            </a:r>
-            <a:r>
-              <a:rPr lang="en-US" altLang="zh-CN" dirty="0">
-                <a:effectLst/>
-              </a:rPr>
-              <a:t>DOM</a:t>
-            </a:r>
-            <a:r>
-              <a:rPr lang="zh-CN" altLang="en-US" dirty="0">
-                <a:effectLst/>
-              </a:rPr>
-              <a:t>元素修改视图结构的指令</a:t>
-            </a:r>
-            <a:r>
-              <a:rPr lang="en-US" altLang="zh-CN" dirty="0">
-                <a:effectLst/>
-              </a:rPr>
-              <a:t>(</a:t>
-            </a:r>
-            <a:r>
-              <a:rPr lang="en-US" altLang="zh-CN" dirty="0" err="1">
-                <a:effectLst/>
-              </a:rPr>
-              <a:t>NgIf</a:t>
-            </a:r>
-            <a:r>
-              <a:rPr lang="zh-CN" altLang="en-US" dirty="0">
-                <a:effectLst/>
-              </a:rPr>
-              <a:t>、</a:t>
-            </a:r>
-            <a:r>
-              <a:rPr lang="en-US" altLang="zh-CN" dirty="0" err="1">
-                <a:effectLst/>
-              </a:rPr>
-              <a:t>NgFor</a:t>
-            </a:r>
-            <a:r>
-              <a:rPr lang="zh-CN" altLang="en-US" dirty="0">
-                <a:effectLst/>
-              </a:rPr>
-              <a:t>等</a:t>
-            </a:r>
-            <a:r>
-              <a:rPr lang="en-US" altLang="zh-CN" dirty="0">
-                <a:effectLst/>
-              </a:rPr>
-              <a:t>)</a:t>
-            </a:r>
-          </a:p>
-          <a:p>
-            <a:r>
-              <a:rPr lang="zh-CN" altLang="en-US" dirty="0">
-                <a:effectLst/>
-              </a:rPr>
-              <a:t>属性型指令 </a:t>
-            </a:r>
-            <a:r>
-              <a:rPr lang="en-US" altLang="zh-CN" dirty="0">
-                <a:effectLst/>
-              </a:rPr>
-              <a:t>- </a:t>
-            </a:r>
-            <a:r>
-              <a:rPr lang="zh-CN" altLang="en-US" dirty="0">
-                <a:effectLst/>
-              </a:rPr>
-              <a:t>作用于</a:t>
-            </a:r>
-            <a:r>
-              <a:rPr lang="en-US" altLang="zh-CN" dirty="0">
-                <a:effectLst/>
-              </a:rPr>
-              <a:t>DOM</a:t>
-            </a:r>
-            <a:r>
-              <a:rPr lang="zh-CN" altLang="en-US" dirty="0">
-                <a:effectLst/>
-              </a:rPr>
-              <a:t>元素的外观和行为的指令</a:t>
-            </a:r>
-            <a:r>
-              <a:rPr lang="en-US" altLang="zh-CN" dirty="0">
-                <a:effectLst/>
-              </a:rPr>
-              <a:t>(</a:t>
-            </a:r>
-            <a:r>
-              <a:rPr lang="en-US" altLang="zh-CN" dirty="0" err="1"/>
-              <a:t>NgStyle</a:t>
-            </a:r>
-            <a:r>
-              <a:rPr lang="zh-CN" altLang="en-US" dirty="0">
-                <a:effectLst/>
-              </a:rPr>
-              <a:t>等</a:t>
-            </a:r>
-            <a:r>
-              <a:rPr lang="en-US" altLang="zh-CN" dirty="0">
-                <a:effectLst/>
-              </a:rPr>
-              <a:t>)</a:t>
-            </a:r>
-            <a:endParaRPr lang="zh-CN" altLang="en-US" dirty="0">
-              <a:effectLst/>
-            </a:endParaRPr>
-          </a:p>
-          <a:p>
+              <a:t>支持多个变量</a:t>
+            </a:r>
+            <a:endParaRPr lang="en-US" altLang="zh-CN" dirty="0" smtClean="0"/>
+          </a:p>
+          <a:p>
+            <a:r>
+              <a:rPr lang="en-US" altLang="zh-CN" dirty="0" smtClean="0"/>
+              <a:t>2.</a:t>
+            </a:r>
+            <a:r>
+              <a:rPr lang="zh-CN" altLang="en-US" dirty="0" smtClean="0"/>
+              <a:t> </a:t>
+            </a:r>
+            <a:r>
+              <a:rPr lang="en-US" altLang="zh-CN" dirty="0" smtClean="0"/>
+              <a:t>cancel</a:t>
+            </a:r>
+            <a:r>
+              <a:rPr lang="zh-CN" altLang="en-US" dirty="0" smtClean="0"/>
+              <a:t>掉一个</a:t>
+            </a:r>
+            <a:r>
+              <a:rPr lang="en-US" altLang="zh-CN" dirty="0" smtClean="0"/>
+              <a:t>observable</a:t>
+            </a:r>
+          </a:p>
+          <a:p>
+            <a:r>
+              <a:rPr lang="en-US" altLang="zh-CN" dirty="0" smtClean="0"/>
+              <a:t>3.</a:t>
+            </a:r>
+            <a:r>
+              <a:rPr lang="zh-CN" altLang="en-US" dirty="0" smtClean="0"/>
+              <a:t> </a:t>
+            </a:r>
+            <a:r>
+              <a:rPr lang="en-US" altLang="zh-CN" dirty="0" smtClean="0"/>
+              <a:t>promise-&gt; then</a:t>
+            </a:r>
+            <a:r>
+              <a:rPr lang="zh-CN" altLang="en-US" dirty="0" smtClean="0"/>
+              <a:t> </a:t>
+            </a:r>
+            <a:r>
+              <a:rPr lang="en-US" altLang="zh-CN" dirty="0" smtClean="0"/>
+              <a:t>  observable -&gt; subscribe</a:t>
+            </a:r>
+            <a:r>
+              <a:rPr lang="en-US" dirty="0" smtClean="0"/>
+              <a:t> </a:t>
+            </a:r>
             <a:endParaRPr lang="en-US" dirty="0"/>
           </a:p>
         </p:txBody>
@@ -15210,7 +15083,7 @@
     </p:spTree>
     <p:extLst>
       <p:ext uri="{BB962C8B-B14F-4D97-AF65-F5344CB8AC3E}">
-        <p14:creationId xmlns:p14="http://schemas.microsoft.com/office/powerpoint/2010/main" val="366916453"/>
+        <p14:creationId xmlns:p14="http://schemas.microsoft.com/office/powerpoint/2010/main" val="1029556927"/>
       </p:ext>
     </p:extLst>
   </p:cSld>
@@ -15260,12 +15133,12 @@
           <a:lstStyle/>
           <a:p>
             <a:r>
-              <a:rPr lang="en-US" dirty="0" smtClean="0"/>
-              <a:t>Angular 2+ HTML </a:t>
+              <a:rPr lang="en-US" altLang="zh-CN" dirty="0" smtClean="0"/>
+              <a:t>Angular</a:t>
             </a:r>
             <a:r>
               <a:rPr lang="zh-CN" altLang="en-US" dirty="0" smtClean="0"/>
-              <a:t>模版语法</a:t>
+              <a:t> 指令</a:t>
             </a:r>
             <a:endParaRPr lang="en-US" dirty="0"/>
           </a:p>
@@ -15287,133 +15160,168 @@
           <a:lstStyle/>
           <a:p>
             <a:r>
-              <a:rPr lang="en-US" dirty="0">
+              <a:rPr lang="zh-CN" altLang="en-US" dirty="0">
                 <a:effectLst/>
               </a:rPr>
-              <a:t>[prop]="</a:t>
-            </a:r>
-            <a:r>
-              <a:rPr lang="en-US" dirty="0" smtClean="0">
+              <a:t>组件 </a:t>
+            </a:r>
+            <a:r>
+              <a:rPr lang="en-US" altLang="zh-CN" dirty="0">
                 <a:effectLst/>
               </a:rPr>
-              <a:t>value”</a:t>
-            </a:r>
-            <a:endParaRPr lang="en-US" dirty="0">
+              <a:t>- </a:t>
+            </a:r>
+            <a:r>
+              <a:rPr lang="zh-CN" altLang="en-US" dirty="0">
+                <a:effectLst/>
+              </a:rPr>
+              <a:t>带有模板的指令</a:t>
+            </a:r>
+            <a:r>
+              <a:rPr lang="en-US" altLang="zh-CN" dirty="0">
+                <a:effectLst/>
+              </a:rPr>
+              <a:t>(</a:t>
+            </a:r>
+            <a:r>
+              <a:rPr lang="zh-CN" altLang="en-US" dirty="0">
+                <a:effectLst/>
+              </a:rPr>
+              <a:t>组件皆指令</a:t>
+            </a:r>
+            <a:r>
+              <a:rPr lang="en-US" altLang="zh-CN" dirty="0">
+                <a:effectLst/>
+              </a:rPr>
+              <a:t>)</a:t>
+            </a:r>
+          </a:p>
+          <a:p>
+            <a:r>
+              <a:rPr lang="zh-CN" altLang="en-US" dirty="0">
+                <a:effectLst/>
+              </a:rPr>
+              <a:t>结构型指令 </a:t>
+            </a:r>
+            <a:r>
+              <a:rPr lang="en-US" altLang="zh-CN" dirty="0">
+                <a:effectLst/>
+              </a:rPr>
+              <a:t>- </a:t>
+            </a:r>
+            <a:r>
+              <a:rPr lang="zh-CN" altLang="en-US" dirty="0">
+                <a:effectLst/>
+              </a:rPr>
+              <a:t>作用于</a:t>
+            </a:r>
+            <a:r>
+              <a:rPr lang="en-US" altLang="zh-CN" dirty="0">
+                <a:effectLst/>
+              </a:rPr>
+              <a:t>DOM</a:t>
+            </a:r>
+            <a:r>
+              <a:rPr lang="zh-CN" altLang="en-US" dirty="0">
+                <a:effectLst/>
+              </a:rPr>
+              <a:t>元素修改视图结构的指令</a:t>
+            </a:r>
+            <a:r>
+              <a:rPr lang="en-US" altLang="zh-CN" dirty="0">
+                <a:effectLst/>
+              </a:rPr>
+              <a:t>(</a:t>
+            </a:r>
+            <a:r>
+              <a:rPr lang="en-US" altLang="zh-CN" dirty="0" err="1">
+                <a:effectLst/>
+              </a:rPr>
+              <a:t>NgIf</a:t>
+            </a:r>
+            <a:r>
+              <a:rPr lang="zh-CN" altLang="en-US" dirty="0">
+                <a:effectLst/>
+              </a:rPr>
+              <a:t>、</a:t>
+            </a:r>
+            <a:r>
+              <a:rPr lang="en-US" altLang="zh-CN" dirty="0" err="1">
+                <a:effectLst/>
+              </a:rPr>
+              <a:t>NgFor</a:t>
+            </a:r>
+            <a:r>
+              <a:rPr lang="zh-CN" altLang="en-US" dirty="0">
+                <a:effectLst/>
+              </a:rPr>
+              <a:t>等</a:t>
+            </a:r>
+            <a:r>
+              <a:rPr lang="en-US" altLang="zh-CN" dirty="0">
+                <a:effectLst/>
+              </a:rPr>
+              <a:t>)</a:t>
+            </a:r>
+          </a:p>
+          <a:p>
+            <a:r>
+              <a:rPr lang="zh-CN" altLang="en-US" dirty="0">
+                <a:effectLst/>
+              </a:rPr>
+              <a:t>属性型指令 </a:t>
+            </a:r>
+            <a:r>
+              <a:rPr lang="en-US" altLang="zh-CN" dirty="0">
+                <a:effectLst/>
+              </a:rPr>
+              <a:t>- </a:t>
+            </a:r>
+            <a:r>
+              <a:rPr lang="zh-CN" altLang="en-US" dirty="0">
+                <a:effectLst/>
+              </a:rPr>
+              <a:t>作用于</a:t>
+            </a:r>
+            <a:r>
+              <a:rPr lang="en-US" altLang="zh-CN" dirty="0">
+                <a:effectLst/>
+              </a:rPr>
+              <a:t>DOM</a:t>
+            </a:r>
+            <a:r>
+              <a:rPr lang="zh-CN" altLang="en-US" dirty="0">
+                <a:effectLst/>
+              </a:rPr>
+              <a:t>元素的外观和行为的指令</a:t>
+            </a:r>
+            <a:r>
+              <a:rPr lang="en-US" altLang="zh-CN" dirty="0">
+                <a:effectLst/>
+              </a:rPr>
+              <a:t>(</a:t>
+            </a:r>
+            <a:r>
+              <a:rPr lang="en-US" altLang="zh-CN" dirty="0" err="1"/>
+              <a:t>NgStyle</a:t>
+            </a:r>
+            <a:r>
+              <a:rPr lang="zh-CN" altLang="en-US" dirty="0">
+                <a:effectLst/>
+              </a:rPr>
+              <a:t>等</a:t>
+            </a:r>
+            <a:r>
+              <a:rPr lang="en-US" altLang="zh-CN" dirty="0">
+                <a:effectLst/>
+              </a:rPr>
+              <a:t>)</a:t>
+            </a:r>
+            <a:endParaRPr lang="zh-CN" altLang="en-US" dirty="0">
               <a:effectLst/>
             </a:endParaRPr>
           </a:p>
           <a:p>
-            <a:r>
-              <a:rPr lang="en-US" dirty="0">
-                <a:effectLst/>
-              </a:rPr>
-              <a:t>prop="{{value</a:t>
-            </a:r>
-            <a:r>
-              <a:rPr lang="en-US" dirty="0" smtClean="0">
-                <a:effectLst/>
-              </a:rPr>
-              <a:t>}}”</a:t>
-            </a:r>
-          </a:p>
-          <a:p>
-            <a:r>
-              <a:rPr lang="en-US" dirty="0">
-                <a:effectLst/>
-              </a:rPr>
-              <a:t>(event)="</a:t>
-            </a:r>
-            <a:r>
-              <a:rPr lang="en-US" dirty="0" smtClean="0">
-                <a:effectLst/>
-              </a:rPr>
-              <a:t>expr”</a:t>
-            </a:r>
-          </a:p>
-          <a:p>
-            <a:r>
-              <a:rPr lang="en-US" dirty="0">
-                <a:effectLst/>
-              </a:rPr>
-              <a:t>#</a:t>
-            </a:r>
-            <a:r>
-              <a:rPr lang="en-US" dirty="0" err="1" smtClean="0">
-                <a:effectLst/>
-              </a:rPr>
-              <a:t>var</a:t>
-            </a:r>
-            <a:endParaRPr lang="en-US" dirty="0" smtClean="0">
-              <a:effectLst/>
-            </a:endParaRPr>
-          </a:p>
-          <a:p>
-            <a:r>
-              <a:rPr lang="en-US" dirty="0"/>
-              <a:t>bind-</a:t>
-            </a:r>
-            <a:r>
-              <a:rPr lang="en-US" dirty="0">
-                <a:effectLst/>
-              </a:rPr>
-              <a:t> for </a:t>
-            </a:r>
-            <a:r>
-              <a:rPr lang="en-US" dirty="0"/>
-              <a:t>[]</a:t>
-            </a:r>
-            <a:r>
-              <a:rPr lang="en-US" dirty="0">
-                <a:effectLst/>
-              </a:rPr>
-              <a:t> and </a:t>
-            </a:r>
-            <a:r>
-              <a:rPr lang="en-US" dirty="0"/>
-              <a:t>on-</a:t>
-            </a:r>
-            <a:r>
-              <a:rPr lang="en-US" dirty="0">
-                <a:effectLst/>
-              </a:rPr>
-              <a:t> for </a:t>
-            </a:r>
-            <a:r>
-              <a:rPr lang="en-US" dirty="0"/>
-              <a:t>()</a:t>
-            </a:r>
-            <a:r>
-              <a:rPr lang="en-US" dirty="0">
-                <a:effectLst/>
-              </a:rPr>
-              <a:t> or </a:t>
-            </a:r>
-            <a:r>
-              <a:rPr lang="en-US" dirty="0"/>
-              <a:t>&lt;template [</a:t>
-            </a:r>
-            <a:r>
-              <a:rPr lang="en-US" dirty="0" err="1"/>
-              <a:t>ngFor</a:t>
-            </a:r>
-            <a:r>
-              <a:rPr lang="en-US" dirty="0"/>
-              <a:t>]&gt;</a:t>
-            </a:r>
-            <a:r>
-              <a:rPr lang="en-US" dirty="0">
-                <a:effectLst/>
-              </a:rPr>
-              <a:t> for </a:t>
-            </a:r>
-            <a:r>
-              <a:rPr lang="en-US" dirty="0"/>
-              <a:t>*</a:t>
-            </a:r>
-            <a:r>
-              <a:rPr lang="en-US" dirty="0" err="1"/>
-              <a:t>ngFor</a:t>
-            </a:r>
             <a:endParaRPr lang="en-US" dirty="0"/>
           </a:p>
         </p:txBody>
@@ -15421,7 +15329,7 @@
     </p:spTree>
     <p:extLst>
       <p:ext uri="{BB962C8B-B14F-4D97-AF65-F5344CB8AC3E}">
-        <p14:creationId xmlns:p14="http://schemas.microsoft.com/office/powerpoint/2010/main" val="547912599"/>
+        <p14:creationId xmlns:p14="http://schemas.microsoft.com/office/powerpoint/2010/main" val="366916453"/>
       </p:ext>
     </p:extLst>
   </p:cSld>
@@ -15638,11 +15546,11 @@
           <a:p>
             <a:r>
               <a:rPr lang="en-US" dirty="0" smtClean="0"/>
-              <a:t>Angular </a:t>
+              <a:t>Angular 2+ HTML </a:t>
             </a:r>
             <a:r>
               <a:rPr lang="zh-CN" altLang="en-US" dirty="0" smtClean="0"/>
-              <a:t>环境搭建</a:t>
+              <a:t>模版语法</a:t>
             </a:r>
             <a:endParaRPr lang="en-US" dirty="0"/>
           </a:p>
@@ -15664,24 +15572,141 @@
           <a:lstStyle/>
           <a:p>
             <a:r>
+              <a:rPr lang="en-US" dirty="0">
+                <a:effectLst/>
+              </a:rPr>
+              <a:t>[prop]="</a:t>
+            </a:r>
+            <a:r>
+              <a:rPr lang="en-US" dirty="0" smtClean="0">
+                <a:effectLst/>
+              </a:rPr>
+              <a:t>value”</a:t>
+            </a:r>
+            <a:endParaRPr lang="en-US" dirty="0">
+              <a:effectLst/>
+            </a:endParaRPr>
+          </a:p>
+          <a:p>
+            <a:r>
+              <a:rPr lang="en-US" dirty="0">
+                <a:effectLst/>
+              </a:rPr>
+              <a:t>prop="{{value</a:t>
+            </a:r>
+            <a:r>
+              <a:rPr lang="en-US" dirty="0" smtClean="0">
+                <a:effectLst/>
+              </a:rPr>
+              <a:t>}}”</a:t>
+            </a:r>
+          </a:p>
+          <a:p>
+            <a:r>
+              <a:rPr lang="en-US" dirty="0">
+                <a:effectLst/>
+              </a:rPr>
+              <a:t>(event)="</a:t>
+            </a:r>
+            <a:r>
+              <a:rPr lang="en-US" dirty="0" smtClean="0">
+                <a:effectLst/>
+              </a:rPr>
+              <a:t>expr”</a:t>
+            </a:r>
+          </a:p>
+          <a:p>
+            <a:r>
+              <a:rPr lang="en-US" dirty="0">
+                <a:effectLst/>
+              </a:rPr>
+              <a:t>#</a:t>
+            </a:r>
+            <a:r>
+              <a:rPr lang="en-US" dirty="0" err="1" smtClean="0">
+                <a:effectLst/>
+              </a:rPr>
+              <a:t>var</a:t>
+            </a:r>
+            <a:endParaRPr lang="en-US" dirty="0" smtClean="0">
+              <a:effectLst/>
+            </a:endParaRPr>
+          </a:p>
+          <a:p>
+            <a:r>
               <a:rPr lang="en-US" dirty="0"/>
-              <a:t>https://</a:t>
+              <a:t>bind-</a:t>
+            </a:r>
+            <a:r>
+              <a:rPr lang="en-US" dirty="0">
+                <a:effectLst/>
+              </a:rPr>
+              <a:t> for </a:t>
+            </a:r>
+            <a:r>
+              <a:rPr lang="en-US" dirty="0"/>
+              <a:t>[]</a:t>
+            </a:r>
+            <a:r>
+              <a:rPr lang="en-US" dirty="0">
+                <a:effectLst/>
+              </a:rPr>
+              <a:t> and </a:t>
+            </a:r>
+            <a:r>
+              <a:rPr lang="en-US" dirty="0"/>
+              <a:t>on-</a:t>
+            </a:r>
+            <a:r>
+              <a:rPr lang="en-US" dirty="0">
+                <a:effectLst/>
+              </a:rPr>
+              <a:t> for </a:t>
+            </a:r>
+            <a:r>
+              <a:rPr lang="en-US" dirty="0"/>
+              <a:t>()</a:t>
+            </a:r>
+            <a:r>
+              <a:rPr lang="en-US" dirty="0">
+                <a:effectLst/>
+              </a:rPr>
+              <a:t> or </a:t>
+            </a:r>
+            <a:r>
+              <a:rPr lang="en-US" dirty="0"/>
+              <a:t>&lt;template [</a:t>
             </a:r>
             <a:r>
               <a:rPr lang="en-US" dirty="0" err="1"/>
-              <a:t>github.com</a:t>
+              <a:t>ngFor</a:t>
             </a:r>
             <a:r>
               <a:rPr lang="en-US" dirty="0"/>
-              <a:t>/angular/angular-cli</a:t>
-            </a:r>
+              <a:t>]&gt;</a:t>
+            </a:r>
+            <a:r>
+              <a:rPr lang="en-US" dirty="0">
+                <a:effectLst/>
+              </a:rPr>
+              <a:t> for </a:t>
+            </a:r>
+            <a:r>
+              <a:rPr lang="en-US" dirty="0"/>
+              <a:t>*</a:t>
+            </a:r>
+            <a:r>
+              <a:rPr lang="en-US" dirty="0" err="1"/>
+              <a:t>ngFor</a:t>
+            </a:r>
+            <a:endParaRPr lang="en-US" dirty="0"/>
           </a:p>
         </p:txBody>
       </p:sp>
     </p:spTree>
     <p:extLst>
       <p:ext uri="{BB962C8B-B14F-4D97-AF65-F5344CB8AC3E}">
-        <p14:creationId xmlns:p14="http://schemas.microsoft.com/office/powerpoint/2010/main" val="304993857"/>
+        <p14:creationId xmlns:p14="http://schemas.microsoft.com/office/powerpoint/2010/main" val="547912599"/>
       </p:ext>
     </p:extLst>
   </p:cSld>
@@ -15731,44 +15756,31 @@
           <a:lstStyle/>
           <a:p>
             <a:r>
-              <a:rPr lang="en-US" altLang="zh-CN" dirty="0" smtClean="0"/>
-              <a:t>Angular</a:t>
+              <a:rPr lang="en-US" dirty="0" smtClean="0"/>
+              <a:t>Angular </a:t>
             </a:r>
             <a:r>
               <a:rPr lang="zh-CN" altLang="en-US" dirty="0" smtClean="0"/>
-              <a:t>项目实战</a:t>
-            </a:r>
-            <a:r>
-              <a:rPr lang="en-US" altLang="zh-CN" dirty="0" smtClean="0"/>
-              <a:t>	</a:t>
-            </a:r>
-            <a:endParaRPr lang="en-US" dirty="0"/>
-          </a:p>
-        </p:txBody>
-      </p:sp>
-      <p:sp>
-        <p:nvSpPr>
-          <p:cNvPr id="3" name="Text Placeholder 2"/>
-          <p:cNvSpPr>
-            <a:spLocks noGrp="1"/>
-          </p:cNvSpPr>
-          <p:nvPr>
-            <p:ph type="body" sz="half" idx="2"/>
-          </p:nvPr>
-        </p:nvSpPr>
-        <p:spPr/>
-        <p:txBody>
-          <a:bodyPr>
-            <a:normAutofit/>
-          </a:bodyPr>
-          <a:lstStyle/>
-          <a:p>
-            <a:r>
-              <a:rPr lang="zh-CN" altLang="en-US" dirty="0" smtClean="0"/>
-              <a:t>官方英雄编辑器教程</a:t>
-            </a:r>
-            <a:endParaRPr lang="en-US" altLang="zh-CN" dirty="0" smtClean="0"/>
-          </a:p>
+              <a:t>环境搭建</a:t>
+            </a:r>
+            <a:endParaRPr lang="en-US" dirty="0"/>
+          </a:p>
+        </p:txBody>
+      </p:sp>
+      <p:sp>
+        <p:nvSpPr>
+          <p:cNvPr id="3" name="Content Placeholder 2"/>
+          <p:cNvSpPr>
+            <a:spLocks noGrp="1"/>
+          </p:cNvSpPr>
+          <p:nvPr>
+            <p:ph idx="1"/>
+          </p:nvPr>
+        </p:nvSpPr>
+        <p:spPr/>
+        <p:txBody>
+          <a:bodyPr/>
+          <a:lstStyle/>
           <a:p>
             <a:r>
               <a:rPr lang="en-US" dirty="0"/>
@@ -15776,28 +15788,32 @@
             </a:r>
             <a:r>
               <a:rPr lang="en-US" dirty="0" err="1"/>
-              <a:t>angular.cn</a:t>
+              <a:t>github.com</a:t>
             </a:r>
             <a:r>
               <a:rPr lang="en-US" dirty="0"/>
-              <a:t>/tutorial</a:t>
-            </a:r>
-          </a:p>
-          <a:p>
-            <a:endParaRPr lang="en-US" dirty="0"/>
+              <a:t>/angular/angular-cli</a:t>
+            </a:r>
           </a:p>
         </p:txBody>
       </p:sp>
     </p:spTree>
     <p:extLst>
       <p:ext uri="{BB962C8B-B14F-4D97-AF65-F5344CB8AC3E}">
-        <p14:creationId xmlns:p14="http://schemas.microsoft.com/office/powerpoint/2010/main" val="1516572992"/>
+        <p14:creationId xmlns:p14="http://schemas.microsoft.com/office/powerpoint/2010/main" val="304993857"/>
       </p:ext>
     </p:extLst>
   </p:cSld>
   <p:clrMapOvr>
     <a:masterClrMapping/>
   </p:clrMapOvr>
+  <p:timing>
+    <p:tnLst>
+      <p:par>
+        <p:cTn id="1" dur="indefinite" restart="never" nodeType="tmRoot"/>
+      </p:par>
+    </p:tnLst>
+  </p:timing>
 </p:sld>
 </file>
 
@@ -15834,128 +15850,57 @@
           <a:lstStyle/>
           <a:p>
             <a:r>
+              <a:rPr lang="en-US" altLang="zh-CN" dirty="0" smtClean="0"/>
+              <a:t>Angular</a:t>
+            </a:r>
+            <a:r>
               <a:rPr lang="zh-CN" altLang="en-US" dirty="0" smtClean="0"/>
-              <a:t>大作业</a:t>
-            </a:r>
-            <a:endParaRPr lang="en-US" dirty="0"/>
-          </a:p>
-        </p:txBody>
-      </p:sp>
-      <p:sp>
-        <p:nvSpPr>
-          <p:cNvPr id="3" name="Content Placeholder 2"/>
-          <p:cNvSpPr>
-            <a:spLocks noGrp="1"/>
-          </p:cNvSpPr>
-          <p:nvPr>
-            <p:ph idx="1"/>
-          </p:nvPr>
-        </p:nvSpPr>
-        <p:spPr/>
-        <p:txBody>
-          <a:bodyPr/>
+              <a:t>项目实战</a:t>
+            </a:r>
+            <a:r>
+              <a:rPr lang="en-US" altLang="zh-CN" dirty="0" smtClean="0"/>
+              <a:t>	</a:t>
+            </a:r>
+            <a:endParaRPr lang="en-US" dirty="0"/>
+          </a:p>
+        </p:txBody>
+      </p:sp>
+      <p:sp>
+        <p:nvSpPr>
+          <p:cNvPr id="3" name="Text Placeholder 2"/>
+          <p:cNvSpPr>
+            <a:spLocks noGrp="1"/>
+          </p:cNvSpPr>
+          <p:nvPr>
+            <p:ph type="body" sz="half" idx="2"/>
+          </p:nvPr>
+        </p:nvSpPr>
+        <p:spPr/>
+        <p:txBody>
+          <a:bodyPr>
+            <a:normAutofit/>
+          </a:bodyPr>
           <a:lstStyle/>
           <a:p>
             <a:r>
               <a:rPr lang="zh-CN" altLang="en-US" dirty="0" smtClean="0"/>
-              <a:t>使用</a:t>
-            </a:r>
-            <a:r>
-              <a:rPr lang="en-US" altLang="zh-CN" dirty="0" smtClean="0"/>
-              <a:t>React </a:t>
-            </a:r>
-            <a:r>
-              <a:rPr lang="zh-CN" altLang="en-US" dirty="0" smtClean="0"/>
-              <a:t>或者 </a:t>
-            </a:r>
-            <a:r>
-              <a:rPr lang="en-US" altLang="zh-CN" dirty="0" smtClean="0"/>
-              <a:t>Angular </a:t>
-            </a:r>
-            <a:r>
-              <a:rPr lang="zh-CN" altLang="en-US" dirty="0" smtClean="0"/>
-              <a:t>做一个 </a:t>
-            </a:r>
-            <a:r>
-              <a:rPr lang="en-US" altLang="zh-CN" dirty="0" err="1" smtClean="0"/>
-              <a:t>todo</a:t>
-            </a:r>
-            <a:r>
-              <a:rPr lang="zh-CN" altLang="en-US" dirty="0" smtClean="0"/>
-              <a:t> </a:t>
-            </a:r>
-            <a:r>
-              <a:rPr lang="en-US" altLang="zh-CN" dirty="0" smtClean="0"/>
-              <a:t>list</a:t>
-            </a:r>
-          </a:p>
-          <a:p>
-            <a:r>
-              <a:rPr lang="zh-CN" altLang="en-US" dirty="0" smtClean="0"/>
-              <a:t>实现 添加， 删除功能</a:t>
+              <a:t>官方英雄编辑器教程</a:t>
             </a:r>
             <a:endParaRPr lang="en-US" altLang="zh-CN" dirty="0" smtClean="0"/>
           </a:p>
           <a:p>
             <a:r>
-              <a:rPr lang="zh-CN" altLang="en-US" dirty="0" smtClean="0"/>
-              <a:t>将代码</a:t>
-            </a:r>
-            <a:r>
-              <a:rPr lang="en-US" altLang="zh-CN" dirty="0" smtClean="0"/>
-              <a:t>commit</a:t>
-            </a:r>
-            <a:r>
-              <a:rPr lang="zh-CN" altLang="en-US" dirty="0" smtClean="0"/>
-              <a:t>到自己的</a:t>
-            </a:r>
-            <a:r>
-              <a:rPr lang="en-US" altLang="zh-CN" dirty="0" err="1" smtClean="0"/>
-              <a:t>github</a:t>
-            </a:r>
-            <a:r>
-              <a:rPr lang="zh-CN" altLang="en-US" dirty="0" smtClean="0"/>
-              <a:t>上</a:t>
-            </a:r>
-            <a:endParaRPr lang="en-US" altLang="zh-CN" dirty="0" smtClean="0"/>
-          </a:p>
-          <a:p>
-            <a:r>
-              <a:rPr lang="zh-CN" altLang="en-US" dirty="0" smtClean="0"/>
-              <a:t>下节课准备一段</a:t>
-            </a:r>
-            <a:r>
-              <a:rPr lang="zh-CN" altLang="en-US" smtClean="0"/>
-              <a:t>简短的介绍</a:t>
-            </a:r>
-            <a:endParaRPr lang="en-US" altLang="zh-CN" dirty="0" smtClean="0"/>
-          </a:p>
-          <a:p>
-            <a:r>
-              <a:rPr lang="zh-CN" altLang="en-US" dirty="0" smtClean="0"/>
-              <a:t>不要</a:t>
-            </a:r>
-            <a:r>
-              <a:rPr lang="en-US" altLang="zh-CN" dirty="0" smtClean="0"/>
-              <a:t>commit</a:t>
-            </a:r>
-            <a:r>
-              <a:rPr lang="zh-CN" altLang="en-US" dirty="0" smtClean="0"/>
-              <a:t> </a:t>
-            </a:r>
-            <a:r>
-              <a:rPr lang="en-US" altLang="zh-CN" dirty="0" err="1" smtClean="0"/>
-              <a:t>Node_modules</a:t>
-            </a:r>
-            <a:r>
-              <a:rPr lang="en-US" altLang="zh-CN" dirty="0" smtClean="0"/>
-              <a:t> </a:t>
-            </a:r>
-            <a:r>
-              <a:rPr lang="zh-CN" altLang="en-US" dirty="0" smtClean="0"/>
-              <a:t>文件夹！</a:t>
-            </a:r>
-            <a:endParaRPr lang="en-US" altLang="zh-CN" dirty="0" smtClean="0"/>
+              <a:rPr lang="en-US" dirty="0"/>
+              <a:t>https://</a:t>
+            </a:r>
+            <a:r>
+              <a:rPr lang="en-US" dirty="0" err="1"/>
+              <a:t>angular.cn</a:t>
+            </a:r>
+            <a:r>
+              <a:rPr lang="en-US" dirty="0"/>
+              <a:t>/tutorial</a:t>
+            </a:r>
           </a:p>
           <a:p>
             <a:endParaRPr lang="en-US" dirty="0"/>
@@ -15965,20 +15910,13 @@
     </p:spTree>
     <p:extLst>
       <p:ext uri="{BB962C8B-B14F-4D97-AF65-F5344CB8AC3E}">
-        <p14:creationId xmlns:p14="http://schemas.microsoft.com/office/powerpoint/2010/main" val="1759915627"/>
+        <p14:creationId xmlns:p14="http://schemas.microsoft.com/office/powerpoint/2010/main" val="1516572992"/>
       </p:ext>
     </p:extLst>
   </p:cSld>
   <p:clrMapOvr>
     <a:masterClrMapping/>
   </p:clrMapOvr>
-  <p:timing>
-    <p:tnLst>
-      <p:par>
-        <p:cTn id="1" dur="indefinite" restart="never" nodeType="tmRoot"/>
-      </p:par>
-    </p:tnLst>
-  </p:timing>
 </p:sld>
 </file>
 
@@ -16016,7 +15954,7 @@
           <a:p>
             <a:r>
               <a:rPr lang="zh-CN" altLang="en-US" dirty="0" smtClean="0"/>
-              <a:t>作业讨论</a:t>
+              <a:t>大作业</a:t>
             </a:r>
             <a:endParaRPr lang="en-US" dirty="0"/>
           </a:p>
@@ -16038,35 +15976,107 @@
           <a:lstStyle/>
           <a:p>
             <a:r>
+              <a:rPr lang="zh-CN" altLang="en-US" dirty="0" smtClean="0"/>
+              <a:t>使用</a:t>
+            </a:r>
+            <a:r>
               <a:rPr lang="en-US" altLang="zh-CN" dirty="0" smtClean="0"/>
-              <a:t>1</a:t>
+              <a:t>React </a:t>
             </a:r>
             <a:r>
               <a:rPr lang="zh-CN" altLang="en-US" dirty="0" smtClean="0"/>
-              <a:t>， 代码组织结构</a:t>
+              <a:t>或者 </a:t>
+            </a:r>
+            <a:r>
+              <a:rPr lang="en-US" altLang="zh-CN" dirty="0" smtClean="0"/>
+              <a:t>Angular </a:t>
+            </a:r>
+            <a:r>
+              <a:rPr lang="zh-CN" altLang="en-US" dirty="0" smtClean="0"/>
+              <a:t>做一个 </a:t>
+            </a:r>
+            <a:r>
+              <a:rPr lang="en-US" altLang="zh-CN" dirty="0" err="1" smtClean="0"/>
+              <a:t>todo</a:t>
+            </a:r>
+            <a:r>
+              <a:rPr lang="zh-CN" altLang="en-US" dirty="0" smtClean="0"/>
+              <a:t> </a:t>
+            </a:r>
+            <a:r>
+              <a:rPr lang="en-US" altLang="zh-CN" dirty="0" smtClean="0"/>
+              <a:t>list</a:t>
+            </a:r>
+          </a:p>
+          <a:p>
+            <a:r>
+              <a:rPr lang="zh-CN" altLang="en-US" dirty="0" smtClean="0"/>
+              <a:t>实现 添加， 删除功能</a:t>
             </a:r>
             <a:endParaRPr lang="en-US" altLang="zh-CN" dirty="0" smtClean="0"/>
           </a:p>
           <a:p>
             <a:r>
+              <a:rPr lang="zh-CN" altLang="en-US" dirty="0" smtClean="0"/>
+              <a:t>将代码</a:t>
+            </a:r>
+            <a:r>
               <a:rPr lang="en-US" altLang="zh-CN" dirty="0" smtClean="0"/>
-              <a:t>2</a:t>
+              <a:t>commit</a:t>
             </a:r>
             <a:r>
               <a:rPr lang="zh-CN" altLang="en-US" dirty="0" smtClean="0"/>
-              <a:t>， 命名规则</a:t>
+              <a:t>到自己的</a:t>
+            </a:r>
+            <a:r>
+              <a:rPr lang="en-US" altLang="zh-CN" dirty="0" err="1" smtClean="0"/>
+              <a:t>github</a:t>
+            </a:r>
+            <a:r>
+              <a:rPr lang="zh-CN" altLang="en-US" dirty="0" smtClean="0"/>
+              <a:t>上</a:t>
             </a:r>
             <a:endParaRPr lang="en-US" altLang="zh-CN" dirty="0" smtClean="0"/>
           </a:p>
           <a:p>
             <a:r>
+              <a:rPr lang="zh-CN" altLang="en-US" dirty="0" smtClean="0"/>
+              <a:t>下节课准备一段</a:t>
+            </a:r>
+            <a:r>
+              <a:rPr lang="zh-CN" altLang="en-US" smtClean="0"/>
+              <a:t>简短的介绍</a:t>
+            </a:r>
+            <a:endParaRPr lang="en-US" altLang="zh-CN" dirty="0" smtClean="0"/>
+          </a:p>
+          <a:p>
+            <a:r>
+              <a:rPr lang="zh-CN" altLang="en-US" dirty="0" smtClean="0"/>
+              <a:t>不要</a:t>
+            </a:r>
+            <a:r>
               <a:rPr lang="en-US" altLang="zh-CN" dirty="0" smtClean="0"/>
-              <a:t>3</a:t>
+              <a:t>commit</a:t>
             </a:r>
             <a:r>
               <a:rPr lang="zh-CN" altLang="en-US" dirty="0" smtClean="0"/>
-              <a:t>， 代码质量</a:t>
-            </a:r>
+              <a:t> </a:t>
+            </a:r>
+            <a:r>
+              <a:rPr lang="en-US" altLang="zh-CN" dirty="0" err="1" smtClean="0"/>
+              <a:t>Node_modules</a:t>
+            </a:r>
+            <a:r>
+              <a:rPr lang="en-US" altLang="zh-CN" dirty="0" smtClean="0"/>
+              <a:t> </a:t>
+            </a:r>
+            <a:r>
+              <a:rPr lang="zh-CN" altLang="en-US" dirty="0" smtClean="0"/>
+              <a:t>文件夹！</a:t>
+            </a:r>
+            <a:endParaRPr lang="en-US" altLang="zh-CN" dirty="0" smtClean="0"/>
+          </a:p>
+          <a:p>
             <a:endParaRPr lang="en-US" dirty="0"/>
           </a:p>
         </p:txBody>
@@ -16074,7 +16084,7 @@
     </p:spTree>
     <p:extLst>
       <p:ext uri="{BB962C8B-B14F-4D97-AF65-F5344CB8AC3E}">
-        <p14:creationId xmlns:p14="http://schemas.microsoft.com/office/powerpoint/2010/main" val="1801247794"/>
+        <p14:creationId xmlns:p14="http://schemas.microsoft.com/office/powerpoint/2010/main" val="1759915627"/>
       </p:ext>
     </p:extLst>
   </p:cSld>
@@ -16124,76 +16134,57 @@
           <a:lstStyle/>
           <a:p>
             <a:r>
+              <a:rPr lang="zh-CN" altLang="en-US" dirty="0" smtClean="0"/>
+              <a:t>作业讨论</a:t>
+            </a:r>
+            <a:endParaRPr lang="en-US" dirty="0"/>
+          </a:p>
+        </p:txBody>
+      </p:sp>
+      <p:sp>
+        <p:nvSpPr>
+          <p:cNvPr id="3" name="Content Placeholder 2"/>
+          <p:cNvSpPr>
+            <a:spLocks noGrp="1"/>
+          </p:cNvSpPr>
+          <p:nvPr>
+            <p:ph idx="1"/>
+          </p:nvPr>
+        </p:nvSpPr>
+        <p:spPr/>
+        <p:txBody>
+          <a:bodyPr/>
+          <a:lstStyle/>
+          <a:p>
+            <a:r>
               <a:rPr lang="en-US" altLang="zh-CN" dirty="0" smtClean="0"/>
-              <a:t>Ant</a:t>
+              <a:t>1</a:t>
             </a:r>
             <a:r>
               <a:rPr lang="zh-CN" altLang="en-US" dirty="0" smtClean="0"/>
-              <a:t> </a:t>
-            </a:r>
+              <a:t>， 代码组织结构</a:t>
+            </a:r>
+            <a:endParaRPr lang="en-US" altLang="zh-CN" dirty="0" smtClean="0"/>
+          </a:p>
+          <a:p>
             <a:r>
               <a:rPr lang="en-US" altLang="zh-CN" dirty="0" smtClean="0"/>
-              <a:t>design Pro</a:t>
-            </a:r>
-            <a:endParaRPr lang="en-US" dirty="0"/>
-          </a:p>
-        </p:txBody>
-      </p:sp>
-      <p:sp>
-        <p:nvSpPr>
-          <p:cNvPr id="3" name="Content Placeholder 2"/>
-          <p:cNvSpPr>
-            <a:spLocks noGrp="1"/>
-          </p:cNvSpPr>
-          <p:nvPr>
-            <p:ph idx="1"/>
-          </p:nvPr>
-        </p:nvSpPr>
-        <p:spPr/>
-        <p:txBody>
-          <a:bodyPr/>
-          <a:lstStyle/>
-          <a:p>
-            <a:r>
-              <a:rPr lang="en-US" dirty="0">
-                <a:hlinkClick r:id="rId3"/>
-              </a:rPr>
-              <a:t>https://pro.ant.design</a:t>
-            </a:r>
-            <a:r>
-              <a:rPr lang="en-US" dirty="0" smtClean="0">
-                <a:hlinkClick r:id="rId3"/>
-              </a:rPr>
-              <a:t>/</a:t>
-            </a:r>
-            <a:endParaRPr lang="en-US" dirty="0" smtClean="0"/>
-          </a:p>
-          <a:p>
+              <a:t>2</a:t>
+            </a:r>
             <a:r>
               <a:rPr lang="zh-CN" altLang="en-US" dirty="0" smtClean="0"/>
-              <a:t>开箱即用的</a:t>
-            </a:r>
+              <a:t>， 命名规则</a:t>
+            </a:r>
+            <a:endParaRPr lang="en-US" altLang="zh-CN" dirty="0" smtClean="0"/>
+          </a:p>
+          <a:p>
             <a:r>
               <a:rPr lang="en-US" altLang="zh-CN" dirty="0" smtClean="0"/>
-              <a:t>React</a:t>
+              <a:t>3</a:t>
             </a:r>
             <a:r>
               <a:rPr lang="zh-CN" altLang="en-US" dirty="0" smtClean="0"/>
-              <a:t>中后台系统</a:t>
-            </a:r>
-            <a:endParaRPr lang="en-US" altLang="zh-CN" dirty="0" smtClean="0"/>
-          </a:p>
-          <a:p>
-            <a:r>
-              <a:rPr lang="zh-CN" altLang="en-US" dirty="0" smtClean="0"/>
-              <a:t>配套整套的开发环境和最佳实践</a:t>
-            </a:r>
-            <a:endParaRPr lang="en-US" altLang="zh-CN" dirty="0" smtClean="0"/>
-          </a:p>
-          <a:p>
-            <a:r>
-              <a:rPr lang="zh-CN" altLang="en-US" dirty="0" smtClean="0"/>
-              <a:t>阿里开发</a:t>
+              <a:t>， 代码质量</a:t>
             </a:r>
             <a:endParaRPr lang="en-US" dirty="0"/>
           </a:p>
@@ -16202,7 +16193,7 @@
     </p:spTree>
     <p:extLst>
       <p:ext uri="{BB962C8B-B14F-4D97-AF65-F5344CB8AC3E}">
-        <p14:creationId xmlns:p14="http://schemas.microsoft.com/office/powerpoint/2010/main" val="141927553"/>
+        <p14:creationId xmlns:p14="http://schemas.microsoft.com/office/powerpoint/2010/main" val="1801247794"/>
       </p:ext>
     </p:extLst>
   </p:cSld>
@@ -16252,8 +16243,16 @@
           <a:lstStyle/>
           <a:p>
             <a:r>
+              <a:rPr lang="en-US" altLang="zh-CN" dirty="0" smtClean="0"/>
+              <a:t>Ant</a:t>
+            </a:r>
+            <a:r>
               <a:rPr lang="zh-CN" altLang="en-US" dirty="0" smtClean="0"/>
-              <a:t>求职辅导</a:t>
+              <a:t> </a:t>
+            </a:r>
+            <a:r>
+              <a:rPr lang="en-US" altLang="zh-CN" dirty="0" smtClean="0"/>
+              <a:t>design Pro</a:t>
             </a:r>
             <a:endParaRPr lang="en-US" dirty="0"/>
           </a:p>
@@ -16274,71 +16273,55 @@
           <a:bodyPr/>
           <a:lstStyle/>
           <a:p>
-            <a:pPr lvl="0"/>
-            <a:r>
-              <a:rPr lang="zh-CN" altLang="en-US" dirty="0">
-                <a:effectLst/>
+            <a:r>
+              <a:rPr lang="en-US" dirty="0">
+                <a:hlinkClick r:id="rId3"/>
               </a:rPr>
-              <a:t>电话面试辅导</a:t>
-            </a:r>
-            <a:endParaRPr lang="en-US" dirty="0">
-              <a:effectLst/>
-            </a:endParaRPr>
-          </a:p>
-          <a:p>
-            <a:pPr lvl="0"/>
-            <a:r>
-              <a:rPr lang="zh-CN" altLang="en-US" dirty="0">
-                <a:effectLst/>
+              <a:t>https://pro.ant.design</a:t>
+            </a:r>
+            <a:r>
+              <a:rPr lang="en-US" dirty="0" smtClean="0">
+                <a:hlinkClick r:id="rId3"/>
               </a:rPr>
-              <a:t>技术面试辅导</a:t>
-            </a:r>
-            <a:endParaRPr lang="en-US" dirty="0">
-              <a:effectLst/>
-            </a:endParaRPr>
-          </a:p>
-          <a:p>
-            <a:pPr lvl="0"/>
-            <a:r>
-              <a:rPr lang="en-US" dirty="0">
-                <a:effectLst/>
-              </a:rPr>
-              <a:t>Coding test</a:t>
-            </a:r>
-            <a:r>
-              <a:rPr lang="zh-CN" altLang="en-US" dirty="0">
-                <a:effectLst/>
-              </a:rPr>
-              <a:t>辅导</a:t>
-            </a:r>
-            <a:endParaRPr lang="en-US" dirty="0">
-              <a:effectLst/>
-            </a:endParaRPr>
-          </a:p>
-          <a:p>
-            <a:pPr lvl="0"/>
-            <a:r>
-              <a:rPr lang="zh-CN" altLang="en-US" dirty="0">
-                <a:effectLst/>
-              </a:rPr>
-              <a:t>简历</a:t>
-            </a:r>
-            <a:r>
-              <a:rPr lang="zh-CN" altLang="en-US" dirty="0" smtClean="0">
-                <a:effectLst/>
-              </a:rPr>
-              <a:t>修改</a:t>
-            </a:r>
-            <a:endParaRPr lang="en-US" dirty="0">
-              <a:effectLst/>
-            </a:endParaRPr>
+              <a:t>/</a:t>
+            </a:r>
+            <a:endParaRPr lang="en-US" dirty="0" smtClean="0"/>
+          </a:p>
+          <a:p>
+            <a:r>
+              <a:rPr lang="zh-CN" altLang="en-US" dirty="0" smtClean="0"/>
+              <a:t>开箱即用的</a:t>
+            </a:r>
+            <a:r>
+              <a:rPr lang="en-US" altLang="zh-CN" dirty="0" smtClean="0"/>
+              <a:t>React</a:t>
+            </a:r>
+            <a:r>
+              <a:rPr lang="zh-CN" altLang="en-US" dirty="0" smtClean="0"/>
+              <a:t>中后台系统</a:t>
+            </a:r>
+            <a:endParaRPr lang="en-US" altLang="zh-CN" dirty="0" smtClean="0"/>
+          </a:p>
+          <a:p>
+            <a:r>
+              <a:rPr lang="zh-CN" altLang="en-US" dirty="0" smtClean="0"/>
+              <a:t>配套整套的开发环境和最佳实践</a:t>
+            </a:r>
+            <a:endParaRPr lang="en-US" altLang="zh-CN" dirty="0" smtClean="0"/>
+          </a:p>
+          <a:p>
+            <a:r>
+              <a:rPr lang="zh-CN" altLang="en-US" dirty="0" smtClean="0"/>
+              <a:t>阿里开发</a:t>
+            </a:r>
+            <a:endParaRPr lang="en-US" dirty="0"/>
           </a:p>
         </p:txBody>
       </p:sp>
     </p:spTree>
     <p:extLst>
       <p:ext uri="{BB962C8B-B14F-4D97-AF65-F5344CB8AC3E}">
-        <p14:creationId xmlns:p14="http://schemas.microsoft.com/office/powerpoint/2010/main" val="361378919"/>
+        <p14:creationId xmlns:p14="http://schemas.microsoft.com/office/powerpoint/2010/main" val="141927553"/>
       </p:ext>
     </p:extLst>
   </p:cSld>
@@ -16389,7 +16372,7 @@
           <a:p>
             <a:r>
               <a:rPr lang="zh-CN" altLang="en-US" dirty="0" smtClean="0"/>
-              <a:t>电话面试</a:t>
+              <a:t>求职辅导</a:t>
             </a:r>
             <a:endParaRPr lang="en-US" dirty="0"/>
           </a:p>
@@ -16410,40 +16393,71 @@
           <a:bodyPr/>
           <a:lstStyle/>
           <a:p>
-            <a:r>
-              <a:rPr lang="en-US" altLang="zh-CN" dirty="0" smtClean="0"/>
-              <a:t>HR</a:t>
-            </a:r>
-            <a:r>
-              <a:rPr lang="zh-CN" altLang="en-US" dirty="0" smtClean="0"/>
-              <a:t>筛选简历的环节</a:t>
-            </a:r>
-            <a:endParaRPr lang="en-US" altLang="zh-CN" dirty="0" smtClean="0"/>
-          </a:p>
-          <a:p>
-            <a:r>
-              <a:rPr lang="en-US" altLang="zh-CN" dirty="0" err="1" smtClean="0"/>
-              <a:t>Hr</a:t>
-            </a:r>
-            <a:r>
-              <a:rPr lang="zh-CN" altLang="en-US" dirty="0" smtClean="0"/>
-              <a:t>基本什么也不懂</a:t>
-            </a:r>
-            <a:endParaRPr lang="en-US" altLang="zh-CN" dirty="0" smtClean="0"/>
-          </a:p>
-          <a:p>
-            <a:r>
-              <a:rPr lang="zh-CN" altLang="en-US" dirty="0" smtClean="0"/>
-              <a:t>适当夸大</a:t>
-            </a:r>
-            <a:endParaRPr lang="en-US" dirty="0"/>
+            <a:pPr lvl="0"/>
+            <a:r>
+              <a:rPr lang="zh-CN" altLang="en-US" dirty="0">
+                <a:effectLst/>
+              </a:rPr>
+              <a:t>电话面试辅导</a:t>
+            </a:r>
+            <a:endParaRPr lang="en-US" dirty="0">
+              <a:effectLst/>
+            </a:endParaRPr>
+          </a:p>
+          <a:p>
+            <a:pPr lvl="0"/>
+            <a:r>
+              <a:rPr lang="zh-CN" altLang="en-US" dirty="0">
+                <a:effectLst/>
+              </a:rPr>
+              <a:t>技术面试辅导</a:t>
+            </a:r>
+            <a:endParaRPr lang="en-US" dirty="0">
+              <a:effectLst/>
+            </a:endParaRPr>
+          </a:p>
+          <a:p>
+            <a:pPr lvl="0"/>
+            <a:r>
+              <a:rPr lang="en-US" dirty="0">
+                <a:effectLst/>
+              </a:rPr>
+              <a:t>Coding test</a:t>
+            </a:r>
+            <a:r>
+              <a:rPr lang="zh-CN" altLang="en-US" dirty="0">
+                <a:effectLst/>
+              </a:rPr>
+              <a:t>辅导</a:t>
+            </a:r>
+            <a:endParaRPr lang="en-US" dirty="0">
+              <a:effectLst/>
+            </a:endParaRPr>
+          </a:p>
+          <a:p>
+            <a:pPr lvl="0"/>
+            <a:r>
+              <a:rPr lang="zh-CN" altLang="en-US" dirty="0">
+                <a:effectLst/>
+              </a:rPr>
+              <a:t>简历</a:t>
+            </a:r>
+            <a:r>
+              <a:rPr lang="zh-CN" altLang="en-US" dirty="0" smtClean="0">
+                <a:effectLst/>
+              </a:rPr>
+              <a:t>修改</a:t>
+            </a:r>
+            <a:endParaRPr lang="en-US" dirty="0">
+              <a:effectLst/>
+            </a:endParaRPr>
           </a:p>
         </p:txBody>
       </p:sp>
     </p:spTree>
     <p:extLst>
       <p:ext uri="{BB962C8B-B14F-4D97-AF65-F5344CB8AC3E}">
-        <p14:creationId xmlns:p14="http://schemas.microsoft.com/office/powerpoint/2010/main" val="545071430"/>
+        <p14:creationId xmlns:p14="http://schemas.microsoft.com/office/powerpoint/2010/main" val="361378919"/>
       </p:ext>
     </p:extLst>
   </p:cSld>
@@ -16494,7 +16508,7 @@
           <a:p>
             <a:r>
               <a:rPr lang="zh-CN" altLang="en-US" dirty="0" smtClean="0"/>
-              <a:t>技术面试</a:t>
+              <a:t>电话面试</a:t>
             </a:r>
             <a:endParaRPr lang="en-US" dirty="0"/>
           </a:p>
@@ -16517,48 +16531,29 @@
           <a:p>
             <a:r>
               <a:rPr lang="en-US" altLang="zh-CN" dirty="0" smtClean="0"/>
-              <a:t>1</a:t>
+              <a:t>HR</a:t>
             </a:r>
             <a:r>
               <a:rPr lang="zh-CN" altLang="en-US" dirty="0" smtClean="0"/>
-              <a:t>， 反应要迅速</a:t>
+              <a:t>筛选简历的环节</a:t>
             </a:r>
             <a:endParaRPr lang="en-US" altLang="zh-CN" dirty="0" smtClean="0"/>
           </a:p>
           <a:p>
             <a:r>
-              <a:rPr lang="en-US" altLang="zh-CN" dirty="0" smtClean="0"/>
-              <a:t>2</a:t>
+              <a:rPr lang="en-US" altLang="zh-CN" dirty="0" err="1" smtClean="0"/>
+              <a:t>Hr</a:t>
             </a:r>
             <a:r>
               <a:rPr lang="zh-CN" altLang="en-US" dirty="0" smtClean="0"/>
-              <a:t>， 不会的问题要大胆承认，但是可以根据自己的见解说一下</a:t>
+              <a:t>基本什么也不懂</a:t>
             </a:r>
             <a:endParaRPr lang="en-US" altLang="zh-CN" dirty="0" smtClean="0"/>
           </a:p>
           <a:p>
             <a:r>
-              <a:rPr lang="en-US" altLang="zh-CN" dirty="0" smtClean="0"/>
-              <a:t>3</a:t>
-            </a:r>
-            <a:r>
               <a:rPr lang="zh-CN" altLang="en-US" dirty="0" smtClean="0"/>
-              <a:t>， 基础知识最重要</a:t>
-            </a:r>
-            <a:endParaRPr lang="en-US" altLang="zh-CN" dirty="0" smtClean="0"/>
-          </a:p>
-          <a:p>
-            <a:r>
-              <a:rPr lang="en-US" altLang="zh-CN" dirty="0" smtClean="0"/>
-              <a:t>4</a:t>
-            </a:r>
-            <a:r>
-              <a:rPr lang="zh-CN" altLang="en-US" dirty="0" smtClean="0"/>
-              <a:t>， 刷</a:t>
-            </a:r>
-            <a:r>
-              <a:rPr lang="en-US" altLang="zh-CN" dirty="0" err="1" smtClean="0"/>
-              <a:t>Leetcode</a:t>
+              <a:t>适当夸大</a:t>
             </a:r>
             <a:endParaRPr lang="en-US" dirty="0"/>
           </a:p>
@@ -16567,7 +16562,7 @@
     </p:spTree>
     <p:extLst>
       <p:ext uri="{BB962C8B-B14F-4D97-AF65-F5344CB8AC3E}">
-        <p14:creationId xmlns:p14="http://schemas.microsoft.com/office/powerpoint/2010/main" val="1408298898"/>
+        <p14:creationId xmlns:p14="http://schemas.microsoft.com/office/powerpoint/2010/main" val="545071430"/>
       </p:ext>
     </p:extLst>
   </p:cSld>
@@ -16617,6 +16612,130 @@
           <a:lstStyle/>
           <a:p>
             <a:r>
+              <a:rPr lang="zh-CN" altLang="en-US" dirty="0" smtClean="0"/>
+              <a:t>技术面试</a:t>
+            </a:r>
+            <a:endParaRPr lang="en-US" dirty="0"/>
+          </a:p>
+        </p:txBody>
+      </p:sp>
+      <p:sp>
+        <p:nvSpPr>
+          <p:cNvPr id="3" name="Content Placeholder 2"/>
+          <p:cNvSpPr>
+            <a:spLocks noGrp="1"/>
+          </p:cNvSpPr>
+          <p:nvPr>
+            <p:ph idx="1"/>
+          </p:nvPr>
+        </p:nvSpPr>
+        <p:spPr/>
+        <p:txBody>
+          <a:bodyPr/>
+          <a:lstStyle/>
+          <a:p>
+            <a:r>
+              <a:rPr lang="en-US" altLang="zh-CN" dirty="0" smtClean="0"/>
+              <a:t>1</a:t>
+            </a:r>
+            <a:r>
+              <a:rPr lang="zh-CN" altLang="en-US" dirty="0" smtClean="0"/>
+              <a:t>， 反应要迅速</a:t>
+            </a:r>
+            <a:endParaRPr lang="en-US" altLang="zh-CN" dirty="0" smtClean="0"/>
+          </a:p>
+          <a:p>
+            <a:r>
+              <a:rPr lang="en-US" altLang="zh-CN" dirty="0" smtClean="0"/>
+              <a:t>2</a:t>
+            </a:r>
+            <a:r>
+              <a:rPr lang="zh-CN" altLang="en-US" dirty="0" smtClean="0"/>
+              <a:t>， 不会的问题要大胆承认，但是可以根据自己的见解说一下</a:t>
+            </a:r>
+            <a:endParaRPr lang="en-US" altLang="zh-CN" dirty="0" smtClean="0"/>
+          </a:p>
+          <a:p>
+            <a:r>
+              <a:rPr lang="en-US" altLang="zh-CN" dirty="0" smtClean="0"/>
+              <a:t>3</a:t>
+            </a:r>
+            <a:r>
+              <a:rPr lang="zh-CN" altLang="en-US" dirty="0" smtClean="0"/>
+              <a:t>， 基础知识最重要</a:t>
+            </a:r>
+            <a:endParaRPr lang="en-US" altLang="zh-CN" dirty="0" smtClean="0"/>
+          </a:p>
+          <a:p>
+            <a:r>
+              <a:rPr lang="en-US" altLang="zh-CN" dirty="0" smtClean="0"/>
+              <a:t>4</a:t>
+            </a:r>
+            <a:r>
+              <a:rPr lang="zh-CN" altLang="en-US" dirty="0" smtClean="0"/>
+              <a:t>， 刷</a:t>
+            </a:r>
+            <a:r>
+              <a:rPr lang="en-US" altLang="zh-CN" dirty="0" err="1" smtClean="0"/>
+              <a:t>Leetcode</a:t>
+            </a:r>
+            <a:endParaRPr lang="en-US" dirty="0"/>
+          </a:p>
+        </p:txBody>
+      </p:sp>
+    </p:spTree>
+    <p:extLst>
+      <p:ext uri="{BB962C8B-B14F-4D97-AF65-F5344CB8AC3E}">
+        <p14:creationId xmlns:p14="http://schemas.microsoft.com/office/powerpoint/2010/main" val="1408298898"/>
+      </p:ext>
+    </p:extLst>
+  </p:cSld>
+  <p:clrMapOvr>
+    <a:masterClrMapping/>
+  </p:clrMapOvr>
+  <p:timing>
+    <p:tnLst>
+      <p:par>
+        <p:cTn id="1" dur="indefinite" restart="never" nodeType="tmRoot"/>
+      </p:par>
+    </p:tnLst>
+  </p:timing>
+</p:sld>
+</file>
+
+<file path=ppt/slides/slide59.xml><?xml version="1.0" encoding="utf-8"?>
+<p:sld xmlns:a="http://schemas.openxmlformats.org/drawingml/2006/main" xmlns:r="http://schemas.openxmlformats.org/officeDocument/2006/relationships" xmlns:p="http://schemas.openxmlformats.org/presentationml/2006/main">
+  <p:cSld>
+    <p:spTree>
+      <p:nvGrpSpPr>
+        <p:cNvPr id="1" name=""/>
+        <p:cNvGrpSpPr/>
+        <p:nvPr/>
+      </p:nvGrpSpPr>
+      <p:grpSpPr>
+        <a:xfrm>
+          <a:off x="0" y="0"/>
+          <a:ext cx="0" cy="0"/>
+          <a:chOff x="0" y="0"/>
+          <a:chExt cx="0" cy="0"/>
+        </a:xfrm>
+      </p:grpSpPr>
+      <p:sp>
+        <p:nvSpPr>
+          <p:cNvPr id="2" name="Title 1"/>
+          <p:cNvSpPr>
+            <a:spLocks noGrp="1"/>
+          </p:cNvSpPr>
+          <p:nvPr>
+            <p:ph type="title"/>
+          </p:nvPr>
+        </p:nvSpPr>
+        <p:spPr/>
+        <p:txBody>
+          <a:bodyPr/>
+          <a:lstStyle/>
+          <a:p>
+            <a:r>
               <a:rPr lang="en-US" altLang="zh-CN" dirty="0" smtClean="0"/>
               <a:t>Coding</a:t>
             </a:r>
@@ -16732,7 +16851,165 @@
 </p:sld>
 </file>
 
-<file path=ppt/slides/slide59.xml><?xml version="1.0" encoding="utf-8"?>
+<file path=ppt/slides/slide6.xml><?xml version="1.0" encoding="utf-8"?>
+<p:sld xmlns:a="http://schemas.openxmlformats.org/drawingml/2006/main" xmlns:r="http://schemas.openxmlformats.org/officeDocument/2006/relationships" xmlns:p="http://schemas.openxmlformats.org/presentationml/2006/main">
+  <p:cSld>
+    <p:spTree>
+      <p:nvGrpSpPr>
+        <p:cNvPr id="1" name=""/>
+        <p:cNvGrpSpPr/>
+        <p:nvPr/>
+      </p:nvGrpSpPr>
+      <p:grpSpPr>
+        <a:xfrm>
+          <a:off x="0" y="0"/>
+          <a:ext cx="0" cy="0"/>
+          <a:chOff x="0" y="0"/>
+          <a:chExt cx="0" cy="0"/>
+        </a:xfrm>
+      </p:grpSpPr>
+      <p:sp>
+        <p:nvSpPr>
+          <p:cNvPr id="2" name="Title 1"/>
+          <p:cNvSpPr>
+            <a:spLocks noGrp="1"/>
+          </p:cNvSpPr>
+          <p:nvPr>
+            <p:ph type="title"/>
+          </p:nvPr>
+        </p:nvSpPr>
+        <p:spPr/>
+        <p:txBody>
+          <a:bodyPr/>
+          <a:lstStyle/>
+          <a:p>
+            <a:r>
+              <a:rPr lang="zh-CN" altLang="en-US" dirty="0" smtClean="0"/>
+              <a:t>怎么才能学得更好？</a:t>
+            </a:r>
+            <a:endParaRPr lang="en-US" dirty="0"/>
+          </a:p>
+        </p:txBody>
+      </p:sp>
+      <p:sp>
+        <p:nvSpPr>
+          <p:cNvPr id="3" name="Content Placeholder 2"/>
+          <p:cNvSpPr>
+            <a:spLocks noGrp="1"/>
+          </p:cNvSpPr>
+          <p:nvPr>
+            <p:ph idx="1"/>
+          </p:nvPr>
+        </p:nvSpPr>
+        <p:spPr>
+          <a:xfrm>
+            <a:off x="685800" y="2214225"/>
+            <a:ext cx="10820400" cy="4024125"/>
+          </a:xfrm>
+        </p:spPr>
+        <p:txBody>
+          <a:bodyPr/>
+          <a:lstStyle/>
+          <a:p>
+            <a:r>
+              <a:rPr lang="zh-CN" altLang="en-US" dirty="0" smtClean="0"/>
+              <a:t>多问问题</a:t>
+            </a:r>
+            <a:endParaRPr lang="en-US" altLang="zh-CN" dirty="0" smtClean="0"/>
+          </a:p>
+          <a:p>
+            <a:r>
+              <a:rPr lang="zh-CN" altLang="en-US" dirty="0" smtClean="0"/>
+              <a:t>但也不要问太多问题</a:t>
+            </a:r>
+            <a:endParaRPr lang="en-US" altLang="zh-CN" dirty="0" smtClean="0"/>
+          </a:p>
+          <a:p>
+            <a:r>
+              <a:rPr lang="zh-CN" altLang="en-US" dirty="0" smtClean="0"/>
+              <a:t>上课的时候尽量避免一直在抄</a:t>
+            </a:r>
+            <a:r>
+              <a:rPr lang="en-US" altLang="zh-CN" dirty="0" smtClean="0"/>
+              <a:t>code</a:t>
+            </a:r>
+            <a:r>
+              <a:rPr lang="zh-CN" altLang="en-US" dirty="0" smtClean="0"/>
+              <a:t>， 所有</a:t>
+            </a:r>
+            <a:r>
+              <a:rPr lang="en-US" altLang="zh-CN" dirty="0" smtClean="0"/>
+              <a:t>code</a:t>
+            </a:r>
+            <a:r>
+              <a:rPr lang="zh-CN" altLang="en-US" dirty="0" smtClean="0"/>
+              <a:t>都会公布出来，尽量想明白为什么这么写</a:t>
+            </a:r>
+            <a:endParaRPr lang="en-US" altLang="zh-CN" dirty="0" smtClean="0"/>
+          </a:p>
+          <a:p>
+            <a:r>
+              <a:rPr lang="zh-CN" altLang="en-US" dirty="0" smtClean="0"/>
+              <a:t>基础不好的同学请在课前进行预习，我会给大家准备材料</a:t>
+            </a:r>
+            <a:endParaRPr lang="en-US" altLang="zh-CN" dirty="0" smtClean="0"/>
+          </a:p>
+          <a:p>
+            <a:r>
+              <a:rPr lang="zh-CN" altLang="en-US" dirty="0" smtClean="0"/>
+              <a:t>调位！基础好的同学带基础不好的同学</a:t>
+            </a:r>
+            <a:endParaRPr lang="en-US" altLang="zh-CN" dirty="0" smtClean="0"/>
+          </a:p>
+          <a:p>
+            <a:r>
+              <a:rPr lang="zh-CN" altLang="en-US" dirty="0" smtClean="0"/>
+              <a:t>完成每节课后留下的作业</a:t>
+            </a:r>
+            <a:r>
+              <a:rPr lang="en-US" altLang="zh-CN" dirty="0" smtClean="0"/>
+              <a:t>, Commit</a:t>
+            </a:r>
+            <a:r>
+              <a:rPr lang="zh-CN" altLang="en-US" dirty="0" smtClean="0"/>
+              <a:t>到自己的</a:t>
+            </a:r>
+            <a:r>
+              <a:rPr lang="en-US" altLang="zh-CN" dirty="0" err="1" smtClean="0"/>
+              <a:t>GitHub</a:t>
+            </a:r>
+            <a:r>
+              <a:rPr lang="zh-CN" altLang="en-US" dirty="0" smtClean="0"/>
+              <a:t>上</a:t>
+            </a:r>
+            <a:endParaRPr lang="en-US" altLang="zh-CN" dirty="0" smtClean="0"/>
+          </a:p>
+          <a:p>
+            <a:endParaRPr lang="en-US" dirty="0"/>
+          </a:p>
+        </p:txBody>
+      </p:sp>
+    </p:spTree>
+    <p:extLst>
+      <p:ext uri="{BB962C8B-B14F-4D97-AF65-F5344CB8AC3E}">
+        <p14:creationId xmlns:p14="http://schemas.microsoft.com/office/powerpoint/2010/main" val="1116922763"/>
+      </p:ext>
+    </p:extLst>
+  </p:cSld>
+  <p:clrMapOvr>
+    <a:masterClrMapping/>
+  </p:clrMapOvr>
+  <p:timing>
+    <p:tnLst>
+      <p:par>
+        <p:cTn id="1" dur="indefinite" restart="never" nodeType="tmRoot"/>
+      </p:par>
+    </p:tnLst>
+  </p:timing>
+</p:sld>
+</file>
+
+<file path=ppt/slides/slide60.xml><?xml version="1.0" encoding="utf-8"?>
 <p:sld xmlns:a="http://schemas.openxmlformats.org/drawingml/2006/main" xmlns:r="http://schemas.openxmlformats.org/officeDocument/2006/relationships" xmlns:p="http://schemas.openxmlformats.org/presentationml/2006/main">
   <p:cSld>
     <p:spTree>
@@ -17180,164 +17457,6 @@
     <p:extLst>
       <p:ext uri="{BB962C8B-B14F-4D97-AF65-F5344CB8AC3E}">
         <p14:creationId xmlns:p14="http://schemas.microsoft.com/office/powerpoint/2010/main" val="784526128"/>
-      </p:ext>
-    </p:extLst>
-  </p:cSld>
-  <p:clrMapOvr>
-    <a:masterClrMapping/>
-  </p:clrMapOvr>
-  <p:timing>
-    <p:tnLst>
-      <p:par>
-        <p:cTn id="1" dur="indefinite" restart="never" nodeType="tmRoot"/>
-      </p:par>
-    </p:tnLst>
-  </p:timing>
-</p:sld>
-</file>
-
-<file path=ppt/slides/slide6.xml><?xml version="1.0" encoding="utf-8"?>
-<p:sld xmlns:a="http://schemas.openxmlformats.org/drawingml/2006/main" xmlns:r="http://schemas.openxmlformats.org/officeDocument/2006/relationships" xmlns:p="http://schemas.openxmlformats.org/presentationml/2006/main">
-  <p:cSld>
-    <p:spTree>
-      <p:nvGrpSpPr>
-        <p:cNvPr id="1" name=""/>
-        <p:cNvGrpSpPr/>
-        <p:nvPr/>
-      </p:nvGrpSpPr>
-      <p:grpSpPr>
-        <a:xfrm>
-          <a:off x="0" y="0"/>
-          <a:ext cx="0" cy="0"/>
-          <a:chOff x="0" y="0"/>
-          <a:chExt cx="0" cy="0"/>
-        </a:xfrm>
-      </p:grpSpPr>
-      <p:sp>
-        <p:nvSpPr>
-          <p:cNvPr id="2" name="Title 1"/>
-          <p:cNvSpPr>
-            <a:spLocks noGrp="1"/>
-          </p:cNvSpPr>
-          <p:nvPr>
-            <p:ph type="title"/>
-          </p:nvPr>
-        </p:nvSpPr>
-        <p:spPr/>
-        <p:txBody>
-          <a:bodyPr/>
-          <a:lstStyle/>
-          <a:p>
-            <a:r>
-              <a:rPr lang="zh-CN" altLang="en-US" dirty="0" smtClean="0"/>
-              <a:t>怎么才能学得更好？</a:t>
-            </a:r>
-            <a:endParaRPr lang="en-US" dirty="0"/>
-          </a:p>
-        </p:txBody>
-      </p:sp>
-      <p:sp>
-        <p:nvSpPr>
-          <p:cNvPr id="3" name="Content Placeholder 2"/>
-          <p:cNvSpPr>
-            <a:spLocks noGrp="1"/>
-          </p:cNvSpPr>
-          <p:nvPr>
-            <p:ph idx="1"/>
-          </p:nvPr>
-        </p:nvSpPr>
-        <p:spPr>
-          <a:xfrm>
-            <a:off x="685800" y="2214225"/>
-            <a:ext cx="10820400" cy="4024125"/>
-          </a:xfrm>
-        </p:spPr>
-        <p:txBody>
-          <a:bodyPr/>
-          <a:lstStyle/>
-          <a:p>
-            <a:r>
-              <a:rPr lang="zh-CN" altLang="en-US" dirty="0" smtClean="0"/>
-              <a:t>多问问题</a:t>
-            </a:r>
-            <a:endParaRPr lang="en-US" altLang="zh-CN" dirty="0" smtClean="0"/>
-          </a:p>
-          <a:p>
-            <a:r>
-              <a:rPr lang="zh-CN" altLang="en-US" dirty="0" smtClean="0"/>
-              <a:t>但也不要问太多问题</a:t>
-            </a:r>
-            <a:endParaRPr lang="en-US" altLang="zh-CN" dirty="0" smtClean="0"/>
-          </a:p>
-          <a:p>
-            <a:r>
-              <a:rPr lang="zh-CN" altLang="en-US" dirty="0" smtClean="0"/>
-              <a:t>上课的时候尽量避免一直在抄</a:t>
-            </a:r>
-            <a:r>
-              <a:rPr lang="en-US" altLang="zh-CN" dirty="0" smtClean="0"/>
-              <a:t>code</a:t>
-            </a:r>
-            <a:r>
-              <a:rPr lang="zh-CN" altLang="en-US" dirty="0" smtClean="0"/>
-              <a:t>， 所有</a:t>
-            </a:r>
-            <a:r>
-              <a:rPr lang="en-US" altLang="zh-CN" dirty="0" smtClean="0"/>
-              <a:t>code</a:t>
-            </a:r>
-            <a:r>
-              <a:rPr lang="zh-CN" altLang="en-US" dirty="0" smtClean="0"/>
-              <a:t>都会公布出来，尽量想明白为什么这么写</a:t>
-            </a:r>
-            <a:endParaRPr lang="en-US" altLang="zh-CN" dirty="0" smtClean="0"/>
-          </a:p>
-          <a:p>
-            <a:r>
-              <a:rPr lang="zh-CN" altLang="en-US" dirty="0" smtClean="0"/>
-              <a:t>基础不好的同学请在课前进行预习，我会给大家准备材料</a:t>
-            </a:r>
-            <a:endParaRPr lang="en-US" altLang="zh-CN" dirty="0" smtClean="0"/>
-          </a:p>
-          <a:p>
-            <a:r>
-              <a:rPr lang="zh-CN" altLang="en-US" dirty="0" smtClean="0"/>
-              <a:t>调位！基础好的同学带基础不好的同学</a:t>
-            </a:r>
-            <a:endParaRPr lang="en-US" altLang="zh-CN" dirty="0" smtClean="0"/>
-          </a:p>
-          <a:p>
-            <a:r>
-              <a:rPr lang="zh-CN" altLang="en-US" dirty="0" smtClean="0"/>
-              <a:t>完成每节课后留下的作业</a:t>
-            </a:r>
-            <a:r>
-              <a:rPr lang="en-US" altLang="zh-CN" dirty="0" smtClean="0"/>
-              <a:t>, Commit</a:t>
-            </a:r>
-            <a:r>
-              <a:rPr lang="zh-CN" altLang="en-US" dirty="0" smtClean="0"/>
-              <a:t>到自己的</a:t>
-            </a:r>
-            <a:r>
-              <a:rPr lang="en-US" altLang="zh-CN" dirty="0" err="1" smtClean="0"/>
-              <a:t>GitHub</a:t>
-            </a:r>
-            <a:r>
-              <a:rPr lang="zh-CN" altLang="en-US" dirty="0" smtClean="0"/>
-              <a:t>上</a:t>
-            </a:r>
-            <a:endParaRPr lang="en-US" altLang="zh-CN" dirty="0" smtClean="0"/>
-          </a:p>
-          <a:p>
-            <a:endParaRPr lang="en-US" dirty="0"/>
-          </a:p>
-        </p:txBody>
-      </p:sp>
-    </p:spTree>
-    <p:extLst>
-      <p:ext uri="{BB962C8B-B14F-4D97-AF65-F5344CB8AC3E}">
-        <p14:creationId xmlns:p14="http://schemas.microsoft.com/office/powerpoint/2010/main" val="1116922763"/>
       </p:ext>
     </p:extLst>
   </p:cSld>

--- a/前端课程.pptx
+++ b/前端课程.pptx
@@ -5,7 +5,7 @@
     <p:sldMasterId id="2147484229" r:id="rId1"/>
   </p:sldMasterIdLst>
   <p:notesMasterIdLst>
-    <p:notesMasterId r:id="rId62"/>
+    <p:notesMasterId r:id="rId64"/>
   </p:notesMasterIdLst>
   <p:sldIdLst>
     <p:sldId id="272" r:id="rId2"/>
@@ -41,33 +41,35 @@
     <p:sldId id="271" r:id="rId32"/>
     <p:sldId id="269" r:id="rId33"/>
     <p:sldId id="323" r:id="rId34"/>
-    <p:sldId id="273" r:id="rId35"/>
-    <p:sldId id="322" r:id="rId36"/>
-    <p:sldId id="276" r:id="rId37"/>
-    <p:sldId id="282" r:id="rId38"/>
-    <p:sldId id="284" r:id="rId39"/>
-    <p:sldId id="285" r:id="rId40"/>
-    <p:sldId id="286" r:id="rId41"/>
-    <p:sldId id="288" r:id="rId42"/>
-    <p:sldId id="277" r:id="rId43"/>
-    <p:sldId id="279" r:id="rId44"/>
-    <p:sldId id="278" r:id="rId45"/>
-    <p:sldId id="281" r:id="rId46"/>
-    <p:sldId id="287" r:id="rId47"/>
-    <p:sldId id="289" r:id="rId48"/>
-    <p:sldId id="295" r:id="rId49"/>
-    <p:sldId id="293" r:id="rId50"/>
-    <p:sldId id="291" r:id="rId51"/>
-    <p:sldId id="292" r:id="rId52"/>
-    <p:sldId id="290" r:id="rId53"/>
-    <p:sldId id="294" r:id="rId54"/>
-    <p:sldId id="298" r:id="rId55"/>
-    <p:sldId id="296" r:id="rId56"/>
-    <p:sldId id="297" r:id="rId57"/>
-    <p:sldId id="299" r:id="rId58"/>
-    <p:sldId id="300" r:id="rId59"/>
-    <p:sldId id="301" r:id="rId60"/>
-    <p:sldId id="302" r:id="rId61"/>
+    <p:sldId id="324" r:id="rId35"/>
+    <p:sldId id="273" r:id="rId36"/>
+    <p:sldId id="325" r:id="rId37"/>
+    <p:sldId id="276" r:id="rId38"/>
+    <p:sldId id="322" r:id="rId39"/>
+    <p:sldId id="282" r:id="rId40"/>
+    <p:sldId id="284" r:id="rId41"/>
+    <p:sldId id="285" r:id="rId42"/>
+    <p:sldId id="286" r:id="rId43"/>
+    <p:sldId id="288" r:id="rId44"/>
+    <p:sldId id="277" r:id="rId45"/>
+    <p:sldId id="279" r:id="rId46"/>
+    <p:sldId id="278" r:id="rId47"/>
+    <p:sldId id="281" r:id="rId48"/>
+    <p:sldId id="287" r:id="rId49"/>
+    <p:sldId id="289" r:id="rId50"/>
+    <p:sldId id="295" r:id="rId51"/>
+    <p:sldId id="293" r:id="rId52"/>
+    <p:sldId id="291" r:id="rId53"/>
+    <p:sldId id="292" r:id="rId54"/>
+    <p:sldId id="290" r:id="rId55"/>
+    <p:sldId id="294" r:id="rId56"/>
+    <p:sldId id="298" r:id="rId57"/>
+    <p:sldId id="296" r:id="rId58"/>
+    <p:sldId id="297" r:id="rId59"/>
+    <p:sldId id="299" r:id="rId60"/>
+    <p:sldId id="300" r:id="rId61"/>
+    <p:sldId id="301" r:id="rId62"/>
+    <p:sldId id="302" r:id="rId63"/>
   </p:sldIdLst>
   <p:sldSz cx="12192000" cy="6858000"/>
   <p:notesSz cx="6858000" cy="9144000"/>
@@ -204,9 +206,11 @@
             <p14:sldId id="271"/>
             <p14:sldId id="269"/>
             <p14:sldId id="323"/>
+            <p14:sldId id="324"/>
             <p14:sldId id="273"/>
+            <p14:sldId id="325"/>
+            <p14:sldId id="276"/>
             <p14:sldId id="322"/>
-            <p14:sldId id="276"/>
             <p14:sldId id="282"/>
             <p14:sldId id="284"/>
             <p14:sldId id="285"/>
@@ -327,7 +331,7 @@
           <a:p>
             <a:fld id="{A75DC609-2A5E-994A-AEB9-E13728C46CDD}" type="datetimeFigureOut">
               <a:rPr lang="en-US" smtClean="0"/>
-              <a:t>7/8/18</a:t>
+              <a:t>7/13/18</a:t>
             </a:fld>
             <a:endParaRPr lang="en-US"/>
           </a:p>
@@ -2026,7 +2030,7 @@
           <a:p>
             <a:fld id="{3A8071CD-55D8-0E40-9E87-5F5ADA6DF007}" type="slidenum">
               <a:rPr lang="en-US" smtClean="0"/>
-              <a:t>34</a:t>
+              <a:t>35</a:t>
             </a:fld>
             <a:endParaRPr lang="en-US"/>
           </a:p>
@@ -2145,7 +2149,7 @@
           <a:p>
             <a:fld id="{3A8071CD-55D8-0E40-9E87-5F5ADA6DF007}" type="slidenum">
               <a:rPr lang="en-US" smtClean="0"/>
-              <a:t>36</a:t>
+              <a:t>37</a:t>
             </a:fld>
             <a:endParaRPr lang="en-US"/>
           </a:p>
@@ -2273,7 +2277,7 @@
           <a:p>
             <a:fld id="{3A8071CD-55D8-0E40-9E87-5F5ADA6DF007}" type="slidenum">
               <a:rPr lang="en-US" smtClean="0"/>
-              <a:t>37</a:t>
+              <a:t>39</a:t>
             </a:fld>
             <a:endParaRPr lang="en-US"/>
           </a:p>
@@ -2357,7 +2361,7 @@
           <a:p>
             <a:fld id="{3A8071CD-55D8-0E40-9E87-5F5ADA6DF007}" type="slidenum">
               <a:rPr lang="en-US" smtClean="0"/>
-              <a:t>39</a:t>
+              <a:t>41</a:t>
             </a:fld>
             <a:endParaRPr lang="en-US"/>
           </a:p>
@@ -2461,7 +2465,7 @@
           <a:p>
             <a:fld id="{3A8071CD-55D8-0E40-9E87-5F5ADA6DF007}" type="slidenum">
               <a:rPr lang="en-US" smtClean="0"/>
-              <a:t>40</a:t>
+              <a:t>42</a:t>
             </a:fld>
             <a:endParaRPr lang="en-US"/>
           </a:p>
@@ -2573,7 +2577,7 @@
           <a:p>
             <a:fld id="{3A8071CD-55D8-0E40-9E87-5F5ADA6DF007}" type="slidenum">
               <a:rPr lang="en-US" smtClean="0"/>
-              <a:t>42</a:t>
+              <a:t>44</a:t>
             </a:fld>
             <a:endParaRPr lang="en-US"/>
           </a:p>
@@ -2719,7 +2723,7 @@
           <a:p>
             <a:fld id="{3A8071CD-55D8-0E40-9E87-5F5ADA6DF007}" type="slidenum">
               <a:rPr lang="en-US" smtClean="0"/>
-              <a:t>44</a:t>
+              <a:t>46</a:t>
             </a:fld>
             <a:endParaRPr lang="en-US"/>
           </a:p>
@@ -2838,7 +2842,7 @@
           <a:p>
             <a:fld id="{3A8071CD-55D8-0E40-9E87-5F5ADA6DF007}" type="slidenum">
               <a:rPr lang="en-US" smtClean="0"/>
-              <a:t>45</a:t>
+              <a:t>47</a:t>
             </a:fld>
             <a:endParaRPr lang="en-US"/>
           </a:p>
@@ -2934,7 +2938,7 @@
           <a:p>
             <a:fld id="{3A8071CD-55D8-0E40-9E87-5F5ADA6DF007}" type="slidenum">
               <a:rPr lang="en-US" smtClean="0"/>
-              <a:t>46</a:t>
+              <a:t>48</a:t>
             </a:fld>
             <a:endParaRPr lang="en-US"/>
           </a:p>
@@ -3052,7 +3056,7 @@
           <a:p>
             <a:fld id="{3A8071CD-55D8-0E40-9E87-5F5ADA6DF007}" type="slidenum">
               <a:rPr lang="en-US" smtClean="0"/>
-              <a:t>47</a:t>
+              <a:t>49</a:t>
             </a:fld>
             <a:endParaRPr lang="en-US"/>
           </a:p>
@@ -3278,7 +3282,7 @@
           <a:p>
             <a:fld id="{3A8071CD-55D8-0E40-9E87-5F5ADA6DF007}" type="slidenum">
               <a:rPr lang="en-US" smtClean="0"/>
-              <a:t>49</a:t>
+              <a:t>51</a:t>
             </a:fld>
             <a:endParaRPr lang="en-US"/>
           </a:p>
@@ -3388,7 +3392,7 @@
           <a:p>
             <a:fld id="{3A8071CD-55D8-0E40-9E87-5F5ADA6DF007}" type="slidenum">
               <a:rPr lang="en-US" smtClean="0"/>
-              <a:t>50</a:t>
+              <a:t>52</a:t>
             </a:fld>
             <a:endParaRPr lang="en-US"/>
           </a:p>
@@ -3472,7 +3476,7 @@
           <a:p>
             <a:fld id="{3A8071CD-55D8-0E40-9E87-5F5ADA6DF007}" type="slidenum">
               <a:rPr lang="en-US" smtClean="0"/>
-              <a:t>52</a:t>
+              <a:t>54</a:t>
             </a:fld>
             <a:endParaRPr lang="en-US"/>
           </a:p>
@@ -3556,7 +3560,7 @@
           <a:p>
             <a:fld id="{3A8071CD-55D8-0E40-9E87-5F5ADA6DF007}" type="slidenum">
               <a:rPr lang="en-US" smtClean="0"/>
-              <a:t>53</a:t>
+              <a:t>55</a:t>
             </a:fld>
             <a:endParaRPr lang="en-US"/>
           </a:p>
@@ -3671,7 +3675,7 @@
           <a:p>
             <a:fld id="{3A8071CD-55D8-0E40-9E87-5F5ADA6DF007}" type="slidenum">
               <a:rPr lang="en-US" smtClean="0"/>
-              <a:t>55</a:t>
+              <a:t>57</a:t>
             </a:fld>
             <a:endParaRPr lang="en-US"/>
           </a:p>
@@ -3779,7 +3783,7 @@
           <a:p>
             <a:fld id="{3A8071CD-55D8-0E40-9E87-5F5ADA6DF007}" type="slidenum">
               <a:rPr lang="en-US" smtClean="0"/>
-              <a:t>60</a:t>
+              <a:t>62</a:t>
             </a:fld>
             <a:endParaRPr lang="en-US"/>
           </a:p>
@@ -4602,7 +4606,7 @@
             <a:fld id="{B61BEF0D-F0BB-DE4B-95CE-6DB70DBA9567}" type="datetimeFigureOut">
               <a:rPr lang="en-US" smtClean="0"/>
               <a:pPr/>
-              <a:t>7/8/18</a:t>
+              <a:t>7/13/18</a:t>
             </a:fld>
             <a:endParaRPr lang="en-US" dirty="0"/>
           </a:p>
@@ -4876,7 +4880,7 @@
             <a:fld id="{B61BEF0D-F0BB-DE4B-95CE-6DB70DBA9567}" type="datetimeFigureOut">
               <a:rPr lang="en-US" smtClean="0"/>
               <a:pPr/>
-              <a:t>7/8/18</a:t>
+              <a:t>7/13/18</a:t>
             </a:fld>
             <a:endParaRPr lang="en-US" dirty="0"/>
           </a:p>
@@ -5109,7 +5113,7 @@
             <a:fld id="{B61BEF0D-F0BB-DE4B-95CE-6DB70DBA9567}" type="datetimeFigureOut">
               <a:rPr lang="en-US" smtClean="0"/>
               <a:pPr/>
-              <a:t>7/8/18</a:t>
+              <a:t>7/13/18</a:t>
             </a:fld>
             <a:endParaRPr lang="en-US" dirty="0"/>
           </a:p>
@@ -5421,7 +5425,7 @@
             <a:fld id="{B61BEF0D-F0BB-DE4B-95CE-6DB70DBA9567}" type="datetimeFigureOut">
               <a:rPr lang="en-US" smtClean="0"/>
               <a:pPr/>
-              <a:t>7/8/18</a:t>
+              <a:t>7/13/18</a:t>
             </a:fld>
             <a:endParaRPr lang="en-US" dirty="0"/>
           </a:p>
@@ -5896,7 +5900,7 @@
             <a:fld id="{B61BEF0D-F0BB-DE4B-95CE-6DB70DBA9567}" type="datetimeFigureOut">
               <a:rPr lang="en-US" smtClean="0"/>
               <a:pPr/>
-              <a:t>7/8/18</a:t>
+              <a:t>7/13/18</a:t>
             </a:fld>
             <a:endParaRPr lang="en-US" dirty="0"/>
           </a:p>
@@ -6445,7 +6449,7 @@
             <a:fld id="{B61BEF0D-F0BB-DE4B-95CE-6DB70DBA9567}" type="datetimeFigureOut">
               <a:rPr lang="en-US" smtClean="0"/>
               <a:pPr/>
-              <a:t>7/8/18</a:t>
+              <a:t>7/13/18</a:t>
             </a:fld>
             <a:endParaRPr lang="en-US" dirty="0"/>
           </a:p>
@@ -7221,7 +7225,7 @@
             <a:fld id="{B61BEF0D-F0BB-DE4B-95CE-6DB70DBA9567}" type="datetimeFigureOut">
               <a:rPr lang="en-US" smtClean="0"/>
               <a:pPr/>
-              <a:t>7/8/18</a:t>
+              <a:t>7/13/18</a:t>
             </a:fld>
             <a:endParaRPr lang="en-US" dirty="0"/>
           </a:p>
@@ -7398,7 +7402,7 @@
             <a:fld id="{B61BEF0D-F0BB-DE4B-95CE-6DB70DBA9567}" type="datetimeFigureOut">
               <a:rPr lang="en-US" smtClean="0"/>
               <a:pPr/>
-              <a:t>7/8/18</a:t>
+              <a:t>7/13/18</a:t>
             </a:fld>
             <a:endParaRPr lang="en-US" dirty="0"/>
           </a:p>
@@ -7623,7 +7627,7 @@
             <a:fld id="{B61BEF0D-F0BB-DE4B-95CE-6DB70DBA9567}" type="datetimeFigureOut">
               <a:rPr lang="en-US" smtClean="0"/>
               <a:pPr/>
-              <a:t>7/8/18</a:t>
+              <a:t>7/13/18</a:t>
             </a:fld>
             <a:endParaRPr lang="en-US" dirty="0"/>
           </a:p>
@@ -7810,7 +7814,7 @@
             <a:fld id="{B61BEF0D-F0BB-DE4B-95CE-6DB70DBA9567}" type="datetimeFigureOut">
               <a:rPr lang="en-US" smtClean="0"/>
               <a:pPr/>
-              <a:t>7/8/18</a:t>
+              <a:t>7/13/18</a:t>
             </a:fld>
             <a:endParaRPr lang="en-US" dirty="0"/>
           </a:p>
@@ -8101,7 +8105,7 @@
             <a:fld id="{B61BEF0D-F0BB-DE4B-95CE-6DB70DBA9567}" type="datetimeFigureOut">
               <a:rPr lang="en-US" smtClean="0"/>
               <a:pPr/>
-              <a:t>7/8/18</a:t>
+              <a:t>7/13/18</a:t>
             </a:fld>
             <a:endParaRPr lang="en-US" dirty="0"/>
           </a:p>
@@ -8350,7 +8354,7 @@
             <a:fld id="{B61BEF0D-F0BB-DE4B-95CE-6DB70DBA9567}" type="datetimeFigureOut">
               <a:rPr lang="en-US" smtClean="0"/>
               <a:pPr/>
-              <a:t>7/8/18</a:t>
+              <a:t>7/13/18</a:t>
             </a:fld>
             <a:endParaRPr lang="en-US" dirty="0"/>
           </a:p>
@@ -8736,7 +8740,7 @@
             <a:fld id="{B61BEF0D-F0BB-DE4B-95CE-6DB70DBA9567}" type="datetimeFigureOut">
               <a:rPr lang="en-US" smtClean="0"/>
               <a:pPr/>
-              <a:t>7/8/18</a:t>
+              <a:t>7/13/18</a:t>
             </a:fld>
             <a:endParaRPr lang="en-US" dirty="0"/>
           </a:p>
@@ -8861,7 +8865,7 @@
             <a:fld id="{B61BEF0D-F0BB-DE4B-95CE-6DB70DBA9567}" type="datetimeFigureOut">
               <a:rPr lang="en-US" smtClean="0"/>
               <a:pPr/>
-              <a:t>7/8/18</a:t>
+              <a:t>7/13/18</a:t>
             </a:fld>
             <a:endParaRPr lang="en-US" dirty="0"/>
           </a:p>
@@ -8958,7 +8962,7 @@
             <a:fld id="{B61BEF0D-F0BB-DE4B-95CE-6DB70DBA9567}" type="datetimeFigureOut">
               <a:rPr lang="en-US" smtClean="0"/>
               <a:pPr/>
-              <a:t>7/8/18</a:t>
+              <a:t>7/13/18</a:t>
             </a:fld>
             <a:endParaRPr lang="en-US" dirty="0"/>
           </a:p>
@@ -9214,7 +9218,7 @@
             <a:fld id="{B61BEF0D-F0BB-DE4B-95CE-6DB70DBA9567}" type="datetimeFigureOut">
               <a:rPr lang="en-US" smtClean="0"/>
               <a:pPr/>
-              <a:t>7/8/18</a:t>
+              <a:t>7/13/18</a:t>
             </a:fld>
             <a:endParaRPr lang="en-US" dirty="0"/>
           </a:p>
@@ -9478,7 +9482,7 @@
             <a:fld id="{B61BEF0D-F0BB-DE4B-95CE-6DB70DBA9567}" type="datetimeFigureOut">
               <a:rPr lang="en-US" smtClean="0"/>
               <a:pPr/>
-              <a:t>7/8/18</a:t>
+              <a:t>7/13/18</a:t>
             </a:fld>
             <a:endParaRPr lang="en-US" dirty="0"/>
           </a:p>
@@ -9723,7 +9727,7 @@
             <a:fld id="{B61BEF0D-F0BB-DE4B-95CE-6DB70DBA9567}" type="datetimeFigureOut">
               <a:rPr lang="en-US" smtClean="0"/>
               <a:pPr/>
-              <a:t>7/8/18</a:t>
+              <a:t>7/13/18</a:t>
             </a:fld>
             <a:endParaRPr lang="en-US" dirty="0"/>
           </a:p>
@@ -13153,23 +13157,14 @@
             <p:ph type="title"/>
           </p:nvPr>
         </p:nvSpPr>
-        <p:spPr>
-          <a:xfrm>
-            <a:off x="1751011" y="527281"/>
-            <a:ext cx="8686800" cy="1468800"/>
-          </a:xfrm>
-        </p:spPr>
-        <p:txBody>
-          <a:bodyPr/>
-          <a:lstStyle/>
-          <a:p>
-            <a:r>
-              <a:rPr lang="en-US" dirty="0" smtClean="0"/>
-              <a:t>React </a:t>
-            </a:r>
+        <p:spPr/>
+        <p:txBody>
+          <a:bodyPr/>
+          <a:lstStyle/>
+          <a:p>
             <a:r>
               <a:rPr lang="zh-CN" altLang="en-US" dirty="0" smtClean="0"/>
-              <a:t>基础语法</a:t>
+              <a:t>作业批改</a:t>
             </a:r>
             <a:endParaRPr lang="en-US" dirty="0"/>
           </a:p>
@@ -13185,91 +13180,10 @@
             <p:ph type="body" idx="1"/>
           </p:nvPr>
         </p:nvSpPr>
-        <p:spPr>
-          <a:xfrm>
-            <a:off x="1611311" y="2262781"/>
-            <a:ext cx="8686801" cy="860400"/>
-          </a:xfrm>
-        </p:spPr>
-        <p:txBody>
-          <a:bodyPr/>
-          <a:lstStyle/>
-          <a:p>
-            <a:r>
-              <a:rPr lang="en-US" dirty="0"/>
-              <a:t>http://</a:t>
-            </a:r>
-            <a:r>
-              <a:rPr lang="en-US" dirty="0" err="1"/>
-              <a:t>www.ruanyifeng.com</a:t>
-            </a:r>
-            <a:r>
-              <a:rPr lang="en-US" dirty="0"/>
-              <a:t>/blog/2015/03/</a:t>
-            </a:r>
-            <a:r>
-              <a:rPr lang="en-US" dirty="0" err="1"/>
-              <a:t>react.html</a:t>
-            </a:r>
-            <a:endParaRPr lang="en-US" dirty="0"/>
-          </a:p>
-        </p:txBody>
-      </p:sp>
-      <p:sp>
-        <p:nvSpPr>
-          <p:cNvPr id="4" name="TextBox 3"/>
-          <p:cNvSpPr txBox="1"/>
-          <p:nvPr/>
-        </p:nvSpPr>
-        <p:spPr>
-          <a:xfrm>
-            <a:off x="1751011" y="3683000"/>
-            <a:ext cx="6605589" cy="1754326"/>
-          </a:xfrm>
-          <a:prstGeom prst="rect">
-            <a:avLst/>
-          </a:prstGeom>
-          <a:noFill/>
-        </p:spPr>
-        <p:txBody>
-          <a:bodyPr wrap="square" rtlCol="0">
-            <a:spAutoFit/>
-          </a:bodyPr>
-          <a:lstStyle/>
-          <a:p>
-            <a:r>
-              <a:rPr lang="zh-CN" altLang="en-US" dirty="0" smtClean="0"/>
-              <a:t>打开命令行</a:t>
-            </a:r>
-            <a:endParaRPr lang="en-US" altLang="zh-CN" dirty="0" smtClean="0"/>
-          </a:p>
-          <a:p>
-            <a:endParaRPr lang="en-US" dirty="0" smtClean="0"/>
-          </a:p>
-          <a:p>
-            <a:r>
-              <a:rPr lang="en-US" dirty="0" err="1" smtClean="0"/>
-              <a:t>npm</a:t>
-            </a:r>
-            <a:r>
-              <a:rPr lang="en-US" dirty="0" smtClean="0"/>
-              <a:t> </a:t>
-            </a:r>
-            <a:r>
-              <a:rPr lang="en-US" dirty="0"/>
-              <a:t>install -g create-react-app </a:t>
-            </a:r>
-            <a:endParaRPr lang="en-US" dirty="0" smtClean="0"/>
-          </a:p>
-          <a:p>
-            <a:r>
-              <a:rPr lang="en-US" dirty="0" smtClean="0"/>
-              <a:t>create-react-app game</a:t>
-            </a:r>
-          </a:p>
-          <a:p>
-            <a:endParaRPr lang="en-US" dirty="0" smtClean="0"/>
-          </a:p>
+        <p:spPr/>
+        <p:txBody>
+          <a:bodyPr/>
+          <a:lstStyle/>
           <a:p>
             <a:endParaRPr lang="en-US" dirty="0"/>
           </a:p>
@@ -13278,7 +13192,7 @@
     </p:spTree>
     <p:extLst>
       <p:ext uri="{BB962C8B-B14F-4D97-AF65-F5344CB8AC3E}">
-        <p14:creationId xmlns:p14="http://schemas.microsoft.com/office/powerpoint/2010/main" val="1795940807"/>
+        <p14:creationId xmlns:p14="http://schemas.microsoft.com/office/powerpoint/2010/main" val="606395550"/>
       </p:ext>
     </p:extLst>
   </p:cSld>
@@ -13322,22 +13236,23 @@
             <p:ph type="title"/>
           </p:nvPr>
         </p:nvSpPr>
-        <p:spPr/>
-        <p:txBody>
-          <a:bodyPr/>
-          <a:lstStyle/>
-          <a:p>
-            <a:r>
-              <a:rPr lang="en-US" altLang="zh-CN" dirty="0" smtClean="0"/>
-              <a:t>React</a:t>
+        <p:spPr>
+          <a:xfrm>
+            <a:off x="1751011" y="527281"/>
+            <a:ext cx="8686800" cy="1468800"/>
+          </a:xfrm>
+        </p:spPr>
+        <p:txBody>
+          <a:bodyPr/>
+          <a:lstStyle/>
+          <a:p>
+            <a:r>
+              <a:rPr lang="en-US" dirty="0" smtClean="0"/>
+              <a:t>React </a:t>
             </a:r>
             <a:r>
               <a:rPr lang="zh-CN" altLang="en-US" dirty="0" smtClean="0"/>
-              <a:t> 作业</a:t>
-            </a:r>
-            <a:r>
-              <a:rPr lang="en-US" altLang="zh-CN" dirty="0" smtClean="0"/>
-              <a:t>1</a:t>
+              <a:t>基础语法</a:t>
             </a:r>
             <a:endParaRPr lang="en-US" dirty="0"/>
           </a:p>
@@ -13353,23 +13268,136 @@
             <p:ph type="body" idx="1"/>
           </p:nvPr>
         </p:nvSpPr>
-        <p:spPr/>
-        <p:txBody>
-          <a:bodyPr/>
+        <p:spPr>
+          <a:xfrm>
+            <a:off x="1611311" y="2262781"/>
+            <a:ext cx="8686801" cy="860400"/>
+          </a:xfrm>
+        </p:spPr>
+        <p:txBody>
+          <a:bodyPr/>
+          <a:lstStyle/>
+          <a:p>
+            <a:r>
+              <a:rPr lang="en-US" dirty="0"/>
+              <a:t>http://</a:t>
+            </a:r>
+            <a:r>
+              <a:rPr lang="en-US" dirty="0" err="1"/>
+              <a:t>www.ruanyifeng.com</a:t>
+            </a:r>
+            <a:r>
+              <a:rPr lang="en-US" dirty="0"/>
+              <a:t>/blog/2015/03/</a:t>
+            </a:r>
+            <a:r>
+              <a:rPr lang="en-US" dirty="0" err="1"/>
+              <a:t>react.html</a:t>
+            </a:r>
+            <a:endParaRPr lang="en-US" dirty="0"/>
+          </a:p>
+        </p:txBody>
+      </p:sp>
+      <p:sp>
+        <p:nvSpPr>
+          <p:cNvPr id="4" name="TextBox 3"/>
+          <p:cNvSpPr txBox="1"/>
+          <p:nvPr/>
+        </p:nvSpPr>
+        <p:spPr>
+          <a:xfrm>
+            <a:off x="1751011" y="3683000"/>
+            <a:ext cx="6605589" cy="2585323"/>
+          </a:xfrm>
+          <a:prstGeom prst="rect">
+            <a:avLst/>
+          </a:prstGeom>
+          <a:noFill/>
+        </p:spPr>
+        <p:txBody>
+          <a:bodyPr wrap="square" rtlCol="0">
+            <a:spAutoFit/>
+          </a:bodyPr>
           <a:lstStyle/>
           <a:p>
             <a:r>
               <a:rPr lang="zh-CN" altLang="en-US" dirty="0" smtClean="0"/>
-              <a:t>自己搭建好一个</a:t>
-            </a:r>
-            <a:r>
-              <a:rPr lang="en-US" altLang="zh-CN" dirty="0" smtClean="0"/>
-              <a:t>React</a:t>
-            </a:r>
+              <a:t>打开命令行</a:t>
+            </a:r>
+            <a:endParaRPr lang="en-US" altLang="zh-CN" dirty="0" smtClean="0"/>
+          </a:p>
+          <a:p>
+            <a:endParaRPr lang="en-US" dirty="0" smtClean="0"/>
+          </a:p>
+          <a:p>
+            <a:r>
+              <a:rPr lang="en-US" dirty="0" err="1" smtClean="0"/>
+              <a:t>npm</a:t>
+            </a:r>
+            <a:r>
+              <a:rPr lang="en-US" dirty="0" smtClean="0"/>
+              <a:t> </a:t>
+            </a:r>
+            <a:r>
+              <a:rPr lang="en-US" dirty="0"/>
+              <a:t>install -g create-react-app </a:t>
+            </a:r>
+            <a:endParaRPr lang="en-US" dirty="0" smtClean="0"/>
+          </a:p>
+          <a:p>
+            <a:r>
+              <a:rPr lang="en-US" dirty="0" smtClean="0"/>
+              <a:t>create-react-app </a:t>
+            </a:r>
+            <a:r>
+              <a:rPr lang="en-US" dirty="0" smtClean="0"/>
+              <a:t>game</a:t>
+            </a:r>
+          </a:p>
+          <a:p>
+            <a:r>
+              <a:rPr lang="en-US" dirty="0" smtClean="0"/>
+              <a:t>cd game</a:t>
+            </a:r>
+          </a:p>
+          <a:p>
+            <a:r>
+              <a:rPr lang="en-US" dirty="0" err="1"/>
+              <a:t>n</a:t>
+            </a:r>
+            <a:r>
+              <a:rPr lang="en-US" dirty="0" err="1" smtClean="0"/>
+              <a:t>pm</a:t>
+            </a:r>
+            <a:r>
+              <a:rPr lang="en-US" dirty="0" smtClean="0"/>
+              <a:t> start</a:t>
+            </a:r>
+            <a:endParaRPr lang="en-US" dirty="0" smtClean="0"/>
+          </a:p>
+          <a:p>
+            <a:endParaRPr lang="en-US" dirty="0" smtClean="0"/>
+          </a:p>
+          <a:p>
             <a:r>
               <a:rPr lang="zh-CN" altLang="en-US" dirty="0" smtClean="0"/>
-              <a:t>项目框架，并实现圣杯布局</a:t>
-            </a:r>
+              <a:t>安装</a:t>
+            </a:r>
+            <a:r>
+              <a:rPr lang="en-US" dirty="0" err="1" smtClean="0"/>
+              <a:t>Vscode</a:t>
+            </a:r>
+            <a:r>
+              <a:rPr lang="en-US" dirty="0" smtClean="0"/>
+              <a:t> </a:t>
+            </a:r>
+            <a:r>
+              <a:rPr lang="zh-CN" altLang="en-US" dirty="0" smtClean="0"/>
+              <a:t>插件</a:t>
+            </a:r>
+            <a:endParaRPr lang="en-US" dirty="0" smtClean="0"/>
+          </a:p>
+          <a:p>
             <a:endParaRPr lang="en-US" dirty="0"/>
           </a:p>
         </p:txBody>
@@ -13377,13 +13405,20 @@
     </p:spTree>
     <p:extLst>
       <p:ext uri="{BB962C8B-B14F-4D97-AF65-F5344CB8AC3E}">
-        <p14:creationId xmlns:p14="http://schemas.microsoft.com/office/powerpoint/2010/main" val="1410929711"/>
+        <p14:creationId xmlns:p14="http://schemas.microsoft.com/office/powerpoint/2010/main" val="1795940807"/>
       </p:ext>
     </p:extLst>
   </p:cSld>
   <p:clrMapOvr>
     <a:masterClrMapping/>
   </p:clrMapOvr>
+  <p:timing>
+    <p:tnLst>
+      <p:par>
+        <p:cTn id="1" dur="indefinite" restart="never" nodeType="tmRoot"/>
+      </p:par>
+    </p:tnLst>
+  </p:timing>
 </p:sld>
 </file>
 
@@ -13406,7 +13441,7 @@
       </p:grpSpPr>
       <p:sp>
         <p:nvSpPr>
-          <p:cNvPr id="2" name="Title 1"/>
+          <p:cNvPr id="6" name="Title 5"/>
           <p:cNvSpPr>
             <a:spLocks noGrp="1"/>
           </p:cNvSpPr>
@@ -13425,38 +13460,99 @@
             </a:r>
             <a:r>
               <a:rPr lang="zh-CN" altLang="en-US" dirty="0" smtClean="0"/>
-              <a:t>项目实战</a:t>
-            </a:r>
-            <a:endParaRPr lang="en-US" dirty="0"/>
-          </a:p>
-        </p:txBody>
-      </p:sp>
-      <p:sp>
-        <p:nvSpPr>
-          <p:cNvPr id="3" name="Text Placeholder 2"/>
-          <p:cNvSpPr>
-            <a:spLocks noGrp="1"/>
-          </p:cNvSpPr>
-          <p:nvPr>
-            <p:ph type="body" idx="1"/>
-          </p:nvPr>
-        </p:nvSpPr>
-        <p:spPr/>
-        <p:txBody>
-          <a:bodyPr/>
-          <a:lstStyle/>
-          <a:p>
+              <a:t>小结</a:t>
+            </a:r>
+            <a:endParaRPr lang="en-US" dirty="0"/>
+          </a:p>
+        </p:txBody>
+      </p:sp>
+      <p:sp>
+        <p:nvSpPr>
+          <p:cNvPr id="7" name="Content Placeholder 6"/>
+          <p:cNvSpPr>
+            <a:spLocks noGrp="1"/>
+          </p:cNvSpPr>
+          <p:nvPr>
+            <p:ph idx="1"/>
+          </p:nvPr>
+        </p:nvSpPr>
+        <p:spPr/>
+        <p:txBody>
+          <a:bodyPr/>
+          <a:lstStyle/>
+          <a:p>
+            <a:r>
+              <a:rPr lang="en-US" altLang="zh-CN" dirty="0" smtClean="0"/>
+              <a:t>Virtual</a:t>
+            </a:r>
             <a:r>
               <a:rPr lang="zh-CN" altLang="en-US" dirty="0" smtClean="0"/>
-              <a:t>实现官方教程</a:t>
+              <a:t> </a:t>
             </a:r>
             <a:r>
               <a:rPr lang="en-US" altLang="zh-CN" dirty="0" smtClean="0"/>
-              <a:t>-</a:t>
-            </a:r>
+              <a:t>Dom</a:t>
+            </a:r>
+          </a:p>
+          <a:p>
             <a:r>
               <a:rPr lang="zh-CN" altLang="en-US" dirty="0" smtClean="0"/>
-              <a:t>井字棋</a:t>
+              <a:t>使用</a:t>
+            </a:r>
+            <a:r>
+              <a:rPr lang="en-US" altLang="zh-CN" dirty="0" smtClean="0"/>
+              <a:t>Component</a:t>
+            </a:r>
+          </a:p>
+          <a:p>
+            <a:r>
+              <a:rPr lang="en-US" altLang="zh-CN" dirty="0" smtClean="0"/>
+              <a:t>State</a:t>
+            </a:r>
+            <a:r>
+              <a:rPr lang="zh-CN" altLang="en-US" dirty="0" smtClean="0"/>
+              <a:t>和</a:t>
+            </a:r>
+            <a:r>
+              <a:rPr lang="en-US" altLang="zh-CN" dirty="0" smtClean="0"/>
+              <a:t>Props</a:t>
+            </a:r>
+          </a:p>
+          <a:p>
+            <a:r>
+              <a:rPr lang="zh-CN" altLang="en-US" dirty="0" smtClean="0"/>
+              <a:t>怎么从父节点传给子节点</a:t>
+            </a:r>
+            <a:endParaRPr lang="en-US" altLang="zh-CN" dirty="0" smtClean="0"/>
+          </a:p>
+          <a:p>
+            <a:r>
+              <a:rPr lang="zh-CN" altLang="en-US" dirty="0" smtClean="0"/>
+              <a:t>使用</a:t>
+            </a:r>
+            <a:r>
+              <a:rPr lang="en-US" dirty="0" err="1"/>
+              <a:t>npm</a:t>
+            </a:r>
+            <a:r>
+              <a:rPr lang="en-US" dirty="0"/>
+              <a:t> </a:t>
+            </a:r>
+            <a:r>
+              <a:rPr lang="en-US" smtClean="0"/>
+              <a:t>i</a:t>
+            </a:r>
+            <a:r>
+              <a:rPr lang="zh-CN" altLang="en-US" smtClean="0"/>
+              <a:t>安装</a:t>
+            </a:r>
+            <a:r>
+              <a:rPr lang="en-US" altLang="zh-CN" dirty="0" err="1" smtClean="0"/>
+              <a:t>npm</a:t>
+            </a:r>
+            <a:r>
+              <a:rPr lang="zh-CN" altLang="en-US" dirty="0" smtClean="0"/>
+              <a:t>库</a:t>
             </a:r>
             <a:endParaRPr lang="en-US" dirty="0"/>
           </a:p>
@@ -13465,7 +13561,7 @@
     </p:spTree>
     <p:extLst>
       <p:ext uri="{BB962C8B-B14F-4D97-AF65-F5344CB8AC3E}">
-        <p14:creationId xmlns:p14="http://schemas.microsoft.com/office/powerpoint/2010/main" val="1403310130"/>
+        <p14:creationId xmlns:p14="http://schemas.microsoft.com/office/powerpoint/2010/main" val="1934418425"/>
       </p:ext>
     </p:extLst>
   </p:cSld>
@@ -13515,12 +13611,12 @@
           <a:lstStyle/>
           <a:p>
             <a:r>
-              <a:rPr lang="en-US" altLang="zh-CN" dirty="0" err="1" smtClean="0"/>
-              <a:t>Redux</a:t>
+              <a:rPr lang="en-US" altLang="zh-CN" dirty="0" smtClean="0"/>
+              <a:t>React</a:t>
             </a:r>
             <a:r>
               <a:rPr lang="zh-CN" altLang="en-US" dirty="0" smtClean="0"/>
-              <a:t>入门</a:t>
+              <a:t>项目实战</a:t>
             </a:r>
             <a:endParaRPr lang="en-US" dirty="0"/>
           </a:p>
@@ -13542,8 +13638,16 @@
           <a:lstStyle/>
           <a:p>
             <a:r>
-              <a:rPr lang="en-US" dirty="0" smtClean="0"/>
-              <a:t>State Management Tool</a:t>
+              <a:rPr lang="zh-CN" altLang="en-US" dirty="0" smtClean="0"/>
+              <a:t>实现官方教程</a:t>
+            </a:r>
+            <a:r>
+              <a:rPr lang="en-US" altLang="zh-CN" dirty="0" smtClean="0"/>
+              <a:t>-</a:t>
+            </a:r>
+            <a:r>
+              <a:rPr lang="zh-CN" altLang="en-US" dirty="0" smtClean="0"/>
+              <a:t>井字棋</a:t>
             </a:r>
             <a:endParaRPr lang="en-US" dirty="0"/>
           </a:p>
@@ -13552,7 +13656,7 @@
     </p:spTree>
     <p:extLst>
       <p:ext uri="{BB962C8B-B14F-4D97-AF65-F5344CB8AC3E}">
-        <p14:creationId xmlns:p14="http://schemas.microsoft.com/office/powerpoint/2010/main" val="112265536"/>
+        <p14:creationId xmlns:p14="http://schemas.microsoft.com/office/powerpoint/2010/main" val="1403310130"/>
       </p:ext>
     </p:extLst>
   </p:cSld>
@@ -13602,6 +13706,354 @@
           <a:lstStyle/>
           <a:p>
             <a:r>
+              <a:rPr lang="en-US" altLang="zh-CN" dirty="0" smtClean="0"/>
+              <a:t>React</a:t>
+            </a:r>
+            <a:r>
+              <a:rPr lang="zh-CN" altLang="en-US" dirty="0" smtClean="0"/>
+              <a:t> 作业</a:t>
+            </a:r>
+            <a:r>
+              <a:rPr lang="en-US" altLang="zh-CN" dirty="0" smtClean="0"/>
+              <a:t>1</a:t>
+            </a:r>
+            <a:endParaRPr lang="en-US" dirty="0"/>
+          </a:p>
+        </p:txBody>
+      </p:sp>
+      <p:sp>
+        <p:nvSpPr>
+          <p:cNvPr id="3" name="Text Placeholder 2"/>
+          <p:cNvSpPr>
+            <a:spLocks noGrp="1"/>
+          </p:cNvSpPr>
+          <p:nvPr>
+            <p:ph type="body" idx="1"/>
+          </p:nvPr>
+        </p:nvSpPr>
+        <p:spPr/>
+        <p:txBody>
+          <a:bodyPr/>
+          <a:lstStyle/>
+          <a:p>
+            <a:r>
+              <a:rPr lang="zh-CN" altLang="en-US" dirty="0" smtClean="0"/>
+              <a:t>自己搭建好一个</a:t>
+            </a:r>
+            <a:r>
+              <a:rPr lang="en-US" altLang="zh-CN" dirty="0" smtClean="0"/>
+              <a:t>React</a:t>
+            </a:r>
+            <a:r>
+              <a:rPr lang="zh-CN" altLang="en-US" dirty="0" smtClean="0"/>
+              <a:t>项目框架，实现</a:t>
+            </a:r>
+            <a:r>
+              <a:rPr lang="en-US" altLang="zh-CN" dirty="0" err="1" smtClean="0"/>
+              <a:t>Todo</a:t>
+            </a:r>
+            <a:r>
+              <a:rPr lang="en-US" altLang="zh-CN" dirty="0" smtClean="0"/>
+              <a:t> list</a:t>
+            </a:r>
+          </a:p>
+          <a:p>
+            <a:r>
+              <a:rPr lang="zh-CN" altLang="en-US" dirty="0"/>
+              <a:t>实现官方教程</a:t>
+            </a:r>
+            <a:endParaRPr lang="en-US" dirty="0"/>
+          </a:p>
+        </p:txBody>
+      </p:sp>
+    </p:spTree>
+    <p:extLst>
+      <p:ext uri="{BB962C8B-B14F-4D97-AF65-F5344CB8AC3E}">
+        <p14:creationId xmlns:p14="http://schemas.microsoft.com/office/powerpoint/2010/main" val="1410929711"/>
+      </p:ext>
+    </p:extLst>
+  </p:cSld>
+  <p:clrMapOvr>
+    <a:masterClrMapping/>
+  </p:clrMapOvr>
+  <p:timing>
+    <p:tnLst>
+      <p:par>
+        <p:cTn id="1" dur="indefinite" restart="never" nodeType="tmRoot"/>
+      </p:par>
+    </p:tnLst>
+  </p:timing>
+</p:sld>
+</file>
+
+<file path=ppt/slides/slide39.xml><?xml version="1.0" encoding="utf-8"?>
+<p:sld xmlns:a="http://schemas.openxmlformats.org/drawingml/2006/main" xmlns:r="http://schemas.openxmlformats.org/officeDocument/2006/relationships" xmlns:p="http://schemas.openxmlformats.org/presentationml/2006/main">
+  <p:cSld>
+    <p:spTree>
+      <p:nvGrpSpPr>
+        <p:cNvPr id="1" name=""/>
+        <p:cNvGrpSpPr/>
+        <p:nvPr/>
+      </p:nvGrpSpPr>
+      <p:grpSpPr>
+        <a:xfrm>
+          <a:off x="0" y="0"/>
+          <a:ext cx="0" cy="0"/>
+          <a:chOff x="0" y="0"/>
+          <a:chExt cx="0" cy="0"/>
+        </a:xfrm>
+      </p:grpSpPr>
+      <p:sp>
+        <p:nvSpPr>
+          <p:cNvPr id="2" name="Title 1"/>
+          <p:cNvSpPr>
+            <a:spLocks noGrp="1"/>
+          </p:cNvSpPr>
+          <p:nvPr>
+            <p:ph type="title"/>
+          </p:nvPr>
+        </p:nvSpPr>
+        <p:spPr/>
+        <p:txBody>
+          <a:bodyPr/>
+          <a:lstStyle/>
+          <a:p>
+            <a:r>
+              <a:rPr lang="en-US" altLang="zh-CN" dirty="0" err="1" smtClean="0"/>
+              <a:t>Redux</a:t>
+            </a:r>
+            <a:r>
+              <a:rPr lang="zh-CN" altLang="en-US" dirty="0" smtClean="0"/>
+              <a:t>入门</a:t>
+            </a:r>
+            <a:endParaRPr lang="en-US" dirty="0"/>
+          </a:p>
+        </p:txBody>
+      </p:sp>
+      <p:sp>
+        <p:nvSpPr>
+          <p:cNvPr id="3" name="Text Placeholder 2"/>
+          <p:cNvSpPr>
+            <a:spLocks noGrp="1"/>
+          </p:cNvSpPr>
+          <p:nvPr>
+            <p:ph type="body" idx="1"/>
+          </p:nvPr>
+        </p:nvSpPr>
+        <p:spPr/>
+        <p:txBody>
+          <a:bodyPr/>
+          <a:lstStyle/>
+          <a:p>
+            <a:r>
+              <a:rPr lang="en-US" dirty="0" smtClean="0"/>
+              <a:t>State Management Tool</a:t>
+            </a:r>
+            <a:endParaRPr lang="en-US" dirty="0"/>
+          </a:p>
+        </p:txBody>
+      </p:sp>
+    </p:spTree>
+    <p:extLst>
+      <p:ext uri="{BB962C8B-B14F-4D97-AF65-F5344CB8AC3E}">
+        <p14:creationId xmlns:p14="http://schemas.microsoft.com/office/powerpoint/2010/main" val="112265536"/>
+      </p:ext>
+    </p:extLst>
+  </p:cSld>
+  <p:clrMapOvr>
+    <a:masterClrMapping/>
+  </p:clrMapOvr>
+  <p:timing>
+    <p:tnLst>
+      <p:par>
+        <p:cTn id="1" dur="indefinite" restart="never" nodeType="tmRoot"/>
+      </p:par>
+    </p:tnLst>
+  </p:timing>
+</p:sld>
+</file>
+
+<file path=ppt/slides/slide4.xml><?xml version="1.0" encoding="utf-8"?>
+<p:sld xmlns:a="http://schemas.openxmlformats.org/drawingml/2006/main" xmlns:r="http://schemas.openxmlformats.org/officeDocument/2006/relationships" xmlns:p="http://schemas.openxmlformats.org/presentationml/2006/main">
+  <p:cSld>
+    <p:spTree>
+      <p:nvGrpSpPr>
+        <p:cNvPr id="1" name=""/>
+        <p:cNvGrpSpPr/>
+        <p:nvPr/>
+      </p:nvGrpSpPr>
+      <p:grpSpPr>
+        <a:xfrm>
+          <a:off x="0" y="0"/>
+          <a:ext cx="0" cy="0"/>
+          <a:chOff x="0" y="0"/>
+          <a:chExt cx="0" cy="0"/>
+        </a:xfrm>
+      </p:grpSpPr>
+      <p:sp>
+        <p:nvSpPr>
+          <p:cNvPr id="2" name="Title 1"/>
+          <p:cNvSpPr>
+            <a:spLocks noGrp="1"/>
+          </p:cNvSpPr>
+          <p:nvPr>
+            <p:ph type="title"/>
+          </p:nvPr>
+        </p:nvSpPr>
+        <p:spPr/>
+        <p:txBody>
+          <a:bodyPr/>
+          <a:lstStyle/>
+          <a:p>
+            <a:r>
+              <a:rPr lang="zh-CN" altLang="en-US" dirty="0" smtClean="0"/>
+              <a:t>这门课程要学什么</a:t>
+            </a:r>
+            <a:endParaRPr lang="en-US" dirty="0"/>
+          </a:p>
+        </p:txBody>
+      </p:sp>
+      <p:sp>
+        <p:nvSpPr>
+          <p:cNvPr id="3" name="Content Placeholder 2"/>
+          <p:cNvSpPr>
+            <a:spLocks noGrp="1"/>
+          </p:cNvSpPr>
+          <p:nvPr>
+            <p:ph idx="1"/>
+          </p:nvPr>
+        </p:nvSpPr>
+        <p:spPr/>
+        <p:txBody>
+          <a:bodyPr/>
+          <a:lstStyle/>
+          <a:p>
+            <a:r>
+              <a:rPr lang="zh-CN" altLang="en-US" dirty="0" smtClean="0"/>
+              <a:t>了解前端技术</a:t>
+            </a:r>
+            <a:endParaRPr lang="en-US" altLang="zh-CN" dirty="0" smtClean="0"/>
+          </a:p>
+          <a:p>
+            <a:r>
+              <a:rPr lang="zh-CN" altLang="en-US" dirty="0" smtClean="0"/>
+              <a:t>为什么要用前端技术</a:t>
+            </a:r>
+            <a:endParaRPr lang="en-US" altLang="zh-CN" dirty="0" smtClean="0"/>
+          </a:p>
+          <a:p>
+            <a:r>
+              <a:rPr lang="en-US" altLang="zh-CN" dirty="0" smtClean="0"/>
+              <a:t>HTML, CSS, JS</a:t>
+            </a:r>
+            <a:r>
+              <a:rPr lang="zh-CN" altLang="en-US" dirty="0" smtClean="0"/>
+              <a:t>基础回顾</a:t>
+            </a:r>
+            <a:endParaRPr lang="en-US" altLang="zh-CN" dirty="0" smtClean="0"/>
+          </a:p>
+          <a:p>
+            <a:r>
+              <a:rPr lang="zh-CN" altLang="en-US" dirty="0" smtClean="0"/>
+              <a:t>分别学习</a:t>
+            </a:r>
+            <a:r>
+              <a:rPr lang="en-US" altLang="zh-CN" dirty="0" smtClean="0"/>
+              <a:t>React</a:t>
+            </a:r>
+            <a:r>
+              <a:rPr lang="zh-CN" altLang="en-US" dirty="0" smtClean="0"/>
+              <a:t> 和 </a:t>
+            </a:r>
+            <a:r>
+              <a:rPr lang="en-US" altLang="zh-CN" dirty="0" smtClean="0"/>
+              <a:t>angular</a:t>
+            </a:r>
+          </a:p>
+          <a:p>
+            <a:r>
+              <a:rPr lang="zh-CN" altLang="en-US" dirty="0" smtClean="0"/>
+              <a:t>在课程结束时达到自己能写一个前端</a:t>
+            </a:r>
+            <a:r>
+              <a:rPr lang="en-US" altLang="zh-CN" dirty="0" smtClean="0"/>
+              <a:t>SPA(Single page application)</a:t>
+            </a:r>
+            <a:r>
+              <a:rPr lang="zh-CN" altLang="en-US" dirty="0" smtClean="0"/>
+              <a:t>的水平</a:t>
+            </a:r>
+            <a:endParaRPr lang="en-US" altLang="zh-CN" dirty="0" smtClean="0"/>
+          </a:p>
+          <a:p>
+            <a:r>
+              <a:rPr lang="zh-CN" altLang="en-US" dirty="0" smtClean="0"/>
+              <a:t>能够形成自己对前端技术的理解</a:t>
+            </a:r>
+            <a:endParaRPr lang="en-US" altLang="zh-CN" dirty="0" smtClean="0"/>
+          </a:p>
+          <a:p>
+            <a:r>
+              <a:rPr lang="zh-CN" altLang="en-US" dirty="0" smtClean="0"/>
+              <a:t>面试辅导</a:t>
+            </a:r>
+            <a:endParaRPr lang="en-US" dirty="0"/>
+          </a:p>
+        </p:txBody>
+      </p:sp>
+    </p:spTree>
+    <p:extLst>
+      <p:ext uri="{BB962C8B-B14F-4D97-AF65-F5344CB8AC3E}">
+        <p14:creationId xmlns:p14="http://schemas.microsoft.com/office/powerpoint/2010/main" val="24290296"/>
+      </p:ext>
+    </p:extLst>
+  </p:cSld>
+  <p:clrMapOvr>
+    <a:masterClrMapping/>
+  </p:clrMapOvr>
+  <p:timing>
+    <p:tnLst>
+      <p:par>
+        <p:cTn id="1" dur="indefinite" restart="never" nodeType="tmRoot"/>
+      </p:par>
+    </p:tnLst>
+  </p:timing>
+</p:sld>
+</file>
+
+<file path=ppt/slides/slide40.xml><?xml version="1.0" encoding="utf-8"?>
+<p:sld xmlns:a="http://schemas.openxmlformats.org/drawingml/2006/main" xmlns:r="http://schemas.openxmlformats.org/officeDocument/2006/relationships" xmlns:p="http://schemas.openxmlformats.org/presentationml/2006/main">
+  <p:cSld>
+    <p:spTree>
+      <p:nvGrpSpPr>
+        <p:cNvPr id="1" name=""/>
+        <p:cNvGrpSpPr/>
+        <p:nvPr/>
+      </p:nvGrpSpPr>
+      <p:grpSpPr>
+        <a:xfrm>
+          <a:off x="0" y="0"/>
+          <a:ext cx="0" cy="0"/>
+          <a:chOff x="0" y="0"/>
+          <a:chExt cx="0" cy="0"/>
+        </a:xfrm>
+      </p:grpSpPr>
+      <p:sp>
+        <p:nvSpPr>
+          <p:cNvPr id="2" name="Title 1"/>
+          <p:cNvSpPr>
+            <a:spLocks noGrp="1"/>
+          </p:cNvSpPr>
+          <p:nvPr>
+            <p:ph type="title"/>
+          </p:nvPr>
+        </p:nvSpPr>
+        <p:spPr/>
+        <p:txBody>
+          <a:bodyPr/>
+          <a:lstStyle/>
+          <a:p>
+            <a:r>
               <a:rPr lang="en-US" dirty="0" err="1" smtClean="0"/>
               <a:t>Redux</a:t>
             </a:r>
@@ -13733,7 +14185,7 @@
 </p:sld>
 </file>
 
-<file path=ppt/slides/slide39.xml><?xml version="1.0" encoding="utf-8"?>
+<file path=ppt/slides/slide41.xml><?xml version="1.0" encoding="utf-8"?>
 <p:sld xmlns:a="http://schemas.openxmlformats.org/drawingml/2006/main" xmlns:r="http://schemas.openxmlformats.org/officeDocument/2006/relationships" xmlns:p="http://schemas.openxmlformats.org/presentationml/2006/main">
   <p:cSld>
     <p:spTree>
@@ -13823,359 +14275,6 @@
 </p:sld>
 </file>
 
-<file path=ppt/slides/slide4.xml><?xml version="1.0" encoding="utf-8"?>
-<p:sld xmlns:a="http://schemas.openxmlformats.org/drawingml/2006/main" xmlns:r="http://schemas.openxmlformats.org/officeDocument/2006/relationships" xmlns:p="http://schemas.openxmlformats.org/presentationml/2006/main">
-  <p:cSld>
-    <p:spTree>
-      <p:nvGrpSpPr>
-        <p:cNvPr id="1" name=""/>
-        <p:cNvGrpSpPr/>
-        <p:nvPr/>
-      </p:nvGrpSpPr>
-      <p:grpSpPr>
-        <a:xfrm>
-          <a:off x="0" y="0"/>
-          <a:ext cx="0" cy="0"/>
-          <a:chOff x="0" y="0"/>
-          <a:chExt cx="0" cy="0"/>
-        </a:xfrm>
-      </p:grpSpPr>
-      <p:sp>
-        <p:nvSpPr>
-          <p:cNvPr id="2" name="Title 1"/>
-          <p:cNvSpPr>
-            <a:spLocks noGrp="1"/>
-          </p:cNvSpPr>
-          <p:nvPr>
-            <p:ph type="title"/>
-          </p:nvPr>
-        </p:nvSpPr>
-        <p:spPr/>
-        <p:txBody>
-          <a:bodyPr/>
-          <a:lstStyle/>
-          <a:p>
-            <a:r>
-              <a:rPr lang="zh-CN" altLang="en-US" dirty="0" smtClean="0"/>
-              <a:t>这门课程要学什么</a:t>
-            </a:r>
-            <a:endParaRPr lang="en-US" dirty="0"/>
-          </a:p>
-        </p:txBody>
-      </p:sp>
-      <p:sp>
-        <p:nvSpPr>
-          <p:cNvPr id="3" name="Content Placeholder 2"/>
-          <p:cNvSpPr>
-            <a:spLocks noGrp="1"/>
-          </p:cNvSpPr>
-          <p:nvPr>
-            <p:ph idx="1"/>
-          </p:nvPr>
-        </p:nvSpPr>
-        <p:spPr/>
-        <p:txBody>
-          <a:bodyPr/>
-          <a:lstStyle/>
-          <a:p>
-            <a:r>
-              <a:rPr lang="zh-CN" altLang="en-US" dirty="0" smtClean="0"/>
-              <a:t>了解前端技术</a:t>
-            </a:r>
-            <a:endParaRPr lang="en-US" altLang="zh-CN" dirty="0" smtClean="0"/>
-          </a:p>
-          <a:p>
-            <a:r>
-              <a:rPr lang="zh-CN" altLang="en-US" dirty="0" smtClean="0"/>
-              <a:t>为什么要用前端技术</a:t>
-            </a:r>
-            <a:endParaRPr lang="en-US" altLang="zh-CN" dirty="0" smtClean="0"/>
-          </a:p>
-          <a:p>
-            <a:r>
-              <a:rPr lang="en-US" altLang="zh-CN" dirty="0" smtClean="0"/>
-              <a:t>HTML, CSS, JS</a:t>
-            </a:r>
-            <a:r>
-              <a:rPr lang="zh-CN" altLang="en-US" dirty="0" smtClean="0"/>
-              <a:t>基础回顾</a:t>
-            </a:r>
-            <a:endParaRPr lang="en-US" altLang="zh-CN" dirty="0" smtClean="0"/>
-          </a:p>
-          <a:p>
-            <a:r>
-              <a:rPr lang="zh-CN" altLang="en-US" dirty="0" smtClean="0"/>
-              <a:t>分别学习</a:t>
-            </a:r>
-            <a:r>
-              <a:rPr lang="en-US" altLang="zh-CN" dirty="0" smtClean="0"/>
-              <a:t>React</a:t>
-            </a:r>
-            <a:r>
-              <a:rPr lang="zh-CN" altLang="en-US" dirty="0" smtClean="0"/>
-              <a:t> 和 </a:t>
-            </a:r>
-            <a:r>
-              <a:rPr lang="en-US" altLang="zh-CN" dirty="0" smtClean="0"/>
-              <a:t>angular</a:t>
-            </a:r>
-          </a:p>
-          <a:p>
-            <a:r>
-              <a:rPr lang="zh-CN" altLang="en-US" dirty="0" smtClean="0"/>
-              <a:t>在课程结束时达到自己能写一个前端</a:t>
-            </a:r>
-            <a:r>
-              <a:rPr lang="en-US" altLang="zh-CN" dirty="0" smtClean="0"/>
-              <a:t>SPA(Single page application)</a:t>
-            </a:r>
-            <a:r>
-              <a:rPr lang="zh-CN" altLang="en-US" dirty="0" smtClean="0"/>
-              <a:t>的水平</a:t>
-            </a:r>
-            <a:endParaRPr lang="en-US" altLang="zh-CN" dirty="0" smtClean="0"/>
-          </a:p>
-          <a:p>
-            <a:r>
-              <a:rPr lang="zh-CN" altLang="en-US" dirty="0" smtClean="0"/>
-              <a:t>能够形成自己对前端技术的理解</a:t>
-            </a:r>
-            <a:endParaRPr lang="en-US" altLang="zh-CN" dirty="0" smtClean="0"/>
-          </a:p>
-          <a:p>
-            <a:r>
-              <a:rPr lang="zh-CN" altLang="en-US" dirty="0" smtClean="0"/>
-              <a:t>面试辅导</a:t>
-            </a:r>
-            <a:endParaRPr lang="en-US" dirty="0"/>
-          </a:p>
-        </p:txBody>
-      </p:sp>
-    </p:spTree>
-    <p:extLst>
-      <p:ext uri="{BB962C8B-B14F-4D97-AF65-F5344CB8AC3E}">
-        <p14:creationId xmlns:p14="http://schemas.microsoft.com/office/powerpoint/2010/main" val="24290296"/>
-      </p:ext>
-    </p:extLst>
-  </p:cSld>
-  <p:clrMapOvr>
-    <a:masterClrMapping/>
-  </p:clrMapOvr>
-  <p:timing>
-    <p:tnLst>
-      <p:par>
-        <p:cTn id="1" dur="indefinite" restart="never" nodeType="tmRoot"/>
-      </p:par>
-    </p:tnLst>
-  </p:timing>
-</p:sld>
-</file>
-
-<file path=ppt/slides/slide40.xml><?xml version="1.0" encoding="utf-8"?>
-<p:sld xmlns:a="http://schemas.openxmlformats.org/drawingml/2006/main" xmlns:r="http://schemas.openxmlformats.org/officeDocument/2006/relationships" xmlns:p="http://schemas.openxmlformats.org/presentationml/2006/main">
-  <p:cSld>
-    <p:spTree>
-      <p:nvGrpSpPr>
-        <p:cNvPr id="1" name=""/>
-        <p:cNvGrpSpPr/>
-        <p:nvPr/>
-      </p:nvGrpSpPr>
-      <p:grpSpPr>
-        <a:xfrm>
-          <a:off x="0" y="0"/>
-          <a:ext cx="0" cy="0"/>
-          <a:chOff x="0" y="0"/>
-          <a:chExt cx="0" cy="0"/>
-        </a:xfrm>
-      </p:grpSpPr>
-      <p:sp>
-        <p:nvSpPr>
-          <p:cNvPr id="2" name="Title 1"/>
-          <p:cNvSpPr>
-            <a:spLocks noGrp="1"/>
-          </p:cNvSpPr>
-          <p:nvPr>
-            <p:ph type="title"/>
-          </p:nvPr>
-        </p:nvSpPr>
-        <p:spPr/>
-        <p:txBody>
-          <a:bodyPr/>
-          <a:lstStyle/>
-          <a:p>
-            <a:r>
-              <a:rPr lang="en-US" dirty="0" err="1" smtClean="0"/>
-              <a:t>Dva</a:t>
-            </a:r>
-            <a:endParaRPr lang="en-US" dirty="0"/>
-          </a:p>
-        </p:txBody>
-      </p:sp>
-      <p:sp>
-        <p:nvSpPr>
-          <p:cNvPr id="3" name="Text Placeholder 2"/>
-          <p:cNvSpPr>
-            <a:spLocks noGrp="1"/>
-          </p:cNvSpPr>
-          <p:nvPr>
-            <p:ph type="body" idx="1"/>
-          </p:nvPr>
-        </p:nvSpPr>
-        <p:spPr/>
-        <p:txBody>
-          <a:bodyPr/>
-          <a:lstStyle/>
-          <a:p>
-            <a:r>
-              <a:rPr lang="zh-CN" altLang="en-US" dirty="0" smtClean="0"/>
-              <a:t>阿里对</a:t>
-            </a:r>
-            <a:r>
-              <a:rPr lang="en-US" altLang="zh-CN" dirty="0" err="1" smtClean="0"/>
-              <a:t>Redux</a:t>
-            </a:r>
-            <a:r>
-              <a:rPr lang="zh-CN" altLang="en-US" dirty="0" smtClean="0"/>
-              <a:t>的封装</a:t>
-            </a:r>
-            <a:endParaRPr lang="en-US" altLang="zh-CN" dirty="0" smtClean="0"/>
-          </a:p>
-          <a:p>
-            <a:r>
-              <a:rPr lang="en-US" dirty="0"/>
-              <a:t>https://</a:t>
-            </a:r>
-            <a:r>
-              <a:rPr lang="en-US" dirty="0" err="1"/>
-              <a:t>github.com</a:t>
-            </a:r>
-            <a:r>
-              <a:rPr lang="en-US" dirty="0"/>
-              <a:t>/</a:t>
-            </a:r>
-            <a:r>
-              <a:rPr lang="en-US" dirty="0" err="1"/>
-              <a:t>dvajs</a:t>
-            </a:r>
-            <a:r>
-              <a:rPr lang="en-US" dirty="0"/>
-              <a:t>/</a:t>
-            </a:r>
-            <a:r>
-              <a:rPr lang="en-US" dirty="0" err="1"/>
-              <a:t>dva</a:t>
-            </a:r>
-            <a:r>
-              <a:rPr lang="en-US" dirty="0"/>
-              <a:t>-cli</a:t>
-            </a:r>
-          </a:p>
-        </p:txBody>
-      </p:sp>
-    </p:spTree>
-    <p:extLst>
-      <p:ext uri="{BB962C8B-B14F-4D97-AF65-F5344CB8AC3E}">
-        <p14:creationId xmlns:p14="http://schemas.microsoft.com/office/powerpoint/2010/main" val="1784386784"/>
-      </p:ext>
-    </p:extLst>
-  </p:cSld>
-  <p:clrMapOvr>
-    <a:masterClrMapping/>
-  </p:clrMapOvr>
-  <p:timing>
-    <p:tnLst>
-      <p:par>
-        <p:cTn id="1" dur="indefinite" restart="never" nodeType="tmRoot"/>
-      </p:par>
-    </p:tnLst>
-  </p:timing>
-</p:sld>
-</file>
-
-<file path=ppt/slides/slide41.xml><?xml version="1.0" encoding="utf-8"?>
-<p:sld xmlns:a="http://schemas.openxmlformats.org/drawingml/2006/main" xmlns:r="http://schemas.openxmlformats.org/officeDocument/2006/relationships" xmlns:p="http://schemas.openxmlformats.org/presentationml/2006/main">
-  <p:cSld>
-    <p:spTree>
-      <p:nvGrpSpPr>
-        <p:cNvPr id="1" name=""/>
-        <p:cNvGrpSpPr/>
-        <p:nvPr/>
-      </p:nvGrpSpPr>
-      <p:grpSpPr>
-        <a:xfrm>
-          <a:off x="0" y="0"/>
-          <a:ext cx="0" cy="0"/>
-          <a:chOff x="0" y="0"/>
-          <a:chExt cx="0" cy="0"/>
-        </a:xfrm>
-      </p:grpSpPr>
-      <p:sp>
-        <p:nvSpPr>
-          <p:cNvPr id="2" name="Title 1"/>
-          <p:cNvSpPr>
-            <a:spLocks noGrp="1"/>
-          </p:cNvSpPr>
-          <p:nvPr>
-            <p:ph type="title"/>
-          </p:nvPr>
-        </p:nvSpPr>
-        <p:spPr/>
-        <p:txBody>
-          <a:bodyPr/>
-          <a:lstStyle/>
-          <a:p>
-            <a:r>
-              <a:rPr lang="zh-CN" altLang="en-US" dirty="0" smtClean="0"/>
-              <a:t>基于</a:t>
-            </a:r>
-            <a:r>
-              <a:rPr lang="en-US" altLang="zh-CN" dirty="0" smtClean="0"/>
-              <a:t>DVA</a:t>
-            </a:r>
-            <a:r>
-              <a:rPr lang="zh-CN" altLang="en-US" dirty="0" smtClean="0"/>
-              <a:t>的项目实例</a:t>
-            </a:r>
-            <a:endParaRPr lang="en-US" dirty="0"/>
-          </a:p>
-        </p:txBody>
-      </p:sp>
-      <p:sp>
-        <p:nvSpPr>
-          <p:cNvPr id="3" name="Text Placeholder 2"/>
-          <p:cNvSpPr>
-            <a:spLocks noGrp="1"/>
-          </p:cNvSpPr>
-          <p:nvPr>
-            <p:ph type="body" idx="1"/>
-          </p:nvPr>
-        </p:nvSpPr>
-        <p:spPr/>
-        <p:txBody>
-          <a:bodyPr/>
-          <a:lstStyle/>
-          <a:p>
-            <a:r>
-              <a:rPr lang="zh-CN" altLang="en-US" dirty="0" smtClean="0"/>
-              <a:t>获取模拟用户</a:t>
-            </a:r>
-            <a:endParaRPr lang="en-US" dirty="0"/>
-          </a:p>
-        </p:txBody>
-      </p:sp>
-    </p:spTree>
-    <p:extLst>
-      <p:ext uri="{BB962C8B-B14F-4D97-AF65-F5344CB8AC3E}">
-        <p14:creationId xmlns:p14="http://schemas.microsoft.com/office/powerpoint/2010/main" val="977823030"/>
-      </p:ext>
-    </p:extLst>
-  </p:cSld>
-  <p:clrMapOvr>
-    <a:masterClrMapping/>
-  </p:clrMapOvr>
-</p:sld>
-</file>
-
 <file path=ppt/slides/slide42.xml><?xml version="1.0" encoding="utf-8"?>
 <p:sld xmlns:a="http://schemas.openxmlformats.org/drawingml/2006/main" xmlns:r="http://schemas.openxmlformats.org/officeDocument/2006/relationships" xmlns:p="http://schemas.openxmlformats.org/presentationml/2006/main">
   <p:cSld>
@@ -14210,11 +14309,7 @@
           <a:p>
             <a:r>
               <a:rPr lang="en-US" dirty="0" err="1" smtClean="0"/>
-              <a:t>Anuglar</a:t>
-            </a:r>
-            <a:r>
-              <a:rPr lang="en-US" dirty="0" smtClean="0"/>
-              <a:t> Tutorial</a:t>
+              <a:t>Dva</a:t>
             </a:r>
             <a:endParaRPr lang="en-US" dirty="0"/>
           </a:p>
@@ -14236,18 +14331,18 @@
           <a:lstStyle/>
           <a:p>
             <a:r>
-              <a:rPr lang="en-US" dirty="0">
-                <a:hlinkClick r:id="rId3"/>
-              </a:rPr>
-              <a:t>https://</a:t>
-            </a:r>
-            <a:r>
-              <a:rPr lang="en-US" dirty="0" smtClean="0">
-                <a:hlinkClick r:id="rId3"/>
-              </a:rPr>
-              <a:t>angular.io/tutorial</a:t>
-            </a:r>
-            <a:endParaRPr lang="en-US" dirty="0" smtClean="0"/>
+              <a:rPr lang="zh-CN" altLang="en-US" dirty="0" smtClean="0"/>
+              <a:t>阿里对</a:t>
+            </a:r>
+            <a:r>
+              <a:rPr lang="en-US" altLang="zh-CN" dirty="0" err="1" smtClean="0"/>
+              <a:t>Redux</a:t>
+            </a:r>
+            <a:r>
+              <a:rPr lang="zh-CN" altLang="en-US" dirty="0" smtClean="0"/>
+              <a:t>的封装</a:t>
+            </a:r>
+            <a:endParaRPr lang="en-US" altLang="zh-CN" dirty="0" smtClean="0"/>
           </a:p>
           <a:p>
             <a:r>
@@ -14256,11 +14351,27 @@
             </a:r>
             <a:r>
               <a:rPr lang="en-US" dirty="0" err="1"/>
-              <a:t>docs.angularjs.org</a:t>
+              <a:t>github.com</a:t>
             </a:r>
             <a:r>
               <a:rPr lang="en-US" dirty="0"/>
-              <a:t>/tutorial</a:t>
+              <a:t>/</a:t>
+            </a:r>
+            <a:r>
+              <a:rPr lang="en-US" dirty="0" err="1"/>
+              <a:t>dvajs</a:t>
+            </a:r>
+            <a:r>
+              <a:rPr lang="en-US" dirty="0"/>
+              <a:t>/</a:t>
+            </a:r>
+            <a:r>
+              <a:rPr lang="en-US" dirty="0" err="1"/>
+              <a:t>dva</a:t>
+            </a:r>
+            <a:r>
+              <a:rPr lang="en-US" dirty="0"/>
+              <a:t>-cli</a:t>
             </a:r>
           </a:p>
         </p:txBody>
@@ -14268,7 +14379,7 @@
     </p:spTree>
     <p:extLst>
       <p:ext uri="{BB962C8B-B14F-4D97-AF65-F5344CB8AC3E}">
-        <p14:creationId xmlns:p14="http://schemas.microsoft.com/office/powerpoint/2010/main" val="2098117636"/>
+        <p14:creationId xmlns:p14="http://schemas.microsoft.com/office/powerpoint/2010/main" val="1784386784"/>
       </p:ext>
     </p:extLst>
   </p:cSld>
@@ -14319,15 +14430,15 @@
           <a:p>
             <a:r>
               <a:rPr lang="zh-CN" altLang="en-US" dirty="0" smtClean="0"/>
-              <a:t>与</a:t>
+              <a:t>基于</a:t>
             </a:r>
             <a:r>
               <a:rPr lang="en-US" altLang="zh-CN" dirty="0" smtClean="0"/>
-              <a:t>React</a:t>
+              <a:t>DVA</a:t>
             </a:r>
             <a:r>
               <a:rPr lang="zh-CN" altLang="en-US" dirty="0" smtClean="0"/>
-              <a:t>的区别</a:t>
+              <a:t>的项目实例</a:t>
             </a:r>
             <a:endParaRPr lang="en-US" dirty="0"/>
           </a:p>
@@ -14343,85 +14454,29 @@
             <p:ph type="body" idx="1"/>
           </p:nvPr>
         </p:nvSpPr>
-        <p:spPr>
-          <a:xfrm>
-            <a:off x="1751011" y="4777381"/>
-            <a:ext cx="8686801" cy="1344450"/>
-          </a:xfrm>
-        </p:spPr>
-        <p:txBody>
-          <a:bodyPr>
-            <a:normAutofit/>
-          </a:bodyPr>
-          <a:lstStyle/>
-          <a:p>
-            <a:pPr marL="457200" indent="-457200">
-              <a:buAutoNum type="arabicPeriod"/>
-            </a:pPr>
+        <p:spPr/>
+        <p:txBody>
+          <a:bodyPr/>
+          <a:lstStyle/>
+          <a:p>
             <a:r>
               <a:rPr lang="zh-CN" altLang="en-US" dirty="0" smtClean="0"/>
-              <a:t>保留</a:t>
-            </a:r>
-            <a:r>
-              <a:rPr lang="en-US" altLang="zh-CN" dirty="0" smtClean="0"/>
-              <a:t>HTML</a:t>
-            </a:r>
-            <a:r>
-              <a:rPr lang="zh-CN" altLang="en-US" dirty="0" smtClean="0"/>
-              <a:t>结构</a:t>
-            </a:r>
-            <a:endParaRPr lang="en-US" altLang="zh-CN" dirty="0" smtClean="0"/>
-          </a:p>
-          <a:p>
-            <a:pPr marL="457200" indent="-457200">
-              <a:buAutoNum type="arabicPeriod"/>
-            </a:pPr>
-            <a:r>
-              <a:rPr lang="en-US" altLang="zh-CN" dirty="0" smtClean="0"/>
-              <a:t>MVVM</a:t>
-            </a:r>
-          </a:p>
-          <a:p>
-            <a:pPr marL="457200" indent="-457200">
-              <a:buAutoNum type="arabicPeriod"/>
-            </a:pPr>
-            <a:r>
-              <a:rPr lang="zh-CN" altLang="en-US" dirty="0" smtClean="0"/>
-              <a:t>大而全，不只是</a:t>
-            </a:r>
-            <a:r>
-              <a:rPr lang="en-US" altLang="zh-CN" dirty="0" smtClean="0"/>
-              <a:t>UI</a:t>
-            </a:r>
-            <a:r>
-              <a:rPr lang="zh-CN" altLang="en-US" dirty="0" smtClean="0"/>
-              <a:t>库，规定好了</a:t>
-            </a:r>
-            <a:r>
-              <a:rPr lang="zh-CN" altLang="en-US" smtClean="0"/>
-              <a:t>最佳开发实践</a:t>
-            </a:r>
-            <a:endParaRPr lang="en-US" altLang="zh-CN" dirty="0" smtClean="0"/>
+              <a:t>获取模拟用户</a:t>
+            </a:r>
+            <a:endParaRPr lang="en-US" dirty="0"/>
           </a:p>
         </p:txBody>
       </p:sp>
     </p:spTree>
     <p:extLst>
       <p:ext uri="{BB962C8B-B14F-4D97-AF65-F5344CB8AC3E}">
-        <p14:creationId xmlns:p14="http://schemas.microsoft.com/office/powerpoint/2010/main" val="137241654"/>
+        <p14:creationId xmlns:p14="http://schemas.microsoft.com/office/powerpoint/2010/main" val="977823030"/>
       </p:ext>
     </p:extLst>
   </p:cSld>
   <p:clrMapOvr>
     <a:masterClrMapping/>
   </p:clrMapOvr>
-  <p:timing>
-    <p:tnLst>
-      <p:par>
-        <p:cTn id="1" dur="indefinite" restart="never" nodeType="tmRoot"/>
-      </p:par>
-    </p:tnLst>
-  </p:timing>
 </p:sld>
 </file>
 
@@ -14458,142 +14513,66 @@
           <a:lstStyle/>
           <a:p>
             <a:r>
-              <a:rPr lang="en-US" altLang="zh-CN" dirty="0" smtClean="0"/>
-              <a:t>Angular JS</a:t>
-            </a:r>
-            <a:endParaRPr lang="en-US" dirty="0"/>
-          </a:p>
-        </p:txBody>
-      </p:sp>
-      <p:sp>
-        <p:nvSpPr>
-          <p:cNvPr id="3" name="Content Placeholder 2"/>
-          <p:cNvSpPr>
-            <a:spLocks noGrp="1"/>
-          </p:cNvSpPr>
-          <p:nvPr>
-            <p:ph idx="1"/>
-          </p:nvPr>
-        </p:nvSpPr>
-        <p:spPr/>
-        <p:txBody>
-          <a:bodyPr/>
-          <a:lstStyle/>
-          <a:p>
+              <a:rPr lang="en-US" dirty="0" err="1" smtClean="0"/>
+              <a:t>Anuglar</a:t>
+            </a:r>
             <a:r>
               <a:rPr lang="en-US" dirty="0" smtClean="0"/>
-              <a:t>Directive </a:t>
-            </a:r>
-            <a:r>
-              <a:rPr lang="zh-CN" altLang="en-US" dirty="0" smtClean="0"/>
-              <a:t>指令</a:t>
-            </a:r>
-            <a:endParaRPr lang="en-US" altLang="zh-CN" dirty="0" smtClean="0"/>
-          </a:p>
-          <a:p>
+              <a:t> Tutorial</a:t>
+            </a:r>
+            <a:endParaRPr lang="en-US" dirty="0"/>
+          </a:p>
+        </p:txBody>
+      </p:sp>
+      <p:sp>
+        <p:nvSpPr>
+          <p:cNvPr id="3" name="Text Placeholder 2"/>
+          <p:cNvSpPr>
+            <a:spLocks noGrp="1"/>
+          </p:cNvSpPr>
+          <p:nvPr>
+            <p:ph type="body" idx="1"/>
+          </p:nvPr>
+        </p:nvSpPr>
+        <p:spPr/>
+        <p:txBody>
+          <a:bodyPr/>
+          <a:lstStyle/>
+          <a:p>
+            <a:r>
+              <a:rPr lang="en-US" dirty="0">
+                <a:hlinkClick r:id="rId3"/>
+              </a:rPr>
+              <a:t>https://</a:t>
+            </a:r>
             <a:r>
               <a:rPr lang="en-US" dirty="0" smtClean="0">
-                <a:effectLst/>
+                <a:hlinkClick r:id="rId3"/>
               </a:rPr>
-              <a:t>Module</a:t>
-            </a:r>
-            <a:r>
-              <a:rPr lang="zh-CN" altLang="en-US" dirty="0" smtClean="0">
-                <a:effectLst/>
-              </a:rPr>
-              <a:t> 模块</a:t>
+              <a:t>angular.io/tutorial</a:t>
             </a:r>
             <a:endParaRPr lang="en-US" dirty="0" smtClean="0"/>
           </a:p>
           <a:p>
             <a:r>
-              <a:rPr lang="en-US" altLang="zh-CN" dirty="0" smtClean="0"/>
-              <a:t>Component</a:t>
-            </a:r>
-            <a:r>
-              <a:rPr lang="zh-CN" altLang="en-US" dirty="0" smtClean="0"/>
-              <a:t> 组件</a:t>
-            </a:r>
-            <a:endParaRPr lang="en-US" dirty="0" smtClean="0"/>
-          </a:p>
-          <a:p>
-            <a:r>
-              <a:rPr lang="en-US" dirty="0" smtClean="0"/>
-              <a:t>Provider(Service, factory)</a:t>
-            </a:r>
-          </a:p>
-          <a:p>
-            <a:r>
-              <a:rPr lang="en-US" dirty="0">
-                <a:effectLst/>
-              </a:rPr>
-              <a:t>Dependency </a:t>
-            </a:r>
-            <a:r>
-              <a:rPr lang="en-US" dirty="0" smtClean="0">
-                <a:effectLst/>
-              </a:rPr>
-              <a:t>Injection </a:t>
-            </a:r>
-            <a:r>
-              <a:rPr lang="zh-CN" altLang="en-US" dirty="0" smtClean="0">
-                <a:effectLst/>
-              </a:rPr>
-              <a:t>依赖注入</a:t>
-            </a:r>
-            <a:endParaRPr lang="en-US" altLang="zh-CN" dirty="0" smtClean="0">
-              <a:effectLst/>
-            </a:endParaRPr>
-          </a:p>
-          <a:p>
-            <a:r>
-              <a:rPr lang="en-US" altLang="zh-CN" dirty="0" smtClean="0">
-                <a:effectLst/>
-              </a:rPr>
-              <a:t>Controller</a:t>
-            </a:r>
-            <a:r>
-              <a:rPr lang="zh-CN" altLang="en-US" dirty="0" smtClean="0">
-                <a:effectLst/>
-              </a:rPr>
-              <a:t> 控制器</a:t>
-            </a:r>
-            <a:endParaRPr lang="en-US" altLang="zh-CN" dirty="0" smtClean="0">
-              <a:effectLst/>
-            </a:endParaRPr>
-          </a:p>
-          <a:p>
-            <a:endParaRPr lang="en-US" dirty="0"/>
-          </a:p>
-        </p:txBody>
-      </p:sp>
-      <p:sp>
-        <p:nvSpPr>
-          <p:cNvPr id="4" name="Text Placeholder 3"/>
-          <p:cNvSpPr>
-            <a:spLocks noGrp="1"/>
-          </p:cNvSpPr>
-          <p:nvPr>
-            <p:ph type="body" sz="half" idx="2"/>
-          </p:nvPr>
-        </p:nvSpPr>
-        <p:spPr/>
-        <p:txBody>
-          <a:bodyPr/>
-          <a:lstStyle/>
-          <a:p>
-            <a:r>
-              <a:rPr lang="zh-CN" altLang="en-US" dirty="0" smtClean="0"/>
-              <a:t>知识简介</a:t>
-            </a:r>
-            <a:endParaRPr lang="en-US" dirty="0"/>
+              <a:rPr lang="en-US" dirty="0"/>
+              <a:t>https://</a:t>
+            </a:r>
+            <a:r>
+              <a:rPr lang="en-US" dirty="0" err="1"/>
+              <a:t>docs.angularjs.org</a:t>
+            </a:r>
+            <a:r>
+              <a:rPr lang="en-US" dirty="0"/>
+              <a:t>/tutorial</a:t>
+            </a:r>
           </a:p>
         </p:txBody>
       </p:sp>
     </p:spTree>
     <p:extLst>
       <p:ext uri="{BB962C8B-B14F-4D97-AF65-F5344CB8AC3E}">
-        <p14:creationId xmlns:p14="http://schemas.microsoft.com/office/powerpoint/2010/main" val="1326356102"/>
+        <p14:creationId xmlns:p14="http://schemas.microsoft.com/office/powerpoint/2010/main" val="2098117636"/>
       </p:ext>
     </p:extLst>
   </p:cSld>
@@ -14643,12 +14622,16 @@
           <a:lstStyle/>
           <a:p>
             <a:r>
-              <a:rPr lang="en-US" altLang="zh-CN" dirty="0" err="1" smtClean="0"/>
-              <a:t>AngularJS</a:t>
-            </a:r>
-            <a:r>
               <a:rPr lang="zh-CN" altLang="en-US" dirty="0" smtClean="0"/>
-              <a:t>项目实战</a:t>
+              <a:t>与</a:t>
+            </a:r>
+            <a:r>
+              <a:rPr lang="en-US" altLang="zh-CN" dirty="0" smtClean="0"/>
+              <a:t>React</a:t>
+            </a:r>
+            <a:r>
+              <a:rPr lang="zh-CN" altLang="en-US" dirty="0" smtClean="0"/>
+              <a:t>的区别</a:t>
             </a:r>
             <a:endParaRPr lang="en-US" dirty="0"/>
           </a:p>
@@ -14664,27 +14647,72 @@
             <p:ph type="body" idx="1"/>
           </p:nvPr>
         </p:nvSpPr>
-        <p:spPr/>
-        <p:txBody>
-          <a:bodyPr/>
-          <a:lstStyle/>
-          <a:p>
-            <a:r>
-              <a:rPr lang="en-US" altLang="zh-CN" dirty="0" err="1" smtClean="0"/>
-              <a:t>Todo</a:t>
+        <p:spPr>
+          <a:xfrm>
+            <a:off x="1751011" y="4777381"/>
+            <a:ext cx="8686801" cy="1344450"/>
+          </a:xfrm>
+        </p:spPr>
+        <p:txBody>
+          <a:bodyPr>
+            <a:normAutofit/>
+          </a:bodyPr>
+          <a:lstStyle/>
+          <a:p>
+            <a:pPr marL="457200" indent="-457200">
+              <a:buAutoNum type="arabicPeriod"/>
+            </a:pPr>
+            <a:r>
+              <a:rPr lang="zh-CN" altLang="en-US" dirty="0" smtClean="0"/>
+              <a:t>保留</a:t>
             </a:r>
             <a:r>
               <a:rPr lang="en-US" altLang="zh-CN" dirty="0" smtClean="0"/>
-              <a:t> List</a:t>
-            </a:r>
-            <a:endParaRPr lang="en-US" dirty="0"/>
+              <a:t>HTML</a:t>
+            </a:r>
+            <a:r>
+              <a:rPr lang="zh-CN" altLang="en-US" dirty="0" smtClean="0"/>
+              <a:t>结构</a:t>
+            </a:r>
+            <a:endParaRPr lang="en-US" altLang="zh-CN" dirty="0" smtClean="0"/>
+          </a:p>
+          <a:p>
+            <a:pPr marL="457200" indent="-457200">
+              <a:buAutoNum type="arabicPeriod"/>
+            </a:pPr>
+            <a:r>
+              <a:rPr lang="en-US" altLang="zh-CN" dirty="0" smtClean="0"/>
+              <a:t>MVVM</a:t>
+            </a:r>
+          </a:p>
+          <a:p>
+            <a:pPr marL="457200" indent="-457200">
+              <a:buAutoNum type="arabicPeriod"/>
+            </a:pPr>
+            <a:r>
+              <a:rPr lang="zh-CN" altLang="en-US" dirty="0" smtClean="0"/>
+              <a:t>大而全，不只是</a:t>
+            </a:r>
+            <a:r>
+              <a:rPr lang="en-US" altLang="zh-CN" dirty="0" smtClean="0"/>
+              <a:t>UI</a:t>
+            </a:r>
+            <a:r>
+              <a:rPr lang="zh-CN" altLang="en-US" dirty="0" smtClean="0"/>
+              <a:t>库，规定好了</a:t>
+            </a:r>
+            <a:r>
+              <a:rPr lang="zh-CN" altLang="en-US" smtClean="0"/>
+              <a:t>最佳开发实践</a:t>
+            </a:r>
+            <a:endParaRPr lang="en-US" altLang="zh-CN" dirty="0" smtClean="0"/>
           </a:p>
         </p:txBody>
       </p:sp>
     </p:spTree>
     <p:extLst>
       <p:ext uri="{BB962C8B-B14F-4D97-AF65-F5344CB8AC3E}">
-        <p14:creationId xmlns:p14="http://schemas.microsoft.com/office/powerpoint/2010/main" val="1639088771"/>
+        <p14:creationId xmlns:p14="http://schemas.microsoft.com/office/powerpoint/2010/main" val="137241654"/>
       </p:ext>
     </p:extLst>
   </p:cSld>
@@ -14735,71 +14763,141 @@
           <a:p>
             <a:r>
               <a:rPr lang="en-US" altLang="zh-CN" dirty="0" smtClean="0"/>
-              <a:t>Angular </a:t>
+              <a:t>Angular JS</a:t>
+            </a:r>
+            <a:endParaRPr lang="en-US" dirty="0"/>
+          </a:p>
+        </p:txBody>
+      </p:sp>
+      <p:sp>
+        <p:nvSpPr>
+          <p:cNvPr id="3" name="Content Placeholder 2"/>
+          <p:cNvSpPr>
+            <a:spLocks noGrp="1"/>
+          </p:cNvSpPr>
+          <p:nvPr>
+            <p:ph idx="1"/>
+          </p:nvPr>
+        </p:nvSpPr>
+        <p:spPr/>
+        <p:txBody>
+          <a:bodyPr/>
+          <a:lstStyle/>
+          <a:p>
+            <a:r>
+              <a:rPr lang="en-US" dirty="0" smtClean="0"/>
+              <a:t>Directive </a:t>
             </a:r>
             <a:r>
               <a:rPr lang="zh-CN" altLang="en-US" dirty="0" smtClean="0"/>
-              <a:t>脚手架项目</a:t>
-            </a:r>
-            <a:endParaRPr lang="en-US" dirty="0"/>
-          </a:p>
-        </p:txBody>
-      </p:sp>
-      <p:sp>
-        <p:nvSpPr>
-          <p:cNvPr id="3" name="Content Placeholder 2"/>
-          <p:cNvSpPr>
-            <a:spLocks noGrp="1"/>
-          </p:cNvSpPr>
-          <p:nvPr>
-            <p:ph idx="1"/>
-          </p:nvPr>
-        </p:nvSpPr>
-        <p:spPr/>
-        <p:txBody>
-          <a:bodyPr/>
-          <a:lstStyle/>
-          <a:p>
-            <a:r>
-              <a:rPr lang="en-US" dirty="0"/>
-              <a:t>Yeoman: </a:t>
-            </a:r>
+              <a:t>指令</a:t>
+            </a:r>
+            <a:endParaRPr lang="en-US" altLang="zh-CN" dirty="0" smtClean="0"/>
+          </a:p>
+          <a:p>
+            <a:r>
+              <a:rPr lang="en-US" dirty="0" smtClean="0">
+                <a:effectLst/>
+              </a:rPr>
+              <a:t>Module</a:t>
+            </a:r>
+            <a:r>
+              <a:rPr lang="zh-CN" altLang="en-US" dirty="0" smtClean="0">
+                <a:effectLst/>
+              </a:rPr>
+              <a:t> 模块</a:t>
+            </a:r>
+            <a:endParaRPr lang="en-US" dirty="0" smtClean="0"/>
+          </a:p>
+          <a:p>
+            <a:r>
+              <a:rPr lang="en-US" altLang="zh-CN" dirty="0" smtClean="0"/>
+              <a:t>Component</a:t>
+            </a:r>
+            <a:r>
+              <a:rPr lang="zh-CN" altLang="en-US" dirty="0" smtClean="0"/>
+              <a:t> 组件</a:t>
+            </a:r>
+            <a:endParaRPr lang="en-US" dirty="0" smtClean="0"/>
+          </a:p>
+          <a:p>
+            <a:r>
+              <a:rPr lang="en-US" dirty="0" smtClean="0"/>
+              <a:t>Provider(Service, factory)</a:t>
+            </a:r>
+          </a:p>
+          <a:p>
             <a:r>
               <a:rPr lang="en-US" dirty="0">
-                <a:hlinkClick r:id="rId3"/>
+                <a:effectLst/>
               </a:rPr>
-              <a:t>https://</a:t>
+              <a:t>Dependency </a:t>
             </a:r>
             <a:r>
               <a:rPr lang="en-US" dirty="0" smtClean="0">
-                <a:hlinkClick r:id="rId3"/>
+                <a:effectLst/>
               </a:rPr>
-              <a:t>github.com/Swiip/generator-gulp-angular</a:t>
-            </a:r>
-            <a:endParaRPr lang="en-US" dirty="0" smtClean="0"/>
-          </a:p>
-          <a:p>
-            <a:r>
-              <a:rPr lang="en-US" dirty="0" smtClean="0"/>
-              <a:t>Gulp serve</a:t>
-            </a:r>
-          </a:p>
-          <a:p>
-            <a:r>
-              <a:rPr lang="en-US" dirty="0" err="1" smtClean="0"/>
-              <a:t>Anuglar</a:t>
-            </a:r>
-            <a:r>
-              <a:rPr lang="en-US" dirty="0" smtClean="0"/>
-              <a:t> Material</a:t>
-            </a:r>
+              <a:t>Injection </a:t>
+            </a:r>
+            <a:r>
+              <a:rPr lang="zh-CN" altLang="en-US" dirty="0" smtClean="0">
+                <a:effectLst/>
+              </a:rPr>
+              <a:t>依赖注入</a:t>
+            </a:r>
+            <a:endParaRPr lang="en-US" altLang="zh-CN" dirty="0" smtClean="0">
+              <a:effectLst/>
+            </a:endParaRPr>
+          </a:p>
+          <a:p>
+            <a:r>
+              <a:rPr lang="en-US" altLang="zh-CN" dirty="0" smtClean="0">
+                <a:effectLst/>
+              </a:rPr>
+              <a:t>Controller</a:t>
+            </a:r>
+            <a:r>
+              <a:rPr lang="zh-CN" altLang="en-US" dirty="0" smtClean="0">
+                <a:effectLst/>
+              </a:rPr>
+              <a:t> 控制器</a:t>
+            </a:r>
+            <a:endParaRPr lang="en-US" altLang="zh-CN" dirty="0" smtClean="0">
+              <a:effectLst/>
+            </a:endParaRPr>
+          </a:p>
+          <a:p>
+            <a:endParaRPr lang="en-US" dirty="0"/>
+          </a:p>
+        </p:txBody>
+      </p:sp>
+      <p:sp>
+        <p:nvSpPr>
+          <p:cNvPr id="4" name="Text Placeholder 3"/>
+          <p:cNvSpPr>
+            <a:spLocks noGrp="1"/>
+          </p:cNvSpPr>
+          <p:nvPr>
+            <p:ph type="body" sz="half" idx="2"/>
+          </p:nvPr>
+        </p:nvSpPr>
+        <p:spPr/>
+        <p:txBody>
+          <a:bodyPr/>
+          <a:lstStyle/>
+          <a:p>
+            <a:r>
+              <a:rPr lang="zh-CN" altLang="en-US" dirty="0" smtClean="0"/>
+              <a:t>知识简介</a:t>
+            </a:r>
+            <a:endParaRPr lang="en-US" dirty="0"/>
           </a:p>
         </p:txBody>
       </p:sp>
     </p:spTree>
     <p:extLst>
       <p:ext uri="{BB962C8B-B14F-4D97-AF65-F5344CB8AC3E}">
-        <p14:creationId xmlns:p14="http://schemas.microsoft.com/office/powerpoint/2010/main" val="1446031074"/>
+        <p14:creationId xmlns:p14="http://schemas.microsoft.com/office/powerpoint/2010/main" val="1326356102"/>
       </p:ext>
     </p:extLst>
   </p:cSld>
@@ -14849,97 +14947,40 @@
           <a:lstStyle/>
           <a:p>
             <a:r>
-              <a:rPr lang="en-US" dirty="0" smtClean="0"/>
-              <a:t>Angular 6</a:t>
-            </a:r>
-            <a:endParaRPr lang="en-US" dirty="0"/>
-          </a:p>
-        </p:txBody>
-      </p:sp>
-      <p:sp>
-        <p:nvSpPr>
-          <p:cNvPr id="3" name="Content Placeholder 2"/>
-          <p:cNvSpPr>
-            <a:spLocks noGrp="1"/>
-          </p:cNvSpPr>
-          <p:nvPr>
-            <p:ph idx="1"/>
-          </p:nvPr>
-        </p:nvSpPr>
-        <p:spPr/>
-        <p:txBody>
-          <a:bodyPr/>
-          <a:lstStyle/>
-          <a:p>
-            <a:r>
-              <a:rPr lang="en-US" dirty="0" smtClean="0"/>
-              <a:t>1. Typescript</a:t>
-            </a:r>
-          </a:p>
-          <a:p>
-            <a:r>
-              <a:rPr lang="en-US" dirty="0" smtClean="0"/>
-              <a:t>2. </a:t>
-            </a:r>
-            <a:r>
-              <a:rPr lang="zh-CN" altLang="en-US" dirty="0" smtClean="0"/>
-              <a:t>其实与</a:t>
-            </a:r>
-            <a:r>
               <a:rPr lang="en-US" altLang="zh-CN" dirty="0" err="1" smtClean="0"/>
               <a:t>AngularJS</a:t>
             </a:r>
             <a:r>
               <a:rPr lang="zh-CN" altLang="en-US" dirty="0" smtClean="0"/>
-              <a:t>比较相似</a:t>
-            </a:r>
-            <a:endParaRPr lang="en-US" altLang="zh-CN" dirty="0" smtClean="0"/>
-          </a:p>
-          <a:p>
+              <a:t>项目实战</a:t>
+            </a:r>
+            <a:endParaRPr lang="en-US" dirty="0"/>
+          </a:p>
+        </p:txBody>
+      </p:sp>
+      <p:sp>
+        <p:nvSpPr>
+          <p:cNvPr id="3" name="Text Placeholder 2"/>
+          <p:cNvSpPr>
+            <a:spLocks noGrp="1"/>
+          </p:cNvSpPr>
+          <p:nvPr>
+            <p:ph type="body" idx="1"/>
+          </p:nvPr>
+        </p:nvSpPr>
+        <p:spPr/>
+        <p:txBody>
+          <a:bodyPr/>
+          <a:lstStyle/>
+          <a:p>
+            <a:r>
+              <a:rPr lang="en-US" altLang="zh-CN" dirty="0" err="1" smtClean="0"/>
+              <a:t>Todo</a:t>
+            </a:r>
             <a:r>
               <a:rPr lang="en-US" altLang="zh-CN" dirty="0" smtClean="0"/>
-              <a:t>3.</a:t>
-            </a:r>
-            <a:r>
-              <a:rPr lang="zh-CN" altLang="en-US" dirty="0" smtClean="0"/>
-              <a:t> 完整的</a:t>
-            </a:r>
-            <a:r>
-              <a:rPr lang="en-US" altLang="zh-CN" dirty="0" err="1" smtClean="0"/>
-              <a:t>Cli</a:t>
-            </a:r>
-            <a:r>
-              <a:rPr lang="zh-CN" altLang="en-US" dirty="0" smtClean="0"/>
-              <a:t>系统</a:t>
-            </a:r>
-            <a:endParaRPr lang="en-US" altLang="zh-CN" dirty="0" smtClean="0"/>
-          </a:p>
-          <a:p>
-            <a:r>
-              <a:rPr lang="en-US" dirty="0" smtClean="0"/>
-              <a:t>4. observables, </a:t>
-            </a:r>
-            <a:r>
-              <a:rPr lang="en-US" dirty="0" err="1" smtClean="0"/>
-              <a:t>RxJS</a:t>
-            </a:r>
-            <a:r>
-              <a:rPr lang="en-US" dirty="0" smtClean="0"/>
-              <a:t> (Reactive </a:t>
-            </a:r>
-            <a:r>
-              <a:rPr lang="en-US" dirty="0">
-                <a:effectLst/>
-              </a:rPr>
-              <a:t>Extensions</a:t>
-            </a:r>
-            <a:r>
-              <a:rPr lang="en-US" dirty="0" smtClean="0"/>
-              <a:t>)</a:t>
-            </a:r>
-            <a:endParaRPr lang="en-US" dirty="0"/>
-          </a:p>
-          <a:p>
+              <a:t> List</a:t>
+            </a:r>
             <a:endParaRPr lang="en-US" dirty="0"/>
           </a:p>
         </p:txBody>
@@ -14947,7 +14988,7 @@
     </p:spTree>
     <p:extLst>
       <p:ext uri="{BB962C8B-B14F-4D97-AF65-F5344CB8AC3E}">
-        <p14:creationId xmlns:p14="http://schemas.microsoft.com/office/powerpoint/2010/main" val="1418923925"/>
+        <p14:creationId xmlns:p14="http://schemas.microsoft.com/office/powerpoint/2010/main" val="1639088771"/>
       </p:ext>
     </p:extLst>
   </p:cSld>
@@ -14998,7 +15039,11 @@
           <a:p>
             <a:r>
               <a:rPr lang="en-US" altLang="zh-CN" dirty="0" smtClean="0"/>
-              <a:t>Observable</a:t>
+              <a:t>Angular </a:t>
+            </a:r>
+            <a:r>
+              <a:rPr lang="zh-CN" altLang="en-US" dirty="0" smtClean="0"/>
+              <a:t>脚手架项目</a:t>
             </a:r>
             <a:endParaRPr lang="en-US" dirty="0"/>
           </a:p>
@@ -15020,70 +15065,45 @@
           <a:lstStyle/>
           <a:p>
             <a:r>
+              <a:rPr lang="en-US" dirty="0"/>
+              <a:t>Yeoman: </a:t>
+            </a:r>
+            <a:r>
+              <a:rPr lang="en-US" dirty="0">
+                <a:hlinkClick r:id="rId3"/>
+              </a:rPr>
+              <a:t>https://</a:t>
+            </a:r>
+            <a:r>
+              <a:rPr lang="en-US" dirty="0" smtClean="0">
+                <a:hlinkClick r:id="rId3"/>
+              </a:rPr>
+              <a:t>github.com/Swiip/generator-gulp-angular</a:t>
+            </a:r>
+            <a:endParaRPr lang="en-US" dirty="0" smtClean="0"/>
+          </a:p>
+          <a:p>
+            <a:r>
               <a:rPr lang="en-US" dirty="0" smtClean="0"/>
-              <a:t>1. </a:t>
-            </a:r>
-            <a:r>
-              <a:rPr lang="zh-CN" altLang="en-US" dirty="0" smtClean="0"/>
-              <a:t>支持多个变量</a:t>
-            </a:r>
-            <a:endParaRPr lang="en-US" altLang="zh-CN" dirty="0" smtClean="0"/>
-          </a:p>
-          <a:p>
-            <a:r>
-              <a:rPr lang="en-US" altLang="zh-CN" dirty="0" smtClean="0"/>
-              <a:t>2.</a:t>
-            </a:r>
-            <a:r>
-              <a:rPr lang="zh-CN" altLang="en-US" dirty="0" smtClean="0"/>
-              <a:t> </a:t>
-            </a:r>
-            <a:r>
-              <a:rPr lang="en-US" altLang="zh-CN" dirty="0" smtClean="0"/>
-              <a:t>cancel</a:t>
-            </a:r>
-            <a:r>
-              <a:rPr lang="zh-CN" altLang="en-US" dirty="0" smtClean="0"/>
-              <a:t>掉一个</a:t>
-            </a:r>
-            <a:r>
-              <a:rPr lang="en-US" altLang="zh-CN" dirty="0" smtClean="0"/>
-              <a:t>observable</a:t>
-            </a:r>
-          </a:p>
-          <a:p>
-            <a:r>
-              <a:rPr lang="en-US" altLang="zh-CN" dirty="0" smtClean="0"/>
-              <a:t>3.</a:t>
-            </a:r>
-            <a:r>
-              <a:rPr lang="zh-CN" altLang="en-US" dirty="0" smtClean="0"/>
-              <a:t> </a:t>
-            </a:r>
-            <a:r>
-              <a:rPr lang="en-US" altLang="zh-CN" dirty="0" smtClean="0"/>
-              <a:t>promise-&gt; then</a:t>
-            </a:r>
-            <a:r>
-              <a:rPr lang="zh-CN" altLang="en-US" dirty="0" smtClean="0"/>
-              <a:t> </a:t>
-            </a:r>
-            <a:r>
-              <a:rPr lang="en-US" altLang="zh-CN" dirty="0" smtClean="0"/>
-              <a:t>  observable -&gt; subscribe</a:t>
+              <a:t>Gulp serve</a:t>
+            </a:r>
+          </a:p>
+          <a:p>
+            <a:r>
+              <a:rPr lang="en-US" dirty="0" err="1" smtClean="0"/>
+              <a:t>Anuglar</a:t>
             </a:r>
             <a:r>
               <a:rPr lang="en-US" dirty="0" smtClean="0"/>
-              <a:t> </a:t>
-            </a:r>
-            <a:endParaRPr lang="en-US" dirty="0"/>
+              <a:t> Material</a:t>
+            </a:r>
           </a:p>
         </p:txBody>
       </p:sp>
     </p:spTree>
     <p:extLst>
       <p:ext uri="{BB962C8B-B14F-4D97-AF65-F5344CB8AC3E}">
-        <p14:creationId xmlns:p14="http://schemas.microsoft.com/office/powerpoint/2010/main" val="1029556927"/>
+        <p14:creationId xmlns:p14="http://schemas.microsoft.com/office/powerpoint/2010/main" val="1446031074"/>
       </p:ext>
     </p:extLst>
   </p:cSld>
@@ -15133,193 +15153,95 @@
           <a:lstStyle/>
           <a:p>
             <a:r>
+              <a:rPr lang="en-US" dirty="0" smtClean="0"/>
+              <a:t>Angular 6</a:t>
+            </a:r>
+            <a:endParaRPr lang="en-US" dirty="0"/>
+          </a:p>
+        </p:txBody>
+      </p:sp>
+      <p:sp>
+        <p:nvSpPr>
+          <p:cNvPr id="3" name="Content Placeholder 2"/>
+          <p:cNvSpPr>
+            <a:spLocks noGrp="1"/>
+          </p:cNvSpPr>
+          <p:nvPr>
+            <p:ph idx="1"/>
+          </p:nvPr>
+        </p:nvSpPr>
+        <p:spPr/>
+        <p:txBody>
+          <a:bodyPr/>
+          <a:lstStyle/>
+          <a:p>
+            <a:r>
+              <a:rPr lang="en-US" dirty="0" smtClean="0"/>
+              <a:t>1. Typescript</a:t>
+            </a:r>
+          </a:p>
+          <a:p>
+            <a:r>
+              <a:rPr lang="en-US" dirty="0" smtClean="0"/>
+              <a:t>2. </a:t>
+            </a:r>
+            <a:r>
+              <a:rPr lang="zh-CN" altLang="en-US" dirty="0" smtClean="0"/>
+              <a:t>其实与</a:t>
+            </a:r>
+            <a:r>
+              <a:rPr lang="en-US" altLang="zh-CN" dirty="0" err="1" smtClean="0"/>
+              <a:t>AngularJS</a:t>
+            </a:r>
+            <a:r>
+              <a:rPr lang="zh-CN" altLang="en-US" dirty="0" smtClean="0"/>
+              <a:t>比较相似</a:t>
+            </a:r>
+            <a:endParaRPr lang="en-US" altLang="zh-CN" dirty="0" smtClean="0"/>
+          </a:p>
+          <a:p>
+            <a:r>
               <a:rPr lang="en-US" altLang="zh-CN" dirty="0" smtClean="0"/>
-              <a:t>Angular</a:t>
+              <a:t>3.</a:t>
             </a:r>
             <a:r>
               <a:rPr lang="zh-CN" altLang="en-US" dirty="0" smtClean="0"/>
-              <a:t> 指令</a:t>
-            </a:r>
-            <a:endParaRPr lang="en-US" dirty="0"/>
-          </a:p>
-        </p:txBody>
-      </p:sp>
-      <p:sp>
-        <p:nvSpPr>
-          <p:cNvPr id="3" name="Content Placeholder 2"/>
-          <p:cNvSpPr>
-            <a:spLocks noGrp="1"/>
-          </p:cNvSpPr>
-          <p:nvPr>
-            <p:ph idx="1"/>
-          </p:nvPr>
-        </p:nvSpPr>
-        <p:spPr/>
-        <p:txBody>
-          <a:bodyPr/>
-          <a:lstStyle/>
-          <a:p>
-            <a:r>
-              <a:rPr lang="zh-CN" altLang="en-US" dirty="0">
+              <a:t> 完整的</a:t>
+            </a:r>
+            <a:r>
+              <a:rPr lang="en-US" altLang="zh-CN" dirty="0" err="1" smtClean="0"/>
+              <a:t>Cli</a:t>
+            </a:r>
+            <a:r>
+              <a:rPr lang="zh-CN" altLang="en-US" dirty="0" smtClean="0"/>
+              <a:t>系统</a:t>
+            </a:r>
+            <a:endParaRPr lang="en-US" altLang="zh-CN" dirty="0" smtClean="0"/>
+          </a:p>
+          <a:p>
+            <a:r>
+              <a:rPr lang="en-US" dirty="0" smtClean="0"/>
+              <a:t>4. observables, </a:t>
+            </a:r>
+            <a:r>
+              <a:rPr lang="en-US" dirty="0" err="1" smtClean="0"/>
+              <a:t>RxJS</a:t>
+            </a:r>
+            <a:r>
+              <a:rPr lang="en-US" dirty="0" smtClean="0"/>
+              <a:t> (Reactive </a:t>
+            </a:r>
+            <a:r>
+              <a:rPr lang="en-US" dirty="0">
                 <a:effectLst/>
               </a:rPr>
-              <a:t>组件 </a:t>
-            </a:r>
-            <a:r>
-              <a:rPr lang="en-US" altLang="zh-CN" dirty="0">
-                <a:effectLst/>
-              </a:rPr>
-              <a:t>- </a:t>
-            </a:r>
-            <a:r>
-              <a:rPr lang="zh-CN" altLang="en-US" dirty="0">
-                <a:effectLst/>
-              </a:rPr>
-              <a:t>带有模板的指令</a:t>
-            </a:r>
-            <a:r>
-              <a:rPr lang="en-US" altLang="zh-CN" dirty="0">
-                <a:effectLst/>
-              </a:rPr>
-              <a:t>(</a:t>
-            </a:r>
-            <a:r>
-              <a:rPr lang="zh-CN" altLang="en-US" dirty="0">
-                <a:effectLst/>
-              </a:rPr>
-              <a:t>组件皆指令</a:t>
-            </a:r>
-            <a:r>
-              <a:rPr lang="en-US" altLang="zh-CN" dirty="0">
-                <a:effectLst/>
-              </a:rPr>
+              <a:t>Extensions</a:t>
+            </a:r>
+            <a:r>
+              <a:rPr lang="en-US" dirty="0" smtClean="0"/>
               <a:t>)</a:t>
             </a:r>
-          </a:p>
-          <a:p>
-            <a:r>
-              <a:rPr lang="zh-CN" altLang="en-US" dirty="0">
-                <a:effectLst/>
-              </a:rPr>
-              <a:t>结构型指令 </a:t>
-            </a:r>
-            <a:r>
-              <a:rPr lang="en-US" altLang="zh-CN" dirty="0">
-                <a:effectLst/>
-              </a:rPr>
-              <a:t>- </a:t>
-            </a:r>
-            <a:r>
-              <a:rPr lang="zh-CN" altLang="en-US" dirty="0">
-                <a:effectLst/>
-              </a:rPr>
-              <a:t>作用于</a:t>
-            </a:r>
-            <a:r>
-              <a:rPr lang="en-US" altLang="zh-CN" dirty="0">
-                <a:effectLst/>
-              </a:rPr>
-              <a:t>DOM</a:t>
-            </a:r>
-            <a:r>
-              <a:rPr lang="zh-CN" altLang="en-US" dirty="0">
-                <a:effectLst/>
-              </a:rPr>
-              <a:t>元素修改视图结构的指令</a:t>
-            </a:r>
-            <a:r>
-              <a:rPr lang="en-US" altLang="zh-CN" dirty="0">
-                <a:effectLst/>
-              </a:rPr>
-              <a:t>(</a:t>
-            </a:r>
-            <a:r>
-              <a:rPr lang="en-US" altLang="zh-CN" dirty="0" err="1">
-                <a:effectLst/>
-              </a:rPr>
-              <a:t>NgIf</a:t>
-            </a:r>
-            <a:r>
-              <a:rPr lang="zh-CN" altLang="en-US" dirty="0">
-                <a:effectLst/>
-              </a:rPr>
-              <a:t>、</a:t>
-            </a:r>
-            <a:r>
-              <a:rPr lang="en-US" altLang="zh-CN" dirty="0" err="1">
-                <a:effectLst/>
-              </a:rPr>
-              <a:t>NgFor</a:t>
-            </a:r>
-            <a:r>
-              <a:rPr lang="zh-CN" altLang="en-US" dirty="0">
-                <a:effectLst/>
-              </a:rPr>
-              <a:t>等</a:t>
-            </a:r>
-            <a:r>
-              <a:rPr lang="en-US" altLang="zh-CN" dirty="0">
-                <a:effectLst/>
-              </a:rPr>
-              <a:t>)</a:t>
-            </a:r>
-          </a:p>
-          <a:p>
-            <a:r>
-              <a:rPr lang="zh-CN" altLang="en-US" dirty="0">
-                <a:effectLst/>
-              </a:rPr>
-              <a:t>属性型指令 </a:t>
-            </a:r>
-            <a:r>
-              <a:rPr lang="en-US" altLang="zh-CN" dirty="0">
-                <a:effectLst/>
-              </a:rPr>
-              <a:t>- </a:t>
-            </a:r>
-            <a:r>
-              <a:rPr lang="zh-CN" altLang="en-US" dirty="0">
-                <a:effectLst/>
-              </a:rPr>
-              <a:t>作用于</a:t>
-            </a:r>
-            <a:r>
-              <a:rPr lang="en-US" altLang="zh-CN" dirty="0">
-                <a:effectLst/>
-              </a:rPr>
-              <a:t>DOM</a:t>
-            </a:r>
-            <a:r>
-              <a:rPr lang="zh-CN" altLang="en-US" dirty="0">
-                <a:effectLst/>
-              </a:rPr>
-              <a:t>元素的外观和行为的指令</a:t>
-            </a:r>
-            <a:r>
-              <a:rPr lang="en-US" altLang="zh-CN" dirty="0">
-                <a:effectLst/>
-              </a:rPr>
-              <a:t>(</a:t>
-            </a:r>
-            <a:r>
-              <a:rPr lang="en-US" altLang="zh-CN" dirty="0" err="1"/>
-              <a:t>NgStyle</a:t>
-            </a:r>
-            <a:r>
-              <a:rPr lang="zh-CN" altLang="en-US" dirty="0">
-                <a:effectLst/>
-              </a:rPr>
-              <a:t>等</a:t>
-            </a:r>
-            <a:r>
-              <a:rPr lang="en-US" altLang="zh-CN" dirty="0">
-                <a:effectLst/>
-              </a:rPr>
-              <a:t>)</a:t>
-            </a:r>
-            <a:endParaRPr lang="zh-CN" altLang="en-US" dirty="0">
-              <a:effectLst/>
-            </a:endParaRPr>
+            <a:endParaRPr lang="en-US" dirty="0"/>
           </a:p>
           <a:p>
             <a:endParaRPr lang="en-US" dirty="0"/>
@@ -15329,7 +15251,7 @@
     </p:spTree>
     <p:extLst>
       <p:ext uri="{BB962C8B-B14F-4D97-AF65-F5344CB8AC3E}">
-        <p14:creationId xmlns:p14="http://schemas.microsoft.com/office/powerpoint/2010/main" val="366916453"/>
+        <p14:creationId xmlns:p14="http://schemas.microsoft.com/office/powerpoint/2010/main" val="1418923925"/>
       </p:ext>
     </p:extLst>
   </p:cSld>
@@ -15545,159 +15467,84 @@
           <a:lstStyle/>
           <a:p>
             <a:r>
+              <a:rPr lang="en-US" altLang="zh-CN" dirty="0" smtClean="0"/>
+              <a:t>Observable</a:t>
+            </a:r>
+            <a:endParaRPr lang="en-US" dirty="0"/>
+          </a:p>
+        </p:txBody>
+      </p:sp>
+      <p:sp>
+        <p:nvSpPr>
+          <p:cNvPr id="3" name="Content Placeholder 2"/>
+          <p:cNvSpPr>
+            <a:spLocks noGrp="1"/>
+          </p:cNvSpPr>
+          <p:nvPr>
+            <p:ph idx="1"/>
+          </p:nvPr>
+        </p:nvSpPr>
+        <p:spPr/>
+        <p:txBody>
+          <a:bodyPr/>
+          <a:lstStyle/>
+          <a:p>
+            <a:r>
               <a:rPr lang="en-US" dirty="0" smtClean="0"/>
-              <a:t>Angular 2+ HTML </a:t>
+              <a:t>1. </a:t>
             </a:r>
             <a:r>
               <a:rPr lang="zh-CN" altLang="en-US" dirty="0" smtClean="0"/>
-              <a:t>模版语法</a:t>
-            </a:r>
-            <a:endParaRPr lang="en-US" dirty="0"/>
-          </a:p>
-        </p:txBody>
-      </p:sp>
-      <p:sp>
-        <p:nvSpPr>
-          <p:cNvPr id="3" name="Content Placeholder 2"/>
-          <p:cNvSpPr>
-            <a:spLocks noGrp="1"/>
-          </p:cNvSpPr>
-          <p:nvPr>
-            <p:ph idx="1"/>
-          </p:nvPr>
-        </p:nvSpPr>
-        <p:spPr/>
-        <p:txBody>
-          <a:bodyPr/>
-          <a:lstStyle/>
-          <a:p>
-            <a:r>
-              <a:rPr lang="en-US" dirty="0">
-                <a:effectLst/>
-              </a:rPr>
-              <a:t>[prop]="</a:t>
-            </a:r>
-            <a:r>
-              <a:rPr lang="en-US" dirty="0" smtClean="0">
-                <a:effectLst/>
-              </a:rPr>
-              <a:t>value”</a:t>
-            </a:r>
-            <a:endParaRPr lang="en-US" dirty="0">
-              <a:effectLst/>
-            </a:endParaRPr>
-          </a:p>
-          <a:p>
-            <a:r>
-              <a:rPr lang="en-US" dirty="0">
-                <a:effectLst/>
-              </a:rPr>
-              <a:t>prop="{{value</a:t>
-            </a:r>
-            <a:r>
-              <a:rPr lang="en-US" dirty="0" smtClean="0">
-                <a:effectLst/>
-              </a:rPr>
-              <a:t>}}”</a:t>
-            </a:r>
-          </a:p>
-          <a:p>
-            <a:r>
-              <a:rPr lang="en-US" dirty="0">
-                <a:effectLst/>
-              </a:rPr>
-              <a:t>(event)="</a:t>
-            </a:r>
-            <a:r>
-              <a:rPr lang="en-US" dirty="0" smtClean="0">
-                <a:effectLst/>
-              </a:rPr>
-              <a:t>expr”</a:t>
-            </a:r>
-          </a:p>
-          <a:p>
-            <a:r>
-              <a:rPr lang="en-US" dirty="0">
-                <a:effectLst/>
-              </a:rPr>
-              <a:t>#</a:t>
-            </a:r>
-            <a:r>
-              <a:rPr lang="en-US" dirty="0" err="1" smtClean="0">
-                <a:effectLst/>
-              </a:rPr>
-              <a:t>var</a:t>
-            </a:r>
-            <a:endParaRPr lang="en-US" dirty="0" smtClean="0">
-              <a:effectLst/>
-            </a:endParaRPr>
-          </a:p>
-          <a:p>
-            <a:r>
-              <a:rPr lang="en-US" dirty="0"/>
-              <a:t>bind-</a:t>
-            </a:r>
-            <a:r>
-              <a:rPr lang="en-US" dirty="0">
-                <a:effectLst/>
-              </a:rPr>
-              <a:t> for </a:t>
-            </a:r>
-            <a:r>
-              <a:rPr lang="en-US" dirty="0"/>
-              <a:t>[]</a:t>
-            </a:r>
-            <a:r>
-              <a:rPr lang="en-US" dirty="0">
-                <a:effectLst/>
-              </a:rPr>
-              <a:t> and </a:t>
-            </a:r>
-            <a:r>
-              <a:rPr lang="en-US" dirty="0"/>
-              <a:t>on-</a:t>
-            </a:r>
-            <a:r>
-              <a:rPr lang="en-US" dirty="0">
-                <a:effectLst/>
-              </a:rPr>
-              <a:t> for </a:t>
-            </a:r>
-            <a:r>
-              <a:rPr lang="en-US" dirty="0"/>
-              <a:t>()</a:t>
-            </a:r>
-            <a:r>
-              <a:rPr lang="en-US" dirty="0">
-                <a:effectLst/>
-              </a:rPr>
-              <a:t> or </a:t>
-            </a:r>
-            <a:r>
-              <a:rPr lang="en-US" dirty="0"/>
-              <a:t>&lt;template [</a:t>
-            </a:r>
-            <a:r>
-              <a:rPr lang="en-US" dirty="0" err="1"/>
-              <a:t>ngFor</a:t>
-            </a:r>
-            <a:r>
-              <a:rPr lang="en-US" dirty="0"/>
-              <a:t>]&gt;</a:t>
-            </a:r>
-            <a:r>
-              <a:rPr lang="en-US" dirty="0">
-                <a:effectLst/>
-              </a:rPr>
-              <a:t> for </a:t>
-            </a:r>
-            <a:r>
-              <a:rPr lang="en-US" dirty="0"/>
-              <a:t>*</a:t>
-            </a:r>
-            <a:r>
-              <a:rPr lang="en-US" dirty="0" err="1"/>
-              <a:t>ngFor</a:t>
+              <a:t>支持多个变量</a:t>
+            </a:r>
+            <a:endParaRPr lang="en-US" altLang="zh-CN" dirty="0" smtClean="0"/>
+          </a:p>
+          <a:p>
+            <a:r>
+              <a:rPr lang="en-US" altLang="zh-CN" dirty="0" smtClean="0"/>
+              <a:t>2.</a:t>
+            </a:r>
+            <a:r>
+              <a:rPr lang="zh-CN" altLang="en-US" dirty="0" smtClean="0"/>
+              <a:t> </a:t>
+            </a:r>
+            <a:r>
+              <a:rPr lang="en-US" altLang="zh-CN" dirty="0" smtClean="0"/>
+              <a:t>cancel</a:t>
+            </a:r>
+            <a:r>
+              <a:rPr lang="zh-CN" altLang="en-US" dirty="0" smtClean="0"/>
+              <a:t>掉一个</a:t>
+            </a:r>
+            <a:r>
+              <a:rPr lang="en-US" altLang="zh-CN" dirty="0" smtClean="0"/>
+              <a:t>observable</a:t>
+            </a:r>
+          </a:p>
+          <a:p>
+            <a:r>
+              <a:rPr lang="en-US" altLang="zh-CN" dirty="0" smtClean="0"/>
+              <a:t>3.</a:t>
+            </a:r>
+            <a:r>
+              <a:rPr lang="zh-CN" altLang="en-US" dirty="0" smtClean="0"/>
+              <a:t> </a:t>
+            </a:r>
+            <a:r>
+              <a:rPr lang="en-US" altLang="zh-CN" dirty="0" smtClean="0"/>
+              <a:t>promise-&gt; then</a:t>
+            </a:r>
+            <a:r>
+              <a:rPr lang="zh-CN" altLang="en-US" dirty="0" smtClean="0"/>
+              <a:t> </a:t>
+            </a:r>
+            <a:r>
+              <a:rPr lang="en-US" altLang="zh-CN" dirty="0" smtClean="0"/>
+              <a:t>  observable -&gt; subscribe</a:t>
+            </a:r>
+            <a:r>
+              <a:rPr lang="en-US" dirty="0" smtClean="0"/>
+              <a:t> </a:t>
             </a:r>
             <a:endParaRPr lang="en-US" dirty="0"/>
           </a:p>
@@ -15706,7 +15553,7 @@
     </p:spTree>
     <p:extLst>
       <p:ext uri="{BB962C8B-B14F-4D97-AF65-F5344CB8AC3E}">
-        <p14:creationId xmlns:p14="http://schemas.microsoft.com/office/powerpoint/2010/main" val="547912599"/>
+        <p14:creationId xmlns:p14="http://schemas.microsoft.com/office/powerpoint/2010/main" val="1029556927"/>
       </p:ext>
     </p:extLst>
   </p:cSld>
@@ -15756,12 +15603,12 @@
           <a:lstStyle/>
           <a:p>
             <a:r>
-              <a:rPr lang="en-US" dirty="0" smtClean="0"/>
-              <a:t>Angular </a:t>
+              <a:rPr lang="en-US" altLang="zh-CN" dirty="0" smtClean="0"/>
+              <a:t>Angular</a:t>
             </a:r>
             <a:r>
               <a:rPr lang="zh-CN" altLang="en-US" dirty="0" smtClean="0"/>
-              <a:t>环境搭建</a:t>
+              <a:t> 指令</a:t>
             </a:r>
             <a:endParaRPr lang="en-US" dirty="0"/>
           </a:p>
@@ -15783,24 +15630,176 @@
           <a:lstStyle/>
           <a:p>
             <a:r>
-              <a:rPr lang="en-US" dirty="0"/>
-              <a:t>https://</a:t>
-            </a:r>
-            <a:r>
-              <a:rPr lang="en-US" dirty="0" err="1"/>
-              <a:t>github.com</a:t>
-            </a:r>
-            <a:r>
-              <a:rPr lang="en-US" dirty="0"/>
-              <a:t>/angular/angular-cli</a:t>
-            </a:r>
+              <a:rPr lang="zh-CN" altLang="en-US" dirty="0">
+                <a:effectLst/>
+              </a:rPr>
+              <a:t>组件 </a:t>
+            </a:r>
+            <a:r>
+              <a:rPr lang="en-US" altLang="zh-CN" dirty="0">
+                <a:effectLst/>
+              </a:rPr>
+              <a:t>- </a:t>
+            </a:r>
+            <a:r>
+              <a:rPr lang="zh-CN" altLang="en-US" dirty="0">
+                <a:effectLst/>
+              </a:rPr>
+              <a:t>带有模板的指令</a:t>
+            </a:r>
+            <a:r>
+              <a:rPr lang="en-US" altLang="zh-CN" dirty="0">
+                <a:effectLst/>
+              </a:rPr>
+              <a:t>(</a:t>
+            </a:r>
+            <a:r>
+              <a:rPr lang="zh-CN" altLang="en-US" dirty="0">
+                <a:effectLst/>
+              </a:rPr>
+              <a:t>组件皆指令</a:t>
+            </a:r>
+            <a:r>
+              <a:rPr lang="en-US" altLang="zh-CN" dirty="0">
+                <a:effectLst/>
+              </a:rPr>
+              <a:t>)</a:t>
+            </a:r>
+          </a:p>
+          <a:p>
+            <a:r>
+              <a:rPr lang="zh-CN" altLang="en-US" dirty="0">
+                <a:effectLst/>
+              </a:rPr>
+              <a:t>结构型指令 </a:t>
+            </a:r>
+            <a:r>
+              <a:rPr lang="en-US" altLang="zh-CN" dirty="0">
+                <a:effectLst/>
+              </a:rPr>
+              <a:t>- </a:t>
+            </a:r>
+            <a:r>
+              <a:rPr lang="zh-CN" altLang="en-US" dirty="0">
+                <a:effectLst/>
+              </a:rPr>
+              <a:t>作用于</a:t>
+            </a:r>
+            <a:r>
+              <a:rPr lang="en-US" altLang="zh-CN" dirty="0">
+                <a:effectLst/>
+              </a:rPr>
+              <a:t>DOM</a:t>
+            </a:r>
+            <a:r>
+              <a:rPr lang="zh-CN" altLang="en-US" dirty="0">
+                <a:effectLst/>
+              </a:rPr>
+              <a:t>元素修改视图结构的指令</a:t>
+            </a:r>
+            <a:r>
+              <a:rPr lang="en-US" altLang="zh-CN" dirty="0">
+                <a:effectLst/>
+              </a:rPr>
+              <a:t>(</a:t>
+            </a:r>
+            <a:r>
+              <a:rPr lang="en-US" altLang="zh-CN" dirty="0" err="1">
+                <a:effectLst/>
+              </a:rPr>
+              <a:t>NgIf</a:t>
+            </a:r>
+            <a:r>
+              <a:rPr lang="zh-CN" altLang="en-US" dirty="0">
+                <a:effectLst/>
+              </a:rPr>
+              <a:t>、</a:t>
+            </a:r>
+            <a:r>
+              <a:rPr lang="en-US" altLang="zh-CN" dirty="0" err="1">
+                <a:effectLst/>
+              </a:rPr>
+              <a:t>NgFor</a:t>
+            </a:r>
+            <a:r>
+              <a:rPr lang="zh-CN" altLang="en-US" dirty="0">
+                <a:effectLst/>
+              </a:rPr>
+              <a:t>等</a:t>
+            </a:r>
+            <a:r>
+              <a:rPr lang="en-US" altLang="zh-CN" dirty="0">
+                <a:effectLst/>
+              </a:rPr>
+              <a:t>)</a:t>
+            </a:r>
+          </a:p>
+          <a:p>
+            <a:r>
+              <a:rPr lang="zh-CN" altLang="en-US" dirty="0">
+                <a:effectLst/>
+              </a:rPr>
+              <a:t>属性型指令 </a:t>
+            </a:r>
+            <a:r>
+              <a:rPr lang="en-US" altLang="zh-CN" dirty="0">
+                <a:effectLst/>
+              </a:rPr>
+              <a:t>- </a:t>
+            </a:r>
+            <a:r>
+              <a:rPr lang="zh-CN" altLang="en-US" dirty="0">
+                <a:effectLst/>
+              </a:rPr>
+              <a:t>作用于</a:t>
+            </a:r>
+            <a:r>
+              <a:rPr lang="en-US" altLang="zh-CN" dirty="0">
+                <a:effectLst/>
+              </a:rPr>
+              <a:t>DOM</a:t>
+            </a:r>
+            <a:r>
+              <a:rPr lang="zh-CN" altLang="en-US" dirty="0">
+                <a:effectLst/>
+              </a:rPr>
+              <a:t>元素的外观和行为的指令</a:t>
+            </a:r>
+            <a:r>
+              <a:rPr lang="en-US" altLang="zh-CN" dirty="0">
+                <a:effectLst/>
+              </a:rPr>
+              <a:t>(</a:t>
+            </a:r>
+            <a:r>
+              <a:rPr lang="en-US" altLang="zh-CN" dirty="0" err="1"/>
+              <a:t>NgStyle</a:t>
+            </a:r>
+            <a:r>
+              <a:rPr lang="zh-CN" altLang="en-US" dirty="0">
+                <a:effectLst/>
+              </a:rPr>
+              <a:t>等</a:t>
+            </a:r>
+            <a:r>
+              <a:rPr lang="en-US" altLang="zh-CN" dirty="0">
+                <a:effectLst/>
+              </a:rPr>
+              <a:t>)</a:t>
+            </a:r>
+            <a:endParaRPr lang="zh-CN" altLang="en-US" dirty="0">
+              <a:effectLst/>
+            </a:endParaRPr>
+          </a:p>
+          <a:p>
+            <a:endParaRPr lang="en-US" dirty="0"/>
           </a:p>
         </p:txBody>
       </p:sp>
     </p:spTree>
     <p:extLst>
       <p:ext uri="{BB962C8B-B14F-4D97-AF65-F5344CB8AC3E}">
-        <p14:creationId xmlns:p14="http://schemas.microsoft.com/office/powerpoint/2010/main" val="304993857"/>
+        <p14:creationId xmlns:p14="http://schemas.microsoft.com/office/powerpoint/2010/main" val="366916453"/>
       </p:ext>
     </p:extLst>
   </p:cSld>
@@ -15850,59 +15849,160 @@
           <a:lstStyle/>
           <a:p>
             <a:r>
-              <a:rPr lang="en-US" altLang="zh-CN" dirty="0" smtClean="0"/>
-              <a:t>Angular</a:t>
+              <a:rPr lang="en-US" dirty="0" smtClean="0"/>
+              <a:t>Angular 2+ HTML </a:t>
             </a:r>
             <a:r>
               <a:rPr lang="zh-CN" altLang="en-US" dirty="0" smtClean="0"/>
-              <a:t>项目实战</a:t>
-            </a:r>
-            <a:r>
-              <a:rPr lang="en-US" altLang="zh-CN" dirty="0" smtClean="0"/>
-              <a:t>	</a:t>
-            </a:r>
-            <a:endParaRPr lang="en-US" dirty="0"/>
-          </a:p>
-        </p:txBody>
-      </p:sp>
-      <p:sp>
-        <p:nvSpPr>
-          <p:cNvPr id="3" name="Text Placeholder 2"/>
-          <p:cNvSpPr>
-            <a:spLocks noGrp="1"/>
-          </p:cNvSpPr>
-          <p:nvPr>
-            <p:ph type="body" sz="half" idx="2"/>
-          </p:nvPr>
-        </p:nvSpPr>
-        <p:spPr/>
-        <p:txBody>
-          <a:bodyPr>
-            <a:normAutofit/>
-          </a:bodyPr>
-          <a:lstStyle/>
-          <a:p>
-            <a:r>
-              <a:rPr lang="zh-CN" altLang="en-US" dirty="0" smtClean="0"/>
-              <a:t>官方英雄编辑器教程</a:t>
-            </a:r>
-            <a:endParaRPr lang="en-US" altLang="zh-CN" dirty="0" smtClean="0"/>
+              <a:t>模版语法</a:t>
+            </a:r>
+            <a:endParaRPr lang="en-US" dirty="0"/>
+          </a:p>
+        </p:txBody>
+      </p:sp>
+      <p:sp>
+        <p:nvSpPr>
+          <p:cNvPr id="3" name="Content Placeholder 2"/>
+          <p:cNvSpPr>
+            <a:spLocks noGrp="1"/>
+          </p:cNvSpPr>
+          <p:nvPr>
+            <p:ph idx="1"/>
+          </p:nvPr>
+        </p:nvSpPr>
+        <p:spPr/>
+        <p:txBody>
+          <a:bodyPr/>
+          <a:lstStyle/>
+          <a:p>
+            <a:r>
+              <a:rPr lang="en-US" dirty="0">
+                <a:effectLst/>
+              </a:rPr>
+              <a:t>[prop]="</a:t>
+            </a:r>
+            <a:r>
+              <a:rPr lang="en-US" dirty="0" smtClean="0">
+                <a:effectLst/>
+              </a:rPr>
+              <a:t>value”</a:t>
+            </a:r>
+            <a:endParaRPr lang="en-US" dirty="0">
+              <a:effectLst/>
+            </a:endParaRPr>
+          </a:p>
+          <a:p>
+            <a:r>
+              <a:rPr lang="en-US" dirty="0">
+                <a:effectLst/>
+              </a:rPr>
+              <a:t>prop="{{value</a:t>
+            </a:r>
+            <a:r>
+              <a:rPr lang="en-US" dirty="0" smtClean="0">
+                <a:effectLst/>
+              </a:rPr>
+              <a:t>}}”</a:t>
+            </a:r>
+          </a:p>
+          <a:p>
+            <a:r>
+              <a:rPr lang="en-US" dirty="0">
+                <a:effectLst/>
+              </a:rPr>
+              <a:t>(event)="</a:t>
+            </a:r>
+            <a:r>
+              <a:rPr lang="en-US" dirty="0" smtClean="0">
+                <a:effectLst/>
+              </a:rPr>
+              <a:t>expr”</a:t>
+            </a:r>
+          </a:p>
+          <a:p>
+            <a:r>
+              <a:rPr lang="en-US" dirty="0">
+                <a:effectLst/>
+              </a:rPr>
+              <a:t>#</a:t>
+            </a:r>
+            <a:r>
+              <a:rPr lang="en-US" dirty="0" err="1" smtClean="0">
+                <a:effectLst/>
+              </a:rPr>
+              <a:t>var</a:t>
+            </a:r>
+            <a:endParaRPr lang="en-US" dirty="0" smtClean="0">
+              <a:effectLst/>
+            </a:endParaRPr>
           </a:p>
           <a:p>
             <a:r>
               <a:rPr lang="en-US" dirty="0"/>
-              <a:t>https://</a:t>
+              <a:t>bind-</a:t>
+            </a:r>
+            <a:r>
+              <a:rPr lang="en-US" dirty="0">
+                <a:effectLst/>
+              </a:rPr>
+              <a:t> for </a:t>
+            </a:r>
+            <a:r>
+              <a:rPr lang="en-US" dirty="0"/>
+              <a:t>[]</a:t>
+            </a:r>
+            <a:r>
+              <a:rPr lang="en-US" dirty="0">
+                <a:effectLst/>
+              </a:rPr>
+              <a:t> and </a:t>
+            </a:r>
+            <a:r>
+              <a:rPr lang="en-US" dirty="0"/>
+              <a:t>on-</a:t>
+            </a:r>
+            <a:r>
+              <a:rPr lang="en-US" dirty="0">
+                <a:effectLst/>
+              </a:rPr>
+              <a:t> for </a:t>
+            </a:r>
+            <a:r>
+              <a:rPr lang="en-US" dirty="0"/>
+              <a:t>()</a:t>
+            </a:r>
+            <a:r>
+              <a:rPr lang="en-US" dirty="0">
+                <a:effectLst/>
+              </a:rPr>
+              <a:t> or </a:t>
+            </a:r>
+            <a:r>
+              <a:rPr lang="en-US" dirty="0"/>
+              <a:t>&lt;template [</a:t>
             </a:r>
             <a:r>
               <a:rPr lang="en-US" dirty="0" err="1"/>
-              <a:t>angular.cn</a:t>
+              <a:t>ngFor</a:t>
             </a:r>
             <a:r>
               <a:rPr lang="en-US" dirty="0"/>
-              <a:t>/tutorial</a:t>
-            </a:r>
-          </a:p>
-          <a:p>
+              <a:t>]&gt;</a:t>
+            </a:r>
+            <a:r>
+              <a:rPr lang="en-US" dirty="0">
+                <a:effectLst/>
+              </a:rPr>
+              <a:t> for </a:t>
+            </a:r>
+            <a:r>
+              <a:rPr lang="en-US" dirty="0"/>
+              <a:t>*</a:t>
+            </a:r>
+            <a:r>
+              <a:rPr lang="en-US" dirty="0" err="1"/>
+              <a:t>ngFor</a:t>
+            </a:r>
             <a:endParaRPr lang="en-US" dirty="0"/>
           </a:p>
         </p:txBody>
@@ -15910,13 +16010,20 @@
     </p:spTree>
     <p:extLst>
       <p:ext uri="{BB962C8B-B14F-4D97-AF65-F5344CB8AC3E}">
-        <p14:creationId xmlns:p14="http://schemas.microsoft.com/office/powerpoint/2010/main" val="1516572992"/>
+        <p14:creationId xmlns:p14="http://schemas.microsoft.com/office/powerpoint/2010/main" val="547912599"/>
       </p:ext>
     </p:extLst>
   </p:cSld>
   <p:clrMapOvr>
     <a:masterClrMapping/>
   </p:clrMapOvr>
+  <p:timing>
+    <p:tnLst>
+      <p:par>
+        <p:cTn id="1" dur="indefinite" restart="never" nodeType="tmRoot"/>
+      </p:par>
+    </p:tnLst>
+  </p:timing>
 </p:sld>
 </file>
 
@@ -15953,8 +16060,12 @@
           <a:lstStyle/>
           <a:p>
             <a:r>
+              <a:rPr lang="en-US" dirty="0" smtClean="0"/>
+              <a:t>Angular </a:t>
+            </a:r>
+            <a:r>
               <a:rPr lang="zh-CN" altLang="en-US" dirty="0" smtClean="0"/>
-              <a:t>大作业</a:t>
+              <a:t>环境搭建</a:t>
             </a:r>
             <a:endParaRPr lang="en-US" dirty="0"/>
           </a:p>
@@ -15976,115 +16087,24 @@
           <a:lstStyle/>
           <a:p>
             <a:r>
-              <a:rPr lang="zh-CN" altLang="en-US" dirty="0" smtClean="0"/>
-              <a:t>使用</a:t>
-            </a:r>
-            <a:r>
-              <a:rPr lang="en-US" altLang="zh-CN" dirty="0" smtClean="0"/>
-              <a:t>React </a:t>
-            </a:r>
-            <a:r>
-              <a:rPr lang="zh-CN" altLang="en-US" dirty="0" smtClean="0"/>
-              <a:t>或者 </a:t>
-            </a:r>
-            <a:r>
-              <a:rPr lang="en-US" altLang="zh-CN" dirty="0" smtClean="0"/>
-              <a:t>Angular </a:t>
-            </a:r>
-            <a:r>
-              <a:rPr lang="zh-CN" altLang="en-US" dirty="0" smtClean="0"/>
-              <a:t>做一个 </a:t>
-            </a:r>
-            <a:r>
-              <a:rPr lang="en-US" altLang="zh-CN" dirty="0" err="1" smtClean="0"/>
-              <a:t>todo</a:t>
-            </a:r>
-            <a:r>
-              <a:rPr lang="zh-CN" altLang="en-US" dirty="0" smtClean="0"/>
-              <a:t> </a:t>
-            </a:r>
-            <a:r>
-              <a:rPr lang="en-US" altLang="zh-CN" dirty="0" smtClean="0"/>
-              <a:t>list</a:t>
-            </a:r>
-          </a:p>
-          <a:p>
-            <a:r>
-              <a:rPr lang="zh-CN" altLang="en-US" dirty="0" smtClean="0"/>
-              <a:t>实现 添加， 删除功能</a:t>
-            </a:r>
-            <a:endParaRPr lang="en-US" altLang="zh-CN" dirty="0" smtClean="0"/>
-          </a:p>
-          <a:p>
-            <a:r>
-              <a:rPr lang="zh-CN" altLang="en-US" dirty="0" smtClean="0"/>
-              <a:t>将代码</a:t>
-            </a:r>
-            <a:r>
-              <a:rPr lang="en-US" altLang="zh-CN" dirty="0" smtClean="0"/>
-              <a:t>commit</a:t>
-            </a:r>
-            <a:r>
-              <a:rPr lang="zh-CN" altLang="en-US" dirty="0" smtClean="0"/>
-              <a:t>到自己的</a:t>
-            </a:r>
-            <a:r>
-              <a:rPr lang="en-US" altLang="zh-CN" dirty="0" err="1" smtClean="0"/>
-              <a:t>github</a:t>
-            </a:r>
-            <a:r>
-              <a:rPr lang="zh-CN" altLang="en-US" dirty="0" smtClean="0"/>
-              <a:t>上</a:t>
-            </a:r>
-            <a:endParaRPr lang="en-US" altLang="zh-CN" dirty="0" smtClean="0"/>
-          </a:p>
-          <a:p>
-            <a:r>
-              <a:rPr lang="zh-CN" altLang="en-US" dirty="0" smtClean="0"/>
-              <a:t>下节课准备一段</a:t>
-            </a:r>
-            <a:r>
-              <a:rPr lang="zh-CN" altLang="en-US" smtClean="0"/>
-              <a:t>简短的介绍</a:t>
-            </a:r>
-            <a:endParaRPr lang="en-US" altLang="zh-CN" dirty="0" smtClean="0"/>
-          </a:p>
-          <a:p>
-            <a:r>
-              <a:rPr lang="zh-CN" altLang="en-US" dirty="0" smtClean="0"/>
-              <a:t>不要</a:t>
-            </a:r>
-            <a:r>
-              <a:rPr lang="en-US" altLang="zh-CN" dirty="0" smtClean="0"/>
-              <a:t>commit</a:t>
-            </a:r>
-            <a:r>
-              <a:rPr lang="zh-CN" altLang="en-US" dirty="0" smtClean="0"/>
-              <a:t> </a:t>
-            </a:r>
-            <a:r>
-              <a:rPr lang="en-US" altLang="zh-CN" dirty="0" err="1" smtClean="0"/>
-              <a:t>Node_modules</a:t>
-            </a:r>
-            <a:r>
-              <a:rPr lang="en-US" altLang="zh-CN" dirty="0" smtClean="0"/>
-              <a:t> </a:t>
-            </a:r>
-            <a:r>
-              <a:rPr lang="zh-CN" altLang="en-US" dirty="0" smtClean="0"/>
-              <a:t>文件夹！</a:t>
-            </a:r>
-            <a:endParaRPr lang="en-US" altLang="zh-CN" dirty="0" smtClean="0"/>
-          </a:p>
-          <a:p>
-            <a:endParaRPr lang="en-US" dirty="0"/>
+              <a:rPr lang="en-US" dirty="0"/>
+              <a:t>https://</a:t>
+            </a:r>
+            <a:r>
+              <a:rPr lang="en-US" dirty="0" err="1"/>
+              <a:t>github.com</a:t>
+            </a:r>
+            <a:r>
+              <a:rPr lang="en-US" dirty="0"/>
+              <a:t>/angular/angular-cli</a:t>
+            </a:r>
           </a:p>
         </p:txBody>
       </p:sp>
     </p:spTree>
     <p:extLst>
       <p:ext uri="{BB962C8B-B14F-4D97-AF65-F5344CB8AC3E}">
-        <p14:creationId xmlns:p14="http://schemas.microsoft.com/office/powerpoint/2010/main" val="1759915627"/>
+        <p14:creationId xmlns:p14="http://schemas.microsoft.com/office/powerpoint/2010/main" val="304993857"/>
       </p:ext>
     </p:extLst>
   </p:cSld>
@@ -16134,58 +16154,59 @@
           <a:lstStyle/>
           <a:p>
             <a:r>
+              <a:rPr lang="en-US" altLang="zh-CN" dirty="0" smtClean="0"/>
+              <a:t>Angular</a:t>
+            </a:r>
+            <a:r>
               <a:rPr lang="zh-CN" altLang="en-US" dirty="0" smtClean="0"/>
-              <a:t>作业讨论</a:t>
-            </a:r>
-            <a:endParaRPr lang="en-US" dirty="0"/>
-          </a:p>
-        </p:txBody>
-      </p:sp>
-      <p:sp>
-        <p:nvSpPr>
-          <p:cNvPr id="3" name="Content Placeholder 2"/>
-          <p:cNvSpPr>
-            <a:spLocks noGrp="1"/>
-          </p:cNvSpPr>
-          <p:nvPr>
-            <p:ph idx="1"/>
-          </p:nvPr>
-        </p:nvSpPr>
-        <p:spPr/>
-        <p:txBody>
-          <a:bodyPr/>
-          <a:lstStyle/>
-          <a:p>
+              <a:t>项目实战</a:t>
+            </a:r>
             <a:r>
               <a:rPr lang="en-US" altLang="zh-CN" dirty="0" smtClean="0"/>
-              <a:t>1</a:t>
-            </a:r>
+              <a:t>	</a:t>
+            </a:r>
+            <a:endParaRPr lang="en-US" dirty="0"/>
+          </a:p>
+        </p:txBody>
+      </p:sp>
+      <p:sp>
+        <p:nvSpPr>
+          <p:cNvPr id="3" name="Text Placeholder 2"/>
+          <p:cNvSpPr>
+            <a:spLocks noGrp="1"/>
+          </p:cNvSpPr>
+          <p:nvPr>
+            <p:ph type="body" sz="half" idx="2"/>
+          </p:nvPr>
+        </p:nvSpPr>
+        <p:spPr/>
+        <p:txBody>
+          <a:bodyPr>
+            <a:normAutofit/>
+          </a:bodyPr>
+          <a:lstStyle/>
+          <a:p>
             <a:r>
               <a:rPr lang="zh-CN" altLang="en-US" dirty="0" smtClean="0"/>
-              <a:t>， 代码组织结构</a:t>
+              <a:t>官方英雄编辑器教程</a:t>
             </a:r>
             <a:endParaRPr lang="en-US" altLang="zh-CN" dirty="0" smtClean="0"/>
           </a:p>
           <a:p>
             <a:r>
-              <a:rPr lang="en-US" altLang="zh-CN" dirty="0" smtClean="0"/>
-              <a:t>2</a:t>
-            </a:r>
-            <a:r>
-              <a:rPr lang="zh-CN" altLang="en-US" dirty="0" smtClean="0"/>
-              <a:t>， 命名规则</a:t>
-            </a:r>
-            <a:endParaRPr lang="en-US" altLang="zh-CN" dirty="0" smtClean="0"/>
-          </a:p>
-          <a:p>
-            <a:r>
-              <a:rPr lang="en-US" altLang="zh-CN" dirty="0" smtClean="0"/>
-              <a:t>3</a:t>
-            </a:r>
-            <a:r>
-              <a:rPr lang="zh-CN" altLang="en-US" dirty="0" smtClean="0"/>
-              <a:t>， 代码质量</a:t>
-            </a:r>
+              <a:rPr lang="en-US" dirty="0"/>
+              <a:t>https://</a:t>
+            </a:r>
+            <a:r>
+              <a:rPr lang="en-US" dirty="0" err="1"/>
+              <a:t>angular.cn</a:t>
+            </a:r>
+            <a:r>
+              <a:rPr lang="en-US" dirty="0"/>
+              <a:t>/tutorial</a:t>
+            </a:r>
+          </a:p>
+          <a:p>
             <a:endParaRPr lang="en-US" dirty="0"/>
           </a:p>
         </p:txBody>
@@ -16193,20 +16214,13 @@
     </p:spTree>
     <p:extLst>
       <p:ext uri="{BB962C8B-B14F-4D97-AF65-F5344CB8AC3E}">
-        <p14:creationId xmlns:p14="http://schemas.microsoft.com/office/powerpoint/2010/main" val="1801247794"/>
+        <p14:creationId xmlns:p14="http://schemas.microsoft.com/office/powerpoint/2010/main" val="1516572992"/>
       </p:ext>
     </p:extLst>
   </p:cSld>
   <p:clrMapOvr>
     <a:masterClrMapping/>
   </p:clrMapOvr>
-  <p:timing>
-    <p:tnLst>
-      <p:par>
-        <p:cTn id="1" dur="indefinite" restart="never" nodeType="tmRoot"/>
-      </p:par>
-    </p:tnLst>
-  </p:timing>
 </p:sld>
 </file>
 
@@ -16243,8 +16257,51 @@
           <a:lstStyle/>
           <a:p>
             <a:r>
+              <a:rPr lang="zh-CN" altLang="en-US" dirty="0" smtClean="0"/>
+              <a:t>大作业</a:t>
+            </a:r>
+            <a:endParaRPr lang="en-US" dirty="0"/>
+          </a:p>
+        </p:txBody>
+      </p:sp>
+      <p:sp>
+        <p:nvSpPr>
+          <p:cNvPr id="3" name="Content Placeholder 2"/>
+          <p:cNvSpPr>
+            <a:spLocks noGrp="1"/>
+          </p:cNvSpPr>
+          <p:nvPr>
+            <p:ph idx="1"/>
+          </p:nvPr>
+        </p:nvSpPr>
+        <p:spPr/>
+        <p:txBody>
+          <a:bodyPr/>
+          <a:lstStyle/>
+          <a:p>
+            <a:r>
+              <a:rPr lang="zh-CN" altLang="en-US" dirty="0" smtClean="0"/>
+              <a:t>使用</a:t>
+            </a:r>
+            <a:r>
               <a:rPr lang="en-US" altLang="zh-CN" dirty="0" smtClean="0"/>
-              <a:t>Ant</a:t>
+              <a:t>React </a:t>
+            </a:r>
+            <a:r>
+              <a:rPr lang="zh-CN" altLang="en-US" dirty="0" smtClean="0"/>
+              <a:t>或者 </a:t>
+            </a:r>
+            <a:r>
+              <a:rPr lang="en-US" altLang="zh-CN" dirty="0" smtClean="0"/>
+              <a:t>Angular </a:t>
+            </a:r>
+            <a:r>
+              <a:rPr lang="zh-CN" altLang="en-US" dirty="0" smtClean="0"/>
+              <a:t>做一个 </a:t>
+            </a:r>
+            <a:r>
+              <a:rPr lang="en-US" altLang="zh-CN" dirty="0" err="1" smtClean="0"/>
+              <a:t>todo</a:t>
             </a:r>
             <a:r>
               <a:rPr lang="zh-CN" altLang="en-US" dirty="0" smtClean="0"/>
@@ -16252,68 +16309,78 @@
             </a:r>
             <a:r>
               <a:rPr lang="en-US" altLang="zh-CN" dirty="0" smtClean="0"/>
-              <a:t>design Pro</a:t>
-            </a:r>
-            <a:endParaRPr lang="en-US" dirty="0"/>
-          </a:p>
-        </p:txBody>
-      </p:sp>
-      <p:sp>
-        <p:nvSpPr>
-          <p:cNvPr id="3" name="Content Placeholder 2"/>
-          <p:cNvSpPr>
-            <a:spLocks noGrp="1"/>
-          </p:cNvSpPr>
-          <p:nvPr>
-            <p:ph idx="1"/>
-          </p:nvPr>
-        </p:nvSpPr>
-        <p:spPr/>
-        <p:txBody>
-          <a:bodyPr/>
-          <a:lstStyle/>
-          <a:p>
-            <a:r>
-              <a:rPr lang="en-US" dirty="0">
-                <a:hlinkClick r:id="rId3"/>
-              </a:rPr>
-              <a:t>https://pro.ant.design</a:t>
-            </a:r>
-            <a:r>
-              <a:rPr lang="en-US" dirty="0" smtClean="0">
-                <a:hlinkClick r:id="rId3"/>
-              </a:rPr>
-              <a:t>/</a:t>
-            </a:r>
-            <a:endParaRPr lang="en-US" dirty="0" smtClean="0"/>
+              <a:t>list</a:t>
+            </a:r>
           </a:p>
           <a:p>
             <a:r>
               <a:rPr lang="zh-CN" altLang="en-US" dirty="0" smtClean="0"/>
-              <a:t>开箱即用的</a:t>
+              <a:t>实现 添加， 删除功能</a:t>
+            </a:r>
+            <a:endParaRPr lang="en-US" altLang="zh-CN" dirty="0" smtClean="0"/>
+          </a:p>
+          <a:p>
+            <a:r>
+              <a:rPr lang="zh-CN" altLang="en-US" dirty="0" smtClean="0"/>
+              <a:t>将代码</a:t>
             </a:r>
             <a:r>
               <a:rPr lang="en-US" altLang="zh-CN" dirty="0" smtClean="0"/>
-              <a:t>React</a:t>
+              <a:t>commit</a:t>
             </a:r>
             <a:r>
               <a:rPr lang="zh-CN" altLang="en-US" dirty="0" smtClean="0"/>
-              <a:t>中后台系统</a:t>
+              <a:t>到自己的</a:t>
+            </a:r>
+            <a:r>
+              <a:rPr lang="en-US" altLang="zh-CN" dirty="0" err="1" smtClean="0"/>
+              <a:t>github</a:t>
+            </a:r>
+            <a:r>
+              <a:rPr lang="zh-CN" altLang="en-US" dirty="0" smtClean="0"/>
+              <a:t>上</a:t>
             </a:r>
             <a:endParaRPr lang="en-US" altLang="zh-CN" dirty="0" smtClean="0"/>
           </a:p>
           <a:p>
             <a:r>
               <a:rPr lang="zh-CN" altLang="en-US" dirty="0" smtClean="0"/>
-              <a:t>配套整套的开发环境和最佳实践</a:t>
+              <a:t>下节课准备一段</a:t>
+            </a:r>
+            <a:r>
+              <a:rPr lang="zh-CN" altLang="en-US" smtClean="0"/>
+              <a:t>简短的介绍</a:t>
             </a:r>
             <a:endParaRPr lang="en-US" altLang="zh-CN" dirty="0" smtClean="0"/>
           </a:p>
           <a:p>
             <a:r>
               <a:rPr lang="zh-CN" altLang="en-US" dirty="0" smtClean="0"/>
-              <a:t>阿里开发</a:t>
-            </a:r>
+              <a:t>不要</a:t>
+            </a:r>
+            <a:r>
+              <a:rPr lang="en-US" altLang="zh-CN" dirty="0" smtClean="0"/>
+              <a:t>commit</a:t>
+            </a:r>
+            <a:r>
+              <a:rPr lang="zh-CN" altLang="en-US" dirty="0" smtClean="0"/>
+              <a:t> </a:t>
+            </a:r>
+            <a:r>
+              <a:rPr lang="en-US" altLang="zh-CN" dirty="0" err="1" smtClean="0"/>
+              <a:t>Node_modules</a:t>
+            </a:r>
+            <a:r>
+              <a:rPr lang="en-US" altLang="zh-CN" dirty="0" smtClean="0"/>
+              <a:t> </a:t>
+            </a:r>
+            <a:r>
+              <a:rPr lang="zh-CN" altLang="en-US" dirty="0" smtClean="0"/>
+              <a:t>文件夹！</a:t>
+            </a:r>
+            <a:endParaRPr lang="en-US" altLang="zh-CN" dirty="0" smtClean="0"/>
+          </a:p>
+          <a:p>
             <a:endParaRPr lang="en-US" dirty="0"/>
           </a:p>
         </p:txBody>
@@ -16321,7 +16388,7 @@
     </p:spTree>
     <p:extLst>
       <p:ext uri="{BB962C8B-B14F-4D97-AF65-F5344CB8AC3E}">
-        <p14:creationId xmlns:p14="http://schemas.microsoft.com/office/powerpoint/2010/main" val="141927553"/>
+        <p14:creationId xmlns:p14="http://schemas.microsoft.com/office/powerpoint/2010/main" val="1759915627"/>
       </p:ext>
     </p:extLst>
   </p:cSld>
@@ -16372,7 +16439,7 @@
           <a:p>
             <a:r>
               <a:rPr lang="zh-CN" altLang="en-US" dirty="0" smtClean="0"/>
-              <a:t>求职辅导</a:t>
+              <a:t>作业讨论</a:t>
             </a:r>
             <a:endParaRPr lang="en-US" dirty="0"/>
           </a:p>
@@ -16393,71 +16460,44 @@
           <a:bodyPr/>
           <a:lstStyle/>
           <a:p>
-            <a:pPr lvl="0"/>
-            <a:r>
-              <a:rPr lang="zh-CN" altLang="en-US" dirty="0">
-                <a:effectLst/>
-              </a:rPr>
-              <a:t>电话面试辅导</a:t>
-            </a:r>
-            <a:endParaRPr lang="en-US" dirty="0">
-              <a:effectLst/>
-            </a:endParaRPr>
-          </a:p>
-          <a:p>
-            <a:pPr lvl="0"/>
-            <a:r>
-              <a:rPr lang="zh-CN" altLang="en-US" dirty="0">
-                <a:effectLst/>
-              </a:rPr>
-              <a:t>技术面试辅导</a:t>
-            </a:r>
-            <a:endParaRPr lang="en-US" dirty="0">
-              <a:effectLst/>
-            </a:endParaRPr>
-          </a:p>
-          <a:p>
-            <a:pPr lvl="0"/>
-            <a:r>
-              <a:rPr lang="en-US" dirty="0">
-                <a:effectLst/>
-              </a:rPr>
-              <a:t>Coding test</a:t>
-            </a:r>
-            <a:r>
-              <a:rPr lang="zh-CN" altLang="en-US" dirty="0">
-                <a:effectLst/>
-              </a:rPr>
-              <a:t>辅导</a:t>
-            </a:r>
-            <a:endParaRPr lang="en-US" dirty="0">
-              <a:effectLst/>
-            </a:endParaRPr>
-          </a:p>
-          <a:p>
-            <a:pPr lvl="0"/>
-            <a:r>
-              <a:rPr lang="zh-CN" altLang="en-US" dirty="0">
-                <a:effectLst/>
-              </a:rPr>
-              <a:t>简历</a:t>
-            </a:r>
-            <a:r>
-              <a:rPr lang="zh-CN" altLang="en-US" dirty="0" smtClean="0">
-                <a:effectLst/>
-              </a:rPr>
-              <a:t>修改</a:t>
-            </a:r>
-            <a:endParaRPr lang="en-US" dirty="0">
-              <a:effectLst/>
-            </a:endParaRPr>
+            <a:r>
+              <a:rPr lang="en-US" altLang="zh-CN" dirty="0" smtClean="0"/>
+              <a:t>1</a:t>
+            </a:r>
+            <a:r>
+              <a:rPr lang="zh-CN" altLang="en-US" dirty="0" smtClean="0"/>
+              <a:t>， 代码组织结构</a:t>
+            </a:r>
+            <a:endParaRPr lang="en-US" altLang="zh-CN" dirty="0" smtClean="0"/>
+          </a:p>
+          <a:p>
+            <a:r>
+              <a:rPr lang="en-US" altLang="zh-CN" dirty="0" smtClean="0"/>
+              <a:t>2</a:t>
+            </a:r>
+            <a:r>
+              <a:rPr lang="zh-CN" altLang="en-US" dirty="0" smtClean="0"/>
+              <a:t>， 命名规则</a:t>
+            </a:r>
+            <a:endParaRPr lang="en-US" altLang="zh-CN" dirty="0" smtClean="0"/>
+          </a:p>
+          <a:p>
+            <a:r>
+              <a:rPr lang="en-US" altLang="zh-CN" dirty="0" smtClean="0"/>
+              <a:t>3</a:t>
+            </a:r>
+            <a:r>
+              <a:rPr lang="zh-CN" altLang="en-US" dirty="0" smtClean="0"/>
+              <a:t>， 代码质量</a:t>
+            </a:r>
+            <a:endParaRPr lang="en-US" dirty="0"/>
           </a:p>
         </p:txBody>
       </p:sp>
     </p:spTree>
     <p:extLst>
       <p:ext uri="{BB962C8B-B14F-4D97-AF65-F5344CB8AC3E}">
-        <p14:creationId xmlns:p14="http://schemas.microsoft.com/office/powerpoint/2010/main" val="361378919"/>
+        <p14:creationId xmlns:p14="http://schemas.microsoft.com/office/powerpoint/2010/main" val="1801247794"/>
       </p:ext>
     </p:extLst>
   </p:cSld>
@@ -16507,8 +16547,16 @@
           <a:lstStyle/>
           <a:p>
             <a:r>
+              <a:rPr lang="en-US" altLang="zh-CN" dirty="0" smtClean="0"/>
+              <a:t>Ant</a:t>
+            </a:r>
+            <a:r>
               <a:rPr lang="zh-CN" altLang="en-US" dirty="0" smtClean="0"/>
-              <a:t>电话面试</a:t>
+              <a:t> </a:t>
+            </a:r>
+            <a:r>
+              <a:rPr lang="en-US" altLang="zh-CN" dirty="0" smtClean="0"/>
+              <a:t>design Pro</a:t>
             </a:r>
             <a:endParaRPr lang="en-US" dirty="0"/>
           </a:p>
@@ -16530,30 +16578,45 @@
           <a:lstStyle/>
           <a:p>
             <a:r>
+              <a:rPr lang="en-US" dirty="0">
+                <a:hlinkClick r:id="rId3"/>
+              </a:rPr>
+              <a:t>https://pro.ant.design</a:t>
+            </a:r>
+            <a:r>
+              <a:rPr lang="en-US" dirty="0" smtClean="0">
+                <a:hlinkClick r:id="rId3"/>
+              </a:rPr>
+              <a:t>/</a:t>
+            </a:r>
+            <a:endParaRPr lang="en-US" dirty="0" smtClean="0"/>
+          </a:p>
+          <a:p>
+            <a:r>
+              <a:rPr lang="zh-CN" altLang="en-US" dirty="0" smtClean="0"/>
+              <a:t>开箱即用的</a:t>
+            </a:r>
+            <a:r>
               <a:rPr lang="en-US" altLang="zh-CN" dirty="0" smtClean="0"/>
-              <a:t>HR</a:t>
+              <a:t>React</a:t>
             </a:r>
             <a:r>
               <a:rPr lang="zh-CN" altLang="en-US" dirty="0" smtClean="0"/>
-              <a:t>筛选简历的环节</a:t>
+              <a:t>中后台系统</a:t>
             </a:r>
             <a:endParaRPr lang="en-US" altLang="zh-CN" dirty="0" smtClean="0"/>
           </a:p>
           <a:p>
             <a:r>
-              <a:rPr lang="en-US" altLang="zh-CN" dirty="0" err="1" smtClean="0"/>
-              <a:t>Hr</a:t>
-            </a:r>
-            <a:r>
               <a:rPr lang="zh-CN" altLang="en-US" dirty="0" smtClean="0"/>
-              <a:t>基本什么也不懂</a:t>
+              <a:t>配套整套的开发环境和最佳实践</a:t>
             </a:r>
             <a:endParaRPr lang="en-US" altLang="zh-CN" dirty="0" smtClean="0"/>
           </a:p>
           <a:p>
             <a:r>
               <a:rPr lang="zh-CN" altLang="en-US" dirty="0" smtClean="0"/>
-              <a:t>适当夸大</a:t>
+              <a:t>阿里开发</a:t>
             </a:r>
             <a:endParaRPr lang="en-US" dirty="0"/>
           </a:p>
@@ -16562,7 +16625,7 @@
     </p:spTree>
     <p:extLst>
       <p:ext uri="{BB962C8B-B14F-4D97-AF65-F5344CB8AC3E}">
-        <p14:creationId xmlns:p14="http://schemas.microsoft.com/office/powerpoint/2010/main" val="545071430"/>
+        <p14:creationId xmlns:p14="http://schemas.microsoft.com/office/powerpoint/2010/main" val="141927553"/>
       </p:ext>
     </p:extLst>
   </p:cSld>
@@ -16613,7 +16676,7 @@
           <a:p>
             <a:r>
               <a:rPr lang="zh-CN" altLang="en-US" dirty="0" smtClean="0"/>
-              <a:t>技术面试</a:t>
+              <a:t>求职辅导</a:t>
             </a:r>
             <a:endParaRPr lang="en-US" dirty="0"/>
           </a:p>
@@ -16634,59 +16697,71 @@
           <a:bodyPr/>
           <a:lstStyle/>
           <a:p>
-            <a:r>
-              <a:rPr lang="en-US" altLang="zh-CN" dirty="0" smtClean="0"/>
-              <a:t>1</a:t>
-            </a:r>
-            <a:r>
-              <a:rPr lang="zh-CN" altLang="en-US" dirty="0" smtClean="0"/>
-              <a:t>， 反应要迅速</a:t>
-            </a:r>
-            <a:endParaRPr lang="en-US" altLang="zh-CN" dirty="0" smtClean="0"/>
-          </a:p>
-          <a:p>
-            <a:r>
-              <a:rPr lang="en-US" altLang="zh-CN" dirty="0" smtClean="0"/>
-              <a:t>2</a:t>
-            </a:r>
-            <a:r>
-              <a:rPr lang="zh-CN" altLang="en-US" dirty="0" smtClean="0"/>
-              <a:t>， 不会的问题要大胆承认，但是可以根据自己的见解说一下</a:t>
-            </a:r>
-            <a:endParaRPr lang="en-US" altLang="zh-CN" dirty="0" smtClean="0"/>
-          </a:p>
-          <a:p>
-            <a:r>
-              <a:rPr lang="en-US" altLang="zh-CN" dirty="0" smtClean="0"/>
-              <a:t>3</a:t>
-            </a:r>
-            <a:r>
-              <a:rPr lang="zh-CN" altLang="en-US" dirty="0" smtClean="0"/>
-              <a:t>， 基础知识最重要</a:t>
-            </a:r>
-            <a:endParaRPr lang="en-US" altLang="zh-CN" dirty="0" smtClean="0"/>
-          </a:p>
-          <a:p>
-            <a:r>
-              <a:rPr lang="en-US" altLang="zh-CN" dirty="0" smtClean="0"/>
-              <a:t>4</a:t>
-            </a:r>
-            <a:r>
-              <a:rPr lang="zh-CN" altLang="en-US" dirty="0" smtClean="0"/>
-              <a:t>， 刷</a:t>
-            </a:r>
-            <a:r>
-              <a:rPr lang="en-US" altLang="zh-CN" dirty="0" err="1" smtClean="0"/>
-              <a:t>Leetcode</a:t>
-            </a:r>
-            <a:endParaRPr lang="en-US" dirty="0"/>
+            <a:pPr lvl="0"/>
+            <a:r>
+              <a:rPr lang="zh-CN" altLang="en-US" dirty="0">
+                <a:effectLst/>
+              </a:rPr>
+              <a:t>电话面试辅导</a:t>
+            </a:r>
+            <a:endParaRPr lang="en-US" dirty="0">
+              <a:effectLst/>
+            </a:endParaRPr>
+          </a:p>
+          <a:p>
+            <a:pPr lvl="0"/>
+            <a:r>
+              <a:rPr lang="zh-CN" altLang="en-US" dirty="0">
+                <a:effectLst/>
+              </a:rPr>
+              <a:t>技术面试辅导</a:t>
+            </a:r>
+            <a:endParaRPr lang="en-US" dirty="0">
+              <a:effectLst/>
+            </a:endParaRPr>
+          </a:p>
+          <a:p>
+            <a:pPr lvl="0"/>
+            <a:r>
+              <a:rPr lang="en-US" dirty="0">
+                <a:effectLst/>
+              </a:rPr>
+              <a:t>Coding test</a:t>
+            </a:r>
+            <a:r>
+              <a:rPr lang="zh-CN" altLang="en-US" dirty="0">
+                <a:effectLst/>
+              </a:rPr>
+              <a:t>辅导</a:t>
+            </a:r>
+            <a:endParaRPr lang="en-US" dirty="0">
+              <a:effectLst/>
+            </a:endParaRPr>
+          </a:p>
+          <a:p>
+            <a:pPr lvl="0"/>
+            <a:r>
+              <a:rPr lang="zh-CN" altLang="en-US" dirty="0">
+                <a:effectLst/>
+              </a:rPr>
+              <a:t>简历</a:t>
+            </a:r>
+            <a:r>
+              <a:rPr lang="zh-CN" altLang="en-US" dirty="0" smtClean="0">
+                <a:effectLst/>
+              </a:rPr>
+              <a:t>修改</a:t>
+            </a:r>
+            <a:endParaRPr lang="en-US" dirty="0">
+              <a:effectLst/>
+            </a:endParaRPr>
           </a:p>
         </p:txBody>
       </p:sp>
     </p:spTree>
     <p:extLst>
       <p:ext uri="{BB962C8B-B14F-4D97-AF65-F5344CB8AC3E}">
-        <p14:creationId xmlns:p14="http://schemas.microsoft.com/office/powerpoint/2010/main" val="1408298898"/>
+        <p14:creationId xmlns:p14="http://schemas.microsoft.com/office/powerpoint/2010/main" val="361378919"/>
       </p:ext>
     </p:extLst>
   </p:cSld>
@@ -16736,105 +16811,62 @@
           <a:lstStyle/>
           <a:p>
             <a:r>
+              <a:rPr lang="zh-CN" altLang="en-US" dirty="0" smtClean="0"/>
+              <a:t>电话面试</a:t>
+            </a:r>
+            <a:endParaRPr lang="en-US" dirty="0"/>
+          </a:p>
+        </p:txBody>
+      </p:sp>
+      <p:sp>
+        <p:nvSpPr>
+          <p:cNvPr id="3" name="Content Placeholder 2"/>
+          <p:cNvSpPr>
+            <a:spLocks noGrp="1"/>
+          </p:cNvSpPr>
+          <p:nvPr>
+            <p:ph idx="1"/>
+          </p:nvPr>
+        </p:nvSpPr>
+        <p:spPr/>
+        <p:txBody>
+          <a:bodyPr/>
+          <a:lstStyle/>
+          <a:p>
+            <a:r>
               <a:rPr lang="en-US" altLang="zh-CN" dirty="0" smtClean="0"/>
-              <a:t>Coding</a:t>
+              <a:t>HR</a:t>
             </a:r>
             <a:r>
               <a:rPr lang="zh-CN" altLang="en-US" dirty="0" smtClean="0"/>
-              <a:t> </a:t>
-            </a:r>
-            <a:r>
-              <a:rPr lang="en-US" altLang="zh-CN" dirty="0" smtClean="0"/>
-              <a:t>test</a:t>
-            </a:r>
-            <a:endParaRPr lang="en-US" dirty="0"/>
-          </a:p>
-        </p:txBody>
-      </p:sp>
-      <p:sp>
-        <p:nvSpPr>
-          <p:cNvPr id="3" name="Content Placeholder 2"/>
-          <p:cNvSpPr>
-            <a:spLocks noGrp="1"/>
-          </p:cNvSpPr>
-          <p:nvPr>
-            <p:ph idx="1"/>
-          </p:nvPr>
-        </p:nvSpPr>
-        <p:spPr/>
-        <p:txBody>
-          <a:bodyPr/>
-          <a:lstStyle/>
-          <a:p>
-            <a:r>
-              <a:rPr lang="en-US" dirty="0" smtClean="0"/>
-              <a:t>1</a:t>
+              <a:t>筛选简历的环节</a:t>
+            </a:r>
+            <a:endParaRPr lang="en-US" altLang="zh-CN" dirty="0" smtClean="0"/>
+          </a:p>
+          <a:p>
+            <a:r>
+              <a:rPr lang="en-US" altLang="zh-CN" dirty="0" err="1" smtClean="0"/>
+              <a:t>Hr</a:t>
             </a:r>
             <a:r>
               <a:rPr lang="zh-CN" altLang="en-US" dirty="0" smtClean="0"/>
-              <a:t>，认真读题</a:t>
+              <a:t>基本什么也不懂</a:t>
             </a:r>
             <a:endParaRPr lang="en-US" altLang="zh-CN" dirty="0" smtClean="0"/>
           </a:p>
           <a:p>
             <a:r>
-              <a:rPr lang="en-US" altLang="zh-CN" dirty="0" smtClean="0"/>
-              <a:t>2</a:t>
-            </a:r>
-            <a:r>
-              <a:rPr lang="zh-CN" altLang="en-US" dirty="0"/>
-              <a:t>，</a:t>
-            </a:r>
-            <a:r>
               <a:rPr lang="zh-CN" altLang="en-US" dirty="0" smtClean="0"/>
-              <a:t>认清</a:t>
-            </a:r>
-            <a:r>
-              <a:rPr lang="en-US" altLang="zh-CN" dirty="0" smtClean="0"/>
-              <a:t>Coding</a:t>
-            </a:r>
-            <a:r>
-              <a:rPr lang="zh-CN" altLang="en-US" dirty="0" smtClean="0"/>
-              <a:t> </a:t>
-            </a:r>
-            <a:r>
-              <a:rPr lang="en-US" altLang="zh-CN" dirty="0" smtClean="0"/>
-              <a:t>test</a:t>
-            </a:r>
-            <a:r>
-              <a:rPr lang="zh-CN" altLang="en-US" dirty="0" smtClean="0"/>
-              <a:t>的目的</a:t>
-            </a:r>
-            <a:endParaRPr lang="en-US" altLang="zh-CN" dirty="0" smtClean="0"/>
-          </a:p>
-          <a:p>
-            <a:r>
-              <a:rPr lang="en-US" altLang="zh-CN" dirty="0" smtClean="0"/>
-              <a:t>3</a:t>
-            </a:r>
-            <a:r>
-              <a:rPr lang="zh-CN" altLang="en-US" dirty="0" smtClean="0"/>
-              <a:t>，作业讨论中的三点</a:t>
-            </a:r>
-            <a:endParaRPr lang="en-US" altLang="zh-CN" dirty="0" smtClean="0"/>
-          </a:p>
-          <a:p>
-            <a:r>
-              <a:rPr lang="en-US" altLang="zh-CN" dirty="0" smtClean="0"/>
-              <a:t>4</a:t>
-            </a:r>
-            <a:r>
-              <a:rPr lang="zh-CN" altLang="en-US" dirty="0" smtClean="0"/>
-              <a:t>， 写不完没事</a:t>
-            </a:r>
-            <a:endParaRPr lang="en-US" altLang="zh-CN" dirty="0" smtClean="0"/>
+              <a:t>适当夸大</a:t>
+            </a:r>
+            <a:endParaRPr lang="en-US" dirty="0"/>
           </a:p>
         </p:txBody>
       </p:sp>
     </p:spTree>
     <p:extLst>
       <p:ext uri="{BB962C8B-B14F-4D97-AF65-F5344CB8AC3E}">
-        <p14:creationId xmlns:p14="http://schemas.microsoft.com/office/powerpoint/2010/main" val="106475286"/>
+        <p14:creationId xmlns:p14="http://schemas.microsoft.com/office/powerpoint/2010/main" val="545071430"/>
       </p:ext>
     </p:extLst>
   </p:cSld>
@@ -17010,6 +17042,278 @@
 </file>
 
 <file path=ppt/slides/slide60.xml><?xml version="1.0" encoding="utf-8"?>
+<p:sld xmlns:a="http://schemas.openxmlformats.org/drawingml/2006/main" xmlns:r="http://schemas.openxmlformats.org/officeDocument/2006/relationships" xmlns:p="http://schemas.openxmlformats.org/presentationml/2006/main">
+  <p:cSld>
+    <p:spTree>
+      <p:nvGrpSpPr>
+        <p:cNvPr id="1" name=""/>
+        <p:cNvGrpSpPr/>
+        <p:nvPr/>
+      </p:nvGrpSpPr>
+      <p:grpSpPr>
+        <a:xfrm>
+          <a:off x="0" y="0"/>
+          <a:ext cx="0" cy="0"/>
+          <a:chOff x="0" y="0"/>
+          <a:chExt cx="0" cy="0"/>
+        </a:xfrm>
+      </p:grpSpPr>
+      <p:sp>
+        <p:nvSpPr>
+          <p:cNvPr id="2" name="Title 1"/>
+          <p:cNvSpPr>
+            <a:spLocks noGrp="1"/>
+          </p:cNvSpPr>
+          <p:nvPr>
+            <p:ph type="title"/>
+          </p:nvPr>
+        </p:nvSpPr>
+        <p:spPr/>
+        <p:txBody>
+          <a:bodyPr/>
+          <a:lstStyle/>
+          <a:p>
+            <a:r>
+              <a:rPr lang="zh-CN" altLang="en-US" dirty="0" smtClean="0"/>
+              <a:t>技术面试</a:t>
+            </a:r>
+            <a:endParaRPr lang="en-US" dirty="0"/>
+          </a:p>
+        </p:txBody>
+      </p:sp>
+      <p:sp>
+        <p:nvSpPr>
+          <p:cNvPr id="3" name="Content Placeholder 2"/>
+          <p:cNvSpPr>
+            <a:spLocks noGrp="1"/>
+          </p:cNvSpPr>
+          <p:nvPr>
+            <p:ph idx="1"/>
+          </p:nvPr>
+        </p:nvSpPr>
+        <p:spPr/>
+        <p:txBody>
+          <a:bodyPr/>
+          <a:lstStyle/>
+          <a:p>
+            <a:r>
+              <a:rPr lang="en-US" altLang="zh-CN" dirty="0" smtClean="0"/>
+              <a:t>1</a:t>
+            </a:r>
+            <a:r>
+              <a:rPr lang="zh-CN" altLang="en-US" dirty="0" smtClean="0"/>
+              <a:t>， 反应要迅速</a:t>
+            </a:r>
+            <a:endParaRPr lang="en-US" altLang="zh-CN" dirty="0" smtClean="0"/>
+          </a:p>
+          <a:p>
+            <a:r>
+              <a:rPr lang="en-US" altLang="zh-CN" dirty="0" smtClean="0"/>
+              <a:t>2</a:t>
+            </a:r>
+            <a:r>
+              <a:rPr lang="zh-CN" altLang="en-US" dirty="0" smtClean="0"/>
+              <a:t>， 不会的问题要大胆承认，但是可以根据自己的见解说一下</a:t>
+            </a:r>
+            <a:endParaRPr lang="en-US" altLang="zh-CN" dirty="0" smtClean="0"/>
+          </a:p>
+          <a:p>
+            <a:r>
+              <a:rPr lang="en-US" altLang="zh-CN" dirty="0" smtClean="0"/>
+              <a:t>3</a:t>
+            </a:r>
+            <a:r>
+              <a:rPr lang="zh-CN" altLang="en-US" dirty="0" smtClean="0"/>
+              <a:t>， 基础知识最重要</a:t>
+            </a:r>
+            <a:endParaRPr lang="en-US" altLang="zh-CN" dirty="0" smtClean="0"/>
+          </a:p>
+          <a:p>
+            <a:r>
+              <a:rPr lang="en-US" altLang="zh-CN" dirty="0" smtClean="0"/>
+              <a:t>4</a:t>
+            </a:r>
+            <a:r>
+              <a:rPr lang="zh-CN" altLang="en-US" dirty="0" smtClean="0"/>
+              <a:t>， 刷</a:t>
+            </a:r>
+            <a:r>
+              <a:rPr lang="en-US" altLang="zh-CN" dirty="0" err="1" smtClean="0"/>
+              <a:t>Leetcode</a:t>
+            </a:r>
+            <a:endParaRPr lang="en-US" dirty="0"/>
+          </a:p>
+        </p:txBody>
+      </p:sp>
+    </p:spTree>
+    <p:extLst>
+      <p:ext uri="{BB962C8B-B14F-4D97-AF65-F5344CB8AC3E}">
+        <p14:creationId xmlns:p14="http://schemas.microsoft.com/office/powerpoint/2010/main" val="1408298898"/>
+      </p:ext>
+    </p:extLst>
+  </p:cSld>
+  <p:clrMapOvr>
+    <a:masterClrMapping/>
+  </p:clrMapOvr>
+  <p:timing>
+    <p:tnLst>
+      <p:par>
+        <p:cTn id="1" dur="indefinite" restart="never" nodeType="tmRoot"/>
+      </p:par>
+    </p:tnLst>
+  </p:timing>
+</p:sld>
+</file>
+
+<file path=ppt/slides/slide61.xml><?xml version="1.0" encoding="utf-8"?>
+<p:sld xmlns:a="http://schemas.openxmlformats.org/drawingml/2006/main" xmlns:r="http://schemas.openxmlformats.org/officeDocument/2006/relationships" xmlns:p="http://schemas.openxmlformats.org/presentationml/2006/main">
+  <p:cSld>
+    <p:spTree>
+      <p:nvGrpSpPr>
+        <p:cNvPr id="1" name=""/>
+        <p:cNvGrpSpPr/>
+        <p:nvPr/>
+      </p:nvGrpSpPr>
+      <p:grpSpPr>
+        <a:xfrm>
+          <a:off x="0" y="0"/>
+          <a:ext cx="0" cy="0"/>
+          <a:chOff x="0" y="0"/>
+          <a:chExt cx="0" cy="0"/>
+        </a:xfrm>
+      </p:grpSpPr>
+      <p:sp>
+        <p:nvSpPr>
+          <p:cNvPr id="2" name="Title 1"/>
+          <p:cNvSpPr>
+            <a:spLocks noGrp="1"/>
+          </p:cNvSpPr>
+          <p:nvPr>
+            <p:ph type="title"/>
+          </p:nvPr>
+        </p:nvSpPr>
+        <p:spPr/>
+        <p:txBody>
+          <a:bodyPr/>
+          <a:lstStyle/>
+          <a:p>
+            <a:r>
+              <a:rPr lang="en-US" altLang="zh-CN" dirty="0" smtClean="0"/>
+              <a:t>Coding</a:t>
+            </a:r>
+            <a:r>
+              <a:rPr lang="zh-CN" altLang="en-US" dirty="0" smtClean="0"/>
+              <a:t> </a:t>
+            </a:r>
+            <a:r>
+              <a:rPr lang="en-US" altLang="zh-CN" dirty="0" smtClean="0"/>
+              <a:t>test</a:t>
+            </a:r>
+            <a:endParaRPr lang="en-US" dirty="0"/>
+          </a:p>
+        </p:txBody>
+      </p:sp>
+      <p:sp>
+        <p:nvSpPr>
+          <p:cNvPr id="3" name="Content Placeholder 2"/>
+          <p:cNvSpPr>
+            <a:spLocks noGrp="1"/>
+          </p:cNvSpPr>
+          <p:nvPr>
+            <p:ph idx="1"/>
+          </p:nvPr>
+        </p:nvSpPr>
+        <p:spPr/>
+        <p:txBody>
+          <a:bodyPr/>
+          <a:lstStyle/>
+          <a:p>
+            <a:r>
+              <a:rPr lang="en-US" dirty="0" smtClean="0"/>
+              <a:t>1</a:t>
+            </a:r>
+            <a:r>
+              <a:rPr lang="zh-CN" altLang="en-US" dirty="0" smtClean="0"/>
+              <a:t>，认真读题</a:t>
+            </a:r>
+            <a:endParaRPr lang="en-US" altLang="zh-CN" dirty="0" smtClean="0"/>
+          </a:p>
+          <a:p>
+            <a:r>
+              <a:rPr lang="en-US" altLang="zh-CN" dirty="0" smtClean="0"/>
+              <a:t>2</a:t>
+            </a:r>
+            <a:r>
+              <a:rPr lang="zh-CN" altLang="en-US" dirty="0"/>
+              <a:t>，</a:t>
+            </a:r>
+            <a:r>
+              <a:rPr lang="zh-CN" altLang="en-US" dirty="0" smtClean="0"/>
+              <a:t>认清</a:t>
+            </a:r>
+            <a:r>
+              <a:rPr lang="en-US" altLang="zh-CN" dirty="0" smtClean="0"/>
+              <a:t>Coding</a:t>
+            </a:r>
+            <a:r>
+              <a:rPr lang="zh-CN" altLang="en-US" dirty="0" smtClean="0"/>
+              <a:t> </a:t>
+            </a:r>
+            <a:r>
+              <a:rPr lang="en-US" altLang="zh-CN" dirty="0" smtClean="0"/>
+              <a:t>test</a:t>
+            </a:r>
+            <a:r>
+              <a:rPr lang="zh-CN" altLang="en-US" dirty="0" smtClean="0"/>
+              <a:t>的目的</a:t>
+            </a:r>
+            <a:endParaRPr lang="en-US" altLang="zh-CN" dirty="0" smtClean="0"/>
+          </a:p>
+          <a:p>
+            <a:r>
+              <a:rPr lang="en-US" altLang="zh-CN" dirty="0" smtClean="0"/>
+              <a:t>3</a:t>
+            </a:r>
+            <a:r>
+              <a:rPr lang="zh-CN" altLang="en-US" dirty="0" smtClean="0"/>
+              <a:t>，作业讨论中的三点</a:t>
+            </a:r>
+            <a:endParaRPr lang="en-US" altLang="zh-CN" dirty="0" smtClean="0"/>
+          </a:p>
+          <a:p>
+            <a:r>
+              <a:rPr lang="en-US" altLang="zh-CN" dirty="0" smtClean="0"/>
+              <a:t>4</a:t>
+            </a:r>
+            <a:r>
+              <a:rPr lang="zh-CN" altLang="en-US" dirty="0" smtClean="0"/>
+              <a:t>， 写不完没事</a:t>
+            </a:r>
+            <a:endParaRPr lang="en-US" altLang="zh-CN" dirty="0" smtClean="0"/>
+          </a:p>
+        </p:txBody>
+      </p:sp>
+    </p:spTree>
+    <p:extLst>
+      <p:ext uri="{BB962C8B-B14F-4D97-AF65-F5344CB8AC3E}">
+        <p14:creationId xmlns:p14="http://schemas.microsoft.com/office/powerpoint/2010/main" val="106475286"/>
+      </p:ext>
+    </p:extLst>
+  </p:cSld>
+  <p:clrMapOvr>
+    <a:masterClrMapping/>
+  </p:clrMapOvr>
+  <p:timing>
+    <p:tnLst>
+      <p:par>
+        <p:cTn id="1" dur="indefinite" restart="never" nodeType="tmRoot"/>
+      </p:par>
+    </p:tnLst>
+  </p:timing>
+</p:sld>
+</file>
+
+<file path=ppt/slides/slide62.xml><?xml version="1.0" encoding="utf-8"?>
 <p:sld xmlns:a="http://schemas.openxmlformats.org/drawingml/2006/main" xmlns:r="http://schemas.openxmlformats.org/officeDocument/2006/relationships" xmlns:p="http://schemas.openxmlformats.org/presentationml/2006/main">
   <p:cSld>
     <p:spTree>

--- a/前端课程.pptx
+++ b/前端课程.pptx
@@ -5,7 +5,7 @@
     <p:sldMasterId id="2147484229" r:id="rId1"/>
   </p:sldMasterIdLst>
   <p:notesMasterIdLst>
-    <p:notesMasterId r:id="rId64"/>
+    <p:notesMasterId r:id="rId66"/>
   </p:notesMasterIdLst>
   <p:sldIdLst>
     <p:sldId id="272" r:id="rId2"/>
@@ -51,25 +51,27 @@
     <p:sldId id="285" r:id="rId42"/>
     <p:sldId id="286" r:id="rId43"/>
     <p:sldId id="288" r:id="rId44"/>
-    <p:sldId id="277" r:id="rId45"/>
-    <p:sldId id="279" r:id="rId46"/>
-    <p:sldId id="278" r:id="rId47"/>
-    <p:sldId id="281" r:id="rId48"/>
-    <p:sldId id="287" r:id="rId49"/>
-    <p:sldId id="289" r:id="rId50"/>
-    <p:sldId id="295" r:id="rId51"/>
-    <p:sldId id="293" r:id="rId52"/>
-    <p:sldId id="291" r:id="rId53"/>
-    <p:sldId id="292" r:id="rId54"/>
-    <p:sldId id="290" r:id="rId55"/>
-    <p:sldId id="294" r:id="rId56"/>
-    <p:sldId id="298" r:id="rId57"/>
-    <p:sldId id="296" r:id="rId58"/>
-    <p:sldId id="297" r:id="rId59"/>
-    <p:sldId id="299" r:id="rId60"/>
-    <p:sldId id="300" r:id="rId61"/>
-    <p:sldId id="301" r:id="rId62"/>
-    <p:sldId id="302" r:id="rId63"/>
+    <p:sldId id="326" r:id="rId45"/>
+    <p:sldId id="277" r:id="rId46"/>
+    <p:sldId id="279" r:id="rId47"/>
+    <p:sldId id="327" r:id="rId48"/>
+    <p:sldId id="278" r:id="rId49"/>
+    <p:sldId id="281" r:id="rId50"/>
+    <p:sldId id="287" r:id="rId51"/>
+    <p:sldId id="289" r:id="rId52"/>
+    <p:sldId id="295" r:id="rId53"/>
+    <p:sldId id="293" r:id="rId54"/>
+    <p:sldId id="291" r:id="rId55"/>
+    <p:sldId id="292" r:id="rId56"/>
+    <p:sldId id="290" r:id="rId57"/>
+    <p:sldId id="294" r:id="rId58"/>
+    <p:sldId id="298" r:id="rId59"/>
+    <p:sldId id="296" r:id="rId60"/>
+    <p:sldId id="297" r:id="rId61"/>
+    <p:sldId id="299" r:id="rId62"/>
+    <p:sldId id="300" r:id="rId63"/>
+    <p:sldId id="301" r:id="rId64"/>
+    <p:sldId id="302" r:id="rId65"/>
   </p:sldIdLst>
   <p:sldSz cx="12192000" cy="6858000"/>
   <p:notesSz cx="6858000" cy="9144000"/>
@@ -216,8 +218,10 @@
             <p14:sldId id="285"/>
             <p14:sldId id="286"/>
             <p14:sldId id="288"/>
+            <p14:sldId id="326"/>
             <p14:sldId id="277"/>
             <p14:sldId id="279"/>
+            <p14:sldId id="327"/>
             <p14:sldId id="278"/>
             <p14:sldId id="281"/>
             <p14:sldId id="287"/>
@@ -331,7 +335,7 @@
           <a:p>
             <a:fld id="{A75DC609-2A5E-994A-AEB9-E13728C46CDD}" type="datetimeFigureOut">
               <a:rPr lang="en-US" smtClean="0"/>
-              <a:t>7/13/18</a:t>
+              <a:t>7/21/18</a:t>
             </a:fld>
             <a:endParaRPr lang="en-US"/>
           </a:p>
@@ -2577,7 +2581,7 @@
           <a:p>
             <a:fld id="{3A8071CD-55D8-0E40-9E87-5F5ADA6DF007}" type="slidenum">
               <a:rPr lang="en-US" smtClean="0"/>
-              <a:t>44</a:t>
+              <a:t>45</a:t>
             </a:fld>
             <a:endParaRPr lang="en-US"/>
           </a:p>
@@ -2640,68 +2644,6 @@
           <a:bodyPr/>
           <a:lstStyle/>
           <a:p>
-            <a:pPr marL="228600" indent="-228600">
-              <a:buAutoNum type="arabicPeriod"/>
-            </a:pPr>
-            <a:r>
-              <a:rPr lang="en-US" altLang="zh-CN" dirty="0" smtClean="0"/>
-              <a:t>https://</a:t>
-            </a:r>
-            <a:r>
-              <a:rPr lang="en-US" altLang="zh-CN" dirty="0" err="1" smtClean="0"/>
-              <a:t>www.jianshu.com</a:t>
-            </a:r>
-            <a:r>
-              <a:rPr lang="en-US" altLang="zh-CN" dirty="0" smtClean="0"/>
-              <a:t>/p/9d89e6ee5e0c</a:t>
-            </a:r>
-          </a:p>
-          <a:p>
-            <a:pPr marL="228600" indent="-228600">
-              <a:buAutoNum type="arabicPeriod"/>
-            </a:pPr>
-            <a:r>
-              <a:rPr lang="en-US" dirty="0" smtClean="0"/>
-              <a:t>http://</a:t>
-            </a:r>
-            <a:r>
-              <a:rPr lang="en-US" dirty="0" err="1" smtClean="0"/>
-              <a:t>www.runoob.com</a:t>
-            </a:r>
-            <a:r>
-              <a:rPr lang="en-US" dirty="0" smtClean="0"/>
-              <a:t>/</a:t>
-            </a:r>
-            <a:r>
-              <a:rPr lang="en-US" dirty="0" err="1" smtClean="0"/>
-              <a:t>angularjs</a:t>
-            </a:r>
-            <a:r>
-              <a:rPr lang="en-US" dirty="0" smtClean="0"/>
-              <a:t>/</a:t>
-            </a:r>
-            <a:r>
-              <a:rPr lang="en-US" dirty="0" err="1" smtClean="0"/>
-              <a:t>angularjs-filters.html</a:t>
-            </a:r>
-            <a:endParaRPr lang="en-US" dirty="0" smtClean="0"/>
-          </a:p>
-          <a:p>
-            <a:pPr marL="228600" indent="-228600">
-              <a:buAutoNum type="arabicPeriod"/>
-            </a:pPr>
-            <a:r>
-              <a:rPr lang="en-US" dirty="0" smtClean="0"/>
-              <a:t>https://</a:t>
-            </a:r>
-            <a:r>
-              <a:rPr lang="en-US" dirty="0" err="1" smtClean="0"/>
-              <a:t>segmentfault.com</a:t>
-            </a:r>
-            <a:r>
-              <a:rPr lang="en-US" dirty="0" smtClean="0"/>
-              <a:t>/a/1190000003096933</a:t>
-            </a:r>
             <a:endParaRPr lang="en-US" dirty="0"/>
           </a:p>
         </p:txBody>
@@ -2732,7 +2674,7 @@
     </p:spTree>
     <p:extLst>
       <p:ext uri="{BB962C8B-B14F-4D97-AF65-F5344CB8AC3E}">
-        <p14:creationId xmlns:p14="http://schemas.microsoft.com/office/powerpoint/2010/main" val="242802037"/>
+        <p14:creationId xmlns:p14="http://schemas.microsoft.com/office/powerpoint/2010/main" val="1951190378"/>
       </p:ext>
     </p:extLst>
   </p:cSld>
@@ -2786,41 +2728,104 @@
           <a:bodyPr/>
           <a:lstStyle/>
           <a:p>
+            <a:pPr marL="228600" indent="-228600">
+              <a:buAutoNum type="arabicPeriod"/>
+            </a:pPr>
+            <a:r>
+              <a:rPr lang="en-US" altLang="zh-CN" dirty="0" smtClean="0"/>
+              <a:t>https://</a:t>
+            </a:r>
+            <a:r>
+              <a:rPr lang="en-US" altLang="zh-CN" dirty="0" err="1" smtClean="0"/>
+              <a:t>www.jianshu.com</a:t>
+            </a:r>
+            <a:r>
+              <a:rPr lang="en-US" altLang="zh-CN" dirty="0" smtClean="0"/>
+              <a:t>/p/9d89e6ee5e0c</a:t>
+            </a:r>
+            <a:endParaRPr lang="en-US" altLang="zh-CN" dirty="0" smtClean="0"/>
+          </a:p>
+          <a:p>
+            <a:pPr marL="228600" indent="-228600">
+              <a:buAutoNum type="arabicPeriod"/>
+            </a:pPr>
+            <a:r>
+              <a:rPr lang="en-US" dirty="0" smtClean="0"/>
+              <a:t>http://</a:t>
+            </a:r>
+            <a:r>
+              <a:rPr lang="en-US" dirty="0" err="1" smtClean="0"/>
+              <a:t>www.runoob.com</a:t>
+            </a:r>
+            <a:r>
+              <a:rPr lang="en-US" dirty="0" smtClean="0"/>
+              <a:t>/</a:t>
+            </a:r>
+            <a:r>
+              <a:rPr lang="en-US" dirty="0" err="1" smtClean="0"/>
+              <a:t>angularjs</a:t>
+            </a:r>
+            <a:r>
+              <a:rPr lang="en-US" dirty="0" smtClean="0"/>
+              <a:t>/</a:t>
+            </a:r>
+            <a:r>
+              <a:rPr lang="en-US" dirty="0" err="1" smtClean="0"/>
+              <a:t>angularjs-filters.html</a:t>
+            </a:r>
+            <a:endParaRPr lang="en-US" dirty="0" smtClean="0"/>
+          </a:p>
+          <a:p>
+            <a:pPr marL="228600" indent="-228600">
+              <a:buAutoNum type="arabicPeriod"/>
+            </a:pPr>
             <a:r>
               <a:rPr lang="en-US" dirty="0" smtClean="0"/>
               <a:t>https://</a:t>
             </a:r>
             <a:r>
               <a:rPr lang="en-US" dirty="0" err="1" smtClean="0"/>
-              <a:t>reactjs.org</a:t>
+              <a:t>segmentfault.com</a:t>
             </a:r>
             <a:r>
               <a:rPr lang="en-US" dirty="0" smtClean="0"/>
-              <a:t>/tutorial/</a:t>
-            </a:r>
-            <a:r>
-              <a:rPr lang="en-US" dirty="0" err="1" smtClean="0"/>
-              <a:t>tutorial.html</a:t>
-            </a:r>
-            <a:endParaRPr lang="en-US" dirty="0" smtClean="0"/>
-          </a:p>
-          <a:p>
-            <a:r>
-              <a:rPr lang="en-US" dirty="0" smtClean="0"/>
-              <a:t>https://</a:t>
-            </a:r>
-            <a:r>
-              <a:rPr lang="en-US" dirty="0" err="1" smtClean="0"/>
-              <a:t>discountry.github.io</a:t>
-            </a:r>
-            <a:r>
-              <a:rPr lang="en-US" dirty="0" smtClean="0"/>
-              <a:t>/react/tutorial/</a:t>
-            </a:r>
-            <a:r>
-              <a:rPr lang="en-US" dirty="0" err="1" smtClean="0"/>
-              <a:t>tutorial.html</a:t>
-            </a:r>
+              <a:t>/a/1190000003096933</a:t>
+            </a:r>
+          </a:p>
+          <a:p>
+            <a:pPr marL="228600" indent="-228600">
+              <a:buAutoNum type="arabicPeriod"/>
+            </a:pPr>
+            <a:r>
+              <a:rPr lang="en-US" altLang="zh-CN" dirty="0" smtClean="0"/>
+              <a:t>Service</a:t>
+            </a:r>
+            <a:r>
+              <a:rPr lang="zh-CN" altLang="en-US" dirty="0" smtClean="0"/>
+              <a:t> 通过</a:t>
+            </a:r>
+            <a:r>
+              <a:rPr lang="en-US" altLang="zh-CN" dirty="0" smtClean="0"/>
+              <a:t>new</a:t>
+            </a:r>
+            <a:r>
+              <a:rPr lang="zh-CN" altLang="en-US" dirty="0" smtClean="0"/>
+              <a:t>来实例化。</a:t>
+            </a:r>
+            <a:r>
+              <a:rPr lang="en-US" altLang="zh-CN" dirty="0" smtClean="0"/>
+              <a:t>Factory</a:t>
+            </a:r>
+            <a:r>
+              <a:rPr lang="zh-CN" altLang="en-US" dirty="0" smtClean="0"/>
+              <a:t>返回的是一个函数</a:t>
+            </a:r>
+            <a:endParaRPr lang="en-US" altLang="zh-CN" dirty="0" smtClean="0"/>
+          </a:p>
+          <a:p>
+            <a:pPr marL="228600" indent="-228600">
+              <a:buAutoNum type="arabicPeriod"/>
+            </a:pPr>
             <a:endParaRPr lang="en-US" dirty="0"/>
           </a:p>
         </p:txBody>
@@ -2842,7 +2847,7 @@
           <a:p>
             <a:fld id="{3A8071CD-55D8-0E40-9E87-5F5ADA6DF007}" type="slidenum">
               <a:rPr lang="en-US" smtClean="0"/>
-              <a:t>47</a:t>
+              <a:t>48</a:t>
             </a:fld>
             <a:endParaRPr lang="en-US"/>
           </a:p>
@@ -2851,7 +2856,7 @@
     </p:spTree>
     <p:extLst>
       <p:ext uri="{BB962C8B-B14F-4D97-AF65-F5344CB8AC3E}">
-        <p14:creationId xmlns:p14="http://schemas.microsoft.com/office/powerpoint/2010/main" val="244750481"/>
+        <p14:creationId xmlns:p14="http://schemas.microsoft.com/office/powerpoint/2010/main" val="242802037"/>
       </p:ext>
     </p:extLst>
   </p:cSld>
@@ -2911,11 +2916,34 @@
             </a:r>
             <a:r>
               <a:rPr lang="en-US" dirty="0" err="1" smtClean="0"/>
-              <a:t>material.angularjs.org</a:t>
+              <a:t>reactjs.org</a:t>
             </a:r>
             <a:r>
               <a:rPr lang="en-US" dirty="0" smtClean="0"/>
-              <a:t>/latest/</a:t>
+              <a:t>/tutorial/</a:t>
+            </a:r>
+            <a:r>
+              <a:rPr lang="en-US" dirty="0" err="1" smtClean="0"/>
+              <a:t>tutorial.html</a:t>
+            </a:r>
+            <a:endParaRPr lang="en-US" dirty="0" smtClean="0"/>
+          </a:p>
+          <a:p>
+            <a:r>
+              <a:rPr lang="en-US" dirty="0" smtClean="0"/>
+              <a:t>https://</a:t>
+            </a:r>
+            <a:r>
+              <a:rPr lang="en-US" dirty="0" err="1" smtClean="0"/>
+              <a:t>discountry.github.io</a:t>
+            </a:r>
+            <a:r>
+              <a:rPr lang="en-US" dirty="0" smtClean="0"/>
+              <a:t>/react/tutorial/</a:t>
+            </a:r>
+            <a:r>
+              <a:rPr lang="en-US" dirty="0" err="1" smtClean="0"/>
+              <a:t>tutorial.html</a:t>
             </a:r>
             <a:endParaRPr lang="en-US" dirty="0"/>
           </a:p>
@@ -2938,7 +2966,7 @@
           <a:p>
             <a:fld id="{3A8071CD-55D8-0E40-9E87-5F5ADA6DF007}" type="slidenum">
               <a:rPr lang="en-US" smtClean="0"/>
-              <a:t>48</a:t>
+              <a:t>49</a:t>
             </a:fld>
             <a:endParaRPr lang="en-US"/>
           </a:p>
@@ -2947,7 +2975,7 @@
     </p:spTree>
     <p:extLst>
       <p:ext uri="{BB962C8B-B14F-4D97-AF65-F5344CB8AC3E}">
-        <p14:creationId xmlns:p14="http://schemas.microsoft.com/office/powerpoint/2010/main" val="1680812851"/>
+        <p14:creationId xmlns:p14="http://schemas.microsoft.com/office/powerpoint/2010/main" val="244750481"/>
       </p:ext>
     </p:extLst>
   </p:cSld>
@@ -3003,37 +3031,15 @@
           <a:p>
             <a:r>
               <a:rPr lang="en-US" dirty="0" smtClean="0"/>
-              <a:t>http://</a:t>
+              <a:t>https://</a:t>
             </a:r>
             <a:r>
               <a:rPr lang="en-US" dirty="0" err="1" smtClean="0"/>
-              <a:t>blog.csdn.net</a:t>
+              <a:t>material.angularjs.org</a:t>
             </a:r>
             <a:r>
               <a:rPr lang="en-US" dirty="0" smtClean="0"/>
-              <a:t>/</a:t>
-            </a:r>
-            <a:r>
-              <a:rPr lang="en-US" dirty="0" err="1" smtClean="0"/>
-              <a:t>napolunyishi</a:t>
-            </a:r>
-            <a:r>
-              <a:rPr lang="en-US" dirty="0" smtClean="0"/>
-              <a:t>/article/details/51339006</a:t>
-            </a:r>
-          </a:p>
-          <a:p>
-            <a:r>
-              <a:rPr lang="en-US" dirty="0" smtClean="0"/>
-              <a:t>https://</a:t>
-            </a:r>
-            <a:r>
-              <a:rPr lang="en-US" dirty="0" err="1" smtClean="0"/>
-              <a:t>godbasin.github.io</a:t>
-            </a:r>
-            <a:r>
-              <a:rPr lang="en-US" dirty="0" smtClean="0"/>
-              <a:t>/2016/11/06/angular2-notes-8-rxjs-in-angular2/</a:t>
+              <a:t>/latest/</a:t>
             </a:r>
             <a:endParaRPr lang="en-US" dirty="0"/>
           </a:p>
@@ -3056,7 +3062,7 @@
           <a:p>
             <a:fld id="{3A8071CD-55D8-0E40-9E87-5F5ADA6DF007}" type="slidenum">
               <a:rPr lang="en-US" smtClean="0"/>
-              <a:t>49</a:t>
+              <a:t>50</a:t>
             </a:fld>
             <a:endParaRPr lang="en-US"/>
           </a:p>
@@ -3065,7 +3071,7 @@
     </p:spTree>
     <p:extLst>
       <p:ext uri="{BB962C8B-B14F-4D97-AF65-F5344CB8AC3E}">
-        <p14:creationId xmlns:p14="http://schemas.microsoft.com/office/powerpoint/2010/main" val="1647544439"/>
+        <p14:creationId xmlns:p14="http://schemas.microsoft.com/office/powerpoint/2010/main" val="1680812851"/>
       </p:ext>
     </p:extLst>
   </p:cSld>
@@ -3241,25 +3247,37 @@
           <a:p>
             <a:r>
               <a:rPr lang="en-US" dirty="0" smtClean="0"/>
-              <a:t>&lt;app-dashboard&gt;</a:t>
-            </a:r>
-            <a:r>
-              <a:rPr lang="en-US" baseline="0" dirty="0" smtClean="0"/>
-              <a:t> &lt;/app-dashboard&gt;</a:t>
-            </a:r>
-          </a:p>
-          <a:p>
-            <a:r>
-              <a:rPr lang="en-US" baseline="0" dirty="0" smtClean="0"/>
-              <a:t>&lt;div </a:t>
-            </a:r>
-            <a:r>
-              <a:rPr lang="en-US" baseline="0" dirty="0" err="1" smtClean="0"/>
-              <a:t>ngIf</a:t>
-            </a:r>
-            <a:r>
-              <a:rPr lang="en-US" baseline="0" dirty="0" smtClean="0"/>
-              <a:t> /&gt;</a:t>
+              <a:t>http://</a:t>
+            </a:r>
+            <a:r>
+              <a:rPr lang="en-US" dirty="0" err="1" smtClean="0"/>
+              <a:t>blog.csdn.net</a:t>
+            </a:r>
+            <a:r>
+              <a:rPr lang="en-US" dirty="0" smtClean="0"/>
+              <a:t>/</a:t>
+            </a:r>
+            <a:r>
+              <a:rPr lang="en-US" dirty="0" err="1" smtClean="0"/>
+              <a:t>napolunyishi</a:t>
+            </a:r>
+            <a:r>
+              <a:rPr lang="en-US" dirty="0" smtClean="0"/>
+              <a:t>/article/details/51339006</a:t>
+            </a:r>
+          </a:p>
+          <a:p>
+            <a:r>
+              <a:rPr lang="en-US" dirty="0" smtClean="0"/>
+              <a:t>https://</a:t>
+            </a:r>
+            <a:r>
+              <a:rPr lang="en-US" dirty="0" err="1" smtClean="0"/>
+              <a:t>godbasin.github.io</a:t>
+            </a:r>
+            <a:r>
+              <a:rPr lang="en-US" dirty="0" smtClean="0"/>
+              <a:t>/2016/11/06/angular2-notes-8-rxjs-in-angular2/</a:t>
             </a:r>
             <a:endParaRPr lang="en-US" dirty="0"/>
           </a:p>
@@ -3291,7 +3309,7 @@
     </p:spTree>
     <p:extLst>
       <p:ext uri="{BB962C8B-B14F-4D97-AF65-F5344CB8AC3E}">
-        <p14:creationId xmlns:p14="http://schemas.microsoft.com/office/powerpoint/2010/main" val="1278079413"/>
+        <p14:creationId xmlns:p14="http://schemas.microsoft.com/office/powerpoint/2010/main" val="1647544439"/>
       </p:ext>
     </p:extLst>
   </p:cSld>
@@ -3347,29 +3365,25 @@
           <a:p>
             <a:r>
               <a:rPr lang="en-US" dirty="0" smtClean="0"/>
-              <a:t>https://</a:t>
-            </a:r>
-            <a:r>
-              <a:rPr lang="en-US" dirty="0" err="1" smtClean="0"/>
-              <a:t>stackoverflow.com</a:t>
-            </a:r>
-            <a:r>
-              <a:rPr lang="en-US" dirty="0" smtClean="0"/>
-              <a:t>/questions/35944749/what-is-the-difference-between-parentheses-brackets-and-asterisks-in-angular2</a:t>
-            </a:r>
-          </a:p>
-          <a:p>
-            <a:r>
-              <a:rPr lang="tr-TR" dirty="0" smtClean="0"/>
-              <a:t>http://</a:t>
-            </a:r>
-            <a:r>
-              <a:rPr lang="tr-TR" dirty="0" err="1" smtClean="0"/>
-              <a:t>chonger.org</a:t>
-            </a:r>
-            <a:r>
-              <a:rPr lang="tr-TR" dirty="0" smtClean="0"/>
-              <a:t>/2017/08/09/20170809212600.html</a:t>
+              <a:t>&lt;app-dashboard&gt;</a:t>
+            </a:r>
+            <a:r>
+              <a:rPr lang="en-US" baseline="0" dirty="0" smtClean="0"/>
+              <a:t> &lt;/app-dashboard&gt;</a:t>
+            </a:r>
+          </a:p>
+          <a:p>
+            <a:r>
+              <a:rPr lang="en-US" baseline="0" dirty="0" smtClean="0"/>
+              <a:t>&lt;div </a:t>
+            </a:r>
+            <a:r>
+              <a:rPr lang="en-US" baseline="0" dirty="0" err="1" smtClean="0"/>
+              <a:t>ngIf</a:t>
+            </a:r>
+            <a:r>
+              <a:rPr lang="en-US" baseline="0" dirty="0" smtClean="0"/>
+              <a:t> /&gt;</a:t>
             </a:r>
             <a:endParaRPr lang="en-US" dirty="0"/>
           </a:p>
@@ -3392,7 +3406,7 @@
           <a:p>
             <a:fld id="{3A8071CD-55D8-0E40-9E87-5F5ADA6DF007}" type="slidenum">
               <a:rPr lang="en-US" smtClean="0"/>
-              <a:t>52</a:t>
+              <a:t>53</a:t>
             </a:fld>
             <a:endParaRPr lang="en-US"/>
           </a:p>
@@ -3401,7 +3415,7 @@
     </p:spTree>
     <p:extLst>
       <p:ext uri="{BB962C8B-B14F-4D97-AF65-F5344CB8AC3E}">
-        <p14:creationId xmlns:p14="http://schemas.microsoft.com/office/powerpoint/2010/main" val="93799393"/>
+        <p14:creationId xmlns:p14="http://schemas.microsoft.com/office/powerpoint/2010/main" val="1278079413"/>
       </p:ext>
     </p:extLst>
   </p:cSld>
@@ -3455,6 +3469,32 @@
           <a:bodyPr/>
           <a:lstStyle/>
           <a:p>
+            <a:r>
+              <a:rPr lang="en-US" dirty="0" smtClean="0"/>
+              <a:t>https://</a:t>
+            </a:r>
+            <a:r>
+              <a:rPr lang="en-US" dirty="0" err="1" smtClean="0"/>
+              <a:t>stackoverflow.com</a:t>
+            </a:r>
+            <a:r>
+              <a:rPr lang="en-US" dirty="0" smtClean="0"/>
+              <a:t>/questions/35944749/what-is-the-difference-between-parentheses-brackets-and-asterisks-in-angular2</a:t>
+            </a:r>
+          </a:p>
+          <a:p>
+            <a:r>
+              <a:rPr lang="tr-TR" dirty="0" smtClean="0"/>
+              <a:t>http://</a:t>
+            </a:r>
+            <a:r>
+              <a:rPr lang="tr-TR" dirty="0" err="1" smtClean="0"/>
+              <a:t>chonger.org</a:t>
+            </a:r>
+            <a:r>
+              <a:rPr lang="tr-TR" dirty="0" smtClean="0"/>
+              <a:t>/2017/08/09/20170809212600.html</a:t>
+            </a:r>
             <a:endParaRPr lang="en-US" dirty="0"/>
           </a:p>
         </p:txBody>
@@ -3485,7 +3525,7 @@
     </p:spTree>
     <p:extLst>
       <p:ext uri="{BB962C8B-B14F-4D97-AF65-F5344CB8AC3E}">
-        <p14:creationId xmlns:p14="http://schemas.microsoft.com/office/powerpoint/2010/main" val="1547042826"/>
+        <p14:creationId xmlns:p14="http://schemas.microsoft.com/office/powerpoint/2010/main" val="93799393"/>
       </p:ext>
     </p:extLst>
   </p:cSld>
@@ -3560,7 +3600,7 @@
           <a:p>
             <a:fld id="{3A8071CD-55D8-0E40-9E87-5F5ADA6DF007}" type="slidenum">
               <a:rPr lang="en-US" smtClean="0"/>
-              <a:t>55</a:t>
+              <a:t>56</a:t>
             </a:fld>
             <a:endParaRPr lang="en-US"/>
           </a:p>
@@ -3569,7 +3609,7 @@
     </p:spTree>
     <p:extLst>
       <p:ext uri="{BB962C8B-B14F-4D97-AF65-F5344CB8AC3E}">
-        <p14:creationId xmlns:p14="http://schemas.microsoft.com/office/powerpoint/2010/main" val="800191084"/>
+        <p14:creationId xmlns:p14="http://schemas.microsoft.com/office/powerpoint/2010/main" val="1547042826"/>
       </p:ext>
     </p:extLst>
   </p:cSld>
@@ -3623,37 +3663,6 @@
           <a:bodyPr/>
           <a:lstStyle/>
           <a:p>
-            <a:r>
-              <a:rPr lang="en-US" dirty="0" smtClean="0"/>
-              <a:t>https://</a:t>
-            </a:r>
-            <a:r>
-              <a:rPr lang="en-US" dirty="0" err="1" smtClean="0"/>
-              <a:t>pro.ant.design</a:t>
-            </a:r>
-            <a:r>
-              <a:rPr lang="en-US" dirty="0" smtClean="0"/>
-              <a:t>/docs/getting-started-</a:t>
-            </a:r>
-            <a:r>
-              <a:rPr lang="en-US" dirty="0" err="1" smtClean="0"/>
-              <a:t>cn</a:t>
-            </a:r>
-            <a:endParaRPr lang="en-US" dirty="0" smtClean="0"/>
-          </a:p>
-          <a:p>
-            <a:r>
-              <a:rPr lang="en-US" dirty="0" smtClean="0"/>
-              <a:t>https://</a:t>
-            </a:r>
-            <a:r>
-              <a:rPr lang="en-US" dirty="0" err="1" smtClean="0"/>
-              <a:t>github.com</a:t>
-            </a:r>
-            <a:r>
-              <a:rPr lang="en-US" dirty="0" smtClean="0"/>
-              <a:t>/ant-design/ant-design-pro</a:t>
-            </a:r>
             <a:endParaRPr lang="en-US" dirty="0"/>
           </a:p>
         </p:txBody>
@@ -3684,7 +3693,7 @@
     </p:spTree>
     <p:extLst>
       <p:ext uri="{BB962C8B-B14F-4D97-AF65-F5344CB8AC3E}">
-        <p14:creationId xmlns:p14="http://schemas.microsoft.com/office/powerpoint/2010/main" val="1944223527"/>
+        <p14:creationId xmlns:p14="http://schemas.microsoft.com/office/powerpoint/2010/main" val="800191084"/>
       </p:ext>
     </p:extLst>
   </p:cSld>
@@ -3739,6 +3748,121 @@
           <a:lstStyle/>
           <a:p>
             <a:r>
+              <a:rPr lang="en-US" dirty="0" smtClean="0"/>
+              <a:t>https://</a:t>
+            </a:r>
+            <a:r>
+              <a:rPr lang="en-US" dirty="0" err="1" smtClean="0"/>
+              <a:t>pro.ant.design</a:t>
+            </a:r>
+            <a:r>
+              <a:rPr lang="en-US" dirty="0" smtClean="0"/>
+              <a:t>/docs/getting-started-</a:t>
+            </a:r>
+            <a:r>
+              <a:rPr lang="en-US" dirty="0" err="1" smtClean="0"/>
+              <a:t>cn</a:t>
+            </a:r>
+            <a:endParaRPr lang="en-US" dirty="0" smtClean="0"/>
+          </a:p>
+          <a:p>
+            <a:r>
+              <a:rPr lang="en-US" dirty="0" smtClean="0"/>
+              <a:t>https://</a:t>
+            </a:r>
+            <a:r>
+              <a:rPr lang="en-US" dirty="0" err="1" smtClean="0"/>
+              <a:t>github.com</a:t>
+            </a:r>
+            <a:r>
+              <a:rPr lang="en-US" dirty="0" smtClean="0"/>
+              <a:t>/ant-design/ant-design-pro</a:t>
+            </a:r>
+            <a:endParaRPr lang="en-US" dirty="0"/>
+          </a:p>
+        </p:txBody>
+      </p:sp>
+      <p:sp>
+        <p:nvSpPr>
+          <p:cNvPr id="4" name="Slide Number Placeholder 3"/>
+          <p:cNvSpPr>
+            <a:spLocks noGrp="1"/>
+          </p:cNvSpPr>
+          <p:nvPr>
+            <p:ph type="sldNum" sz="quarter" idx="10"/>
+          </p:nvPr>
+        </p:nvSpPr>
+        <p:spPr/>
+        <p:txBody>
+          <a:bodyPr/>
+          <a:lstStyle/>
+          <a:p>
+            <a:fld id="{3A8071CD-55D8-0E40-9E87-5F5ADA6DF007}" type="slidenum">
+              <a:rPr lang="en-US" smtClean="0"/>
+              <a:t>59</a:t>
+            </a:fld>
+            <a:endParaRPr lang="en-US"/>
+          </a:p>
+        </p:txBody>
+      </p:sp>
+    </p:spTree>
+    <p:extLst>
+      <p:ext uri="{BB962C8B-B14F-4D97-AF65-F5344CB8AC3E}">
+        <p14:creationId xmlns:p14="http://schemas.microsoft.com/office/powerpoint/2010/main" val="1944223527"/>
+      </p:ext>
+    </p:extLst>
+  </p:cSld>
+  <p:clrMapOvr>
+    <a:masterClrMapping/>
+  </p:clrMapOvr>
+</p:notes>
+</file>
+
+<file path=ppt/notesSlides/notesSlide36.xml><?xml version="1.0" encoding="utf-8"?>
+<p:notes xmlns:a="http://schemas.openxmlformats.org/drawingml/2006/main" xmlns:r="http://schemas.openxmlformats.org/officeDocument/2006/relationships" xmlns:p="http://schemas.openxmlformats.org/presentationml/2006/main">
+  <p:cSld>
+    <p:spTree>
+      <p:nvGrpSpPr>
+        <p:cNvPr id="1" name=""/>
+        <p:cNvGrpSpPr/>
+        <p:nvPr/>
+      </p:nvGrpSpPr>
+      <p:grpSpPr>
+        <a:xfrm>
+          <a:off x="0" y="0"/>
+          <a:ext cx="0" cy="0"/>
+          <a:chOff x="0" y="0"/>
+          <a:chExt cx="0" cy="0"/>
+        </a:xfrm>
+      </p:grpSpPr>
+      <p:sp>
+        <p:nvSpPr>
+          <p:cNvPr id="2" name="Slide Image Placeholder 1"/>
+          <p:cNvSpPr>
+            <a:spLocks noGrp="1" noRot="1" noChangeAspect="1"/>
+          </p:cNvSpPr>
+          <p:nvPr>
+            <p:ph type="sldImg"/>
+          </p:nvPr>
+        </p:nvSpPr>
+        <p:spPr/>
+      </p:sp>
+      <p:sp>
+        <p:nvSpPr>
+          <p:cNvPr id="3" name="Notes Placeholder 2"/>
+          <p:cNvSpPr>
+            <a:spLocks noGrp="1"/>
+          </p:cNvSpPr>
+          <p:nvPr>
+            <p:ph type="body" idx="1"/>
+          </p:nvPr>
+        </p:nvSpPr>
+        <p:spPr/>
+        <p:txBody>
+          <a:bodyPr/>
+          <a:lstStyle/>
+          <a:p>
+            <a:r>
               <a:rPr lang="mr-IN" dirty="0" err="1" smtClean="0"/>
               <a:t>https</a:t>
             </a:r>
@@ -3783,7 +3907,7 @@
           <a:p>
             <a:fld id="{3A8071CD-55D8-0E40-9E87-5F5ADA6DF007}" type="slidenum">
               <a:rPr lang="en-US" smtClean="0"/>
-              <a:t>62</a:t>
+              <a:t>64</a:t>
             </a:fld>
             <a:endParaRPr lang="en-US"/>
           </a:p>
@@ -4606,7 +4730,7 @@
             <a:fld id="{B61BEF0D-F0BB-DE4B-95CE-6DB70DBA9567}" type="datetimeFigureOut">
               <a:rPr lang="en-US" smtClean="0"/>
               <a:pPr/>
-              <a:t>7/13/18</a:t>
+              <a:t>7/21/18</a:t>
             </a:fld>
             <a:endParaRPr lang="en-US" dirty="0"/>
           </a:p>
@@ -4880,7 +5004,7 @@
             <a:fld id="{B61BEF0D-F0BB-DE4B-95CE-6DB70DBA9567}" type="datetimeFigureOut">
               <a:rPr lang="en-US" smtClean="0"/>
               <a:pPr/>
-              <a:t>7/13/18</a:t>
+              <a:t>7/21/18</a:t>
             </a:fld>
             <a:endParaRPr lang="en-US" dirty="0"/>
           </a:p>
@@ -5113,7 +5237,7 @@
             <a:fld id="{B61BEF0D-F0BB-DE4B-95CE-6DB70DBA9567}" type="datetimeFigureOut">
               <a:rPr lang="en-US" smtClean="0"/>
               <a:pPr/>
-              <a:t>7/13/18</a:t>
+              <a:t>7/21/18</a:t>
             </a:fld>
             <a:endParaRPr lang="en-US" dirty="0"/>
           </a:p>
@@ -5425,7 +5549,7 @@
             <a:fld id="{B61BEF0D-F0BB-DE4B-95CE-6DB70DBA9567}" type="datetimeFigureOut">
               <a:rPr lang="en-US" smtClean="0"/>
               <a:pPr/>
-              <a:t>7/13/18</a:t>
+              <a:t>7/21/18</a:t>
             </a:fld>
             <a:endParaRPr lang="en-US" dirty="0"/>
           </a:p>
@@ -5900,7 +6024,7 @@
             <a:fld id="{B61BEF0D-F0BB-DE4B-95CE-6DB70DBA9567}" type="datetimeFigureOut">
               <a:rPr lang="en-US" smtClean="0"/>
               <a:pPr/>
-              <a:t>7/13/18</a:t>
+              <a:t>7/21/18</a:t>
             </a:fld>
             <a:endParaRPr lang="en-US" dirty="0"/>
           </a:p>
@@ -6449,7 +6573,7 @@
             <a:fld id="{B61BEF0D-F0BB-DE4B-95CE-6DB70DBA9567}" type="datetimeFigureOut">
               <a:rPr lang="en-US" smtClean="0"/>
               <a:pPr/>
-              <a:t>7/13/18</a:t>
+              <a:t>7/21/18</a:t>
             </a:fld>
             <a:endParaRPr lang="en-US" dirty="0"/>
           </a:p>
@@ -7225,7 +7349,7 @@
             <a:fld id="{B61BEF0D-F0BB-DE4B-95CE-6DB70DBA9567}" type="datetimeFigureOut">
               <a:rPr lang="en-US" smtClean="0"/>
               <a:pPr/>
-              <a:t>7/13/18</a:t>
+              <a:t>7/21/18</a:t>
             </a:fld>
             <a:endParaRPr lang="en-US" dirty="0"/>
           </a:p>
@@ -7402,7 +7526,7 @@
             <a:fld id="{B61BEF0D-F0BB-DE4B-95CE-6DB70DBA9567}" type="datetimeFigureOut">
               <a:rPr lang="en-US" smtClean="0"/>
               <a:pPr/>
-              <a:t>7/13/18</a:t>
+              <a:t>7/21/18</a:t>
             </a:fld>
             <a:endParaRPr lang="en-US" dirty="0"/>
           </a:p>
@@ -7627,7 +7751,7 @@
             <a:fld id="{B61BEF0D-F0BB-DE4B-95CE-6DB70DBA9567}" type="datetimeFigureOut">
               <a:rPr lang="en-US" smtClean="0"/>
               <a:pPr/>
-              <a:t>7/13/18</a:t>
+              <a:t>7/21/18</a:t>
             </a:fld>
             <a:endParaRPr lang="en-US" dirty="0"/>
           </a:p>
@@ -7814,7 +7938,7 @@
             <a:fld id="{B61BEF0D-F0BB-DE4B-95CE-6DB70DBA9567}" type="datetimeFigureOut">
               <a:rPr lang="en-US" smtClean="0"/>
               <a:pPr/>
-              <a:t>7/13/18</a:t>
+              <a:t>7/21/18</a:t>
             </a:fld>
             <a:endParaRPr lang="en-US" dirty="0"/>
           </a:p>
@@ -8105,7 +8229,7 @@
             <a:fld id="{B61BEF0D-F0BB-DE4B-95CE-6DB70DBA9567}" type="datetimeFigureOut">
               <a:rPr lang="en-US" smtClean="0"/>
               <a:pPr/>
-              <a:t>7/13/18</a:t>
+              <a:t>7/21/18</a:t>
             </a:fld>
             <a:endParaRPr lang="en-US" dirty="0"/>
           </a:p>
@@ -8354,7 +8478,7 @@
             <a:fld id="{B61BEF0D-F0BB-DE4B-95CE-6DB70DBA9567}" type="datetimeFigureOut">
               <a:rPr lang="en-US" smtClean="0"/>
               <a:pPr/>
-              <a:t>7/13/18</a:t>
+              <a:t>7/21/18</a:t>
             </a:fld>
             <a:endParaRPr lang="en-US" dirty="0"/>
           </a:p>
@@ -8740,7 +8864,7 @@
             <a:fld id="{B61BEF0D-F0BB-DE4B-95CE-6DB70DBA9567}" type="datetimeFigureOut">
               <a:rPr lang="en-US" smtClean="0"/>
               <a:pPr/>
-              <a:t>7/13/18</a:t>
+              <a:t>7/21/18</a:t>
             </a:fld>
             <a:endParaRPr lang="en-US" dirty="0"/>
           </a:p>
@@ -8865,7 +8989,7 @@
             <a:fld id="{B61BEF0D-F0BB-DE4B-95CE-6DB70DBA9567}" type="datetimeFigureOut">
               <a:rPr lang="en-US" smtClean="0"/>
               <a:pPr/>
-              <a:t>7/13/18</a:t>
+              <a:t>7/21/18</a:t>
             </a:fld>
             <a:endParaRPr lang="en-US" dirty="0"/>
           </a:p>
@@ -8962,7 +9086,7 @@
             <a:fld id="{B61BEF0D-F0BB-DE4B-95CE-6DB70DBA9567}" type="datetimeFigureOut">
               <a:rPr lang="en-US" smtClean="0"/>
               <a:pPr/>
-              <a:t>7/13/18</a:t>
+              <a:t>7/21/18</a:t>
             </a:fld>
             <a:endParaRPr lang="en-US" dirty="0"/>
           </a:p>
@@ -9218,7 +9342,7 @@
             <a:fld id="{B61BEF0D-F0BB-DE4B-95CE-6DB70DBA9567}" type="datetimeFigureOut">
               <a:rPr lang="en-US" smtClean="0"/>
               <a:pPr/>
-              <a:t>7/13/18</a:t>
+              <a:t>7/21/18</a:t>
             </a:fld>
             <a:endParaRPr lang="en-US" dirty="0"/>
           </a:p>
@@ -9482,7 +9606,7 @@
             <a:fld id="{B61BEF0D-F0BB-DE4B-95CE-6DB70DBA9567}" type="datetimeFigureOut">
               <a:rPr lang="en-US" smtClean="0"/>
               <a:pPr/>
-              <a:t>7/13/18</a:t>
+              <a:t>7/21/18</a:t>
             </a:fld>
             <a:endParaRPr lang="en-US" dirty="0"/>
           </a:p>
@@ -9727,7 +9851,7 @@
             <a:fld id="{B61BEF0D-F0BB-DE4B-95CE-6DB70DBA9567}" type="datetimeFigureOut">
               <a:rPr lang="en-US" smtClean="0"/>
               <a:pPr/>
-              <a:t>7/13/18</a:t>
+              <a:t>7/21/18</a:t>
             </a:fld>
             <a:endParaRPr lang="en-US" dirty="0"/>
           </a:p>
@@ -13347,11 +13471,7 @@
           <a:p>
             <a:r>
               <a:rPr lang="en-US" dirty="0" smtClean="0"/>
-              <a:t>create-react-app </a:t>
-            </a:r>
-            <a:r>
-              <a:rPr lang="en-US" dirty="0" smtClean="0"/>
-              <a:t>game</a:t>
+              <a:t>create-react-app game</a:t>
             </a:r>
           </a:p>
           <a:p>
@@ -13373,7 +13493,6 @@
               <a:rPr lang="en-US" dirty="0" smtClean="0"/>
               <a:t> start</a:t>
             </a:r>
-            <a:endParaRPr lang="en-US" dirty="0" smtClean="0"/>
           </a:p>
           <a:p>
             <a:endParaRPr lang="en-US" dirty="0" smtClean="0"/>
@@ -13539,11 +13658,11 @@
               <a:t> </a:t>
             </a:r>
             <a:r>
-              <a:rPr lang="en-US" smtClean="0"/>
+              <a:rPr lang="en-US" dirty="0" err="1" smtClean="0"/>
               <a:t>i</a:t>
             </a:r>
             <a:r>
-              <a:rPr lang="zh-CN" altLang="en-US" smtClean="0"/>
+              <a:rPr lang="zh-CN" altLang="en-US" dirty="0" smtClean="0"/>
               <a:t>安装</a:t>
             </a:r>
             <a:r>
@@ -14513,12 +14632,8 @@
           <a:lstStyle/>
           <a:p>
             <a:r>
-              <a:rPr lang="en-US" dirty="0" err="1" smtClean="0"/>
-              <a:t>Anuglar</a:t>
-            </a:r>
-            <a:r>
-              <a:rPr lang="en-US" dirty="0" smtClean="0"/>
-              <a:t> Tutorial</a:t>
+              <a:rPr lang="zh-CN" altLang="en-US" dirty="0" smtClean="0"/>
+              <a:t>作业批改</a:t>
             </a:r>
             <a:endParaRPr lang="en-US" dirty="0"/>
           </a:p>
@@ -14539,53 +14654,20 @@
           <a:bodyPr/>
           <a:lstStyle/>
           <a:p>
-            <a:r>
-              <a:rPr lang="en-US" dirty="0">
-                <a:hlinkClick r:id="rId3"/>
-              </a:rPr>
-              <a:t>https://</a:t>
-            </a:r>
-            <a:r>
-              <a:rPr lang="en-US" dirty="0" smtClean="0">
-                <a:hlinkClick r:id="rId3"/>
-              </a:rPr>
-              <a:t>angular.io/tutorial</a:t>
-            </a:r>
-            <a:endParaRPr lang="en-US" dirty="0" smtClean="0"/>
-          </a:p>
-          <a:p>
-            <a:r>
-              <a:rPr lang="en-US" dirty="0"/>
-              <a:t>https://</a:t>
-            </a:r>
-            <a:r>
-              <a:rPr lang="en-US" dirty="0" err="1"/>
-              <a:t>docs.angularjs.org</a:t>
-            </a:r>
-            <a:r>
-              <a:rPr lang="en-US" dirty="0"/>
-              <a:t>/tutorial</a:t>
-            </a:r>
+            <a:endParaRPr lang="en-US" dirty="0"/>
           </a:p>
         </p:txBody>
       </p:sp>
     </p:spTree>
     <p:extLst>
       <p:ext uri="{BB962C8B-B14F-4D97-AF65-F5344CB8AC3E}">
-        <p14:creationId xmlns:p14="http://schemas.microsoft.com/office/powerpoint/2010/main" val="2098117636"/>
+        <p14:creationId xmlns:p14="http://schemas.microsoft.com/office/powerpoint/2010/main" val="1951607511"/>
       </p:ext>
     </p:extLst>
   </p:cSld>
   <p:clrMapOvr>
     <a:masterClrMapping/>
   </p:clrMapOvr>
-  <p:timing>
-    <p:tnLst>
-      <p:par>
-        <p:cTn id="1" dur="indefinite" restart="never" nodeType="tmRoot"/>
-      </p:par>
-    </p:tnLst>
-  </p:timing>
 </p:sld>
 </file>
 
@@ -14622,16 +14704,12 @@
           <a:lstStyle/>
           <a:p>
             <a:r>
-              <a:rPr lang="zh-CN" altLang="en-US" dirty="0" smtClean="0"/>
-              <a:t>与</a:t>
-            </a:r>
-            <a:r>
-              <a:rPr lang="en-US" altLang="zh-CN" dirty="0" smtClean="0"/>
-              <a:t>React</a:t>
-            </a:r>
-            <a:r>
-              <a:rPr lang="zh-CN" altLang="en-US" dirty="0" smtClean="0"/>
-              <a:t>的区别</a:t>
+              <a:rPr lang="en-US" dirty="0" err="1" smtClean="0"/>
+              <a:t>Anuglar</a:t>
+            </a:r>
+            <a:r>
+              <a:rPr lang="en-US" dirty="0" smtClean="0"/>
+              <a:t> Tutorial</a:t>
             </a:r>
             <a:endParaRPr lang="en-US" dirty="0"/>
           </a:p>
@@ -14647,72 +14725,45 @@
             <p:ph type="body" idx="1"/>
           </p:nvPr>
         </p:nvSpPr>
-        <p:spPr>
-          <a:xfrm>
-            <a:off x="1751011" y="4777381"/>
-            <a:ext cx="8686801" cy="1344450"/>
-          </a:xfrm>
-        </p:spPr>
-        <p:txBody>
-          <a:bodyPr>
-            <a:normAutofit/>
-          </a:bodyPr>
-          <a:lstStyle/>
-          <a:p>
-            <a:pPr marL="457200" indent="-457200">
-              <a:buAutoNum type="arabicPeriod"/>
-            </a:pPr>
-            <a:r>
-              <a:rPr lang="zh-CN" altLang="en-US" dirty="0" smtClean="0"/>
-              <a:t>保留</a:t>
-            </a:r>
-            <a:r>
-              <a:rPr lang="en-US" altLang="zh-CN" dirty="0" smtClean="0"/>
-              <a:t>HTML</a:t>
-            </a:r>
-            <a:r>
-              <a:rPr lang="zh-CN" altLang="en-US" dirty="0" smtClean="0"/>
-              <a:t>结构</a:t>
-            </a:r>
-            <a:endParaRPr lang="en-US" altLang="zh-CN" dirty="0" smtClean="0"/>
-          </a:p>
-          <a:p>
-            <a:pPr marL="457200" indent="-457200">
-              <a:buAutoNum type="arabicPeriod"/>
-            </a:pPr>
-            <a:r>
-              <a:rPr lang="en-US" altLang="zh-CN" dirty="0" smtClean="0"/>
-              <a:t>MVVM</a:t>
-            </a:r>
-          </a:p>
-          <a:p>
-            <a:pPr marL="457200" indent="-457200">
-              <a:buAutoNum type="arabicPeriod"/>
-            </a:pPr>
-            <a:r>
-              <a:rPr lang="zh-CN" altLang="en-US" dirty="0" smtClean="0"/>
-              <a:t>大而全，不只是</a:t>
-            </a:r>
-            <a:r>
-              <a:rPr lang="en-US" altLang="zh-CN" dirty="0" smtClean="0"/>
-              <a:t>UI</a:t>
-            </a:r>
-            <a:r>
-              <a:rPr lang="zh-CN" altLang="en-US" dirty="0" smtClean="0"/>
-              <a:t>库，规定好了</a:t>
-            </a:r>
-            <a:r>
-              <a:rPr lang="zh-CN" altLang="en-US" smtClean="0"/>
-              <a:t>最佳开发实践</a:t>
-            </a:r>
-            <a:endParaRPr lang="en-US" altLang="zh-CN" dirty="0" smtClean="0"/>
+        <p:spPr/>
+        <p:txBody>
+          <a:bodyPr/>
+          <a:lstStyle/>
+          <a:p>
+            <a:r>
+              <a:rPr lang="en-US" dirty="0">
+                <a:hlinkClick r:id="rId3"/>
+              </a:rPr>
+              <a:t>https://</a:t>
+            </a:r>
+            <a:r>
+              <a:rPr lang="en-US" dirty="0" smtClean="0">
+                <a:hlinkClick r:id="rId3"/>
+              </a:rPr>
+              <a:t>angular.io/tutorial</a:t>
+            </a:r>
+            <a:endParaRPr lang="en-US" dirty="0" smtClean="0"/>
+          </a:p>
+          <a:p>
+            <a:r>
+              <a:rPr lang="en-US" dirty="0"/>
+              <a:t>https://</a:t>
+            </a:r>
+            <a:r>
+              <a:rPr lang="en-US" dirty="0" err="1"/>
+              <a:t>docs.angularjs.org</a:t>
+            </a:r>
+            <a:r>
+              <a:rPr lang="en-US" dirty="0"/>
+              <a:t>/tutorial</a:t>
+            </a:r>
           </a:p>
         </p:txBody>
       </p:sp>
     </p:spTree>
     <p:extLst>
       <p:ext uri="{BB962C8B-B14F-4D97-AF65-F5344CB8AC3E}">
-        <p14:creationId xmlns:p14="http://schemas.microsoft.com/office/powerpoint/2010/main" val="137241654"/>
+        <p14:creationId xmlns:p14="http://schemas.microsoft.com/office/powerpoint/2010/main" val="2098117636"/>
       </p:ext>
     </p:extLst>
   </p:cSld>
@@ -14762,142 +14813,110 @@
           <a:lstStyle/>
           <a:p>
             <a:r>
+              <a:rPr lang="zh-CN" altLang="en-US" dirty="0" smtClean="0"/>
+              <a:t>与</a:t>
+            </a:r>
+            <a:r>
               <a:rPr lang="en-US" altLang="zh-CN" dirty="0" smtClean="0"/>
-              <a:t>Angular JS</a:t>
-            </a:r>
-            <a:endParaRPr lang="en-US" dirty="0"/>
-          </a:p>
-        </p:txBody>
-      </p:sp>
-      <p:sp>
-        <p:nvSpPr>
-          <p:cNvPr id="3" name="Content Placeholder 2"/>
-          <p:cNvSpPr>
-            <a:spLocks noGrp="1"/>
-          </p:cNvSpPr>
-          <p:nvPr>
-            <p:ph idx="1"/>
-          </p:nvPr>
-        </p:nvSpPr>
-        <p:spPr/>
-        <p:txBody>
-          <a:bodyPr/>
-          <a:lstStyle/>
-          <a:p>
+              <a:t>React</a:t>
+            </a:r>
+            <a:r>
+              <a:rPr lang="zh-CN" altLang="en-US" dirty="0" smtClean="0"/>
+              <a:t>的区别</a:t>
+            </a:r>
+            <a:endParaRPr lang="en-US" dirty="0"/>
+          </a:p>
+        </p:txBody>
+      </p:sp>
+      <p:sp>
+        <p:nvSpPr>
+          <p:cNvPr id="3" name="Text Placeholder 2"/>
+          <p:cNvSpPr>
+            <a:spLocks noGrp="1"/>
+          </p:cNvSpPr>
+          <p:nvPr>
+            <p:ph type="body" idx="1"/>
+          </p:nvPr>
+        </p:nvSpPr>
+        <p:spPr>
+          <a:xfrm>
+            <a:off x="1751011" y="4777381"/>
+            <a:ext cx="8686801" cy="1344450"/>
+          </a:xfrm>
+        </p:spPr>
+        <p:txBody>
+          <a:bodyPr>
+            <a:normAutofit/>
+          </a:bodyPr>
+          <a:lstStyle/>
+          <a:p>
+            <a:pPr marL="457200" indent="-457200">
+              <a:buAutoNum type="arabicPeriod"/>
+            </a:pPr>
+            <a:r>
+              <a:rPr lang="zh-CN" altLang="en-US" dirty="0" smtClean="0"/>
+              <a:t>保留</a:t>
+            </a:r>
+            <a:r>
+              <a:rPr lang="en-US" altLang="zh-CN" dirty="0" smtClean="0"/>
+              <a:t>HTML</a:t>
+            </a:r>
+            <a:r>
+              <a:rPr lang="zh-CN" altLang="en-US" dirty="0" smtClean="0"/>
+              <a:t>结构</a:t>
+            </a:r>
+            <a:endParaRPr lang="en-US" altLang="zh-CN" dirty="0" smtClean="0"/>
+          </a:p>
+          <a:p>
+            <a:pPr marL="457200" indent="-457200">
+              <a:buAutoNum type="arabicPeriod"/>
+            </a:pPr>
+            <a:r>
+              <a:rPr lang="en-US" altLang="zh-CN" dirty="0" smtClean="0"/>
+              <a:t>MVVM(</a:t>
+            </a:r>
             <a:r>
               <a:rPr lang="en-US" dirty="0" smtClean="0"/>
-              <a:t>Directive </a:t>
-            </a:r>
-            <a:r>
-              <a:rPr lang="zh-CN" altLang="en-US" dirty="0" smtClean="0"/>
-              <a:t>指令</a:t>
+              <a:t>Model–View–</a:t>
+            </a:r>
+            <a:r>
+              <a:rPr lang="en-US" dirty="0" err="1" smtClean="0"/>
+              <a:t>Viewmodel</a:t>
+            </a:r>
+            <a:r>
+              <a:rPr lang="en-US" dirty="0"/>
+              <a:t> </a:t>
+            </a:r>
+            <a:r>
+              <a:rPr lang="en-US" altLang="zh-CN" dirty="0" smtClean="0"/>
+              <a:t>)</a:t>
             </a:r>
             <a:endParaRPr lang="en-US" altLang="zh-CN" dirty="0" smtClean="0"/>
           </a:p>
           <a:p>
-            <a:r>
-              <a:rPr lang="en-US" dirty="0" smtClean="0">
-                <a:effectLst/>
-              </a:rPr>
-              <a:t>Module</a:t>
-            </a:r>
-            <a:r>
-              <a:rPr lang="zh-CN" altLang="en-US" dirty="0" smtClean="0">
-                <a:effectLst/>
-              </a:rPr>
-              <a:t> 模块</a:t>
-            </a:r>
-            <a:endParaRPr lang="en-US" dirty="0" smtClean="0"/>
-          </a:p>
-          <a:p>
+            <a:pPr marL="457200" indent="-457200">
+              <a:buAutoNum type="arabicPeriod"/>
+            </a:pPr>
+            <a:r>
+              <a:rPr lang="zh-CN" altLang="en-US" dirty="0" smtClean="0"/>
+              <a:t>大而全，不只是</a:t>
+            </a:r>
             <a:r>
               <a:rPr lang="en-US" altLang="zh-CN" dirty="0" smtClean="0"/>
-              <a:t>Component</a:t>
-            </a:r>
-            <a:r>
-              <a:rPr lang="zh-CN" altLang="en-US" dirty="0" smtClean="0"/>
-              <a:t> 组件</a:t>
-            </a:r>
-            <a:endParaRPr lang="en-US" dirty="0" smtClean="0"/>
-          </a:p>
-          <a:p>
-            <a:r>
-              <a:rPr lang="en-US" dirty="0" smtClean="0"/>
-              <a:t>Provider(Service, factory)</a:t>
-            </a:r>
-          </a:p>
-          <a:p>
-            <a:r>
-              <a:rPr lang="en-US" dirty="0">
-                <a:effectLst/>
-              </a:rPr>
-              <a:t>Dependency </a:t>
-            </a:r>
-            <a:r>
-              <a:rPr lang="en-US" dirty="0" smtClean="0">
-                <a:effectLst/>
-              </a:rPr>
-              <a:t>Injection </a:t>
-            </a:r>
-            <a:r>
-              <a:rPr lang="zh-CN" altLang="en-US" dirty="0" smtClean="0">
-                <a:effectLst/>
-              </a:rPr>
-              <a:t>依赖注入</a:t>
-            </a:r>
-            <a:endParaRPr lang="en-US" altLang="zh-CN" dirty="0" smtClean="0">
-              <a:effectLst/>
-            </a:endParaRPr>
-          </a:p>
-          <a:p>
-            <a:r>
-              <a:rPr lang="en-US" altLang="zh-CN" dirty="0" smtClean="0">
-                <a:effectLst/>
-              </a:rPr>
-              <a:t>Controller</a:t>
-            </a:r>
-            <a:r>
-              <a:rPr lang="zh-CN" altLang="en-US" dirty="0" smtClean="0">
-                <a:effectLst/>
-              </a:rPr>
-              <a:t> 控制器</a:t>
-            </a:r>
-            <a:endParaRPr lang="en-US" altLang="zh-CN" dirty="0" smtClean="0">
-              <a:effectLst/>
-            </a:endParaRPr>
-          </a:p>
-          <a:p>
-            <a:endParaRPr lang="en-US" dirty="0"/>
-          </a:p>
-        </p:txBody>
-      </p:sp>
-      <p:sp>
-        <p:nvSpPr>
-          <p:cNvPr id="4" name="Text Placeholder 3"/>
-          <p:cNvSpPr>
-            <a:spLocks noGrp="1"/>
-          </p:cNvSpPr>
-          <p:nvPr>
-            <p:ph type="body" sz="half" idx="2"/>
-          </p:nvPr>
-        </p:nvSpPr>
-        <p:spPr/>
-        <p:txBody>
-          <a:bodyPr/>
-          <a:lstStyle/>
-          <a:p>
-            <a:r>
-              <a:rPr lang="zh-CN" altLang="en-US" dirty="0" smtClean="0"/>
-              <a:t>知识简介</a:t>
-            </a:r>
-            <a:endParaRPr lang="en-US" dirty="0"/>
+              <a:t>UI</a:t>
+            </a:r>
+            <a:r>
+              <a:rPr lang="zh-CN" altLang="en-US" dirty="0" smtClean="0"/>
+              <a:t>库，规定好了最佳开发实践</a:t>
+            </a:r>
+            <a:endParaRPr lang="en-US" altLang="zh-CN" dirty="0" smtClean="0"/>
           </a:p>
         </p:txBody>
       </p:sp>
     </p:spTree>
     <p:extLst>
       <p:ext uri="{BB962C8B-B14F-4D97-AF65-F5344CB8AC3E}">
-        <p14:creationId xmlns:p14="http://schemas.microsoft.com/office/powerpoint/2010/main" val="1326356102"/>
+        <p14:creationId xmlns:p14="http://schemas.microsoft.com/office/powerpoint/2010/main" val="137241654"/>
       </p:ext>
     </p:extLst>
   </p:cSld>
@@ -14933,7 +14952,7 @@
       </p:grpSpPr>
       <p:sp>
         <p:nvSpPr>
-          <p:cNvPr id="2" name="Title 1"/>
+          <p:cNvPr id="4" name="Title 3"/>
           <p:cNvSpPr>
             <a:spLocks noGrp="1"/>
           </p:cNvSpPr>
@@ -14946,40 +14965,108 @@
           <a:bodyPr/>
           <a:lstStyle/>
           <a:p>
+            <a:r>
+              <a:rPr lang="zh-CN" altLang="en-US" dirty="0" smtClean="0"/>
+              <a:t>为什么现在还要看</a:t>
+            </a:r>
             <a:r>
               <a:rPr lang="en-US" altLang="zh-CN" dirty="0" err="1" smtClean="0"/>
               <a:t>AngularJS</a:t>
             </a:r>
-            <a:r>
-              <a:rPr lang="zh-CN" altLang="en-US" dirty="0" smtClean="0"/>
-              <a:t>项目实战</a:t>
-            </a:r>
-            <a:endParaRPr lang="en-US" dirty="0"/>
-          </a:p>
-        </p:txBody>
-      </p:sp>
-      <p:sp>
-        <p:nvSpPr>
-          <p:cNvPr id="3" name="Text Placeholder 2"/>
-          <p:cNvSpPr>
-            <a:spLocks noGrp="1"/>
-          </p:cNvSpPr>
-          <p:nvPr>
-            <p:ph type="body" idx="1"/>
-          </p:nvPr>
-        </p:nvSpPr>
-        <p:spPr/>
-        <p:txBody>
-          <a:bodyPr/>
-          <a:lstStyle/>
-          <a:p>
+            <a:endParaRPr lang="en-US" dirty="0"/>
+          </a:p>
+        </p:txBody>
+      </p:sp>
+      <p:sp>
+        <p:nvSpPr>
+          <p:cNvPr id="5" name="Content Placeholder 4"/>
+          <p:cNvSpPr>
+            <a:spLocks noGrp="1"/>
+          </p:cNvSpPr>
+          <p:nvPr>
+            <p:ph idx="1"/>
+          </p:nvPr>
+        </p:nvSpPr>
+        <p:spPr/>
+        <p:txBody>
+          <a:bodyPr/>
+          <a:lstStyle/>
+          <a:p>
+            <a:r>
+              <a:rPr lang="en-US" dirty="0" smtClean="0"/>
+              <a:t>1, </a:t>
+            </a:r>
+            <a:r>
+              <a:rPr lang="zh-CN" altLang="en-US" dirty="0" smtClean="0"/>
+              <a:t>为了更好理解</a:t>
+            </a:r>
+            <a:r>
+              <a:rPr lang="en-US" altLang="zh-CN" dirty="0" smtClean="0"/>
+              <a:t>Angular</a:t>
+            </a:r>
+          </a:p>
+          <a:p>
+            <a:r>
+              <a:rPr lang="en-US" altLang="zh-CN" dirty="0" smtClean="0"/>
+              <a:t>2,</a:t>
+            </a:r>
+            <a:r>
+              <a:rPr lang="zh-CN" altLang="en-US" dirty="0" smtClean="0"/>
+              <a:t> </a:t>
+            </a:r>
             <a:r>
               <a:rPr lang="en-US" altLang="zh-CN" dirty="0" err="1" smtClean="0"/>
-              <a:t>Todo</a:t>
-            </a:r>
+              <a:t>AngularJs</a:t>
+            </a:r>
+            <a:r>
+              <a:rPr lang="zh-CN" altLang="en-US" dirty="0" smtClean="0"/>
+              <a:t> 不需要复杂的环境搭建</a:t>
+            </a:r>
+            <a:endParaRPr lang="en-US" altLang="zh-CN" dirty="0" smtClean="0"/>
+          </a:p>
+          <a:p>
             <a:r>
               <a:rPr lang="en-US" altLang="zh-CN" dirty="0" smtClean="0"/>
-              <a:t> List</a:t>
+              <a:t>3, </a:t>
+            </a:r>
+            <a:r>
+              <a:rPr lang="en-US" altLang="zh-CN" dirty="0" err="1" smtClean="0"/>
+              <a:t>AngularJs</a:t>
+            </a:r>
+            <a:r>
+              <a:rPr lang="en-US" altLang="zh-CN" dirty="0" smtClean="0"/>
+              <a:t> </a:t>
+            </a:r>
+            <a:r>
+              <a:rPr lang="zh-CN" altLang="en-US" dirty="0" smtClean="0"/>
+              <a:t>可以直接在浏览器中运行，适合于中小型程序</a:t>
+            </a:r>
+            <a:endParaRPr lang="en-US" altLang="zh-CN" dirty="0" smtClean="0"/>
+          </a:p>
+          <a:p>
+            <a:r>
+              <a:rPr lang="en-US" altLang="zh-CN" dirty="0" smtClean="0"/>
+              <a:t>4, </a:t>
+            </a:r>
+            <a:r>
+              <a:rPr lang="zh-CN" altLang="en-US" dirty="0" smtClean="0"/>
+              <a:t>市场份额依然巨大，比</a:t>
+            </a:r>
+            <a:r>
+              <a:rPr lang="en-US" altLang="zh-CN" dirty="0" smtClean="0"/>
+              <a:t>React</a:t>
+            </a:r>
+            <a:r>
+              <a:rPr lang="zh-CN" altLang="en-US" dirty="0" smtClean="0"/>
+              <a:t>和</a:t>
+            </a:r>
+            <a:r>
+              <a:rPr lang="en-US" altLang="zh-CN" dirty="0" smtClean="0"/>
+              <a:t>Angular</a:t>
+            </a:r>
+            <a:r>
+              <a:rPr lang="zh-CN" altLang="en-US" dirty="0" smtClean="0"/>
+              <a:t>加起来都高</a:t>
             </a:r>
             <a:endParaRPr lang="en-US" dirty="0"/>
           </a:p>
@@ -14988,20 +15075,13 @@
     </p:spTree>
     <p:extLst>
       <p:ext uri="{BB962C8B-B14F-4D97-AF65-F5344CB8AC3E}">
-        <p14:creationId xmlns:p14="http://schemas.microsoft.com/office/powerpoint/2010/main" val="1639088771"/>
+        <p14:creationId xmlns:p14="http://schemas.microsoft.com/office/powerpoint/2010/main" val="1581393356"/>
       </p:ext>
     </p:extLst>
   </p:cSld>
   <p:clrMapOvr>
     <a:masterClrMapping/>
   </p:clrMapOvr>
-  <p:timing>
-    <p:tnLst>
-      <p:par>
-        <p:cTn id="1" dur="indefinite" restart="never" nodeType="tmRoot"/>
-      </p:par>
-    </p:tnLst>
-  </p:timing>
 </p:sld>
 </file>
 
@@ -15039,11 +15119,7 @@
           <a:p>
             <a:r>
               <a:rPr lang="en-US" altLang="zh-CN" dirty="0" smtClean="0"/>
-              <a:t>Angular </a:t>
-            </a:r>
-            <a:r>
-              <a:rPr lang="zh-CN" altLang="en-US" dirty="0" smtClean="0"/>
-              <a:t>脚手架项目</a:t>
+              <a:t>Angular JS</a:t>
             </a:r>
             <a:endParaRPr lang="en-US" dirty="0"/>
           </a:p>
@@ -15065,45 +15141,119 @@
           <a:lstStyle/>
           <a:p>
             <a:r>
-              <a:rPr lang="en-US" dirty="0"/>
-              <a:t>Yeoman: </a:t>
-            </a:r>
+              <a:rPr lang="en-US" dirty="0" smtClean="0"/>
+              <a:t>Directive </a:t>
+            </a:r>
+            <a:r>
+              <a:rPr lang="zh-CN" altLang="en-US" dirty="0" smtClean="0"/>
+              <a:t>指令</a:t>
+            </a:r>
+            <a:endParaRPr lang="en-US" altLang="zh-CN" dirty="0" smtClean="0"/>
+          </a:p>
+          <a:p>
+            <a:r>
+              <a:rPr lang="en-US" dirty="0" smtClean="0">
+                <a:effectLst/>
+              </a:rPr>
+              <a:t>Module</a:t>
+            </a:r>
+            <a:r>
+              <a:rPr lang="zh-CN" altLang="en-US" dirty="0" smtClean="0">
+                <a:effectLst/>
+              </a:rPr>
+              <a:t> 模块</a:t>
+            </a:r>
+            <a:endParaRPr lang="en-US" dirty="0" smtClean="0"/>
+          </a:p>
+          <a:p>
+            <a:r>
+              <a:rPr lang="en-US" altLang="zh-CN" dirty="0" smtClean="0"/>
+              <a:t>Component</a:t>
+            </a:r>
+            <a:r>
+              <a:rPr lang="zh-CN" altLang="en-US" dirty="0" smtClean="0"/>
+              <a:t> 组件</a:t>
+            </a:r>
+            <a:endParaRPr lang="en-US" dirty="0" smtClean="0"/>
+          </a:p>
+          <a:p>
+            <a:r>
+              <a:rPr lang="en-US" dirty="0" smtClean="0"/>
+              <a:t>Provider(Service, factory)</a:t>
+            </a:r>
+          </a:p>
+          <a:p>
             <a:r>
               <a:rPr lang="en-US" dirty="0">
-                <a:hlinkClick r:id="rId3"/>
+                <a:effectLst/>
               </a:rPr>
-              <a:t>https://</a:t>
+              <a:t>Dependency </a:t>
             </a:r>
             <a:r>
               <a:rPr lang="en-US" dirty="0" smtClean="0">
-                <a:hlinkClick r:id="rId3"/>
+                <a:effectLst/>
               </a:rPr>
-              <a:t>github.com/Swiip/generator-gulp-angular</a:t>
-            </a:r>
-            <a:endParaRPr lang="en-US" dirty="0" smtClean="0"/>
-          </a:p>
-          <a:p>
-            <a:r>
-              <a:rPr lang="en-US" dirty="0" smtClean="0"/>
-              <a:t>Gulp serve</a:t>
-            </a:r>
-          </a:p>
-          <a:p>
-            <a:r>
-              <a:rPr lang="en-US" dirty="0" err="1" smtClean="0"/>
-              <a:t>Anuglar</a:t>
-            </a:r>
-            <a:r>
-              <a:rPr lang="en-US" dirty="0" smtClean="0"/>
-              <a:t> Material</a:t>
-            </a:r>
+              <a:t>Injection </a:t>
+            </a:r>
+            <a:r>
+              <a:rPr lang="zh-CN" altLang="en-US" dirty="0" smtClean="0">
+                <a:effectLst/>
+              </a:rPr>
+              <a:t>依赖注入</a:t>
+            </a:r>
+            <a:endParaRPr lang="en-US" altLang="zh-CN" dirty="0" smtClean="0">
+              <a:effectLst/>
+            </a:endParaRPr>
+          </a:p>
+          <a:p>
+            <a:r>
+              <a:rPr lang="en-US" altLang="zh-CN" dirty="0" smtClean="0">
+                <a:effectLst/>
+              </a:rPr>
+              <a:t>Controller</a:t>
+            </a:r>
+            <a:r>
+              <a:rPr lang="zh-CN" altLang="en-US" dirty="0" smtClean="0">
+                <a:effectLst/>
+              </a:rPr>
+              <a:t> 控制器</a:t>
+            </a:r>
+            <a:endParaRPr lang="en-US" altLang="zh-CN" dirty="0" smtClean="0">
+              <a:effectLst/>
+            </a:endParaRPr>
+          </a:p>
+          <a:p>
+            <a:endParaRPr lang="en-US" dirty="0"/>
+          </a:p>
+        </p:txBody>
+      </p:sp>
+      <p:sp>
+        <p:nvSpPr>
+          <p:cNvPr id="4" name="Text Placeholder 3"/>
+          <p:cNvSpPr>
+            <a:spLocks noGrp="1"/>
+          </p:cNvSpPr>
+          <p:nvPr>
+            <p:ph type="body" sz="half" idx="2"/>
+          </p:nvPr>
+        </p:nvSpPr>
+        <p:spPr/>
+        <p:txBody>
+          <a:bodyPr/>
+          <a:lstStyle/>
+          <a:p>
+            <a:r>
+              <a:rPr lang="zh-CN" altLang="en-US" dirty="0" smtClean="0"/>
+              <a:t>知识简介</a:t>
+            </a:r>
+            <a:endParaRPr lang="en-US" dirty="0"/>
           </a:p>
         </p:txBody>
       </p:sp>
     </p:spTree>
     <p:extLst>
       <p:ext uri="{BB962C8B-B14F-4D97-AF65-F5344CB8AC3E}">
-        <p14:creationId xmlns:p14="http://schemas.microsoft.com/office/powerpoint/2010/main" val="1446031074"/>
+        <p14:creationId xmlns:p14="http://schemas.microsoft.com/office/powerpoint/2010/main" val="1326356102"/>
       </p:ext>
     </p:extLst>
   </p:cSld>
@@ -15153,97 +15303,40 @@
           <a:lstStyle/>
           <a:p>
             <a:r>
-              <a:rPr lang="en-US" dirty="0" smtClean="0"/>
-              <a:t>Angular 6</a:t>
-            </a:r>
-            <a:endParaRPr lang="en-US" dirty="0"/>
-          </a:p>
-        </p:txBody>
-      </p:sp>
-      <p:sp>
-        <p:nvSpPr>
-          <p:cNvPr id="3" name="Content Placeholder 2"/>
-          <p:cNvSpPr>
-            <a:spLocks noGrp="1"/>
-          </p:cNvSpPr>
-          <p:nvPr>
-            <p:ph idx="1"/>
-          </p:nvPr>
-        </p:nvSpPr>
-        <p:spPr/>
-        <p:txBody>
-          <a:bodyPr/>
-          <a:lstStyle/>
-          <a:p>
-            <a:r>
-              <a:rPr lang="en-US" dirty="0" smtClean="0"/>
-              <a:t>1. Typescript</a:t>
-            </a:r>
-          </a:p>
-          <a:p>
-            <a:r>
-              <a:rPr lang="en-US" dirty="0" smtClean="0"/>
-              <a:t>2. </a:t>
-            </a:r>
-            <a:r>
-              <a:rPr lang="zh-CN" altLang="en-US" dirty="0" smtClean="0"/>
-              <a:t>其实与</a:t>
-            </a:r>
-            <a:r>
               <a:rPr lang="en-US" altLang="zh-CN" dirty="0" err="1" smtClean="0"/>
               <a:t>AngularJS</a:t>
             </a:r>
             <a:r>
               <a:rPr lang="zh-CN" altLang="en-US" dirty="0" smtClean="0"/>
-              <a:t>比较相似</a:t>
-            </a:r>
-            <a:endParaRPr lang="en-US" altLang="zh-CN" dirty="0" smtClean="0"/>
-          </a:p>
-          <a:p>
+              <a:t>项目实战</a:t>
+            </a:r>
+            <a:endParaRPr lang="en-US" dirty="0"/>
+          </a:p>
+        </p:txBody>
+      </p:sp>
+      <p:sp>
+        <p:nvSpPr>
+          <p:cNvPr id="3" name="Text Placeholder 2"/>
+          <p:cNvSpPr>
+            <a:spLocks noGrp="1"/>
+          </p:cNvSpPr>
+          <p:nvPr>
+            <p:ph type="body" idx="1"/>
+          </p:nvPr>
+        </p:nvSpPr>
+        <p:spPr/>
+        <p:txBody>
+          <a:bodyPr/>
+          <a:lstStyle/>
+          <a:p>
+            <a:r>
+              <a:rPr lang="en-US" altLang="zh-CN" dirty="0" err="1" smtClean="0"/>
+              <a:t>Todo</a:t>
+            </a:r>
             <a:r>
               <a:rPr lang="en-US" altLang="zh-CN" dirty="0" smtClean="0"/>
-              <a:t>3.</a:t>
-            </a:r>
-            <a:r>
-              <a:rPr lang="zh-CN" altLang="en-US" dirty="0" smtClean="0"/>
-              <a:t> 完整的</a:t>
-            </a:r>
-            <a:r>
-              <a:rPr lang="en-US" altLang="zh-CN" dirty="0" err="1" smtClean="0"/>
-              <a:t>Cli</a:t>
-            </a:r>
-            <a:r>
-              <a:rPr lang="zh-CN" altLang="en-US" dirty="0" smtClean="0"/>
-              <a:t>系统</a:t>
-            </a:r>
-            <a:endParaRPr lang="en-US" altLang="zh-CN" dirty="0" smtClean="0"/>
-          </a:p>
-          <a:p>
-            <a:r>
-              <a:rPr lang="en-US" dirty="0" smtClean="0"/>
-              <a:t>4. observables, </a:t>
-            </a:r>
-            <a:r>
-              <a:rPr lang="en-US" dirty="0" err="1" smtClean="0"/>
-              <a:t>RxJS</a:t>
-            </a:r>
-            <a:r>
-              <a:rPr lang="en-US" dirty="0" smtClean="0"/>
-              <a:t> (Reactive </a:t>
-            </a:r>
-            <a:r>
-              <a:rPr lang="en-US" dirty="0">
-                <a:effectLst/>
-              </a:rPr>
-              <a:t>Extensions</a:t>
-            </a:r>
-            <a:r>
-              <a:rPr lang="en-US" dirty="0" smtClean="0"/>
-              <a:t>)</a:t>
-            </a:r>
-            <a:endParaRPr lang="en-US" dirty="0"/>
-          </a:p>
-          <a:p>
+              <a:t> List</a:t>
+            </a:r>
             <a:endParaRPr lang="en-US" dirty="0"/>
           </a:p>
         </p:txBody>
@@ -15251,7 +15344,7 @@
     </p:spTree>
     <p:extLst>
       <p:ext uri="{BB962C8B-B14F-4D97-AF65-F5344CB8AC3E}">
-        <p14:creationId xmlns:p14="http://schemas.microsoft.com/office/powerpoint/2010/main" val="1418923925"/>
+        <p14:creationId xmlns:p14="http://schemas.microsoft.com/office/powerpoint/2010/main" val="1639088771"/>
       </p:ext>
     </p:extLst>
   </p:cSld>
@@ -15468,7 +15561,11 @@
           <a:p>
             <a:r>
               <a:rPr lang="en-US" altLang="zh-CN" dirty="0" smtClean="0"/>
-              <a:t>Observable</a:t>
+              <a:t>Angular </a:t>
+            </a:r>
+            <a:r>
+              <a:rPr lang="zh-CN" altLang="en-US" dirty="0" smtClean="0"/>
+              <a:t>脚手架项目</a:t>
             </a:r>
             <a:endParaRPr lang="en-US" dirty="0"/>
           </a:p>
@@ -15490,70 +15587,45 @@
           <a:lstStyle/>
           <a:p>
             <a:r>
+              <a:rPr lang="en-US" dirty="0"/>
+              <a:t>Yeoman: </a:t>
+            </a:r>
+            <a:r>
+              <a:rPr lang="en-US" dirty="0">
+                <a:hlinkClick r:id="rId3"/>
+              </a:rPr>
+              <a:t>https://</a:t>
+            </a:r>
+            <a:r>
+              <a:rPr lang="en-US" dirty="0" smtClean="0">
+                <a:hlinkClick r:id="rId3"/>
+              </a:rPr>
+              <a:t>github.com/Swiip/generator-gulp-angular</a:t>
+            </a:r>
+            <a:endParaRPr lang="en-US" dirty="0" smtClean="0"/>
+          </a:p>
+          <a:p>
+            <a:r>
               <a:rPr lang="en-US" dirty="0" smtClean="0"/>
-              <a:t>1. </a:t>
-            </a:r>
-            <a:r>
-              <a:rPr lang="zh-CN" altLang="en-US" dirty="0" smtClean="0"/>
-              <a:t>支持多个变量</a:t>
-            </a:r>
-            <a:endParaRPr lang="en-US" altLang="zh-CN" dirty="0" smtClean="0"/>
-          </a:p>
-          <a:p>
-            <a:r>
-              <a:rPr lang="en-US" altLang="zh-CN" dirty="0" smtClean="0"/>
-              <a:t>2.</a:t>
-            </a:r>
-            <a:r>
-              <a:rPr lang="zh-CN" altLang="en-US" dirty="0" smtClean="0"/>
-              <a:t> </a:t>
-            </a:r>
-            <a:r>
-              <a:rPr lang="en-US" altLang="zh-CN" dirty="0" smtClean="0"/>
-              <a:t>cancel</a:t>
-            </a:r>
-            <a:r>
-              <a:rPr lang="zh-CN" altLang="en-US" dirty="0" smtClean="0"/>
-              <a:t>掉一个</a:t>
-            </a:r>
-            <a:r>
-              <a:rPr lang="en-US" altLang="zh-CN" dirty="0" smtClean="0"/>
-              <a:t>observable</a:t>
-            </a:r>
-          </a:p>
-          <a:p>
-            <a:r>
-              <a:rPr lang="en-US" altLang="zh-CN" dirty="0" smtClean="0"/>
-              <a:t>3.</a:t>
-            </a:r>
-            <a:r>
-              <a:rPr lang="zh-CN" altLang="en-US" dirty="0" smtClean="0"/>
-              <a:t> </a:t>
-            </a:r>
-            <a:r>
-              <a:rPr lang="en-US" altLang="zh-CN" dirty="0" smtClean="0"/>
-              <a:t>promise-&gt; then</a:t>
-            </a:r>
-            <a:r>
-              <a:rPr lang="zh-CN" altLang="en-US" dirty="0" smtClean="0"/>
-              <a:t> </a:t>
-            </a:r>
-            <a:r>
-              <a:rPr lang="en-US" altLang="zh-CN" dirty="0" smtClean="0"/>
-              <a:t>  observable -&gt; subscribe</a:t>
+              <a:t>Gulp serve</a:t>
+            </a:r>
+          </a:p>
+          <a:p>
+            <a:r>
+              <a:rPr lang="en-US" dirty="0" err="1" smtClean="0"/>
+              <a:t>Anuglar</a:t>
             </a:r>
             <a:r>
               <a:rPr lang="en-US" dirty="0" smtClean="0"/>
-              <a:t> </a:t>
-            </a:r>
-            <a:endParaRPr lang="en-US" dirty="0"/>
+              <a:t> Material</a:t>
+            </a:r>
           </a:p>
         </p:txBody>
       </p:sp>
     </p:spTree>
     <p:extLst>
       <p:ext uri="{BB962C8B-B14F-4D97-AF65-F5344CB8AC3E}">
-        <p14:creationId xmlns:p14="http://schemas.microsoft.com/office/powerpoint/2010/main" val="1029556927"/>
+        <p14:creationId xmlns:p14="http://schemas.microsoft.com/office/powerpoint/2010/main" val="1446031074"/>
       </p:ext>
     </p:extLst>
   </p:cSld>
@@ -15603,193 +15675,95 @@
           <a:lstStyle/>
           <a:p>
             <a:r>
+              <a:rPr lang="en-US" dirty="0" smtClean="0"/>
+              <a:t>Angular 6</a:t>
+            </a:r>
+            <a:endParaRPr lang="en-US" dirty="0"/>
+          </a:p>
+        </p:txBody>
+      </p:sp>
+      <p:sp>
+        <p:nvSpPr>
+          <p:cNvPr id="3" name="Content Placeholder 2"/>
+          <p:cNvSpPr>
+            <a:spLocks noGrp="1"/>
+          </p:cNvSpPr>
+          <p:nvPr>
+            <p:ph idx="1"/>
+          </p:nvPr>
+        </p:nvSpPr>
+        <p:spPr/>
+        <p:txBody>
+          <a:bodyPr/>
+          <a:lstStyle/>
+          <a:p>
+            <a:r>
+              <a:rPr lang="en-US" dirty="0" smtClean="0"/>
+              <a:t>1. Typescript</a:t>
+            </a:r>
+          </a:p>
+          <a:p>
+            <a:r>
+              <a:rPr lang="en-US" dirty="0" smtClean="0"/>
+              <a:t>2. </a:t>
+            </a:r>
+            <a:r>
+              <a:rPr lang="zh-CN" altLang="en-US" dirty="0" smtClean="0"/>
+              <a:t>其实与</a:t>
+            </a:r>
+            <a:r>
+              <a:rPr lang="en-US" altLang="zh-CN" dirty="0" err="1" smtClean="0"/>
+              <a:t>AngularJS</a:t>
+            </a:r>
+            <a:r>
+              <a:rPr lang="zh-CN" altLang="en-US" dirty="0" smtClean="0"/>
+              <a:t>比较相似</a:t>
+            </a:r>
+            <a:endParaRPr lang="en-US" altLang="zh-CN" dirty="0" smtClean="0"/>
+          </a:p>
+          <a:p>
+            <a:r>
               <a:rPr lang="en-US" altLang="zh-CN" dirty="0" smtClean="0"/>
-              <a:t>Angular</a:t>
-            </a:r>
-            <a:r>
-              <a:rPr lang="zh-CN" altLang="en-US" dirty="0" smtClean="0"/>
-              <a:t> 指令</a:t>
-            </a:r>
-            <a:endParaRPr lang="en-US" dirty="0"/>
-          </a:p>
-        </p:txBody>
-      </p:sp>
-      <p:sp>
-        <p:nvSpPr>
-          <p:cNvPr id="3" name="Content Placeholder 2"/>
-          <p:cNvSpPr>
-            <a:spLocks noGrp="1"/>
-          </p:cNvSpPr>
-          <p:nvPr>
-            <p:ph idx="1"/>
-          </p:nvPr>
-        </p:nvSpPr>
-        <p:spPr/>
-        <p:txBody>
-          <a:bodyPr/>
-          <a:lstStyle/>
-          <a:p>
-            <a:r>
-              <a:rPr lang="zh-CN" altLang="en-US" dirty="0">
+              <a:t>3.</a:t>
+            </a:r>
+            <a:r>
+              <a:rPr lang="zh-CN" altLang="en-US" dirty="0" smtClean="0"/>
+              <a:t> 完整的</a:t>
+            </a:r>
+            <a:r>
+              <a:rPr lang="en-US" altLang="zh-CN" dirty="0" err="1" smtClean="0"/>
+              <a:t>Cli</a:t>
+            </a:r>
+            <a:r>
+              <a:rPr lang="zh-CN" altLang="en-US" dirty="0" smtClean="0"/>
+              <a:t>系统</a:t>
+            </a:r>
+            <a:endParaRPr lang="en-US" altLang="zh-CN" dirty="0" smtClean="0"/>
+          </a:p>
+          <a:p>
+            <a:r>
+              <a:rPr lang="en-US" dirty="0" smtClean="0"/>
+              <a:t>4. observables, </a:t>
+            </a:r>
+            <a:r>
+              <a:rPr lang="en-US" dirty="0" err="1" smtClean="0"/>
+              <a:t>RxJS</a:t>
+            </a:r>
+            <a:r>
+              <a:rPr lang="en-US" dirty="0" smtClean="0"/>
+              <a:t> (Reactive </a:t>
+            </a:r>
+            <a:r>
+              <a:rPr lang="en-US" dirty="0">
                 <a:effectLst/>
               </a:rPr>
-              <a:t>组件 </a:t>
-            </a:r>
-            <a:r>
-              <a:rPr lang="en-US" altLang="zh-CN" dirty="0">
-                <a:effectLst/>
-              </a:rPr>
-              <a:t>- </a:t>
-            </a:r>
-            <a:r>
-              <a:rPr lang="zh-CN" altLang="en-US" dirty="0">
-                <a:effectLst/>
-              </a:rPr>
-              <a:t>带有模板的指令</a:t>
-            </a:r>
-            <a:r>
-              <a:rPr lang="en-US" altLang="zh-CN" dirty="0">
-                <a:effectLst/>
-              </a:rPr>
-              <a:t>(</a:t>
-            </a:r>
-            <a:r>
-              <a:rPr lang="zh-CN" altLang="en-US" dirty="0">
-                <a:effectLst/>
-              </a:rPr>
-              <a:t>组件皆指令</a:t>
-            </a:r>
-            <a:r>
-              <a:rPr lang="en-US" altLang="zh-CN" dirty="0">
-                <a:effectLst/>
-              </a:rPr>
+              <a:t>Extensions</a:t>
+            </a:r>
+            <a:r>
+              <a:rPr lang="en-US" dirty="0" smtClean="0"/>
               <a:t>)</a:t>
             </a:r>
-          </a:p>
-          <a:p>
-            <a:r>
-              <a:rPr lang="zh-CN" altLang="en-US" dirty="0">
-                <a:effectLst/>
-              </a:rPr>
-              <a:t>结构型指令 </a:t>
-            </a:r>
-            <a:r>
-              <a:rPr lang="en-US" altLang="zh-CN" dirty="0">
-                <a:effectLst/>
-              </a:rPr>
-              <a:t>- </a:t>
-            </a:r>
-            <a:r>
-              <a:rPr lang="zh-CN" altLang="en-US" dirty="0">
-                <a:effectLst/>
-              </a:rPr>
-              <a:t>作用于</a:t>
-            </a:r>
-            <a:r>
-              <a:rPr lang="en-US" altLang="zh-CN" dirty="0">
-                <a:effectLst/>
-              </a:rPr>
-              <a:t>DOM</a:t>
-            </a:r>
-            <a:r>
-              <a:rPr lang="zh-CN" altLang="en-US" dirty="0">
-                <a:effectLst/>
-              </a:rPr>
-              <a:t>元素修改视图结构的指令</a:t>
-            </a:r>
-            <a:r>
-              <a:rPr lang="en-US" altLang="zh-CN" dirty="0">
-                <a:effectLst/>
-              </a:rPr>
-              <a:t>(</a:t>
-            </a:r>
-            <a:r>
-              <a:rPr lang="en-US" altLang="zh-CN" dirty="0" err="1">
-                <a:effectLst/>
-              </a:rPr>
-              <a:t>NgIf</a:t>
-            </a:r>
-            <a:r>
-              <a:rPr lang="zh-CN" altLang="en-US" dirty="0">
-                <a:effectLst/>
-              </a:rPr>
-              <a:t>、</a:t>
-            </a:r>
-            <a:r>
-              <a:rPr lang="en-US" altLang="zh-CN" dirty="0" err="1">
-                <a:effectLst/>
-              </a:rPr>
-              <a:t>NgFor</a:t>
-            </a:r>
-            <a:r>
-              <a:rPr lang="zh-CN" altLang="en-US" dirty="0">
-                <a:effectLst/>
-              </a:rPr>
-              <a:t>等</a:t>
-            </a:r>
-            <a:r>
-              <a:rPr lang="en-US" altLang="zh-CN" dirty="0">
-                <a:effectLst/>
-              </a:rPr>
-              <a:t>)</a:t>
-            </a:r>
-          </a:p>
-          <a:p>
-            <a:r>
-              <a:rPr lang="zh-CN" altLang="en-US" dirty="0">
-                <a:effectLst/>
-              </a:rPr>
-              <a:t>属性型指令 </a:t>
-            </a:r>
-            <a:r>
-              <a:rPr lang="en-US" altLang="zh-CN" dirty="0">
-                <a:effectLst/>
-              </a:rPr>
-              <a:t>- </a:t>
-            </a:r>
-            <a:r>
-              <a:rPr lang="zh-CN" altLang="en-US" dirty="0">
-                <a:effectLst/>
-              </a:rPr>
-              <a:t>作用于</a:t>
-            </a:r>
-            <a:r>
-              <a:rPr lang="en-US" altLang="zh-CN" dirty="0">
-                <a:effectLst/>
-              </a:rPr>
-              <a:t>DOM</a:t>
-            </a:r>
-            <a:r>
-              <a:rPr lang="zh-CN" altLang="en-US" dirty="0">
-                <a:effectLst/>
-              </a:rPr>
-              <a:t>元素的外观和行为的指令</a:t>
-            </a:r>
-            <a:r>
-              <a:rPr lang="en-US" altLang="zh-CN" dirty="0">
-                <a:effectLst/>
-              </a:rPr>
-              <a:t>(</a:t>
-            </a:r>
-            <a:r>
-              <a:rPr lang="en-US" altLang="zh-CN" dirty="0" err="1"/>
-              <a:t>NgStyle</a:t>
-            </a:r>
-            <a:r>
-              <a:rPr lang="zh-CN" altLang="en-US" dirty="0">
-                <a:effectLst/>
-              </a:rPr>
-              <a:t>等</a:t>
-            </a:r>
-            <a:r>
-              <a:rPr lang="en-US" altLang="zh-CN" dirty="0">
-                <a:effectLst/>
-              </a:rPr>
-              <a:t>)</a:t>
-            </a:r>
-            <a:endParaRPr lang="zh-CN" altLang="en-US" dirty="0">
-              <a:effectLst/>
-            </a:endParaRPr>
+            <a:endParaRPr lang="en-US" dirty="0"/>
           </a:p>
           <a:p>
             <a:endParaRPr lang="en-US" dirty="0"/>
@@ -15799,7 +15773,7 @@
     </p:spTree>
     <p:extLst>
       <p:ext uri="{BB962C8B-B14F-4D97-AF65-F5344CB8AC3E}">
-        <p14:creationId xmlns:p14="http://schemas.microsoft.com/office/powerpoint/2010/main" val="366916453"/>
+        <p14:creationId xmlns:p14="http://schemas.microsoft.com/office/powerpoint/2010/main" val="1418923925"/>
       </p:ext>
     </p:extLst>
   </p:cSld>
@@ -15849,159 +15823,84 @@
           <a:lstStyle/>
           <a:p>
             <a:r>
+              <a:rPr lang="en-US" altLang="zh-CN" dirty="0" smtClean="0"/>
+              <a:t>Observable</a:t>
+            </a:r>
+            <a:endParaRPr lang="en-US" dirty="0"/>
+          </a:p>
+        </p:txBody>
+      </p:sp>
+      <p:sp>
+        <p:nvSpPr>
+          <p:cNvPr id="3" name="Content Placeholder 2"/>
+          <p:cNvSpPr>
+            <a:spLocks noGrp="1"/>
+          </p:cNvSpPr>
+          <p:nvPr>
+            <p:ph idx="1"/>
+          </p:nvPr>
+        </p:nvSpPr>
+        <p:spPr/>
+        <p:txBody>
+          <a:bodyPr/>
+          <a:lstStyle/>
+          <a:p>
+            <a:r>
               <a:rPr lang="en-US" dirty="0" smtClean="0"/>
-              <a:t>Angular 2+ HTML </a:t>
-            </a:r>
-            <a:r>
-              <a:rPr lang="zh-CN" altLang="en-US" dirty="0" smtClean="0"/>
-              <a:t>模版语法</a:t>
-            </a:r>
-            <a:endParaRPr lang="en-US" dirty="0"/>
-          </a:p>
-        </p:txBody>
-      </p:sp>
-      <p:sp>
-        <p:nvSpPr>
-          <p:cNvPr id="3" name="Content Placeholder 2"/>
-          <p:cNvSpPr>
-            <a:spLocks noGrp="1"/>
-          </p:cNvSpPr>
-          <p:nvPr>
-            <p:ph idx="1"/>
-          </p:nvPr>
-        </p:nvSpPr>
-        <p:spPr/>
-        <p:txBody>
-          <a:bodyPr/>
-          <a:lstStyle/>
-          <a:p>
-            <a:r>
-              <a:rPr lang="en-US" dirty="0">
-                <a:effectLst/>
-              </a:rPr>
-              <a:t>[prop]="</a:t>
-            </a:r>
-            <a:r>
-              <a:rPr lang="en-US" dirty="0" smtClean="0">
-                <a:effectLst/>
-              </a:rPr>
-              <a:t>value”</a:t>
-            </a:r>
-            <a:endParaRPr lang="en-US" dirty="0">
-              <a:effectLst/>
-            </a:endParaRPr>
-          </a:p>
-          <a:p>
-            <a:r>
-              <a:rPr lang="en-US" dirty="0">
-                <a:effectLst/>
-              </a:rPr>
-              <a:t>prop="{{value</a:t>
-            </a:r>
-            <a:r>
-              <a:rPr lang="en-US" dirty="0" smtClean="0">
-                <a:effectLst/>
-              </a:rPr>
-              <a:t>}}”</a:t>
-            </a:r>
-          </a:p>
-          <a:p>
-            <a:r>
-              <a:rPr lang="en-US" dirty="0">
-                <a:effectLst/>
-              </a:rPr>
-              <a:t>(event)="</a:t>
-            </a:r>
-            <a:r>
-              <a:rPr lang="en-US" dirty="0" smtClean="0">
-                <a:effectLst/>
-              </a:rPr>
-              <a:t>expr”</a:t>
-            </a:r>
-          </a:p>
-          <a:p>
-            <a:r>
-              <a:rPr lang="en-US" dirty="0">
-                <a:effectLst/>
-              </a:rPr>
-              <a:t>#</a:t>
-            </a:r>
-            <a:r>
-              <a:rPr lang="en-US" dirty="0" err="1" smtClean="0">
-                <a:effectLst/>
-              </a:rPr>
-              <a:t>var</a:t>
-            </a:r>
-            <a:endParaRPr lang="en-US" dirty="0" smtClean="0">
-              <a:effectLst/>
-            </a:endParaRPr>
-          </a:p>
-          <a:p>
-            <a:r>
-              <a:rPr lang="en-US" dirty="0"/>
-              <a:t>bind-</a:t>
-            </a:r>
-            <a:r>
-              <a:rPr lang="en-US" dirty="0">
-                <a:effectLst/>
-              </a:rPr>
-              <a:t> for </a:t>
-            </a:r>
-            <a:r>
-              <a:rPr lang="en-US" dirty="0"/>
-              <a:t>[]</a:t>
-            </a:r>
-            <a:r>
-              <a:rPr lang="en-US" dirty="0">
-                <a:effectLst/>
-              </a:rPr>
-              <a:t> and </a:t>
-            </a:r>
-            <a:r>
-              <a:rPr lang="en-US" dirty="0"/>
-              <a:t>on-</a:t>
-            </a:r>
-            <a:r>
-              <a:rPr lang="en-US" dirty="0">
-                <a:effectLst/>
-              </a:rPr>
-              <a:t> for </a:t>
-            </a:r>
-            <a:r>
-              <a:rPr lang="en-US" dirty="0"/>
-              <a:t>()</a:t>
-            </a:r>
-            <a:r>
-              <a:rPr lang="en-US" dirty="0">
-                <a:effectLst/>
-              </a:rPr>
-              <a:t> or </a:t>
-            </a:r>
-            <a:r>
-              <a:rPr lang="en-US" dirty="0"/>
-              <a:t>&lt;template [</a:t>
-            </a:r>
-            <a:r>
-              <a:rPr lang="en-US" dirty="0" err="1"/>
-              <a:t>ngFor</a:t>
-            </a:r>
-            <a:r>
-              <a:rPr lang="en-US" dirty="0"/>
-              <a:t>]&gt;</a:t>
-            </a:r>
-            <a:r>
-              <a:rPr lang="en-US" dirty="0">
-                <a:effectLst/>
-              </a:rPr>
-              <a:t> for </a:t>
-            </a:r>
-            <a:r>
-              <a:rPr lang="en-US" dirty="0"/>
-              <a:t>*</a:t>
-            </a:r>
-            <a:r>
-              <a:rPr lang="en-US" dirty="0" err="1"/>
-              <a:t>ngFor</a:t>
+              <a:t>1. </a:t>
+            </a:r>
+            <a:r>
+              <a:rPr lang="zh-CN" altLang="en-US" dirty="0" smtClean="0"/>
+              <a:t>支持多个变量</a:t>
+            </a:r>
+            <a:endParaRPr lang="en-US" altLang="zh-CN" dirty="0" smtClean="0"/>
+          </a:p>
+          <a:p>
+            <a:r>
+              <a:rPr lang="en-US" altLang="zh-CN" dirty="0" smtClean="0"/>
+              <a:t>2.</a:t>
+            </a:r>
+            <a:r>
+              <a:rPr lang="zh-CN" altLang="en-US" dirty="0" smtClean="0"/>
+              <a:t> </a:t>
+            </a:r>
+            <a:r>
+              <a:rPr lang="en-US" altLang="zh-CN" dirty="0" smtClean="0"/>
+              <a:t>cancel</a:t>
+            </a:r>
+            <a:r>
+              <a:rPr lang="zh-CN" altLang="en-US" dirty="0" smtClean="0"/>
+              <a:t>掉一个</a:t>
+            </a:r>
+            <a:r>
+              <a:rPr lang="en-US" altLang="zh-CN" dirty="0" smtClean="0"/>
+              <a:t>observable</a:t>
+            </a:r>
+          </a:p>
+          <a:p>
+            <a:r>
+              <a:rPr lang="en-US" altLang="zh-CN" dirty="0" smtClean="0"/>
+              <a:t>3.</a:t>
+            </a:r>
+            <a:r>
+              <a:rPr lang="zh-CN" altLang="en-US" dirty="0" smtClean="0"/>
+              <a:t> </a:t>
+            </a:r>
+            <a:r>
+              <a:rPr lang="en-US" altLang="zh-CN" dirty="0" smtClean="0"/>
+              <a:t>promise-&gt; then</a:t>
+            </a:r>
+            <a:r>
+              <a:rPr lang="zh-CN" altLang="en-US" dirty="0" smtClean="0"/>
+              <a:t> </a:t>
+            </a:r>
+            <a:r>
+              <a:rPr lang="en-US" altLang="zh-CN" dirty="0" smtClean="0"/>
+              <a:t>  observable -&gt; subscribe</a:t>
+            </a:r>
+            <a:r>
+              <a:rPr lang="en-US" dirty="0" smtClean="0"/>
+              <a:t> </a:t>
             </a:r>
             <a:endParaRPr lang="en-US" dirty="0"/>
           </a:p>
@@ -16010,7 +15909,7 @@
     </p:spTree>
     <p:extLst>
       <p:ext uri="{BB962C8B-B14F-4D97-AF65-F5344CB8AC3E}">
-        <p14:creationId xmlns:p14="http://schemas.microsoft.com/office/powerpoint/2010/main" val="547912599"/>
+        <p14:creationId xmlns:p14="http://schemas.microsoft.com/office/powerpoint/2010/main" val="1029556927"/>
       </p:ext>
     </p:extLst>
   </p:cSld>
@@ -16060,12 +15959,12 @@
           <a:lstStyle/>
           <a:p>
             <a:r>
-              <a:rPr lang="en-US" dirty="0" smtClean="0"/>
-              <a:t>Angular </a:t>
-            </a:r>
-            <a:r>
-              <a:rPr lang="zh-CN" altLang="en-US" dirty="0" smtClean="0"/>
-              <a:t>环境搭建</a:t>
+              <a:rPr lang="en-US" altLang="zh-CN" dirty="0" smtClean="0"/>
+              <a:t>Angular</a:t>
+            </a:r>
+            <a:r>
+              <a:rPr lang="zh-CN" altLang="en-US" dirty="0" smtClean="0"/>
+              <a:t> 指令</a:t>
             </a:r>
             <a:endParaRPr lang="en-US" dirty="0"/>
           </a:p>
@@ -16087,24 +15986,176 @@
           <a:lstStyle/>
           <a:p>
             <a:r>
-              <a:rPr lang="en-US" dirty="0"/>
-              <a:t>https://</a:t>
-            </a:r>
-            <a:r>
-              <a:rPr lang="en-US" dirty="0" err="1"/>
-              <a:t>github.com</a:t>
-            </a:r>
-            <a:r>
-              <a:rPr lang="en-US" dirty="0"/>
-              <a:t>/angular/angular-cli</a:t>
-            </a:r>
+              <a:rPr lang="zh-CN" altLang="en-US" dirty="0">
+                <a:effectLst/>
+              </a:rPr>
+              <a:t>组件 </a:t>
+            </a:r>
+            <a:r>
+              <a:rPr lang="en-US" altLang="zh-CN" dirty="0">
+                <a:effectLst/>
+              </a:rPr>
+              <a:t>- </a:t>
+            </a:r>
+            <a:r>
+              <a:rPr lang="zh-CN" altLang="en-US" dirty="0">
+                <a:effectLst/>
+              </a:rPr>
+              <a:t>带有模板的指令</a:t>
+            </a:r>
+            <a:r>
+              <a:rPr lang="en-US" altLang="zh-CN" dirty="0">
+                <a:effectLst/>
+              </a:rPr>
+              <a:t>(</a:t>
+            </a:r>
+            <a:r>
+              <a:rPr lang="zh-CN" altLang="en-US" dirty="0">
+                <a:effectLst/>
+              </a:rPr>
+              <a:t>组件皆指令</a:t>
+            </a:r>
+            <a:r>
+              <a:rPr lang="en-US" altLang="zh-CN" dirty="0">
+                <a:effectLst/>
+              </a:rPr>
+              <a:t>)</a:t>
+            </a:r>
+          </a:p>
+          <a:p>
+            <a:r>
+              <a:rPr lang="zh-CN" altLang="en-US" dirty="0">
+                <a:effectLst/>
+              </a:rPr>
+              <a:t>结构型指令 </a:t>
+            </a:r>
+            <a:r>
+              <a:rPr lang="en-US" altLang="zh-CN" dirty="0">
+                <a:effectLst/>
+              </a:rPr>
+              <a:t>- </a:t>
+            </a:r>
+            <a:r>
+              <a:rPr lang="zh-CN" altLang="en-US" dirty="0">
+                <a:effectLst/>
+              </a:rPr>
+              <a:t>作用于</a:t>
+            </a:r>
+            <a:r>
+              <a:rPr lang="en-US" altLang="zh-CN" dirty="0">
+                <a:effectLst/>
+              </a:rPr>
+              <a:t>DOM</a:t>
+            </a:r>
+            <a:r>
+              <a:rPr lang="zh-CN" altLang="en-US" dirty="0">
+                <a:effectLst/>
+              </a:rPr>
+              <a:t>元素修改视图结构的指令</a:t>
+            </a:r>
+            <a:r>
+              <a:rPr lang="en-US" altLang="zh-CN" dirty="0">
+                <a:effectLst/>
+              </a:rPr>
+              <a:t>(</a:t>
+            </a:r>
+            <a:r>
+              <a:rPr lang="en-US" altLang="zh-CN" dirty="0" err="1">
+                <a:effectLst/>
+              </a:rPr>
+              <a:t>NgIf</a:t>
+            </a:r>
+            <a:r>
+              <a:rPr lang="zh-CN" altLang="en-US" dirty="0">
+                <a:effectLst/>
+              </a:rPr>
+              <a:t>、</a:t>
+            </a:r>
+            <a:r>
+              <a:rPr lang="en-US" altLang="zh-CN" dirty="0" err="1">
+                <a:effectLst/>
+              </a:rPr>
+              <a:t>NgFor</a:t>
+            </a:r>
+            <a:r>
+              <a:rPr lang="zh-CN" altLang="en-US" dirty="0">
+                <a:effectLst/>
+              </a:rPr>
+              <a:t>等</a:t>
+            </a:r>
+            <a:r>
+              <a:rPr lang="en-US" altLang="zh-CN" dirty="0">
+                <a:effectLst/>
+              </a:rPr>
+              <a:t>)</a:t>
+            </a:r>
+          </a:p>
+          <a:p>
+            <a:r>
+              <a:rPr lang="zh-CN" altLang="en-US" dirty="0">
+                <a:effectLst/>
+              </a:rPr>
+              <a:t>属性型指令 </a:t>
+            </a:r>
+            <a:r>
+              <a:rPr lang="en-US" altLang="zh-CN" dirty="0">
+                <a:effectLst/>
+              </a:rPr>
+              <a:t>- </a:t>
+            </a:r>
+            <a:r>
+              <a:rPr lang="zh-CN" altLang="en-US" dirty="0">
+                <a:effectLst/>
+              </a:rPr>
+              <a:t>作用于</a:t>
+            </a:r>
+            <a:r>
+              <a:rPr lang="en-US" altLang="zh-CN" dirty="0">
+                <a:effectLst/>
+              </a:rPr>
+              <a:t>DOM</a:t>
+            </a:r>
+            <a:r>
+              <a:rPr lang="zh-CN" altLang="en-US" dirty="0">
+                <a:effectLst/>
+              </a:rPr>
+              <a:t>元素的外观和行为的指令</a:t>
+            </a:r>
+            <a:r>
+              <a:rPr lang="en-US" altLang="zh-CN" dirty="0">
+                <a:effectLst/>
+              </a:rPr>
+              <a:t>(</a:t>
+            </a:r>
+            <a:r>
+              <a:rPr lang="en-US" altLang="zh-CN" dirty="0" err="1"/>
+              <a:t>NgStyle</a:t>
+            </a:r>
+            <a:r>
+              <a:rPr lang="zh-CN" altLang="en-US" dirty="0">
+                <a:effectLst/>
+              </a:rPr>
+              <a:t>等</a:t>
+            </a:r>
+            <a:r>
+              <a:rPr lang="en-US" altLang="zh-CN" dirty="0">
+                <a:effectLst/>
+              </a:rPr>
+              <a:t>)</a:t>
+            </a:r>
+            <a:endParaRPr lang="zh-CN" altLang="en-US" dirty="0">
+              <a:effectLst/>
+            </a:endParaRPr>
+          </a:p>
+          <a:p>
+            <a:endParaRPr lang="en-US" dirty="0"/>
           </a:p>
         </p:txBody>
       </p:sp>
     </p:spTree>
     <p:extLst>
       <p:ext uri="{BB962C8B-B14F-4D97-AF65-F5344CB8AC3E}">
-        <p14:creationId xmlns:p14="http://schemas.microsoft.com/office/powerpoint/2010/main" val="304993857"/>
+        <p14:creationId xmlns:p14="http://schemas.microsoft.com/office/powerpoint/2010/main" val="366916453"/>
       </p:ext>
     </p:extLst>
   </p:cSld>
@@ -16154,59 +16205,160 @@
           <a:lstStyle/>
           <a:p>
             <a:r>
-              <a:rPr lang="en-US" altLang="zh-CN" dirty="0" smtClean="0"/>
-              <a:t>Angular</a:t>
-            </a:r>
-            <a:r>
-              <a:rPr lang="zh-CN" altLang="en-US" dirty="0" smtClean="0"/>
-              <a:t>项目实战</a:t>
-            </a:r>
-            <a:r>
-              <a:rPr lang="en-US" altLang="zh-CN" dirty="0" smtClean="0"/>
-              <a:t>	</a:t>
-            </a:r>
-            <a:endParaRPr lang="en-US" dirty="0"/>
-          </a:p>
-        </p:txBody>
-      </p:sp>
-      <p:sp>
-        <p:nvSpPr>
-          <p:cNvPr id="3" name="Text Placeholder 2"/>
-          <p:cNvSpPr>
-            <a:spLocks noGrp="1"/>
-          </p:cNvSpPr>
-          <p:nvPr>
-            <p:ph type="body" sz="half" idx="2"/>
-          </p:nvPr>
-        </p:nvSpPr>
-        <p:spPr/>
-        <p:txBody>
-          <a:bodyPr>
-            <a:normAutofit/>
-          </a:bodyPr>
-          <a:lstStyle/>
-          <a:p>
-            <a:r>
-              <a:rPr lang="zh-CN" altLang="en-US" dirty="0" smtClean="0"/>
-              <a:t>官方英雄编辑器教程</a:t>
-            </a:r>
-            <a:endParaRPr lang="en-US" altLang="zh-CN" dirty="0" smtClean="0"/>
+              <a:rPr lang="en-US" dirty="0" smtClean="0"/>
+              <a:t>Angular 2+ HTML </a:t>
+            </a:r>
+            <a:r>
+              <a:rPr lang="zh-CN" altLang="en-US" dirty="0" smtClean="0"/>
+              <a:t>模版语法</a:t>
+            </a:r>
+            <a:endParaRPr lang="en-US" dirty="0"/>
+          </a:p>
+        </p:txBody>
+      </p:sp>
+      <p:sp>
+        <p:nvSpPr>
+          <p:cNvPr id="3" name="Content Placeholder 2"/>
+          <p:cNvSpPr>
+            <a:spLocks noGrp="1"/>
+          </p:cNvSpPr>
+          <p:nvPr>
+            <p:ph idx="1"/>
+          </p:nvPr>
+        </p:nvSpPr>
+        <p:spPr/>
+        <p:txBody>
+          <a:bodyPr/>
+          <a:lstStyle/>
+          <a:p>
+            <a:r>
+              <a:rPr lang="en-US" dirty="0">
+                <a:effectLst/>
+              </a:rPr>
+              <a:t>[prop]="</a:t>
+            </a:r>
+            <a:r>
+              <a:rPr lang="en-US" dirty="0" smtClean="0">
+                <a:effectLst/>
+              </a:rPr>
+              <a:t>value”</a:t>
+            </a:r>
+            <a:endParaRPr lang="en-US" dirty="0">
+              <a:effectLst/>
+            </a:endParaRPr>
+          </a:p>
+          <a:p>
+            <a:r>
+              <a:rPr lang="en-US" dirty="0">
+                <a:effectLst/>
+              </a:rPr>
+              <a:t>prop="{{value</a:t>
+            </a:r>
+            <a:r>
+              <a:rPr lang="en-US" dirty="0" smtClean="0">
+                <a:effectLst/>
+              </a:rPr>
+              <a:t>}}”</a:t>
+            </a:r>
+          </a:p>
+          <a:p>
+            <a:r>
+              <a:rPr lang="en-US" dirty="0">
+                <a:effectLst/>
+              </a:rPr>
+              <a:t>(event)="</a:t>
+            </a:r>
+            <a:r>
+              <a:rPr lang="en-US" dirty="0" smtClean="0">
+                <a:effectLst/>
+              </a:rPr>
+              <a:t>expr”</a:t>
+            </a:r>
+          </a:p>
+          <a:p>
+            <a:r>
+              <a:rPr lang="en-US" dirty="0">
+                <a:effectLst/>
+              </a:rPr>
+              <a:t>#</a:t>
+            </a:r>
+            <a:r>
+              <a:rPr lang="en-US" dirty="0" err="1" smtClean="0">
+                <a:effectLst/>
+              </a:rPr>
+              <a:t>var</a:t>
+            </a:r>
+            <a:endParaRPr lang="en-US" dirty="0" smtClean="0">
+              <a:effectLst/>
+            </a:endParaRPr>
           </a:p>
           <a:p>
             <a:r>
               <a:rPr lang="en-US" dirty="0"/>
-              <a:t>https://</a:t>
+              <a:t>bind-</a:t>
+            </a:r>
+            <a:r>
+              <a:rPr lang="en-US" dirty="0">
+                <a:effectLst/>
+              </a:rPr>
+              <a:t> for </a:t>
+            </a:r>
+            <a:r>
+              <a:rPr lang="en-US" dirty="0"/>
+              <a:t>[]</a:t>
+            </a:r>
+            <a:r>
+              <a:rPr lang="en-US" dirty="0">
+                <a:effectLst/>
+              </a:rPr>
+              <a:t> and </a:t>
+            </a:r>
+            <a:r>
+              <a:rPr lang="en-US" dirty="0"/>
+              <a:t>on-</a:t>
+            </a:r>
+            <a:r>
+              <a:rPr lang="en-US" dirty="0">
+                <a:effectLst/>
+              </a:rPr>
+              <a:t> for </a:t>
+            </a:r>
+            <a:r>
+              <a:rPr lang="en-US" dirty="0"/>
+              <a:t>()</a:t>
+            </a:r>
+            <a:r>
+              <a:rPr lang="en-US" dirty="0">
+                <a:effectLst/>
+              </a:rPr>
+              <a:t> or </a:t>
+            </a:r>
+            <a:r>
+              <a:rPr lang="en-US" dirty="0"/>
+              <a:t>&lt;template [</a:t>
             </a:r>
             <a:r>
               <a:rPr lang="en-US" dirty="0" err="1"/>
-              <a:t>angular.cn</a:t>
+              <a:t>ngFor</a:t>
             </a:r>
             <a:r>
               <a:rPr lang="en-US" dirty="0"/>
-              <a:t>/tutorial</a:t>
-            </a:r>
-          </a:p>
-          <a:p>
+              <a:t>]&gt;</a:t>
+            </a:r>
+            <a:r>
+              <a:rPr lang="en-US" dirty="0">
+                <a:effectLst/>
+              </a:rPr>
+              <a:t> for </a:t>
+            </a:r>
+            <a:r>
+              <a:rPr lang="en-US" dirty="0"/>
+              <a:t>*</a:t>
+            </a:r>
+            <a:r>
+              <a:rPr lang="en-US" dirty="0" err="1"/>
+              <a:t>ngFor</a:t>
+            </a:r>
             <a:endParaRPr lang="en-US" dirty="0"/>
           </a:p>
         </p:txBody>
@@ -16214,13 +16366,20 @@
     </p:spTree>
     <p:extLst>
       <p:ext uri="{BB962C8B-B14F-4D97-AF65-F5344CB8AC3E}">
-        <p14:creationId xmlns:p14="http://schemas.microsoft.com/office/powerpoint/2010/main" val="1516572992"/>
+        <p14:creationId xmlns:p14="http://schemas.microsoft.com/office/powerpoint/2010/main" val="547912599"/>
       </p:ext>
     </p:extLst>
   </p:cSld>
   <p:clrMapOvr>
     <a:masterClrMapping/>
   </p:clrMapOvr>
+  <p:timing>
+    <p:tnLst>
+      <p:par>
+        <p:cTn id="1" dur="indefinite" restart="never" nodeType="tmRoot"/>
+      </p:par>
+    </p:tnLst>
+  </p:timing>
 </p:sld>
 </file>
 
@@ -16257,8 +16416,12 @@
           <a:lstStyle/>
           <a:p>
             <a:r>
-              <a:rPr lang="zh-CN" altLang="en-US" dirty="0" smtClean="0"/>
-              <a:t>大作业</a:t>
+              <a:rPr lang="en-US" dirty="0" smtClean="0"/>
+              <a:t>Angular </a:t>
+            </a:r>
+            <a:r>
+              <a:rPr lang="zh-CN" altLang="en-US" dirty="0" smtClean="0"/>
+              <a:t>环境搭建</a:t>
             </a:r>
             <a:endParaRPr lang="en-US" dirty="0"/>
           </a:p>
@@ -16280,115 +16443,24 @@
           <a:lstStyle/>
           <a:p>
             <a:r>
-              <a:rPr lang="zh-CN" altLang="en-US" dirty="0" smtClean="0"/>
-              <a:t>使用</a:t>
-            </a:r>
-            <a:r>
-              <a:rPr lang="en-US" altLang="zh-CN" dirty="0" smtClean="0"/>
-              <a:t>React </a:t>
-            </a:r>
-            <a:r>
-              <a:rPr lang="zh-CN" altLang="en-US" dirty="0" smtClean="0"/>
-              <a:t>或者 </a:t>
-            </a:r>
-            <a:r>
-              <a:rPr lang="en-US" altLang="zh-CN" dirty="0" smtClean="0"/>
-              <a:t>Angular </a:t>
-            </a:r>
-            <a:r>
-              <a:rPr lang="zh-CN" altLang="en-US" dirty="0" smtClean="0"/>
-              <a:t>做一个 </a:t>
-            </a:r>
-            <a:r>
-              <a:rPr lang="en-US" altLang="zh-CN" dirty="0" err="1" smtClean="0"/>
-              <a:t>todo</a:t>
-            </a:r>
-            <a:r>
-              <a:rPr lang="zh-CN" altLang="en-US" dirty="0" smtClean="0"/>
-              <a:t> </a:t>
-            </a:r>
-            <a:r>
-              <a:rPr lang="en-US" altLang="zh-CN" dirty="0" smtClean="0"/>
-              <a:t>list</a:t>
-            </a:r>
-          </a:p>
-          <a:p>
-            <a:r>
-              <a:rPr lang="zh-CN" altLang="en-US" dirty="0" smtClean="0"/>
-              <a:t>实现 添加， 删除功能</a:t>
-            </a:r>
-            <a:endParaRPr lang="en-US" altLang="zh-CN" dirty="0" smtClean="0"/>
-          </a:p>
-          <a:p>
-            <a:r>
-              <a:rPr lang="zh-CN" altLang="en-US" dirty="0" smtClean="0"/>
-              <a:t>将代码</a:t>
-            </a:r>
-            <a:r>
-              <a:rPr lang="en-US" altLang="zh-CN" dirty="0" smtClean="0"/>
-              <a:t>commit</a:t>
-            </a:r>
-            <a:r>
-              <a:rPr lang="zh-CN" altLang="en-US" dirty="0" smtClean="0"/>
-              <a:t>到自己的</a:t>
-            </a:r>
-            <a:r>
-              <a:rPr lang="en-US" altLang="zh-CN" dirty="0" err="1" smtClean="0"/>
-              <a:t>github</a:t>
-            </a:r>
-            <a:r>
-              <a:rPr lang="zh-CN" altLang="en-US" dirty="0" smtClean="0"/>
-              <a:t>上</a:t>
-            </a:r>
-            <a:endParaRPr lang="en-US" altLang="zh-CN" dirty="0" smtClean="0"/>
-          </a:p>
-          <a:p>
-            <a:r>
-              <a:rPr lang="zh-CN" altLang="en-US" dirty="0" smtClean="0"/>
-              <a:t>下节课准备一段</a:t>
-            </a:r>
-            <a:r>
-              <a:rPr lang="zh-CN" altLang="en-US" smtClean="0"/>
-              <a:t>简短的介绍</a:t>
-            </a:r>
-            <a:endParaRPr lang="en-US" altLang="zh-CN" dirty="0" smtClean="0"/>
-          </a:p>
-          <a:p>
-            <a:r>
-              <a:rPr lang="zh-CN" altLang="en-US" dirty="0" smtClean="0"/>
-              <a:t>不要</a:t>
-            </a:r>
-            <a:r>
-              <a:rPr lang="en-US" altLang="zh-CN" dirty="0" smtClean="0"/>
-              <a:t>commit</a:t>
-            </a:r>
-            <a:r>
-              <a:rPr lang="zh-CN" altLang="en-US" dirty="0" smtClean="0"/>
-              <a:t> </a:t>
-            </a:r>
-            <a:r>
-              <a:rPr lang="en-US" altLang="zh-CN" dirty="0" err="1" smtClean="0"/>
-              <a:t>Node_modules</a:t>
-            </a:r>
-            <a:r>
-              <a:rPr lang="en-US" altLang="zh-CN" dirty="0" smtClean="0"/>
-              <a:t> </a:t>
-            </a:r>
-            <a:r>
-              <a:rPr lang="zh-CN" altLang="en-US" dirty="0" smtClean="0"/>
-              <a:t>文件夹！</a:t>
-            </a:r>
-            <a:endParaRPr lang="en-US" altLang="zh-CN" dirty="0" smtClean="0"/>
-          </a:p>
-          <a:p>
-            <a:endParaRPr lang="en-US" dirty="0"/>
+              <a:rPr lang="en-US" dirty="0"/>
+              <a:t>https://</a:t>
+            </a:r>
+            <a:r>
+              <a:rPr lang="en-US" dirty="0" err="1"/>
+              <a:t>github.com</a:t>
+            </a:r>
+            <a:r>
+              <a:rPr lang="en-US" dirty="0"/>
+              <a:t>/angular/angular-cli</a:t>
+            </a:r>
           </a:p>
         </p:txBody>
       </p:sp>
     </p:spTree>
     <p:extLst>
       <p:ext uri="{BB962C8B-B14F-4D97-AF65-F5344CB8AC3E}">
-        <p14:creationId xmlns:p14="http://schemas.microsoft.com/office/powerpoint/2010/main" val="1759915627"/>
+        <p14:creationId xmlns:p14="http://schemas.microsoft.com/office/powerpoint/2010/main" val="304993857"/>
       </p:ext>
     </p:extLst>
   </p:cSld>
@@ -16438,58 +16510,59 @@
           <a:lstStyle/>
           <a:p>
             <a:r>
-              <a:rPr lang="zh-CN" altLang="en-US" dirty="0" smtClean="0"/>
-              <a:t>作业讨论</a:t>
-            </a:r>
-            <a:endParaRPr lang="en-US" dirty="0"/>
-          </a:p>
-        </p:txBody>
-      </p:sp>
-      <p:sp>
-        <p:nvSpPr>
-          <p:cNvPr id="3" name="Content Placeholder 2"/>
-          <p:cNvSpPr>
-            <a:spLocks noGrp="1"/>
-          </p:cNvSpPr>
-          <p:nvPr>
-            <p:ph idx="1"/>
-          </p:nvPr>
-        </p:nvSpPr>
-        <p:spPr/>
-        <p:txBody>
-          <a:bodyPr/>
-          <a:lstStyle/>
-          <a:p>
-            <a:r>
               <a:rPr lang="en-US" altLang="zh-CN" dirty="0" smtClean="0"/>
-              <a:t>1</a:t>
-            </a:r>
-            <a:r>
-              <a:rPr lang="zh-CN" altLang="en-US" dirty="0" smtClean="0"/>
-              <a:t>， 代码组织结构</a:t>
+              <a:t>Angular</a:t>
+            </a:r>
+            <a:r>
+              <a:rPr lang="zh-CN" altLang="en-US" dirty="0" smtClean="0"/>
+              <a:t>项目实战</a:t>
+            </a:r>
+            <a:r>
+              <a:rPr lang="en-US" altLang="zh-CN" dirty="0" smtClean="0"/>
+              <a:t>	</a:t>
+            </a:r>
+            <a:endParaRPr lang="en-US" dirty="0"/>
+          </a:p>
+        </p:txBody>
+      </p:sp>
+      <p:sp>
+        <p:nvSpPr>
+          <p:cNvPr id="3" name="Text Placeholder 2"/>
+          <p:cNvSpPr>
+            <a:spLocks noGrp="1"/>
+          </p:cNvSpPr>
+          <p:nvPr>
+            <p:ph type="body" sz="half" idx="2"/>
+          </p:nvPr>
+        </p:nvSpPr>
+        <p:spPr/>
+        <p:txBody>
+          <a:bodyPr>
+            <a:normAutofit/>
+          </a:bodyPr>
+          <a:lstStyle/>
+          <a:p>
+            <a:r>
+              <a:rPr lang="zh-CN" altLang="en-US" dirty="0" smtClean="0"/>
+              <a:t>官方英雄编辑器教程</a:t>
             </a:r>
             <a:endParaRPr lang="en-US" altLang="zh-CN" dirty="0" smtClean="0"/>
           </a:p>
           <a:p>
             <a:r>
-              <a:rPr lang="en-US" altLang="zh-CN" dirty="0" smtClean="0"/>
-              <a:t>2</a:t>
-            </a:r>
-            <a:r>
-              <a:rPr lang="zh-CN" altLang="en-US" dirty="0" smtClean="0"/>
-              <a:t>， 命名规则</a:t>
-            </a:r>
-            <a:endParaRPr lang="en-US" altLang="zh-CN" dirty="0" smtClean="0"/>
-          </a:p>
-          <a:p>
-            <a:r>
-              <a:rPr lang="en-US" altLang="zh-CN" dirty="0" smtClean="0"/>
-              <a:t>3</a:t>
-            </a:r>
-            <a:r>
-              <a:rPr lang="zh-CN" altLang="en-US" dirty="0" smtClean="0"/>
-              <a:t>， 代码质量</a:t>
-            </a:r>
+              <a:rPr lang="en-US" dirty="0"/>
+              <a:t>https://</a:t>
+            </a:r>
+            <a:r>
+              <a:rPr lang="en-US" dirty="0" err="1"/>
+              <a:t>angular.cn</a:t>
+            </a:r>
+            <a:r>
+              <a:rPr lang="en-US" dirty="0"/>
+              <a:t>/tutorial</a:t>
+            </a:r>
+          </a:p>
+          <a:p>
             <a:endParaRPr lang="en-US" dirty="0"/>
           </a:p>
         </p:txBody>
@@ -16497,20 +16570,13 @@
     </p:spTree>
     <p:extLst>
       <p:ext uri="{BB962C8B-B14F-4D97-AF65-F5344CB8AC3E}">
-        <p14:creationId xmlns:p14="http://schemas.microsoft.com/office/powerpoint/2010/main" val="1801247794"/>
+        <p14:creationId xmlns:p14="http://schemas.microsoft.com/office/powerpoint/2010/main" val="1516572992"/>
       </p:ext>
     </p:extLst>
   </p:cSld>
   <p:clrMapOvr>
     <a:masterClrMapping/>
   </p:clrMapOvr>
-  <p:timing>
-    <p:tnLst>
-      <p:par>
-        <p:cTn id="1" dur="indefinite" restart="never" nodeType="tmRoot"/>
-      </p:par>
-    </p:tnLst>
-  </p:timing>
 </p:sld>
 </file>
 
@@ -16547,16 +16613,8 @@
           <a:lstStyle/>
           <a:p>
             <a:r>
-              <a:rPr lang="en-US" altLang="zh-CN" dirty="0" smtClean="0"/>
-              <a:t>Ant</a:t>
-            </a:r>
-            <a:r>
-              <a:rPr lang="zh-CN" altLang="en-US" dirty="0" smtClean="0"/>
-              <a:t> </a:t>
-            </a:r>
-            <a:r>
-              <a:rPr lang="en-US" altLang="zh-CN" dirty="0" smtClean="0"/>
-              <a:t>design Pro</a:t>
+              <a:rPr lang="zh-CN" altLang="en-US" dirty="0" smtClean="0"/>
+              <a:t>大作业</a:t>
             </a:r>
             <a:endParaRPr lang="en-US" dirty="0"/>
           </a:p>
@@ -16578,23 +16636,8 @@
           <a:lstStyle/>
           <a:p>
             <a:r>
-              <a:rPr lang="en-US" dirty="0">
-                <a:hlinkClick r:id="rId3"/>
-              </a:rPr>
-              <a:t>https://pro.ant.design</a:t>
-            </a:r>
-            <a:r>
-              <a:rPr lang="en-US" dirty="0" smtClean="0">
-                <a:hlinkClick r:id="rId3"/>
-              </a:rPr>
-              <a:t>/</a:t>
-            </a:r>
-            <a:endParaRPr lang="en-US" dirty="0" smtClean="0"/>
-          </a:p>
-          <a:p>
-            <a:r>
-              <a:rPr lang="zh-CN" altLang="en-US" dirty="0" smtClean="0"/>
-              <a:t>开箱即用的</a:t>
+              <a:rPr lang="zh-CN" altLang="en-US" dirty="0" smtClean="0"/>
+              <a:t>使用</a:t>
             </a:r>
             <a:r>
               <a:rPr lang="en-US" altLang="zh-CN" dirty="0" smtClean="0"/>
@@ -16602,22 +16645,203 @@
             </a:r>
             <a:r>
               <a:rPr lang="zh-CN" altLang="en-US" dirty="0" smtClean="0"/>
-              <a:t>中后台系统</a:t>
+              <a:t>或者</a:t>
+            </a:r>
+            <a:r>
+              <a:rPr lang="en-US" altLang="zh-CN" dirty="0" smtClean="0"/>
+              <a:t>Angular</a:t>
+            </a:r>
+            <a:r>
+              <a:rPr lang="zh-CN" altLang="en-US" dirty="0" smtClean="0"/>
+              <a:t> 实现一个类似</a:t>
+            </a:r>
+            <a:r>
+              <a:rPr lang="en-US" altLang="zh-CN" dirty="0" smtClean="0"/>
+              <a:t>Tinder</a:t>
+            </a:r>
+            <a:r>
+              <a:rPr lang="zh-CN" altLang="en-US" dirty="0" smtClean="0"/>
+              <a:t>的应用</a:t>
             </a:r>
             <a:endParaRPr lang="en-US" altLang="zh-CN" dirty="0" smtClean="0"/>
           </a:p>
           <a:p>
             <a:r>
               <a:rPr lang="zh-CN" altLang="en-US" dirty="0" smtClean="0"/>
-              <a:t>配套整套的开发环境和最佳实践</a:t>
+              <a:t>从</a:t>
+            </a:r>
+            <a:r>
+              <a:rPr lang="en-US" dirty="0" err="1" smtClean="0"/>
+              <a:t>randomuser.me</a:t>
+            </a:r>
+            <a:r>
+              <a:rPr lang="zh-CN" altLang="en-US" dirty="0" smtClean="0"/>
+              <a:t>上获取用户资料（</a:t>
+            </a:r>
+            <a:r>
+              <a:rPr lang="en-US" altLang="zh-CN" dirty="0" err="1" smtClean="0"/>
+              <a:t>firstname</a:t>
+            </a:r>
+            <a:r>
+              <a:rPr lang="zh-CN" altLang="en-US" dirty="0" smtClean="0"/>
+              <a:t>，</a:t>
+            </a:r>
+            <a:r>
+              <a:rPr lang="en-US" altLang="zh-CN" dirty="0" smtClean="0"/>
+              <a:t>age, avatar, address</a:t>
+            </a:r>
+            <a:r>
+              <a:rPr lang="zh-CN" altLang="en-US" dirty="0" smtClean="0"/>
+              <a:t>）</a:t>
             </a:r>
             <a:endParaRPr lang="en-US" altLang="zh-CN" dirty="0" smtClean="0"/>
           </a:p>
           <a:p>
             <a:r>
               <a:rPr lang="zh-CN" altLang="en-US" dirty="0" smtClean="0"/>
-              <a:t>阿里开发</a:t>
-            </a:r>
+              <a:t>两个</a:t>
+            </a:r>
+            <a:r>
+              <a:rPr lang="en-US" altLang="zh-CN" dirty="0" smtClean="0"/>
+              <a:t>View</a:t>
+            </a:r>
+            <a:r>
+              <a:rPr lang="zh-CN" altLang="en-US" dirty="0" smtClean="0"/>
+              <a:t>，一个</a:t>
+            </a:r>
+            <a:r>
+              <a:rPr lang="en-US" altLang="zh-CN" dirty="0" err="1" smtClean="0"/>
+              <a:t>ListView</a:t>
+            </a:r>
+            <a:r>
+              <a:rPr lang="zh-CN" altLang="en-US" dirty="0" smtClean="0"/>
+              <a:t>，一个</a:t>
+            </a:r>
+            <a:r>
+              <a:rPr lang="en-US" altLang="zh-CN" dirty="0" err="1" smtClean="0"/>
+              <a:t>DetailView</a:t>
+            </a:r>
+            <a:endParaRPr lang="en-US" altLang="zh-CN" dirty="0"/>
+          </a:p>
+          <a:p>
+            <a:r>
+              <a:rPr lang="zh-CN" altLang="en-US" dirty="0" smtClean="0"/>
+              <a:t>每次获取</a:t>
+            </a:r>
+            <a:r>
+              <a:rPr lang="en-US" altLang="zh-CN" dirty="0" smtClean="0"/>
+              <a:t>5</a:t>
+            </a:r>
+            <a:r>
+              <a:rPr lang="zh-CN" altLang="en-US" dirty="0" smtClean="0"/>
+              <a:t>张，点击加载更多时再加载</a:t>
+            </a:r>
+            <a:r>
+              <a:rPr lang="en-US" altLang="zh-CN" dirty="0" smtClean="0"/>
+              <a:t>5</a:t>
+            </a:r>
+            <a:r>
+              <a:rPr lang="zh-CN" altLang="en-US" dirty="0" smtClean="0"/>
+              <a:t>张</a:t>
+            </a:r>
+            <a:endParaRPr lang="en-US" altLang="zh-CN" dirty="0" smtClean="0"/>
+          </a:p>
+          <a:p>
+            <a:r>
+              <a:rPr lang="zh-CN" altLang="en-US" dirty="0" smtClean="0"/>
+              <a:t>添加到自己的</a:t>
+            </a:r>
+            <a:r>
+              <a:rPr lang="en-US" altLang="zh-CN" dirty="0" err="1" smtClean="0"/>
+              <a:t>FavList</a:t>
+            </a:r>
+            <a:r>
+              <a:rPr lang="zh-CN" altLang="en-US" dirty="0" smtClean="0"/>
+              <a:t>里面，也可以删除已存在的用户</a:t>
+            </a:r>
+            <a:endParaRPr lang="en-US" altLang="zh-CN" dirty="0" smtClean="0"/>
+          </a:p>
+          <a:p>
+            <a:r>
+              <a:rPr lang="zh-CN" altLang="en-US" dirty="0" smtClean="0"/>
+              <a:t>美化界面！！最好</a:t>
+            </a:r>
+            <a:r>
+              <a:rPr lang="zh-CN" altLang="en-US" smtClean="0"/>
+              <a:t>使用</a:t>
+            </a:r>
+            <a:r>
+              <a:rPr lang="en-US" altLang="zh-CN" smtClean="0"/>
+              <a:t>UI</a:t>
+            </a:r>
+            <a:r>
+              <a:rPr lang="zh-CN" altLang="en-US" smtClean="0"/>
+              <a:t>库</a:t>
+            </a:r>
+            <a:endParaRPr lang="en-US" altLang="zh-CN" dirty="0" smtClean="0"/>
+          </a:p>
+          <a:p>
+            <a:r>
+              <a:rPr lang="zh-CN" altLang="en-US" dirty="0" smtClean="0"/>
+              <a:t>将</a:t>
+            </a:r>
+            <a:r>
+              <a:rPr lang="zh-CN" altLang="en-US" dirty="0" smtClean="0"/>
+              <a:t>代码</a:t>
+            </a:r>
+            <a:r>
+              <a:rPr lang="en-US" altLang="zh-CN" dirty="0" smtClean="0"/>
+              <a:t>commit</a:t>
+            </a:r>
+            <a:r>
+              <a:rPr lang="zh-CN" altLang="en-US" dirty="0" smtClean="0"/>
+              <a:t>到自己的</a:t>
+            </a:r>
+            <a:r>
+              <a:rPr lang="en-US" altLang="zh-CN" dirty="0" err="1" smtClean="0"/>
+              <a:t>github</a:t>
+            </a:r>
+            <a:r>
+              <a:rPr lang="zh-CN" altLang="en-US" dirty="0" smtClean="0"/>
+              <a:t>上</a:t>
+            </a:r>
+            <a:endParaRPr lang="en-US" altLang="zh-CN" dirty="0" smtClean="0"/>
+          </a:p>
+          <a:p>
+            <a:r>
+              <a:rPr lang="zh-CN" altLang="en-US" dirty="0" smtClean="0"/>
+              <a:t>下节课准备一段简短的介绍</a:t>
+            </a:r>
+            <a:endParaRPr lang="en-US" altLang="zh-CN" dirty="0" smtClean="0"/>
+          </a:p>
+          <a:p>
+            <a:r>
+              <a:rPr lang="zh-CN" altLang="en-US" dirty="0" smtClean="0"/>
+              <a:t>不要</a:t>
+            </a:r>
+            <a:r>
+              <a:rPr lang="en-US" altLang="zh-CN" dirty="0" smtClean="0"/>
+              <a:t>commit</a:t>
+            </a:r>
+            <a:r>
+              <a:rPr lang="zh-CN" altLang="en-US" dirty="0" smtClean="0"/>
+              <a:t> </a:t>
+            </a:r>
+            <a:r>
+              <a:rPr lang="en-US" altLang="zh-CN" dirty="0" err="1" smtClean="0"/>
+              <a:t>Node_modules</a:t>
+            </a:r>
+            <a:r>
+              <a:rPr lang="en-US" altLang="zh-CN" dirty="0" smtClean="0"/>
+              <a:t> </a:t>
+            </a:r>
+            <a:r>
+              <a:rPr lang="zh-CN" altLang="en-US" dirty="0" smtClean="0"/>
+              <a:t>文件夹！</a:t>
+            </a:r>
+            <a:endParaRPr lang="en-US" altLang="zh-CN" dirty="0" smtClean="0"/>
+          </a:p>
+          <a:p>
             <a:endParaRPr lang="en-US" dirty="0"/>
           </a:p>
         </p:txBody>
@@ -16625,7 +16849,7 @@
     </p:spTree>
     <p:extLst>
       <p:ext uri="{BB962C8B-B14F-4D97-AF65-F5344CB8AC3E}">
-        <p14:creationId xmlns:p14="http://schemas.microsoft.com/office/powerpoint/2010/main" val="141927553"/>
+        <p14:creationId xmlns:p14="http://schemas.microsoft.com/office/powerpoint/2010/main" val="1759915627"/>
       </p:ext>
     </p:extLst>
   </p:cSld>
@@ -16676,7 +16900,7 @@
           <a:p>
             <a:r>
               <a:rPr lang="zh-CN" altLang="en-US" dirty="0" smtClean="0"/>
-              <a:t>求职辅导</a:t>
+              <a:t>作业讨论</a:t>
             </a:r>
             <a:endParaRPr lang="en-US" dirty="0"/>
           </a:p>
@@ -16697,71 +16921,44 @@
           <a:bodyPr/>
           <a:lstStyle/>
           <a:p>
-            <a:pPr lvl="0"/>
-            <a:r>
-              <a:rPr lang="zh-CN" altLang="en-US" dirty="0">
-                <a:effectLst/>
-              </a:rPr>
-              <a:t>电话面试辅导</a:t>
-            </a:r>
-            <a:endParaRPr lang="en-US" dirty="0">
-              <a:effectLst/>
-            </a:endParaRPr>
-          </a:p>
-          <a:p>
-            <a:pPr lvl="0"/>
-            <a:r>
-              <a:rPr lang="zh-CN" altLang="en-US" dirty="0">
-                <a:effectLst/>
-              </a:rPr>
-              <a:t>技术面试辅导</a:t>
-            </a:r>
-            <a:endParaRPr lang="en-US" dirty="0">
-              <a:effectLst/>
-            </a:endParaRPr>
-          </a:p>
-          <a:p>
-            <a:pPr lvl="0"/>
-            <a:r>
-              <a:rPr lang="en-US" dirty="0">
-                <a:effectLst/>
-              </a:rPr>
-              <a:t>Coding test</a:t>
-            </a:r>
-            <a:r>
-              <a:rPr lang="zh-CN" altLang="en-US" dirty="0">
-                <a:effectLst/>
-              </a:rPr>
-              <a:t>辅导</a:t>
-            </a:r>
-            <a:endParaRPr lang="en-US" dirty="0">
-              <a:effectLst/>
-            </a:endParaRPr>
-          </a:p>
-          <a:p>
-            <a:pPr lvl="0"/>
-            <a:r>
-              <a:rPr lang="zh-CN" altLang="en-US" dirty="0">
-                <a:effectLst/>
-              </a:rPr>
-              <a:t>简历</a:t>
-            </a:r>
-            <a:r>
-              <a:rPr lang="zh-CN" altLang="en-US" dirty="0" smtClean="0">
-                <a:effectLst/>
-              </a:rPr>
-              <a:t>修改</a:t>
-            </a:r>
-            <a:endParaRPr lang="en-US" dirty="0">
-              <a:effectLst/>
-            </a:endParaRPr>
+            <a:r>
+              <a:rPr lang="en-US" altLang="zh-CN" dirty="0" smtClean="0"/>
+              <a:t>1</a:t>
+            </a:r>
+            <a:r>
+              <a:rPr lang="zh-CN" altLang="en-US" dirty="0" smtClean="0"/>
+              <a:t>， 代码组织结构</a:t>
+            </a:r>
+            <a:endParaRPr lang="en-US" altLang="zh-CN" dirty="0" smtClean="0"/>
+          </a:p>
+          <a:p>
+            <a:r>
+              <a:rPr lang="en-US" altLang="zh-CN" dirty="0" smtClean="0"/>
+              <a:t>2</a:t>
+            </a:r>
+            <a:r>
+              <a:rPr lang="zh-CN" altLang="en-US" dirty="0" smtClean="0"/>
+              <a:t>， 命名规则</a:t>
+            </a:r>
+            <a:endParaRPr lang="en-US" altLang="zh-CN" dirty="0" smtClean="0"/>
+          </a:p>
+          <a:p>
+            <a:r>
+              <a:rPr lang="en-US" altLang="zh-CN" dirty="0" smtClean="0"/>
+              <a:t>3</a:t>
+            </a:r>
+            <a:r>
+              <a:rPr lang="zh-CN" altLang="en-US" dirty="0" smtClean="0"/>
+              <a:t>， 代码质量</a:t>
+            </a:r>
+            <a:endParaRPr lang="en-US" dirty="0"/>
           </a:p>
         </p:txBody>
       </p:sp>
     </p:spTree>
     <p:extLst>
       <p:ext uri="{BB962C8B-B14F-4D97-AF65-F5344CB8AC3E}">
-        <p14:creationId xmlns:p14="http://schemas.microsoft.com/office/powerpoint/2010/main" val="361378919"/>
+        <p14:creationId xmlns:p14="http://schemas.microsoft.com/office/powerpoint/2010/main" val="1801247794"/>
       </p:ext>
     </p:extLst>
   </p:cSld>
@@ -16811,8 +17008,16 @@
           <a:lstStyle/>
           <a:p>
             <a:r>
-              <a:rPr lang="zh-CN" altLang="en-US" dirty="0" smtClean="0"/>
-              <a:t>电话面试</a:t>
+              <a:rPr lang="en-US" altLang="zh-CN" dirty="0" smtClean="0"/>
+              <a:t>Ant</a:t>
+            </a:r>
+            <a:r>
+              <a:rPr lang="zh-CN" altLang="en-US" dirty="0" smtClean="0"/>
+              <a:t> </a:t>
+            </a:r>
+            <a:r>
+              <a:rPr lang="en-US" altLang="zh-CN" dirty="0" smtClean="0"/>
+              <a:t>design Pro</a:t>
             </a:r>
             <a:endParaRPr lang="en-US" dirty="0"/>
           </a:p>
@@ -16834,30 +17039,45 @@
           <a:lstStyle/>
           <a:p>
             <a:r>
+              <a:rPr lang="en-US" dirty="0">
+                <a:hlinkClick r:id="rId3"/>
+              </a:rPr>
+              <a:t>https://pro.ant.design</a:t>
+            </a:r>
+            <a:r>
+              <a:rPr lang="en-US" dirty="0" smtClean="0">
+                <a:hlinkClick r:id="rId3"/>
+              </a:rPr>
+              <a:t>/</a:t>
+            </a:r>
+            <a:endParaRPr lang="en-US" dirty="0" smtClean="0"/>
+          </a:p>
+          <a:p>
+            <a:r>
+              <a:rPr lang="zh-CN" altLang="en-US" dirty="0" smtClean="0"/>
+              <a:t>开箱即用的</a:t>
+            </a:r>
+            <a:r>
               <a:rPr lang="en-US" altLang="zh-CN" dirty="0" smtClean="0"/>
-              <a:t>HR</a:t>
-            </a:r>
-            <a:r>
-              <a:rPr lang="zh-CN" altLang="en-US" dirty="0" smtClean="0"/>
-              <a:t>筛选简历的环节</a:t>
+              <a:t>React</a:t>
+            </a:r>
+            <a:r>
+              <a:rPr lang="zh-CN" altLang="en-US" dirty="0" smtClean="0"/>
+              <a:t>中后台系统</a:t>
             </a:r>
             <a:endParaRPr lang="en-US" altLang="zh-CN" dirty="0" smtClean="0"/>
           </a:p>
           <a:p>
             <a:r>
-              <a:rPr lang="en-US" altLang="zh-CN" dirty="0" err="1" smtClean="0"/>
-              <a:t>Hr</a:t>
-            </a:r>
-            <a:r>
-              <a:rPr lang="zh-CN" altLang="en-US" dirty="0" smtClean="0"/>
-              <a:t>基本什么也不懂</a:t>
+              <a:rPr lang="zh-CN" altLang="en-US" dirty="0" smtClean="0"/>
+              <a:t>配套整套的开发环境和最佳实践</a:t>
             </a:r>
             <a:endParaRPr lang="en-US" altLang="zh-CN" dirty="0" smtClean="0"/>
           </a:p>
           <a:p>
             <a:r>
               <a:rPr lang="zh-CN" altLang="en-US" dirty="0" smtClean="0"/>
-              <a:t>适当夸大</a:t>
+              <a:t>阿里开发</a:t>
             </a:r>
             <a:endParaRPr lang="en-US" dirty="0"/>
           </a:p>
@@ -16866,7 +17086,7 @@
     </p:spTree>
     <p:extLst>
       <p:ext uri="{BB962C8B-B14F-4D97-AF65-F5344CB8AC3E}">
-        <p14:creationId xmlns:p14="http://schemas.microsoft.com/office/powerpoint/2010/main" val="545071430"/>
+        <p14:creationId xmlns:p14="http://schemas.microsoft.com/office/powerpoint/2010/main" val="141927553"/>
       </p:ext>
     </p:extLst>
   </p:cSld>
@@ -17075,7 +17295,7 @@
           <a:p>
             <a:r>
               <a:rPr lang="zh-CN" altLang="en-US" dirty="0" smtClean="0"/>
-              <a:t>技术面试</a:t>
+              <a:t>求职辅导</a:t>
             </a:r>
             <a:endParaRPr lang="en-US" dirty="0"/>
           </a:p>
@@ -17096,59 +17316,71 @@
           <a:bodyPr/>
           <a:lstStyle/>
           <a:p>
-            <a:r>
-              <a:rPr lang="en-US" altLang="zh-CN" dirty="0" smtClean="0"/>
-              <a:t>1</a:t>
-            </a:r>
-            <a:r>
-              <a:rPr lang="zh-CN" altLang="en-US" dirty="0" smtClean="0"/>
-              <a:t>， 反应要迅速</a:t>
-            </a:r>
-            <a:endParaRPr lang="en-US" altLang="zh-CN" dirty="0" smtClean="0"/>
-          </a:p>
-          <a:p>
-            <a:r>
-              <a:rPr lang="en-US" altLang="zh-CN" dirty="0" smtClean="0"/>
-              <a:t>2</a:t>
-            </a:r>
-            <a:r>
-              <a:rPr lang="zh-CN" altLang="en-US" dirty="0" smtClean="0"/>
-              <a:t>， 不会的问题要大胆承认，但是可以根据自己的见解说一下</a:t>
-            </a:r>
-            <a:endParaRPr lang="en-US" altLang="zh-CN" dirty="0" smtClean="0"/>
-          </a:p>
-          <a:p>
-            <a:r>
-              <a:rPr lang="en-US" altLang="zh-CN" dirty="0" smtClean="0"/>
-              <a:t>3</a:t>
-            </a:r>
-            <a:r>
-              <a:rPr lang="zh-CN" altLang="en-US" dirty="0" smtClean="0"/>
-              <a:t>， 基础知识最重要</a:t>
-            </a:r>
-            <a:endParaRPr lang="en-US" altLang="zh-CN" dirty="0" smtClean="0"/>
-          </a:p>
-          <a:p>
-            <a:r>
-              <a:rPr lang="en-US" altLang="zh-CN" dirty="0" smtClean="0"/>
-              <a:t>4</a:t>
-            </a:r>
-            <a:r>
-              <a:rPr lang="zh-CN" altLang="en-US" dirty="0" smtClean="0"/>
-              <a:t>， 刷</a:t>
-            </a:r>
-            <a:r>
-              <a:rPr lang="en-US" altLang="zh-CN" dirty="0" err="1" smtClean="0"/>
-              <a:t>Leetcode</a:t>
-            </a:r>
-            <a:endParaRPr lang="en-US" dirty="0"/>
+            <a:pPr lvl="0"/>
+            <a:r>
+              <a:rPr lang="zh-CN" altLang="en-US" dirty="0">
+                <a:effectLst/>
+              </a:rPr>
+              <a:t>电话面试辅导</a:t>
+            </a:r>
+            <a:endParaRPr lang="en-US" dirty="0">
+              <a:effectLst/>
+            </a:endParaRPr>
+          </a:p>
+          <a:p>
+            <a:pPr lvl="0"/>
+            <a:r>
+              <a:rPr lang="zh-CN" altLang="en-US" dirty="0">
+                <a:effectLst/>
+              </a:rPr>
+              <a:t>技术面试辅导</a:t>
+            </a:r>
+            <a:endParaRPr lang="en-US" dirty="0">
+              <a:effectLst/>
+            </a:endParaRPr>
+          </a:p>
+          <a:p>
+            <a:pPr lvl="0"/>
+            <a:r>
+              <a:rPr lang="en-US" dirty="0">
+                <a:effectLst/>
+              </a:rPr>
+              <a:t>Coding test</a:t>
+            </a:r>
+            <a:r>
+              <a:rPr lang="zh-CN" altLang="en-US" dirty="0">
+                <a:effectLst/>
+              </a:rPr>
+              <a:t>辅导</a:t>
+            </a:r>
+            <a:endParaRPr lang="en-US" dirty="0">
+              <a:effectLst/>
+            </a:endParaRPr>
+          </a:p>
+          <a:p>
+            <a:pPr lvl="0"/>
+            <a:r>
+              <a:rPr lang="zh-CN" altLang="en-US" dirty="0">
+                <a:effectLst/>
+              </a:rPr>
+              <a:t>简历</a:t>
+            </a:r>
+            <a:r>
+              <a:rPr lang="zh-CN" altLang="en-US" dirty="0" smtClean="0">
+                <a:effectLst/>
+              </a:rPr>
+              <a:t>修改</a:t>
+            </a:r>
+            <a:endParaRPr lang="en-US" dirty="0">
+              <a:effectLst/>
+            </a:endParaRPr>
           </a:p>
         </p:txBody>
       </p:sp>
     </p:spTree>
     <p:extLst>
       <p:ext uri="{BB962C8B-B14F-4D97-AF65-F5344CB8AC3E}">
-        <p14:creationId xmlns:p14="http://schemas.microsoft.com/office/powerpoint/2010/main" val="1408298898"/>
+        <p14:creationId xmlns:p14="http://schemas.microsoft.com/office/powerpoint/2010/main" val="361378919"/>
       </p:ext>
     </p:extLst>
   </p:cSld>
@@ -17198,6 +17430,235 @@
           <a:lstStyle/>
           <a:p>
             <a:r>
+              <a:rPr lang="zh-CN" altLang="en-US" dirty="0" smtClean="0"/>
+              <a:t>电话面试</a:t>
+            </a:r>
+            <a:endParaRPr lang="en-US" dirty="0"/>
+          </a:p>
+        </p:txBody>
+      </p:sp>
+      <p:sp>
+        <p:nvSpPr>
+          <p:cNvPr id="3" name="Content Placeholder 2"/>
+          <p:cNvSpPr>
+            <a:spLocks noGrp="1"/>
+          </p:cNvSpPr>
+          <p:nvPr>
+            <p:ph idx="1"/>
+          </p:nvPr>
+        </p:nvSpPr>
+        <p:spPr/>
+        <p:txBody>
+          <a:bodyPr/>
+          <a:lstStyle/>
+          <a:p>
+            <a:r>
+              <a:rPr lang="en-US" altLang="zh-CN" dirty="0" smtClean="0"/>
+              <a:t>HR</a:t>
+            </a:r>
+            <a:r>
+              <a:rPr lang="zh-CN" altLang="en-US" dirty="0" smtClean="0"/>
+              <a:t>筛选简历的环节</a:t>
+            </a:r>
+            <a:endParaRPr lang="en-US" altLang="zh-CN" dirty="0" smtClean="0"/>
+          </a:p>
+          <a:p>
+            <a:r>
+              <a:rPr lang="en-US" altLang="zh-CN" dirty="0" err="1" smtClean="0"/>
+              <a:t>Hr</a:t>
+            </a:r>
+            <a:r>
+              <a:rPr lang="zh-CN" altLang="en-US" dirty="0" smtClean="0"/>
+              <a:t>基本什么也不懂</a:t>
+            </a:r>
+            <a:endParaRPr lang="en-US" altLang="zh-CN" dirty="0" smtClean="0"/>
+          </a:p>
+          <a:p>
+            <a:r>
+              <a:rPr lang="zh-CN" altLang="en-US" dirty="0" smtClean="0"/>
+              <a:t>适当夸大</a:t>
+            </a:r>
+            <a:endParaRPr lang="en-US" dirty="0"/>
+          </a:p>
+        </p:txBody>
+      </p:sp>
+    </p:spTree>
+    <p:extLst>
+      <p:ext uri="{BB962C8B-B14F-4D97-AF65-F5344CB8AC3E}">
+        <p14:creationId xmlns:p14="http://schemas.microsoft.com/office/powerpoint/2010/main" val="545071430"/>
+      </p:ext>
+    </p:extLst>
+  </p:cSld>
+  <p:clrMapOvr>
+    <a:masterClrMapping/>
+  </p:clrMapOvr>
+  <p:timing>
+    <p:tnLst>
+      <p:par>
+        <p:cTn id="1" dur="indefinite" restart="never" nodeType="tmRoot"/>
+      </p:par>
+    </p:tnLst>
+  </p:timing>
+</p:sld>
+</file>
+
+<file path=ppt/slides/slide62.xml><?xml version="1.0" encoding="utf-8"?>
+<p:sld xmlns:a="http://schemas.openxmlformats.org/drawingml/2006/main" xmlns:r="http://schemas.openxmlformats.org/officeDocument/2006/relationships" xmlns:p="http://schemas.openxmlformats.org/presentationml/2006/main">
+  <p:cSld>
+    <p:spTree>
+      <p:nvGrpSpPr>
+        <p:cNvPr id="1" name=""/>
+        <p:cNvGrpSpPr/>
+        <p:nvPr/>
+      </p:nvGrpSpPr>
+      <p:grpSpPr>
+        <a:xfrm>
+          <a:off x="0" y="0"/>
+          <a:ext cx="0" cy="0"/>
+          <a:chOff x="0" y="0"/>
+          <a:chExt cx="0" cy="0"/>
+        </a:xfrm>
+      </p:grpSpPr>
+      <p:sp>
+        <p:nvSpPr>
+          <p:cNvPr id="2" name="Title 1"/>
+          <p:cNvSpPr>
+            <a:spLocks noGrp="1"/>
+          </p:cNvSpPr>
+          <p:nvPr>
+            <p:ph type="title"/>
+          </p:nvPr>
+        </p:nvSpPr>
+        <p:spPr/>
+        <p:txBody>
+          <a:bodyPr/>
+          <a:lstStyle/>
+          <a:p>
+            <a:r>
+              <a:rPr lang="zh-CN" altLang="en-US" dirty="0" smtClean="0"/>
+              <a:t>技术面试</a:t>
+            </a:r>
+            <a:endParaRPr lang="en-US" dirty="0"/>
+          </a:p>
+        </p:txBody>
+      </p:sp>
+      <p:sp>
+        <p:nvSpPr>
+          <p:cNvPr id="3" name="Content Placeholder 2"/>
+          <p:cNvSpPr>
+            <a:spLocks noGrp="1"/>
+          </p:cNvSpPr>
+          <p:nvPr>
+            <p:ph idx="1"/>
+          </p:nvPr>
+        </p:nvSpPr>
+        <p:spPr/>
+        <p:txBody>
+          <a:bodyPr/>
+          <a:lstStyle/>
+          <a:p>
+            <a:r>
+              <a:rPr lang="en-US" altLang="zh-CN" dirty="0" smtClean="0"/>
+              <a:t>1</a:t>
+            </a:r>
+            <a:r>
+              <a:rPr lang="zh-CN" altLang="en-US" dirty="0" smtClean="0"/>
+              <a:t>， 反应要迅速</a:t>
+            </a:r>
+            <a:endParaRPr lang="en-US" altLang="zh-CN" dirty="0" smtClean="0"/>
+          </a:p>
+          <a:p>
+            <a:r>
+              <a:rPr lang="en-US" altLang="zh-CN" dirty="0" smtClean="0"/>
+              <a:t>2</a:t>
+            </a:r>
+            <a:r>
+              <a:rPr lang="zh-CN" altLang="en-US" dirty="0" smtClean="0"/>
+              <a:t>， 不会的问题要大胆承认，但是可以根据自己的见解说一下</a:t>
+            </a:r>
+            <a:endParaRPr lang="en-US" altLang="zh-CN" dirty="0" smtClean="0"/>
+          </a:p>
+          <a:p>
+            <a:r>
+              <a:rPr lang="en-US" altLang="zh-CN" dirty="0" smtClean="0"/>
+              <a:t>3</a:t>
+            </a:r>
+            <a:r>
+              <a:rPr lang="zh-CN" altLang="en-US" dirty="0" smtClean="0"/>
+              <a:t>， 基础知识最重要</a:t>
+            </a:r>
+            <a:endParaRPr lang="en-US" altLang="zh-CN" dirty="0" smtClean="0"/>
+          </a:p>
+          <a:p>
+            <a:r>
+              <a:rPr lang="en-US" altLang="zh-CN" dirty="0" smtClean="0"/>
+              <a:t>4</a:t>
+            </a:r>
+            <a:r>
+              <a:rPr lang="zh-CN" altLang="en-US" dirty="0" smtClean="0"/>
+              <a:t>， 刷</a:t>
+            </a:r>
+            <a:r>
+              <a:rPr lang="en-US" altLang="zh-CN" dirty="0" err="1" smtClean="0"/>
+              <a:t>Leetcode</a:t>
+            </a:r>
+            <a:endParaRPr lang="en-US" dirty="0"/>
+          </a:p>
+        </p:txBody>
+      </p:sp>
+    </p:spTree>
+    <p:extLst>
+      <p:ext uri="{BB962C8B-B14F-4D97-AF65-F5344CB8AC3E}">
+        <p14:creationId xmlns:p14="http://schemas.microsoft.com/office/powerpoint/2010/main" val="1408298898"/>
+      </p:ext>
+    </p:extLst>
+  </p:cSld>
+  <p:clrMapOvr>
+    <a:masterClrMapping/>
+  </p:clrMapOvr>
+  <p:timing>
+    <p:tnLst>
+      <p:par>
+        <p:cTn id="1" dur="indefinite" restart="never" nodeType="tmRoot"/>
+      </p:par>
+    </p:tnLst>
+  </p:timing>
+</p:sld>
+</file>
+
+<file path=ppt/slides/slide63.xml><?xml version="1.0" encoding="utf-8"?>
+<p:sld xmlns:a="http://schemas.openxmlformats.org/drawingml/2006/main" xmlns:r="http://schemas.openxmlformats.org/officeDocument/2006/relationships" xmlns:p="http://schemas.openxmlformats.org/presentationml/2006/main">
+  <p:cSld>
+    <p:spTree>
+      <p:nvGrpSpPr>
+        <p:cNvPr id="1" name=""/>
+        <p:cNvGrpSpPr/>
+        <p:nvPr/>
+      </p:nvGrpSpPr>
+      <p:grpSpPr>
+        <a:xfrm>
+          <a:off x="0" y="0"/>
+          <a:ext cx="0" cy="0"/>
+          <a:chOff x="0" y="0"/>
+          <a:chExt cx="0" cy="0"/>
+        </a:xfrm>
+      </p:grpSpPr>
+      <p:sp>
+        <p:nvSpPr>
+          <p:cNvPr id="2" name="Title 1"/>
+          <p:cNvSpPr>
+            <a:spLocks noGrp="1"/>
+          </p:cNvSpPr>
+          <p:nvPr>
+            <p:ph type="title"/>
+          </p:nvPr>
+        </p:nvSpPr>
+        <p:spPr/>
+        <p:txBody>
+          <a:bodyPr/>
+          <a:lstStyle/>
+          <a:p>
+            <a:r>
               <a:rPr lang="en-US" altLang="zh-CN" dirty="0" smtClean="0"/>
               <a:t>Coding</a:t>
             </a:r>
@@ -17313,7 +17774,7 @@
 </p:sld>
 </file>
 
-<file path=ppt/slides/slide62.xml><?xml version="1.0" encoding="utf-8"?>
+<file path=ppt/slides/slide64.xml><?xml version="1.0" encoding="utf-8"?>
 <p:sld xmlns:a="http://schemas.openxmlformats.org/drawingml/2006/main" xmlns:r="http://schemas.openxmlformats.org/officeDocument/2006/relationships" xmlns:p="http://schemas.openxmlformats.org/presentationml/2006/main">
   <p:cSld>
     <p:spTree>

--- a/前端课程.pptx
+++ b/前端课程.pptx
@@ -335,7 +335,7 @@
           <a:p>
             <a:fld id="{A75DC609-2A5E-994A-AEB9-E13728C46CDD}" type="datetimeFigureOut">
               <a:rPr lang="en-US" smtClean="0"/>
-              <a:t>7/21/18</a:t>
+              <a:t>7/22/18</a:t>
             </a:fld>
             <a:endParaRPr lang="en-US"/>
           </a:p>
@@ -2743,7 +2743,6 @@
               <a:rPr lang="en-US" altLang="zh-CN" dirty="0" smtClean="0"/>
               <a:t>/p/9d89e6ee5e0c</a:t>
             </a:r>
-            <a:endParaRPr lang="en-US" altLang="zh-CN" dirty="0" smtClean="0"/>
           </a:p>
           <a:p>
             <a:pPr marL="228600" indent="-228600">
@@ -4730,7 +4729,7 @@
             <a:fld id="{B61BEF0D-F0BB-DE4B-95CE-6DB70DBA9567}" type="datetimeFigureOut">
               <a:rPr lang="en-US" smtClean="0"/>
               <a:pPr/>
-              <a:t>7/21/18</a:t>
+              <a:t>7/22/18</a:t>
             </a:fld>
             <a:endParaRPr lang="en-US" dirty="0"/>
           </a:p>
@@ -5004,7 +5003,7 @@
             <a:fld id="{B61BEF0D-F0BB-DE4B-95CE-6DB70DBA9567}" type="datetimeFigureOut">
               <a:rPr lang="en-US" smtClean="0"/>
               <a:pPr/>
-              <a:t>7/21/18</a:t>
+              <a:t>7/22/18</a:t>
             </a:fld>
             <a:endParaRPr lang="en-US" dirty="0"/>
           </a:p>
@@ -5237,7 +5236,7 @@
             <a:fld id="{B61BEF0D-F0BB-DE4B-95CE-6DB70DBA9567}" type="datetimeFigureOut">
               <a:rPr lang="en-US" smtClean="0"/>
               <a:pPr/>
-              <a:t>7/21/18</a:t>
+              <a:t>7/22/18</a:t>
             </a:fld>
             <a:endParaRPr lang="en-US" dirty="0"/>
           </a:p>
@@ -5549,7 +5548,7 @@
             <a:fld id="{B61BEF0D-F0BB-DE4B-95CE-6DB70DBA9567}" type="datetimeFigureOut">
               <a:rPr lang="en-US" smtClean="0"/>
               <a:pPr/>
-              <a:t>7/21/18</a:t>
+              <a:t>7/22/18</a:t>
             </a:fld>
             <a:endParaRPr lang="en-US" dirty="0"/>
           </a:p>
@@ -6024,7 +6023,7 @@
             <a:fld id="{B61BEF0D-F0BB-DE4B-95CE-6DB70DBA9567}" type="datetimeFigureOut">
               <a:rPr lang="en-US" smtClean="0"/>
               <a:pPr/>
-              <a:t>7/21/18</a:t>
+              <a:t>7/22/18</a:t>
             </a:fld>
             <a:endParaRPr lang="en-US" dirty="0"/>
           </a:p>
@@ -6573,7 +6572,7 @@
             <a:fld id="{B61BEF0D-F0BB-DE4B-95CE-6DB70DBA9567}" type="datetimeFigureOut">
               <a:rPr lang="en-US" smtClean="0"/>
               <a:pPr/>
-              <a:t>7/21/18</a:t>
+              <a:t>7/22/18</a:t>
             </a:fld>
             <a:endParaRPr lang="en-US" dirty="0"/>
           </a:p>
@@ -7349,7 +7348,7 @@
             <a:fld id="{B61BEF0D-F0BB-DE4B-95CE-6DB70DBA9567}" type="datetimeFigureOut">
               <a:rPr lang="en-US" smtClean="0"/>
               <a:pPr/>
-              <a:t>7/21/18</a:t>
+              <a:t>7/22/18</a:t>
             </a:fld>
             <a:endParaRPr lang="en-US" dirty="0"/>
           </a:p>
@@ -7526,7 +7525,7 @@
             <a:fld id="{B61BEF0D-F0BB-DE4B-95CE-6DB70DBA9567}" type="datetimeFigureOut">
               <a:rPr lang="en-US" smtClean="0"/>
               <a:pPr/>
-              <a:t>7/21/18</a:t>
+              <a:t>7/22/18</a:t>
             </a:fld>
             <a:endParaRPr lang="en-US" dirty="0"/>
           </a:p>
@@ -7751,7 +7750,7 @@
             <a:fld id="{B61BEF0D-F0BB-DE4B-95CE-6DB70DBA9567}" type="datetimeFigureOut">
               <a:rPr lang="en-US" smtClean="0"/>
               <a:pPr/>
-              <a:t>7/21/18</a:t>
+              <a:t>7/22/18</a:t>
             </a:fld>
             <a:endParaRPr lang="en-US" dirty="0"/>
           </a:p>
@@ -7938,7 +7937,7 @@
             <a:fld id="{B61BEF0D-F0BB-DE4B-95CE-6DB70DBA9567}" type="datetimeFigureOut">
               <a:rPr lang="en-US" smtClean="0"/>
               <a:pPr/>
-              <a:t>7/21/18</a:t>
+              <a:t>7/22/18</a:t>
             </a:fld>
             <a:endParaRPr lang="en-US" dirty="0"/>
           </a:p>
@@ -8229,7 +8228,7 @@
             <a:fld id="{B61BEF0D-F0BB-DE4B-95CE-6DB70DBA9567}" type="datetimeFigureOut">
               <a:rPr lang="en-US" smtClean="0"/>
               <a:pPr/>
-              <a:t>7/21/18</a:t>
+              <a:t>7/22/18</a:t>
             </a:fld>
             <a:endParaRPr lang="en-US" dirty="0"/>
           </a:p>
@@ -8478,7 +8477,7 @@
             <a:fld id="{B61BEF0D-F0BB-DE4B-95CE-6DB70DBA9567}" type="datetimeFigureOut">
               <a:rPr lang="en-US" smtClean="0"/>
               <a:pPr/>
-              <a:t>7/21/18</a:t>
+              <a:t>7/22/18</a:t>
             </a:fld>
             <a:endParaRPr lang="en-US" dirty="0"/>
           </a:p>
@@ -8864,7 +8863,7 @@
             <a:fld id="{B61BEF0D-F0BB-DE4B-95CE-6DB70DBA9567}" type="datetimeFigureOut">
               <a:rPr lang="en-US" smtClean="0"/>
               <a:pPr/>
-              <a:t>7/21/18</a:t>
+              <a:t>7/22/18</a:t>
             </a:fld>
             <a:endParaRPr lang="en-US" dirty="0"/>
           </a:p>
@@ -8989,7 +8988,7 @@
             <a:fld id="{B61BEF0D-F0BB-DE4B-95CE-6DB70DBA9567}" type="datetimeFigureOut">
               <a:rPr lang="en-US" smtClean="0"/>
               <a:pPr/>
-              <a:t>7/21/18</a:t>
+              <a:t>7/22/18</a:t>
             </a:fld>
             <a:endParaRPr lang="en-US" dirty="0"/>
           </a:p>
@@ -9086,7 +9085,7 @@
             <a:fld id="{B61BEF0D-F0BB-DE4B-95CE-6DB70DBA9567}" type="datetimeFigureOut">
               <a:rPr lang="en-US" smtClean="0"/>
               <a:pPr/>
-              <a:t>7/21/18</a:t>
+              <a:t>7/22/18</a:t>
             </a:fld>
             <a:endParaRPr lang="en-US" dirty="0"/>
           </a:p>
@@ -9342,7 +9341,7 @@
             <a:fld id="{B61BEF0D-F0BB-DE4B-95CE-6DB70DBA9567}" type="datetimeFigureOut">
               <a:rPr lang="en-US" smtClean="0"/>
               <a:pPr/>
-              <a:t>7/21/18</a:t>
+              <a:t>7/22/18</a:t>
             </a:fld>
             <a:endParaRPr lang="en-US" dirty="0"/>
           </a:p>
@@ -9606,7 +9605,7 @@
             <a:fld id="{B61BEF0D-F0BB-DE4B-95CE-6DB70DBA9567}" type="datetimeFigureOut">
               <a:rPr lang="en-US" smtClean="0"/>
               <a:pPr/>
-              <a:t>7/21/18</a:t>
+              <a:t>7/22/18</a:t>
             </a:fld>
             <a:endParaRPr lang="en-US" dirty="0"/>
           </a:p>
@@ -9851,7 +9850,7 @@
             <a:fld id="{B61BEF0D-F0BB-DE4B-95CE-6DB70DBA9567}" type="datetimeFigureOut">
               <a:rPr lang="en-US" smtClean="0"/>
               <a:pPr/>
-              <a:t>7/21/18</a:t>
+              <a:t>7/22/18</a:t>
             </a:fld>
             <a:endParaRPr lang="en-US" dirty="0"/>
           </a:p>
@@ -14596,6 +14595,13 @@
   <p:clrMapOvr>
     <a:masterClrMapping/>
   </p:clrMapOvr>
+  <p:timing>
+    <p:tnLst>
+      <p:par>
+        <p:cTn id="1" dur="indefinite" restart="never" nodeType="tmRoot"/>
+      </p:par>
+    </p:tnLst>
+  </p:timing>
 </p:sld>
 </file>
 
@@ -14891,7 +14897,6 @@
               <a:rPr lang="en-US" altLang="zh-CN" dirty="0" smtClean="0"/>
               <a:t>)</a:t>
             </a:r>
-            <a:endParaRPr lang="en-US" altLang="zh-CN" dirty="0" smtClean="0"/>
           </a:p>
           <a:p>
             <a:pPr marL="457200" indent="-457200">
@@ -15082,6 +15087,13 @@
   <p:clrMapOvr>
     <a:masterClrMapping/>
   </p:clrMapOvr>
+  <p:timing>
+    <p:tnLst>
+      <p:par>
+        <p:cTn id="1" dur="indefinite" restart="never" nodeType="tmRoot"/>
+      </p:par>
+    </p:tnLst>
+  </p:timing>
 </p:sld>
 </file>
 
@@ -15303,6 +15315,10 @@
           <a:lstStyle/>
           <a:p>
             <a:r>
+              <a:rPr lang="zh-CN" altLang="en-US" dirty="0" smtClean="0"/>
+              <a:t>小作业：</a:t>
+            </a:r>
+            <a:r>
               <a:rPr lang="en-US" altLang="zh-CN" dirty="0" err="1" smtClean="0"/>
               <a:t>AngularJS</a:t>
             </a:r>
@@ -16783,11 +16799,7 @@
           <a:p>
             <a:r>
               <a:rPr lang="zh-CN" altLang="en-US" dirty="0" smtClean="0"/>
-              <a:t>将</a:t>
-            </a:r>
-            <a:r>
-              <a:rPr lang="zh-CN" altLang="en-US" dirty="0" smtClean="0"/>
-              <a:t>代码</a:t>
+              <a:t>将代码</a:t>
             </a:r>
             <a:r>
               <a:rPr lang="en-US" altLang="zh-CN" dirty="0" smtClean="0"/>

--- a/前端课程.pptx
+++ b/前端课程.pptx
@@ -335,7 +335,7 @@
           <a:p>
             <a:fld id="{A75DC609-2A5E-994A-AEB9-E13728C46CDD}" type="datetimeFigureOut">
               <a:rPr lang="en-US" smtClean="0"/>
-              <a:t>7/22/18</a:t>
+              <a:t>7/27/18</a:t>
             </a:fld>
             <a:endParaRPr lang="en-US"/>
           </a:p>
@@ -3246,7 +3246,25 @@
           <a:p>
             <a:r>
               <a:rPr lang="en-US" dirty="0" smtClean="0"/>
-              <a:t>http://</a:t>
+              <a:t>https://</a:t>
+            </a:r>
+            <a:r>
+              <a:rPr lang="en-US" dirty="0" err="1" smtClean="0"/>
+              <a:t>zhongsp.gitbooks.io</a:t>
+            </a:r>
+            <a:r>
+              <a:rPr lang="en-US" dirty="0" smtClean="0"/>
+              <a:t>/typescript-handbook/</a:t>
+            </a:r>
+          </a:p>
+          <a:p>
+            <a:r>
+              <a:rPr lang="en-US" dirty="0" smtClean="0"/>
+              <a:t>http</a:t>
+            </a:r>
+            <a:r>
+              <a:rPr lang="en-US" dirty="0" smtClean="0"/>
+              <a:t>://</a:t>
             </a:r>
             <a:r>
               <a:rPr lang="en-US" dirty="0" err="1" smtClean="0"/>
@@ -3599,7 +3617,7 @@
           <a:p>
             <a:fld id="{3A8071CD-55D8-0E40-9E87-5F5ADA6DF007}" type="slidenum">
               <a:rPr lang="en-US" smtClean="0"/>
-              <a:t>56</a:t>
+              <a:t>55</a:t>
             </a:fld>
             <a:endParaRPr lang="en-US"/>
           </a:p>
@@ -3608,7 +3626,7 @@
     </p:spTree>
     <p:extLst>
       <p:ext uri="{BB962C8B-B14F-4D97-AF65-F5344CB8AC3E}">
-        <p14:creationId xmlns:p14="http://schemas.microsoft.com/office/powerpoint/2010/main" val="1547042826"/>
+        <p14:creationId xmlns:p14="http://schemas.microsoft.com/office/powerpoint/2010/main" val="222204639"/>
       </p:ext>
     </p:extLst>
   </p:cSld>
@@ -3683,7 +3701,7 @@
           <a:p>
             <a:fld id="{3A8071CD-55D8-0E40-9E87-5F5ADA6DF007}" type="slidenum">
               <a:rPr lang="en-US" smtClean="0"/>
-              <a:t>57</a:t>
+              <a:t>56</a:t>
             </a:fld>
             <a:endParaRPr lang="en-US"/>
           </a:p>
@@ -3692,7 +3710,7 @@
     </p:spTree>
     <p:extLst>
       <p:ext uri="{BB962C8B-B14F-4D97-AF65-F5344CB8AC3E}">
-        <p14:creationId xmlns:p14="http://schemas.microsoft.com/office/powerpoint/2010/main" val="800191084"/>
+        <p14:creationId xmlns:p14="http://schemas.microsoft.com/office/powerpoint/2010/main" val="1547042826"/>
       </p:ext>
     </p:extLst>
   </p:cSld>
@@ -3746,6 +3764,90 @@
           <a:bodyPr/>
           <a:lstStyle/>
           <a:p>
+            <a:endParaRPr lang="en-US" dirty="0"/>
+          </a:p>
+        </p:txBody>
+      </p:sp>
+      <p:sp>
+        <p:nvSpPr>
+          <p:cNvPr id="4" name="Slide Number Placeholder 3"/>
+          <p:cNvSpPr>
+            <a:spLocks noGrp="1"/>
+          </p:cNvSpPr>
+          <p:nvPr>
+            <p:ph type="sldNum" sz="quarter" idx="10"/>
+          </p:nvPr>
+        </p:nvSpPr>
+        <p:spPr/>
+        <p:txBody>
+          <a:bodyPr/>
+          <a:lstStyle/>
+          <a:p>
+            <a:fld id="{3A8071CD-55D8-0E40-9E87-5F5ADA6DF007}" type="slidenum">
+              <a:rPr lang="en-US" smtClean="0"/>
+              <a:t>57</a:t>
+            </a:fld>
+            <a:endParaRPr lang="en-US"/>
+          </a:p>
+        </p:txBody>
+      </p:sp>
+    </p:spTree>
+    <p:extLst>
+      <p:ext uri="{BB962C8B-B14F-4D97-AF65-F5344CB8AC3E}">
+        <p14:creationId xmlns:p14="http://schemas.microsoft.com/office/powerpoint/2010/main" val="800191084"/>
+      </p:ext>
+    </p:extLst>
+  </p:cSld>
+  <p:clrMapOvr>
+    <a:masterClrMapping/>
+  </p:clrMapOvr>
+</p:notes>
+</file>
+
+<file path=ppt/notesSlides/notesSlide36.xml><?xml version="1.0" encoding="utf-8"?>
+<p:notes xmlns:a="http://schemas.openxmlformats.org/drawingml/2006/main" xmlns:r="http://schemas.openxmlformats.org/officeDocument/2006/relationships" xmlns:p="http://schemas.openxmlformats.org/presentationml/2006/main">
+  <p:cSld>
+    <p:spTree>
+      <p:nvGrpSpPr>
+        <p:cNvPr id="1" name=""/>
+        <p:cNvGrpSpPr/>
+        <p:nvPr/>
+      </p:nvGrpSpPr>
+      <p:grpSpPr>
+        <a:xfrm>
+          <a:off x="0" y="0"/>
+          <a:ext cx="0" cy="0"/>
+          <a:chOff x="0" y="0"/>
+          <a:chExt cx="0" cy="0"/>
+        </a:xfrm>
+      </p:grpSpPr>
+      <p:sp>
+        <p:nvSpPr>
+          <p:cNvPr id="2" name="Slide Image Placeholder 1"/>
+          <p:cNvSpPr>
+            <a:spLocks noGrp="1" noRot="1" noChangeAspect="1"/>
+          </p:cNvSpPr>
+          <p:nvPr>
+            <p:ph type="sldImg"/>
+          </p:nvPr>
+        </p:nvSpPr>
+        <p:spPr/>
+      </p:sp>
+      <p:sp>
+        <p:nvSpPr>
+          <p:cNvPr id="3" name="Notes Placeholder 2"/>
+          <p:cNvSpPr>
+            <a:spLocks noGrp="1"/>
+          </p:cNvSpPr>
+          <p:nvPr>
+            <p:ph type="body" idx="1"/>
+          </p:nvPr>
+        </p:nvSpPr>
+        <p:spPr/>
+        <p:txBody>
+          <a:bodyPr/>
+          <a:lstStyle/>
+          <a:p>
             <a:r>
               <a:rPr lang="en-US" dirty="0" smtClean="0"/>
               <a:t>https://</a:t>
@@ -3817,7 +3919,7 @@
 </p:notes>
 </file>
 
-<file path=ppt/notesSlides/notesSlide36.xml><?xml version="1.0" encoding="utf-8"?>
+<file path=ppt/notesSlides/notesSlide37.xml><?xml version="1.0" encoding="utf-8"?>
 <p:notes xmlns:a="http://schemas.openxmlformats.org/drawingml/2006/main" xmlns:r="http://schemas.openxmlformats.org/officeDocument/2006/relationships" xmlns:p="http://schemas.openxmlformats.org/presentationml/2006/main">
   <p:cSld>
     <p:spTree>
@@ -4729,7 +4831,7 @@
             <a:fld id="{B61BEF0D-F0BB-DE4B-95CE-6DB70DBA9567}" type="datetimeFigureOut">
               <a:rPr lang="en-US" smtClean="0"/>
               <a:pPr/>
-              <a:t>7/22/18</a:t>
+              <a:t>7/27/18</a:t>
             </a:fld>
             <a:endParaRPr lang="en-US" dirty="0"/>
           </a:p>
@@ -5003,7 +5105,7 @@
             <a:fld id="{B61BEF0D-F0BB-DE4B-95CE-6DB70DBA9567}" type="datetimeFigureOut">
               <a:rPr lang="en-US" smtClean="0"/>
               <a:pPr/>
-              <a:t>7/22/18</a:t>
+              <a:t>7/27/18</a:t>
             </a:fld>
             <a:endParaRPr lang="en-US" dirty="0"/>
           </a:p>
@@ -5236,7 +5338,7 @@
             <a:fld id="{B61BEF0D-F0BB-DE4B-95CE-6DB70DBA9567}" type="datetimeFigureOut">
               <a:rPr lang="en-US" smtClean="0"/>
               <a:pPr/>
-              <a:t>7/22/18</a:t>
+              <a:t>7/27/18</a:t>
             </a:fld>
             <a:endParaRPr lang="en-US" dirty="0"/>
           </a:p>
@@ -5548,7 +5650,7 @@
             <a:fld id="{B61BEF0D-F0BB-DE4B-95CE-6DB70DBA9567}" type="datetimeFigureOut">
               <a:rPr lang="en-US" smtClean="0"/>
               <a:pPr/>
-              <a:t>7/22/18</a:t>
+              <a:t>7/27/18</a:t>
             </a:fld>
             <a:endParaRPr lang="en-US" dirty="0"/>
           </a:p>
@@ -6023,7 +6125,7 @@
             <a:fld id="{B61BEF0D-F0BB-DE4B-95CE-6DB70DBA9567}" type="datetimeFigureOut">
               <a:rPr lang="en-US" smtClean="0"/>
               <a:pPr/>
-              <a:t>7/22/18</a:t>
+              <a:t>7/27/18</a:t>
             </a:fld>
             <a:endParaRPr lang="en-US" dirty="0"/>
           </a:p>
@@ -6572,7 +6674,7 @@
             <a:fld id="{B61BEF0D-F0BB-DE4B-95CE-6DB70DBA9567}" type="datetimeFigureOut">
               <a:rPr lang="en-US" smtClean="0"/>
               <a:pPr/>
-              <a:t>7/22/18</a:t>
+              <a:t>7/27/18</a:t>
             </a:fld>
             <a:endParaRPr lang="en-US" dirty="0"/>
           </a:p>
@@ -7348,7 +7450,7 @@
             <a:fld id="{B61BEF0D-F0BB-DE4B-95CE-6DB70DBA9567}" type="datetimeFigureOut">
               <a:rPr lang="en-US" smtClean="0"/>
               <a:pPr/>
-              <a:t>7/22/18</a:t>
+              <a:t>7/27/18</a:t>
             </a:fld>
             <a:endParaRPr lang="en-US" dirty="0"/>
           </a:p>
@@ -7525,7 +7627,7 @@
             <a:fld id="{B61BEF0D-F0BB-DE4B-95CE-6DB70DBA9567}" type="datetimeFigureOut">
               <a:rPr lang="en-US" smtClean="0"/>
               <a:pPr/>
-              <a:t>7/22/18</a:t>
+              <a:t>7/27/18</a:t>
             </a:fld>
             <a:endParaRPr lang="en-US" dirty="0"/>
           </a:p>
@@ -7750,7 +7852,7 @@
             <a:fld id="{B61BEF0D-F0BB-DE4B-95CE-6DB70DBA9567}" type="datetimeFigureOut">
               <a:rPr lang="en-US" smtClean="0"/>
               <a:pPr/>
-              <a:t>7/22/18</a:t>
+              <a:t>7/27/18</a:t>
             </a:fld>
             <a:endParaRPr lang="en-US" dirty="0"/>
           </a:p>
@@ -7937,7 +8039,7 @@
             <a:fld id="{B61BEF0D-F0BB-DE4B-95CE-6DB70DBA9567}" type="datetimeFigureOut">
               <a:rPr lang="en-US" smtClean="0"/>
               <a:pPr/>
-              <a:t>7/22/18</a:t>
+              <a:t>7/27/18</a:t>
             </a:fld>
             <a:endParaRPr lang="en-US" dirty="0"/>
           </a:p>
@@ -8228,7 +8330,7 @@
             <a:fld id="{B61BEF0D-F0BB-DE4B-95CE-6DB70DBA9567}" type="datetimeFigureOut">
               <a:rPr lang="en-US" smtClean="0"/>
               <a:pPr/>
-              <a:t>7/22/18</a:t>
+              <a:t>7/27/18</a:t>
             </a:fld>
             <a:endParaRPr lang="en-US" dirty="0"/>
           </a:p>
@@ -8477,7 +8579,7 @@
             <a:fld id="{B61BEF0D-F0BB-DE4B-95CE-6DB70DBA9567}" type="datetimeFigureOut">
               <a:rPr lang="en-US" smtClean="0"/>
               <a:pPr/>
-              <a:t>7/22/18</a:t>
+              <a:t>7/27/18</a:t>
             </a:fld>
             <a:endParaRPr lang="en-US" dirty="0"/>
           </a:p>
@@ -8863,7 +8965,7 @@
             <a:fld id="{B61BEF0D-F0BB-DE4B-95CE-6DB70DBA9567}" type="datetimeFigureOut">
               <a:rPr lang="en-US" smtClean="0"/>
               <a:pPr/>
-              <a:t>7/22/18</a:t>
+              <a:t>7/27/18</a:t>
             </a:fld>
             <a:endParaRPr lang="en-US" dirty="0"/>
           </a:p>
@@ -8988,7 +9090,7 @@
             <a:fld id="{B61BEF0D-F0BB-DE4B-95CE-6DB70DBA9567}" type="datetimeFigureOut">
               <a:rPr lang="en-US" smtClean="0"/>
               <a:pPr/>
-              <a:t>7/22/18</a:t>
+              <a:t>7/27/18</a:t>
             </a:fld>
             <a:endParaRPr lang="en-US" dirty="0"/>
           </a:p>
@@ -9085,7 +9187,7 @@
             <a:fld id="{B61BEF0D-F0BB-DE4B-95CE-6DB70DBA9567}" type="datetimeFigureOut">
               <a:rPr lang="en-US" smtClean="0"/>
               <a:pPr/>
-              <a:t>7/22/18</a:t>
+              <a:t>7/27/18</a:t>
             </a:fld>
             <a:endParaRPr lang="en-US" dirty="0"/>
           </a:p>
@@ -9341,7 +9443,7 @@
             <a:fld id="{B61BEF0D-F0BB-DE4B-95CE-6DB70DBA9567}" type="datetimeFigureOut">
               <a:rPr lang="en-US" smtClean="0"/>
               <a:pPr/>
-              <a:t>7/22/18</a:t>
+              <a:t>7/27/18</a:t>
             </a:fld>
             <a:endParaRPr lang="en-US" dirty="0"/>
           </a:p>
@@ -9605,7 +9707,7 @@
             <a:fld id="{B61BEF0D-F0BB-DE4B-95CE-6DB70DBA9567}" type="datetimeFigureOut">
               <a:rPr lang="en-US" smtClean="0"/>
               <a:pPr/>
-              <a:t>7/22/18</a:t>
+              <a:t>7/27/18</a:t>
             </a:fld>
             <a:endParaRPr lang="en-US" dirty="0"/>
           </a:p>
@@ -9850,7 +9952,7 @@
             <a:fld id="{B61BEF0D-F0BB-DE4B-95CE-6DB70DBA9567}" type="datetimeFigureOut">
               <a:rPr lang="en-US" smtClean="0"/>
               <a:pPr/>
-              <a:t>7/22/18</a:t>
+              <a:t>7/27/18</a:t>
             </a:fld>
             <a:endParaRPr lang="en-US" dirty="0"/>
           </a:p>
@@ -15867,7 +15969,11 @@
             </a:r>
             <a:r>
               <a:rPr lang="zh-CN" altLang="en-US" dirty="0" smtClean="0"/>
-              <a:t>支持多个变量</a:t>
+              <a:t>支持实时监控多</a:t>
+            </a:r>
+            <a:r>
+              <a:rPr lang="zh-CN" altLang="en-US" dirty="0" smtClean="0"/>
+              <a:t>个变量</a:t>
             </a:r>
             <a:endParaRPr lang="en-US" altLang="zh-CN" dirty="0" smtClean="0"/>
           </a:p>
@@ -15918,6 +16024,15 @@
               <a:rPr lang="en-US" dirty="0" smtClean="0"/>
               <a:t> </a:t>
             </a:r>
+            <a:endParaRPr lang="en-US" dirty="0" smtClean="0"/>
+          </a:p>
+          <a:p>
+            <a:r>
+              <a:rPr lang="en-US" dirty="0" smtClean="0"/>
+              <a:t>4. promise-&gt; resolve observable -&gt; next</a:t>
+            </a:r>
+          </a:p>
+          <a:p>
             <a:endParaRPr lang="en-US" dirty="0"/>
           </a:p>
         </p:txBody>
@@ -16459,17 +16574,37 @@
           <a:lstStyle/>
           <a:p>
             <a:r>
+              <a:rPr lang="en-US" dirty="0">
+                <a:hlinkClick r:id="rId3"/>
+              </a:rPr>
+              <a:t>https://</a:t>
+            </a:r>
+            <a:r>
+              <a:rPr lang="en-US" dirty="0" smtClean="0">
+                <a:hlinkClick r:id="rId3"/>
+              </a:rPr>
+              <a:t>github.com/angular/angular-cli</a:t>
+            </a:r>
+            <a:endParaRPr lang="en-US" dirty="0" smtClean="0"/>
+          </a:p>
+          <a:p>
+            <a:r>
               <a:rPr lang="en-US" dirty="0"/>
               <a:t>https://</a:t>
             </a:r>
             <a:r>
               <a:rPr lang="en-US" dirty="0" err="1"/>
-              <a:t>github.com</a:t>
+              <a:t>angular.io</a:t>
             </a:r>
             <a:r>
               <a:rPr lang="en-US" dirty="0"/>
-              <a:t>/angular/angular-cli</a:t>
-            </a:r>
+              <a:t>/guide/</a:t>
+            </a:r>
+            <a:r>
+              <a:rPr lang="en-US" dirty="0" err="1"/>
+              <a:t>quickstart</a:t>
+            </a:r>
+            <a:endParaRPr lang="en-US" dirty="0"/>
           </a:p>
         </p:txBody>
       </p:sp>
